--- a/Presentation/Final_Presentation.pptx
+++ b/Presentation/Final_Presentation.pptx
@@ -4,6 +4,9 @@
   <p:sldMasterIdLst>
     <p:sldMasterId id="2147483875" r:id="rId1"/>
   </p:sldMasterIdLst>
+  <p:notesMasterIdLst>
+    <p:notesMasterId r:id="rId17"/>
+  </p:notesMasterIdLst>
   <p:sldIdLst>
     <p:sldId id="256" r:id="rId2"/>
     <p:sldId id="257" r:id="rId3"/>
@@ -118,7 +121,557 @@
       </a:defRPr>
     </a:lvl9pPr>
   </p:defaultTextStyle>
+  <p:extLst>
+    <p:ext uri="{EFAFB233-063F-42B5-8137-9DF3F51BA10A}">
+      <p15:sldGuideLst xmlns:p15="http://schemas.microsoft.com/office/powerpoint/2012/main"/>
+    </p:ext>
+  </p:extLst>
 </p:presentation>
+</file>
+
+<file path=ppt/revisionInfo.xml><?xml version="1.0" encoding="utf-8"?>
+<p1510:revInfo xmlns:a="http://schemas.openxmlformats.org/drawingml/2006/main" xmlns:r="http://schemas.openxmlformats.org/officeDocument/2006/relationships" xmlns:p1510="http://schemas.microsoft.com/office/powerpoint/2015/10/main">
+  <p1510:revLst>
+    <p1510:client id="{B7D17B82-5527-4661-8B13-DC96109D97FA}" v="6" dt="2025-12-02T16:23:10.483"/>
+  </p1510:revLst>
+</p1510:revInfo>
+</file>
+
+<file path=ppt/changesInfos/changesInfo1.xml><?xml version="1.0" encoding="utf-8"?>
+<pc:chgInfo xmlns:a="http://schemas.openxmlformats.org/drawingml/2006/main" xmlns:r="http://schemas.openxmlformats.org/officeDocument/2006/relationships" xmlns:ac="http://schemas.microsoft.com/office/drawing/2013/main/command" xmlns:pc="http://schemas.microsoft.com/office/powerpoint/2013/main/command">
+  <pc:docChgLst>
+    <pc:chgData name="Emma Francis" userId="1a28f87ee4f117f1" providerId="LiveId" clId="{41D06EC1-1E87-41B1-83A3-CDDFA7DD00B1}"/>
+    <pc:docChg chg="custSel modSld">
+      <pc:chgData name="Emma Francis" userId="1a28f87ee4f117f1" providerId="LiveId" clId="{41D06EC1-1E87-41B1-83A3-CDDFA7DD00B1}" dt="2025-12-02T16:24:16.849" v="386" actId="20577"/>
+      <pc:docMkLst>
+        <pc:docMk/>
+      </pc:docMkLst>
+      <pc:sldChg chg="modSp mod">
+        <pc:chgData name="Emma Francis" userId="1a28f87ee4f117f1" providerId="LiveId" clId="{41D06EC1-1E87-41B1-83A3-CDDFA7DD00B1}" dt="2025-12-02T16:12:47.435" v="186" actId="255"/>
+        <pc:sldMkLst>
+          <pc:docMk/>
+          <pc:sldMk cId="2402511089" sldId="258"/>
+        </pc:sldMkLst>
+        <pc:spChg chg="mod">
+          <ac:chgData name="Emma Francis" userId="1a28f87ee4f117f1" providerId="LiveId" clId="{41D06EC1-1E87-41B1-83A3-CDDFA7DD00B1}" dt="2025-12-02T16:12:47.435" v="186" actId="255"/>
+          <ac:spMkLst>
+            <pc:docMk/>
+            <pc:sldMk cId="2402511089" sldId="258"/>
+            <ac:spMk id="3" creationId="{C089B9FB-E92A-1D10-614D-C2AA1F1879FD}"/>
+          </ac:spMkLst>
+        </pc:spChg>
+      </pc:sldChg>
+      <pc:sldChg chg="addSp modSp mod">
+        <pc:chgData name="Emma Francis" userId="1a28f87ee4f117f1" providerId="LiveId" clId="{41D06EC1-1E87-41B1-83A3-CDDFA7DD00B1}" dt="2025-12-02T16:24:16.849" v="386" actId="20577"/>
+        <pc:sldMkLst>
+          <pc:docMk/>
+          <pc:sldMk cId="57324149" sldId="268"/>
+        </pc:sldMkLst>
+        <pc:spChg chg="mod">
+          <ac:chgData name="Emma Francis" userId="1a28f87ee4f117f1" providerId="LiveId" clId="{41D06EC1-1E87-41B1-83A3-CDDFA7DD00B1}" dt="2025-12-02T16:16:15.063" v="208" actId="20577"/>
+          <ac:spMkLst>
+            <pc:docMk/>
+            <pc:sldMk cId="57324149" sldId="268"/>
+            <ac:spMk id="2" creationId="{0D61185C-DEE3-C661-0CB7-2BDF7166C9CA}"/>
+          </ac:spMkLst>
+        </pc:spChg>
+        <pc:spChg chg="add mod">
+          <ac:chgData name="Emma Francis" userId="1a28f87ee4f117f1" providerId="LiveId" clId="{41D06EC1-1E87-41B1-83A3-CDDFA7DD00B1}" dt="2025-12-02T16:24:16.849" v="386" actId="20577"/>
+          <ac:spMkLst>
+            <pc:docMk/>
+            <pc:sldMk cId="57324149" sldId="268"/>
+            <ac:spMk id="3" creationId="{A097D33B-F738-EFE3-8C42-11B0BEF144FC}"/>
+          </ac:spMkLst>
+        </pc:spChg>
+      </pc:sldChg>
+    </pc:docChg>
+  </pc:docChgLst>
+</pc:chgInfo>
+</file>
+
+<file path=ppt/notesMasters/notesMaster1.xml><?xml version="1.0" encoding="utf-8"?>
+<p:notesMaster xmlns:a="http://schemas.openxmlformats.org/drawingml/2006/main" xmlns:r="http://schemas.openxmlformats.org/officeDocument/2006/relationships" xmlns:p="http://schemas.openxmlformats.org/presentationml/2006/main">
+  <p:cSld>
+    <p:bg>
+      <p:bgRef idx="1001">
+        <a:schemeClr val="bg1"/>
+      </p:bgRef>
+    </p:bg>
+    <p:spTree>
+      <p:nvGrpSpPr>
+        <p:cNvPr id="1" name=""/>
+        <p:cNvGrpSpPr/>
+        <p:nvPr/>
+      </p:nvGrpSpPr>
+      <p:grpSpPr>
+        <a:xfrm>
+          <a:off x="0" y="0"/>
+          <a:ext cx="0" cy="0"/>
+          <a:chOff x="0" y="0"/>
+          <a:chExt cx="0" cy="0"/>
+        </a:xfrm>
+      </p:grpSpPr>
+      <p:sp>
+        <p:nvSpPr>
+          <p:cNvPr id="2" name="Header Placeholder 1"/>
+          <p:cNvSpPr>
+            <a:spLocks noGrp="1"/>
+          </p:cNvSpPr>
+          <p:nvPr>
+            <p:ph type="hdr" sz="quarter"/>
+          </p:nvPr>
+        </p:nvSpPr>
+        <p:spPr>
+          <a:xfrm>
+            <a:off x="0" y="0"/>
+            <a:ext cx="2971800" cy="458788"/>
+          </a:xfrm>
+          <a:prstGeom prst="rect">
+            <a:avLst/>
+          </a:prstGeom>
+        </p:spPr>
+        <p:txBody>
+          <a:bodyPr vert="horz" lIns="91440" tIns="45720" rIns="91440" bIns="45720" rtlCol="0"/>
+          <a:lstStyle>
+            <a:lvl1pPr algn="l">
+              <a:defRPr sz="1200"/>
+            </a:lvl1pPr>
+          </a:lstStyle>
+          <a:p>
+            <a:endParaRPr lang="en-US"/>
+          </a:p>
+        </p:txBody>
+      </p:sp>
+      <p:sp>
+        <p:nvSpPr>
+          <p:cNvPr id="3" name="Date Placeholder 2"/>
+          <p:cNvSpPr>
+            <a:spLocks noGrp="1"/>
+          </p:cNvSpPr>
+          <p:nvPr>
+            <p:ph type="dt" idx="1"/>
+          </p:nvPr>
+        </p:nvSpPr>
+        <p:spPr>
+          <a:xfrm>
+            <a:off x="3884613" y="0"/>
+            <a:ext cx="2971800" cy="458788"/>
+          </a:xfrm>
+          <a:prstGeom prst="rect">
+            <a:avLst/>
+          </a:prstGeom>
+        </p:spPr>
+        <p:txBody>
+          <a:bodyPr vert="horz" lIns="91440" tIns="45720" rIns="91440" bIns="45720" rtlCol="0"/>
+          <a:lstStyle>
+            <a:lvl1pPr algn="r">
+              <a:defRPr sz="1200"/>
+            </a:lvl1pPr>
+          </a:lstStyle>
+          <a:p>
+            <a:fld id="{C4F179CE-8438-496C-8BC1-59B621BFFEBB}" type="datetimeFigureOut">
+              <a:rPr lang="en-US" smtClean="0"/>
+              <a:t>12/2/2025</a:t>
+            </a:fld>
+            <a:endParaRPr lang="en-US"/>
+          </a:p>
+        </p:txBody>
+      </p:sp>
+      <p:sp>
+        <p:nvSpPr>
+          <p:cNvPr id="4" name="Slide Image Placeholder 3"/>
+          <p:cNvSpPr>
+            <a:spLocks noGrp="1" noRot="1" noChangeAspect="1"/>
+          </p:cNvSpPr>
+          <p:nvPr>
+            <p:ph type="sldImg" idx="2"/>
+          </p:nvPr>
+        </p:nvSpPr>
+        <p:spPr>
+          <a:xfrm>
+            <a:off x="685800" y="1143000"/>
+            <a:ext cx="5486400" cy="3086100"/>
+          </a:xfrm>
+          <a:prstGeom prst="rect">
+            <a:avLst/>
+          </a:prstGeom>
+          <a:noFill/>
+          <a:ln w="12700">
+            <a:solidFill>
+              <a:prstClr val="black"/>
+            </a:solidFill>
+          </a:ln>
+        </p:spPr>
+        <p:txBody>
+          <a:bodyPr vert="horz" lIns="91440" tIns="45720" rIns="91440" bIns="45720" rtlCol="0" anchor="ctr"/>
+          <a:lstStyle/>
+          <a:p>
+            <a:endParaRPr lang="en-US"/>
+          </a:p>
+        </p:txBody>
+      </p:sp>
+      <p:sp>
+        <p:nvSpPr>
+          <p:cNvPr id="5" name="Notes Placeholder 4"/>
+          <p:cNvSpPr>
+            <a:spLocks noGrp="1"/>
+          </p:cNvSpPr>
+          <p:nvPr>
+            <p:ph type="body" sz="quarter" idx="3"/>
+          </p:nvPr>
+        </p:nvSpPr>
+        <p:spPr>
+          <a:xfrm>
+            <a:off x="685800" y="4400550"/>
+            <a:ext cx="5486400" cy="3600450"/>
+          </a:xfrm>
+          <a:prstGeom prst="rect">
+            <a:avLst/>
+          </a:prstGeom>
+        </p:spPr>
+        <p:txBody>
+          <a:bodyPr vert="horz" lIns="91440" tIns="45720" rIns="91440" bIns="45720" rtlCol="0"/>
+          <a:lstStyle/>
+          <a:p>
+            <a:pPr lvl="0"/>
+            <a:r>
+              <a:rPr lang="en-US"/>
+              <a:t>Click to edit Master text styles</a:t>
+            </a:r>
+          </a:p>
+          <a:p>
+            <a:pPr lvl="1"/>
+            <a:r>
+              <a:rPr lang="en-US"/>
+              <a:t>Second level</a:t>
+            </a:r>
+          </a:p>
+          <a:p>
+            <a:pPr lvl="2"/>
+            <a:r>
+              <a:rPr lang="en-US"/>
+              <a:t>Third level</a:t>
+            </a:r>
+          </a:p>
+          <a:p>
+            <a:pPr lvl="3"/>
+            <a:r>
+              <a:rPr lang="en-US"/>
+              <a:t>Fourth level</a:t>
+            </a:r>
+          </a:p>
+          <a:p>
+            <a:pPr lvl="4"/>
+            <a:r>
+              <a:rPr lang="en-US"/>
+              <a:t>Fifth level</a:t>
+            </a:r>
+          </a:p>
+        </p:txBody>
+      </p:sp>
+      <p:sp>
+        <p:nvSpPr>
+          <p:cNvPr id="6" name="Footer Placeholder 5"/>
+          <p:cNvSpPr>
+            <a:spLocks noGrp="1"/>
+          </p:cNvSpPr>
+          <p:nvPr>
+            <p:ph type="ftr" sz="quarter" idx="4"/>
+          </p:nvPr>
+        </p:nvSpPr>
+        <p:spPr>
+          <a:xfrm>
+            <a:off x="0" y="8685213"/>
+            <a:ext cx="2971800" cy="458787"/>
+          </a:xfrm>
+          <a:prstGeom prst="rect">
+            <a:avLst/>
+          </a:prstGeom>
+        </p:spPr>
+        <p:txBody>
+          <a:bodyPr vert="horz" lIns="91440" tIns="45720" rIns="91440" bIns="45720" rtlCol="0" anchor="b"/>
+          <a:lstStyle>
+            <a:lvl1pPr algn="l">
+              <a:defRPr sz="1200"/>
+            </a:lvl1pPr>
+          </a:lstStyle>
+          <a:p>
+            <a:endParaRPr lang="en-US"/>
+          </a:p>
+        </p:txBody>
+      </p:sp>
+      <p:sp>
+        <p:nvSpPr>
+          <p:cNvPr id="7" name="Slide Number Placeholder 6"/>
+          <p:cNvSpPr>
+            <a:spLocks noGrp="1"/>
+          </p:cNvSpPr>
+          <p:nvPr>
+            <p:ph type="sldNum" sz="quarter" idx="5"/>
+          </p:nvPr>
+        </p:nvSpPr>
+        <p:spPr>
+          <a:xfrm>
+            <a:off x="3884613" y="8685213"/>
+            <a:ext cx="2971800" cy="458787"/>
+          </a:xfrm>
+          <a:prstGeom prst="rect">
+            <a:avLst/>
+          </a:prstGeom>
+        </p:spPr>
+        <p:txBody>
+          <a:bodyPr vert="horz" lIns="91440" tIns="45720" rIns="91440" bIns="45720" rtlCol="0" anchor="b"/>
+          <a:lstStyle>
+            <a:lvl1pPr algn="r">
+              <a:defRPr sz="1200"/>
+            </a:lvl1pPr>
+          </a:lstStyle>
+          <a:p>
+            <a:fld id="{225E0D09-A73B-45C7-9595-EA62676DC56E}" type="slidenum">
+              <a:rPr lang="en-US" smtClean="0"/>
+              <a:t>‹#›</a:t>
+            </a:fld>
+            <a:endParaRPr lang="en-US"/>
+          </a:p>
+        </p:txBody>
+      </p:sp>
+    </p:spTree>
+    <p:extLst>
+      <p:ext uri="{BB962C8B-B14F-4D97-AF65-F5344CB8AC3E}">
+        <p14:creationId xmlns:p14="http://schemas.microsoft.com/office/powerpoint/2010/main" val="403368140"/>
+      </p:ext>
+    </p:extLst>
+  </p:cSld>
+  <p:clrMap bg1="lt1" tx1="dk1" bg2="lt2" tx2="dk2" accent1="accent1" accent2="accent2" accent3="accent3" accent4="accent4" accent5="accent5" accent6="accent6" hlink="hlink" folHlink="folHlink"/>
+  <p:notesStyle>
+    <a:lvl1pPr marL="0" algn="l" defTabSz="914400" rtl="0" eaLnBrk="1" latinLnBrk="0" hangingPunct="1">
+      <a:defRPr sz="1200" kern="1200">
+        <a:solidFill>
+          <a:schemeClr val="tx1"/>
+        </a:solidFill>
+        <a:latin typeface="+mn-lt"/>
+        <a:ea typeface="+mn-ea"/>
+        <a:cs typeface="+mn-cs"/>
+      </a:defRPr>
+    </a:lvl1pPr>
+    <a:lvl2pPr marL="457200" algn="l" defTabSz="914400" rtl="0" eaLnBrk="1" latinLnBrk="0" hangingPunct="1">
+      <a:defRPr sz="1200" kern="1200">
+        <a:solidFill>
+          <a:schemeClr val="tx1"/>
+        </a:solidFill>
+        <a:latin typeface="+mn-lt"/>
+        <a:ea typeface="+mn-ea"/>
+        <a:cs typeface="+mn-cs"/>
+      </a:defRPr>
+    </a:lvl2pPr>
+    <a:lvl3pPr marL="914400" algn="l" defTabSz="914400" rtl="0" eaLnBrk="1" latinLnBrk="0" hangingPunct="1">
+      <a:defRPr sz="1200" kern="1200">
+        <a:solidFill>
+          <a:schemeClr val="tx1"/>
+        </a:solidFill>
+        <a:latin typeface="+mn-lt"/>
+        <a:ea typeface="+mn-ea"/>
+        <a:cs typeface="+mn-cs"/>
+      </a:defRPr>
+    </a:lvl3pPr>
+    <a:lvl4pPr marL="1371600" algn="l" defTabSz="914400" rtl="0" eaLnBrk="1" latinLnBrk="0" hangingPunct="1">
+      <a:defRPr sz="1200" kern="1200">
+        <a:solidFill>
+          <a:schemeClr val="tx1"/>
+        </a:solidFill>
+        <a:latin typeface="+mn-lt"/>
+        <a:ea typeface="+mn-ea"/>
+        <a:cs typeface="+mn-cs"/>
+      </a:defRPr>
+    </a:lvl4pPr>
+    <a:lvl5pPr marL="1828800" algn="l" defTabSz="914400" rtl="0" eaLnBrk="1" latinLnBrk="0" hangingPunct="1">
+      <a:defRPr sz="1200" kern="1200">
+        <a:solidFill>
+          <a:schemeClr val="tx1"/>
+        </a:solidFill>
+        <a:latin typeface="+mn-lt"/>
+        <a:ea typeface="+mn-ea"/>
+        <a:cs typeface="+mn-cs"/>
+      </a:defRPr>
+    </a:lvl5pPr>
+    <a:lvl6pPr marL="2286000" algn="l" defTabSz="914400" rtl="0" eaLnBrk="1" latinLnBrk="0" hangingPunct="1">
+      <a:defRPr sz="1200" kern="1200">
+        <a:solidFill>
+          <a:schemeClr val="tx1"/>
+        </a:solidFill>
+        <a:latin typeface="+mn-lt"/>
+        <a:ea typeface="+mn-ea"/>
+        <a:cs typeface="+mn-cs"/>
+      </a:defRPr>
+    </a:lvl6pPr>
+    <a:lvl7pPr marL="2743200" algn="l" defTabSz="914400" rtl="0" eaLnBrk="1" latinLnBrk="0" hangingPunct="1">
+      <a:defRPr sz="1200" kern="1200">
+        <a:solidFill>
+          <a:schemeClr val="tx1"/>
+        </a:solidFill>
+        <a:latin typeface="+mn-lt"/>
+        <a:ea typeface="+mn-ea"/>
+        <a:cs typeface="+mn-cs"/>
+      </a:defRPr>
+    </a:lvl7pPr>
+    <a:lvl8pPr marL="3200400" algn="l" defTabSz="914400" rtl="0" eaLnBrk="1" latinLnBrk="0" hangingPunct="1">
+      <a:defRPr sz="1200" kern="1200">
+        <a:solidFill>
+          <a:schemeClr val="tx1"/>
+        </a:solidFill>
+        <a:latin typeface="+mn-lt"/>
+        <a:ea typeface="+mn-ea"/>
+        <a:cs typeface="+mn-cs"/>
+      </a:defRPr>
+    </a:lvl8pPr>
+    <a:lvl9pPr marL="3657600" algn="l" defTabSz="914400" rtl="0" eaLnBrk="1" latinLnBrk="0" hangingPunct="1">
+      <a:defRPr sz="1200" kern="1200">
+        <a:solidFill>
+          <a:schemeClr val="tx1"/>
+        </a:solidFill>
+        <a:latin typeface="+mn-lt"/>
+        <a:ea typeface="+mn-ea"/>
+        <a:cs typeface="+mn-cs"/>
+      </a:defRPr>
+    </a:lvl9pPr>
+  </p:notesStyle>
+</p:notesMaster>
+</file>
+
+<file path=ppt/notesSlides/notesSlide1.xml><?xml version="1.0" encoding="utf-8"?>
+<p:notes xmlns:a="http://schemas.openxmlformats.org/drawingml/2006/main" xmlns:r="http://schemas.openxmlformats.org/officeDocument/2006/relationships" xmlns:p="http://schemas.openxmlformats.org/presentationml/2006/main">
+  <p:cSld>
+    <p:spTree>
+      <p:nvGrpSpPr>
+        <p:cNvPr id="1" name=""/>
+        <p:cNvGrpSpPr/>
+        <p:nvPr/>
+      </p:nvGrpSpPr>
+      <p:grpSpPr>
+        <a:xfrm>
+          <a:off x="0" y="0"/>
+          <a:ext cx="0" cy="0"/>
+          <a:chOff x="0" y="0"/>
+          <a:chExt cx="0" cy="0"/>
+        </a:xfrm>
+      </p:grpSpPr>
+      <p:sp>
+        <p:nvSpPr>
+          <p:cNvPr id="2" name="Slide Image Placeholder 1"/>
+          <p:cNvSpPr>
+            <a:spLocks noGrp="1" noRot="1" noChangeAspect="1"/>
+          </p:cNvSpPr>
+          <p:nvPr>
+            <p:ph type="sldImg"/>
+          </p:nvPr>
+        </p:nvSpPr>
+        <p:spPr/>
+      </p:sp>
+      <p:sp>
+        <p:nvSpPr>
+          <p:cNvPr id="3" name="Notes Placeholder 2"/>
+          <p:cNvSpPr>
+            <a:spLocks noGrp="1"/>
+          </p:cNvSpPr>
+          <p:nvPr>
+            <p:ph type="body" idx="1"/>
+          </p:nvPr>
+        </p:nvSpPr>
+        <p:spPr/>
+        <p:txBody>
+          <a:bodyPr/>
+          <a:lstStyle/>
+          <a:p>
+            <a:pPr marL="0" marR="0" lvl="0" indent="0" algn="l" defTabSz="914400" rtl="0" eaLnBrk="1" fontAlgn="auto" latinLnBrk="0" hangingPunct="1">
+              <a:lnSpc>
+                <a:spcPct val="100000"/>
+              </a:lnSpc>
+              <a:spcBef>
+                <a:spcPts val="0"/>
+              </a:spcBef>
+              <a:spcAft>
+                <a:spcPts val="0"/>
+              </a:spcAft>
+              <a:buClrTx/>
+              <a:buSzTx/>
+              <a:buFontTx/>
+              <a:buNone/>
+              <a:tabLst/>
+              <a:defRPr/>
+            </a:pPr>
+            <a:r>
+              <a:rPr lang="en-US" dirty="0">
+                <a:latin typeface="Microsoft JhengHei" panose="020B0604030504040204" pitchFamily="34" charset="-120"/>
+                <a:ea typeface="Microsoft JhengHei" panose="020B0604030504040204" pitchFamily="34" charset="-120"/>
+              </a:rPr>
+              <a:t>The model accuracy is 76%</a:t>
+            </a:r>
+          </a:p>
+          <a:p>
+            <a:pPr marL="0" marR="0" lvl="0" indent="0" algn="l" defTabSz="914400" rtl="0" eaLnBrk="1" fontAlgn="auto" latinLnBrk="0" hangingPunct="1">
+              <a:lnSpc>
+                <a:spcPct val="100000"/>
+              </a:lnSpc>
+              <a:spcBef>
+                <a:spcPts val="0"/>
+              </a:spcBef>
+              <a:spcAft>
+                <a:spcPts val="0"/>
+              </a:spcAft>
+              <a:buClrTx/>
+              <a:buSzTx/>
+              <a:buFontTx/>
+              <a:buNone/>
+              <a:tabLst/>
+              <a:defRPr/>
+            </a:pPr>
+            <a:r>
+              <a:rPr lang="en-US" dirty="0">
+                <a:latin typeface="Microsoft JhengHei" panose="020B0604030504040204" pitchFamily="34" charset="-120"/>
+                <a:ea typeface="Microsoft JhengHei" panose="020B0604030504040204" pitchFamily="34" charset="-120"/>
+              </a:rPr>
+              <a:t>The demographic variables have modest predictive power</a:t>
+            </a:r>
+          </a:p>
+          <a:p>
+            <a:endParaRPr lang="en-US" dirty="0"/>
+          </a:p>
+        </p:txBody>
+      </p:sp>
+      <p:sp>
+        <p:nvSpPr>
+          <p:cNvPr id="4" name="Slide Number Placeholder 3"/>
+          <p:cNvSpPr>
+            <a:spLocks noGrp="1"/>
+          </p:cNvSpPr>
+          <p:nvPr>
+            <p:ph type="sldNum" sz="quarter" idx="5"/>
+          </p:nvPr>
+        </p:nvSpPr>
+        <p:spPr/>
+        <p:txBody>
+          <a:bodyPr/>
+          <a:lstStyle/>
+          <a:p>
+            <a:fld id="{225E0D09-A73B-45C7-9595-EA62676DC56E}" type="slidenum">
+              <a:rPr lang="en-US" smtClean="0"/>
+              <a:t>13</a:t>
+            </a:fld>
+            <a:endParaRPr lang="en-US"/>
+          </a:p>
+        </p:txBody>
+      </p:sp>
+    </p:spTree>
+    <p:extLst>
+      <p:ext uri="{BB962C8B-B14F-4D97-AF65-F5344CB8AC3E}">
+        <p14:creationId xmlns:p14="http://schemas.microsoft.com/office/powerpoint/2010/main" val="3918664323"/>
+      </p:ext>
+    </p:extLst>
+  </p:cSld>
+  <p:clrMapOvr>
+    <a:masterClrMapping/>
+  </p:clrMapOvr>
+</p:notes>
 </file>
 
 <file path=ppt/slideLayouts/slideLayout1.xml><?xml version="1.0" encoding="utf-8"?>
@@ -214,6 +767,13 @@
               <a:schemeClr val="lt1"/>
             </a:fontRef>
           </p:style>
+          <p:txBody>
+            <a:bodyPr/>
+            <a:lstStyle/>
+            <a:p>
+              <a:endParaRPr lang="en-US"/>
+            </a:p>
+          </p:txBody>
         </p:sp>
         <p:cxnSp>
           <p:nvCxnSpPr>
@@ -351,6 +911,13 @@
               <a:schemeClr val="lt1"/>
             </a:fontRef>
           </p:style>
+          <p:txBody>
+            <a:bodyPr/>
+            <a:lstStyle/>
+            <a:p>
+              <a:endParaRPr lang="en-US"/>
+            </a:p>
+          </p:txBody>
         </p:sp>
         <p:sp>
           <p:nvSpPr>
@@ -414,6 +981,13 @@
               <a:schemeClr val="lt1"/>
             </a:fontRef>
           </p:style>
+          <p:txBody>
+            <a:bodyPr/>
+            <a:lstStyle/>
+            <a:p>
+              <a:endParaRPr lang="en-US"/>
+            </a:p>
+          </p:txBody>
         </p:sp>
         <p:sp>
           <p:nvSpPr>
@@ -456,6 +1030,13 @@
               <a:schemeClr val="lt1"/>
             </a:fontRef>
           </p:style>
+          <p:txBody>
+            <a:bodyPr/>
+            <a:lstStyle/>
+            <a:p>
+              <a:endParaRPr lang="en-US"/>
+            </a:p>
+          </p:txBody>
         </p:sp>
         <p:sp>
           <p:nvSpPr>
@@ -520,6 +1101,13 @@
               <a:schemeClr val="lt1"/>
             </a:fontRef>
           </p:style>
+          <p:txBody>
+            <a:bodyPr/>
+            <a:lstStyle/>
+            <a:p>
+              <a:endParaRPr lang="en-US"/>
+            </a:p>
+          </p:txBody>
         </p:sp>
         <p:sp>
           <p:nvSpPr>
@@ -583,6 +1171,13 @@
               <a:schemeClr val="lt1"/>
             </a:fontRef>
           </p:style>
+          <p:txBody>
+            <a:bodyPr/>
+            <a:lstStyle/>
+            <a:p>
+              <a:endParaRPr lang="en-US"/>
+            </a:p>
+          </p:txBody>
         </p:sp>
         <p:sp>
           <p:nvSpPr>
@@ -647,6 +1242,13 @@
               <a:schemeClr val="lt1"/>
             </a:fontRef>
           </p:style>
+          <p:txBody>
+            <a:bodyPr/>
+            <a:lstStyle/>
+            <a:p>
+              <a:endParaRPr lang="en-US"/>
+            </a:p>
+          </p:txBody>
         </p:sp>
         <p:sp>
           <p:nvSpPr>
@@ -689,6 +1291,13 @@
               <a:schemeClr val="lt1"/>
             </a:fontRef>
           </p:style>
+          <p:txBody>
+            <a:bodyPr/>
+            <a:lstStyle/>
+            <a:p>
+              <a:endParaRPr lang="en-US"/>
+            </a:p>
+          </p:txBody>
         </p:sp>
       </p:grpSp>
       <p:sp>
@@ -866,7 +1475,7 @@
           <a:p>
             <a:fld id="{C7CB63CC-3986-A348-B522-7E03CA4B0442}" type="datetimeFigureOut">
               <a:rPr kumimoji="1" lang="zh-TW" altLang="en-US" smtClean="0"/>
-              <a:t>2025/12/1</a:t>
+              <a:t>2025/12/2</a:t>
             </a:fld>
             <a:endParaRPr kumimoji="1" lang="zh-TW" altLang="en-US"/>
           </a:p>
@@ -1117,7 +1726,7 @@
           <a:p>
             <a:fld id="{C7CB63CC-3986-A348-B522-7E03CA4B0442}" type="datetimeFigureOut">
               <a:rPr kumimoji="1" lang="zh-TW" altLang="en-US" smtClean="0"/>
-              <a:t>2025/12/1</a:t>
+              <a:t>2025/12/2</a:t>
             </a:fld>
             <a:endParaRPr kumimoji="1" lang="zh-TW" altLang="en-US"/>
           </a:p>
@@ -1431,7 +2040,7 @@
           <a:p>
             <a:fld id="{C7CB63CC-3986-A348-B522-7E03CA4B0442}" type="datetimeFigureOut">
               <a:rPr kumimoji="1" lang="zh-TW" altLang="en-US" smtClean="0"/>
-              <a:t>2025/12/1</a:t>
+              <a:t>2025/12/2</a:t>
             </a:fld>
             <a:endParaRPr kumimoji="1" lang="zh-TW" altLang="en-US"/>
           </a:p>
@@ -1764,7 +2373,7 @@
           <a:p>
             <a:fld id="{C7CB63CC-3986-A348-B522-7E03CA4B0442}" type="datetimeFigureOut">
               <a:rPr kumimoji="1" lang="zh-TW" altLang="en-US" smtClean="0"/>
-              <a:t>2025/12/1</a:t>
+              <a:t>2025/12/2</a:t>
             </a:fld>
             <a:endParaRPr kumimoji="1" lang="zh-TW" altLang="en-US"/>
           </a:p>
@@ -2078,7 +2687,7 @@
           <a:p>
             <a:fld id="{C7CB63CC-3986-A348-B522-7E03CA4B0442}" type="datetimeFigureOut">
               <a:rPr kumimoji="1" lang="zh-TW" altLang="en-US" smtClean="0"/>
-              <a:t>2025/12/1</a:t>
+              <a:t>2025/12/2</a:t>
             </a:fld>
             <a:endParaRPr kumimoji="1" lang="zh-TW" altLang="en-US"/>
           </a:p>
@@ -2471,7 +3080,7 @@
           <a:p>
             <a:fld id="{C7CB63CC-3986-A348-B522-7E03CA4B0442}" type="datetimeFigureOut">
               <a:rPr kumimoji="1" lang="zh-TW" altLang="en-US" smtClean="0"/>
-              <a:t>2025/12/1</a:t>
+              <a:t>2025/12/2</a:t>
             </a:fld>
             <a:endParaRPr kumimoji="1" lang="zh-TW" altLang="en-US"/>
           </a:p>
@@ -2641,7 +3250,7 @@
           <a:p>
             <a:fld id="{C7CB63CC-3986-A348-B522-7E03CA4B0442}" type="datetimeFigureOut">
               <a:rPr kumimoji="1" lang="zh-TW" altLang="en-US" smtClean="0"/>
-              <a:t>2025/12/1</a:t>
+              <a:t>2025/12/2</a:t>
             </a:fld>
             <a:endParaRPr kumimoji="1" lang="zh-TW" altLang="en-US"/>
           </a:p>
@@ -2821,7 +3430,7 @@
           <a:p>
             <a:fld id="{C7CB63CC-3986-A348-B522-7E03CA4B0442}" type="datetimeFigureOut">
               <a:rPr kumimoji="1" lang="zh-TW" altLang="en-US" smtClean="0"/>
-              <a:t>2025/12/1</a:t>
+              <a:t>2025/12/2</a:t>
             </a:fld>
             <a:endParaRPr kumimoji="1" lang="zh-TW" altLang="en-US"/>
           </a:p>
@@ -2991,7 +3600,7 @@
           <a:p>
             <a:fld id="{C7CB63CC-3986-A348-B522-7E03CA4B0442}" type="datetimeFigureOut">
               <a:rPr kumimoji="1" lang="zh-TW" altLang="en-US" smtClean="0"/>
-              <a:t>2025/12/1</a:t>
+              <a:t>2025/12/2</a:t>
             </a:fld>
             <a:endParaRPr kumimoji="1" lang="zh-TW" altLang="en-US"/>
           </a:p>
@@ -3238,7 +3847,7 @@
           <a:p>
             <a:fld id="{C7CB63CC-3986-A348-B522-7E03CA4B0442}" type="datetimeFigureOut">
               <a:rPr kumimoji="1" lang="zh-TW" altLang="en-US" smtClean="0"/>
-              <a:t>2025/12/1</a:t>
+              <a:t>2025/12/2</a:t>
             </a:fld>
             <a:endParaRPr kumimoji="1" lang="zh-TW" altLang="en-US"/>
           </a:p>
@@ -3470,7 +4079,7 @@
           <a:p>
             <a:fld id="{C7CB63CC-3986-A348-B522-7E03CA4B0442}" type="datetimeFigureOut">
               <a:rPr kumimoji="1" lang="zh-TW" altLang="en-US" smtClean="0"/>
-              <a:t>2025/12/1</a:t>
+              <a:t>2025/12/2</a:t>
             </a:fld>
             <a:endParaRPr kumimoji="1" lang="zh-TW" altLang="en-US"/>
           </a:p>
@@ -3849,7 +4458,7 @@
           <a:p>
             <a:fld id="{C7CB63CC-3986-A348-B522-7E03CA4B0442}" type="datetimeFigureOut">
               <a:rPr kumimoji="1" lang="zh-TW" altLang="en-US" smtClean="0"/>
-              <a:t>2025/12/1</a:t>
+              <a:t>2025/12/2</a:t>
             </a:fld>
             <a:endParaRPr kumimoji="1" lang="zh-TW" altLang="en-US"/>
           </a:p>
@@ -3977,7 +4586,7 @@
           <a:p>
             <a:fld id="{C7CB63CC-3986-A348-B522-7E03CA4B0442}" type="datetimeFigureOut">
               <a:rPr kumimoji="1" lang="zh-TW" altLang="en-US" smtClean="0"/>
-              <a:t>2025/12/1</a:t>
+              <a:t>2025/12/2</a:t>
             </a:fld>
             <a:endParaRPr kumimoji="1" lang="zh-TW" altLang="en-US"/>
           </a:p>
@@ -4072,7 +4681,7 @@
           <a:p>
             <a:fld id="{C7CB63CC-3986-A348-B522-7E03CA4B0442}" type="datetimeFigureOut">
               <a:rPr kumimoji="1" lang="zh-TW" altLang="en-US" smtClean="0"/>
-              <a:t>2025/12/1</a:t>
+              <a:t>2025/12/2</a:t>
             </a:fld>
             <a:endParaRPr kumimoji="1" lang="zh-TW" altLang="en-US"/>
           </a:p>
@@ -4327,7 +4936,7 @@
           <a:p>
             <a:fld id="{C7CB63CC-3986-A348-B522-7E03CA4B0442}" type="datetimeFigureOut">
               <a:rPr kumimoji="1" lang="zh-TW" altLang="en-US" smtClean="0"/>
-              <a:t>2025/12/1</a:t>
+              <a:t>2025/12/2</a:t>
             </a:fld>
             <a:endParaRPr kumimoji="1" lang="zh-TW" altLang="en-US"/>
           </a:p>
@@ -4637,7 +5246,7 @@
           <a:p>
             <a:fld id="{C7CB63CC-3986-A348-B522-7E03CA4B0442}" type="datetimeFigureOut">
               <a:rPr kumimoji="1" lang="zh-TW" altLang="en-US" smtClean="0"/>
-              <a:t>2025/12/1</a:t>
+              <a:t>2025/12/2</a:t>
             </a:fld>
             <a:endParaRPr kumimoji="1" lang="zh-TW" altLang="en-US"/>
           </a:p>
@@ -4828,6 +5437,13 @@
               <a:schemeClr val="lt1"/>
             </a:fontRef>
           </p:style>
+          <p:txBody>
+            <a:bodyPr/>
+            <a:lstStyle/>
+            <a:p>
+              <a:endParaRPr lang="en-US"/>
+            </a:p>
+          </p:txBody>
         </p:sp>
         <p:sp>
           <p:nvSpPr>
@@ -4891,6 +5507,13 @@
               <a:schemeClr val="lt1"/>
             </a:fontRef>
           </p:style>
+          <p:txBody>
+            <a:bodyPr/>
+            <a:lstStyle/>
+            <a:p>
+              <a:endParaRPr lang="en-US"/>
+            </a:p>
+          </p:txBody>
         </p:sp>
         <p:sp>
           <p:nvSpPr>
@@ -4933,6 +5556,13 @@
               <a:schemeClr val="lt1"/>
             </a:fontRef>
           </p:style>
+          <p:txBody>
+            <a:bodyPr/>
+            <a:lstStyle/>
+            <a:p>
+              <a:endParaRPr lang="en-US"/>
+            </a:p>
+          </p:txBody>
         </p:sp>
         <p:sp>
           <p:nvSpPr>
@@ -4997,6 +5627,13 @@
               <a:schemeClr val="lt1"/>
             </a:fontRef>
           </p:style>
+          <p:txBody>
+            <a:bodyPr/>
+            <a:lstStyle/>
+            <a:p>
+              <a:endParaRPr lang="en-US"/>
+            </a:p>
+          </p:txBody>
         </p:sp>
         <p:sp>
           <p:nvSpPr>
@@ -5060,6 +5697,13 @@
               <a:schemeClr val="lt1"/>
             </a:fontRef>
           </p:style>
+          <p:txBody>
+            <a:bodyPr/>
+            <a:lstStyle/>
+            <a:p>
+              <a:endParaRPr lang="en-US"/>
+            </a:p>
+          </p:txBody>
         </p:sp>
         <p:sp>
           <p:nvSpPr>
@@ -5124,6 +5768,13 @@
               <a:schemeClr val="lt1"/>
             </a:fontRef>
           </p:style>
+          <p:txBody>
+            <a:bodyPr/>
+            <a:lstStyle/>
+            <a:p>
+              <a:endParaRPr lang="en-US"/>
+            </a:p>
+          </p:txBody>
         </p:sp>
         <p:sp>
           <p:nvSpPr>
@@ -5166,6 +5817,13 @@
               <a:schemeClr val="lt1"/>
             </a:fontRef>
           </p:style>
+          <p:txBody>
+            <a:bodyPr/>
+            <a:lstStyle/>
+            <a:p>
+              <a:endParaRPr lang="en-US"/>
+            </a:p>
+          </p:txBody>
         </p:sp>
         <p:sp>
           <p:nvSpPr>
@@ -5207,6 +5865,13 @@
               <a:schemeClr val="lt1"/>
             </a:fontRef>
           </p:style>
+          <p:txBody>
+            <a:bodyPr/>
+            <a:lstStyle/>
+            <a:p>
+              <a:endParaRPr lang="en-US"/>
+            </a:p>
+          </p:txBody>
         </p:sp>
       </p:grpSp>
       <p:sp>
@@ -5339,7 +6004,7 @@
           <a:p>
             <a:fld id="{C7CB63CC-3986-A348-B522-7E03CA4B0442}" type="datetimeFigureOut">
               <a:rPr kumimoji="1" lang="zh-TW" altLang="en-US" smtClean="0"/>
-              <a:t>2025/12/1</a:t>
+              <a:t>2025/12/2</a:t>
             </a:fld>
             <a:endParaRPr kumimoji="1" lang="zh-TW" altLang="en-US"/>
           </a:p>
@@ -6951,12 +7616,199 @@
                 <a:latin typeface="Times New Roman" panose="02020603050405020304" pitchFamily="18" charset="0"/>
                 <a:cs typeface="Times New Roman" panose="02020603050405020304" pitchFamily="18" charset="0"/>
               </a:rPr>
-              <a:t>Conclusion</a:t>
+              <a:t>Conclusions – SMART Question 1</a:t>
             </a:r>
             <a:endParaRPr kumimoji="1" lang="zh-TW" altLang="en-US" b="1" dirty="0">
               <a:latin typeface="Times New Roman" panose="02020603050405020304" pitchFamily="18" charset="0"/>
               <a:cs typeface="Times New Roman" panose="02020603050405020304" pitchFamily="18" charset="0"/>
             </a:endParaRPr>
+          </a:p>
+        </p:txBody>
+      </p:sp>
+      <p:sp>
+        <p:nvSpPr>
+          <p:cNvPr id="3" name="TextBox 2">
+            <a:extLst>
+              <a:ext uri="{FF2B5EF4-FFF2-40B4-BE49-F238E27FC236}">
+                <a16:creationId xmlns:a16="http://schemas.microsoft.com/office/drawing/2014/main" id="{A097D33B-F738-EFE3-8C42-11B0BEF144FC}"/>
+              </a:ext>
+            </a:extLst>
+          </p:cNvPr>
+          <p:cNvSpPr txBox="1"/>
+          <p:nvPr/>
+        </p:nvSpPr>
+        <p:spPr>
+          <a:xfrm>
+            <a:off x="677334" y="1503680"/>
+            <a:ext cx="8596668" cy="4801314"/>
+          </a:xfrm>
+          <a:prstGeom prst="rect">
+            <a:avLst/>
+          </a:prstGeom>
+          <a:noFill/>
+        </p:spPr>
+        <p:txBody>
+          <a:bodyPr wrap="square" rtlCol="0">
+            <a:spAutoFit/>
+          </a:bodyPr>
+          <a:lstStyle/>
+          <a:p>
+            <a:pPr marL="285750" indent="-285750">
+              <a:buFont typeface="Arial" panose="020B0604020202020204" pitchFamily="34" charset="0"/>
+              <a:buChar char="•"/>
+            </a:pPr>
+            <a:r>
+              <a:rPr lang="en-US" dirty="0">
+                <a:latin typeface="Microsoft JhengHei" panose="020B0604030504040204" pitchFamily="34" charset="-120"/>
+                <a:ea typeface="Microsoft JhengHei" panose="020B0604030504040204" pitchFamily="34" charset="-120"/>
+              </a:rPr>
+              <a:t> When class imbalance is accounted for, a decent amount of individuals who do not have a mental illness are identified</a:t>
+            </a:r>
+          </a:p>
+          <a:p>
+            <a:pPr marL="285750" indent="-285750">
+              <a:buFont typeface="Arial" panose="020B0604020202020204" pitchFamily="34" charset="0"/>
+              <a:buChar char="•"/>
+            </a:pPr>
+            <a:r>
+              <a:rPr lang="en-US" dirty="0">
+                <a:latin typeface="Microsoft JhengHei" panose="020B0604030504040204" pitchFamily="34" charset="-120"/>
+                <a:ea typeface="Microsoft JhengHei" panose="020B0604030504040204" pitchFamily="34" charset="-120"/>
+              </a:rPr>
+              <a:t>Being older decreases the chance of having a mental illness </a:t>
+            </a:r>
+          </a:p>
+          <a:p>
+            <a:pPr marL="285750" indent="-285750">
+              <a:buFont typeface="Arial" panose="020B0604020202020204" pitchFamily="34" charset="0"/>
+              <a:buChar char="•"/>
+            </a:pPr>
+            <a:r>
+              <a:rPr lang="en-US" dirty="0">
+                <a:latin typeface="Microsoft JhengHei" panose="020B0604030504040204" pitchFamily="34" charset="-120"/>
+                <a:ea typeface="Microsoft JhengHei" panose="020B0604030504040204" pitchFamily="34" charset="-120"/>
+              </a:rPr>
+              <a:t>Cohabitating with others and substance use minimally increases the risk of having a mental illness</a:t>
+            </a:r>
+          </a:p>
+          <a:p>
+            <a:pPr marL="285750" indent="-285750">
+              <a:buFont typeface="Arial" panose="020B0604020202020204" pitchFamily="34" charset="0"/>
+              <a:buChar char="•"/>
+            </a:pPr>
+            <a:r>
+              <a:rPr lang="en-US" dirty="0">
+                <a:latin typeface="Microsoft JhengHei" panose="020B0604030504040204" pitchFamily="34" charset="-120"/>
+                <a:ea typeface="Microsoft JhengHei" panose="020B0604030504040204" pitchFamily="34" charset="-120"/>
+              </a:rPr>
+              <a:t>All demographic variables have small impacts on mental illnesses</a:t>
+            </a:r>
+          </a:p>
+          <a:p>
+            <a:pPr marL="285750" indent="-285750">
+              <a:buFont typeface="Arial" panose="020B0604020202020204" pitchFamily="34" charset="0"/>
+              <a:buChar char="•"/>
+            </a:pPr>
+            <a:r>
+              <a:rPr lang="en-US" dirty="0">
+                <a:latin typeface="Microsoft JhengHei" panose="020B0604030504040204" pitchFamily="34" charset="-120"/>
+                <a:ea typeface="Microsoft JhengHei" panose="020B0604030504040204" pitchFamily="34" charset="-120"/>
+              </a:rPr>
+              <a:t>Region served, education status, and age group are the most influential predictors</a:t>
+            </a:r>
+          </a:p>
+          <a:p>
+            <a:pPr marL="285750" indent="-285750">
+              <a:buFont typeface="Arial" panose="020B0604020202020204" pitchFamily="34" charset="0"/>
+              <a:buChar char="•"/>
+            </a:pPr>
+            <a:r>
+              <a:rPr lang="en-US">
+                <a:latin typeface="Microsoft JhengHei" panose="020B0604030504040204" pitchFamily="34" charset="-120"/>
+                <a:ea typeface="Microsoft JhengHei" panose="020B0604030504040204" pitchFamily="34" charset="-120"/>
+              </a:rPr>
+              <a:t>of </a:t>
+            </a:r>
+            <a:r>
+              <a:rPr lang="en-US" dirty="0">
+                <a:latin typeface="Microsoft JhengHei" panose="020B0604030504040204" pitchFamily="34" charset="-120"/>
+                <a:ea typeface="Microsoft JhengHei" panose="020B0604030504040204" pitchFamily="34" charset="-120"/>
+              </a:rPr>
+              <a:t>mental illness. Race, sexual orientation, and household consumption have some importance</a:t>
+            </a:r>
+          </a:p>
+          <a:p>
+            <a:pPr marL="285750" indent="-285750">
+              <a:buFont typeface="Arial" panose="020B0604020202020204" pitchFamily="34" charset="0"/>
+              <a:buChar char="•"/>
+            </a:pPr>
+            <a:r>
+              <a:rPr lang="en-US" dirty="0">
+                <a:latin typeface="Microsoft JhengHei" panose="020B0604030504040204" pitchFamily="34" charset="-120"/>
+                <a:ea typeface="Microsoft JhengHei" panose="020B0604030504040204" pitchFamily="34" charset="-120"/>
+              </a:rPr>
+              <a:t># on predicting mental illness. Sex, </a:t>
+            </a:r>
+            <a:r>
+              <a:rPr lang="en-US" dirty="0" err="1">
+                <a:latin typeface="Microsoft JhengHei" panose="020B0604030504040204" pitchFamily="34" charset="-120"/>
+                <a:ea typeface="Microsoft JhengHei" panose="020B0604030504040204" pitchFamily="34" charset="-120"/>
+              </a:rPr>
+              <a:t>alchohol</a:t>
+            </a:r>
+            <a:r>
+              <a:rPr lang="en-US" dirty="0">
+                <a:latin typeface="Microsoft JhengHei" panose="020B0604030504040204" pitchFamily="34" charset="-120"/>
+                <a:ea typeface="Microsoft JhengHei" panose="020B0604030504040204" pitchFamily="34" charset="-120"/>
+              </a:rPr>
+              <a:t> related disorder, drug substance disorder, and</a:t>
+            </a:r>
+          </a:p>
+          <a:p>
+            <a:pPr marL="285750" indent="-285750">
+              <a:buFont typeface="Arial" panose="020B0604020202020204" pitchFamily="34" charset="0"/>
+              <a:buChar char="•"/>
+            </a:pPr>
+            <a:r>
+              <a:rPr lang="en-US" dirty="0">
+                <a:latin typeface="Microsoft JhengHei" panose="020B0604030504040204" pitchFamily="34" charset="-120"/>
+                <a:ea typeface="Microsoft JhengHei" panose="020B0604030504040204" pitchFamily="34" charset="-120"/>
+              </a:rPr>
+              <a:t># veteran status did not contribute much to the model.</a:t>
+            </a:r>
+          </a:p>
+          <a:p>
+            <a:pPr marL="285750" indent="-285750">
+              <a:buFont typeface="Arial" panose="020B0604020202020204" pitchFamily="34" charset="0"/>
+              <a:buChar char="•"/>
+            </a:pPr>
+            <a:endParaRPr lang="en-US" dirty="0">
+              <a:latin typeface="Microsoft JhengHei" panose="020B0604030504040204" pitchFamily="34" charset="-120"/>
+              <a:ea typeface="Microsoft JhengHei" panose="020B0604030504040204" pitchFamily="34" charset="-120"/>
+            </a:endParaRPr>
+          </a:p>
+          <a:p>
+            <a:pPr marL="285750" indent="-285750">
+              <a:buFont typeface="Arial" panose="020B0604020202020204" pitchFamily="34" charset="0"/>
+              <a:buChar char="•"/>
+            </a:pPr>
+            <a:endParaRPr lang="en-US" dirty="0">
+              <a:latin typeface="Microsoft JhengHei" panose="020B0604030504040204" pitchFamily="34" charset="-120"/>
+              <a:ea typeface="Microsoft JhengHei" panose="020B0604030504040204" pitchFamily="34" charset="-120"/>
+            </a:endParaRPr>
+          </a:p>
+          <a:p>
+            <a:pPr marL="285750" indent="-285750">
+              <a:buFont typeface="Arial" panose="020B0604020202020204" pitchFamily="34" charset="0"/>
+              <a:buChar char="•"/>
+            </a:pPr>
+            <a:endParaRPr lang="en-US" dirty="0">
+              <a:latin typeface="Microsoft JhengHei" panose="020B0604030504040204" pitchFamily="34" charset="-120"/>
+              <a:ea typeface="Microsoft JhengHei" panose="020B0604030504040204" pitchFamily="34" charset="-120"/>
+            </a:endParaRPr>
+          </a:p>
+          <a:p>
+            <a:endParaRPr lang="en-US" dirty="0"/>
           </a:p>
         </p:txBody>
       </p:sp>
@@ -7949,10 +8801,13 @@
             <a:pPr marL="0" indent="0">
               <a:buNone/>
             </a:pPr>
-            <a:endParaRPr kumimoji="1" lang="en-US" altLang="zh-TW" dirty="0">
-              <a:latin typeface="Times New Roman" panose="02020603050405020304" pitchFamily="18" charset="0"/>
-              <a:cs typeface="Times New Roman" panose="02020603050405020304" pitchFamily="18" charset="0"/>
-            </a:endParaRPr>
+            <a:r>
+              <a:rPr kumimoji="1" lang="en-US" altLang="zh-TW" sz="3200" dirty="0">
+                <a:latin typeface="Times New Roman" panose="02020603050405020304" pitchFamily="18" charset="0"/>
+                <a:cs typeface="Times New Roman" panose="02020603050405020304" pitchFamily="18" charset="0"/>
+              </a:rPr>
+              <a:t>How well can demographic characteristics predict whether an adult has a diagnosed mental illness in New York State using PCS 2019 data?</a:t>
+            </a:r>
           </a:p>
         </p:txBody>
       </p:sp>
@@ -9420,4 +10275,319 @@
     </a:ext>
   </a:extLst>
 </a:theme>
+</file>
+
+<file path=ppt/theme/theme2.xml><?xml version="1.0" encoding="utf-8"?>
+<a:theme xmlns:a="http://schemas.openxmlformats.org/drawingml/2006/main" name="Office Theme">
+  <a:themeElements>
+    <a:clrScheme name="Office">
+      <a:dk1>
+        <a:sysClr val="windowText" lastClr="000000"/>
+      </a:dk1>
+      <a:lt1>
+        <a:sysClr val="window" lastClr="FFFFFF"/>
+      </a:lt1>
+      <a:dk2>
+        <a:srgbClr val="0E2841"/>
+      </a:dk2>
+      <a:lt2>
+        <a:srgbClr val="E8E8E8"/>
+      </a:lt2>
+      <a:accent1>
+        <a:srgbClr val="156082"/>
+      </a:accent1>
+      <a:accent2>
+        <a:srgbClr val="E97132"/>
+      </a:accent2>
+      <a:accent3>
+        <a:srgbClr val="196B24"/>
+      </a:accent3>
+      <a:accent4>
+        <a:srgbClr val="0F9ED5"/>
+      </a:accent4>
+      <a:accent5>
+        <a:srgbClr val="A02B93"/>
+      </a:accent5>
+      <a:accent6>
+        <a:srgbClr val="4EA72E"/>
+      </a:accent6>
+      <a:hlink>
+        <a:srgbClr val="467886"/>
+      </a:hlink>
+      <a:folHlink>
+        <a:srgbClr val="96607D"/>
+      </a:folHlink>
+    </a:clrScheme>
+    <a:fontScheme name="Office">
+      <a:majorFont>
+        <a:latin typeface="Aptos Display" panose="02110004020202020204"/>
+        <a:ea typeface=""/>
+        <a:cs typeface=""/>
+        <a:font script="Jpan" typeface="游ゴシック Light"/>
+        <a:font script="Hang" typeface="맑은 고딕"/>
+        <a:font script="Hans" typeface="等线 Light"/>
+        <a:font script="Hant" typeface="新細明體"/>
+        <a:font script="Arab" typeface="Times New Roman"/>
+        <a:font script="Hebr" typeface="Times New Roman"/>
+        <a:font script="Thai" typeface="Angsana New"/>
+        <a:font script="Ethi" typeface="Nyala"/>
+        <a:font script="Beng" typeface="Vrinda"/>
+        <a:font script="Gujr" typeface="Shruti"/>
+        <a:font script="Khmr" typeface="MoolBoran"/>
+        <a:font script="Knda" typeface="Tunga"/>
+        <a:font script="Guru" typeface="Raavi"/>
+        <a:font script="Cans" typeface="Euphemia"/>
+        <a:font script="Cher" typeface="Plantagenet Cherokee"/>
+        <a:font script="Yiii" typeface="Microsoft Yi Baiti"/>
+        <a:font script="Tibt" typeface="Microsoft Himalaya"/>
+        <a:font script="Thaa" typeface="MV Boli"/>
+        <a:font script="Deva" typeface="Mangal"/>
+        <a:font script="Telu" typeface="Gautami"/>
+        <a:font script="Taml" typeface="Latha"/>
+        <a:font script="Syrc" typeface="Estrangelo Edessa"/>
+        <a:font script="Orya" typeface="Kalinga"/>
+        <a:font script="Mlym" typeface="Kartika"/>
+        <a:font script="Laoo" typeface="DokChampa"/>
+        <a:font script="Sinh" typeface="Iskoola Pota"/>
+        <a:font script="Mong" typeface="Mongolian Baiti"/>
+        <a:font script="Viet" typeface="Times New Roman"/>
+        <a:font script="Uigh" typeface="Microsoft Uighur"/>
+        <a:font script="Geor" typeface="Sylfaen"/>
+        <a:font script="Armn" typeface="Arial"/>
+        <a:font script="Bugi" typeface="Leelawadee UI"/>
+        <a:font script="Bopo" typeface="Microsoft JhengHei"/>
+        <a:font script="Java" typeface="Javanese Text"/>
+        <a:font script="Lisu" typeface="Segoe UI"/>
+        <a:font script="Mymr" typeface="Myanmar Text"/>
+        <a:font script="Nkoo" typeface="Ebrima"/>
+        <a:font script="Olck" typeface="Nirmala UI"/>
+        <a:font script="Osma" typeface="Ebrima"/>
+        <a:font script="Phag" typeface="Phagspa"/>
+        <a:font script="Syrn" typeface="Estrangelo Edessa"/>
+        <a:font script="Syrj" typeface="Estrangelo Edessa"/>
+        <a:font script="Syre" typeface="Estrangelo Edessa"/>
+        <a:font script="Sora" typeface="Nirmala UI"/>
+        <a:font script="Tale" typeface="Microsoft Tai Le"/>
+        <a:font script="Talu" typeface="Microsoft New Tai Lue"/>
+        <a:font script="Tfng" typeface="Ebrima"/>
+      </a:majorFont>
+      <a:minorFont>
+        <a:latin typeface="Aptos" panose="02110004020202020204"/>
+        <a:ea typeface=""/>
+        <a:cs typeface=""/>
+        <a:font script="Jpan" typeface="游ゴシック"/>
+        <a:font script="Hang" typeface="맑은 고딕"/>
+        <a:font script="Hans" typeface="等线"/>
+        <a:font script="Hant" typeface="新細明體"/>
+        <a:font script="Arab" typeface="Arial"/>
+        <a:font script="Hebr" typeface="Arial"/>
+        <a:font script="Thai" typeface="Cordia New"/>
+        <a:font script="Ethi" typeface="Nyala"/>
+        <a:font script="Beng" typeface="Vrinda"/>
+        <a:font script="Gujr" typeface="Shruti"/>
+        <a:font script="Khmr" typeface="DaunPenh"/>
+        <a:font script="Knda" typeface="Tunga"/>
+        <a:font script="Guru" typeface="Raavi"/>
+        <a:font script="Cans" typeface="Euphemia"/>
+        <a:font script="Cher" typeface="Plantagenet Cherokee"/>
+        <a:font script="Yiii" typeface="Microsoft Yi Baiti"/>
+        <a:font script="Tibt" typeface="Microsoft Himalaya"/>
+        <a:font script="Thaa" typeface="MV Boli"/>
+        <a:font script="Deva" typeface="Mangal"/>
+        <a:font script="Telu" typeface="Gautami"/>
+        <a:font script="Taml" typeface="Latha"/>
+        <a:font script="Syrc" typeface="Estrangelo Edessa"/>
+        <a:font script="Orya" typeface="Kalinga"/>
+        <a:font script="Mlym" typeface="Kartika"/>
+        <a:font script="Laoo" typeface="DokChampa"/>
+        <a:font script="Sinh" typeface="Iskoola Pota"/>
+        <a:font script="Mong" typeface="Mongolian Baiti"/>
+        <a:font script="Viet" typeface="Arial"/>
+        <a:font script="Uigh" typeface="Microsoft Uighur"/>
+        <a:font script="Geor" typeface="Sylfaen"/>
+        <a:font script="Armn" typeface="Arial"/>
+        <a:font script="Bugi" typeface="Leelawadee UI"/>
+        <a:font script="Bopo" typeface="Microsoft JhengHei"/>
+        <a:font script="Java" typeface="Javanese Text"/>
+        <a:font script="Lisu" typeface="Segoe UI"/>
+        <a:font script="Mymr" typeface="Myanmar Text"/>
+        <a:font script="Nkoo" typeface="Ebrima"/>
+        <a:font script="Olck" typeface="Nirmala UI"/>
+        <a:font script="Osma" typeface="Ebrima"/>
+        <a:font script="Phag" typeface="Phagspa"/>
+        <a:font script="Syrn" typeface="Estrangelo Edessa"/>
+        <a:font script="Syrj" typeface="Estrangelo Edessa"/>
+        <a:font script="Syre" typeface="Estrangelo Edessa"/>
+        <a:font script="Sora" typeface="Nirmala UI"/>
+        <a:font script="Tale" typeface="Microsoft Tai Le"/>
+        <a:font script="Talu" typeface="Microsoft New Tai Lue"/>
+        <a:font script="Tfng" typeface="Ebrima"/>
+      </a:minorFont>
+    </a:fontScheme>
+    <a:fmtScheme name="Office">
+      <a:fillStyleLst>
+        <a:solidFill>
+          <a:schemeClr val="phClr"/>
+        </a:solidFill>
+        <a:gradFill rotWithShape="1">
+          <a:gsLst>
+            <a:gs pos="0">
+              <a:schemeClr val="phClr">
+                <a:lumMod val="110000"/>
+                <a:satMod val="105000"/>
+                <a:tint val="67000"/>
+              </a:schemeClr>
+            </a:gs>
+            <a:gs pos="50000">
+              <a:schemeClr val="phClr">
+                <a:lumMod val="105000"/>
+                <a:satMod val="103000"/>
+                <a:tint val="73000"/>
+              </a:schemeClr>
+            </a:gs>
+            <a:gs pos="100000">
+              <a:schemeClr val="phClr">
+                <a:lumMod val="105000"/>
+                <a:satMod val="109000"/>
+                <a:tint val="81000"/>
+              </a:schemeClr>
+            </a:gs>
+          </a:gsLst>
+          <a:lin ang="5400000" scaled="0"/>
+        </a:gradFill>
+        <a:gradFill rotWithShape="1">
+          <a:gsLst>
+            <a:gs pos="0">
+              <a:schemeClr val="phClr">
+                <a:satMod val="103000"/>
+                <a:lumMod val="102000"/>
+                <a:tint val="94000"/>
+              </a:schemeClr>
+            </a:gs>
+            <a:gs pos="50000">
+              <a:schemeClr val="phClr">
+                <a:satMod val="110000"/>
+                <a:lumMod val="100000"/>
+                <a:shade val="100000"/>
+              </a:schemeClr>
+            </a:gs>
+            <a:gs pos="100000">
+              <a:schemeClr val="phClr">
+                <a:lumMod val="99000"/>
+                <a:satMod val="120000"/>
+                <a:shade val="78000"/>
+              </a:schemeClr>
+            </a:gs>
+          </a:gsLst>
+          <a:lin ang="5400000" scaled="0"/>
+        </a:gradFill>
+      </a:fillStyleLst>
+      <a:lnStyleLst>
+        <a:ln w="12700" cap="flat" cmpd="sng" algn="ctr">
+          <a:solidFill>
+            <a:schemeClr val="phClr"/>
+          </a:solidFill>
+          <a:prstDash val="solid"/>
+          <a:miter lim="800000"/>
+        </a:ln>
+        <a:ln w="19050" cap="flat" cmpd="sng" algn="ctr">
+          <a:solidFill>
+            <a:schemeClr val="phClr"/>
+          </a:solidFill>
+          <a:prstDash val="solid"/>
+          <a:miter lim="800000"/>
+        </a:ln>
+        <a:ln w="25400" cap="flat" cmpd="sng" algn="ctr">
+          <a:solidFill>
+            <a:schemeClr val="phClr"/>
+          </a:solidFill>
+          <a:prstDash val="solid"/>
+          <a:miter lim="800000"/>
+        </a:ln>
+      </a:lnStyleLst>
+      <a:effectStyleLst>
+        <a:effectStyle>
+          <a:effectLst/>
+        </a:effectStyle>
+        <a:effectStyle>
+          <a:effectLst/>
+        </a:effectStyle>
+        <a:effectStyle>
+          <a:effectLst>
+            <a:outerShdw blurRad="57150" dist="19050" dir="5400000" algn="ctr" rotWithShape="0">
+              <a:srgbClr val="000000">
+                <a:alpha val="63000"/>
+              </a:srgbClr>
+            </a:outerShdw>
+          </a:effectLst>
+        </a:effectStyle>
+      </a:effectStyleLst>
+      <a:bgFillStyleLst>
+        <a:solidFill>
+          <a:schemeClr val="phClr"/>
+        </a:solidFill>
+        <a:solidFill>
+          <a:schemeClr val="phClr">
+            <a:tint val="95000"/>
+            <a:satMod val="170000"/>
+          </a:schemeClr>
+        </a:solidFill>
+        <a:gradFill rotWithShape="1">
+          <a:gsLst>
+            <a:gs pos="0">
+              <a:schemeClr val="phClr">
+                <a:tint val="93000"/>
+                <a:satMod val="150000"/>
+                <a:shade val="98000"/>
+                <a:lumMod val="102000"/>
+              </a:schemeClr>
+            </a:gs>
+            <a:gs pos="50000">
+              <a:schemeClr val="phClr">
+                <a:tint val="98000"/>
+                <a:satMod val="130000"/>
+                <a:shade val="90000"/>
+                <a:lumMod val="103000"/>
+              </a:schemeClr>
+            </a:gs>
+            <a:gs pos="100000">
+              <a:schemeClr val="phClr">
+                <a:shade val="63000"/>
+                <a:satMod val="120000"/>
+              </a:schemeClr>
+            </a:gs>
+          </a:gsLst>
+          <a:lin ang="5400000" scaled="0"/>
+        </a:gradFill>
+      </a:bgFillStyleLst>
+    </a:fmtScheme>
+  </a:themeElements>
+  <a:objectDefaults>
+    <a:lnDef>
+      <a:spPr/>
+      <a:bodyPr/>
+      <a:lstStyle/>
+      <a:style>
+        <a:lnRef idx="2">
+          <a:schemeClr val="accent1"/>
+        </a:lnRef>
+        <a:fillRef idx="0">
+          <a:schemeClr val="accent1"/>
+        </a:fillRef>
+        <a:effectRef idx="1">
+          <a:schemeClr val="accent1"/>
+        </a:effectRef>
+        <a:fontRef idx="minor">
+          <a:schemeClr val="tx1"/>
+        </a:fontRef>
+      </a:style>
+    </a:lnDef>
+  </a:objectDefaults>
+  <a:extraClrSchemeLst/>
+  <a:extLst>
+    <a:ext uri="{05A4C25C-085E-4340-85A3-A5531E510DB2}">
+      <thm15:themeFamily xmlns:thm15="http://schemas.microsoft.com/office/thememl/2012/main" name="Office Theme" id="{2E142A2C-CD16-42D6-873A-C26D2A0506FA}" vid="{1BDDFF52-6CD6-40A5-AB3C-68EB2F1E4D0A}"/>
+    </a:ext>
+  </a:extLst>
+</a:theme>
 </file>
--- a/Presentation/Final_Presentation.pptx
+++ b/Presentation/Final_Presentation.pptx
@@ -5,24 +5,35 @@
     <p:sldMasterId id="2147483875" r:id="rId1"/>
   </p:sldMasterIdLst>
   <p:notesMasterIdLst>
-    <p:notesMasterId r:id="rId17"/>
+    <p:notesMasterId r:id="rId28"/>
   </p:notesMasterIdLst>
   <p:sldIdLst>
     <p:sldId id="256" r:id="rId2"/>
     <p:sldId id="257" r:id="rId3"/>
     <p:sldId id="270" r:id="rId4"/>
     <p:sldId id="258" r:id="rId5"/>
-    <p:sldId id="264" r:id="rId6"/>
-    <p:sldId id="263" r:id="rId7"/>
-    <p:sldId id="265" r:id="rId8"/>
-    <p:sldId id="260" r:id="rId9"/>
-    <p:sldId id="261" r:id="rId10"/>
-    <p:sldId id="266" r:id="rId11"/>
-    <p:sldId id="267" r:id="rId12"/>
-    <p:sldId id="273" r:id="rId13"/>
-    <p:sldId id="268" r:id="rId14"/>
-    <p:sldId id="269" r:id="rId15"/>
-    <p:sldId id="275" r:id="rId16"/>
+    <p:sldId id="276" r:id="rId6"/>
+    <p:sldId id="277" r:id="rId7"/>
+    <p:sldId id="278" r:id="rId8"/>
+    <p:sldId id="279" r:id="rId9"/>
+    <p:sldId id="280" r:id="rId10"/>
+    <p:sldId id="281" r:id="rId11"/>
+    <p:sldId id="282" r:id="rId12"/>
+    <p:sldId id="283" r:id="rId13"/>
+    <p:sldId id="284" r:id="rId14"/>
+    <p:sldId id="285" r:id="rId15"/>
+    <p:sldId id="286" r:id="rId16"/>
+    <p:sldId id="268" r:id="rId17"/>
+    <p:sldId id="264" r:id="rId18"/>
+    <p:sldId id="263" r:id="rId19"/>
+    <p:sldId id="265" r:id="rId20"/>
+    <p:sldId id="260" r:id="rId21"/>
+    <p:sldId id="261" r:id="rId22"/>
+    <p:sldId id="266" r:id="rId23"/>
+    <p:sldId id="267" r:id="rId24"/>
+    <p:sldId id="273" r:id="rId25"/>
+    <p:sldId id="269" r:id="rId26"/>
+    <p:sldId id="275" r:id="rId27"/>
   </p:sldIdLst>
   <p:sldSz cx="12192000" cy="6858000"/>
   <p:notesSz cx="6858000" cy="9144000"/>
@@ -132,7 +143,7 @@
 <file path=ppt/revisionInfo.xml><?xml version="1.0" encoding="utf-8"?>
 <p1510:revInfo xmlns:a="http://schemas.openxmlformats.org/drawingml/2006/main" xmlns:r="http://schemas.openxmlformats.org/officeDocument/2006/relationships" xmlns:p1510="http://schemas.microsoft.com/office/powerpoint/2015/10/main">
   <p1510:revLst>
-    <p1510:client id="{B7D17B82-5527-4661-8B13-DC96109D97FA}" v="6" dt="2025-12-02T16:23:10.483"/>
+    <p1510:client id="{B7D17B82-5527-4661-8B13-DC96109D97FA}" v="15" dt="2025-12-03T05:41:28.933"/>
   </p1510:revLst>
 </p1510:revInfo>
 </file>
@@ -141,8 +152,8 @@
 <pc:chgInfo xmlns:a="http://schemas.openxmlformats.org/drawingml/2006/main" xmlns:r="http://schemas.openxmlformats.org/officeDocument/2006/relationships" xmlns:ac="http://schemas.microsoft.com/office/drawing/2013/main/command" xmlns:pc="http://schemas.microsoft.com/office/powerpoint/2013/main/command">
   <pc:docChgLst>
     <pc:chgData name="Emma Francis" userId="1a28f87ee4f117f1" providerId="LiveId" clId="{41D06EC1-1E87-41B1-83A3-CDDFA7DD00B1}"/>
-    <pc:docChg chg="custSel modSld">
-      <pc:chgData name="Emma Francis" userId="1a28f87ee4f117f1" providerId="LiveId" clId="{41D06EC1-1E87-41B1-83A3-CDDFA7DD00B1}" dt="2025-12-02T16:24:16.849" v="386" actId="20577"/>
+    <pc:docChg chg="custSel addSld modSld sldOrd">
+      <pc:chgData name="Emma Francis" userId="1a28f87ee4f117f1" providerId="LiveId" clId="{41D06EC1-1E87-41B1-83A3-CDDFA7DD00B1}" dt="2025-12-03T05:42:03.671" v="861" actId="1076"/>
       <pc:docMkLst>
         <pc:docMk/>
       </pc:docMkLst>
@@ -161,8 +172,8 @@
           </ac:spMkLst>
         </pc:spChg>
       </pc:sldChg>
-      <pc:sldChg chg="addSp modSp mod">
-        <pc:chgData name="Emma Francis" userId="1a28f87ee4f117f1" providerId="LiveId" clId="{41D06EC1-1E87-41B1-83A3-CDDFA7DD00B1}" dt="2025-12-02T16:24:16.849" v="386" actId="20577"/>
+      <pc:sldChg chg="addSp modSp mod ord">
+        <pc:chgData name="Emma Francis" userId="1a28f87ee4f117f1" providerId="LiveId" clId="{41D06EC1-1E87-41B1-83A3-CDDFA7DD00B1}" dt="2025-12-03T05:41:50.580" v="860"/>
         <pc:sldMkLst>
           <pc:docMk/>
           <pc:sldMk cId="57324149" sldId="268"/>
@@ -176,13 +187,338 @@
           </ac:spMkLst>
         </pc:spChg>
         <pc:spChg chg="add mod">
-          <ac:chgData name="Emma Francis" userId="1a28f87ee4f117f1" providerId="LiveId" clId="{41D06EC1-1E87-41B1-83A3-CDDFA7DD00B1}" dt="2025-12-02T16:24:16.849" v="386" actId="20577"/>
+          <ac:chgData name="Emma Francis" userId="1a28f87ee4f117f1" providerId="LiveId" clId="{41D06EC1-1E87-41B1-83A3-CDDFA7DD00B1}" dt="2025-12-02T16:25:04.298" v="407" actId="5793"/>
           <ac:spMkLst>
             <pc:docMk/>
             <pc:sldMk cId="57324149" sldId="268"/>
             <ac:spMk id="3" creationId="{A097D33B-F738-EFE3-8C42-11B0BEF144FC}"/>
           </ac:spMkLst>
         </pc:spChg>
+      </pc:sldChg>
+      <pc:sldChg chg="addSp delSp modSp new mod ord">
+        <pc:chgData name="Emma Francis" userId="1a28f87ee4f117f1" providerId="LiveId" clId="{41D06EC1-1E87-41B1-83A3-CDDFA7DD00B1}" dt="2025-12-03T05:24:34.296" v="657"/>
+        <pc:sldMkLst>
+          <pc:docMk/>
+          <pc:sldMk cId="4124866369" sldId="276"/>
+        </pc:sldMkLst>
+        <pc:spChg chg="mod">
+          <ac:chgData name="Emma Francis" userId="1a28f87ee4f117f1" providerId="LiveId" clId="{41D06EC1-1E87-41B1-83A3-CDDFA7DD00B1}" dt="2025-12-03T05:17:01.266" v="498" actId="20577"/>
+          <ac:spMkLst>
+            <pc:docMk/>
+            <pc:sldMk cId="4124866369" sldId="276"/>
+            <ac:spMk id="2" creationId="{91927BB7-7700-3D3C-64FD-707B00D57277}"/>
+          </ac:spMkLst>
+        </pc:spChg>
+        <pc:spChg chg="del">
+          <ac:chgData name="Emma Francis" userId="1a28f87ee4f117f1" providerId="LiveId" clId="{41D06EC1-1E87-41B1-83A3-CDDFA7DD00B1}" dt="2025-12-03T05:15:34.672" v="424" actId="22"/>
+          <ac:spMkLst>
+            <pc:docMk/>
+            <pc:sldMk cId="4124866369" sldId="276"/>
+            <ac:spMk id="3" creationId="{50CFE24C-6E0E-0838-FAFA-9161F5FA82C5}"/>
+          </ac:spMkLst>
+        </pc:spChg>
+        <pc:picChg chg="add mod ord">
+          <ac:chgData name="Emma Francis" userId="1a28f87ee4f117f1" providerId="LiveId" clId="{41D06EC1-1E87-41B1-83A3-CDDFA7DD00B1}" dt="2025-12-03T05:15:47.801" v="428" actId="1076"/>
+          <ac:picMkLst>
+            <pc:docMk/>
+            <pc:sldMk cId="4124866369" sldId="276"/>
+            <ac:picMk id="5" creationId="{B462CCF8-A433-07DB-ED3B-BD2CB394B8DE}"/>
+          </ac:picMkLst>
+        </pc:picChg>
+      </pc:sldChg>
+      <pc:sldChg chg="addSp delSp modSp new mod ord">
+        <pc:chgData name="Emma Francis" userId="1a28f87ee4f117f1" providerId="LiveId" clId="{41D06EC1-1E87-41B1-83A3-CDDFA7DD00B1}" dt="2025-12-03T05:24:23.557" v="655"/>
+        <pc:sldMkLst>
+          <pc:docMk/>
+          <pc:sldMk cId="3127138522" sldId="277"/>
+        </pc:sldMkLst>
+        <pc:spChg chg="mod">
+          <ac:chgData name="Emma Francis" userId="1a28f87ee4f117f1" providerId="LiveId" clId="{41D06EC1-1E87-41B1-83A3-CDDFA7DD00B1}" dt="2025-12-03T05:20:17.337" v="613" actId="255"/>
+          <ac:spMkLst>
+            <pc:docMk/>
+            <pc:sldMk cId="3127138522" sldId="277"/>
+            <ac:spMk id="2" creationId="{251A0C91-67B7-9BF3-A388-D2A6F4CBE3AD}"/>
+          </ac:spMkLst>
+        </pc:spChg>
+        <pc:spChg chg="del">
+          <ac:chgData name="Emma Francis" userId="1a28f87ee4f117f1" providerId="LiveId" clId="{41D06EC1-1E87-41B1-83A3-CDDFA7DD00B1}" dt="2025-12-03T05:20:21.876" v="614" actId="478"/>
+          <ac:spMkLst>
+            <pc:docMk/>
+            <pc:sldMk cId="3127138522" sldId="277"/>
+            <ac:spMk id="3" creationId="{BD84CFEB-7162-71DA-4494-653FE768A372}"/>
+          </ac:spMkLst>
+        </pc:spChg>
+        <pc:picChg chg="add mod">
+          <ac:chgData name="Emma Francis" userId="1a28f87ee4f117f1" providerId="LiveId" clId="{41D06EC1-1E87-41B1-83A3-CDDFA7DD00B1}" dt="2025-12-03T05:21:13.432" v="623" actId="1076"/>
+          <ac:picMkLst>
+            <pc:docMk/>
+            <pc:sldMk cId="3127138522" sldId="277"/>
+            <ac:picMk id="5" creationId="{E960255A-83AF-CB26-4852-8EDB51759804}"/>
+          </ac:picMkLst>
+        </pc:picChg>
+        <pc:picChg chg="add mod modCrop">
+          <ac:chgData name="Emma Francis" userId="1a28f87ee4f117f1" providerId="LiveId" clId="{41D06EC1-1E87-41B1-83A3-CDDFA7DD00B1}" dt="2025-12-03T05:21:43.784" v="627" actId="732"/>
+          <ac:picMkLst>
+            <pc:docMk/>
+            <pc:sldMk cId="3127138522" sldId="277"/>
+            <ac:picMk id="7" creationId="{14B1002A-E251-CE79-4D06-07F0DA0A915D}"/>
+          </ac:picMkLst>
+        </pc:picChg>
+      </pc:sldChg>
+      <pc:sldChg chg="addSp delSp modSp new mod">
+        <pc:chgData name="Emma Francis" userId="1a28f87ee4f117f1" providerId="LiveId" clId="{41D06EC1-1E87-41B1-83A3-CDDFA7DD00B1}" dt="2025-12-03T05:23:58.252" v="652" actId="20577"/>
+        <pc:sldMkLst>
+          <pc:docMk/>
+          <pc:sldMk cId="1919978328" sldId="278"/>
+        </pc:sldMkLst>
+        <pc:spChg chg="mod">
+          <ac:chgData name="Emma Francis" userId="1a28f87ee4f117f1" providerId="LiveId" clId="{41D06EC1-1E87-41B1-83A3-CDDFA7DD00B1}" dt="2025-12-03T05:23:58.252" v="652" actId="20577"/>
+          <ac:spMkLst>
+            <pc:docMk/>
+            <pc:sldMk cId="1919978328" sldId="278"/>
+            <ac:spMk id="2" creationId="{5C3DCDDC-DB85-6D2E-64B2-5B81F71B92A8}"/>
+          </ac:spMkLst>
+        </pc:spChg>
+        <pc:spChg chg="del">
+          <ac:chgData name="Emma Francis" userId="1a28f87ee4f117f1" providerId="LiveId" clId="{41D06EC1-1E87-41B1-83A3-CDDFA7DD00B1}" dt="2025-12-03T05:23:28.612" v="629" actId="22"/>
+          <ac:spMkLst>
+            <pc:docMk/>
+            <pc:sldMk cId="1919978328" sldId="278"/>
+            <ac:spMk id="3" creationId="{5E68A057-FEFE-457E-DD14-61F5A87300D0}"/>
+          </ac:spMkLst>
+        </pc:spChg>
+        <pc:picChg chg="add mod ord">
+          <ac:chgData name="Emma Francis" userId="1a28f87ee4f117f1" providerId="LiveId" clId="{41D06EC1-1E87-41B1-83A3-CDDFA7DD00B1}" dt="2025-12-03T05:23:38.636" v="633" actId="1076"/>
+          <ac:picMkLst>
+            <pc:docMk/>
+            <pc:sldMk cId="1919978328" sldId="278"/>
+            <ac:picMk id="5" creationId="{1CFEF64C-D530-53AF-577C-C65696F6E1DA}"/>
+          </ac:picMkLst>
+        </pc:picChg>
+      </pc:sldChg>
+      <pc:sldChg chg="addSp delSp modSp new mod">
+        <pc:chgData name="Emma Francis" userId="1a28f87ee4f117f1" providerId="LiveId" clId="{41D06EC1-1E87-41B1-83A3-CDDFA7DD00B1}" dt="2025-12-03T05:25:48.523" v="675" actId="1076"/>
+        <pc:sldMkLst>
+          <pc:docMk/>
+          <pc:sldMk cId="4284419568" sldId="279"/>
+        </pc:sldMkLst>
+        <pc:spChg chg="mod">
+          <ac:chgData name="Emma Francis" userId="1a28f87ee4f117f1" providerId="LiveId" clId="{41D06EC1-1E87-41B1-83A3-CDDFA7DD00B1}" dt="2025-12-03T05:25:41.269" v="672" actId="20577"/>
+          <ac:spMkLst>
+            <pc:docMk/>
+            <pc:sldMk cId="4284419568" sldId="279"/>
+            <ac:spMk id="2" creationId="{18A1BAB6-0B04-D715-99C2-1AFB743CE449}"/>
+          </ac:spMkLst>
+        </pc:spChg>
+        <pc:spChg chg="del">
+          <ac:chgData name="Emma Francis" userId="1a28f87ee4f117f1" providerId="LiveId" clId="{41D06EC1-1E87-41B1-83A3-CDDFA7DD00B1}" dt="2025-12-03T05:25:25.282" v="658" actId="22"/>
+          <ac:spMkLst>
+            <pc:docMk/>
+            <pc:sldMk cId="4284419568" sldId="279"/>
+            <ac:spMk id="3" creationId="{9291F021-817C-1124-23B9-4ED96127C984}"/>
+          </ac:spMkLst>
+        </pc:spChg>
+        <pc:picChg chg="add mod ord">
+          <ac:chgData name="Emma Francis" userId="1a28f87ee4f117f1" providerId="LiveId" clId="{41D06EC1-1E87-41B1-83A3-CDDFA7DD00B1}" dt="2025-12-03T05:25:48.523" v="675" actId="1076"/>
+          <ac:picMkLst>
+            <pc:docMk/>
+            <pc:sldMk cId="4284419568" sldId="279"/>
+            <ac:picMk id="5" creationId="{588C5190-1805-5094-9D9D-9C8E03AE3D4B}"/>
+          </ac:picMkLst>
+        </pc:picChg>
+      </pc:sldChg>
+      <pc:sldChg chg="addSp delSp modSp new mod">
+        <pc:chgData name="Emma Francis" userId="1a28f87ee4f117f1" providerId="LiveId" clId="{41D06EC1-1E87-41B1-83A3-CDDFA7DD00B1}" dt="2025-12-03T05:28:37.860" v="705" actId="14100"/>
+        <pc:sldMkLst>
+          <pc:docMk/>
+          <pc:sldMk cId="628236639" sldId="280"/>
+        </pc:sldMkLst>
+        <pc:spChg chg="mod">
+          <ac:chgData name="Emma Francis" userId="1a28f87ee4f117f1" providerId="LiveId" clId="{41D06EC1-1E87-41B1-83A3-CDDFA7DD00B1}" dt="2025-12-03T05:28:12.151" v="700" actId="20577"/>
+          <ac:spMkLst>
+            <pc:docMk/>
+            <pc:sldMk cId="628236639" sldId="280"/>
+            <ac:spMk id="2" creationId="{F884975E-D18A-6B2A-1347-5BACF48DEA7D}"/>
+          </ac:spMkLst>
+        </pc:spChg>
+        <pc:spChg chg="del">
+          <ac:chgData name="Emma Francis" userId="1a28f87ee4f117f1" providerId="LiveId" clId="{41D06EC1-1E87-41B1-83A3-CDDFA7DD00B1}" dt="2025-12-03T05:28:26.633" v="701" actId="478"/>
+          <ac:spMkLst>
+            <pc:docMk/>
+            <pc:sldMk cId="628236639" sldId="280"/>
+            <ac:spMk id="3" creationId="{28DA7139-85C3-EF58-28D1-652BB9AD5923}"/>
+          </ac:spMkLst>
+        </pc:spChg>
+        <pc:picChg chg="add mod">
+          <ac:chgData name="Emma Francis" userId="1a28f87ee4f117f1" providerId="LiveId" clId="{41D06EC1-1E87-41B1-83A3-CDDFA7DD00B1}" dt="2025-12-03T05:28:37.860" v="705" actId="14100"/>
+          <ac:picMkLst>
+            <pc:docMk/>
+            <pc:sldMk cId="628236639" sldId="280"/>
+            <ac:picMk id="5" creationId="{3BC982DC-7FC2-867A-9BAB-B4010AC66475}"/>
+          </ac:picMkLst>
+        </pc:picChg>
+      </pc:sldChg>
+      <pc:sldChg chg="addSp delSp modSp new mod">
+        <pc:chgData name="Emma Francis" userId="1a28f87ee4f117f1" providerId="LiveId" clId="{41D06EC1-1E87-41B1-83A3-CDDFA7DD00B1}" dt="2025-12-03T05:29:58.656" v="735" actId="1076"/>
+        <pc:sldMkLst>
+          <pc:docMk/>
+          <pc:sldMk cId="4002411622" sldId="281"/>
+        </pc:sldMkLst>
+        <pc:spChg chg="mod">
+          <ac:chgData name="Emma Francis" userId="1a28f87ee4f117f1" providerId="LiveId" clId="{41D06EC1-1E87-41B1-83A3-CDDFA7DD00B1}" dt="2025-12-03T05:29:43.019" v="728" actId="20577"/>
+          <ac:spMkLst>
+            <pc:docMk/>
+            <pc:sldMk cId="4002411622" sldId="281"/>
+            <ac:spMk id="2" creationId="{C0C8A902-CF16-A61A-0690-1B7ACCF4C5F3}"/>
+          </ac:spMkLst>
+        </pc:spChg>
+        <pc:spChg chg="del">
+          <ac:chgData name="Emma Francis" userId="1a28f87ee4f117f1" providerId="LiveId" clId="{41D06EC1-1E87-41B1-83A3-CDDFA7DD00B1}" dt="2025-12-03T05:29:47.063" v="729" actId="478"/>
+          <ac:spMkLst>
+            <pc:docMk/>
+            <pc:sldMk cId="4002411622" sldId="281"/>
+            <ac:spMk id="3" creationId="{5ACA0535-B294-D1F8-660A-0E0A760E0345}"/>
+          </ac:spMkLst>
+        </pc:spChg>
+        <pc:picChg chg="add mod">
+          <ac:chgData name="Emma Francis" userId="1a28f87ee4f117f1" providerId="LiveId" clId="{41D06EC1-1E87-41B1-83A3-CDDFA7DD00B1}" dt="2025-12-03T05:29:58.656" v="735" actId="1076"/>
+          <ac:picMkLst>
+            <pc:docMk/>
+            <pc:sldMk cId="4002411622" sldId="281"/>
+            <ac:picMk id="5" creationId="{54A09A78-C6B1-5533-116D-FE6F07F916E2}"/>
+          </ac:picMkLst>
+        </pc:picChg>
+      </pc:sldChg>
+      <pc:sldChg chg="addSp delSp modSp new mod">
+        <pc:chgData name="Emma Francis" userId="1a28f87ee4f117f1" providerId="LiveId" clId="{41D06EC1-1E87-41B1-83A3-CDDFA7DD00B1}" dt="2025-12-03T05:35:14.491" v="760" actId="1076"/>
+        <pc:sldMkLst>
+          <pc:docMk/>
+          <pc:sldMk cId="4272821383" sldId="282"/>
+        </pc:sldMkLst>
+        <pc:spChg chg="mod">
+          <ac:chgData name="Emma Francis" userId="1a28f87ee4f117f1" providerId="LiveId" clId="{41D06EC1-1E87-41B1-83A3-CDDFA7DD00B1}" dt="2025-12-03T05:35:01.750" v="755" actId="20577"/>
+          <ac:spMkLst>
+            <pc:docMk/>
+            <pc:sldMk cId="4272821383" sldId="282"/>
+            <ac:spMk id="2" creationId="{F6741F03-27C7-7A86-6708-56650C6FD952}"/>
+          </ac:spMkLst>
+        </pc:spChg>
+        <pc:spChg chg="del">
+          <ac:chgData name="Emma Francis" userId="1a28f87ee4f117f1" providerId="LiveId" clId="{41D06EC1-1E87-41B1-83A3-CDDFA7DD00B1}" dt="2025-12-03T05:35:05.574" v="756" actId="478"/>
+          <ac:spMkLst>
+            <pc:docMk/>
+            <pc:sldMk cId="4272821383" sldId="282"/>
+            <ac:spMk id="3" creationId="{25B7D8B8-A8C3-D8E0-191C-8F8652594DFF}"/>
+          </ac:spMkLst>
+        </pc:spChg>
+        <pc:picChg chg="add mod">
+          <ac:chgData name="Emma Francis" userId="1a28f87ee4f117f1" providerId="LiveId" clId="{41D06EC1-1E87-41B1-83A3-CDDFA7DD00B1}" dt="2025-12-03T05:35:14.491" v="760" actId="1076"/>
+          <ac:picMkLst>
+            <pc:docMk/>
+            <pc:sldMk cId="4272821383" sldId="282"/>
+            <ac:picMk id="5" creationId="{97338CA9-7D50-672F-032C-FFF4B2120FFD}"/>
+          </ac:picMkLst>
+        </pc:picChg>
+      </pc:sldChg>
+      <pc:sldChg chg="addSp delSp modSp new mod">
+        <pc:chgData name="Emma Francis" userId="1a28f87ee4f117f1" providerId="LiveId" clId="{41D06EC1-1E87-41B1-83A3-CDDFA7DD00B1}" dt="2025-12-03T05:36:55.614" v="797" actId="20577"/>
+        <pc:sldMkLst>
+          <pc:docMk/>
+          <pc:sldMk cId="3215791977" sldId="283"/>
+        </pc:sldMkLst>
+        <pc:spChg chg="mod">
+          <ac:chgData name="Emma Francis" userId="1a28f87ee4f117f1" providerId="LiveId" clId="{41D06EC1-1E87-41B1-83A3-CDDFA7DD00B1}" dt="2025-12-03T05:36:55.614" v="797" actId="20577"/>
+          <ac:spMkLst>
+            <pc:docMk/>
+            <pc:sldMk cId="3215791977" sldId="283"/>
+            <ac:spMk id="2" creationId="{986D1739-4829-45AD-3772-5319F6DBEB55}"/>
+          </ac:spMkLst>
+        </pc:spChg>
+        <pc:spChg chg="del">
+          <ac:chgData name="Emma Francis" userId="1a28f87ee4f117f1" providerId="LiveId" clId="{41D06EC1-1E87-41B1-83A3-CDDFA7DD00B1}" dt="2025-12-03T05:36:29.849" v="762" actId="478"/>
+          <ac:spMkLst>
+            <pc:docMk/>
+            <pc:sldMk cId="3215791977" sldId="283"/>
+            <ac:spMk id="3" creationId="{5AB59D44-94A6-C41C-F890-AEEEC109B2C7}"/>
+          </ac:spMkLst>
+        </pc:spChg>
+        <pc:picChg chg="add mod">
+          <ac:chgData name="Emma Francis" userId="1a28f87ee4f117f1" providerId="LiveId" clId="{41D06EC1-1E87-41B1-83A3-CDDFA7DD00B1}" dt="2025-12-03T05:36:35.760" v="765" actId="14100"/>
+          <ac:picMkLst>
+            <pc:docMk/>
+            <pc:sldMk cId="3215791977" sldId="283"/>
+            <ac:picMk id="5" creationId="{19FF9ADA-1530-8537-FCD6-F1B5C01ABA72}"/>
+          </ac:picMkLst>
+        </pc:picChg>
+      </pc:sldChg>
+      <pc:sldChg chg="addSp delSp modSp new mod">
+        <pc:chgData name="Emma Francis" userId="1a28f87ee4f117f1" providerId="LiveId" clId="{41D06EC1-1E87-41B1-83A3-CDDFA7DD00B1}" dt="2025-12-03T05:39:30.442" v="825" actId="1076"/>
+        <pc:sldMkLst>
+          <pc:docMk/>
+          <pc:sldMk cId="2298523515" sldId="284"/>
+        </pc:sldMkLst>
+        <pc:spChg chg="mod">
+          <ac:chgData name="Emma Francis" userId="1a28f87ee4f117f1" providerId="LiveId" clId="{41D06EC1-1E87-41B1-83A3-CDDFA7DD00B1}" dt="2025-12-03T05:38:03.508" v="820" actId="20577"/>
+          <ac:spMkLst>
+            <pc:docMk/>
+            <pc:sldMk cId="2298523515" sldId="284"/>
+            <ac:spMk id="2" creationId="{23413804-F293-6675-AB48-9152B9EDB39E}"/>
+          </ac:spMkLst>
+        </pc:spChg>
+        <pc:spChg chg="del">
+          <ac:chgData name="Emma Francis" userId="1a28f87ee4f117f1" providerId="LiveId" clId="{41D06EC1-1E87-41B1-83A3-CDDFA7DD00B1}" dt="2025-12-03T05:39:21.749" v="821" actId="478"/>
+          <ac:spMkLst>
+            <pc:docMk/>
+            <pc:sldMk cId="2298523515" sldId="284"/>
+            <ac:spMk id="3" creationId="{7047CB78-32B7-3D70-6CF0-3B045BCCE7AB}"/>
+          </ac:spMkLst>
+        </pc:spChg>
+        <pc:picChg chg="add mod">
+          <ac:chgData name="Emma Francis" userId="1a28f87ee4f117f1" providerId="LiveId" clId="{41D06EC1-1E87-41B1-83A3-CDDFA7DD00B1}" dt="2025-12-03T05:39:30.442" v="825" actId="1076"/>
+          <ac:picMkLst>
+            <pc:docMk/>
+            <pc:sldMk cId="2298523515" sldId="284"/>
+            <ac:picMk id="5" creationId="{DC165BCD-CD3F-5FEE-3149-3A909EDBF1BA}"/>
+          </ac:picMkLst>
+        </pc:picChg>
+      </pc:sldChg>
+      <pc:sldChg chg="addSp delSp modSp new mod">
+        <pc:chgData name="Emma Francis" userId="1a28f87ee4f117f1" providerId="LiveId" clId="{41D06EC1-1E87-41B1-83A3-CDDFA7DD00B1}" dt="2025-12-03T05:42:03.671" v="861" actId="1076"/>
+        <pc:sldMkLst>
+          <pc:docMk/>
+          <pc:sldMk cId="3742934645" sldId="285"/>
+        </pc:sldMkLst>
+        <pc:spChg chg="mod">
+          <ac:chgData name="Emma Francis" userId="1a28f87ee4f117f1" providerId="LiveId" clId="{41D06EC1-1E87-41B1-83A3-CDDFA7DD00B1}" dt="2025-12-03T05:39:41.842" v="848" actId="20577"/>
+          <ac:spMkLst>
+            <pc:docMk/>
+            <pc:sldMk cId="3742934645" sldId="285"/>
+            <ac:spMk id="2" creationId="{16229C68-6E2D-3D66-5693-B6937605D8F6}"/>
+          </ac:spMkLst>
+        </pc:spChg>
+        <pc:spChg chg="del">
+          <ac:chgData name="Emma Francis" userId="1a28f87ee4f117f1" providerId="LiveId" clId="{41D06EC1-1E87-41B1-83A3-CDDFA7DD00B1}" dt="2025-12-03T05:40:53.795" v="849" actId="478"/>
+          <ac:spMkLst>
+            <pc:docMk/>
+            <pc:sldMk cId="3742934645" sldId="285"/>
+            <ac:spMk id="3" creationId="{7907D0E0-3165-10ED-59CC-4C3DB9708F8E}"/>
+          </ac:spMkLst>
+        </pc:spChg>
+        <pc:picChg chg="add mod">
+          <ac:chgData name="Emma Francis" userId="1a28f87ee4f117f1" providerId="LiveId" clId="{41D06EC1-1E87-41B1-83A3-CDDFA7DD00B1}" dt="2025-12-03T05:42:03.671" v="861" actId="1076"/>
+          <ac:picMkLst>
+            <pc:docMk/>
+            <pc:sldMk cId="3742934645" sldId="285"/>
+            <ac:picMk id="5" creationId="{0956EF4C-B635-0B93-75A9-06CA26DE9441}"/>
+          </ac:picMkLst>
+        </pc:picChg>
+      </pc:sldChg>
+      <pc:sldChg chg="new">
+        <pc:chgData name="Emma Francis" userId="1a28f87ee4f117f1" providerId="LiveId" clId="{41D06EC1-1E87-41B1-83A3-CDDFA7DD00B1}" dt="2025-12-03T05:41:34.474" v="858" actId="680"/>
+        <pc:sldMkLst>
+          <pc:docMk/>
+          <pc:sldMk cId="1748006529" sldId="286"/>
+        </pc:sldMkLst>
       </pc:sldChg>
     </pc:docChg>
   </pc:docChgLst>
@@ -582,6 +918,1080 @@
           <a:bodyPr/>
           <a:lstStyle/>
           <a:p>
+            <a:r>
+              <a:rPr lang="en-US" sz="1200" b="0" kern="1200" dirty="0">
+                <a:solidFill>
+                  <a:schemeClr val="tx1"/>
+                </a:solidFill>
+                <a:effectLst/>
+                <a:latin typeface="+mn-lt"/>
+                <a:ea typeface="+mn-ea"/>
+                <a:cs typeface="+mn-cs"/>
+              </a:rPr>
+              <a:t># The logistic regression highlights the class imbalance of the data. The accuracy of the model</a:t>
+            </a:r>
+          </a:p>
+          <a:p>
+            <a:r>
+              <a:rPr lang="en-US" sz="1200" b="0" kern="1200" dirty="0">
+                <a:solidFill>
+                  <a:schemeClr val="tx1"/>
+                </a:solidFill>
+                <a:effectLst/>
+                <a:latin typeface="+mn-lt"/>
+                <a:ea typeface="+mn-ea"/>
+                <a:cs typeface="+mn-cs"/>
+              </a:rPr>
+              <a:t># appears to be 97%. However, the model does not identify those who do not have a mental illness.</a:t>
+            </a:r>
+          </a:p>
+          <a:p>
+            <a:r>
+              <a:rPr lang="en-US" sz="1200" b="0" kern="1200" dirty="0">
+                <a:solidFill>
+                  <a:schemeClr val="tx1"/>
+                </a:solidFill>
+                <a:effectLst/>
+                <a:latin typeface="+mn-lt"/>
+                <a:ea typeface="+mn-ea"/>
+                <a:cs typeface="+mn-cs"/>
+              </a:rPr>
+              <a:t># The AUC of 0.67 demonstrates that the logistic regression had modest discriminative ability. </a:t>
+            </a:r>
+          </a:p>
+          <a:p>
+            <a:r>
+              <a:rPr lang="en-US" sz="1200" b="0" kern="1200" dirty="0">
+                <a:solidFill>
+                  <a:schemeClr val="tx1"/>
+                </a:solidFill>
+                <a:effectLst/>
+                <a:latin typeface="+mn-lt"/>
+                <a:ea typeface="+mn-ea"/>
+                <a:cs typeface="+mn-cs"/>
+              </a:rPr>
+              <a:t># The current model is not suitable for the data due to the class imbalance.</a:t>
+            </a:r>
+          </a:p>
+          <a:p>
+            <a:endParaRPr lang="en-US" dirty="0"/>
+          </a:p>
+        </p:txBody>
+      </p:sp>
+      <p:sp>
+        <p:nvSpPr>
+          <p:cNvPr id="4" name="Slide Number Placeholder 3"/>
+          <p:cNvSpPr>
+            <a:spLocks noGrp="1"/>
+          </p:cNvSpPr>
+          <p:nvPr>
+            <p:ph type="sldNum" sz="quarter" idx="5"/>
+          </p:nvPr>
+        </p:nvSpPr>
+        <p:spPr/>
+        <p:txBody>
+          <a:bodyPr/>
+          <a:lstStyle/>
+          <a:p>
+            <a:fld id="{225E0D09-A73B-45C7-9595-EA62676DC56E}" type="slidenum">
+              <a:rPr lang="en-US" smtClean="0"/>
+              <a:t>7</a:t>
+            </a:fld>
+            <a:endParaRPr lang="en-US"/>
+          </a:p>
+        </p:txBody>
+      </p:sp>
+    </p:spTree>
+    <p:extLst>
+      <p:ext uri="{BB962C8B-B14F-4D97-AF65-F5344CB8AC3E}">
+        <p14:creationId xmlns:p14="http://schemas.microsoft.com/office/powerpoint/2010/main" val="2066996646"/>
+      </p:ext>
+    </p:extLst>
+  </p:cSld>
+  <p:clrMapOvr>
+    <a:masterClrMapping/>
+  </p:clrMapOvr>
+</p:notes>
+</file>
+
+<file path=ppt/notesSlides/notesSlide2.xml><?xml version="1.0" encoding="utf-8"?>
+<p:notes xmlns:a="http://schemas.openxmlformats.org/drawingml/2006/main" xmlns:r="http://schemas.openxmlformats.org/officeDocument/2006/relationships" xmlns:p="http://schemas.openxmlformats.org/presentationml/2006/main">
+  <p:cSld>
+    <p:spTree>
+      <p:nvGrpSpPr>
+        <p:cNvPr id="1" name=""/>
+        <p:cNvGrpSpPr/>
+        <p:nvPr/>
+      </p:nvGrpSpPr>
+      <p:grpSpPr>
+        <a:xfrm>
+          <a:off x="0" y="0"/>
+          <a:ext cx="0" cy="0"/>
+          <a:chOff x="0" y="0"/>
+          <a:chExt cx="0" cy="0"/>
+        </a:xfrm>
+      </p:grpSpPr>
+      <p:sp>
+        <p:nvSpPr>
+          <p:cNvPr id="2" name="Slide Image Placeholder 1"/>
+          <p:cNvSpPr>
+            <a:spLocks noGrp="1" noRot="1" noChangeAspect="1"/>
+          </p:cNvSpPr>
+          <p:nvPr>
+            <p:ph type="sldImg"/>
+          </p:nvPr>
+        </p:nvSpPr>
+        <p:spPr/>
+      </p:sp>
+      <p:sp>
+        <p:nvSpPr>
+          <p:cNvPr id="3" name="Notes Placeholder 2"/>
+          <p:cNvSpPr>
+            <a:spLocks noGrp="1"/>
+          </p:cNvSpPr>
+          <p:nvPr>
+            <p:ph type="body" idx="1"/>
+          </p:nvPr>
+        </p:nvSpPr>
+        <p:spPr/>
+        <p:txBody>
+          <a:bodyPr/>
+          <a:lstStyle/>
+          <a:p>
+            <a:r>
+              <a:rPr lang="en-US" sz="1200" b="0" kern="1200" dirty="0">
+                <a:solidFill>
+                  <a:schemeClr val="tx1"/>
+                </a:solidFill>
+                <a:effectLst/>
+                <a:latin typeface="+mn-lt"/>
+                <a:ea typeface="+mn-ea"/>
+                <a:cs typeface="+mn-cs"/>
+              </a:rPr>
+              <a:t># The independent/demographic variables do not explain sufficient variation in mental illness </a:t>
+            </a:r>
+          </a:p>
+          <a:p>
+            <a:r>
+              <a:rPr lang="en-US" sz="1200" b="0" kern="1200" dirty="0">
+                <a:solidFill>
+                  <a:schemeClr val="tx1"/>
+                </a:solidFill>
+                <a:effectLst/>
+                <a:latin typeface="+mn-lt"/>
+                <a:ea typeface="+mn-ea"/>
+                <a:cs typeface="+mn-cs"/>
+              </a:rPr>
+              <a:t># prevalence. This model does not predict those without mental illness since there is significant </a:t>
+            </a:r>
+          </a:p>
+          <a:p>
+            <a:r>
+              <a:rPr lang="en-US" sz="1200" b="0" kern="1200" dirty="0">
+                <a:solidFill>
+                  <a:schemeClr val="tx1"/>
+                </a:solidFill>
+                <a:effectLst/>
+                <a:latin typeface="+mn-lt"/>
+                <a:ea typeface="+mn-ea"/>
+                <a:cs typeface="+mn-cs"/>
+              </a:rPr>
+              <a:t># class imbalance. </a:t>
+            </a:r>
+          </a:p>
+          <a:p>
+            <a:endParaRPr lang="en-US" dirty="0"/>
+          </a:p>
+        </p:txBody>
+      </p:sp>
+      <p:sp>
+        <p:nvSpPr>
+          <p:cNvPr id="4" name="Slide Number Placeholder 3"/>
+          <p:cNvSpPr>
+            <a:spLocks noGrp="1"/>
+          </p:cNvSpPr>
+          <p:nvPr>
+            <p:ph type="sldNum" sz="quarter" idx="5"/>
+          </p:nvPr>
+        </p:nvSpPr>
+        <p:spPr/>
+        <p:txBody>
+          <a:bodyPr/>
+          <a:lstStyle/>
+          <a:p>
+            <a:fld id="{225E0D09-A73B-45C7-9595-EA62676DC56E}" type="slidenum">
+              <a:rPr lang="en-US" smtClean="0"/>
+              <a:t>8</a:t>
+            </a:fld>
+            <a:endParaRPr lang="en-US"/>
+          </a:p>
+        </p:txBody>
+      </p:sp>
+    </p:spTree>
+    <p:extLst>
+      <p:ext uri="{BB962C8B-B14F-4D97-AF65-F5344CB8AC3E}">
+        <p14:creationId xmlns:p14="http://schemas.microsoft.com/office/powerpoint/2010/main" val="3254387259"/>
+      </p:ext>
+    </p:extLst>
+  </p:cSld>
+  <p:clrMapOvr>
+    <a:masterClrMapping/>
+  </p:clrMapOvr>
+</p:notes>
+</file>
+
+<file path=ppt/notesSlides/notesSlide3.xml><?xml version="1.0" encoding="utf-8"?>
+<p:notes xmlns:a="http://schemas.openxmlformats.org/drawingml/2006/main" xmlns:r="http://schemas.openxmlformats.org/officeDocument/2006/relationships" xmlns:p="http://schemas.openxmlformats.org/presentationml/2006/main">
+  <p:cSld>
+    <p:spTree>
+      <p:nvGrpSpPr>
+        <p:cNvPr id="1" name=""/>
+        <p:cNvGrpSpPr/>
+        <p:nvPr/>
+      </p:nvGrpSpPr>
+      <p:grpSpPr>
+        <a:xfrm>
+          <a:off x="0" y="0"/>
+          <a:ext cx="0" cy="0"/>
+          <a:chOff x="0" y="0"/>
+          <a:chExt cx="0" cy="0"/>
+        </a:xfrm>
+      </p:grpSpPr>
+      <p:sp>
+        <p:nvSpPr>
+          <p:cNvPr id="2" name="Slide Image Placeholder 1"/>
+          <p:cNvSpPr>
+            <a:spLocks noGrp="1" noRot="1" noChangeAspect="1"/>
+          </p:cNvSpPr>
+          <p:nvPr>
+            <p:ph type="sldImg"/>
+          </p:nvPr>
+        </p:nvSpPr>
+        <p:spPr/>
+      </p:sp>
+      <p:sp>
+        <p:nvSpPr>
+          <p:cNvPr id="3" name="Notes Placeholder 2"/>
+          <p:cNvSpPr>
+            <a:spLocks noGrp="1"/>
+          </p:cNvSpPr>
+          <p:nvPr>
+            <p:ph type="body" idx="1"/>
+          </p:nvPr>
+        </p:nvSpPr>
+        <p:spPr/>
+        <p:txBody>
+          <a:bodyPr/>
+          <a:lstStyle/>
+          <a:p>
+            <a:r>
+              <a:rPr lang="en-US" sz="1200" b="0" kern="1200" dirty="0">
+                <a:solidFill>
+                  <a:schemeClr val="tx1"/>
+                </a:solidFill>
+                <a:effectLst/>
+                <a:latin typeface="+mn-lt"/>
+                <a:ea typeface="+mn-ea"/>
+                <a:cs typeface="+mn-cs"/>
+              </a:rPr>
+              <a:t># When class imbalance is accounted for, a decent amount of individuals who do not have a mental </a:t>
+            </a:r>
+          </a:p>
+          <a:p>
+            <a:r>
+              <a:rPr lang="en-US" sz="1200" b="0" kern="1200" dirty="0">
+                <a:solidFill>
+                  <a:schemeClr val="tx1"/>
+                </a:solidFill>
+                <a:effectLst/>
+                <a:latin typeface="+mn-lt"/>
+                <a:ea typeface="+mn-ea"/>
+                <a:cs typeface="+mn-cs"/>
+              </a:rPr>
+              <a:t># illness are identified. The model accuracy is now 76%, but identifies those without a mental illness. </a:t>
+            </a:r>
+          </a:p>
+          <a:p>
+            <a:r>
+              <a:rPr lang="en-US" sz="1200" b="0" kern="1200" dirty="0">
+                <a:solidFill>
+                  <a:schemeClr val="tx1"/>
+                </a:solidFill>
+                <a:effectLst/>
+                <a:latin typeface="+mn-lt"/>
+                <a:ea typeface="+mn-ea"/>
+                <a:cs typeface="+mn-cs"/>
+              </a:rPr>
+              <a:t># The demographic/independent variables have modest predictive power now. </a:t>
+            </a:r>
+          </a:p>
+          <a:p>
+            <a:endParaRPr lang="en-US" dirty="0"/>
+          </a:p>
+        </p:txBody>
+      </p:sp>
+      <p:sp>
+        <p:nvSpPr>
+          <p:cNvPr id="4" name="Slide Number Placeholder 3"/>
+          <p:cNvSpPr>
+            <a:spLocks noGrp="1"/>
+          </p:cNvSpPr>
+          <p:nvPr>
+            <p:ph type="sldNum" sz="quarter" idx="5"/>
+          </p:nvPr>
+        </p:nvSpPr>
+        <p:spPr/>
+        <p:txBody>
+          <a:bodyPr/>
+          <a:lstStyle/>
+          <a:p>
+            <a:fld id="{225E0D09-A73B-45C7-9595-EA62676DC56E}" type="slidenum">
+              <a:rPr lang="en-US" smtClean="0"/>
+              <a:t>9</a:t>
+            </a:fld>
+            <a:endParaRPr lang="en-US"/>
+          </a:p>
+        </p:txBody>
+      </p:sp>
+    </p:spTree>
+    <p:extLst>
+      <p:ext uri="{BB962C8B-B14F-4D97-AF65-F5344CB8AC3E}">
+        <p14:creationId xmlns:p14="http://schemas.microsoft.com/office/powerpoint/2010/main" val="918523277"/>
+      </p:ext>
+    </p:extLst>
+  </p:cSld>
+  <p:clrMapOvr>
+    <a:masterClrMapping/>
+  </p:clrMapOvr>
+</p:notes>
+</file>
+
+<file path=ppt/notesSlides/notesSlide4.xml><?xml version="1.0" encoding="utf-8"?>
+<p:notes xmlns:a="http://schemas.openxmlformats.org/drawingml/2006/main" xmlns:r="http://schemas.openxmlformats.org/officeDocument/2006/relationships" xmlns:p="http://schemas.openxmlformats.org/presentationml/2006/main">
+  <p:cSld>
+    <p:spTree>
+      <p:nvGrpSpPr>
+        <p:cNvPr id="1" name=""/>
+        <p:cNvGrpSpPr/>
+        <p:nvPr/>
+      </p:nvGrpSpPr>
+      <p:grpSpPr>
+        <a:xfrm>
+          <a:off x="0" y="0"/>
+          <a:ext cx="0" cy="0"/>
+          <a:chOff x="0" y="0"/>
+          <a:chExt cx="0" cy="0"/>
+        </a:xfrm>
+      </p:grpSpPr>
+      <p:sp>
+        <p:nvSpPr>
+          <p:cNvPr id="2" name="Slide Image Placeholder 1"/>
+          <p:cNvSpPr>
+            <a:spLocks noGrp="1" noRot="1" noChangeAspect="1"/>
+          </p:cNvSpPr>
+          <p:nvPr>
+            <p:ph type="sldImg"/>
+          </p:nvPr>
+        </p:nvSpPr>
+        <p:spPr/>
+      </p:sp>
+      <p:sp>
+        <p:nvSpPr>
+          <p:cNvPr id="3" name="Notes Placeholder 2"/>
+          <p:cNvSpPr>
+            <a:spLocks noGrp="1"/>
+          </p:cNvSpPr>
+          <p:nvPr>
+            <p:ph type="body" idx="1"/>
+          </p:nvPr>
+        </p:nvSpPr>
+        <p:spPr/>
+        <p:txBody>
+          <a:bodyPr/>
+          <a:lstStyle/>
+          <a:p>
+            <a:r>
+              <a:rPr lang="en-US" sz="1200" b="0" kern="1200" dirty="0">
+                <a:solidFill>
+                  <a:schemeClr val="tx1"/>
+                </a:solidFill>
+                <a:effectLst/>
+                <a:latin typeface="+mn-lt"/>
+                <a:ea typeface="+mn-ea"/>
+                <a:cs typeface="+mn-cs"/>
+              </a:rPr>
+              <a:t># The improved logistic regression suggests that being older decreases the chance of having a mental illness, cohabitating</a:t>
+            </a:r>
+          </a:p>
+          <a:p>
+            <a:r>
+              <a:rPr lang="en-US" sz="1200" b="0" kern="1200" dirty="0">
+                <a:solidFill>
+                  <a:schemeClr val="tx1"/>
+                </a:solidFill>
+                <a:effectLst/>
+                <a:latin typeface="+mn-lt"/>
+                <a:ea typeface="+mn-ea"/>
+                <a:cs typeface="+mn-cs"/>
+              </a:rPr>
+              <a:t># with others and substance use minimally increases the risk of having a mental illness. All demographic variables have </a:t>
+            </a:r>
+          </a:p>
+          <a:p>
+            <a:r>
+              <a:rPr lang="en-US" sz="1200" b="0" kern="1200" dirty="0">
+                <a:solidFill>
+                  <a:schemeClr val="tx1"/>
+                </a:solidFill>
+                <a:effectLst/>
+                <a:latin typeface="+mn-lt"/>
+                <a:ea typeface="+mn-ea"/>
+                <a:cs typeface="+mn-cs"/>
+              </a:rPr>
+              <a:t># small impacts on mental illnesses.</a:t>
+            </a:r>
+          </a:p>
+          <a:p>
+            <a:endParaRPr lang="en-US" dirty="0"/>
+          </a:p>
+        </p:txBody>
+      </p:sp>
+      <p:sp>
+        <p:nvSpPr>
+          <p:cNvPr id="4" name="Slide Number Placeholder 3"/>
+          <p:cNvSpPr>
+            <a:spLocks noGrp="1"/>
+          </p:cNvSpPr>
+          <p:nvPr>
+            <p:ph type="sldNum" sz="quarter" idx="5"/>
+          </p:nvPr>
+        </p:nvSpPr>
+        <p:spPr/>
+        <p:txBody>
+          <a:bodyPr/>
+          <a:lstStyle/>
+          <a:p>
+            <a:fld id="{225E0D09-A73B-45C7-9595-EA62676DC56E}" type="slidenum">
+              <a:rPr lang="en-US" smtClean="0"/>
+              <a:t>10</a:t>
+            </a:fld>
+            <a:endParaRPr lang="en-US"/>
+          </a:p>
+        </p:txBody>
+      </p:sp>
+    </p:spTree>
+    <p:extLst>
+      <p:ext uri="{BB962C8B-B14F-4D97-AF65-F5344CB8AC3E}">
+        <p14:creationId xmlns:p14="http://schemas.microsoft.com/office/powerpoint/2010/main" val="1246733403"/>
+      </p:ext>
+    </p:extLst>
+  </p:cSld>
+  <p:clrMapOvr>
+    <a:masterClrMapping/>
+  </p:clrMapOvr>
+</p:notes>
+</file>
+
+<file path=ppt/notesSlides/notesSlide5.xml><?xml version="1.0" encoding="utf-8"?>
+<p:notes xmlns:a="http://schemas.openxmlformats.org/drawingml/2006/main" xmlns:r="http://schemas.openxmlformats.org/officeDocument/2006/relationships" xmlns:p="http://schemas.openxmlformats.org/presentationml/2006/main">
+  <p:cSld>
+    <p:spTree>
+      <p:nvGrpSpPr>
+        <p:cNvPr id="1" name=""/>
+        <p:cNvGrpSpPr/>
+        <p:nvPr/>
+      </p:nvGrpSpPr>
+      <p:grpSpPr>
+        <a:xfrm>
+          <a:off x="0" y="0"/>
+          <a:ext cx="0" cy="0"/>
+          <a:chOff x="0" y="0"/>
+          <a:chExt cx="0" cy="0"/>
+        </a:xfrm>
+      </p:grpSpPr>
+      <p:sp>
+        <p:nvSpPr>
+          <p:cNvPr id="2" name="Slide Image Placeholder 1"/>
+          <p:cNvSpPr>
+            <a:spLocks noGrp="1" noRot="1" noChangeAspect="1"/>
+          </p:cNvSpPr>
+          <p:nvPr>
+            <p:ph type="sldImg"/>
+          </p:nvPr>
+        </p:nvSpPr>
+        <p:spPr/>
+      </p:sp>
+      <p:sp>
+        <p:nvSpPr>
+          <p:cNvPr id="3" name="Notes Placeholder 2"/>
+          <p:cNvSpPr>
+            <a:spLocks noGrp="1"/>
+          </p:cNvSpPr>
+          <p:nvPr>
+            <p:ph type="body" idx="1"/>
+          </p:nvPr>
+        </p:nvSpPr>
+        <p:spPr/>
+        <p:txBody>
+          <a:bodyPr/>
+          <a:lstStyle/>
+          <a:p>
+            <a:r>
+              <a:rPr lang="en-US" sz="1200" b="0" kern="1200" dirty="0">
+                <a:solidFill>
+                  <a:schemeClr val="tx1"/>
+                </a:solidFill>
+                <a:effectLst/>
+                <a:latin typeface="+mn-lt"/>
+                <a:ea typeface="+mn-ea"/>
+                <a:cs typeface="+mn-cs"/>
+              </a:rPr>
+              <a:t># The Random Forest model also had an accuracy of 97% and an AUC of 0.69, again having some </a:t>
+            </a:r>
+          </a:p>
+          <a:p>
+            <a:r>
+              <a:rPr lang="en-US" sz="1200" b="0" kern="1200" dirty="0">
+                <a:solidFill>
+                  <a:schemeClr val="tx1"/>
+                </a:solidFill>
+                <a:effectLst/>
+                <a:latin typeface="+mn-lt"/>
+                <a:ea typeface="+mn-ea"/>
+                <a:cs typeface="+mn-cs"/>
+              </a:rPr>
+              <a:t># discriminative ability. This model also suffers from the class imbalance, having a recall of 0.04</a:t>
+            </a:r>
+          </a:p>
+          <a:p>
+            <a:r>
+              <a:rPr lang="en-US" sz="1200" b="0" kern="1200" dirty="0">
+                <a:solidFill>
+                  <a:schemeClr val="tx1"/>
+                </a:solidFill>
+                <a:effectLst/>
+                <a:latin typeface="+mn-lt"/>
+                <a:ea typeface="+mn-ea"/>
+                <a:cs typeface="+mn-cs"/>
+              </a:rPr>
+              <a:t># for individuals without a mental illness. This model is extremely biased toward those who do have</a:t>
+            </a:r>
+          </a:p>
+          <a:p>
+            <a:r>
+              <a:rPr lang="en-US" sz="1200" b="0" kern="1200" dirty="0">
+                <a:solidFill>
+                  <a:schemeClr val="tx1"/>
+                </a:solidFill>
+                <a:effectLst/>
+                <a:latin typeface="+mn-lt"/>
+                <a:ea typeface="+mn-ea"/>
+                <a:cs typeface="+mn-cs"/>
+              </a:rPr>
+              <a:t># a mental illness.</a:t>
+            </a:r>
+          </a:p>
+          <a:p>
+            <a:endParaRPr lang="en-US" dirty="0"/>
+          </a:p>
+        </p:txBody>
+      </p:sp>
+      <p:sp>
+        <p:nvSpPr>
+          <p:cNvPr id="4" name="Slide Number Placeholder 3"/>
+          <p:cNvSpPr>
+            <a:spLocks noGrp="1"/>
+          </p:cNvSpPr>
+          <p:nvPr>
+            <p:ph type="sldNum" sz="quarter" idx="5"/>
+          </p:nvPr>
+        </p:nvSpPr>
+        <p:spPr/>
+        <p:txBody>
+          <a:bodyPr/>
+          <a:lstStyle/>
+          <a:p>
+            <a:fld id="{225E0D09-A73B-45C7-9595-EA62676DC56E}" type="slidenum">
+              <a:rPr lang="en-US" smtClean="0"/>
+              <a:t>11</a:t>
+            </a:fld>
+            <a:endParaRPr lang="en-US"/>
+          </a:p>
+        </p:txBody>
+      </p:sp>
+    </p:spTree>
+    <p:extLst>
+      <p:ext uri="{BB962C8B-B14F-4D97-AF65-F5344CB8AC3E}">
+        <p14:creationId xmlns:p14="http://schemas.microsoft.com/office/powerpoint/2010/main" val="2454462227"/>
+      </p:ext>
+    </p:extLst>
+  </p:cSld>
+  <p:clrMapOvr>
+    <a:masterClrMapping/>
+  </p:clrMapOvr>
+</p:notes>
+</file>
+
+<file path=ppt/notesSlides/notesSlide6.xml><?xml version="1.0" encoding="utf-8"?>
+<p:notes xmlns:a="http://schemas.openxmlformats.org/drawingml/2006/main" xmlns:r="http://schemas.openxmlformats.org/officeDocument/2006/relationships" xmlns:p="http://schemas.openxmlformats.org/presentationml/2006/main">
+  <p:cSld>
+    <p:spTree>
+      <p:nvGrpSpPr>
+        <p:cNvPr id="1" name=""/>
+        <p:cNvGrpSpPr/>
+        <p:nvPr/>
+      </p:nvGrpSpPr>
+      <p:grpSpPr>
+        <a:xfrm>
+          <a:off x="0" y="0"/>
+          <a:ext cx="0" cy="0"/>
+          <a:chOff x="0" y="0"/>
+          <a:chExt cx="0" cy="0"/>
+        </a:xfrm>
+      </p:grpSpPr>
+      <p:sp>
+        <p:nvSpPr>
+          <p:cNvPr id="2" name="Slide Image Placeholder 1"/>
+          <p:cNvSpPr>
+            <a:spLocks noGrp="1" noRot="1" noChangeAspect="1"/>
+          </p:cNvSpPr>
+          <p:nvPr>
+            <p:ph type="sldImg"/>
+          </p:nvPr>
+        </p:nvSpPr>
+        <p:spPr/>
+      </p:sp>
+      <p:sp>
+        <p:nvSpPr>
+          <p:cNvPr id="3" name="Notes Placeholder 2"/>
+          <p:cNvSpPr>
+            <a:spLocks noGrp="1"/>
+          </p:cNvSpPr>
+          <p:nvPr>
+            <p:ph type="body" idx="1"/>
+          </p:nvPr>
+        </p:nvSpPr>
+        <p:spPr/>
+        <p:txBody>
+          <a:bodyPr/>
+          <a:lstStyle/>
+          <a:p>
+            <a:r>
+              <a:rPr lang="en-US" sz="1200" b="0" kern="1200" dirty="0">
+                <a:solidFill>
+                  <a:schemeClr val="tx1"/>
+                </a:solidFill>
+                <a:effectLst/>
+                <a:latin typeface="+mn-lt"/>
+                <a:ea typeface="+mn-ea"/>
+                <a:cs typeface="+mn-cs"/>
+              </a:rPr>
+              <a:t># The random forest model demonstrates that region served, education status, and race are the most </a:t>
+            </a:r>
+          </a:p>
+          <a:p>
+            <a:r>
+              <a:rPr lang="en-US" sz="1200" b="0" kern="1200" dirty="0">
+                <a:solidFill>
+                  <a:schemeClr val="tx1"/>
+                </a:solidFill>
+                <a:effectLst/>
+                <a:latin typeface="+mn-lt"/>
+                <a:ea typeface="+mn-ea"/>
+                <a:cs typeface="+mn-cs"/>
+              </a:rPr>
+              <a:t># significant predictors of mental illness. Sexual orientation, household composition, and age group </a:t>
+            </a:r>
+          </a:p>
+          <a:p>
+            <a:r>
+              <a:rPr lang="en-US" sz="1200" b="0" kern="1200" dirty="0">
+                <a:solidFill>
+                  <a:schemeClr val="tx1"/>
+                </a:solidFill>
+                <a:effectLst/>
+                <a:latin typeface="+mn-lt"/>
+                <a:ea typeface="+mn-ea"/>
+                <a:cs typeface="+mn-cs"/>
+              </a:rPr>
+              <a:t># have some importance on the model. Sex, alcohol related disorder, drug substance disorder, and </a:t>
+            </a:r>
+          </a:p>
+          <a:p>
+            <a:r>
+              <a:rPr lang="en-US" sz="1200" b="0" kern="1200" dirty="0">
+                <a:solidFill>
+                  <a:schemeClr val="tx1"/>
+                </a:solidFill>
+                <a:effectLst/>
+                <a:latin typeface="+mn-lt"/>
+                <a:ea typeface="+mn-ea"/>
+                <a:cs typeface="+mn-cs"/>
+              </a:rPr>
+              <a:t># veteran status do not contribute much to the model's predictions. </a:t>
+            </a:r>
+          </a:p>
+          <a:p>
+            <a:endParaRPr lang="en-US" dirty="0"/>
+          </a:p>
+        </p:txBody>
+      </p:sp>
+      <p:sp>
+        <p:nvSpPr>
+          <p:cNvPr id="4" name="Slide Number Placeholder 3"/>
+          <p:cNvSpPr>
+            <a:spLocks noGrp="1"/>
+          </p:cNvSpPr>
+          <p:nvPr>
+            <p:ph type="sldNum" sz="quarter" idx="5"/>
+          </p:nvPr>
+        </p:nvSpPr>
+        <p:spPr/>
+        <p:txBody>
+          <a:bodyPr/>
+          <a:lstStyle/>
+          <a:p>
+            <a:fld id="{225E0D09-A73B-45C7-9595-EA62676DC56E}" type="slidenum">
+              <a:rPr lang="en-US" smtClean="0"/>
+              <a:t>12</a:t>
+            </a:fld>
+            <a:endParaRPr lang="en-US"/>
+          </a:p>
+        </p:txBody>
+      </p:sp>
+    </p:spTree>
+    <p:extLst>
+      <p:ext uri="{BB962C8B-B14F-4D97-AF65-F5344CB8AC3E}">
+        <p14:creationId xmlns:p14="http://schemas.microsoft.com/office/powerpoint/2010/main" val="305172363"/>
+      </p:ext>
+    </p:extLst>
+  </p:cSld>
+  <p:clrMapOvr>
+    <a:masterClrMapping/>
+  </p:clrMapOvr>
+</p:notes>
+</file>
+
+<file path=ppt/notesSlides/notesSlide7.xml><?xml version="1.0" encoding="utf-8"?>
+<p:notes xmlns:a="http://schemas.openxmlformats.org/drawingml/2006/main" xmlns:r="http://schemas.openxmlformats.org/officeDocument/2006/relationships" xmlns:p="http://schemas.openxmlformats.org/presentationml/2006/main">
+  <p:cSld>
+    <p:spTree>
+      <p:nvGrpSpPr>
+        <p:cNvPr id="1" name=""/>
+        <p:cNvGrpSpPr/>
+        <p:nvPr/>
+      </p:nvGrpSpPr>
+      <p:grpSpPr>
+        <a:xfrm>
+          <a:off x="0" y="0"/>
+          <a:ext cx="0" cy="0"/>
+          <a:chOff x="0" y="0"/>
+          <a:chExt cx="0" cy="0"/>
+        </a:xfrm>
+      </p:grpSpPr>
+      <p:sp>
+        <p:nvSpPr>
+          <p:cNvPr id="2" name="Slide Image Placeholder 1"/>
+          <p:cNvSpPr>
+            <a:spLocks noGrp="1" noRot="1" noChangeAspect="1"/>
+          </p:cNvSpPr>
+          <p:nvPr>
+            <p:ph type="sldImg"/>
+          </p:nvPr>
+        </p:nvSpPr>
+        <p:spPr/>
+      </p:sp>
+      <p:sp>
+        <p:nvSpPr>
+          <p:cNvPr id="3" name="Notes Placeholder 2"/>
+          <p:cNvSpPr>
+            <a:spLocks noGrp="1"/>
+          </p:cNvSpPr>
+          <p:nvPr>
+            <p:ph type="body" idx="1"/>
+          </p:nvPr>
+        </p:nvSpPr>
+        <p:spPr/>
+        <p:txBody>
+          <a:bodyPr/>
+          <a:lstStyle/>
+          <a:p>
+            <a:r>
+              <a:rPr lang="en-US" sz="1200" b="0" kern="1200" dirty="0">
+                <a:solidFill>
+                  <a:schemeClr val="tx1"/>
+                </a:solidFill>
+                <a:effectLst/>
+                <a:latin typeface="+mn-lt"/>
+                <a:ea typeface="+mn-ea"/>
+                <a:cs typeface="+mn-cs"/>
+              </a:rPr>
+              <a:t># When the class is balanced, the random forest model had a 75% accuracy and an AUC of 0.68.</a:t>
+            </a:r>
+          </a:p>
+          <a:p>
+            <a:r>
+              <a:rPr lang="en-US" sz="1200" b="0" kern="1200" dirty="0">
+                <a:solidFill>
+                  <a:schemeClr val="tx1"/>
+                </a:solidFill>
+                <a:effectLst/>
+                <a:latin typeface="+mn-lt"/>
+                <a:ea typeface="+mn-ea"/>
+                <a:cs typeface="+mn-cs"/>
+              </a:rPr>
+              <a:t># The recall for those without a mental illness is 0.55 which improved from 0.04.</a:t>
+            </a:r>
+          </a:p>
+          <a:p>
+            <a:endParaRPr lang="en-US" dirty="0"/>
+          </a:p>
+        </p:txBody>
+      </p:sp>
+      <p:sp>
+        <p:nvSpPr>
+          <p:cNvPr id="4" name="Slide Number Placeholder 3"/>
+          <p:cNvSpPr>
+            <a:spLocks noGrp="1"/>
+          </p:cNvSpPr>
+          <p:nvPr>
+            <p:ph type="sldNum" sz="quarter" idx="5"/>
+          </p:nvPr>
+        </p:nvSpPr>
+        <p:spPr/>
+        <p:txBody>
+          <a:bodyPr/>
+          <a:lstStyle/>
+          <a:p>
+            <a:fld id="{225E0D09-A73B-45C7-9595-EA62676DC56E}" type="slidenum">
+              <a:rPr lang="en-US" smtClean="0"/>
+              <a:t>13</a:t>
+            </a:fld>
+            <a:endParaRPr lang="en-US"/>
+          </a:p>
+        </p:txBody>
+      </p:sp>
+    </p:spTree>
+    <p:extLst>
+      <p:ext uri="{BB962C8B-B14F-4D97-AF65-F5344CB8AC3E}">
+        <p14:creationId xmlns:p14="http://schemas.microsoft.com/office/powerpoint/2010/main" val="3983130932"/>
+      </p:ext>
+    </p:extLst>
+  </p:cSld>
+  <p:clrMapOvr>
+    <a:masterClrMapping/>
+  </p:clrMapOvr>
+</p:notes>
+</file>
+
+<file path=ppt/notesSlides/notesSlide8.xml><?xml version="1.0" encoding="utf-8"?>
+<p:notes xmlns:a="http://schemas.openxmlformats.org/drawingml/2006/main" xmlns:r="http://schemas.openxmlformats.org/officeDocument/2006/relationships" xmlns:p="http://schemas.openxmlformats.org/presentationml/2006/main">
+  <p:cSld>
+    <p:spTree>
+      <p:nvGrpSpPr>
+        <p:cNvPr id="1" name=""/>
+        <p:cNvGrpSpPr/>
+        <p:nvPr/>
+      </p:nvGrpSpPr>
+      <p:grpSpPr>
+        <a:xfrm>
+          <a:off x="0" y="0"/>
+          <a:ext cx="0" cy="0"/>
+          <a:chOff x="0" y="0"/>
+          <a:chExt cx="0" cy="0"/>
+        </a:xfrm>
+      </p:grpSpPr>
+      <p:sp>
+        <p:nvSpPr>
+          <p:cNvPr id="2" name="Slide Image Placeholder 1"/>
+          <p:cNvSpPr>
+            <a:spLocks noGrp="1" noRot="1" noChangeAspect="1"/>
+          </p:cNvSpPr>
+          <p:nvPr>
+            <p:ph type="sldImg"/>
+          </p:nvPr>
+        </p:nvSpPr>
+        <p:spPr/>
+      </p:sp>
+      <p:sp>
+        <p:nvSpPr>
+          <p:cNvPr id="3" name="Notes Placeholder 2"/>
+          <p:cNvSpPr>
+            <a:spLocks noGrp="1"/>
+          </p:cNvSpPr>
+          <p:nvPr>
+            <p:ph type="body" idx="1"/>
+          </p:nvPr>
+        </p:nvSpPr>
+        <p:spPr/>
+        <p:txBody>
+          <a:bodyPr/>
+          <a:lstStyle/>
+          <a:p>
+            <a:r>
+              <a:rPr lang="en-US" sz="1200" b="0" kern="1200" dirty="0">
+                <a:solidFill>
+                  <a:schemeClr val="tx1"/>
+                </a:solidFill>
+                <a:effectLst/>
+                <a:latin typeface="+mn-lt"/>
+                <a:ea typeface="+mn-ea"/>
+                <a:cs typeface="+mn-cs"/>
+              </a:rPr>
+              <a:t># Region served, education status, and age group are the most influential predictors</a:t>
+            </a:r>
+          </a:p>
+          <a:p>
+            <a:r>
+              <a:rPr lang="en-US" sz="1200" b="0" kern="1200" dirty="0">
+                <a:solidFill>
+                  <a:schemeClr val="tx1"/>
+                </a:solidFill>
+                <a:effectLst/>
+                <a:latin typeface="+mn-lt"/>
+                <a:ea typeface="+mn-ea"/>
+                <a:cs typeface="+mn-cs"/>
+              </a:rPr>
+              <a:t># of mental illness. Race, sexual orientation, and household consumption have some importance</a:t>
+            </a:r>
+          </a:p>
+          <a:p>
+            <a:r>
+              <a:rPr lang="en-US" sz="1200" b="0" kern="1200" dirty="0">
+                <a:solidFill>
+                  <a:schemeClr val="tx1"/>
+                </a:solidFill>
+                <a:effectLst/>
+                <a:latin typeface="+mn-lt"/>
+                <a:ea typeface="+mn-ea"/>
+                <a:cs typeface="+mn-cs"/>
+              </a:rPr>
+              <a:t># on predicting mental illness. Sex, </a:t>
+            </a:r>
+            <a:r>
+              <a:rPr lang="en-US" sz="1200" b="0" kern="1200" dirty="0" err="1">
+                <a:solidFill>
+                  <a:schemeClr val="tx1"/>
+                </a:solidFill>
+                <a:effectLst/>
+                <a:latin typeface="+mn-lt"/>
+                <a:ea typeface="+mn-ea"/>
+                <a:cs typeface="+mn-cs"/>
+              </a:rPr>
+              <a:t>alchohol</a:t>
+            </a:r>
+            <a:r>
+              <a:rPr lang="en-US" sz="1200" b="0" kern="1200" dirty="0">
+                <a:solidFill>
+                  <a:schemeClr val="tx1"/>
+                </a:solidFill>
+                <a:effectLst/>
+                <a:latin typeface="+mn-lt"/>
+                <a:ea typeface="+mn-ea"/>
+                <a:cs typeface="+mn-cs"/>
+              </a:rPr>
+              <a:t> related disorder, drug substance disorder, and</a:t>
+            </a:r>
+          </a:p>
+          <a:p>
+            <a:r>
+              <a:rPr lang="en-US" sz="1200" b="0" kern="1200" dirty="0">
+                <a:solidFill>
+                  <a:schemeClr val="tx1"/>
+                </a:solidFill>
+                <a:effectLst/>
+                <a:latin typeface="+mn-lt"/>
+                <a:ea typeface="+mn-ea"/>
+                <a:cs typeface="+mn-cs"/>
+              </a:rPr>
+              <a:t># veteran status did not contribute much to the model.</a:t>
+            </a:r>
+          </a:p>
+          <a:p>
+            <a:endParaRPr lang="en-US" dirty="0"/>
+          </a:p>
+        </p:txBody>
+      </p:sp>
+      <p:sp>
+        <p:nvSpPr>
+          <p:cNvPr id="4" name="Slide Number Placeholder 3"/>
+          <p:cNvSpPr>
+            <a:spLocks noGrp="1"/>
+          </p:cNvSpPr>
+          <p:nvPr>
+            <p:ph type="sldNum" sz="quarter" idx="5"/>
+          </p:nvPr>
+        </p:nvSpPr>
+        <p:spPr/>
+        <p:txBody>
+          <a:bodyPr/>
+          <a:lstStyle/>
+          <a:p>
+            <a:fld id="{225E0D09-A73B-45C7-9595-EA62676DC56E}" type="slidenum">
+              <a:rPr lang="en-US" smtClean="0"/>
+              <a:t>14</a:t>
+            </a:fld>
+            <a:endParaRPr lang="en-US"/>
+          </a:p>
+        </p:txBody>
+      </p:sp>
+    </p:spTree>
+    <p:extLst>
+      <p:ext uri="{BB962C8B-B14F-4D97-AF65-F5344CB8AC3E}">
+        <p14:creationId xmlns:p14="http://schemas.microsoft.com/office/powerpoint/2010/main" val="3318254789"/>
+      </p:ext>
+    </p:extLst>
+  </p:cSld>
+  <p:clrMapOvr>
+    <a:masterClrMapping/>
+  </p:clrMapOvr>
+</p:notes>
+</file>
+
+<file path=ppt/notesSlides/notesSlide9.xml><?xml version="1.0" encoding="utf-8"?>
+<p:notes xmlns:a="http://schemas.openxmlformats.org/drawingml/2006/main" xmlns:r="http://schemas.openxmlformats.org/officeDocument/2006/relationships" xmlns:p="http://schemas.openxmlformats.org/presentationml/2006/main">
+  <p:cSld>
+    <p:spTree>
+      <p:nvGrpSpPr>
+        <p:cNvPr id="1" name=""/>
+        <p:cNvGrpSpPr/>
+        <p:nvPr/>
+      </p:nvGrpSpPr>
+      <p:grpSpPr>
+        <a:xfrm>
+          <a:off x="0" y="0"/>
+          <a:ext cx="0" cy="0"/>
+          <a:chOff x="0" y="0"/>
+          <a:chExt cx="0" cy="0"/>
+        </a:xfrm>
+      </p:grpSpPr>
+      <p:sp>
+        <p:nvSpPr>
+          <p:cNvPr id="2" name="Slide Image Placeholder 1"/>
+          <p:cNvSpPr>
+            <a:spLocks noGrp="1" noRot="1" noChangeAspect="1"/>
+          </p:cNvSpPr>
+          <p:nvPr>
+            <p:ph type="sldImg"/>
+          </p:nvPr>
+        </p:nvSpPr>
+        <p:spPr/>
+      </p:sp>
+      <p:sp>
+        <p:nvSpPr>
+          <p:cNvPr id="3" name="Notes Placeholder 2"/>
+          <p:cNvSpPr>
+            <a:spLocks noGrp="1"/>
+          </p:cNvSpPr>
+          <p:nvPr>
+            <p:ph type="body" idx="1"/>
+          </p:nvPr>
+        </p:nvSpPr>
+        <p:spPr/>
+        <p:txBody>
+          <a:bodyPr/>
+          <a:lstStyle/>
+          <a:p>
             <a:pPr marL="0" marR="0" lvl="0" indent="0" algn="l" defTabSz="914400" rtl="0" eaLnBrk="1" fontAlgn="auto" latinLnBrk="0" hangingPunct="1">
               <a:lnSpc>
                 <a:spcPct val="100000"/>
@@ -655,7 +2065,7 @@
           <a:p>
             <a:fld id="{225E0D09-A73B-45C7-9595-EA62676DC56E}" type="slidenum">
               <a:rPr lang="en-US" smtClean="0"/>
-              <a:t>13</a:t>
+              <a:t>16</a:t>
             </a:fld>
             <a:endParaRPr lang="en-US"/>
           </a:p>
@@ -6670,13 +8080,7 @@
   <p:cSld>
     <p:spTree>
       <p:nvGrpSpPr>
-        <p:cNvPr id="1" name="">
-          <a:extLst>
-            <a:ext uri="{FF2B5EF4-FFF2-40B4-BE49-F238E27FC236}">
-              <a16:creationId xmlns:a16="http://schemas.microsoft.com/office/drawing/2014/main" id="{ABA282A0-C32F-8BDA-F2DC-9F9846A68367}"/>
-            </a:ext>
-          </a:extLst>
-        </p:cNvPr>
+        <p:cNvPr id="1" name=""/>
         <p:cNvGrpSpPr/>
         <p:nvPr/>
       </p:nvGrpSpPr>
@@ -6690,10 +8094,10 @@
       </p:grpSpPr>
       <p:sp>
         <p:nvSpPr>
-          <p:cNvPr id="2" name="標題 1">
+          <p:cNvPr id="2" name="Title 1">
             <a:extLst>
               <a:ext uri="{FF2B5EF4-FFF2-40B4-BE49-F238E27FC236}">
-                <a16:creationId xmlns:a16="http://schemas.microsoft.com/office/drawing/2014/main" id="{B62AA46E-1690-E21E-13FB-BEC4044FC76F}"/>
+                <a16:creationId xmlns:a16="http://schemas.microsoft.com/office/drawing/2014/main" id="{C0C8A902-CF16-A61A-0690-1B7ACCF4C5F3}"/>
               </a:ext>
             </a:extLst>
           </p:cNvPr>
@@ -6710,55 +8114,18 @@
           <a:lstStyle/>
           <a:p>
             <a:r>
-              <a:rPr kumimoji="1" lang="en-US" altLang="zh-TW" b="1" dirty="0">
-                <a:latin typeface="Times New Roman" panose="02020603050405020304" pitchFamily="18" charset="0"/>
-                <a:cs typeface="Times New Roman" panose="02020603050405020304" pitchFamily="18" charset="0"/>
-              </a:rPr>
-              <a:t>Random Forest</a:t>
-            </a:r>
-            <a:endParaRPr kumimoji="1" lang="zh-TW" altLang="en-US" b="1" dirty="0">
-              <a:latin typeface="Times New Roman" panose="02020603050405020304" pitchFamily="18" charset="0"/>
-              <a:cs typeface="Times New Roman" panose="02020603050405020304" pitchFamily="18" charset="0"/>
-            </a:endParaRPr>
+              <a:rPr lang="en-US" dirty="0"/>
+              <a:t>Balancing Class Weight</a:t>
+            </a:r>
           </a:p>
         </p:txBody>
       </p:sp>
       <p:pic>
         <p:nvPicPr>
-          <p:cNvPr id="3" name="圖片 2">
+          <p:cNvPr id="5" name="Picture 4">
             <a:extLst>
               <a:ext uri="{FF2B5EF4-FFF2-40B4-BE49-F238E27FC236}">
-                <a16:creationId xmlns:a16="http://schemas.microsoft.com/office/drawing/2014/main" id="{2685D053-CCC1-5835-7C39-C526DEA0DDE8}"/>
-              </a:ext>
-            </a:extLst>
-          </p:cNvPr>
-          <p:cNvPicPr>
-            <a:picLocks noChangeAspect="1"/>
-          </p:cNvPicPr>
-          <p:nvPr/>
-        </p:nvPicPr>
-        <p:blipFill>
-          <a:blip r:embed="rId2"/>
-          <a:stretch>
-            <a:fillRect/>
-          </a:stretch>
-        </p:blipFill>
-        <p:spPr>
-          <a:xfrm>
-            <a:off x="677334" y="1617980"/>
-            <a:ext cx="3945466" cy="1905289"/>
-          </a:xfrm>
-          <a:prstGeom prst="rect">
-            <a:avLst/>
-          </a:prstGeom>
-        </p:spPr>
-      </p:pic>
-      <p:pic>
-        <p:nvPicPr>
-          <p:cNvPr id="5" name="圖片 4">
-            <a:extLst>
-              <a:ext uri="{FF2B5EF4-FFF2-40B4-BE49-F238E27FC236}">
-                <a16:creationId xmlns:a16="http://schemas.microsoft.com/office/drawing/2014/main" id="{2ED3A259-C8DF-4798-953E-818189938C18}"/>
+                <a16:creationId xmlns:a16="http://schemas.microsoft.com/office/drawing/2014/main" id="{54A09A78-C6B1-5533-116D-FE6F07F916E2}"/>
               </a:ext>
             </a:extLst>
           </p:cNvPr>
@@ -6775,179 +8142,18 @@
         </p:blipFill>
         <p:spPr>
           <a:xfrm>
-            <a:off x="4697151" y="856922"/>
-            <a:ext cx="4744720" cy="4070679"/>
+            <a:off x="1286934" y="1615440"/>
+            <a:ext cx="6804928" cy="4399281"/>
           </a:xfrm>
           <a:prstGeom prst="rect">
             <a:avLst/>
           </a:prstGeom>
         </p:spPr>
       </p:pic>
-      <p:sp>
-        <p:nvSpPr>
-          <p:cNvPr id="6" name="Rectangle 1">
-            <a:extLst>
-              <a:ext uri="{FF2B5EF4-FFF2-40B4-BE49-F238E27FC236}">
-                <a16:creationId xmlns:a16="http://schemas.microsoft.com/office/drawing/2014/main" id="{F7FFD6E1-5870-B0FF-7B4C-EF8F100CD100}"/>
-              </a:ext>
-            </a:extLst>
-          </p:cNvPr>
-          <p:cNvSpPr>
-            <a:spLocks noChangeArrowheads="1"/>
-          </p:cNvSpPr>
-          <p:nvPr/>
-        </p:nvSpPr>
-        <p:spPr bwMode="auto">
-          <a:xfrm>
-            <a:off x="222872" y="5204360"/>
-            <a:ext cx="8561062" cy="1200329"/>
-          </a:xfrm>
-          <a:prstGeom prst="rect">
-            <a:avLst/>
-          </a:prstGeom>
-          <a:noFill/>
-          <a:ln>
-            <a:noFill/>
-          </a:ln>
-          <a:effectLst/>
-          <a:extLst>
-            <a:ext uri="{909E8E84-426E-40DD-AFC4-6F175D3DCCD1}">
-              <a14:hiddenFill xmlns:a14="http://schemas.microsoft.com/office/drawing/2010/main">
-                <a:solidFill>
-                  <a:schemeClr val="accent1"/>
-                </a:solidFill>
-              </a14:hiddenFill>
-            </a:ext>
-            <a:ext uri="{91240B29-F687-4F45-9708-019B960494DF}">
-              <a14:hiddenLine xmlns:a14="http://schemas.microsoft.com/office/drawing/2010/main" w="9525">
-                <a:solidFill>
-                  <a:schemeClr val="tx1"/>
-                </a:solidFill>
-                <a:miter lim="800000"/>
-                <a:headEnd/>
-                <a:tailEnd/>
-              </a14:hiddenLine>
-            </a:ext>
-            <a:ext uri="{AF507438-7753-43E0-B8FC-AC1667EBCBE1}">
-              <a14:hiddenEffects xmlns:a14="http://schemas.microsoft.com/office/drawing/2010/main">
-                <a:effectLst>
-                  <a:outerShdw dist="35921" dir="2700000" algn="ctr" rotWithShape="0">
-                    <a:schemeClr val="bg2"/>
-                  </a:outerShdw>
-                </a:effectLst>
-              </a14:hiddenEffects>
-            </a:ext>
-          </a:extLst>
-        </p:spPr>
-        <p:txBody>
-          <a:bodyPr vert="horz" wrap="none" lIns="91440" tIns="45720" rIns="91440" bIns="45720" numCol="1" anchor="ctr" anchorCtr="0" compatLnSpc="1">
-            <a:prstTxWarp prst="textNoShape">
-              <a:avLst/>
-            </a:prstTxWarp>
-            <a:spAutoFit/>
-          </a:bodyPr>
-          <a:lstStyle/>
-          <a:p>
-            <a:r>
-              <a:rPr lang="en" altLang="zh-TW" b="1" dirty="0">
-                <a:latin typeface="Times New Roman" panose="02020603050405020304" pitchFamily="18" charset="0"/>
-                <a:cs typeface="Times New Roman" panose="02020603050405020304" pitchFamily="18" charset="0"/>
-              </a:rPr>
-              <a:t>Weighted F1-score (0.62) </a:t>
-            </a:r>
-            <a:r>
-              <a:rPr lang="en" altLang="zh-TW" dirty="0">
-                <a:latin typeface="Times New Roman" panose="02020603050405020304" pitchFamily="18" charset="0"/>
-                <a:cs typeface="Times New Roman" panose="02020603050405020304" pitchFamily="18" charset="0"/>
-              </a:rPr>
-              <a:t>Overall performance improves but is still limited by imbalance.</a:t>
-            </a:r>
-          </a:p>
-          <a:p>
-            <a:pPr lvl="0" defTabSz="914400" eaLnBrk="0" fontAlgn="base" hangingPunct="0">
-              <a:spcBef>
-                <a:spcPct val="0"/>
-              </a:spcBef>
-              <a:spcAft>
-                <a:spcPct val="0"/>
-              </a:spcAft>
-            </a:pPr>
-            <a:r>
-              <a:rPr lang="en-US" altLang="zh-TW" b="1" dirty="0">
-                <a:latin typeface="Times New Roman" panose="02020603050405020304" pitchFamily="18" charset="0"/>
-                <a:cs typeface="Times New Roman" panose="02020603050405020304" pitchFamily="18" charset="0"/>
-              </a:rPr>
-              <a:t>I</a:t>
-            </a:r>
-            <a:r>
-              <a:rPr lang="zh-TW" altLang="zh-TW" b="1" dirty="0">
-                <a:latin typeface="Times New Roman" panose="02020603050405020304" pitchFamily="18" charset="0"/>
-                <a:cs typeface="Times New Roman" panose="02020603050405020304" pitchFamily="18" charset="0"/>
-              </a:rPr>
-              <a:t>nstitutional Setting:</a:t>
-            </a:r>
-            <a:r>
-              <a:rPr lang="zh-TW" altLang="zh-TW" dirty="0">
-                <a:latin typeface="Times New Roman" panose="02020603050405020304" pitchFamily="18" charset="0"/>
-                <a:cs typeface="Times New Roman" panose="02020603050405020304" pitchFamily="18" charset="0"/>
-              </a:rPr>
-              <a:t> Precision extremely low (0.02) despite higher recall (0.58).</a:t>
-            </a:r>
-          </a:p>
-          <a:p>
-            <a:pPr lvl="0" defTabSz="914400" eaLnBrk="0" fontAlgn="base" hangingPunct="0">
-              <a:spcBef>
-                <a:spcPct val="0"/>
-              </a:spcBef>
-              <a:spcAft>
-                <a:spcPct val="0"/>
-              </a:spcAft>
-            </a:pPr>
-            <a:r>
-              <a:rPr lang="zh-TW" altLang="zh-TW" b="1" dirty="0">
-                <a:latin typeface="Times New Roman" panose="02020603050405020304" pitchFamily="18" charset="0"/>
-                <a:cs typeface="Times New Roman" panose="02020603050405020304" pitchFamily="18" charset="0"/>
-              </a:rPr>
-              <a:t>Other Living Situation:</a:t>
-            </a:r>
-            <a:r>
-              <a:rPr lang="zh-TW" altLang="zh-TW" dirty="0">
-                <a:latin typeface="Times New Roman" panose="02020603050405020304" pitchFamily="18" charset="0"/>
-                <a:cs typeface="Times New Roman" panose="02020603050405020304" pitchFamily="18" charset="0"/>
-              </a:rPr>
-              <a:t> Recall strong (0.70) but precision moderate (0.33).</a:t>
-            </a:r>
-          </a:p>
-          <a:p>
-            <a:pPr lvl="0" defTabSz="914400" eaLnBrk="0" fontAlgn="base" hangingPunct="0">
-              <a:spcBef>
-                <a:spcPct val="0"/>
-              </a:spcBef>
-              <a:spcAft>
-                <a:spcPct val="0"/>
-              </a:spcAft>
-            </a:pPr>
-            <a:r>
-              <a:rPr lang="zh-TW" altLang="zh-TW" b="1" dirty="0">
-                <a:latin typeface="Times New Roman" panose="02020603050405020304" pitchFamily="18" charset="0"/>
-                <a:cs typeface="Times New Roman" panose="02020603050405020304" pitchFamily="18" charset="0"/>
-              </a:rPr>
-              <a:t>Private Residence:</a:t>
-            </a:r>
-            <a:r>
-              <a:rPr lang="zh-TW" altLang="zh-TW" dirty="0">
-                <a:latin typeface="Times New Roman" panose="02020603050405020304" pitchFamily="18" charset="0"/>
-                <a:cs typeface="Times New Roman" panose="02020603050405020304" pitchFamily="18" charset="0"/>
-              </a:rPr>
-              <a:t> Precision very high (0.94) with moderate recall (0.51).</a:t>
-            </a:r>
-          </a:p>
-        </p:txBody>
-      </p:sp>
     </p:spTree>
     <p:extLst>
       <p:ext uri="{BB962C8B-B14F-4D97-AF65-F5344CB8AC3E}">
-        <p14:creationId xmlns:p14="http://schemas.microsoft.com/office/powerpoint/2010/main" val="1315603185"/>
+        <p14:creationId xmlns:p14="http://schemas.microsoft.com/office/powerpoint/2010/main" val="4002411622"/>
       </p:ext>
     </p:extLst>
   </p:cSld>
@@ -6962,13 +8168,7 @@
   <p:cSld>
     <p:spTree>
       <p:nvGrpSpPr>
-        <p:cNvPr id="1" name="">
-          <a:extLst>
-            <a:ext uri="{FF2B5EF4-FFF2-40B4-BE49-F238E27FC236}">
-              <a16:creationId xmlns:a16="http://schemas.microsoft.com/office/drawing/2014/main" id="{622E4377-4642-9750-1645-C98DF315FD3D}"/>
-            </a:ext>
-          </a:extLst>
-        </p:cNvPr>
+        <p:cNvPr id="1" name=""/>
         <p:cNvGrpSpPr/>
         <p:nvPr/>
       </p:nvGrpSpPr>
@@ -6982,10 +8182,10 @@
       </p:grpSpPr>
       <p:sp>
         <p:nvSpPr>
-          <p:cNvPr id="2" name="標題 1">
+          <p:cNvPr id="2" name="Title 1">
             <a:extLst>
               <a:ext uri="{FF2B5EF4-FFF2-40B4-BE49-F238E27FC236}">
-                <a16:creationId xmlns:a16="http://schemas.microsoft.com/office/drawing/2014/main" id="{5B47D5DD-8C31-C84D-0F33-BDD8180D5E77}"/>
+                <a16:creationId xmlns:a16="http://schemas.microsoft.com/office/drawing/2014/main" id="{F6741F03-27C7-7A86-6708-56650C6FD952}"/>
               </a:ext>
             </a:extLst>
           </p:cNvPr>
@@ -7002,55 +8202,18 @@
           <a:lstStyle/>
           <a:p>
             <a:r>
-              <a:rPr kumimoji="1" lang="en-US" altLang="zh-TW" b="1" dirty="0">
-                <a:latin typeface="Times New Roman" panose="02020603050405020304" pitchFamily="18" charset="0"/>
-                <a:cs typeface="Times New Roman" panose="02020603050405020304" pitchFamily="18" charset="0"/>
-              </a:rPr>
-              <a:t>SMOTE + Random Forest</a:t>
-            </a:r>
-            <a:endParaRPr kumimoji="1" lang="zh-TW" altLang="en-US" b="1" dirty="0">
-              <a:latin typeface="Times New Roman" panose="02020603050405020304" pitchFamily="18" charset="0"/>
-              <a:cs typeface="Times New Roman" panose="02020603050405020304" pitchFamily="18" charset="0"/>
-            </a:endParaRPr>
+              <a:rPr lang="en-US" dirty="0"/>
+              <a:t>Random Forest Model</a:t>
+            </a:r>
           </a:p>
         </p:txBody>
       </p:sp>
       <p:pic>
         <p:nvPicPr>
-          <p:cNvPr id="3" name="圖片 2">
+          <p:cNvPr id="5" name="Picture 4">
             <a:extLst>
               <a:ext uri="{FF2B5EF4-FFF2-40B4-BE49-F238E27FC236}">
-                <a16:creationId xmlns:a16="http://schemas.microsoft.com/office/drawing/2014/main" id="{734A3F98-B750-D33A-27B1-436185CE0CA2}"/>
-              </a:ext>
-            </a:extLst>
-          </p:cNvPr>
-          <p:cNvPicPr>
-            <a:picLocks noChangeAspect="1"/>
-          </p:cNvPicPr>
-          <p:nvPr/>
-        </p:nvPicPr>
-        <p:blipFill>
-          <a:blip r:embed="rId2"/>
-          <a:stretch>
-            <a:fillRect/>
-          </a:stretch>
-        </p:blipFill>
-        <p:spPr>
-          <a:xfrm>
-            <a:off x="886460" y="1930400"/>
-            <a:ext cx="2514600" cy="2527300"/>
-          </a:xfrm>
-          <a:prstGeom prst="rect">
-            <a:avLst/>
-          </a:prstGeom>
-        </p:spPr>
-      </p:pic>
-      <p:pic>
-        <p:nvPicPr>
-          <p:cNvPr id="5" name="圖片 4">
-            <a:extLst>
-              <a:ext uri="{FF2B5EF4-FFF2-40B4-BE49-F238E27FC236}">
-                <a16:creationId xmlns:a16="http://schemas.microsoft.com/office/drawing/2014/main" id="{A2235663-5921-5F74-DAA0-74B3D65800C7}"/>
+                <a16:creationId xmlns:a16="http://schemas.microsoft.com/office/drawing/2014/main" id="{97338CA9-7D50-672F-032C-FFF4B2120FFD}"/>
               </a:ext>
             </a:extLst>
           </p:cNvPr>
@@ -7067,147 +8230,18 @@
         </p:blipFill>
         <p:spPr>
           <a:xfrm>
-            <a:off x="3774440" y="2057400"/>
-            <a:ext cx="6045200" cy="2273300"/>
+            <a:off x="847831" y="1399942"/>
+            <a:ext cx="6325129" cy="5037824"/>
           </a:xfrm>
           <a:prstGeom prst="rect">
             <a:avLst/>
           </a:prstGeom>
         </p:spPr>
       </p:pic>
-      <p:sp>
-        <p:nvSpPr>
-          <p:cNvPr id="7" name="文字方塊 6">
-            <a:extLst>
-              <a:ext uri="{FF2B5EF4-FFF2-40B4-BE49-F238E27FC236}">
-                <a16:creationId xmlns:a16="http://schemas.microsoft.com/office/drawing/2014/main" id="{96A93556-3242-BFBD-630F-6CABBBFA571F}"/>
-              </a:ext>
-            </a:extLst>
-          </p:cNvPr>
-          <p:cNvSpPr txBox="1"/>
-          <p:nvPr/>
-        </p:nvSpPr>
-        <p:spPr>
-          <a:xfrm>
-            <a:off x="510988" y="4759823"/>
-            <a:ext cx="9816353" cy="2031325"/>
-          </a:xfrm>
-          <a:prstGeom prst="rect">
-            <a:avLst/>
-          </a:prstGeom>
-          <a:noFill/>
-        </p:spPr>
-        <p:txBody>
-          <a:bodyPr wrap="square">
-            <a:spAutoFit/>
-          </a:bodyPr>
-          <a:lstStyle/>
-          <a:p>
-            <a:r>
-              <a:rPr lang="en" altLang="zh-TW" b="1" dirty="0">
-                <a:latin typeface="Times New Roman" panose="02020603050405020304" pitchFamily="18" charset="0"/>
-                <a:cs typeface="Times New Roman" panose="02020603050405020304" pitchFamily="18" charset="0"/>
-              </a:rPr>
-              <a:t>Weighted F1-score(0.63) </a:t>
-            </a:r>
-            <a:r>
-              <a:rPr lang="en" altLang="zh-TW" dirty="0">
-                <a:latin typeface="Times New Roman" panose="02020603050405020304" pitchFamily="18" charset="0"/>
-                <a:cs typeface="Times New Roman" panose="02020603050405020304" pitchFamily="18" charset="0"/>
-              </a:rPr>
-              <a:t>The model shows improved and more balanced performance after applying SMOTE.</a:t>
-            </a:r>
-          </a:p>
-          <a:p>
-            <a:pPr lvl="0" defTabSz="914400" eaLnBrk="0" fontAlgn="base" hangingPunct="0">
-              <a:spcBef>
-                <a:spcPct val="0"/>
-              </a:spcBef>
-              <a:spcAft>
-                <a:spcPct val="0"/>
-              </a:spcAft>
-            </a:pPr>
-            <a:r>
-              <a:rPr lang="zh-TW" altLang="zh-TW" b="1" dirty="0">
-                <a:latin typeface="Times New Roman" panose="02020603050405020304" pitchFamily="18" charset="0"/>
-                <a:cs typeface="Times New Roman" panose="02020603050405020304" pitchFamily="18" charset="0"/>
-              </a:rPr>
-              <a:t>Institutional Setting:</a:t>
-            </a:r>
-            <a:r>
-              <a:rPr lang="zh-TW" altLang="zh-TW" dirty="0">
-                <a:latin typeface="Times New Roman" panose="02020603050405020304" pitchFamily="18" charset="0"/>
-                <a:cs typeface="Times New Roman" panose="02020603050405020304" pitchFamily="18" charset="0"/>
-              </a:rPr>
-              <a:t> Recall improves to 0.52, though precision remains low (0.02).</a:t>
-            </a:r>
-          </a:p>
-          <a:p>
-            <a:pPr lvl="0" defTabSz="914400" eaLnBrk="0" fontAlgn="base" hangingPunct="0">
-              <a:spcBef>
-                <a:spcPct val="0"/>
-              </a:spcBef>
-              <a:spcAft>
-                <a:spcPct val="0"/>
-              </a:spcAft>
-            </a:pPr>
-            <a:r>
-              <a:rPr lang="zh-TW" altLang="zh-TW" b="1" dirty="0">
-                <a:latin typeface="Times New Roman" panose="02020603050405020304" pitchFamily="18" charset="0"/>
-                <a:cs typeface="Times New Roman" panose="02020603050405020304" pitchFamily="18" charset="0"/>
-              </a:rPr>
-              <a:t>Other Living Situation:</a:t>
-            </a:r>
-            <a:r>
-              <a:rPr lang="zh-TW" altLang="zh-TW" dirty="0">
-                <a:latin typeface="Times New Roman" panose="02020603050405020304" pitchFamily="18" charset="0"/>
-                <a:cs typeface="Times New Roman" panose="02020603050405020304" pitchFamily="18" charset="0"/>
-              </a:rPr>
-              <a:t> Solid performance with recall at 0.69 and precision at 0.33.</a:t>
-            </a:r>
-          </a:p>
-          <a:p>
-            <a:pPr lvl="0" defTabSz="914400" eaLnBrk="0" fontAlgn="base" hangingPunct="0">
-              <a:spcBef>
-                <a:spcPct val="0"/>
-              </a:spcBef>
-              <a:spcAft>
-                <a:spcPct val="0"/>
-              </a:spcAft>
-            </a:pPr>
-            <a:r>
-              <a:rPr lang="zh-TW" altLang="zh-TW" b="1" dirty="0">
-                <a:latin typeface="Times New Roman" panose="02020603050405020304" pitchFamily="18" charset="0"/>
-                <a:cs typeface="Times New Roman" panose="02020603050405020304" pitchFamily="18" charset="0"/>
-              </a:rPr>
-              <a:t>Private Residence:</a:t>
-            </a:r>
-            <a:r>
-              <a:rPr lang="zh-TW" altLang="zh-TW" dirty="0">
-                <a:latin typeface="Times New Roman" panose="02020603050405020304" pitchFamily="18" charset="0"/>
-                <a:cs typeface="Times New Roman" panose="02020603050405020304" pitchFamily="18" charset="0"/>
-              </a:rPr>
-              <a:t> Strong results with precision of 0.93 and improved recall of 0.53.</a:t>
-            </a:r>
-          </a:p>
-          <a:p>
-            <a:br>
-              <a:rPr lang="en" altLang="zh-TW" dirty="0">
-                <a:latin typeface="Times New Roman" panose="02020603050405020304" pitchFamily="18" charset="0"/>
-                <a:cs typeface="Times New Roman" panose="02020603050405020304" pitchFamily="18" charset="0"/>
-              </a:rPr>
-            </a:br>
-            <a:endParaRPr lang="zh-TW" altLang="en-US" dirty="0">
-              <a:latin typeface="Times New Roman" panose="02020603050405020304" pitchFamily="18" charset="0"/>
-              <a:cs typeface="Times New Roman" panose="02020603050405020304" pitchFamily="18" charset="0"/>
-            </a:endParaRPr>
-          </a:p>
-        </p:txBody>
-      </p:sp>
     </p:spTree>
     <p:extLst>
       <p:ext uri="{BB962C8B-B14F-4D97-AF65-F5344CB8AC3E}">
-        <p14:creationId xmlns:p14="http://schemas.microsoft.com/office/powerpoint/2010/main" val="3566169729"/>
+        <p14:creationId xmlns:p14="http://schemas.microsoft.com/office/powerpoint/2010/main" val="4272821383"/>
       </p:ext>
     </p:extLst>
   </p:cSld>
@@ -7222,13 +8256,7 @@
   <p:cSld>
     <p:spTree>
       <p:nvGrpSpPr>
-        <p:cNvPr id="1" name="">
-          <a:extLst>
-            <a:ext uri="{FF2B5EF4-FFF2-40B4-BE49-F238E27FC236}">
-              <a16:creationId xmlns:a16="http://schemas.microsoft.com/office/drawing/2014/main" id="{66CAE12B-733A-1C1D-B923-4E7016BF473E}"/>
-            </a:ext>
-          </a:extLst>
-        </p:cNvPr>
+        <p:cNvPr id="1" name=""/>
         <p:cNvGrpSpPr/>
         <p:nvPr/>
       </p:nvGrpSpPr>
@@ -7242,10 +8270,10 @@
       </p:grpSpPr>
       <p:sp>
         <p:nvSpPr>
-          <p:cNvPr id="2" name="標題 1">
+          <p:cNvPr id="2" name="Title 1">
             <a:extLst>
               <a:ext uri="{FF2B5EF4-FFF2-40B4-BE49-F238E27FC236}">
-                <a16:creationId xmlns:a16="http://schemas.microsoft.com/office/drawing/2014/main" id="{B3F943BF-601C-F585-CC08-A5026AA67F98}"/>
+                <a16:creationId xmlns:a16="http://schemas.microsoft.com/office/drawing/2014/main" id="{986D1739-4829-45AD-3772-5319F6DBEB55}"/>
               </a:ext>
             </a:extLst>
           </p:cNvPr>
@@ -7258,41 +8286,22 @@
         </p:nvSpPr>
         <p:spPr/>
         <p:txBody>
-          <a:bodyPr>
-            <a:normAutofit fontScale="90000"/>
-          </a:bodyPr>
+          <a:bodyPr/>
           <a:lstStyle/>
           <a:p>
             <a:r>
-              <a:rPr kumimoji="1" lang="en-US" altLang="zh-TW" b="1" dirty="0">
-                <a:latin typeface="Times New Roman" panose="02020603050405020304" pitchFamily="18" charset="0"/>
-                <a:cs typeface="Times New Roman" panose="02020603050405020304" pitchFamily="18" charset="0"/>
-              </a:rPr>
-              <a:t>SMOTE + Random Forest - </a:t>
-            </a:r>
-            <a:r>
-              <a:rPr kumimoji="1" lang="en" altLang="zh-TW" b="1" dirty="0">
-                <a:latin typeface="Times New Roman" panose="02020603050405020304" pitchFamily="18" charset="0"/>
-                <a:cs typeface="Times New Roman" panose="02020603050405020304" pitchFamily="18" charset="0"/>
-              </a:rPr>
-              <a:t>Feature Importance</a:t>
-            </a:r>
-            <a:br>
-              <a:rPr lang="en" altLang="zh-TW" dirty="0"/>
-            </a:br>
-            <a:endParaRPr kumimoji="1" lang="zh-TW" altLang="en-US" b="1" dirty="0">
-              <a:latin typeface="Times New Roman" panose="02020603050405020304" pitchFamily="18" charset="0"/>
-              <a:cs typeface="Times New Roman" panose="02020603050405020304" pitchFamily="18" charset="0"/>
-            </a:endParaRPr>
+              <a:rPr lang="en-US" dirty="0"/>
+              <a:t>Random Forest Feature Importance</a:t>
+            </a:r>
           </a:p>
         </p:txBody>
       </p:sp>
       <p:pic>
         <p:nvPicPr>
-          <p:cNvPr id="4" name="圖片 3">
+          <p:cNvPr id="5" name="Picture 4">
             <a:extLst>
               <a:ext uri="{FF2B5EF4-FFF2-40B4-BE49-F238E27FC236}">
-                <a16:creationId xmlns:a16="http://schemas.microsoft.com/office/drawing/2014/main" id="{C3226CEE-ACEC-4D1E-1992-318343AEF2DD}"/>
+                <a16:creationId xmlns:a16="http://schemas.microsoft.com/office/drawing/2014/main" id="{19FF9ADA-1530-8537-FCD6-F1B5C01ABA72}"/>
               </a:ext>
             </a:extLst>
           </p:cNvPr>
@@ -7302,262 +8311,25 @@
           <p:nvPr/>
         </p:nvPicPr>
         <p:blipFill>
-          <a:blip r:embed="rId2"/>
+          <a:blip r:embed="rId3"/>
           <a:stretch>
             <a:fillRect/>
           </a:stretch>
         </p:blipFill>
         <p:spPr>
           <a:xfrm>
-            <a:off x="784910" y="1351281"/>
-            <a:ext cx="8948677" cy="3576320"/>
+            <a:off x="820251" y="1975517"/>
+            <a:ext cx="6809909" cy="4272883"/>
           </a:xfrm>
           <a:prstGeom prst="rect">
             <a:avLst/>
           </a:prstGeom>
         </p:spPr>
       </p:pic>
-      <p:sp>
-        <p:nvSpPr>
-          <p:cNvPr id="8" name="文字方塊 7">
-            <a:extLst>
-              <a:ext uri="{FF2B5EF4-FFF2-40B4-BE49-F238E27FC236}">
-                <a16:creationId xmlns:a16="http://schemas.microsoft.com/office/drawing/2014/main" id="{AC5FA890-7A04-6DE7-BCC0-3F168FC55782}"/>
-              </a:ext>
-            </a:extLst>
-          </p:cNvPr>
-          <p:cNvSpPr txBox="1"/>
-          <p:nvPr/>
-        </p:nvSpPr>
-        <p:spPr>
-          <a:xfrm>
-            <a:off x="1327896" y="5207617"/>
-            <a:ext cx="8300197" cy="923330"/>
-          </a:xfrm>
-          <a:prstGeom prst="rect">
-            <a:avLst/>
-          </a:prstGeom>
-          <a:noFill/>
-        </p:spPr>
-        <p:txBody>
-          <a:bodyPr wrap="square">
-            <a:spAutoFit/>
-          </a:bodyPr>
-          <a:lstStyle/>
-          <a:p>
-            <a:pPr marL="0" marR="0" lvl="0" indent="0" algn="l" defTabSz="914400" rtl="0" eaLnBrk="0" fontAlgn="base" latinLnBrk="0" hangingPunct="0">
-              <a:lnSpc>
-                <a:spcPct val="100000"/>
-              </a:lnSpc>
-              <a:spcBef>
-                <a:spcPct val="0"/>
-              </a:spcBef>
-              <a:spcAft>
-                <a:spcPct val="0"/>
-              </a:spcAft>
-              <a:buClrTx/>
-              <a:buSzTx/>
-              <a:buFontTx/>
-              <a:buChar char="•"/>
-              <a:tabLst/>
-            </a:pPr>
-            <a:r>
-              <a:rPr kumimoji="0" lang="zh-TW" altLang="zh-TW" sz="1800" b="1" i="0" u="none" strike="noStrike" cap="none" normalizeH="0" baseline="0" dirty="0">
-                <a:ln>
-                  <a:noFill/>
-                </a:ln>
-                <a:solidFill>
-                  <a:schemeClr val="tx1"/>
-                </a:solidFill>
-                <a:effectLst/>
-                <a:latin typeface="Times New Roman" panose="02020603050405020304" pitchFamily="18" charset="0"/>
-                <a:cs typeface="Times New Roman" panose="02020603050405020304" pitchFamily="18" charset="0"/>
-              </a:rPr>
-              <a:t>Employment status</a:t>
-            </a:r>
-            <a:r>
-              <a:rPr kumimoji="0" lang="zh-TW" altLang="zh-TW" sz="1800" b="0" i="0" u="none" strike="noStrike" cap="none" normalizeH="0" baseline="0" dirty="0">
-                <a:ln>
-                  <a:noFill/>
-                </a:ln>
-                <a:solidFill>
-                  <a:schemeClr val="tx1"/>
-                </a:solidFill>
-                <a:effectLst/>
-                <a:latin typeface="Times New Roman" panose="02020603050405020304" pitchFamily="18" charset="0"/>
-                <a:cs typeface="Times New Roman" panose="02020603050405020304" pitchFamily="18" charset="0"/>
-              </a:rPr>
-              <a:t> is the strongest predictor.</a:t>
-            </a:r>
-          </a:p>
-          <a:p>
-            <a:pPr marL="0" marR="0" lvl="0" indent="0" algn="l" defTabSz="914400" rtl="0" eaLnBrk="0" fontAlgn="base" latinLnBrk="0" hangingPunct="0">
-              <a:lnSpc>
-                <a:spcPct val="100000"/>
-              </a:lnSpc>
-              <a:spcBef>
-                <a:spcPct val="0"/>
-              </a:spcBef>
-              <a:spcAft>
-                <a:spcPct val="0"/>
-              </a:spcAft>
-              <a:buClrTx/>
-              <a:buSzTx/>
-              <a:buFontTx/>
-              <a:buChar char="•"/>
-              <a:tabLst/>
-            </a:pPr>
-            <a:r>
-              <a:rPr kumimoji="0" lang="zh-TW" altLang="zh-TW" sz="1800" b="1" i="0" u="none" strike="noStrike" cap="none" normalizeH="0" baseline="0" dirty="0">
-                <a:ln>
-                  <a:noFill/>
-                </a:ln>
-                <a:solidFill>
-                  <a:schemeClr val="tx1"/>
-                </a:solidFill>
-                <a:effectLst/>
-                <a:latin typeface="Times New Roman" panose="02020603050405020304" pitchFamily="18" charset="0"/>
-                <a:cs typeface="Times New Roman" panose="02020603050405020304" pitchFamily="18" charset="0"/>
-              </a:rPr>
-              <a:t>Insurance coverage</a:t>
-            </a:r>
-            <a:r>
-              <a:rPr kumimoji="0" lang="zh-TW" altLang="zh-TW" sz="1800" b="0" i="0" u="none" strike="noStrike" cap="none" normalizeH="0" baseline="0" dirty="0">
-                <a:ln>
-                  <a:noFill/>
-                </a:ln>
-                <a:solidFill>
-                  <a:schemeClr val="tx1"/>
-                </a:solidFill>
-                <a:effectLst/>
-                <a:latin typeface="Times New Roman" panose="02020603050405020304" pitchFamily="18" charset="0"/>
-                <a:cs typeface="Times New Roman" panose="02020603050405020304" pitchFamily="18" charset="0"/>
-              </a:rPr>
-              <a:t> and </a:t>
-            </a:r>
-            <a:r>
-              <a:rPr kumimoji="0" lang="zh-TW" altLang="zh-TW" sz="1800" b="1" i="0" u="none" strike="noStrike" cap="none" normalizeH="0" baseline="0" dirty="0">
-                <a:ln>
-                  <a:noFill/>
-                </a:ln>
-                <a:solidFill>
-                  <a:schemeClr val="tx1"/>
-                </a:solidFill>
-                <a:effectLst/>
-                <a:latin typeface="Times New Roman" panose="02020603050405020304" pitchFamily="18" charset="0"/>
-                <a:cs typeface="Times New Roman" panose="02020603050405020304" pitchFamily="18" charset="0"/>
-              </a:rPr>
-              <a:t>cash assistance</a:t>
-            </a:r>
-            <a:r>
-              <a:rPr kumimoji="0" lang="zh-TW" altLang="zh-TW" sz="1800" b="0" i="0" u="none" strike="noStrike" cap="none" normalizeH="0" baseline="0" dirty="0">
-                <a:ln>
-                  <a:noFill/>
-                </a:ln>
-                <a:solidFill>
-                  <a:schemeClr val="tx1"/>
-                </a:solidFill>
-                <a:effectLst/>
-                <a:latin typeface="Times New Roman" panose="02020603050405020304" pitchFamily="18" charset="0"/>
-                <a:cs typeface="Times New Roman" panose="02020603050405020304" pitchFamily="18" charset="0"/>
-              </a:rPr>
-              <a:t> also rank highly.</a:t>
-            </a:r>
-          </a:p>
-          <a:p>
-            <a:pPr marL="0" marR="0" lvl="0" indent="0" algn="l" defTabSz="914400" rtl="0" eaLnBrk="0" fontAlgn="base" latinLnBrk="0" hangingPunct="0">
-              <a:lnSpc>
-                <a:spcPct val="100000"/>
-              </a:lnSpc>
-              <a:spcBef>
-                <a:spcPct val="0"/>
-              </a:spcBef>
-              <a:spcAft>
-                <a:spcPct val="0"/>
-              </a:spcAft>
-              <a:buClrTx/>
-              <a:buSzTx/>
-              <a:buFontTx/>
-              <a:buChar char="•"/>
-              <a:tabLst/>
-            </a:pPr>
-            <a:r>
-              <a:rPr kumimoji="0" lang="zh-TW" altLang="zh-TW" sz="1800" b="1" i="0" u="none" strike="noStrike" cap="none" normalizeH="0" baseline="0" dirty="0">
-                <a:ln>
-                  <a:noFill/>
-                </a:ln>
-                <a:solidFill>
-                  <a:schemeClr val="tx1"/>
-                </a:solidFill>
-                <a:effectLst/>
-                <a:latin typeface="Times New Roman" panose="02020603050405020304" pitchFamily="18" charset="0"/>
-                <a:cs typeface="Times New Roman" panose="02020603050405020304" pitchFamily="18" charset="0"/>
-              </a:rPr>
-              <a:t>Age</a:t>
-            </a:r>
-            <a:r>
-              <a:rPr kumimoji="0" lang="zh-TW" altLang="en-US" sz="1800" b="1" i="0" u="none" strike="noStrike" cap="none" normalizeH="0" baseline="0" dirty="0">
-                <a:ln>
-                  <a:noFill/>
-                </a:ln>
-                <a:solidFill>
-                  <a:schemeClr val="tx1"/>
-                </a:solidFill>
-                <a:effectLst/>
-                <a:latin typeface="Times New Roman" panose="02020603050405020304" pitchFamily="18" charset="0"/>
-                <a:cs typeface="Times New Roman" panose="02020603050405020304" pitchFamily="18" charset="0"/>
-              </a:rPr>
-              <a:t> </a:t>
-            </a:r>
-            <a:r>
-              <a:rPr kumimoji="0" lang="en-US" altLang="zh-TW" sz="1800" b="1" i="0" u="none" strike="noStrike" cap="none" normalizeH="0" baseline="0" dirty="0">
-                <a:ln>
-                  <a:noFill/>
-                </a:ln>
-                <a:solidFill>
-                  <a:schemeClr val="tx1"/>
-                </a:solidFill>
-                <a:effectLst/>
-                <a:latin typeface="Times New Roman" panose="02020603050405020304" pitchFamily="18" charset="0"/>
-                <a:cs typeface="Times New Roman" panose="02020603050405020304" pitchFamily="18" charset="0"/>
-              </a:rPr>
-              <a:t>(Child)</a:t>
-            </a:r>
-            <a:r>
-              <a:rPr kumimoji="0" lang="zh-TW" altLang="zh-TW" sz="1800" b="1" i="0" u="none" strike="noStrike" cap="none" normalizeH="0" baseline="0" dirty="0">
-                <a:ln>
-                  <a:noFill/>
-                </a:ln>
-                <a:solidFill>
-                  <a:schemeClr val="tx1"/>
-                </a:solidFill>
-                <a:effectLst/>
-                <a:latin typeface="Times New Roman" panose="02020603050405020304" pitchFamily="18" charset="0"/>
-                <a:cs typeface="Times New Roman" panose="02020603050405020304" pitchFamily="18" charset="0"/>
-              </a:rPr>
-              <a:t> and education</a:t>
-            </a:r>
-            <a:r>
-              <a:rPr kumimoji="0" lang="zh-TW" altLang="zh-TW" sz="1800" b="0" i="0" u="none" strike="noStrike" cap="none" normalizeH="0" baseline="0" dirty="0">
-                <a:ln>
-                  <a:noFill/>
-                </a:ln>
-                <a:solidFill>
-                  <a:schemeClr val="tx1"/>
-                </a:solidFill>
-                <a:effectLst/>
-                <a:latin typeface="Times New Roman" panose="02020603050405020304" pitchFamily="18" charset="0"/>
-                <a:cs typeface="Times New Roman" panose="02020603050405020304" pitchFamily="18" charset="0"/>
-              </a:rPr>
-              <a:t> contribute smaller but meaningful signals.</a:t>
-            </a:r>
-          </a:p>
-        </p:txBody>
-      </p:sp>
     </p:spTree>
     <p:extLst>
       <p:ext uri="{BB962C8B-B14F-4D97-AF65-F5344CB8AC3E}">
-        <p14:creationId xmlns:p14="http://schemas.microsoft.com/office/powerpoint/2010/main" val="3639562677"/>
+        <p14:creationId xmlns:p14="http://schemas.microsoft.com/office/powerpoint/2010/main" val="3215791977"/>
       </p:ext>
     </p:extLst>
   </p:cSld>
@@ -7572,13 +8344,7 @@
   <p:cSld>
     <p:spTree>
       <p:nvGrpSpPr>
-        <p:cNvPr id="1" name="">
-          <a:extLst>
-            <a:ext uri="{FF2B5EF4-FFF2-40B4-BE49-F238E27FC236}">
-              <a16:creationId xmlns:a16="http://schemas.microsoft.com/office/drawing/2014/main" id="{4553DD6C-74B6-A2ED-4EEE-80D97A2244BF}"/>
-            </a:ext>
-          </a:extLst>
-        </p:cNvPr>
+        <p:cNvPr id="1" name=""/>
         <p:cNvGrpSpPr/>
         <p:nvPr/>
       </p:nvGrpSpPr>
@@ -7592,10 +8358,10 @@
       </p:grpSpPr>
       <p:sp>
         <p:nvSpPr>
-          <p:cNvPr id="2" name="標題 1">
+          <p:cNvPr id="2" name="Title 1">
             <a:extLst>
               <a:ext uri="{FF2B5EF4-FFF2-40B4-BE49-F238E27FC236}">
-                <a16:creationId xmlns:a16="http://schemas.microsoft.com/office/drawing/2014/main" id="{0D61185C-DEE3-C661-0CB7-2BDF7166C9CA}"/>
+                <a16:creationId xmlns:a16="http://schemas.microsoft.com/office/drawing/2014/main" id="{23413804-F293-6675-AB48-9152B9EDB39E}"/>
               </a:ext>
             </a:extLst>
           </p:cNvPr>
@@ -7612,210 +8378,46 @@
           <a:lstStyle/>
           <a:p>
             <a:r>
-              <a:rPr kumimoji="1" lang="en-US" altLang="zh-TW" b="1" dirty="0">
-                <a:latin typeface="Times New Roman" panose="02020603050405020304" pitchFamily="18" charset="0"/>
-                <a:cs typeface="Times New Roman" panose="02020603050405020304" pitchFamily="18" charset="0"/>
-              </a:rPr>
-              <a:t>Conclusions – SMART Question 1</a:t>
-            </a:r>
-            <a:endParaRPr kumimoji="1" lang="zh-TW" altLang="en-US" b="1" dirty="0">
-              <a:latin typeface="Times New Roman" panose="02020603050405020304" pitchFamily="18" charset="0"/>
-              <a:cs typeface="Times New Roman" panose="02020603050405020304" pitchFamily="18" charset="0"/>
-            </a:endParaRPr>
-          </a:p>
-        </p:txBody>
-      </p:sp>
-      <p:sp>
-        <p:nvSpPr>
-          <p:cNvPr id="3" name="TextBox 2">
+              <a:rPr lang="en-US" dirty="0"/>
+              <a:t>Balancing Class Weight</a:t>
+            </a:r>
+          </a:p>
+        </p:txBody>
+      </p:sp>
+      <p:pic>
+        <p:nvPicPr>
+          <p:cNvPr id="5" name="Picture 4">
             <a:extLst>
               <a:ext uri="{FF2B5EF4-FFF2-40B4-BE49-F238E27FC236}">
-                <a16:creationId xmlns:a16="http://schemas.microsoft.com/office/drawing/2014/main" id="{A097D33B-F738-EFE3-8C42-11B0BEF144FC}"/>
+                <a16:creationId xmlns:a16="http://schemas.microsoft.com/office/drawing/2014/main" id="{DC165BCD-CD3F-5FEE-3149-3A909EDBF1BA}"/>
               </a:ext>
             </a:extLst>
           </p:cNvPr>
-          <p:cNvSpPr txBox="1"/>
+          <p:cNvPicPr>
+            <a:picLocks noChangeAspect="1"/>
+          </p:cNvPicPr>
           <p:nvPr/>
-        </p:nvSpPr>
+        </p:nvPicPr>
+        <p:blipFill>
+          <a:blip r:embed="rId3"/>
+          <a:stretch>
+            <a:fillRect/>
+          </a:stretch>
+        </p:blipFill>
         <p:spPr>
           <a:xfrm>
-            <a:off x="677334" y="1503680"/>
-            <a:ext cx="8596668" cy="4801314"/>
+            <a:off x="677334" y="1550536"/>
+            <a:ext cx="6350169" cy="5023082"/>
           </a:xfrm>
           <a:prstGeom prst="rect">
             <a:avLst/>
           </a:prstGeom>
-          <a:noFill/>
         </p:spPr>
-        <p:txBody>
-          <a:bodyPr wrap="square" rtlCol="0">
-            <a:spAutoFit/>
-          </a:bodyPr>
-          <a:lstStyle/>
-          <a:p>
-            <a:pPr marL="285750" indent="-285750">
-              <a:buFont typeface="Arial" panose="020B0604020202020204" pitchFamily="34" charset="0"/>
-              <a:buChar char="•"/>
-            </a:pPr>
-            <a:r>
-              <a:rPr lang="en-US" dirty="0">
-                <a:latin typeface="Microsoft JhengHei" panose="020B0604030504040204" pitchFamily="34" charset="-120"/>
-                <a:ea typeface="Microsoft JhengHei" panose="020B0604030504040204" pitchFamily="34" charset="-120"/>
-              </a:rPr>
-              <a:t> When class imbalance is accounted for, a decent amount of individuals who do not have a mental illness are identified</a:t>
-            </a:r>
-          </a:p>
-          <a:p>
-            <a:pPr marL="285750" indent="-285750">
-              <a:buFont typeface="Arial" panose="020B0604020202020204" pitchFamily="34" charset="0"/>
-              <a:buChar char="•"/>
-            </a:pPr>
-            <a:r>
-              <a:rPr lang="en-US" dirty="0">
-                <a:latin typeface="Microsoft JhengHei" panose="020B0604030504040204" pitchFamily="34" charset="-120"/>
-                <a:ea typeface="Microsoft JhengHei" panose="020B0604030504040204" pitchFamily="34" charset="-120"/>
-              </a:rPr>
-              <a:t>Being older decreases the chance of having a mental illness </a:t>
-            </a:r>
-          </a:p>
-          <a:p>
-            <a:pPr marL="285750" indent="-285750">
-              <a:buFont typeface="Arial" panose="020B0604020202020204" pitchFamily="34" charset="0"/>
-              <a:buChar char="•"/>
-            </a:pPr>
-            <a:r>
-              <a:rPr lang="en-US" dirty="0">
-                <a:latin typeface="Microsoft JhengHei" panose="020B0604030504040204" pitchFamily="34" charset="-120"/>
-                <a:ea typeface="Microsoft JhengHei" panose="020B0604030504040204" pitchFamily="34" charset="-120"/>
-              </a:rPr>
-              <a:t>Cohabitating with others and substance use minimally increases the risk of having a mental illness</a:t>
-            </a:r>
-          </a:p>
-          <a:p>
-            <a:pPr marL="285750" indent="-285750">
-              <a:buFont typeface="Arial" panose="020B0604020202020204" pitchFamily="34" charset="0"/>
-              <a:buChar char="•"/>
-            </a:pPr>
-            <a:r>
-              <a:rPr lang="en-US" dirty="0">
-                <a:latin typeface="Microsoft JhengHei" panose="020B0604030504040204" pitchFamily="34" charset="-120"/>
-                <a:ea typeface="Microsoft JhengHei" panose="020B0604030504040204" pitchFamily="34" charset="-120"/>
-              </a:rPr>
-              <a:t>All demographic variables have small impacts on mental illnesses</a:t>
-            </a:r>
-          </a:p>
-          <a:p>
-            <a:pPr marL="285750" indent="-285750">
-              <a:buFont typeface="Arial" panose="020B0604020202020204" pitchFamily="34" charset="0"/>
-              <a:buChar char="•"/>
-            </a:pPr>
-            <a:r>
-              <a:rPr lang="en-US" dirty="0">
-                <a:latin typeface="Microsoft JhengHei" panose="020B0604030504040204" pitchFamily="34" charset="-120"/>
-                <a:ea typeface="Microsoft JhengHei" panose="020B0604030504040204" pitchFamily="34" charset="-120"/>
-              </a:rPr>
-              <a:t>Region served, education status, and age group are the most influential predictors</a:t>
-            </a:r>
-          </a:p>
-          <a:p>
-            <a:pPr marL="285750" indent="-285750">
-              <a:buFont typeface="Arial" panose="020B0604020202020204" pitchFamily="34" charset="0"/>
-              <a:buChar char="•"/>
-            </a:pPr>
-            <a:r>
-              <a:rPr lang="en-US">
-                <a:latin typeface="Microsoft JhengHei" panose="020B0604030504040204" pitchFamily="34" charset="-120"/>
-                <a:ea typeface="Microsoft JhengHei" panose="020B0604030504040204" pitchFamily="34" charset="-120"/>
-              </a:rPr>
-              <a:t>of </a:t>
-            </a:r>
-            <a:r>
-              <a:rPr lang="en-US" dirty="0">
-                <a:latin typeface="Microsoft JhengHei" panose="020B0604030504040204" pitchFamily="34" charset="-120"/>
-                <a:ea typeface="Microsoft JhengHei" panose="020B0604030504040204" pitchFamily="34" charset="-120"/>
-              </a:rPr>
-              <a:t>mental illness. Race, sexual orientation, and household consumption have some importance</a:t>
-            </a:r>
-          </a:p>
-          <a:p>
-            <a:pPr marL="285750" indent="-285750">
-              <a:buFont typeface="Arial" panose="020B0604020202020204" pitchFamily="34" charset="0"/>
-              <a:buChar char="•"/>
-            </a:pPr>
-            <a:r>
-              <a:rPr lang="en-US" dirty="0">
-                <a:latin typeface="Microsoft JhengHei" panose="020B0604030504040204" pitchFamily="34" charset="-120"/>
-                <a:ea typeface="Microsoft JhengHei" panose="020B0604030504040204" pitchFamily="34" charset="-120"/>
-              </a:rPr>
-              <a:t># on predicting mental illness. Sex, </a:t>
-            </a:r>
-            <a:r>
-              <a:rPr lang="en-US" dirty="0" err="1">
-                <a:latin typeface="Microsoft JhengHei" panose="020B0604030504040204" pitchFamily="34" charset="-120"/>
-                <a:ea typeface="Microsoft JhengHei" panose="020B0604030504040204" pitchFamily="34" charset="-120"/>
-              </a:rPr>
-              <a:t>alchohol</a:t>
-            </a:r>
-            <a:r>
-              <a:rPr lang="en-US" dirty="0">
-                <a:latin typeface="Microsoft JhengHei" panose="020B0604030504040204" pitchFamily="34" charset="-120"/>
-                <a:ea typeface="Microsoft JhengHei" panose="020B0604030504040204" pitchFamily="34" charset="-120"/>
-              </a:rPr>
-              <a:t> related disorder, drug substance disorder, and</a:t>
-            </a:r>
-          </a:p>
-          <a:p>
-            <a:pPr marL="285750" indent="-285750">
-              <a:buFont typeface="Arial" panose="020B0604020202020204" pitchFamily="34" charset="0"/>
-              <a:buChar char="•"/>
-            </a:pPr>
-            <a:r>
-              <a:rPr lang="en-US" dirty="0">
-                <a:latin typeface="Microsoft JhengHei" panose="020B0604030504040204" pitchFamily="34" charset="-120"/>
-                <a:ea typeface="Microsoft JhengHei" panose="020B0604030504040204" pitchFamily="34" charset="-120"/>
-              </a:rPr>
-              <a:t># veteran status did not contribute much to the model.</a:t>
-            </a:r>
-          </a:p>
-          <a:p>
-            <a:pPr marL="285750" indent="-285750">
-              <a:buFont typeface="Arial" panose="020B0604020202020204" pitchFamily="34" charset="0"/>
-              <a:buChar char="•"/>
-            </a:pPr>
-            <a:endParaRPr lang="en-US" dirty="0">
-              <a:latin typeface="Microsoft JhengHei" panose="020B0604030504040204" pitchFamily="34" charset="-120"/>
-              <a:ea typeface="Microsoft JhengHei" panose="020B0604030504040204" pitchFamily="34" charset="-120"/>
-            </a:endParaRPr>
-          </a:p>
-          <a:p>
-            <a:pPr marL="285750" indent="-285750">
-              <a:buFont typeface="Arial" panose="020B0604020202020204" pitchFamily="34" charset="0"/>
-              <a:buChar char="•"/>
-            </a:pPr>
-            <a:endParaRPr lang="en-US" dirty="0">
-              <a:latin typeface="Microsoft JhengHei" panose="020B0604030504040204" pitchFamily="34" charset="-120"/>
-              <a:ea typeface="Microsoft JhengHei" panose="020B0604030504040204" pitchFamily="34" charset="-120"/>
-            </a:endParaRPr>
-          </a:p>
-          <a:p>
-            <a:pPr marL="285750" indent="-285750">
-              <a:buFont typeface="Arial" panose="020B0604020202020204" pitchFamily="34" charset="0"/>
-              <a:buChar char="•"/>
-            </a:pPr>
-            <a:endParaRPr lang="en-US" dirty="0">
-              <a:latin typeface="Microsoft JhengHei" panose="020B0604030504040204" pitchFamily="34" charset="-120"/>
-              <a:ea typeface="Microsoft JhengHei" panose="020B0604030504040204" pitchFamily="34" charset="-120"/>
-            </a:endParaRPr>
-          </a:p>
-          <a:p>
-            <a:endParaRPr lang="en-US" dirty="0"/>
-          </a:p>
-        </p:txBody>
-      </p:sp>
+      </p:pic>
     </p:spTree>
     <p:extLst>
       <p:ext uri="{BB962C8B-B14F-4D97-AF65-F5344CB8AC3E}">
-        <p14:creationId xmlns:p14="http://schemas.microsoft.com/office/powerpoint/2010/main" val="57324149"/>
+        <p14:creationId xmlns:p14="http://schemas.microsoft.com/office/powerpoint/2010/main" val="2298523515"/>
       </p:ext>
     </p:extLst>
   </p:cSld>
@@ -7830,13 +8432,7 @@
   <p:cSld>
     <p:spTree>
       <p:nvGrpSpPr>
-        <p:cNvPr id="1" name="">
-          <a:extLst>
-            <a:ext uri="{FF2B5EF4-FFF2-40B4-BE49-F238E27FC236}">
-              <a16:creationId xmlns:a16="http://schemas.microsoft.com/office/drawing/2014/main" id="{A46F745E-B205-9F11-6706-58E4491B254F}"/>
-            </a:ext>
-          </a:extLst>
-        </p:cNvPr>
+        <p:cNvPr id="1" name=""/>
         <p:cNvGrpSpPr/>
         <p:nvPr/>
       </p:nvGrpSpPr>
@@ -7850,10 +8446,10 @@
       </p:grpSpPr>
       <p:sp>
         <p:nvSpPr>
-          <p:cNvPr id="2" name="標題 1">
+          <p:cNvPr id="2" name="Title 1">
             <a:extLst>
               <a:ext uri="{FF2B5EF4-FFF2-40B4-BE49-F238E27FC236}">
-                <a16:creationId xmlns:a16="http://schemas.microsoft.com/office/drawing/2014/main" id="{00B93F13-6275-0C9C-4211-C9C1A60D93D3}"/>
+                <a16:creationId xmlns:a16="http://schemas.microsoft.com/office/drawing/2014/main" id="{16229C68-6E2D-3D66-5693-B6937605D8F6}"/>
               </a:ext>
             </a:extLst>
           </p:cNvPr>
@@ -7870,411 +8466,46 @@
           <a:lstStyle/>
           <a:p>
             <a:r>
-              <a:rPr kumimoji="1" lang="en-US" altLang="zh-TW" b="1" dirty="0">
-                <a:latin typeface="Times New Roman" panose="02020603050405020304" pitchFamily="18" charset="0"/>
-                <a:cs typeface="Times New Roman" panose="02020603050405020304" pitchFamily="18" charset="0"/>
-              </a:rPr>
-              <a:t>Limitations and Next Step</a:t>
-            </a:r>
-            <a:endParaRPr kumimoji="1" lang="zh-TW" altLang="en-US" b="1" dirty="0">
-              <a:latin typeface="Times New Roman" panose="02020603050405020304" pitchFamily="18" charset="0"/>
-              <a:cs typeface="Times New Roman" panose="02020603050405020304" pitchFamily="18" charset="0"/>
-            </a:endParaRPr>
-          </a:p>
-        </p:txBody>
-      </p:sp>
-      <p:sp>
-        <p:nvSpPr>
-          <p:cNvPr id="3" name="內容版面配置區 2">
+              <a:rPr lang="en-US" dirty="0"/>
+              <a:t>Balancing Class Weight</a:t>
+            </a:r>
+          </a:p>
+        </p:txBody>
+      </p:sp>
+      <p:pic>
+        <p:nvPicPr>
+          <p:cNvPr id="5" name="Picture 4">
             <a:extLst>
               <a:ext uri="{FF2B5EF4-FFF2-40B4-BE49-F238E27FC236}">
-                <a16:creationId xmlns:a16="http://schemas.microsoft.com/office/drawing/2014/main" id="{4B0C8911-6D1C-98C7-13E7-CEEB063867D4}"/>
+                <a16:creationId xmlns:a16="http://schemas.microsoft.com/office/drawing/2014/main" id="{0956EF4C-B635-0B93-75A9-06CA26DE9441}"/>
               </a:ext>
             </a:extLst>
           </p:cNvPr>
-          <p:cNvSpPr>
-            <a:spLocks noGrp="1"/>
-          </p:cNvSpPr>
-          <p:nvPr>
-            <p:ph idx="1"/>
-          </p:nvPr>
-        </p:nvSpPr>
+          <p:cNvPicPr>
+            <a:picLocks noChangeAspect="1"/>
+          </p:cNvPicPr>
+          <p:nvPr/>
+        </p:nvPicPr>
+        <p:blipFill>
+          <a:blip r:embed="rId3"/>
+          <a:stretch>
+            <a:fillRect/>
+          </a:stretch>
+        </p:blipFill>
         <p:spPr>
           <a:xfrm>
             <a:off x="677334" y="1930400"/>
-            <a:ext cx="7968826" cy="3880773"/>
-          </a:xfrm>
-        </p:spPr>
-        <p:txBody>
-          <a:bodyPr>
-            <a:normAutofit lnSpcReduction="10000"/>
-          </a:bodyPr>
-          <a:lstStyle/>
-          <a:p>
-            <a:pPr defTabSz="914400" eaLnBrk="0" fontAlgn="base" hangingPunct="0">
-              <a:spcBef>
-                <a:spcPct val="0"/>
-              </a:spcBef>
-              <a:spcAft>
-                <a:spcPct val="0"/>
-              </a:spcAft>
-              <a:buClrTx/>
-              <a:buSzTx/>
-              <a:buFont typeface="Wingdings" pitchFamily="2" charset="2"/>
-              <a:buChar char="p"/>
-            </a:pPr>
-            <a:r>
-              <a:rPr lang="zh-TW" altLang="zh-TW" sz="2400" dirty="0">
-                <a:solidFill>
-                  <a:schemeClr val="tx1"/>
-                </a:solidFill>
-                <a:latin typeface="Arial" panose="020B0604020202020204" pitchFamily="34" charset="0"/>
-              </a:rPr>
-              <a:t>Severe class imbalance makes minority groups hard to model.</a:t>
-            </a:r>
-          </a:p>
-          <a:p>
-            <a:pPr defTabSz="914400" eaLnBrk="0" fontAlgn="base" hangingPunct="0">
-              <a:spcBef>
-                <a:spcPct val="0"/>
-              </a:spcBef>
-              <a:spcAft>
-                <a:spcPct val="0"/>
-              </a:spcAft>
-              <a:buClrTx/>
-              <a:buSzTx/>
-              <a:buFont typeface="Wingdings" pitchFamily="2" charset="2"/>
-              <a:buChar char="p"/>
-            </a:pPr>
-            <a:r>
-              <a:rPr lang="zh-TW" altLang="zh-TW" sz="2400" dirty="0">
-                <a:solidFill>
-                  <a:schemeClr val="tx1"/>
-                </a:solidFill>
-                <a:latin typeface="Arial" panose="020B0604020202020204" pitchFamily="34" charset="0"/>
-              </a:rPr>
-              <a:t>Only categorical variables with many small levels increase overfitting risk.</a:t>
-            </a:r>
-          </a:p>
-          <a:p>
-            <a:pPr>
-              <a:buFont typeface="Wingdings" pitchFamily="2" charset="2"/>
-              <a:buChar char="p"/>
-            </a:pPr>
-            <a:endParaRPr kumimoji="1" lang="en" altLang="zh-TW" sz="2400" dirty="0">
-              <a:latin typeface="Times New Roman" panose="02020603050405020304" pitchFamily="18" charset="0"/>
-              <a:cs typeface="Times New Roman" panose="02020603050405020304" pitchFamily="18" charset="0"/>
-            </a:endParaRPr>
-          </a:p>
-          <a:p>
-            <a:pPr defTabSz="914400" eaLnBrk="0" fontAlgn="base" hangingPunct="0">
-              <a:spcBef>
-                <a:spcPct val="0"/>
-              </a:spcBef>
-              <a:spcAft>
-                <a:spcPct val="0"/>
-              </a:spcAft>
-              <a:buClrTx/>
-              <a:buSzTx/>
-              <a:buFont typeface="Wingdings" pitchFamily="2" charset="2"/>
-              <a:buChar char="p"/>
-            </a:pPr>
-            <a:r>
-              <a:rPr lang="en-US" altLang="zh-TW" sz="2400" dirty="0">
-                <a:solidFill>
-                  <a:schemeClr val="tx1"/>
-                </a:solidFill>
-                <a:latin typeface="Arial" panose="020B0604020202020204" pitchFamily="34" charset="0"/>
-              </a:rPr>
-              <a:t>Remove imbalance data or </a:t>
-            </a:r>
-            <a:r>
-              <a:rPr lang="en" altLang="zh-TW" sz="2400" dirty="0">
-                <a:solidFill>
-                  <a:schemeClr val="tx1"/>
-                </a:solidFill>
-                <a:latin typeface="Arial" panose="020B0604020202020204" pitchFamily="34" charset="0"/>
-              </a:rPr>
-              <a:t>try</a:t>
-            </a:r>
-            <a:r>
-              <a:rPr lang="zh-TW" altLang="zh-TW" sz="2400" dirty="0">
-                <a:solidFill>
-                  <a:schemeClr val="tx1"/>
-                </a:solidFill>
-                <a:latin typeface="Arial" panose="020B0604020202020204" pitchFamily="34" charset="0"/>
-              </a:rPr>
-              <a:t> advanced imbalance methods like Balanced RF or XGBoost with weights.</a:t>
-            </a:r>
-          </a:p>
-          <a:p>
-            <a:pPr defTabSz="914400" eaLnBrk="0" fontAlgn="base" hangingPunct="0">
-              <a:spcBef>
-                <a:spcPct val="0"/>
-              </a:spcBef>
-              <a:spcAft>
-                <a:spcPct val="0"/>
-              </a:spcAft>
-              <a:buClrTx/>
-              <a:buSzTx/>
-              <a:buFont typeface="Wingdings" pitchFamily="2" charset="2"/>
-              <a:buChar char="p"/>
-            </a:pPr>
-            <a:r>
-              <a:rPr lang="zh-TW" altLang="zh-TW" sz="2400" dirty="0">
-                <a:solidFill>
-                  <a:schemeClr val="tx1"/>
-                </a:solidFill>
-                <a:latin typeface="Arial" panose="020B0604020202020204" pitchFamily="34" charset="0"/>
-              </a:rPr>
-              <a:t>Add continuous variables to strengthen </a:t>
-            </a:r>
-            <a:r>
-              <a:rPr lang="en" altLang="zh-TW" sz="2400" dirty="0">
-                <a:solidFill>
-                  <a:schemeClr val="tx1"/>
-                </a:solidFill>
-                <a:latin typeface="Arial" panose="020B0604020202020204" pitchFamily="34" charset="0"/>
-              </a:rPr>
-              <a:t>the predictive</a:t>
-            </a:r>
-            <a:r>
-              <a:rPr lang="zh-TW" altLang="zh-TW" sz="2400" dirty="0">
-                <a:solidFill>
-                  <a:schemeClr val="tx1"/>
-                </a:solidFill>
-                <a:latin typeface="Arial" panose="020B0604020202020204" pitchFamily="34" charset="0"/>
-              </a:rPr>
-              <a:t> signal.</a:t>
-            </a:r>
-          </a:p>
-          <a:p>
-            <a:pPr defTabSz="914400" eaLnBrk="0" fontAlgn="base" hangingPunct="0">
-              <a:spcBef>
-                <a:spcPct val="0"/>
-              </a:spcBef>
-              <a:spcAft>
-                <a:spcPct val="0"/>
-              </a:spcAft>
-              <a:buClrTx/>
-              <a:buSzTx/>
-              <a:buFont typeface="Wingdings" pitchFamily="2" charset="2"/>
-              <a:buChar char="p"/>
-            </a:pPr>
-            <a:r>
-              <a:rPr lang="zh-TW" altLang="zh-TW" sz="2400" dirty="0">
-                <a:solidFill>
-                  <a:schemeClr val="tx1"/>
-                </a:solidFill>
-                <a:latin typeface="Arial" panose="020B0604020202020204" pitchFamily="34" charset="0"/>
-              </a:rPr>
-              <a:t>Analyze minority groups separately to avoid majority-class dominance.</a:t>
-            </a:r>
-          </a:p>
-          <a:p>
-            <a:pPr>
-              <a:buFont typeface="Wingdings" pitchFamily="2" charset="2"/>
-              <a:buChar char="p"/>
-            </a:pPr>
-            <a:endParaRPr kumimoji="1" lang="en" altLang="zh-TW" sz="2400" dirty="0">
-              <a:latin typeface="Times New Roman" panose="02020603050405020304" pitchFamily="18" charset="0"/>
-              <a:cs typeface="Times New Roman" panose="02020603050405020304" pitchFamily="18" charset="0"/>
-            </a:endParaRPr>
-          </a:p>
-        </p:txBody>
-      </p:sp>
-      <p:sp>
-        <p:nvSpPr>
-          <p:cNvPr id="7" name="Rectangle 3">
-            <a:extLst>
-              <a:ext uri="{FF2B5EF4-FFF2-40B4-BE49-F238E27FC236}">
-                <a16:creationId xmlns:a16="http://schemas.microsoft.com/office/drawing/2014/main" id="{97F64AAF-60DB-C701-C50F-3CBCB4E9F69B}"/>
-              </a:ext>
-            </a:extLst>
-          </p:cNvPr>
-          <p:cNvSpPr>
-            <a:spLocks noChangeArrowheads="1"/>
-          </p:cNvSpPr>
-          <p:nvPr/>
-        </p:nvSpPr>
-        <p:spPr bwMode="auto">
-          <a:xfrm>
-            <a:off x="0" y="-184666"/>
-            <a:ext cx="264816" cy="369332"/>
+            <a:ext cx="6907118" cy="4141573"/>
           </a:xfrm>
           <a:prstGeom prst="rect">
             <a:avLst/>
           </a:prstGeom>
-          <a:noFill/>
-          <a:ln>
-            <a:noFill/>
-          </a:ln>
-          <a:effectLst/>
-          <a:extLst>
-            <a:ext uri="{909E8E84-426E-40DD-AFC4-6F175D3DCCD1}">
-              <a14:hiddenFill xmlns:a14="http://schemas.microsoft.com/office/drawing/2010/main">
-                <a:solidFill>
-                  <a:schemeClr val="accent1"/>
-                </a:solidFill>
-              </a14:hiddenFill>
-            </a:ext>
-            <a:ext uri="{91240B29-F687-4F45-9708-019B960494DF}">
-              <a14:hiddenLine xmlns:a14="http://schemas.microsoft.com/office/drawing/2010/main" w="9525">
-                <a:solidFill>
-                  <a:schemeClr val="tx1"/>
-                </a:solidFill>
-                <a:miter lim="800000"/>
-                <a:headEnd/>
-                <a:tailEnd/>
-              </a14:hiddenLine>
-            </a:ext>
-            <a:ext uri="{AF507438-7753-43E0-B8FC-AC1667EBCBE1}">
-              <a14:hiddenEffects xmlns:a14="http://schemas.microsoft.com/office/drawing/2010/main">
-                <a:effectLst>
-                  <a:outerShdw dist="35921" dir="2700000" algn="ctr" rotWithShape="0">
-                    <a:schemeClr val="bg2"/>
-                  </a:outerShdw>
-                </a:effectLst>
-              </a14:hiddenEffects>
-            </a:ext>
-          </a:extLst>
         </p:spPr>
-        <p:txBody>
-          <a:bodyPr vert="horz" wrap="none" lIns="91440" tIns="45720" rIns="91440" bIns="45720" numCol="1" anchor="ctr" anchorCtr="0" compatLnSpc="1">
-            <a:prstTxWarp prst="textNoShape">
-              <a:avLst/>
-            </a:prstTxWarp>
-            <a:spAutoFit/>
-          </a:bodyPr>
-          <a:lstStyle/>
-          <a:p>
-            <a:pPr marL="0" marR="0" lvl="0" indent="0" algn="l" defTabSz="914400" rtl="0" eaLnBrk="0" fontAlgn="base" latinLnBrk="0" hangingPunct="0">
-              <a:lnSpc>
-                <a:spcPct val="100000"/>
-              </a:lnSpc>
-              <a:spcBef>
-                <a:spcPct val="0"/>
-              </a:spcBef>
-              <a:spcAft>
-                <a:spcPct val="0"/>
-              </a:spcAft>
-              <a:buClrTx/>
-              <a:buSzTx/>
-              <a:buFontTx/>
-              <a:buChar char="•"/>
-              <a:tabLst/>
-            </a:pPr>
-            <a:endParaRPr kumimoji="0" lang="zh-TW" altLang="zh-TW" sz="1800" b="0" i="0" u="none" strike="noStrike" cap="none" normalizeH="0" baseline="0" dirty="0">
-              <a:ln>
-                <a:noFill/>
-              </a:ln>
-              <a:solidFill>
-                <a:schemeClr val="tx1"/>
-              </a:solidFill>
-              <a:effectLst/>
-              <a:latin typeface="Arial" panose="020B0604020202020204" pitchFamily="34" charset="0"/>
-            </a:endParaRPr>
-          </a:p>
-        </p:txBody>
-      </p:sp>
-      <p:sp>
-        <p:nvSpPr>
-          <p:cNvPr id="8" name="Rectangle 4">
-            <a:extLst>
-              <a:ext uri="{FF2B5EF4-FFF2-40B4-BE49-F238E27FC236}">
-                <a16:creationId xmlns:a16="http://schemas.microsoft.com/office/drawing/2014/main" id="{60400EEE-D63B-3003-13CA-1BB8118BC5B4}"/>
-              </a:ext>
-            </a:extLst>
-          </p:cNvPr>
-          <p:cNvSpPr>
-            <a:spLocks noChangeArrowheads="1"/>
-          </p:cNvSpPr>
-          <p:nvPr/>
-        </p:nvSpPr>
-        <p:spPr bwMode="auto">
-          <a:xfrm>
-            <a:off x="0" y="-184666"/>
-            <a:ext cx="264816" cy="369332"/>
-          </a:xfrm>
-          <a:prstGeom prst="rect">
-            <a:avLst/>
-          </a:prstGeom>
-          <a:noFill/>
-          <a:ln>
-            <a:noFill/>
-          </a:ln>
-          <a:effectLst/>
-          <a:extLst>
-            <a:ext uri="{909E8E84-426E-40DD-AFC4-6F175D3DCCD1}">
-              <a14:hiddenFill xmlns:a14="http://schemas.microsoft.com/office/drawing/2010/main">
-                <a:solidFill>
-                  <a:schemeClr val="accent1"/>
-                </a:solidFill>
-              </a14:hiddenFill>
-            </a:ext>
-            <a:ext uri="{91240B29-F687-4F45-9708-019B960494DF}">
-              <a14:hiddenLine xmlns:a14="http://schemas.microsoft.com/office/drawing/2010/main" w="9525">
-                <a:solidFill>
-                  <a:schemeClr val="tx1"/>
-                </a:solidFill>
-                <a:miter lim="800000"/>
-                <a:headEnd/>
-                <a:tailEnd/>
-              </a14:hiddenLine>
-            </a:ext>
-            <a:ext uri="{AF507438-7753-43E0-B8FC-AC1667EBCBE1}">
-              <a14:hiddenEffects xmlns:a14="http://schemas.microsoft.com/office/drawing/2010/main">
-                <a:effectLst>
-                  <a:outerShdw dist="35921" dir="2700000" algn="ctr" rotWithShape="0">
-                    <a:schemeClr val="bg2"/>
-                  </a:outerShdw>
-                </a:effectLst>
-              </a14:hiddenEffects>
-            </a:ext>
-          </a:extLst>
-        </p:spPr>
-        <p:txBody>
-          <a:bodyPr vert="horz" wrap="none" lIns="91440" tIns="45720" rIns="91440" bIns="45720" numCol="1" anchor="ctr" anchorCtr="0" compatLnSpc="1">
-            <a:prstTxWarp prst="textNoShape">
-              <a:avLst/>
-            </a:prstTxWarp>
-            <a:spAutoFit/>
-          </a:bodyPr>
-          <a:lstStyle/>
-          <a:p>
-            <a:pPr marL="0" marR="0" lvl="0" indent="0" algn="l" defTabSz="914400" rtl="0" eaLnBrk="0" fontAlgn="base" latinLnBrk="0" hangingPunct="0">
-              <a:lnSpc>
-                <a:spcPct val="100000"/>
-              </a:lnSpc>
-              <a:spcBef>
-                <a:spcPct val="0"/>
-              </a:spcBef>
-              <a:spcAft>
-                <a:spcPct val="0"/>
-              </a:spcAft>
-              <a:buClrTx/>
-              <a:buSzTx/>
-              <a:buFontTx/>
-              <a:buChar char="•"/>
-              <a:tabLst/>
-            </a:pPr>
-            <a:endParaRPr kumimoji="0" lang="zh-TW" altLang="zh-TW" sz="1800" b="0" i="0" u="none" strike="noStrike" cap="none" normalizeH="0" baseline="0" dirty="0">
-              <a:ln>
-                <a:noFill/>
-              </a:ln>
-              <a:solidFill>
-                <a:schemeClr val="tx1"/>
-              </a:solidFill>
-              <a:effectLst/>
-              <a:latin typeface="Arial" panose="020B0604020202020204" pitchFamily="34" charset="0"/>
-            </a:endParaRPr>
-          </a:p>
-        </p:txBody>
-      </p:sp>
+      </p:pic>
     </p:spTree>
     <p:extLst>
       <p:ext uri="{BB962C8B-B14F-4D97-AF65-F5344CB8AC3E}">
-        <p14:creationId xmlns:p14="http://schemas.microsoft.com/office/powerpoint/2010/main" val="1440796993"/>
+        <p14:creationId xmlns:p14="http://schemas.microsoft.com/office/powerpoint/2010/main" val="3742934645"/>
       </p:ext>
     </p:extLst>
   </p:cSld>
@@ -8303,68 +8534,58 @@
       </p:grpSpPr>
       <p:sp>
         <p:nvSpPr>
-          <p:cNvPr id="3" name="文字方塊 2">
+          <p:cNvPr id="2" name="Title 1">
             <a:extLst>
               <a:ext uri="{FF2B5EF4-FFF2-40B4-BE49-F238E27FC236}">
-                <a16:creationId xmlns:a16="http://schemas.microsoft.com/office/drawing/2014/main" id="{0CC05016-0DCB-5FFB-772D-EFC3DD0D1957}"/>
+                <a16:creationId xmlns:a16="http://schemas.microsoft.com/office/drawing/2014/main" id="{86A013A9-5EAC-67F8-2AEA-9F6F1D190EEC}"/>
               </a:ext>
             </a:extLst>
           </p:cNvPr>
-          <p:cNvSpPr txBox="1"/>
-          <p:nvPr/>
-        </p:nvSpPr>
-        <p:spPr>
-          <a:xfrm>
-            <a:off x="2246587" y="2321004"/>
-            <a:ext cx="6101254" cy="2215991"/>
-          </a:xfrm>
-          <a:prstGeom prst="rect">
-            <a:avLst/>
-          </a:prstGeom>
-          <a:noFill/>
-        </p:spPr>
-        <p:txBody>
-          <a:bodyPr wrap="square">
-            <a:spAutoFit/>
-          </a:bodyPr>
+          <p:cNvSpPr>
+            <a:spLocks noGrp="1"/>
+          </p:cNvSpPr>
+          <p:nvPr>
+            <p:ph type="title"/>
+          </p:nvPr>
+        </p:nvSpPr>
+        <p:spPr/>
+        <p:txBody>
+          <a:bodyPr/>
           <a:lstStyle/>
           <a:p>
-            <a:pPr algn="ctr" fontAlgn="base">
-              <a:spcBef>
-                <a:spcPct val="0"/>
-              </a:spcBef>
-              <a:spcAft>
-                <a:spcPct val="0"/>
-              </a:spcAft>
-              <a:buClrTx/>
-              <a:buSzTx/>
-            </a:pPr>
-            <a:r>
-              <a:rPr kumimoji="1" lang="en-US" altLang="zh-TW" sz="13800" b="1" dirty="0">
-                <a:solidFill>
-                  <a:schemeClr val="accent1"/>
-                </a:solidFill>
-                <a:latin typeface="Times New Roman" panose="02020603050405020304" pitchFamily="18" charset="0"/>
-                <a:ea typeface="+mj-ea"/>
-                <a:cs typeface="Times New Roman" panose="02020603050405020304" pitchFamily="18" charset="0"/>
-              </a:rPr>
-              <a:t>END</a:t>
-            </a:r>
-            <a:endParaRPr kumimoji="1" lang="en" altLang="zh-TW" sz="13800" b="1" dirty="0">
-              <a:solidFill>
-                <a:schemeClr val="accent1"/>
-              </a:solidFill>
-              <a:latin typeface="Times New Roman" panose="02020603050405020304" pitchFamily="18" charset="0"/>
-              <a:ea typeface="+mj-ea"/>
-              <a:cs typeface="Times New Roman" panose="02020603050405020304" pitchFamily="18" charset="0"/>
-            </a:endParaRPr>
+            <a:endParaRPr lang="en-US"/>
+          </a:p>
+        </p:txBody>
+      </p:sp>
+      <p:sp>
+        <p:nvSpPr>
+          <p:cNvPr id="3" name="Content Placeholder 2">
+            <a:extLst>
+              <a:ext uri="{FF2B5EF4-FFF2-40B4-BE49-F238E27FC236}">
+                <a16:creationId xmlns:a16="http://schemas.microsoft.com/office/drawing/2014/main" id="{18526FC0-8F39-CEF5-C50E-E1D74549ADA2}"/>
+              </a:ext>
+            </a:extLst>
+          </p:cNvPr>
+          <p:cNvSpPr>
+            <a:spLocks noGrp="1"/>
+          </p:cNvSpPr>
+          <p:nvPr>
+            <p:ph idx="1"/>
+          </p:nvPr>
+        </p:nvSpPr>
+        <p:spPr/>
+        <p:txBody>
+          <a:bodyPr/>
+          <a:lstStyle/>
+          <a:p>
+            <a:endParaRPr lang="en-US"/>
           </a:p>
         </p:txBody>
       </p:sp>
     </p:spTree>
     <p:extLst>
       <p:ext uri="{BB962C8B-B14F-4D97-AF65-F5344CB8AC3E}">
-        <p14:creationId xmlns:p14="http://schemas.microsoft.com/office/powerpoint/2010/main" val="769538148"/>
+        <p14:creationId xmlns:p14="http://schemas.microsoft.com/office/powerpoint/2010/main" val="1748006529"/>
       </p:ext>
     </p:extLst>
   </p:cSld>
@@ -8374,210 +8595,7 @@
 </p:sld>
 </file>
 
-<file path=ppt/slides/slide2.xml><?xml version="1.0" encoding="utf-8"?>
-<p:sld xmlns:a="http://schemas.openxmlformats.org/drawingml/2006/main" xmlns:r="http://schemas.openxmlformats.org/officeDocument/2006/relationships" xmlns:p="http://schemas.openxmlformats.org/presentationml/2006/main">
-  <p:cSld>
-    <p:spTree>
-      <p:nvGrpSpPr>
-        <p:cNvPr id="1" name=""/>
-        <p:cNvGrpSpPr/>
-        <p:nvPr/>
-      </p:nvGrpSpPr>
-      <p:grpSpPr>
-        <a:xfrm>
-          <a:off x="0" y="0"/>
-          <a:ext cx="0" cy="0"/>
-          <a:chOff x="0" y="0"/>
-          <a:chExt cx="0" cy="0"/>
-        </a:xfrm>
-      </p:grpSpPr>
-      <p:sp>
-        <p:nvSpPr>
-          <p:cNvPr id="2" name="標題 1">
-            <a:extLst>
-              <a:ext uri="{FF2B5EF4-FFF2-40B4-BE49-F238E27FC236}">
-                <a16:creationId xmlns:a16="http://schemas.microsoft.com/office/drawing/2014/main" id="{F2891BC3-7AFE-2384-DEB3-129363961C22}"/>
-              </a:ext>
-            </a:extLst>
-          </p:cNvPr>
-          <p:cNvSpPr>
-            <a:spLocks noGrp="1"/>
-          </p:cNvSpPr>
-          <p:nvPr>
-            <p:ph type="title"/>
-          </p:nvPr>
-        </p:nvSpPr>
-        <p:spPr/>
-        <p:txBody>
-          <a:bodyPr/>
-          <a:lstStyle/>
-          <a:p>
-            <a:r>
-              <a:rPr kumimoji="1" lang="en-US" altLang="zh-TW" b="1" dirty="0">
-                <a:latin typeface="Times New Roman" panose="02020603050405020304" pitchFamily="18" charset="0"/>
-                <a:cs typeface="Times New Roman" panose="02020603050405020304" pitchFamily="18" charset="0"/>
-              </a:rPr>
-              <a:t>Source Links</a:t>
-            </a:r>
-            <a:endParaRPr kumimoji="1" lang="zh-TW" altLang="en-US" b="1" dirty="0">
-              <a:latin typeface="Times New Roman" panose="02020603050405020304" pitchFamily="18" charset="0"/>
-              <a:cs typeface="Times New Roman" panose="02020603050405020304" pitchFamily="18" charset="0"/>
-            </a:endParaRPr>
-          </a:p>
-        </p:txBody>
-      </p:sp>
-      <p:sp>
-        <p:nvSpPr>
-          <p:cNvPr id="3" name="內容版面配置區 2">
-            <a:extLst>
-              <a:ext uri="{FF2B5EF4-FFF2-40B4-BE49-F238E27FC236}">
-                <a16:creationId xmlns:a16="http://schemas.microsoft.com/office/drawing/2014/main" id="{7B474D46-9BC6-2BDD-7BA8-C30AE216FBCE}"/>
-              </a:ext>
-            </a:extLst>
-          </p:cNvPr>
-          <p:cNvSpPr>
-            <a:spLocks noGrp="1"/>
-          </p:cNvSpPr>
-          <p:nvPr>
-            <p:ph idx="1"/>
-          </p:nvPr>
-        </p:nvSpPr>
-        <p:spPr>
-          <a:xfrm>
-            <a:off x="677334" y="1930400"/>
-            <a:ext cx="7968826" cy="3880773"/>
-          </a:xfrm>
-        </p:spPr>
-        <p:txBody>
-          <a:bodyPr>
-            <a:normAutofit fontScale="92500" lnSpcReduction="10000"/>
-          </a:bodyPr>
-          <a:lstStyle/>
-          <a:p>
-            <a:pPr marL="0" indent="0">
-              <a:buNone/>
-            </a:pPr>
-            <a:r>
-              <a:rPr kumimoji="1" lang="en-US" altLang="zh-TW" b="1" dirty="0">
-                <a:latin typeface="Times New Roman" panose="02020603050405020304" pitchFamily="18" charset="0"/>
-                <a:cs typeface="Times New Roman" panose="02020603050405020304" pitchFamily="18" charset="0"/>
-              </a:rPr>
-              <a:t>Git Hub:</a:t>
-            </a:r>
-          </a:p>
-          <a:p>
-            <a:pPr marL="0" indent="0">
-              <a:buNone/>
-            </a:pPr>
-            <a:r>
-              <a:rPr kumimoji="1" lang="en-US" altLang="zh-TW" dirty="0">
-                <a:latin typeface="Times New Roman" panose="02020603050405020304" pitchFamily="18" charset="0"/>
-                <a:cs typeface="Times New Roman" panose="02020603050405020304" pitchFamily="18" charset="0"/>
-                <a:hlinkClick r:id="rId2"/>
-              </a:rPr>
-              <a:t>https://github.com/daniasalman6/Project-Data-Mining</a:t>
-            </a:r>
-            <a:endParaRPr kumimoji="1" lang="en-US" altLang="zh-TW" dirty="0">
-              <a:latin typeface="Times New Roman" panose="02020603050405020304" pitchFamily="18" charset="0"/>
-              <a:cs typeface="Times New Roman" panose="02020603050405020304" pitchFamily="18" charset="0"/>
-            </a:endParaRPr>
-          </a:p>
-          <a:p>
-            <a:pPr marL="0" indent="0">
-              <a:buNone/>
-            </a:pPr>
-            <a:endParaRPr kumimoji="1" lang="en-US" altLang="zh-TW" dirty="0">
-              <a:latin typeface="Times New Roman" panose="02020603050405020304" pitchFamily="18" charset="0"/>
-              <a:cs typeface="Times New Roman" panose="02020603050405020304" pitchFamily="18" charset="0"/>
-            </a:endParaRPr>
-          </a:p>
-          <a:p>
-            <a:pPr marL="0" indent="0">
-              <a:buNone/>
-            </a:pPr>
-            <a:r>
-              <a:rPr lang="en-US" altLang="zh-TW" b="1" dirty="0">
-                <a:latin typeface="Times New Roman" panose="02020603050405020304" pitchFamily="18" charset="0"/>
-                <a:cs typeface="Times New Roman" panose="02020603050405020304" pitchFamily="18" charset="0"/>
-              </a:rPr>
-              <a:t>Dataset Link:</a:t>
-            </a:r>
-          </a:p>
-          <a:p>
-            <a:pPr marL="0" indent="0">
-              <a:buNone/>
-            </a:pPr>
-            <a:r>
-              <a:rPr kumimoji="1" lang="en-US" altLang="zh-TW" dirty="0">
-                <a:latin typeface="Times New Roman" panose="02020603050405020304" pitchFamily="18" charset="0"/>
-                <a:cs typeface="Times New Roman" panose="02020603050405020304" pitchFamily="18" charset="0"/>
-                <a:hlinkClick r:id="rId3"/>
-              </a:rPr>
-              <a:t>https://data.ny.gov/Human-Services/Patient-Characteristics-Survey-PCS-2019/urn3-ezfe/about_data</a:t>
-            </a:r>
-            <a:endParaRPr kumimoji="1" lang="en-US" altLang="zh-TW" dirty="0">
-              <a:latin typeface="Times New Roman" panose="02020603050405020304" pitchFamily="18" charset="0"/>
-              <a:cs typeface="Times New Roman" panose="02020603050405020304" pitchFamily="18" charset="0"/>
-            </a:endParaRPr>
-          </a:p>
-          <a:p>
-            <a:pPr marL="0" indent="0">
-              <a:buNone/>
-            </a:pPr>
-            <a:endParaRPr lang="en-US" altLang="zh-TW" dirty="0">
-              <a:latin typeface="Times New Roman" panose="02020603050405020304" pitchFamily="18" charset="0"/>
-              <a:cs typeface="Times New Roman" panose="02020603050405020304" pitchFamily="18" charset="0"/>
-            </a:endParaRPr>
-          </a:p>
-          <a:p>
-            <a:pPr marL="0" indent="0">
-              <a:buNone/>
-            </a:pPr>
-            <a:r>
-              <a:rPr lang="en" altLang="zh-TW" dirty="0">
-                <a:latin typeface="Times New Roman" panose="02020603050405020304" pitchFamily="18" charset="0"/>
-                <a:cs typeface="Times New Roman" panose="02020603050405020304" pitchFamily="18" charset="0"/>
-              </a:rPr>
-              <a:t>The PCS 2019 dataset provides comprehensive information on mental health services and client characteristics across New York State.</a:t>
-            </a:r>
-          </a:p>
-          <a:p>
-            <a:pPr marL="0" indent="0">
-              <a:buNone/>
-            </a:pPr>
-            <a:endParaRPr lang="en-US" altLang="zh-TW" dirty="0">
-              <a:latin typeface="Times New Roman" panose="02020603050405020304" pitchFamily="18" charset="0"/>
-              <a:cs typeface="Times New Roman" panose="02020603050405020304" pitchFamily="18" charset="0"/>
-            </a:endParaRPr>
-          </a:p>
-          <a:p>
-            <a:pPr marL="0" indent="0">
-              <a:buNone/>
-            </a:pPr>
-            <a:r>
-              <a:rPr kumimoji="1" lang="en-US" altLang="zh-TW" dirty="0">
-                <a:latin typeface="Times New Roman" panose="02020603050405020304" pitchFamily="18" charset="0"/>
-                <a:cs typeface="Times New Roman" panose="02020603050405020304" pitchFamily="18" charset="0"/>
-              </a:rPr>
-              <a:t> </a:t>
-            </a:r>
-          </a:p>
-        </p:txBody>
-      </p:sp>
-    </p:spTree>
-    <p:extLst>
-      <p:ext uri="{BB962C8B-B14F-4D97-AF65-F5344CB8AC3E}">
-        <p14:creationId xmlns:p14="http://schemas.microsoft.com/office/powerpoint/2010/main" val="3453650057"/>
-      </p:ext>
-    </p:extLst>
-  </p:cSld>
-  <p:clrMapOvr>
-    <a:masterClrMapping/>
-  </p:clrMapOvr>
-</p:sld>
-</file>
-
-<file path=ppt/slides/slide3.xml><?xml version="1.0" encoding="utf-8"?>
+<file path=ppt/slides/slide16.xml><?xml version="1.0" encoding="utf-8"?>
 <p:sld xmlns:a="http://schemas.openxmlformats.org/drawingml/2006/main" xmlns:r="http://schemas.openxmlformats.org/officeDocument/2006/relationships" xmlns:p="http://schemas.openxmlformats.org/presentationml/2006/main">
   <p:cSld>
     <p:spTree>
@@ -8585,7 +8603,7 @@
         <p:cNvPr id="1" name="">
           <a:extLst>
             <a:ext uri="{FF2B5EF4-FFF2-40B4-BE49-F238E27FC236}">
-              <a16:creationId xmlns:a16="http://schemas.microsoft.com/office/drawing/2014/main" id="{707CD19F-E01E-3D48-753B-9D656EBDAEE4}"/>
+              <a16:creationId xmlns:a16="http://schemas.microsoft.com/office/drawing/2014/main" id="{4553DD6C-74B6-A2ED-4EEE-80D97A2244BF}"/>
             </a:ext>
           </a:extLst>
         </p:cNvPr>
@@ -8605,7 +8623,7 @@
           <p:cNvPr id="2" name="標題 1">
             <a:extLst>
               <a:ext uri="{FF2B5EF4-FFF2-40B4-BE49-F238E27FC236}">
-                <a16:creationId xmlns:a16="http://schemas.microsoft.com/office/drawing/2014/main" id="{9FFB6820-A860-9329-7C80-A2FDFE3462CC}"/>
+                <a16:creationId xmlns:a16="http://schemas.microsoft.com/office/drawing/2014/main" id="{0D61185C-DEE3-C661-0CB7-2BDF7166C9CA}"/>
               </a:ext>
             </a:extLst>
           </p:cNvPr>
@@ -8626,7 +8644,7 @@
                 <a:latin typeface="Times New Roman" panose="02020603050405020304" pitchFamily="18" charset="0"/>
                 <a:cs typeface="Times New Roman" panose="02020603050405020304" pitchFamily="18" charset="0"/>
               </a:rPr>
-              <a:t>Data cleaning</a:t>
+              <a:t>Conclusions – SMART Question 1</a:t>
             </a:r>
             <a:endParaRPr kumimoji="1" lang="zh-TW" altLang="en-US" b="1" dirty="0">
               <a:latin typeface="Times New Roman" panose="02020603050405020304" pitchFamily="18" charset="0"/>
@@ -8637,72 +8655,157 @@
       </p:sp>
       <p:sp>
         <p:nvSpPr>
-          <p:cNvPr id="3" name="內容版面配置區 2">
+          <p:cNvPr id="3" name="TextBox 2">
             <a:extLst>
               <a:ext uri="{FF2B5EF4-FFF2-40B4-BE49-F238E27FC236}">
-                <a16:creationId xmlns:a16="http://schemas.microsoft.com/office/drawing/2014/main" id="{CA55CBFD-61CB-C6F0-4B9F-8C78BD30C22A}"/>
+                <a16:creationId xmlns:a16="http://schemas.microsoft.com/office/drawing/2014/main" id="{A097D33B-F738-EFE3-8C42-11B0BEF144FC}"/>
               </a:ext>
             </a:extLst>
           </p:cNvPr>
-          <p:cNvSpPr>
-            <a:spLocks noGrp="1"/>
-          </p:cNvSpPr>
-          <p:nvPr>
-            <p:ph idx="1"/>
-          </p:nvPr>
+          <p:cNvSpPr txBox="1"/>
+          <p:nvPr/>
         </p:nvSpPr>
         <p:spPr>
           <a:xfrm>
-            <a:off x="677334" y="1930400"/>
-            <a:ext cx="7968826" cy="3880773"/>
+            <a:off x="677334" y="1503680"/>
+            <a:ext cx="8596668" cy="4524315"/>
           </a:xfrm>
+          <a:prstGeom prst="rect">
+            <a:avLst/>
+          </a:prstGeom>
+          <a:noFill/>
         </p:spPr>
         <p:txBody>
-          <a:bodyPr>
-            <a:normAutofit/>
+          <a:bodyPr wrap="square" rtlCol="0">
+            <a:spAutoFit/>
           </a:bodyPr>
           <a:lstStyle/>
           <a:p>
-            <a:r>
-              <a:rPr lang="en" altLang="zh-TW" sz="2400" dirty="0">
-                <a:latin typeface="Times New Roman" panose="02020603050405020304" pitchFamily="18" charset="0"/>
-                <a:cs typeface="Times New Roman" panose="02020603050405020304" pitchFamily="18" charset="0"/>
+            <a:pPr marL="285750" indent="-285750">
+              <a:buFont typeface="Arial" panose="020B0604020202020204" pitchFamily="34" charset="0"/>
+              <a:buChar char="•"/>
+            </a:pPr>
+            <a:r>
+              <a:rPr lang="en-US" dirty="0">
+                <a:latin typeface="Microsoft JhengHei" panose="020B0604030504040204" pitchFamily="34" charset="-120"/>
+                <a:ea typeface="Microsoft JhengHei" panose="020B0604030504040204" pitchFamily="34" charset="-120"/>
               </a:rPr>
-              <a:t>Convert “Unknown” to missing values</a:t>
-            </a:r>
-          </a:p>
-          <a:p>
-            <a:r>
-              <a:rPr kumimoji="1" lang="en" altLang="zh-TW" sz="2400" dirty="0">
-                <a:latin typeface="Times New Roman" panose="02020603050405020304" pitchFamily="18" charset="0"/>
-                <a:cs typeface="Times New Roman" panose="02020603050405020304" pitchFamily="18" charset="0"/>
+              <a:t> When class imbalance is accounted for, a decent amount of individuals who do not have a mental illness are identified</a:t>
+            </a:r>
+          </a:p>
+          <a:p>
+            <a:pPr marL="285750" indent="-285750">
+              <a:buFont typeface="Arial" panose="020B0604020202020204" pitchFamily="34" charset="0"/>
+              <a:buChar char="•"/>
+            </a:pPr>
+            <a:r>
+              <a:rPr lang="en-US" dirty="0">
+                <a:latin typeface="Microsoft JhengHei" panose="020B0604030504040204" pitchFamily="34" charset="-120"/>
+                <a:ea typeface="Microsoft JhengHei" panose="020B0604030504040204" pitchFamily="34" charset="-120"/>
               </a:rPr>
-              <a:t>Remove missing values</a:t>
-            </a:r>
-            <a:endParaRPr kumimoji="1" lang="en-US" altLang="zh-TW" sz="2400" dirty="0">
-              <a:latin typeface="Times New Roman" panose="02020603050405020304" pitchFamily="18" charset="0"/>
-              <a:cs typeface="Times New Roman" panose="02020603050405020304" pitchFamily="18" charset="0"/>
+              <a:t>Being older decreases the chance of having a mental illness </a:t>
+            </a:r>
+          </a:p>
+          <a:p>
+            <a:pPr marL="285750" indent="-285750">
+              <a:buFont typeface="Arial" panose="020B0604020202020204" pitchFamily="34" charset="0"/>
+              <a:buChar char="•"/>
+            </a:pPr>
+            <a:r>
+              <a:rPr lang="en-US" dirty="0">
+                <a:latin typeface="Microsoft JhengHei" panose="020B0604030504040204" pitchFamily="34" charset="-120"/>
+                <a:ea typeface="Microsoft JhengHei" panose="020B0604030504040204" pitchFamily="34" charset="-120"/>
+              </a:rPr>
+              <a:t>Cohabitating with others and substance use minimally increases the risk of having a mental illness</a:t>
+            </a:r>
+          </a:p>
+          <a:p>
+            <a:pPr marL="285750" indent="-285750">
+              <a:buFont typeface="Arial" panose="020B0604020202020204" pitchFamily="34" charset="0"/>
+              <a:buChar char="•"/>
+            </a:pPr>
+            <a:r>
+              <a:rPr lang="en-US" dirty="0">
+                <a:latin typeface="Microsoft JhengHei" panose="020B0604030504040204" pitchFamily="34" charset="-120"/>
+                <a:ea typeface="Microsoft JhengHei" panose="020B0604030504040204" pitchFamily="34" charset="-120"/>
+              </a:rPr>
+              <a:t>All demographic variables have small impacts on mental illnesses</a:t>
+            </a:r>
+          </a:p>
+          <a:p>
+            <a:pPr marL="285750" indent="-285750">
+              <a:buFont typeface="Arial" panose="020B0604020202020204" pitchFamily="34" charset="0"/>
+              <a:buChar char="•"/>
+            </a:pPr>
+            <a:r>
+              <a:rPr lang="en-US" dirty="0">
+                <a:latin typeface="Microsoft JhengHei" panose="020B0604030504040204" pitchFamily="34" charset="-120"/>
+                <a:ea typeface="Microsoft JhengHei" panose="020B0604030504040204" pitchFamily="34" charset="-120"/>
+              </a:rPr>
+              <a:t>Region served, education status, and age group are the most influential predictors of mental illness</a:t>
+            </a:r>
+          </a:p>
+          <a:p>
+            <a:pPr marL="285750" indent="-285750">
+              <a:buFont typeface="Arial" panose="020B0604020202020204" pitchFamily="34" charset="0"/>
+              <a:buChar char="•"/>
+            </a:pPr>
+            <a:r>
+              <a:rPr lang="en-US" dirty="0">
+                <a:latin typeface="Microsoft JhengHei" panose="020B0604030504040204" pitchFamily="34" charset="-120"/>
+                <a:ea typeface="Microsoft JhengHei" panose="020B0604030504040204" pitchFamily="34" charset="-120"/>
+              </a:rPr>
+              <a:t>Race, sexual orientation, and household consumption have some importance on predicting mental illness</a:t>
+            </a:r>
+          </a:p>
+          <a:p>
+            <a:pPr marL="285750" indent="-285750">
+              <a:buFont typeface="Arial" panose="020B0604020202020204" pitchFamily="34" charset="0"/>
+              <a:buChar char="•"/>
+            </a:pPr>
+            <a:r>
+              <a:rPr lang="en-US" dirty="0">
+                <a:latin typeface="Microsoft JhengHei" panose="020B0604030504040204" pitchFamily="34" charset="-120"/>
+                <a:ea typeface="Microsoft JhengHei" panose="020B0604030504040204" pitchFamily="34" charset="-120"/>
+              </a:rPr>
+              <a:t> Sex, alcohol related disorder, drug substance disorder, and veteran status did not contribute much to the model</a:t>
+            </a:r>
+          </a:p>
+          <a:p>
+            <a:pPr marL="285750" indent="-285750">
+              <a:buFont typeface="Arial" panose="020B0604020202020204" pitchFamily="34" charset="0"/>
+              <a:buChar char="•"/>
+            </a:pPr>
+            <a:endParaRPr lang="en-US" dirty="0">
+              <a:latin typeface="Microsoft JhengHei" panose="020B0604030504040204" pitchFamily="34" charset="-120"/>
+              <a:ea typeface="Microsoft JhengHei" panose="020B0604030504040204" pitchFamily="34" charset="-120"/>
             </a:endParaRPr>
           </a:p>
           <a:p>
-            <a:r>
-              <a:rPr kumimoji="1" lang="en-US" altLang="zh-TW" sz="2400" dirty="0">
-                <a:latin typeface="Times New Roman" panose="02020603050405020304" pitchFamily="18" charset="0"/>
-                <a:cs typeface="Times New Roman" panose="02020603050405020304" pitchFamily="18" charset="0"/>
-              </a:rPr>
-              <a:t>146737 observations after data cleaning</a:t>
-            </a:r>
-            <a:endParaRPr kumimoji="1" lang="en" altLang="zh-TW" sz="2400" dirty="0">
-              <a:latin typeface="Times New Roman" panose="02020603050405020304" pitchFamily="18" charset="0"/>
-              <a:cs typeface="Times New Roman" panose="02020603050405020304" pitchFamily="18" charset="0"/>
+            <a:pPr marL="285750" indent="-285750">
+              <a:buFont typeface="Arial" panose="020B0604020202020204" pitchFamily="34" charset="0"/>
+              <a:buChar char="•"/>
+            </a:pPr>
+            <a:endParaRPr lang="en-US" dirty="0">
+              <a:latin typeface="Microsoft JhengHei" panose="020B0604030504040204" pitchFamily="34" charset="-120"/>
+              <a:ea typeface="Microsoft JhengHei" panose="020B0604030504040204" pitchFamily="34" charset="-120"/>
             </a:endParaRPr>
+          </a:p>
+          <a:p>
+            <a:endParaRPr lang="en-US" dirty="0">
+              <a:latin typeface="Microsoft JhengHei" panose="020B0604030504040204" pitchFamily="34" charset="-120"/>
+              <a:ea typeface="Microsoft JhengHei" panose="020B0604030504040204" pitchFamily="34" charset="-120"/>
+            </a:endParaRPr>
+          </a:p>
+          <a:p>
+            <a:endParaRPr lang="en-US" dirty="0"/>
           </a:p>
         </p:txBody>
       </p:sp>
     </p:spTree>
     <p:extLst>
       <p:ext uri="{BB962C8B-B14F-4D97-AF65-F5344CB8AC3E}">
-        <p14:creationId xmlns:p14="http://schemas.microsoft.com/office/powerpoint/2010/main" val="1706725217"/>
+        <p14:creationId xmlns:p14="http://schemas.microsoft.com/office/powerpoint/2010/main" val="57324149"/>
       </p:ext>
     </p:extLst>
   </p:cSld>
@@ -8712,119 +8815,7 @@
 </p:sld>
 </file>
 
-<file path=ppt/slides/slide4.xml><?xml version="1.0" encoding="utf-8"?>
-<p:sld xmlns:a="http://schemas.openxmlformats.org/drawingml/2006/main" xmlns:r="http://schemas.openxmlformats.org/officeDocument/2006/relationships" xmlns:p="http://schemas.openxmlformats.org/presentationml/2006/main">
-  <p:cSld>
-    <p:spTree>
-      <p:nvGrpSpPr>
-        <p:cNvPr id="1" name="">
-          <a:extLst>
-            <a:ext uri="{FF2B5EF4-FFF2-40B4-BE49-F238E27FC236}">
-              <a16:creationId xmlns:a16="http://schemas.microsoft.com/office/drawing/2014/main" id="{60014A05-4AD5-A7DA-D25B-F3B6AAC296F6}"/>
-            </a:ext>
-          </a:extLst>
-        </p:cNvPr>
-        <p:cNvGrpSpPr/>
-        <p:nvPr/>
-      </p:nvGrpSpPr>
-      <p:grpSpPr>
-        <a:xfrm>
-          <a:off x="0" y="0"/>
-          <a:ext cx="0" cy="0"/>
-          <a:chOff x="0" y="0"/>
-          <a:chExt cx="0" cy="0"/>
-        </a:xfrm>
-      </p:grpSpPr>
-      <p:sp>
-        <p:nvSpPr>
-          <p:cNvPr id="2" name="標題 1">
-            <a:extLst>
-              <a:ext uri="{FF2B5EF4-FFF2-40B4-BE49-F238E27FC236}">
-                <a16:creationId xmlns:a16="http://schemas.microsoft.com/office/drawing/2014/main" id="{560FFB76-1144-302C-02EB-F44BA8505B42}"/>
-              </a:ext>
-            </a:extLst>
-          </p:cNvPr>
-          <p:cNvSpPr>
-            <a:spLocks noGrp="1"/>
-          </p:cNvSpPr>
-          <p:nvPr>
-            <p:ph type="title"/>
-          </p:nvPr>
-        </p:nvSpPr>
-        <p:spPr/>
-        <p:txBody>
-          <a:bodyPr/>
-          <a:lstStyle/>
-          <a:p>
-            <a:r>
-              <a:rPr kumimoji="1" lang="en-US" altLang="zh-TW" b="1" dirty="0">
-                <a:latin typeface="Times New Roman" panose="02020603050405020304" pitchFamily="18" charset="0"/>
-                <a:cs typeface="Times New Roman" panose="02020603050405020304" pitchFamily="18" charset="0"/>
-              </a:rPr>
-              <a:t>Smart Question 1</a:t>
-            </a:r>
-            <a:endParaRPr kumimoji="1" lang="zh-TW" altLang="en-US" b="1" dirty="0">
-              <a:latin typeface="Times New Roman" panose="02020603050405020304" pitchFamily="18" charset="0"/>
-              <a:cs typeface="Times New Roman" panose="02020603050405020304" pitchFamily="18" charset="0"/>
-            </a:endParaRPr>
-          </a:p>
-        </p:txBody>
-      </p:sp>
-      <p:sp>
-        <p:nvSpPr>
-          <p:cNvPr id="3" name="內容版面配置區 2">
-            <a:extLst>
-              <a:ext uri="{FF2B5EF4-FFF2-40B4-BE49-F238E27FC236}">
-                <a16:creationId xmlns:a16="http://schemas.microsoft.com/office/drawing/2014/main" id="{C089B9FB-E92A-1D10-614D-C2AA1F1879FD}"/>
-              </a:ext>
-            </a:extLst>
-          </p:cNvPr>
-          <p:cNvSpPr>
-            <a:spLocks noGrp="1"/>
-          </p:cNvSpPr>
-          <p:nvPr>
-            <p:ph idx="1"/>
-          </p:nvPr>
-        </p:nvSpPr>
-        <p:spPr>
-          <a:xfrm>
-            <a:off x="677334" y="1930400"/>
-            <a:ext cx="7968826" cy="3880773"/>
-          </a:xfrm>
-        </p:spPr>
-        <p:txBody>
-          <a:bodyPr>
-            <a:normAutofit/>
-          </a:bodyPr>
-          <a:lstStyle/>
-          <a:p>
-            <a:pPr marL="0" indent="0">
-              <a:buNone/>
-            </a:pPr>
-            <a:r>
-              <a:rPr kumimoji="1" lang="en-US" altLang="zh-TW" sz="3200" dirty="0">
-                <a:latin typeface="Times New Roman" panose="02020603050405020304" pitchFamily="18" charset="0"/>
-                <a:cs typeface="Times New Roman" panose="02020603050405020304" pitchFamily="18" charset="0"/>
-              </a:rPr>
-              <a:t>How well can demographic characteristics predict whether an adult has a diagnosed mental illness in New York State using PCS 2019 data?</a:t>
-            </a:r>
-          </a:p>
-        </p:txBody>
-      </p:sp>
-    </p:spTree>
-    <p:extLst>
-      <p:ext uri="{BB962C8B-B14F-4D97-AF65-F5344CB8AC3E}">
-        <p14:creationId xmlns:p14="http://schemas.microsoft.com/office/powerpoint/2010/main" val="2402511089"/>
-      </p:ext>
-    </p:extLst>
-  </p:cSld>
-  <p:clrMapOvr>
-    <a:masterClrMapping/>
-  </p:clrMapOvr>
-</p:sld>
-</file>
-
-<file path=ppt/slides/slide5.xml><?xml version="1.0" encoding="utf-8"?>
+<file path=ppt/slides/slide17.xml><?xml version="1.0" encoding="utf-8"?>
 <p:sld xmlns:a="http://schemas.openxmlformats.org/drawingml/2006/main" xmlns:r="http://schemas.openxmlformats.org/officeDocument/2006/relationships" xmlns:p="http://schemas.openxmlformats.org/presentationml/2006/main">
   <p:cSld>
     <p:spTree>
@@ -8936,7 +8927,7 @@
 </p:sld>
 </file>
 
-<file path=ppt/slides/slide6.xml><?xml version="1.0" encoding="utf-8"?>
+<file path=ppt/slides/slide18.xml><?xml version="1.0" encoding="utf-8"?>
 <p:sld xmlns:a="http://schemas.openxmlformats.org/drawingml/2006/main" xmlns:r="http://schemas.openxmlformats.org/officeDocument/2006/relationships" xmlns:p="http://schemas.openxmlformats.org/presentationml/2006/main">
   <p:cSld>
     <p:spTree>
@@ -9063,7 +9054,7 @@
 </p:sld>
 </file>
 
-<file path=ppt/slides/slide7.xml><?xml version="1.0" encoding="utf-8"?>
+<file path=ppt/slides/slide19.xml><?xml version="1.0" encoding="utf-8"?>
 <p:sld xmlns:a="http://schemas.openxmlformats.org/drawingml/2006/main" xmlns:r="http://schemas.openxmlformats.org/officeDocument/2006/relationships" xmlns:p="http://schemas.openxmlformats.org/presentationml/2006/main">
   <p:cSld>
     <p:spTree>
@@ -9534,7 +9525,210 @@
 </p:sld>
 </file>
 
-<file path=ppt/slides/slide8.xml><?xml version="1.0" encoding="utf-8"?>
+<file path=ppt/slides/slide2.xml><?xml version="1.0" encoding="utf-8"?>
+<p:sld xmlns:a="http://schemas.openxmlformats.org/drawingml/2006/main" xmlns:r="http://schemas.openxmlformats.org/officeDocument/2006/relationships" xmlns:p="http://schemas.openxmlformats.org/presentationml/2006/main">
+  <p:cSld>
+    <p:spTree>
+      <p:nvGrpSpPr>
+        <p:cNvPr id="1" name=""/>
+        <p:cNvGrpSpPr/>
+        <p:nvPr/>
+      </p:nvGrpSpPr>
+      <p:grpSpPr>
+        <a:xfrm>
+          <a:off x="0" y="0"/>
+          <a:ext cx="0" cy="0"/>
+          <a:chOff x="0" y="0"/>
+          <a:chExt cx="0" cy="0"/>
+        </a:xfrm>
+      </p:grpSpPr>
+      <p:sp>
+        <p:nvSpPr>
+          <p:cNvPr id="2" name="標題 1">
+            <a:extLst>
+              <a:ext uri="{FF2B5EF4-FFF2-40B4-BE49-F238E27FC236}">
+                <a16:creationId xmlns:a16="http://schemas.microsoft.com/office/drawing/2014/main" id="{F2891BC3-7AFE-2384-DEB3-129363961C22}"/>
+              </a:ext>
+            </a:extLst>
+          </p:cNvPr>
+          <p:cNvSpPr>
+            <a:spLocks noGrp="1"/>
+          </p:cNvSpPr>
+          <p:nvPr>
+            <p:ph type="title"/>
+          </p:nvPr>
+        </p:nvSpPr>
+        <p:spPr/>
+        <p:txBody>
+          <a:bodyPr/>
+          <a:lstStyle/>
+          <a:p>
+            <a:r>
+              <a:rPr kumimoji="1" lang="en-US" altLang="zh-TW" b="1" dirty="0">
+                <a:latin typeface="Times New Roman" panose="02020603050405020304" pitchFamily="18" charset="0"/>
+                <a:cs typeface="Times New Roman" panose="02020603050405020304" pitchFamily="18" charset="0"/>
+              </a:rPr>
+              <a:t>Source Links</a:t>
+            </a:r>
+            <a:endParaRPr kumimoji="1" lang="zh-TW" altLang="en-US" b="1" dirty="0">
+              <a:latin typeface="Times New Roman" panose="02020603050405020304" pitchFamily="18" charset="0"/>
+              <a:cs typeface="Times New Roman" panose="02020603050405020304" pitchFamily="18" charset="0"/>
+            </a:endParaRPr>
+          </a:p>
+        </p:txBody>
+      </p:sp>
+      <p:sp>
+        <p:nvSpPr>
+          <p:cNvPr id="3" name="內容版面配置區 2">
+            <a:extLst>
+              <a:ext uri="{FF2B5EF4-FFF2-40B4-BE49-F238E27FC236}">
+                <a16:creationId xmlns:a16="http://schemas.microsoft.com/office/drawing/2014/main" id="{7B474D46-9BC6-2BDD-7BA8-C30AE216FBCE}"/>
+              </a:ext>
+            </a:extLst>
+          </p:cNvPr>
+          <p:cNvSpPr>
+            <a:spLocks noGrp="1"/>
+          </p:cNvSpPr>
+          <p:nvPr>
+            <p:ph idx="1"/>
+          </p:nvPr>
+        </p:nvSpPr>
+        <p:spPr>
+          <a:xfrm>
+            <a:off x="677334" y="1930400"/>
+            <a:ext cx="7968826" cy="3880773"/>
+          </a:xfrm>
+        </p:spPr>
+        <p:txBody>
+          <a:bodyPr>
+            <a:normAutofit fontScale="92500" lnSpcReduction="10000"/>
+          </a:bodyPr>
+          <a:lstStyle/>
+          <a:p>
+            <a:pPr marL="0" indent="0">
+              <a:buNone/>
+            </a:pPr>
+            <a:r>
+              <a:rPr kumimoji="1" lang="en-US" altLang="zh-TW" b="1" dirty="0">
+                <a:latin typeface="Times New Roman" panose="02020603050405020304" pitchFamily="18" charset="0"/>
+                <a:cs typeface="Times New Roman" panose="02020603050405020304" pitchFamily="18" charset="0"/>
+              </a:rPr>
+              <a:t>Git Hub:</a:t>
+            </a:r>
+          </a:p>
+          <a:p>
+            <a:pPr marL="0" indent="0">
+              <a:buNone/>
+            </a:pPr>
+            <a:r>
+              <a:rPr kumimoji="1" lang="en-US" altLang="zh-TW" dirty="0">
+                <a:latin typeface="Times New Roman" panose="02020603050405020304" pitchFamily="18" charset="0"/>
+                <a:cs typeface="Times New Roman" panose="02020603050405020304" pitchFamily="18" charset="0"/>
+                <a:hlinkClick r:id="rId2"/>
+              </a:rPr>
+              <a:t>https://github.com/daniasalman6/Project-Data-Mining</a:t>
+            </a:r>
+            <a:endParaRPr kumimoji="1" lang="en-US" altLang="zh-TW" dirty="0">
+              <a:latin typeface="Times New Roman" panose="02020603050405020304" pitchFamily="18" charset="0"/>
+              <a:cs typeface="Times New Roman" panose="02020603050405020304" pitchFamily="18" charset="0"/>
+            </a:endParaRPr>
+          </a:p>
+          <a:p>
+            <a:pPr marL="0" indent="0">
+              <a:buNone/>
+            </a:pPr>
+            <a:endParaRPr kumimoji="1" lang="en-US" altLang="zh-TW" dirty="0">
+              <a:latin typeface="Times New Roman" panose="02020603050405020304" pitchFamily="18" charset="0"/>
+              <a:cs typeface="Times New Roman" panose="02020603050405020304" pitchFamily="18" charset="0"/>
+            </a:endParaRPr>
+          </a:p>
+          <a:p>
+            <a:pPr marL="0" indent="0">
+              <a:buNone/>
+            </a:pPr>
+            <a:r>
+              <a:rPr lang="en-US" altLang="zh-TW" b="1" dirty="0">
+                <a:latin typeface="Times New Roman" panose="02020603050405020304" pitchFamily="18" charset="0"/>
+                <a:cs typeface="Times New Roman" panose="02020603050405020304" pitchFamily="18" charset="0"/>
+              </a:rPr>
+              <a:t>Dataset Link:</a:t>
+            </a:r>
+          </a:p>
+          <a:p>
+            <a:pPr marL="0" indent="0">
+              <a:buNone/>
+            </a:pPr>
+            <a:r>
+              <a:rPr kumimoji="1" lang="en-US" altLang="zh-TW" dirty="0">
+                <a:latin typeface="Times New Roman" panose="02020603050405020304" pitchFamily="18" charset="0"/>
+                <a:cs typeface="Times New Roman" panose="02020603050405020304" pitchFamily="18" charset="0"/>
+                <a:hlinkClick r:id="rId3"/>
+              </a:rPr>
+              <a:t>https://data.ny.gov/Human-Services/Patient-Characteristics-Survey-PCS-2019/urn3-ezfe/about_data</a:t>
+            </a:r>
+            <a:endParaRPr kumimoji="1" lang="en-US" altLang="zh-TW" dirty="0">
+              <a:latin typeface="Times New Roman" panose="02020603050405020304" pitchFamily="18" charset="0"/>
+              <a:cs typeface="Times New Roman" panose="02020603050405020304" pitchFamily="18" charset="0"/>
+            </a:endParaRPr>
+          </a:p>
+          <a:p>
+            <a:pPr marL="0" indent="0">
+              <a:buNone/>
+            </a:pPr>
+            <a:endParaRPr lang="en-US" altLang="zh-TW" dirty="0">
+              <a:latin typeface="Times New Roman" panose="02020603050405020304" pitchFamily="18" charset="0"/>
+              <a:cs typeface="Times New Roman" panose="02020603050405020304" pitchFamily="18" charset="0"/>
+            </a:endParaRPr>
+          </a:p>
+          <a:p>
+            <a:pPr marL="0" indent="0">
+              <a:buNone/>
+            </a:pPr>
+            <a:r>
+              <a:rPr lang="en" altLang="zh-TW" dirty="0">
+                <a:latin typeface="Times New Roman" panose="02020603050405020304" pitchFamily="18" charset="0"/>
+                <a:cs typeface="Times New Roman" panose="02020603050405020304" pitchFamily="18" charset="0"/>
+              </a:rPr>
+              <a:t>The PCS 2019 dataset provides comprehensive information on mental health services and client characteristics across New York State.</a:t>
+            </a:r>
+          </a:p>
+          <a:p>
+            <a:pPr marL="0" indent="0">
+              <a:buNone/>
+            </a:pPr>
+            <a:endParaRPr lang="en-US" altLang="zh-TW" dirty="0">
+              <a:latin typeface="Times New Roman" panose="02020603050405020304" pitchFamily="18" charset="0"/>
+              <a:cs typeface="Times New Roman" panose="02020603050405020304" pitchFamily="18" charset="0"/>
+            </a:endParaRPr>
+          </a:p>
+          <a:p>
+            <a:pPr marL="0" indent="0">
+              <a:buNone/>
+            </a:pPr>
+            <a:r>
+              <a:rPr kumimoji="1" lang="en-US" altLang="zh-TW" dirty="0">
+                <a:latin typeface="Times New Roman" panose="02020603050405020304" pitchFamily="18" charset="0"/>
+                <a:cs typeface="Times New Roman" panose="02020603050405020304" pitchFamily="18" charset="0"/>
+              </a:rPr>
+              <a:t> </a:t>
+            </a:r>
+          </a:p>
+        </p:txBody>
+      </p:sp>
+    </p:spTree>
+    <p:extLst>
+      <p:ext uri="{BB962C8B-B14F-4D97-AF65-F5344CB8AC3E}">
+        <p14:creationId xmlns:p14="http://schemas.microsoft.com/office/powerpoint/2010/main" val="3453650057"/>
+      </p:ext>
+    </p:extLst>
+  </p:cSld>
+  <p:clrMapOvr>
+    <a:masterClrMapping/>
+  </p:clrMapOvr>
+</p:sld>
+</file>
+
+<file path=ppt/slides/slide20.xml><?xml version="1.0" encoding="utf-8"?>
 <p:sld xmlns:a="http://schemas.openxmlformats.org/drawingml/2006/main" xmlns:r="http://schemas.openxmlformats.org/officeDocument/2006/relationships" xmlns:p="http://schemas.openxmlformats.org/presentationml/2006/main">
   <p:cSld>
     <p:spTree>
@@ -9709,7 +9903,7 @@
 </p:sld>
 </file>
 
-<file path=ppt/slides/slide9.xml><?xml version="1.0" encoding="utf-8"?>
+<file path=ppt/slides/slide21.xml><?xml version="1.0" encoding="utf-8"?>
 <p:sld xmlns:a="http://schemas.openxmlformats.org/drawingml/2006/main" xmlns:r="http://schemas.openxmlformats.org/officeDocument/2006/relationships" xmlns:p="http://schemas.openxmlformats.org/presentationml/2006/main">
   <p:cSld>
     <p:spTree>
@@ -10011,6 +10205,2189 @@
     <p:extLst>
       <p:ext uri="{BB962C8B-B14F-4D97-AF65-F5344CB8AC3E}">
         <p14:creationId xmlns:p14="http://schemas.microsoft.com/office/powerpoint/2010/main" val="462338140"/>
+      </p:ext>
+    </p:extLst>
+  </p:cSld>
+  <p:clrMapOvr>
+    <a:masterClrMapping/>
+  </p:clrMapOvr>
+</p:sld>
+</file>
+
+<file path=ppt/slides/slide22.xml><?xml version="1.0" encoding="utf-8"?>
+<p:sld xmlns:a="http://schemas.openxmlformats.org/drawingml/2006/main" xmlns:r="http://schemas.openxmlformats.org/officeDocument/2006/relationships" xmlns:p="http://schemas.openxmlformats.org/presentationml/2006/main">
+  <p:cSld>
+    <p:spTree>
+      <p:nvGrpSpPr>
+        <p:cNvPr id="1" name="">
+          <a:extLst>
+            <a:ext uri="{FF2B5EF4-FFF2-40B4-BE49-F238E27FC236}">
+              <a16:creationId xmlns:a16="http://schemas.microsoft.com/office/drawing/2014/main" id="{ABA282A0-C32F-8BDA-F2DC-9F9846A68367}"/>
+            </a:ext>
+          </a:extLst>
+        </p:cNvPr>
+        <p:cNvGrpSpPr/>
+        <p:nvPr/>
+      </p:nvGrpSpPr>
+      <p:grpSpPr>
+        <a:xfrm>
+          <a:off x="0" y="0"/>
+          <a:ext cx="0" cy="0"/>
+          <a:chOff x="0" y="0"/>
+          <a:chExt cx="0" cy="0"/>
+        </a:xfrm>
+      </p:grpSpPr>
+      <p:sp>
+        <p:nvSpPr>
+          <p:cNvPr id="2" name="標題 1">
+            <a:extLst>
+              <a:ext uri="{FF2B5EF4-FFF2-40B4-BE49-F238E27FC236}">
+                <a16:creationId xmlns:a16="http://schemas.microsoft.com/office/drawing/2014/main" id="{B62AA46E-1690-E21E-13FB-BEC4044FC76F}"/>
+              </a:ext>
+            </a:extLst>
+          </p:cNvPr>
+          <p:cNvSpPr>
+            <a:spLocks noGrp="1"/>
+          </p:cNvSpPr>
+          <p:nvPr>
+            <p:ph type="title"/>
+          </p:nvPr>
+        </p:nvSpPr>
+        <p:spPr/>
+        <p:txBody>
+          <a:bodyPr/>
+          <a:lstStyle/>
+          <a:p>
+            <a:r>
+              <a:rPr kumimoji="1" lang="en-US" altLang="zh-TW" b="1" dirty="0">
+                <a:latin typeface="Times New Roman" panose="02020603050405020304" pitchFamily="18" charset="0"/>
+                <a:cs typeface="Times New Roman" panose="02020603050405020304" pitchFamily="18" charset="0"/>
+              </a:rPr>
+              <a:t>Random Forest</a:t>
+            </a:r>
+            <a:endParaRPr kumimoji="1" lang="zh-TW" altLang="en-US" b="1" dirty="0">
+              <a:latin typeface="Times New Roman" panose="02020603050405020304" pitchFamily="18" charset="0"/>
+              <a:cs typeface="Times New Roman" panose="02020603050405020304" pitchFamily="18" charset="0"/>
+            </a:endParaRPr>
+          </a:p>
+        </p:txBody>
+      </p:sp>
+      <p:pic>
+        <p:nvPicPr>
+          <p:cNvPr id="3" name="圖片 2">
+            <a:extLst>
+              <a:ext uri="{FF2B5EF4-FFF2-40B4-BE49-F238E27FC236}">
+                <a16:creationId xmlns:a16="http://schemas.microsoft.com/office/drawing/2014/main" id="{2685D053-CCC1-5835-7C39-C526DEA0DDE8}"/>
+              </a:ext>
+            </a:extLst>
+          </p:cNvPr>
+          <p:cNvPicPr>
+            <a:picLocks noChangeAspect="1"/>
+          </p:cNvPicPr>
+          <p:nvPr/>
+        </p:nvPicPr>
+        <p:blipFill>
+          <a:blip r:embed="rId2"/>
+          <a:stretch>
+            <a:fillRect/>
+          </a:stretch>
+        </p:blipFill>
+        <p:spPr>
+          <a:xfrm>
+            <a:off x="677334" y="1617980"/>
+            <a:ext cx="3945466" cy="1905289"/>
+          </a:xfrm>
+          <a:prstGeom prst="rect">
+            <a:avLst/>
+          </a:prstGeom>
+        </p:spPr>
+      </p:pic>
+      <p:pic>
+        <p:nvPicPr>
+          <p:cNvPr id="5" name="圖片 4">
+            <a:extLst>
+              <a:ext uri="{FF2B5EF4-FFF2-40B4-BE49-F238E27FC236}">
+                <a16:creationId xmlns:a16="http://schemas.microsoft.com/office/drawing/2014/main" id="{2ED3A259-C8DF-4798-953E-818189938C18}"/>
+              </a:ext>
+            </a:extLst>
+          </p:cNvPr>
+          <p:cNvPicPr>
+            <a:picLocks noChangeAspect="1"/>
+          </p:cNvPicPr>
+          <p:nvPr/>
+        </p:nvPicPr>
+        <p:blipFill>
+          <a:blip r:embed="rId3"/>
+          <a:stretch>
+            <a:fillRect/>
+          </a:stretch>
+        </p:blipFill>
+        <p:spPr>
+          <a:xfrm>
+            <a:off x="4697151" y="856922"/>
+            <a:ext cx="4744720" cy="4070679"/>
+          </a:xfrm>
+          <a:prstGeom prst="rect">
+            <a:avLst/>
+          </a:prstGeom>
+        </p:spPr>
+      </p:pic>
+      <p:sp>
+        <p:nvSpPr>
+          <p:cNvPr id="6" name="Rectangle 1">
+            <a:extLst>
+              <a:ext uri="{FF2B5EF4-FFF2-40B4-BE49-F238E27FC236}">
+                <a16:creationId xmlns:a16="http://schemas.microsoft.com/office/drawing/2014/main" id="{F7FFD6E1-5870-B0FF-7B4C-EF8F100CD100}"/>
+              </a:ext>
+            </a:extLst>
+          </p:cNvPr>
+          <p:cNvSpPr>
+            <a:spLocks noChangeArrowheads="1"/>
+          </p:cNvSpPr>
+          <p:nvPr/>
+        </p:nvSpPr>
+        <p:spPr bwMode="auto">
+          <a:xfrm>
+            <a:off x="222872" y="5204360"/>
+            <a:ext cx="8561062" cy="1200329"/>
+          </a:xfrm>
+          <a:prstGeom prst="rect">
+            <a:avLst/>
+          </a:prstGeom>
+          <a:noFill/>
+          <a:ln>
+            <a:noFill/>
+          </a:ln>
+          <a:effectLst/>
+          <a:extLst>
+            <a:ext uri="{909E8E84-426E-40DD-AFC4-6F175D3DCCD1}">
+              <a14:hiddenFill xmlns:a14="http://schemas.microsoft.com/office/drawing/2010/main">
+                <a:solidFill>
+                  <a:schemeClr val="accent1"/>
+                </a:solidFill>
+              </a14:hiddenFill>
+            </a:ext>
+            <a:ext uri="{91240B29-F687-4F45-9708-019B960494DF}">
+              <a14:hiddenLine xmlns:a14="http://schemas.microsoft.com/office/drawing/2010/main" w="9525">
+                <a:solidFill>
+                  <a:schemeClr val="tx1"/>
+                </a:solidFill>
+                <a:miter lim="800000"/>
+                <a:headEnd/>
+                <a:tailEnd/>
+              </a14:hiddenLine>
+            </a:ext>
+            <a:ext uri="{AF507438-7753-43E0-B8FC-AC1667EBCBE1}">
+              <a14:hiddenEffects xmlns:a14="http://schemas.microsoft.com/office/drawing/2010/main">
+                <a:effectLst>
+                  <a:outerShdw dist="35921" dir="2700000" algn="ctr" rotWithShape="0">
+                    <a:schemeClr val="bg2"/>
+                  </a:outerShdw>
+                </a:effectLst>
+              </a14:hiddenEffects>
+            </a:ext>
+          </a:extLst>
+        </p:spPr>
+        <p:txBody>
+          <a:bodyPr vert="horz" wrap="none" lIns="91440" tIns="45720" rIns="91440" bIns="45720" numCol="1" anchor="ctr" anchorCtr="0" compatLnSpc="1">
+            <a:prstTxWarp prst="textNoShape">
+              <a:avLst/>
+            </a:prstTxWarp>
+            <a:spAutoFit/>
+          </a:bodyPr>
+          <a:lstStyle/>
+          <a:p>
+            <a:r>
+              <a:rPr lang="en" altLang="zh-TW" b="1" dirty="0">
+                <a:latin typeface="Times New Roman" panose="02020603050405020304" pitchFamily="18" charset="0"/>
+                <a:cs typeface="Times New Roman" panose="02020603050405020304" pitchFamily="18" charset="0"/>
+              </a:rPr>
+              <a:t>Weighted F1-score (0.62) </a:t>
+            </a:r>
+            <a:r>
+              <a:rPr lang="en" altLang="zh-TW" dirty="0">
+                <a:latin typeface="Times New Roman" panose="02020603050405020304" pitchFamily="18" charset="0"/>
+                <a:cs typeface="Times New Roman" panose="02020603050405020304" pitchFamily="18" charset="0"/>
+              </a:rPr>
+              <a:t>Overall performance improves but is still limited by imbalance.</a:t>
+            </a:r>
+          </a:p>
+          <a:p>
+            <a:pPr lvl="0" defTabSz="914400" eaLnBrk="0" fontAlgn="base" hangingPunct="0">
+              <a:spcBef>
+                <a:spcPct val="0"/>
+              </a:spcBef>
+              <a:spcAft>
+                <a:spcPct val="0"/>
+              </a:spcAft>
+            </a:pPr>
+            <a:r>
+              <a:rPr lang="en-US" altLang="zh-TW" b="1" dirty="0">
+                <a:latin typeface="Times New Roman" panose="02020603050405020304" pitchFamily="18" charset="0"/>
+                <a:cs typeface="Times New Roman" panose="02020603050405020304" pitchFamily="18" charset="0"/>
+              </a:rPr>
+              <a:t>I</a:t>
+            </a:r>
+            <a:r>
+              <a:rPr lang="zh-TW" altLang="zh-TW" b="1" dirty="0">
+                <a:latin typeface="Times New Roman" panose="02020603050405020304" pitchFamily="18" charset="0"/>
+                <a:cs typeface="Times New Roman" panose="02020603050405020304" pitchFamily="18" charset="0"/>
+              </a:rPr>
+              <a:t>nstitutional Setting:</a:t>
+            </a:r>
+            <a:r>
+              <a:rPr lang="zh-TW" altLang="zh-TW" dirty="0">
+                <a:latin typeface="Times New Roman" panose="02020603050405020304" pitchFamily="18" charset="0"/>
+                <a:cs typeface="Times New Roman" panose="02020603050405020304" pitchFamily="18" charset="0"/>
+              </a:rPr>
+              <a:t> Precision extremely low (0.02) despite higher recall (0.58).</a:t>
+            </a:r>
+          </a:p>
+          <a:p>
+            <a:pPr lvl="0" defTabSz="914400" eaLnBrk="0" fontAlgn="base" hangingPunct="0">
+              <a:spcBef>
+                <a:spcPct val="0"/>
+              </a:spcBef>
+              <a:spcAft>
+                <a:spcPct val="0"/>
+              </a:spcAft>
+            </a:pPr>
+            <a:r>
+              <a:rPr lang="zh-TW" altLang="zh-TW" b="1" dirty="0">
+                <a:latin typeface="Times New Roman" panose="02020603050405020304" pitchFamily="18" charset="0"/>
+                <a:cs typeface="Times New Roman" panose="02020603050405020304" pitchFamily="18" charset="0"/>
+              </a:rPr>
+              <a:t>Other Living Situation:</a:t>
+            </a:r>
+            <a:r>
+              <a:rPr lang="zh-TW" altLang="zh-TW" dirty="0">
+                <a:latin typeface="Times New Roman" panose="02020603050405020304" pitchFamily="18" charset="0"/>
+                <a:cs typeface="Times New Roman" panose="02020603050405020304" pitchFamily="18" charset="0"/>
+              </a:rPr>
+              <a:t> Recall strong (0.70) but precision moderate (0.33).</a:t>
+            </a:r>
+          </a:p>
+          <a:p>
+            <a:pPr lvl="0" defTabSz="914400" eaLnBrk="0" fontAlgn="base" hangingPunct="0">
+              <a:spcBef>
+                <a:spcPct val="0"/>
+              </a:spcBef>
+              <a:spcAft>
+                <a:spcPct val="0"/>
+              </a:spcAft>
+            </a:pPr>
+            <a:r>
+              <a:rPr lang="zh-TW" altLang="zh-TW" b="1" dirty="0">
+                <a:latin typeface="Times New Roman" panose="02020603050405020304" pitchFamily="18" charset="0"/>
+                <a:cs typeface="Times New Roman" panose="02020603050405020304" pitchFamily="18" charset="0"/>
+              </a:rPr>
+              <a:t>Private Residence:</a:t>
+            </a:r>
+            <a:r>
+              <a:rPr lang="zh-TW" altLang="zh-TW" dirty="0">
+                <a:latin typeface="Times New Roman" panose="02020603050405020304" pitchFamily="18" charset="0"/>
+                <a:cs typeface="Times New Roman" panose="02020603050405020304" pitchFamily="18" charset="0"/>
+              </a:rPr>
+              <a:t> Precision very high (0.94) with moderate recall (0.51).</a:t>
+            </a:r>
+          </a:p>
+        </p:txBody>
+      </p:sp>
+    </p:spTree>
+    <p:extLst>
+      <p:ext uri="{BB962C8B-B14F-4D97-AF65-F5344CB8AC3E}">
+        <p14:creationId xmlns:p14="http://schemas.microsoft.com/office/powerpoint/2010/main" val="1315603185"/>
+      </p:ext>
+    </p:extLst>
+  </p:cSld>
+  <p:clrMapOvr>
+    <a:masterClrMapping/>
+  </p:clrMapOvr>
+</p:sld>
+</file>
+
+<file path=ppt/slides/slide23.xml><?xml version="1.0" encoding="utf-8"?>
+<p:sld xmlns:a="http://schemas.openxmlformats.org/drawingml/2006/main" xmlns:r="http://schemas.openxmlformats.org/officeDocument/2006/relationships" xmlns:p="http://schemas.openxmlformats.org/presentationml/2006/main">
+  <p:cSld>
+    <p:spTree>
+      <p:nvGrpSpPr>
+        <p:cNvPr id="1" name="">
+          <a:extLst>
+            <a:ext uri="{FF2B5EF4-FFF2-40B4-BE49-F238E27FC236}">
+              <a16:creationId xmlns:a16="http://schemas.microsoft.com/office/drawing/2014/main" id="{622E4377-4642-9750-1645-C98DF315FD3D}"/>
+            </a:ext>
+          </a:extLst>
+        </p:cNvPr>
+        <p:cNvGrpSpPr/>
+        <p:nvPr/>
+      </p:nvGrpSpPr>
+      <p:grpSpPr>
+        <a:xfrm>
+          <a:off x="0" y="0"/>
+          <a:ext cx="0" cy="0"/>
+          <a:chOff x="0" y="0"/>
+          <a:chExt cx="0" cy="0"/>
+        </a:xfrm>
+      </p:grpSpPr>
+      <p:sp>
+        <p:nvSpPr>
+          <p:cNvPr id="2" name="標題 1">
+            <a:extLst>
+              <a:ext uri="{FF2B5EF4-FFF2-40B4-BE49-F238E27FC236}">
+                <a16:creationId xmlns:a16="http://schemas.microsoft.com/office/drawing/2014/main" id="{5B47D5DD-8C31-C84D-0F33-BDD8180D5E77}"/>
+              </a:ext>
+            </a:extLst>
+          </p:cNvPr>
+          <p:cNvSpPr>
+            <a:spLocks noGrp="1"/>
+          </p:cNvSpPr>
+          <p:nvPr>
+            <p:ph type="title"/>
+          </p:nvPr>
+        </p:nvSpPr>
+        <p:spPr/>
+        <p:txBody>
+          <a:bodyPr/>
+          <a:lstStyle/>
+          <a:p>
+            <a:r>
+              <a:rPr kumimoji="1" lang="en-US" altLang="zh-TW" b="1" dirty="0">
+                <a:latin typeface="Times New Roman" panose="02020603050405020304" pitchFamily="18" charset="0"/>
+                <a:cs typeface="Times New Roman" panose="02020603050405020304" pitchFamily="18" charset="0"/>
+              </a:rPr>
+              <a:t>SMOTE + Random Forest</a:t>
+            </a:r>
+            <a:endParaRPr kumimoji="1" lang="zh-TW" altLang="en-US" b="1" dirty="0">
+              <a:latin typeface="Times New Roman" panose="02020603050405020304" pitchFamily="18" charset="0"/>
+              <a:cs typeface="Times New Roman" panose="02020603050405020304" pitchFamily="18" charset="0"/>
+            </a:endParaRPr>
+          </a:p>
+        </p:txBody>
+      </p:sp>
+      <p:pic>
+        <p:nvPicPr>
+          <p:cNvPr id="3" name="圖片 2">
+            <a:extLst>
+              <a:ext uri="{FF2B5EF4-FFF2-40B4-BE49-F238E27FC236}">
+                <a16:creationId xmlns:a16="http://schemas.microsoft.com/office/drawing/2014/main" id="{734A3F98-B750-D33A-27B1-436185CE0CA2}"/>
+              </a:ext>
+            </a:extLst>
+          </p:cNvPr>
+          <p:cNvPicPr>
+            <a:picLocks noChangeAspect="1"/>
+          </p:cNvPicPr>
+          <p:nvPr/>
+        </p:nvPicPr>
+        <p:blipFill>
+          <a:blip r:embed="rId2"/>
+          <a:stretch>
+            <a:fillRect/>
+          </a:stretch>
+        </p:blipFill>
+        <p:spPr>
+          <a:xfrm>
+            <a:off x="886460" y="1930400"/>
+            <a:ext cx="2514600" cy="2527300"/>
+          </a:xfrm>
+          <a:prstGeom prst="rect">
+            <a:avLst/>
+          </a:prstGeom>
+        </p:spPr>
+      </p:pic>
+      <p:pic>
+        <p:nvPicPr>
+          <p:cNvPr id="5" name="圖片 4">
+            <a:extLst>
+              <a:ext uri="{FF2B5EF4-FFF2-40B4-BE49-F238E27FC236}">
+                <a16:creationId xmlns:a16="http://schemas.microsoft.com/office/drawing/2014/main" id="{A2235663-5921-5F74-DAA0-74B3D65800C7}"/>
+              </a:ext>
+            </a:extLst>
+          </p:cNvPr>
+          <p:cNvPicPr>
+            <a:picLocks noChangeAspect="1"/>
+          </p:cNvPicPr>
+          <p:nvPr/>
+        </p:nvPicPr>
+        <p:blipFill>
+          <a:blip r:embed="rId3"/>
+          <a:stretch>
+            <a:fillRect/>
+          </a:stretch>
+        </p:blipFill>
+        <p:spPr>
+          <a:xfrm>
+            <a:off x="3774440" y="2057400"/>
+            <a:ext cx="6045200" cy="2273300"/>
+          </a:xfrm>
+          <a:prstGeom prst="rect">
+            <a:avLst/>
+          </a:prstGeom>
+        </p:spPr>
+      </p:pic>
+      <p:sp>
+        <p:nvSpPr>
+          <p:cNvPr id="7" name="文字方塊 6">
+            <a:extLst>
+              <a:ext uri="{FF2B5EF4-FFF2-40B4-BE49-F238E27FC236}">
+                <a16:creationId xmlns:a16="http://schemas.microsoft.com/office/drawing/2014/main" id="{96A93556-3242-BFBD-630F-6CABBBFA571F}"/>
+              </a:ext>
+            </a:extLst>
+          </p:cNvPr>
+          <p:cNvSpPr txBox="1"/>
+          <p:nvPr/>
+        </p:nvSpPr>
+        <p:spPr>
+          <a:xfrm>
+            <a:off x="510988" y="4759823"/>
+            <a:ext cx="9816353" cy="2031325"/>
+          </a:xfrm>
+          <a:prstGeom prst="rect">
+            <a:avLst/>
+          </a:prstGeom>
+          <a:noFill/>
+        </p:spPr>
+        <p:txBody>
+          <a:bodyPr wrap="square">
+            <a:spAutoFit/>
+          </a:bodyPr>
+          <a:lstStyle/>
+          <a:p>
+            <a:r>
+              <a:rPr lang="en" altLang="zh-TW" b="1" dirty="0">
+                <a:latin typeface="Times New Roman" panose="02020603050405020304" pitchFamily="18" charset="0"/>
+                <a:cs typeface="Times New Roman" panose="02020603050405020304" pitchFamily="18" charset="0"/>
+              </a:rPr>
+              <a:t>Weighted F1-score(0.63) </a:t>
+            </a:r>
+            <a:r>
+              <a:rPr lang="en" altLang="zh-TW" dirty="0">
+                <a:latin typeface="Times New Roman" panose="02020603050405020304" pitchFamily="18" charset="0"/>
+                <a:cs typeface="Times New Roman" panose="02020603050405020304" pitchFamily="18" charset="0"/>
+              </a:rPr>
+              <a:t>The model shows improved and more balanced performance after applying SMOTE.</a:t>
+            </a:r>
+          </a:p>
+          <a:p>
+            <a:pPr lvl="0" defTabSz="914400" eaLnBrk="0" fontAlgn="base" hangingPunct="0">
+              <a:spcBef>
+                <a:spcPct val="0"/>
+              </a:spcBef>
+              <a:spcAft>
+                <a:spcPct val="0"/>
+              </a:spcAft>
+            </a:pPr>
+            <a:r>
+              <a:rPr lang="zh-TW" altLang="zh-TW" b="1" dirty="0">
+                <a:latin typeface="Times New Roman" panose="02020603050405020304" pitchFamily="18" charset="0"/>
+                <a:cs typeface="Times New Roman" panose="02020603050405020304" pitchFamily="18" charset="0"/>
+              </a:rPr>
+              <a:t>Institutional Setting:</a:t>
+            </a:r>
+            <a:r>
+              <a:rPr lang="zh-TW" altLang="zh-TW" dirty="0">
+                <a:latin typeface="Times New Roman" panose="02020603050405020304" pitchFamily="18" charset="0"/>
+                <a:cs typeface="Times New Roman" panose="02020603050405020304" pitchFamily="18" charset="0"/>
+              </a:rPr>
+              <a:t> Recall improves to 0.52, though precision remains low (0.02).</a:t>
+            </a:r>
+          </a:p>
+          <a:p>
+            <a:pPr lvl="0" defTabSz="914400" eaLnBrk="0" fontAlgn="base" hangingPunct="0">
+              <a:spcBef>
+                <a:spcPct val="0"/>
+              </a:spcBef>
+              <a:spcAft>
+                <a:spcPct val="0"/>
+              </a:spcAft>
+            </a:pPr>
+            <a:r>
+              <a:rPr lang="zh-TW" altLang="zh-TW" b="1" dirty="0">
+                <a:latin typeface="Times New Roman" panose="02020603050405020304" pitchFamily="18" charset="0"/>
+                <a:cs typeface="Times New Roman" panose="02020603050405020304" pitchFamily="18" charset="0"/>
+              </a:rPr>
+              <a:t>Other Living Situation:</a:t>
+            </a:r>
+            <a:r>
+              <a:rPr lang="zh-TW" altLang="zh-TW" dirty="0">
+                <a:latin typeface="Times New Roman" panose="02020603050405020304" pitchFamily="18" charset="0"/>
+                <a:cs typeface="Times New Roman" panose="02020603050405020304" pitchFamily="18" charset="0"/>
+              </a:rPr>
+              <a:t> Solid performance with recall at 0.69 and precision at 0.33.</a:t>
+            </a:r>
+          </a:p>
+          <a:p>
+            <a:pPr lvl="0" defTabSz="914400" eaLnBrk="0" fontAlgn="base" hangingPunct="0">
+              <a:spcBef>
+                <a:spcPct val="0"/>
+              </a:spcBef>
+              <a:spcAft>
+                <a:spcPct val="0"/>
+              </a:spcAft>
+            </a:pPr>
+            <a:r>
+              <a:rPr lang="zh-TW" altLang="zh-TW" b="1" dirty="0">
+                <a:latin typeface="Times New Roman" panose="02020603050405020304" pitchFamily="18" charset="0"/>
+                <a:cs typeface="Times New Roman" panose="02020603050405020304" pitchFamily="18" charset="0"/>
+              </a:rPr>
+              <a:t>Private Residence:</a:t>
+            </a:r>
+            <a:r>
+              <a:rPr lang="zh-TW" altLang="zh-TW" dirty="0">
+                <a:latin typeface="Times New Roman" panose="02020603050405020304" pitchFamily="18" charset="0"/>
+                <a:cs typeface="Times New Roman" panose="02020603050405020304" pitchFamily="18" charset="0"/>
+              </a:rPr>
+              <a:t> Strong results with precision of 0.93 and improved recall of 0.53.</a:t>
+            </a:r>
+          </a:p>
+          <a:p>
+            <a:br>
+              <a:rPr lang="en" altLang="zh-TW" dirty="0">
+                <a:latin typeface="Times New Roman" panose="02020603050405020304" pitchFamily="18" charset="0"/>
+                <a:cs typeface="Times New Roman" panose="02020603050405020304" pitchFamily="18" charset="0"/>
+              </a:rPr>
+            </a:br>
+            <a:endParaRPr lang="zh-TW" altLang="en-US" dirty="0">
+              <a:latin typeface="Times New Roman" panose="02020603050405020304" pitchFamily="18" charset="0"/>
+              <a:cs typeface="Times New Roman" panose="02020603050405020304" pitchFamily="18" charset="0"/>
+            </a:endParaRPr>
+          </a:p>
+        </p:txBody>
+      </p:sp>
+    </p:spTree>
+    <p:extLst>
+      <p:ext uri="{BB962C8B-B14F-4D97-AF65-F5344CB8AC3E}">
+        <p14:creationId xmlns:p14="http://schemas.microsoft.com/office/powerpoint/2010/main" val="3566169729"/>
+      </p:ext>
+    </p:extLst>
+  </p:cSld>
+  <p:clrMapOvr>
+    <a:masterClrMapping/>
+  </p:clrMapOvr>
+</p:sld>
+</file>
+
+<file path=ppt/slides/slide24.xml><?xml version="1.0" encoding="utf-8"?>
+<p:sld xmlns:a="http://schemas.openxmlformats.org/drawingml/2006/main" xmlns:r="http://schemas.openxmlformats.org/officeDocument/2006/relationships" xmlns:p="http://schemas.openxmlformats.org/presentationml/2006/main">
+  <p:cSld>
+    <p:spTree>
+      <p:nvGrpSpPr>
+        <p:cNvPr id="1" name="">
+          <a:extLst>
+            <a:ext uri="{FF2B5EF4-FFF2-40B4-BE49-F238E27FC236}">
+              <a16:creationId xmlns:a16="http://schemas.microsoft.com/office/drawing/2014/main" id="{66CAE12B-733A-1C1D-B923-4E7016BF473E}"/>
+            </a:ext>
+          </a:extLst>
+        </p:cNvPr>
+        <p:cNvGrpSpPr/>
+        <p:nvPr/>
+      </p:nvGrpSpPr>
+      <p:grpSpPr>
+        <a:xfrm>
+          <a:off x="0" y="0"/>
+          <a:ext cx="0" cy="0"/>
+          <a:chOff x="0" y="0"/>
+          <a:chExt cx="0" cy="0"/>
+        </a:xfrm>
+      </p:grpSpPr>
+      <p:sp>
+        <p:nvSpPr>
+          <p:cNvPr id="2" name="標題 1">
+            <a:extLst>
+              <a:ext uri="{FF2B5EF4-FFF2-40B4-BE49-F238E27FC236}">
+                <a16:creationId xmlns:a16="http://schemas.microsoft.com/office/drawing/2014/main" id="{B3F943BF-601C-F585-CC08-A5026AA67F98}"/>
+              </a:ext>
+            </a:extLst>
+          </p:cNvPr>
+          <p:cNvSpPr>
+            <a:spLocks noGrp="1"/>
+          </p:cNvSpPr>
+          <p:nvPr>
+            <p:ph type="title"/>
+          </p:nvPr>
+        </p:nvSpPr>
+        <p:spPr/>
+        <p:txBody>
+          <a:bodyPr>
+            <a:normAutofit fontScale="90000"/>
+          </a:bodyPr>
+          <a:lstStyle/>
+          <a:p>
+            <a:r>
+              <a:rPr kumimoji="1" lang="en-US" altLang="zh-TW" b="1" dirty="0">
+                <a:latin typeface="Times New Roman" panose="02020603050405020304" pitchFamily="18" charset="0"/>
+                <a:cs typeface="Times New Roman" panose="02020603050405020304" pitchFamily="18" charset="0"/>
+              </a:rPr>
+              <a:t>SMOTE + Random Forest - </a:t>
+            </a:r>
+            <a:r>
+              <a:rPr kumimoji="1" lang="en" altLang="zh-TW" b="1" dirty="0">
+                <a:latin typeface="Times New Roman" panose="02020603050405020304" pitchFamily="18" charset="0"/>
+                <a:cs typeface="Times New Roman" panose="02020603050405020304" pitchFamily="18" charset="0"/>
+              </a:rPr>
+              <a:t>Feature Importance</a:t>
+            </a:r>
+            <a:br>
+              <a:rPr lang="en" altLang="zh-TW" dirty="0"/>
+            </a:br>
+            <a:endParaRPr kumimoji="1" lang="zh-TW" altLang="en-US" b="1" dirty="0">
+              <a:latin typeface="Times New Roman" panose="02020603050405020304" pitchFamily="18" charset="0"/>
+              <a:cs typeface="Times New Roman" panose="02020603050405020304" pitchFamily="18" charset="0"/>
+            </a:endParaRPr>
+          </a:p>
+        </p:txBody>
+      </p:sp>
+      <p:pic>
+        <p:nvPicPr>
+          <p:cNvPr id="4" name="圖片 3">
+            <a:extLst>
+              <a:ext uri="{FF2B5EF4-FFF2-40B4-BE49-F238E27FC236}">
+                <a16:creationId xmlns:a16="http://schemas.microsoft.com/office/drawing/2014/main" id="{C3226CEE-ACEC-4D1E-1992-318343AEF2DD}"/>
+              </a:ext>
+            </a:extLst>
+          </p:cNvPr>
+          <p:cNvPicPr>
+            <a:picLocks noChangeAspect="1"/>
+          </p:cNvPicPr>
+          <p:nvPr/>
+        </p:nvPicPr>
+        <p:blipFill>
+          <a:blip r:embed="rId2"/>
+          <a:stretch>
+            <a:fillRect/>
+          </a:stretch>
+        </p:blipFill>
+        <p:spPr>
+          <a:xfrm>
+            <a:off x="784910" y="1351281"/>
+            <a:ext cx="8948677" cy="3576320"/>
+          </a:xfrm>
+          <a:prstGeom prst="rect">
+            <a:avLst/>
+          </a:prstGeom>
+        </p:spPr>
+      </p:pic>
+      <p:sp>
+        <p:nvSpPr>
+          <p:cNvPr id="8" name="文字方塊 7">
+            <a:extLst>
+              <a:ext uri="{FF2B5EF4-FFF2-40B4-BE49-F238E27FC236}">
+                <a16:creationId xmlns:a16="http://schemas.microsoft.com/office/drawing/2014/main" id="{AC5FA890-7A04-6DE7-BCC0-3F168FC55782}"/>
+              </a:ext>
+            </a:extLst>
+          </p:cNvPr>
+          <p:cNvSpPr txBox="1"/>
+          <p:nvPr/>
+        </p:nvSpPr>
+        <p:spPr>
+          <a:xfrm>
+            <a:off x="1327896" y="5207617"/>
+            <a:ext cx="8300197" cy="923330"/>
+          </a:xfrm>
+          <a:prstGeom prst="rect">
+            <a:avLst/>
+          </a:prstGeom>
+          <a:noFill/>
+        </p:spPr>
+        <p:txBody>
+          <a:bodyPr wrap="square">
+            <a:spAutoFit/>
+          </a:bodyPr>
+          <a:lstStyle/>
+          <a:p>
+            <a:pPr marL="0" marR="0" lvl="0" indent="0" algn="l" defTabSz="914400" rtl="0" eaLnBrk="0" fontAlgn="base" latinLnBrk="0" hangingPunct="0">
+              <a:lnSpc>
+                <a:spcPct val="100000"/>
+              </a:lnSpc>
+              <a:spcBef>
+                <a:spcPct val="0"/>
+              </a:spcBef>
+              <a:spcAft>
+                <a:spcPct val="0"/>
+              </a:spcAft>
+              <a:buClrTx/>
+              <a:buSzTx/>
+              <a:buFontTx/>
+              <a:buChar char="•"/>
+              <a:tabLst/>
+            </a:pPr>
+            <a:r>
+              <a:rPr kumimoji="0" lang="zh-TW" altLang="zh-TW" sz="1800" b="1" i="0" u="none" strike="noStrike" cap="none" normalizeH="0" baseline="0" dirty="0">
+                <a:ln>
+                  <a:noFill/>
+                </a:ln>
+                <a:solidFill>
+                  <a:schemeClr val="tx1"/>
+                </a:solidFill>
+                <a:effectLst/>
+                <a:latin typeface="Times New Roman" panose="02020603050405020304" pitchFamily="18" charset="0"/>
+                <a:cs typeface="Times New Roman" panose="02020603050405020304" pitchFamily="18" charset="0"/>
+              </a:rPr>
+              <a:t>Employment status</a:t>
+            </a:r>
+            <a:r>
+              <a:rPr kumimoji="0" lang="zh-TW" altLang="zh-TW" sz="1800" b="0" i="0" u="none" strike="noStrike" cap="none" normalizeH="0" baseline="0" dirty="0">
+                <a:ln>
+                  <a:noFill/>
+                </a:ln>
+                <a:solidFill>
+                  <a:schemeClr val="tx1"/>
+                </a:solidFill>
+                <a:effectLst/>
+                <a:latin typeface="Times New Roman" panose="02020603050405020304" pitchFamily="18" charset="0"/>
+                <a:cs typeface="Times New Roman" panose="02020603050405020304" pitchFamily="18" charset="0"/>
+              </a:rPr>
+              <a:t> is the strongest predictor.</a:t>
+            </a:r>
+          </a:p>
+          <a:p>
+            <a:pPr marL="0" marR="0" lvl="0" indent="0" algn="l" defTabSz="914400" rtl="0" eaLnBrk="0" fontAlgn="base" latinLnBrk="0" hangingPunct="0">
+              <a:lnSpc>
+                <a:spcPct val="100000"/>
+              </a:lnSpc>
+              <a:spcBef>
+                <a:spcPct val="0"/>
+              </a:spcBef>
+              <a:spcAft>
+                <a:spcPct val="0"/>
+              </a:spcAft>
+              <a:buClrTx/>
+              <a:buSzTx/>
+              <a:buFontTx/>
+              <a:buChar char="•"/>
+              <a:tabLst/>
+            </a:pPr>
+            <a:r>
+              <a:rPr kumimoji="0" lang="zh-TW" altLang="zh-TW" sz="1800" b="1" i="0" u="none" strike="noStrike" cap="none" normalizeH="0" baseline="0" dirty="0">
+                <a:ln>
+                  <a:noFill/>
+                </a:ln>
+                <a:solidFill>
+                  <a:schemeClr val="tx1"/>
+                </a:solidFill>
+                <a:effectLst/>
+                <a:latin typeface="Times New Roman" panose="02020603050405020304" pitchFamily="18" charset="0"/>
+                <a:cs typeface="Times New Roman" panose="02020603050405020304" pitchFamily="18" charset="0"/>
+              </a:rPr>
+              <a:t>Insurance coverage</a:t>
+            </a:r>
+            <a:r>
+              <a:rPr kumimoji="0" lang="zh-TW" altLang="zh-TW" sz="1800" b="0" i="0" u="none" strike="noStrike" cap="none" normalizeH="0" baseline="0" dirty="0">
+                <a:ln>
+                  <a:noFill/>
+                </a:ln>
+                <a:solidFill>
+                  <a:schemeClr val="tx1"/>
+                </a:solidFill>
+                <a:effectLst/>
+                <a:latin typeface="Times New Roman" panose="02020603050405020304" pitchFamily="18" charset="0"/>
+                <a:cs typeface="Times New Roman" panose="02020603050405020304" pitchFamily="18" charset="0"/>
+              </a:rPr>
+              <a:t> and </a:t>
+            </a:r>
+            <a:r>
+              <a:rPr kumimoji="0" lang="zh-TW" altLang="zh-TW" sz="1800" b="1" i="0" u="none" strike="noStrike" cap="none" normalizeH="0" baseline="0" dirty="0">
+                <a:ln>
+                  <a:noFill/>
+                </a:ln>
+                <a:solidFill>
+                  <a:schemeClr val="tx1"/>
+                </a:solidFill>
+                <a:effectLst/>
+                <a:latin typeface="Times New Roman" panose="02020603050405020304" pitchFamily="18" charset="0"/>
+                <a:cs typeface="Times New Roman" panose="02020603050405020304" pitchFamily="18" charset="0"/>
+              </a:rPr>
+              <a:t>cash assistance</a:t>
+            </a:r>
+            <a:r>
+              <a:rPr kumimoji="0" lang="zh-TW" altLang="zh-TW" sz="1800" b="0" i="0" u="none" strike="noStrike" cap="none" normalizeH="0" baseline="0" dirty="0">
+                <a:ln>
+                  <a:noFill/>
+                </a:ln>
+                <a:solidFill>
+                  <a:schemeClr val="tx1"/>
+                </a:solidFill>
+                <a:effectLst/>
+                <a:latin typeface="Times New Roman" panose="02020603050405020304" pitchFamily="18" charset="0"/>
+                <a:cs typeface="Times New Roman" panose="02020603050405020304" pitchFamily="18" charset="0"/>
+              </a:rPr>
+              <a:t> also rank highly.</a:t>
+            </a:r>
+          </a:p>
+          <a:p>
+            <a:pPr marL="0" marR="0" lvl="0" indent="0" algn="l" defTabSz="914400" rtl="0" eaLnBrk="0" fontAlgn="base" latinLnBrk="0" hangingPunct="0">
+              <a:lnSpc>
+                <a:spcPct val="100000"/>
+              </a:lnSpc>
+              <a:spcBef>
+                <a:spcPct val="0"/>
+              </a:spcBef>
+              <a:spcAft>
+                <a:spcPct val="0"/>
+              </a:spcAft>
+              <a:buClrTx/>
+              <a:buSzTx/>
+              <a:buFontTx/>
+              <a:buChar char="•"/>
+              <a:tabLst/>
+            </a:pPr>
+            <a:r>
+              <a:rPr kumimoji="0" lang="zh-TW" altLang="zh-TW" sz="1800" b="1" i="0" u="none" strike="noStrike" cap="none" normalizeH="0" baseline="0" dirty="0">
+                <a:ln>
+                  <a:noFill/>
+                </a:ln>
+                <a:solidFill>
+                  <a:schemeClr val="tx1"/>
+                </a:solidFill>
+                <a:effectLst/>
+                <a:latin typeface="Times New Roman" panose="02020603050405020304" pitchFamily="18" charset="0"/>
+                <a:cs typeface="Times New Roman" panose="02020603050405020304" pitchFamily="18" charset="0"/>
+              </a:rPr>
+              <a:t>Age</a:t>
+            </a:r>
+            <a:r>
+              <a:rPr kumimoji="0" lang="zh-TW" altLang="en-US" sz="1800" b="1" i="0" u="none" strike="noStrike" cap="none" normalizeH="0" baseline="0" dirty="0">
+                <a:ln>
+                  <a:noFill/>
+                </a:ln>
+                <a:solidFill>
+                  <a:schemeClr val="tx1"/>
+                </a:solidFill>
+                <a:effectLst/>
+                <a:latin typeface="Times New Roman" panose="02020603050405020304" pitchFamily="18" charset="0"/>
+                <a:cs typeface="Times New Roman" panose="02020603050405020304" pitchFamily="18" charset="0"/>
+              </a:rPr>
+              <a:t> </a:t>
+            </a:r>
+            <a:r>
+              <a:rPr kumimoji="0" lang="en-US" altLang="zh-TW" sz="1800" b="1" i="0" u="none" strike="noStrike" cap="none" normalizeH="0" baseline="0" dirty="0">
+                <a:ln>
+                  <a:noFill/>
+                </a:ln>
+                <a:solidFill>
+                  <a:schemeClr val="tx1"/>
+                </a:solidFill>
+                <a:effectLst/>
+                <a:latin typeface="Times New Roman" panose="02020603050405020304" pitchFamily="18" charset="0"/>
+                <a:cs typeface="Times New Roman" panose="02020603050405020304" pitchFamily="18" charset="0"/>
+              </a:rPr>
+              <a:t>(Child)</a:t>
+            </a:r>
+            <a:r>
+              <a:rPr kumimoji="0" lang="zh-TW" altLang="zh-TW" sz="1800" b="1" i="0" u="none" strike="noStrike" cap="none" normalizeH="0" baseline="0" dirty="0">
+                <a:ln>
+                  <a:noFill/>
+                </a:ln>
+                <a:solidFill>
+                  <a:schemeClr val="tx1"/>
+                </a:solidFill>
+                <a:effectLst/>
+                <a:latin typeface="Times New Roman" panose="02020603050405020304" pitchFamily="18" charset="0"/>
+                <a:cs typeface="Times New Roman" panose="02020603050405020304" pitchFamily="18" charset="0"/>
+              </a:rPr>
+              <a:t> and education</a:t>
+            </a:r>
+            <a:r>
+              <a:rPr kumimoji="0" lang="zh-TW" altLang="zh-TW" sz="1800" b="0" i="0" u="none" strike="noStrike" cap="none" normalizeH="0" baseline="0" dirty="0">
+                <a:ln>
+                  <a:noFill/>
+                </a:ln>
+                <a:solidFill>
+                  <a:schemeClr val="tx1"/>
+                </a:solidFill>
+                <a:effectLst/>
+                <a:latin typeface="Times New Roman" panose="02020603050405020304" pitchFamily="18" charset="0"/>
+                <a:cs typeface="Times New Roman" panose="02020603050405020304" pitchFamily="18" charset="0"/>
+              </a:rPr>
+              <a:t> contribute smaller but meaningful signals.</a:t>
+            </a:r>
+          </a:p>
+        </p:txBody>
+      </p:sp>
+    </p:spTree>
+    <p:extLst>
+      <p:ext uri="{BB962C8B-B14F-4D97-AF65-F5344CB8AC3E}">
+        <p14:creationId xmlns:p14="http://schemas.microsoft.com/office/powerpoint/2010/main" val="3639562677"/>
+      </p:ext>
+    </p:extLst>
+  </p:cSld>
+  <p:clrMapOvr>
+    <a:masterClrMapping/>
+  </p:clrMapOvr>
+</p:sld>
+</file>
+
+<file path=ppt/slides/slide25.xml><?xml version="1.0" encoding="utf-8"?>
+<p:sld xmlns:a="http://schemas.openxmlformats.org/drawingml/2006/main" xmlns:r="http://schemas.openxmlformats.org/officeDocument/2006/relationships" xmlns:p="http://schemas.openxmlformats.org/presentationml/2006/main">
+  <p:cSld>
+    <p:spTree>
+      <p:nvGrpSpPr>
+        <p:cNvPr id="1" name="">
+          <a:extLst>
+            <a:ext uri="{FF2B5EF4-FFF2-40B4-BE49-F238E27FC236}">
+              <a16:creationId xmlns:a16="http://schemas.microsoft.com/office/drawing/2014/main" id="{A46F745E-B205-9F11-6706-58E4491B254F}"/>
+            </a:ext>
+          </a:extLst>
+        </p:cNvPr>
+        <p:cNvGrpSpPr/>
+        <p:nvPr/>
+      </p:nvGrpSpPr>
+      <p:grpSpPr>
+        <a:xfrm>
+          <a:off x="0" y="0"/>
+          <a:ext cx="0" cy="0"/>
+          <a:chOff x="0" y="0"/>
+          <a:chExt cx="0" cy="0"/>
+        </a:xfrm>
+      </p:grpSpPr>
+      <p:sp>
+        <p:nvSpPr>
+          <p:cNvPr id="2" name="標題 1">
+            <a:extLst>
+              <a:ext uri="{FF2B5EF4-FFF2-40B4-BE49-F238E27FC236}">
+                <a16:creationId xmlns:a16="http://schemas.microsoft.com/office/drawing/2014/main" id="{00B93F13-6275-0C9C-4211-C9C1A60D93D3}"/>
+              </a:ext>
+            </a:extLst>
+          </p:cNvPr>
+          <p:cNvSpPr>
+            <a:spLocks noGrp="1"/>
+          </p:cNvSpPr>
+          <p:nvPr>
+            <p:ph type="title"/>
+          </p:nvPr>
+        </p:nvSpPr>
+        <p:spPr/>
+        <p:txBody>
+          <a:bodyPr/>
+          <a:lstStyle/>
+          <a:p>
+            <a:r>
+              <a:rPr kumimoji="1" lang="en-US" altLang="zh-TW" b="1" dirty="0">
+                <a:latin typeface="Times New Roman" panose="02020603050405020304" pitchFamily="18" charset="0"/>
+                <a:cs typeface="Times New Roman" panose="02020603050405020304" pitchFamily="18" charset="0"/>
+              </a:rPr>
+              <a:t>Limitations and Next Step</a:t>
+            </a:r>
+            <a:endParaRPr kumimoji="1" lang="zh-TW" altLang="en-US" b="1" dirty="0">
+              <a:latin typeface="Times New Roman" panose="02020603050405020304" pitchFamily="18" charset="0"/>
+              <a:cs typeface="Times New Roman" panose="02020603050405020304" pitchFamily="18" charset="0"/>
+            </a:endParaRPr>
+          </a:p>
+        </p:txBody>
+      </p:sp>
+      <p:sp>
+        <p:nvSpPr>
+          <p:cNvPr id="3" name="內容版面配置區 2">
+            <a:extLst>
+              <a:ext uri="{FF2B5EF4-FFF2-40B4-BE49-F238E27FC236}">
+                <a16:creationId xmlns:a16="http://schemas.microsoft.com/office/drawing/2014/main" id="{4B0C8911-6D1C-98C7-13E7-CEEB063867D4}"/>
+              </a:ext>
+            </a:extLst>
+          </p:cNvPr>
+          <p:cNvSpPr>
+            <a:spLocks noGrp="1"/>
+          </p:cNvSpPr>
+          <p:nvPr>
+            <p:ph idx="1"/>
+          </p:nvPr>
+        </p:nvSpPr>
+        <p:spPr>
+          <a:xfrm>
+            <a:off x="677334" y="1930400"/>
+            <a:ext cx="7968826" cy="3880773"/>
+          </a:xfrm>
+        </p:spPr>
+        <p:txBody>
+          <a:bodyPr>
+            <a:normAutofit lnSpcReduction="10000"/>
+          </a:bodyPr>
+          <a:lstStyle/>
+          <a:p>
+            <a:pPr defTabSz="914400" eaLnBrk="0" fontAlgn="base" hangingPunct="0">
+              <a:spcBef>
+                <a:spcPct val="0"/>
+              </a:spcBef>
+              <a:spcAft>
+                <a:spcPct val="0"/>
+              </a:spcAft>
+              <a:buClrTx/>
+              <a:buSzTx/>
+              <a:buFont typeface="Wingdings" pitchFamily="2" charset="2"/>
+              <a:buChar char="p"/>
+            </a:pPr>
+            <a:r>
+              <a:rPr lang="zh-TW" altLang="zh-TW" sz="2400" dirty="0">
+                <a:solidFill>
+                  <a:schemeClr val="tx1"/>
+                </a:solidFill>
+                <a:latin typeface="Arial" panose="020B0604020202020204" pitchFamily="34" charset="0"/>
+              </a:rPr>
+              <a:t>Severe class imbalance makes minority groups hard to model.</a:t>
+            </a:r>
+          </a:p>
+          <a:p>
+            <a:pPr defTabSz="914400" eaLnBrk="0" fontAlgn="base" hangingPunct="0">
+              <a:spcBef>
+                <a:spcPct val="0"/>
+              </a:spcBef>
+              <a:spcAft>
+                <a:spcPct val="0"/>
+              </a:spcAft>
+              <a:buClrTx/>
+              <a:buSzTx/>
+              <a:buFont typeface="Wingdings" pitchFamily="2" charset="2"/>
+              <a:buChar char="p"/>
+            </a:pPr>
+            <a:r>
+              <a:rPr lang="zh-TW" altLang="zh-TW" sz="2400" dirty="0">
+                <a:solidFill>
+                  <a:schemeClr val="tx1"/>
+                </a:solidFill>
+                <a:latin typeface="Arial" panose="020B0604020202020204" pitchFamily="34" charset="0"/>
+              </a:rPr>
+              <a:t>Only categorical variables with many small levels increase overfitting risk.</a:t>
+            </a:r>
+          </a:p>
+          <a:p>
+            <a:pPr>
+              <a:buFont typeface="Wingdings" pitchFamily="2" charset="2"/>
+              <a:buChar char="p"/>
+            </a:pPr>
+            <a:endParaRPr kumimoji="1" lang="en" altLang="zh-TW" sz="2400" dirty="0">
+              <a:latin typeface="Times New Roman" panose="02020603050405020304" pitchFamily="18" charset="0"/>
+              <a:cs typeface="Times New Roman" panose="02020603050405020304" pitchFamily="18" charset="0"/>
+            </a:endParaRPr>
+          </a:p>
+          <a:p>
+            <a:pPr defTabSz="914400" eaLnBrk="0" fontAlgn="base" hangingPunct="0">
+              <a:spcBef>
+                <a:spcPct val="0"/>
+              </a:spcBef>
+              <a:spcAft>
+                <a:spcPct val="0"/>
+              </a:spcAft>
+              <a:buClrTx/>
+              <a:buSzTx/>
+              <a:buFont typeface="Wingdings" pitchFamily="2" charset="2"/>
+              <a:buChar char="p"/>
+            </a:pPr>
+            <a:r>
+              <a:rPr lang="en-US" altLang="zh-TW" sz="2400" dirty="0">
+                <a:solidFill>
+                  <a:schemeClr val="tx1"/>
+                </a:solidFill>
+                <a:latin typeface="Arial" panose="020B0604020202020204" pitchFamily="34" charset="0"/>
+              </a:rPr>
+              <a:t>Remove imbalance data or </a:t>
+            </a:r>
+            <a:r>
+              <a:rPr lang="en" altLang="zh-TW" sz="2400" dirty="0">
+                <a:solidFill>
+                  <a:schemeClr val="tx1"/>
+                </a:solidFill>
+                <a:latin typeface="Arial" panose="020B0604020202020204" pitchFamily="34" charset="0"/>
+              </a:rPr>
+              <a:t>try</a:t>
+            </a:r>
+            <a:r>
+              <a:rPr lang="zh-TW" altLang="zh-TW" sz="2400" dirty="0">
+                <a:solidFill>
+                  <a:schemeClr val="tx1"/>
+                </a:solidFill>
+                <a:latin typeface="Arial" panose="020B0604020202020204" pitchFamily="34" charset="0"/>
+              </a:rPr>
+              <a:t> advanced imbalance methods like Balanced RF or XGBoost with weights.</a:t>
+            </a:r>
+          </a:p>
+          <a:p>
+            <a:pPr defTabSz="914400" eaLnBrk="0" fontAlgn="base" hangingPunct="0">
+              <a:spcBef>
+                <a:spcPct val="0"/>
+              </a:spcBef>
+              <a:spcAft>
+                <a:spcPct val="0"/>
+              </a:spcAft>
+              <a:buClrTx/>
+              <a:buSzTx/>
+              <a:buFont typeface="Wingdings" pitchFamily="2" charset="2"/>
+              <a:buChar char="p"/>
+            </a:pPr>
+            <a:r>
+              <a:rPr lang="zh-TW" altLang="zh-TW" sz="2400" dirty="0">
+                <a:solidFill>
+                  <a:schemeClr val="tx1"/>
+                </a:solidFill>
+                <a:latin typeface="Arial" panose="020B0604020202020204" pitchFamily="34" charset="0"/>
+              </a:rPr>
+              <a:t>Add continuous variables to strengthen </a:t>
+            </a:r>
+            <a:r>
+              <a:rPr lang="en" altLang="zh-TW" sz="2400" dirty="0">
+                <a:solidFill>
+                  <a:schemeClr val="tx1"/>
+                </a:solidFill>
+                <a:latin typeface="Arial" panose="020B0604020202020204" pitchFamily="34" charset="0"/>
+              </a:rPr>
+              <a:t>the predictive</a:t>
+            </a:r>
+            <a:r>
+              <a:rPr lang="zh-TW" altLang="zh-TW" sz="2400" dirty="0">
+                <a:solidFill>
+                  <a:schemeClr val="tx1"/>
+                </a:solidFill>
+                <a:latin typeface="Arial" panose="020B0604020202020204" pitchFamily="34" charset="0"/>
+              </a:rPr>
+              <a:t> signal.</a:t>
+            </a:r>
+          </a:p>
+          <a:p>
+            <a:pPr defTabSz="914400" eaLnBrk="0" fontAlgn="base" hangingPunct="0">
+              <a:spcBef>
+                <a:spcPct val="0"/>
+              </a:spcBef>
+              <a:spcAft>
+                <a:spcPct val="0"/>
+              </a:spcAft>
+              <a:buClrTx/>
+              <a:buSzTx/>
+              <a:buFont typeface="Wingdings" pitchFamily="2" charset="2"/>
+              <a:buChar char="p"/>
+            </a:pPr>
+            <a:r>
+              <a:rPr lang="zh-TW" altLang="zh-TW" sz="2400" dirty="0">
+                <a:solidFill>
+                  <a:schemeClr val="tx1"/>
+                </a:solidFill>
+                <a:latin typeface="Arial" panose="020B0604020202020204" pitchFamily="34" charset="0"/>
+              </a:rPr>
+              <a:t>Analyze minority groups separately to avoid majority-class dominance.</a:t>
+            </a:r>
+          </a:p>
+          <a:p>
+            <a:pPr>
+              <a:buFont typeface="Wingdings" pitchFamily="2" charset="2"/>
+              <a:buChar char="p"/>
+            </a:pPr>
+            <a:endParaRPr kumimoji="1" lang="en" altLang="zh-TW" sz="2400" dirty="0">
+              <a:latin typeface="Times New Roman" panose="02020603050405020304" pitchFamily="18" charset="0"/>
+              <a:cs typeface="Times New Roman" panose="02020603050405020304" pitchFamily="18" charset="0"/>
+            </a:endParaRPr>
+          </a:p>
+        </p:txBody>
+      </p:sp>
+      <p:sp>
+        <p:nvSpPr>
+          <p:cNvPr id="7" name="Rectangle 3">
+            <a:extLst>
+              <a:ext uri="{FF2B5EF4-FFF2-40B4-BE49-F238E27FC236}">
+                <a16:creationId xmlns:a16="http://schemas.microsoft.com/office/drawing/2014/main" id="{97F64AAF-60DB-C701-C50F-3CBCB4E9F69B}"/>
+              </a:ext>
+            </a:extLst>
+          </p:cNvPr>
+          <p:cNvSpPr>
+            <a:spLocks noChangeArrowheads="1"/>
+          </p:cNvSpPr>
+          <p:nvPr/>
+        </p:nvSpPr>
+        <p:spPr bwMode="auto">
+          <a:xfrm>
+            <a:off x="0" y="-184666"/>
+            <a:ext cx="264816" cy="369332"/>
+          </a:xfrm>
+          <a:prstGeom prst="rect">
+            <a:avLst/>
+          </a:prstGeom>
+          <a:noFill/>
+          <a:ln>
+            <a:noFill/>
+          </a:ln>
+          <a:effectLst/>
+          <a:extLst>
+            <a:ext uri="{909E8E84-426E-40DD-AFC4-6F175D3DCCD1}">
+              <a14:hiddenFill xmlns:a14="http://schemas.microsoft.com/office/drawing/2010/main">
+                <a:solidFill>
+                  <a:schemeClr val="accent1"/>
+                </a:solidFill>
+              </a14:hiddenFill>
+            </a:ext>
+            <a:ext uri="{91240B29-F687-4F45-9708-019B960494DF}">
+              <a14:hiddenLine xmlns:a14="http://schemas.microsoft.com/office/drawing/2010/main" w="9525">
+                <a:solidFill>
+                  <a:schemeClr val="tx1"/>
+                </a:solidFill>
+                <a:miter lim="800000"/>
+                <a:headEnd/>
+                <a:tailEnd/>
+              </a14:hiddenLine>
+            </a:ext>
+            <a:ext uri="{AF507438-7753-43E0-B8FC-AC1667EBCBE1}">
+              <a14:hiddenEffects xmlns:a14="http://schemas.microsoft.com/office/drawing/2010/main">
+                <a:effectLst>
+                  <a:outerShdw dist="35921" dir="2700000" algn="ctr" rotWithShape="0">
+                    <a:schemeClr val="bg2"/>
+                  </a:outerShdw>
+                </a:effectLst>
+              </a14:hiddenEffects>
+            </a:ext>
+          </a:extLst>
+        </p:spPr>
+        <p:txBody>
+          <a:bodyPr vert="horz" wrap="none" lIns="91440" tIns="45720" rIns="91440" bIns="45720" numCol="1" anchor="ctr" anchorCtr="0" compatLnSpc="1">
+            <a:prstTxWarp prst="textNoShape">
+              <a:avLst/>
+            </a:prstTxWarp>
+            <a:spAutoFit/>
+          </a:bodyPr>
+          <a:lstStyle/>
+          <a:p>
+            <a:pPr marL="0" marR="0" lvl="0" indent="0" algn="l" defTabSz="914400" rtl="0" eaLnBrk="0" fontAlgn="base" latinLnBrk="0" hangingPunct="0">
+              <a:lnSpc>
+                <a:spcPct val="100000"/>
+              </a:lnSpc>
+              <a:spcBef>
+                <a:spcPct val="0"/>
+              </a:spcBef>
+              <a:spcAft>
+                <a:spcPct val="0"/>
+              </a:spcAft>
+              <a:buClrTx/>
+              <a:buSzTx/>
+              <a:buFontTx/>
+              <a:buChar char="•"/>
+              <a:tabLst/>
+            </a:pPr>
+            <a:endParaRPr kumimoji="0" lang="zh-TW" altLang="zh-TW" sz="1800" b="0" i="0" u="none" strike="noStrike" cap="none" normalizeH="0" baseline="0" dirty="0">
+              <a:ln>
+                <a:noFill/>
+              </a:ln>
+              <a:solidFill>
+                <a:schemeClr val="tx1"/>
+              </a:solidFill>
+              <a:effectLst/>
+              <a:latin typeface="Arial" panose="020B0604020202020204" pitchFamily="34" charset="0"/>
+            </a:endParaRPr>
+          </a:p>
+        </p:txBody>
+      </p:sp>
+      <p:sp>
+        <p:nvSpPr>
+          <p:cNvPr id="8" name="Rectangle 4">
+            <a:extLst>
+              <a:ext uri="{FF2B5EF4-FFF2-40B4-BE49-F238E27FC236}">
+                <a16:creationId xmlns:a16="http://schemas.microsoft.com/office/drawing/2014/main" id="{60400EEE-D63B-3003-13CA-1BB8118BC5B4}"/>
+              </a:ext>
+            </a:extLst>
+          </p:cNvPr>
+          <p:cNvSpPr>
+            <a:spLocks noChangeArrowheads="1"/>
+          </p:cNvSpPr>
+          <p:nvPr/>
+        </p:nvSpPr>
+        <p:spPr bwMode="auto">
+          <a:xfrm>
+            <a:off x="0" y="-184666"/>
+            <a:ext cx="264816" cy="369332"/>
+          </a:xfrm>
+          <a:prstGeom prst="rect">
+            <a:avLst/>
+          </a:prstGeom>
+          <a:noFill/>
+          <a:ln>
+            <a:noFill/>
+          </a:ln>
+          <a:effectLst/>
+          <a:extLst>
+            <a:ext uri="{909E8E84-426E-40DD-AFC4-6F175D3DCCD1}">
+              <a14:hiddenFill xmlns:a14="http://schemas.microsoft.com/office/drawing/2010/main">
+                <a:solidFill>
+                  <a:schemeClr val="accent1"/>
+                </a:solidFill>
+              </a14:hiddenFill>
+            </a:ext>
+            <a:ext uri="{91240B29-F687-4F45-9708-019B960494DF}">
+              <a14:hiddenLine xmlns:a14="http://schemas.microsoft.com/office/drawing/2010/main" w="9525">
+                <a:solidFill>
+                  <a:schemeClr val="tx1"/>
+                </a:solidFill>
+                <a:miter lim="800000"/>
+                <a:headEnd/>
+                <a:tailEnd/>
+              </a14:hiddenLine>
+            </a:ext>
+            <a:ext uri="{AF507438-7753-43E0-B8FC-AC1667EBCBE1}">
+              <a14:hiddenEffects xmlns:a14="http://schemas.microsoft.com/office/drawing/2010/main">
+                <a:effectLst>
+                  <a:outerShdw dist="35921" dir="2700000" algn="ctr" rotWithShape="0">
+                    <a:schemeClr val="bg2"/>
+                  </a:outerShdw>
+                </a:effectLst>
+              </a14:hiddenEffects>
+            </a:ext>
+          </a:extLst>
+        </p:spPr>
+        <p:txBody>
+          <a:bodyPr vert="horz" wrap="none" lIns="91440" tIns="45720" rIns="91440" bIns="45720" numCol="1" anchor="ctr" anchorCtr="0" compatLnSpc="1">
+            <a:prstTxWarp prst="textNoShape">
+              <a:avLst/>
+            </a:prstTxWarp>
+            <a:spAutoFit/>
+          </a:bodyPr>
+          <a:lstStyle/>
+          <a:p>
+            <a:pPr marL="0" marR="0" lvl="0" indent="0" algn="l" defTabSz="914400" rtl="0" eaLnBrk="0" fontAlgn="base" latinLnBrk="0" hangingPunct="0">
+              <a:lnSpc>
+                <a:spcPct val="100000"/>
+              </a:lnSpc>
+              <a:spcBef>
+                <a:spcPct val="0"/>
+              </a:spcBef>
+              <a:spcAft>
+                <a:spcPct val="0"/>
+              </a:spcAft>
+              <a:buClrTx/>
+              <a:buSzTx/>
+              <a:buFontTx/>
+              <a:buChar char="•"/>
+              <a:tabLst/>
+            </a:pPr>
+            <a:endParaRPr kumimoji="0" lang="zh-TW" altLang="zh-TW" sz="1800" b="0" i="0" u="none" strike="noStrike" cap="none" normalizeH="0" baseline="0" dirty="0">
+              <a:ln>
+                <a:noFill/>
+              </a:ln>
+              <a:solidFill>
+                <a:schemeClr val="tx1"/>
+              </a:solidFill>
+              <a:effectLst/>
+              <a:latin typeface="Arial" panose="020B0604020202020204" pitchFamily="34" charset="0"/>
+            </a:endParaRPr>
+          </a:p>
+        </p:txBody>
+      </p:sp>
+    </p:spTree>
+    <p:extLst>
+      <p:ext uri="{BB962C8B-B14F-4D97-AF65-F5344CB8AC3E}">
+        <p14:creationId xmlns:p14="http://schemas.microsoft.com/office/powerpoint/2010/main" val="1440796993"/>
+      </p:ext>
+    </p:extLst>
+  </p:cSld>
+  <p:clrMapOvr>
+    <a:masterClrMapping/>
+  </p:clrMapOvr>
+</p:sld>
+</file>
+
+<file path=ppt/slides/slide26.xml><?xml version="1.0" encoding="utf-8"?>
+<p:sld xmlns:a="http://schemas.openxmlformats.org/drawingml/2006/main" xmlns:r="http://schemas.openxmlformats.org/officeDocument/2006/relationships" xmlns:p="http://schemas.openxmlformats.org/presentationml/2006/main">
+  <p:cSld>
+    <p:spTree>
+      <p:nvGrpSpPr>
+        <p:cNvPr id="1" name=""/>
+        <p:cNvGrpSpPr/>
+        <p:nvPr/>
+      </p:nvGrpSpPr>
+      <p:grpSpPr>
+        <a:xfrm>
+          <a:off x="0" y="0"/>
+          <a:ext cx="0" cy="0"/>
+          <a:chOff x="0" y="0"/>
+          <a:chExt cx="0" cy="0"/>
+        </a:xfrm>
+      </p:grpSpPr>
+      <p:sp>
+        <p:nvSpPr>
+          <p:cNvPr id="3" name="文字方塊 2">
+            <a:extLst>
+              <a:ext uri="{FF2B5EF4-FFF2-40B4-BE49-F238E27FC236}">
+                <a16:creationId xmlns:a16="http://schemas.microsoft.com/office/drawing/2014/main" id="{0CC05016-0DCB-5FFB-772D-EFC3DD0D1957}"/>
+              </a:ext>
+            </a:extLst>
+          </p:cNvPr>
+          <p:cNvSpPr txBox="1"/>
+          <p:nvPr/>
+        </p:nvSpPr>
+        <p:spPr>
+          <a:xfrm>
+            <a:off x="2246587" y="2321004"/>
+            <a:ext cx="6101254" cy="2215991"/>
+          </a:xfrm>
+          <a:prstGeom prst="rect">
+            <a:avLst/>
+          </a:prstGeom>
+          <a:noFill/>
+        </p:spPr>
+        <p:txBody>
+          <a:bodyPr wrap="square">
+            <a:spAutoFit/>
+          </a:bodyPr>
+          <a:lstStyle/>
+          <a:p>
+            <a:pPr algn="ctr" fontAlgn="base">
+              <a:spcBef>
+                <a:spcPct val="0"/>
+              </a:spcBef>
+              <a:spcAft>
+                <a:spcPct val="0"/>
+              </a:spcAft>
+              <a:buClrTx/>
+              <a:buSzTx/>
+            </a:pPr>
+            <a:r>
+              <a:rPr kumimoji="1" lang="en-US" altLang="zh-TW" sz="13800" b="1" dirty="0">
+                <a:solidFill>
+                  <a:schemeClr val="accent1"/>
+                </a:solidFill>
+                <a:latin typeface="Times New Roman" panose="02020603050405020304" pitchFamily="18" charset="0"/>
+                <a:ea typeface="+mj-ea"/>
+                <a:cs typeface="Times New Roman" panose="02020603050405020304" pitchFamily="18" charset="0"/>
+              </a:rPr>
+              <a:t>END</a:t>
+            </a:r>
+            <a:endParaRPr kumimoji="1" lang="en" altLang="zh-TW" sz="13800" b="1" dirty="0">
+              <a:solidFill>
+                <a:schemeClr val="accent1"/>
+              </a:solidFill>
+              <a:latin typeface="Times New Roman" panose="02020603050405020304" pitchFamily="18" charset="0"/>
+              <a:ea typeface="+mj-ea"/>
+              <a:cs typeface="Times New Roman" panose="02020603050405020304" pitchFamily="18" charset="0"/>
+            </a:endParaRPr>
+          </a:p>
+        </p:txBody>
+      </p:sp>
+    </p:spTree>
+    <p:extLst>
+      <p:ext uri="{BB962C8B-B14F-4D97-AF65-F5344CB8AC3E}">
+        <p14:creationId xmlns:p14="http://schemas.microsoft.com/office/powerpoint/2010/main" val="769538148"/>
+      </p:ext>
+    </p:extLst>
+  </p:cSld>
+  <p:clrMapOvr>
+    <a:masterClrMapping/>
+  </p:clrMapOvr>
+</p:sld>
+</file>
+
+<file path=ppt/slides/slide3.xml><?xml version="1.0" encoding="utf-8"?>
+<p:sld xmlns:a="http://schemas.openxmlformats.org/drawingml/2006/main" xmlns:r="http://schemas.openxmlformats.org/officeDocument/2006/relationships" xmlns:p="http://schemas.openxmlformats.org/presentationml/2006/main">
+  <p:cSld>
+    <p:spTree>
+      <p:nvGrpSpPr>
+        <p:cNvPr id="1" name="">
+          <a:extLst>
+            <a:ext uri="{FF2B5EF4-FFF2-40B4-BE49-F238E27FC236}">
+              <a16:creationId xmlns:a16="http://schemas.microsoft.com/office/drawing/2014/main" id="{707CD19F-E01E-3D48-753B-9D656EBDAEE4}"/>
+            </a:ext>
+          </a:extLst>
+        </p:cNvPr>
+        <p:cNvGrpSpPr/>
+        <p:nvPr/>
+      </p:nvGrpSpPr>
+      <p:grpSpPr>
+        <a:xfrm>
+          <a:off x="0" y="0"/>
+          <a:ext cx="0" cy="0"/>
+          <a:chOff x="0" y="0"/>
+          <a:chExt cx="0" cy="0"/>
+        </a:xfrm>
+      </p:grpSpPr>
+      <p:sp>
+        <p:nvSpPr>
+          <p:cNvPr id="2" name="標題 1">
+            <a:extLst>
+              <a:ext uri="{FF2B5EF4-FFF2-40B4-BE49-F238E27FC236}">
+                <a16:creationId xmlns:a16="http://schemas.microsoft.com/office/drawing/2014/main" id="{9FFB6820-A860-9329-7C80-A2FDFE3462CC}"/>
+              </a:ext>
+            </a:extLst>
+          </p:cNvPr>
+          <p:cNvSpPr>
+            <a:spLocks noGrp="1"/>
+          </p:cNvSpPr>
+          <p:nvPr>
+            <p:ph type="title"/>
+          </p:nvPr>
+        </p:nvSpPr>
+        <p:spPr/>
+        <p:txBody>
+          <a:bodyPr/>
+          <a:lstStyle/>
+          <a:p>
+            <a:r>
+              <a:rPr kumimoji="1" lang="en-US" altLang="zh-TW" b="1" dirty="0">
+                <a:latin typeface="Times New Roman" panose="02020603050405020304" pitchFamily="18" charset="0"/>
+                <a:cs typeface="Times New Roman" panose="02020603050405020304" pitchFamily="18" charset="0"/>
+              </a:rPr>
+              <a:t>Data cleaning</a:t>
+            </a:r>
+            <a:endParaRPr kumimoji="1" lang="zh-TW" altLang="en-US" b="1" dirty="0">
+              <a:latin typeface="Times New Roman" panose="02020603050405020304" pitchFamily="18" charset="0"/>
+              <a:cs typeface="Times New Roman" panose="02020603050405020304" pitchFamily="18" charset="0"/>
+            </a:endParaRPr>
+          </a:p>
+        </p:txBody>
+      </p:sp>
+      <p:sp>
+        <p:nvSpPr>
+          <p:cNvPr id="3" name="內容版面配置區 2">
+            <a:extLst>
+              <a:ext uri="{FF2B5EF4-FFF2-40B4-BE49-F238E27FC236}">
+                <a16:creationId xmlns:a16="http://schemas.microsoft.com/office/drawing/2014/main" id="{CA55CBFD-61CB-C6F0-4B9F-8C78BD30C22A}"/>
+              </a:ext>
+            </a:extLst>
+          </p:cNvPr>
+          <p:cNvSpPr>
+            <a:spLocks noGrp="1"/>
+          </p:cNvSpPr>
+          <p:nvPr>
+            <p:ph idx="1"/>
+          </p:nvPr>
+        </p:nvSpPr>
+        <p:spPr>
+          <a:xfrm>
+            <a:off x="677334" y="1930400"/>
+            <a:ext cx="7968826" cy="3880773"/>
+          </a:xfrm>
+        </p:spPr>
+        <p:txBody>
+          <a:bodyPr>
+            <a:normAutofit/>
+          </a:bodyPr>
+          <a:lstStyle/>
+          <a:p>
+            <a:r>
+              <a:rPr lang="en" altLang="zh-TW" sz="2400" dirty="0">
+                <a:latin typeface="Times New Roman" panose="02020603050405020304" pitchFamily="18" charset="0"/>
+                <a:cs typeface="Times New Roman" panose="02020603050405020304" pitchFamily="18" charset="0"/>
+              </a:rPr>
+              <a:t>Convert “Unknown” to missing values</a:t>
+            </a:r>
+          </a:p>
+          <a:p>
+            <a:r>
+              <a:rPr kumimoji="1" lang="en" altLang="zh-TW" sz="2400" dirty="0">
+                <a:latin typeface="Times New Roman" panose="02020603050405020304" pitchFamily="18" charset="0"/>
+                <a:cs typeface="Times New Roman" panose="02020603050405020304" pitchFamily="18" charset="0"/>
+              </a:rPr>
+              <a:t>Remove missing values</a:t>
+            </a:r>
+            <a:endParaRPr kumimoji="1" lang="en-US" altLang="zh-TW" sz="2400" dirty="0">
+              <a:latin typeface="Times New Roman" panose="02020603050405020304" pitchFamily="18" charset="0"/>
+              <a:cs typeface="Times New Roman" panose="02020603050405020304" pitchFamily="18" charset="0"/>
+            </a:endParaRPr>
+          </a:p>
+          <a:p>
+            <a:r>
+              <a:rPr kumimoji="1" lang="en-US" altLang="zh-TW" sz="2400" dirty="0">
+                <a:latin typeface="Times New Roman" panose="02020603050405020304" pitchFamily="18" charset="0"/>
+                <a:cs typeface="Times New Roman" panose="02020603050405020304" pitchFamily="18" charset="0"/>
+              </a:rPr>
+              <a:t>146737 observations after data cleaning</a:t>
+            </a:r>
+            <a:endParaRPr kumimoji="1" lang="en" altLang="zh-TW" sz="2400" dirty="0">
+              <a:latin typeface="Times New Roman" panose="02020603050405020304" pitchFamily="18" charset="0"/>
+              <a:cs typeface="Times New Roman" panose="02020603050405020304" pitchFamily="18" charset="0"/>
+            </a:endParaRPr>
+          </a:p>
+        </p:txBody>
+      </p:sp>
+    </p:spTree>
+    <p:extLst>
+      <p:ext uri="{BB962C8B-B14F-4D97-AF65-F5344CB8AC3E}">
+        <p14:creationId xmlns:p14="http://schemas.microsoft.com/office/powerpoint/2010/main" val="1706725217"/>
+      </p:ext>
+    </p:extLst>
+  </p:cSld>
+  <p:clrMapOvr>
+    <a:masterClrMapping/>
+  </p:clrMapOvr>
+</p:sld>
+</file>
+
+<file path=ppt/slides/slide4.xml><?xml version="1.0" encoding="utf-8"?>
+<p:sld xmlns:a="http://schemas.openxmlformats.org/drawingml/2006/main" xmlns:r="http://schemas.openxmlformats.org/officeDocument/2006/relationships" xmlns:p="http://schemas.openxmlformats.org/presentationml/2006/main">
+  <p:cSld>
+    <p:spTree>
+      <p:nvGrpSpPr>
+        <p:cNvPr id="1" name="">
+          <a:extLst>
+            <a:ext uri="{FF2B5EF4-FFF2-40B4-BE49-F238E27FC236}">
+              <a16:creationId xmlns:a16="http://schemas.microsoft.com/office/drawing/2014/main" id="{60014A05-4AD5-A7DA-D25B-F3B6AAC296F6}"/>
+            </a:ext>
+          </a:extLst>
+        </p:cNvPr>
+        <p:cNvGrpSpPr/>
+        <p:nvPr/>
+      </p:nvGrpSpPr>
+      <p:grpSpPr>
+        <a:xfrm>
+          <a:off x="0" y="0"/>
+          <a:ext cx="0" cy="0"/>
+          <a:chOff x="0" y="0"/>
+          <a:chExt cx="0" cy="0"/>
+        </a:xfrm>
+      </p:grpSpPr>
+      <p:sp>
+        <p:nvSpPr>
+          <p:cNvPr id="2" name="標題 1">
+            <a:extLst>
+              <a:ext uri="{FF2B5EF4-FFF2-40B4-BE49-F238E27FC236}">
+                <a16:creationId xmlns:a16="http://schemas.microsoft.com/office/drawing/2014/main" id="{560FFB76-1144-302C-02EB-F44BA8505B42}"/>
+              </a:ext>
+            </a:extLst>
+          </p:cNvPr>
+          <p:cNvSpPr>
+            <a:spLocks noGrp="1"/>
+          </p:cNvSpPr>
+          <p:nvPr>
+            <p:ph type="title"/>
+          </p:nvPr>
+        </p:nvSpPr>
+        <p:spPr/>
+        <p:txBody>
+          <a:bodyPr/>
+          <a:lstStyle/>
+          <a:p>
+            <a:r>
+              <a:rPr kumimoji="1" lang="en-US" altLang="zh-TW" b="1" dirty="0">
+                <a:latin typeface="Times New Roman" panose="02020603050405020304" pitchFamily="18" charset="0"/>
+                <a:cs typeface="Times New Roman" panose="02020603050405020304" pitchFamily="18" charset="0"/>
+              </a:rPr>
+              <a:t>Smart Question 1</a:t>
+            </a:r>
+            <a:endParaRPr kumimoji="1" lang="zh-TW" altLang="en-US" b="1" dirty="0">
+              <a:latin typeface="Times New Roman" panose="02020603050405020304" pitchFamily="18" charset="0"/>
+              <a:cs typeface="Times New Roman" panose="02020603050405020304" pitchFamily="18" charset="0"/>
+            </a:endParaRPr>
+          </a:p>
+        </p:txBody>
+      </p:sp>
+      <p:sp>
+        <p:nvSpPr>
+          <p:cNvPr id="3" name="內容版面配置區 2">
+            <a:extLst>
+              <a:ext uri="{FF2B5EF4-FFF2-40B4-BE49-F238E27FC236}">
+                <a16:creationId xmlns:a16="http://schemas.microsoft.com/office/drawing/2014/main" id="{C089B9FB-E92A-1D10-614D-C2AA1F1879FD}"/>
+              </a:ext>
+            </a:extLst>
+          </p:cNvPr>
+          <p:cNvSpPr>
+            <a:spLocks noGrp="1"/>
+          </p:cNvSpPr>
+          <p:nvPr>
+            <p:ph idx="1"/>
+          </p:nvPr>
+        </p:nvSpPr>
+        <p:spPr>
+          <a:xfrm>
+            <a:off x="677334" y="1930400"/>
+            <a:ext cx="7968826" cy="3880773"/>
+          </a:xfrm>
+        </p:spPr>
+        <p:txBody>
+          <a:bodyPr>
+            <a:normAutofit/>
+          </a:bodyPr>
+          <a:lstStyle/>
+          <a:p>
+            <a:pPr marL="0" indent="0">
+              <a:buNone/>
+            </a:pPr>
+            <a:r>
+              <a:rPr kumimoji="1" lang="en-US" altLang="zh-TW" sz="3200" dirty="0">
+                <a:latin typeface="Times New Roman" panose="02020603050405020304" pitchFamily="18" charset="0"/>
+                <a:cs typeface="Times New Roman" panose="02020603050405020304" pitchFamily="18" charset="0"/>
+              </a:rPr>
+              <a:t>How well can demographic characteristics predict whether an adult has a diagnosed mental illness in New York State using PCS 2019 data?</a:t>
+            </a:r>
+          </a:p>
+        </p:txBody>
+      </p:sp>
+    </p:spTree>
+    <p:extLst>
+      <p:ext uri="{BB962C8B-B14F-4D97-AF65-F5344CB8AC3E}">
+        <p14:creationId xmlns:p14="http://schemas.microsoft.com/office/powerpoint/2010/main" val="2402511089"/>
+      </p:ext>
+    </p:extLst>
+  </p:cSld>
+  <p:clrMapOvr>
+    <a:masterClrMapping/>
+  </p:clrMapOvr>
+</p:sld>
+</file>
+
+<file path=ppt/slides/slide5.xml><?xml version="1.0" encoding="utf-8"?>
+<p:sld xmlns:a="http://schemas.openxmlformats.org/drawingml/2006/main" xmlns:r="http://schemas.openxmlformats.org/officeDocument/2006/relationships" xmlns:p="http://schemas.openxmlformats.org/presentationml/2006/main">
+  <p:cSld>
+    <p:spTree>
+      <p:nvGrpSpPr>
+        <p:cNvPr id="1" name=""/>
+        <p:cNvGrpSpPr/>
+        <p:nvPr/>
+      </p:nvGrpSpPr>
+      <p:grpSpPr>
+        <a:xfrm>
+          <a:off x="0" y="0"/>
+          <a:ext cx="0" cy="0"/>
+          <a:chOff x="0" y="0"/>
+          <a:chExt cx="0" cy="0"/>
+        </a:xfrm>
+      </p:grpSpPr>
+      <p:sp>
+        <p:nvSpPr>
+          <p:cNvPr id="2" name="Title 1">
+            <a:extLst>
+              <a:ext uri="{FF2B5EF4-FFF2-40B4-BE49-F238E27FC236}">
+                <a16:creationId xmlns:a16="http://schemas.microsoft.com/office/drawing/2014/main" id="{91927BB7-7700-3D3C-64FD-707B00D57277}"/>
+              </a:ext>
+            </a:extLst>
+          </p:cNvPr>
+          <p:cNvSpPr>
+            <a:spLocks noGrp="1"/>
+          </p:cNvSpPr>
+          <p:nvPr>
+            <p:ph type="title"/>
+          </p:nvPr>
+        </p:nvSpPr>
+        <p:spPr/>
+        <p:txBody>
+          <a:bodyPr>
+            <a:normAutofit/>
+          </a:bodyPr>
+          <a:lstStyle/>
+          <a:p>
+            <a:r>
+              <a:rPr lang="en-US" sz="2200" dirty="0"/>
+              <a:t>Class Imbalance: Over 90% of individuals in New York reported having a mental illness</a:t>
+            </a:r>
+            <a:br>
+              <a:rPr lang="en-US" dirty="0"/>
+            </a:br>
+            <a:endParaRPr lang="en-US" dirty="0"/>
+          </a:p>
+        </p:txBody>
+      </p:sp>
+      <p:pic>
+        <p:nvPicPr>
+          <p:cNvPr id="5" name="Content Placeholder 4">
+            <a:extLst>
+              <a:ext uri="{FF2B5EF4-FFF2-40B4-BE49-F238E27FC236}">
+                <a16:creationId xmlns:a16="http://schemas.microsoft.com/office/drawing/2014/main" id="{B462CCF8-A433-07DB-ED3B-BD2CB394B8DE}"/>
+              </a:ext>
+            </a:extLst>
+          </p:cNvPr>
+          <p:cNvPicPr>
+            <a:picLocks noGrp="1" noChangeAspect="1"/>
+          </p:cNvPicPr>
+          <p:nvPr>
+            <p:ph idx="1"/>
+          </p:nvPr>
+        </p:nvPicPr>
+        <p:blipFill>
+          <a:blip r:embed="rId2"/>
+          <a:stretch>
+            <a:fillRect/>
+          </a:stretch>
+        </p:blipFill>
+        <p:spPr>
+          <a:xfrm>
+            <a:off x="944880" y="1373652"/>
+            <a:ext cx="6461760" cy="5187740"/>
+          </a:xfrm>
+          <a:prstGeom prst="rect">
+            <a:avLst/>
+          </a:prstGeom>
+        </p:spPr>
+      </p:pic>
+    </p:spTree>
+    <p:extLst>
+      <p:ext uri="{BB962C8B-B14F-4D97-AF65-F5344CB8AC3E}">
+        <p14:creationId xmlns:p14="http://schemas.microsoft.com/office/powerpoint/2010/main" val="4124866369"/>
+      </p:ext>
+    </p:extLst>
+  </p:cSld>
+  <p:clrMapOvr>
+    <a:masterClrMapping/>
+  </p:clrMapOvr>
+</p:sld>
+</file>
+
+<file path=ppt/slides/slide6.xml><?xml version="1.0" encoding="utf-8"?>
+<p:sld xmlns:a="http://schemas.openxmlformats.org/drawingml/2006/main" xmlns:r="http://schemas.openxmlformats.org/officeDocument/2006/relationships" xmlns:p="http://schemas.openxmlformats.org/presentationml/2006/main">
+  <p:cSld>
+    <p:spTree>
+      <p:nvGrpSpPr>
+        <p:cNvPr id="1" name=""/>
+        <p:cNvGrpSpPr/>
+        <p:nvPr/>
+      </p:nvGrpSpPr>
+      <p:grpSpPr>
+        <a:xfrm>
+          <a:off x="0" y="0"/>
+          <a:ext cx="0" cy="0"/>
+          <a:chOff x="0" y="0"/>
+          <a:chExt cx="0" cy="0"/>
+        </a:xfrm>
+      </p:grpSpPr>
+      <p:sp>
+        <p:nvSpPr>
+          <p:cNvPr id="2" name="Title 1">
+            <a:extLst>
+              <a:ext uri="{FF2B5EF4-FFF2-40B4-BE49-F238E27FC236}">
+                <a16:creationId xmlns:a16="http://schemas.microsoft.com/office/drawing/2014/main" id="{251A0C91-67B7-9BF3-A388-D2A6F4CBE3AD}"/>
+              </a:ext>
+            </a:extLst>
+          </p:cNvPr>
+          <p:cNvSpPr>
+            <a:spLocks noGrp="1"/>
+          </p:cNvSpPr>
+          <p:nvPr>
+            <p:ph type="title"/>
+          </p:nvPr>
+        </p:nvSpPr>
+        <p:spPr/>
+        <p:txBody>
+          <a:bodyPr>
+            <a:normAutofit/>
+          </a:bodyPr>
+          <a:lstStyle/>
+          <a:p>
+            <a:r>
+              <a:rPr lang="en-US" sz="2000" dirty="0"/>
+              <a:t>Mental health prevalence is roughly the same among all races and genders…</a:t>
+            </a:r>
+          </a:p>
+        </p:txBody>
+      </p:sp>
+      <p:pic>
+        <p:nvPicPr>
+          <p:cNvPr id="5" name="Picture 4">
+            <a:extLst>
+              <a:ext uri="{FF2B5EF4-FFF2-40B4-BE49-F238E27FC236}">
+                <a16:creationId xmlns:a16="http://schemas.microsoft.com/office/drawing/2014/main" id="{E960255A-83AF-CB26-4852-8EDB51759804}"/>
+              </a:ext>
+            </a:extLst>
+          </p:cNvPr>
+          <p:cNvPicPr>
+            <a:picLocks noChangeAspect="1"/>
+          </p:cNvPicPr>
+          <p:nvPr/>
+        </p:nvPicPr>
+        <p:blipFill>
+          <a:blip r:embed="rId2"/>
+          <a:stretch>
+            <a:fillRect/>
+          </a:stretch>
+        </p:blipFill>
+        <p:spPr>
+          <a:xfrm>
+            <a:off x="2087709" y="1270000"/>
+            <a:ext cx="5217331" cy="2588443"/>
+          </a:xfrm>
+          <a:prstGeom prst="rect">
+            <a:avLst/>
+          </a:prstGeom>
+        </p:spPr>
+      </p:pic>
+      <p:pic>
+        <p:nvPicPr>
+          <p:cNvPr id="7" name="Picture 6">
+            <a:extLst>
+              <a:ext uri="{FF2B5EF4-FFF2-40B4-BE49-F238E27FC236}">
+                <a16:creationId xmlns:a16="http://schemas.microsoft.com/office/drawing/2014/main" id="{14B1002A-E251-CE79-4D06-07F0DA0A915D}"/>
+              </a:ext>
+            </a:extLst>
+          </p:cNvPr>
+          <p:cNvPicPr>
+            <a:picLocks noChangeAspect="1"/>
+          </p:cNvPicPr>
+          <p:nvPr/>
+        </p:nvPicPr>
+        <p:blipFill>
+          <a:blip r:embed="rId3"/>
+          <a:srcRect/>
+          <a:stretch>
+            <a:fillRect/>
+          </a:stretch>
+        </p:blipFill>
+        <p:spPr>
+          <a:xfrm>
+            <a:off x="2087709" y="3956951"/>
+            <a:ext cx="5217331" cy="2573345"/>
+          </a:xfrm>
+          <a:prstGeom prst="rect">
+            <a:avLst/>
+          </a:prstGeom>
+        </p:spPr>
+      </p:pic>
+    </p:spTree>
+    <p:extLst>
+      <p:ext uri="{BB962C8B-B14F-4D97-AF65-F5344CB8AC3E}">
+        <p14:creationId xmlns:p14="http://schemas.microsoft.com/office/powerpoint/2010/main" val="3127138522"/>
+      </p:ext>
+    </p:extLst>
+  </p:cSld>
+  <p:clrMapOvr>
+    <a:masterClrMapping/>
+  </p:clrMapOvr>
+</p:sld>
+</file>
+
+<file path=ppt/slides/slide7.xml><?xml version="1.0" encoding="utf-8"?>
+<p:sld xmlns:a="http://schemas.openxmlformats.org/drawingml/2006/main" xmlns:r="http://schemas.openxmlformats.org/officeDocument/2006/relationships" xmlns:p="http://schemas.openxmlformats.org/presentationml/2006/main">
+  <p:cSld>
+    <p:spTree>
+      <p:nvGrpSpPr>
+        <p:cNvPr id="1" name=""/>
+        <p:cNvGrpSpPr/>
+        <p:nvPr/>
+      </p:nvGrpSpPr>
+      <p:grpSpPr>
+        <a:xfrm>
+          <a:off x="0" y="0"/>
+          <a:ext cx="0" cy="0"/>
+          <a:chOff x="0" y="0"/>
+          <a:chExt cx="0" cy="0"/>
+        </a:xfrm>
+      </p:grpSpPr>
+      <p:sp>
+        <p:nvSpPr>
+          <p:cNvPr id="2" name="Title 1">
+            <a:extLst>
+              <a:ext uri="{FF2B5EF4-FFF2-40B4-BE49-F238E27FC236}">
+                <a16:creationId xmlns:a16="http://schemas.microsoft.com/office/drawing/2014/main" id="{5C3DCDDC-DB85-6D2E-64B2-5B81F71B92A8}"/>
+              </a:ext>
+            </a:extLst>
+          </p:cNvPr>
+          <p:cNvSpPr>
+            <a:spLocks noGrp="1"/>
+          </p:cNvSpPr>
+          <p:nvPr>
+            <p:ph type="title"/>
+          </p:nvPr>
+        </p:nvSpPr>
+        <p:spPr/>
+        <p:txBody>
+          <a:bodyPr/>
+          <a:lstStyle/>
+          <a:p>
+            <a:r>
+              <a:rPr lang="en-US" dirty="0"/>
+              <a:t>Logistic Regression</a:t>
+            </a:r>
+          </a:p>
+        </p:txBody>
+      </p:sp>
+      <p:pic>
+        <p:nvPicPr>
+          <p:cNvPr id="5" name="Content Placeholder 4">
+            <a:extLst>
+              <a:ext uri="{FF2B5EF4-FFF2-40B4-BE49-F238E27FC236}">
+                <a16:creationId xmlns:a16="http://schemas.microsoft.com/office/drawing/2014/main" id="{1CFEF64C-D530-53AF-577C-C65696F6E1DA}"/>
+              </a:ext>
+            </a:extLst>
+          </p:cNvPr>
+          <p:cNvPicPr>
+            <a:picLocks noGrp="1" noChangeAspect="1"/>
+          </p:cNvPicPr>
+          <p:nvPr>
+            <p:ph idx="1"/>
+          </p:nvPr>
+        </p:nvPicPr>
+        <p:blipFill>
+          <a:blip r:embed="rId3"/>
+          <a:stretch>
+            <a:fillRect/>
+          </a:stretch>
+        </p:blipFill>
+        <p:spPr>
+          <a:xfrm>
+            <a:off x="1812279" y="2011415"/>
+            <a:ext cx="5726441" cy="4576688"/>
+          </a:xfrm>
+          <a:prstGeom prst="rect">
+            <a:avLst/>
+          </a:prstGeom>
+        </p:spPr>
+      </p:pic>
+    </p:spTree>
+    <p:extLst>
+      <p:ext uri="{BB962C8B-B14F-4D97-AF65-F5344CB8AC3E}">
+        <p14:creationId xmlns:p14="http://schemas.microsoft.com/office/powerpoint/2010/main" val="1919978328"/>
+      </p:ext>
+    </p:extLst>
+  </p:cSld>
+  <p:clrMapOvr>
+    <a:masterClrMapping/>
+  </p:clrMapOvr>
+</p:sld>
+</file>
+
+<file path=ppt/slides/slide8.xml><?xml version="1.0" encoding="utf-8"?>
+<p:sld xmlns:a="http://schemas.openxmlformats.org/drawingml/2006/main" xmlns:r="http://schemas.openxmlformats.org/officeDocument/2006/relationships" xmlns:p="http://schemas.openxmlformats.org/presentationml/2006/main">
+  <p:cSld>
+    <p:spTree>
+      <p:nvGrpSpPr>
+        <p:cNvPr id="1" name=""/>
+        <p:cNvGrpSpPr/>
+        <p:nvPr/>
+      </p:nvGrpSpPr>
+      <p:grpSpPr>
+        <a:xfrm>
+          <a:off x="0" y="0"/>
+          <a:ext cx="0" cy="0"/>
+          <a:chOff x="0" y="0"/>
+          <a:chExt cx="0" cy="0"/>
+        </a:xfrm>
+      </p:grpSpPr>
+      <p:sp>
+        <p:nvSpPr>
+          <p:cNvPr id="2" name="Title 1">
+            <a:extLst>
+              <a:ext uri="{FF2B5EF4-FFF2-40B4-BE49-F238E27FC236}">
+                <a16:creationId xmlns:a16="http://schemas.microsoft.com/office/drawing/2014/main" id="{18A1BAB6-0B04-D715-99C2-1AFB743CE449}"/>
+              </a:ext>
+            </a:extLst>
+          </p:cNvPr>
+          <p:cNvSpPr>
+            <a:spLocks noGrp="1"/>
+          </p:cNvSpPr>
+          <p:nvPr>
+            <p:ph type="title"/>
+          </p:nvPr>
+        </p:nvSpPr>
+        <p:spPr/>
+        <p:txBody>
+          <a:bodyPr/>
+          <a:lstStyle/>
+          <a:p>
+            <a:r>
+              <a:rPr lang="en-US" dirty="0"/>
+              <a:t>Odds Ratios</a:t>
+            </a:r>
+          </a:p>
+        </p:txBody>
+      </p:sp>
+      <p:pic>
+        <p:nvPicPr>
+          <p:cNvPr id="5" name="Content Placeholder 4">
+            <a:extLst>
+              <a:ext uri="{FF2B5EF4-FFF2-40B4-BE49-F238E27FC236}">
+                <a16:creationId xmlns:a16="http://schemas.microsoft.com/office/drawing/2014/main" id="{588C5190-1805-5094-9D9D-9C8E03AE3D4B}"/>
+              </a:ext>
+            </a:extLst>
+          </p:cNvPr>
+          <p:cNvPicPr>
+            <a:picLocks noGrp="1" noChangeAspect="1"/>
+          </p:cNvPicPr>
+          <p:nvPr>
+            <p:ph idx="1"/>
+          </p:nvPr>
+        </p:nvPicPr>
+        <p:blipFill>
+          <a:blip r:embed="rId3"/>
+          <a:stretch>
+            <a:fillRect/>
+          </a:stretch>
+        </p:blipFill>
+        <p:spPr>
+          <a:xfrm>
+            <a:off x="1060439" y="1353525"/>
+            <a:ext cx="6813561" cy="5007237"/>
+          </a:xfrm>
+          <a:prstGeom prst="rect">
+            <a:avLst/>
+          </a:prstGeom>
+        </p:spPr>
+      </p:pic>
+    </p:spTree>
+    <p:extLst>
+      <p:ext uri="{BB962C8B-B14F-4D97-AF65-F5344CB8AC3E}">
+        <p14:creationId xmlns:p14="http://schemas.microsoft.com/office/powerpoint/2010/main" val="4284419568"/>
+      </p:ext>
+    </p:extLst>
+  </p:cSld>
+  <p:clrMapOvr>
+    <a:masterClrMapping/>
+  </p:clrMapOvr>
+</p:sld>
+</file>
+
+<file path=ppt/slides/slide9.xml><?xml version="1.0" encoding="utf-8"?>
+<p:sld xmlns:a="http://schemas.openxmlformats.org/drawingml/2006/main" xmlns:r="http://schemas.openxmlformats.org/officeDocument/2006/relationships" xmlns:p="http://schemas.openxmlformats.org/presentationml/2006/main">
+  <p:cSld>
+    <p:spTree>
+      <p:nvGrpSpPr>
+        <p:cNvPr id="1" name=""/>
+        <p:cNvGrpSpPr/>
+        <p:nvPr/>
+      </p:nvGrpSpPr>
+      <p:grpSpPr>
+        <a:xfrm>
+          <a:off x="0" y="0"/>
+          <a:ext cx="0" cy="0"/>
+          <a:chOff x="0" y="0"/>
+          <a:chExt cx="0" cy="0"/>
+        </a:xfrm>
+      </p:grpSpPr>
+      <p:sp>
+        <p:nvSpPr>
+          <p:cNvPr id="2" name="Title 1">
+            <a:extLst>
+              <a:ext uri="{FF2B5EF4-FFF2-40B4-BE49-F238E27FC236}">
+                <a16:creationId xmlns:a16="http://schemas.microsoft.com/office/drawing/2014/main" id="{F884975E-D18A-6B2A-1347-5BACF48DEA7D}"/>
+              </a:ext>
+            </a:extLst>
+          </p:cNvPr>
+          <p:cNvSpPr>
+            <a:spLocks noGrp="1"/>
+          </p:cNvSpPr>
+          <p:nvPr>
+            <p:ph type="title"/>
+          </p:nvPr>
+        </p:nvSpPr>
+        <p:spPr/>
+        <p:txBody>
+          <a:bodyPr/>
+          <a:lstStyle/>
+          <a:p>
+            <a:r>
+              <a:rPr lang="en-US" dirty="0"/>
+              <a:t>Balancing Class Weight</a:t>
+            </a:r>
+          </a:p>
+        </p:txBody>
+      </p:sp>
+      <p:pic>
+        <p:nvPicPr>
+          <p:cNvPr id="5" name="Picture 4">
+            <a:extLst>
+              <a:ext uri="{FF2B5EF4-FFF2-40B4-BE49-F238E27FC236}">
+                <a16:creationId xmlns:a16="http://schemas.microsoft.com/office/drawing/2014/main" id="{3BC982DC-7FC2-867A-9BAB-B4010AC66475}"/>
+              </a:ext>
+            </a:extLst>
+          </p:cNvPr>
+          <p:cNvPicPr>
+            <a:picLocks noChangeAspect="1"/>
+          </p:cNvPicPr>
+          <p:nvPr/>
+        </p:nvPicPr>
+        <p:blipFill>
+          <a:blip r:embed="rId3"/>
+          <a:stretch>
+            <a:fillRect/>
+          </a:stretch>
+        </p:blipFill>
+        <p:spPr>
+          <a:xfrm>
+            <a:off x="1320800" y="1439494"/>
+            <a:ext cx="6380479" cy="5066850"/>
+          </a:xfrm>
+          <a:prstGeom prst="rect">
+            <a:avLst/>
+          </a:prstGeom>
+        </p:spPr>
+      </p:pic>
+    </p:spTree>
+    <p:extLst>
+      <p:ext uri="{BB962C8B-B14F-4D97-AF65-F5344CB8AC3E}">
+        <p14:creationId xmlns:p14="http://schemas.microsoft.com/office/powerpoint/2010/main" val="628236639"/>
       </p:ext>
     </p:extLst>
   </p:cSld>

--- a/Presentation/Final_Presentation.pptx
+++ b/Presentation/Final_Presentation.pptx
@@ -143,7 +143,7 @@
 <file path=ppt/revisionInfo.xml><?xml version="1.0" encoding="utf-8"?>
 <p1510:revInfo xmlns:a="http://schemas.openxmlformats.org/drawingml/2006/main" xmlns:r="http://schemas.openxmlformats.org/officeDocument/2006/relationships" xmlns:p1510="http://schemas.microsoft.com/office/powerpoint/2015/10/main">
   <p1510:revLst>
-    <p1510:client id="{B7D17B82-5527-4661-8B13-DC96109D97FA}" v="15" dt="2025-12-03T05:41:28.933"/>
+    <p1510:client id="{B7D17B82-5527-4661-8B13-DC96109D97FA}" v="17" dt="2025-12-03T05:43:29.744"/>
   </p1510:revLst>
 </p1510:revInfo>
 </file>
@@ -153,7 +153,7 @@
   <pc:docChgLst>
     <pc:chgData name="Emma Francis" userId="1a28f87ee4f117f1" providerId="LiveId" clId="{41D06EC1-1E87-41B1-83A3-CDDFA7DD00B1}"/>
     <pc:docChg chg="custSel addSld modSld sldOrd">
-      <pc:chgData name="Emma Francis" userId="1a28f87ee4f117f1" providerId="LiveId" clId="{41D06EC1-1E87-41B1-83A3-CDDFA7DD00B1}" dt="2025-12-03T05:42:03.671" v="861" actId="1076"/>
+      <pc:chgData name="Emma Francis" userId="1a28f87ee4f117f1" providerId="LiveId" clId="{41D06EC1-1E87-41B1-83A3-CDDFA7DD00B1}" dt="2025-12-03T05:44:05.062" v="922" actId="1076"/>
       <pc:docMkLst>
         <pc:docMk/>
       </pc:docMkLst>
@@ -513,12 +513,44 @@
           </ac:picMkLst>
         </pc:picChg>
       </pc:sldChg>
-      <pc:sldChg chg="new">
-        <pc:chgData name="Emma Francis" userId="1a28f87ee4f117f1" providerId="LiveId" clId="{41D06EC1-1E87-41B1-83A3-CDDFA7DD00B1}" dt="2025-12-03T05:41:34.474" v="858" actId="680"/>
+      <pc:sldChg chg="addSp delSp modSp new mod">
+        <pc:chgData name="Emma Francis" userId="1a28f87ee4f117f1" providerId="LiveId" clId="{41D06EC1-1E87-41B1-83A3-CDDFA7DD00B1}" dt="2025-12-03T05:44:05.062" v="922" actId="1076"/>
         <pc:sldMkLst>
           <pc:docMk/>
           <pc:sldMk cId="1748006529" sldId="286"/>
         </pc:sldMkLst>
+        <pc:spChg chg="mod">
+          <ac:chgData name="Emma Francis" userId="1a28f87ee4f117f1" providerId="LiveId" clId="{41D06EC1-1E87-41B1-83A3-CDDFA7DD00B1}" dt="2025-12-03T05:42:47.139" v="879" actId="20577"/>
+          <ac:spMkLst>
+            <pc:docMk/>
+            <pc:sldMk cId="1748006529" sldId="286"/>
+            <ac:spMk id="2" creationId="{86A013A9-5EAC-67F8-2AEA-9F6F1D190EEC}"/>
+          </ac:spMkLst>
+        </pc:spChg>
+        <pc:spChg chg="del">
+          <ac:chgData name="Emma Francis" userId="1a28f87ee4f117f1" providerId="LiveId" clId="{41D06EC1-1E87-41B1-83A3-CDDFA7DD00B1}" dt="2025-12-03T05:42:49.827" v="880" actId="478"/>
+          <ac:spMkLst>
+            <pc:docMk/>
+            <pc:sldMk cId="1748006529" sldId="286"/>
+            <ac:spMk id="3" creationId="{18526FC0-8F39-CEF5-C50E-E1D74549ADA2}"/>
+          </ac:spMkLst>
+        </pc:spChg>
+        <pc:spChg chg="add mod">
+          <ac:chgData name="Emma Francis" userId="1a28f87ee4f117f1" providerId="LiveId" clId="{41D06EC1-1E87-41B1-83A3-CDDFA7DD00B1}" dt="2025-12-03T05:44:05.062" v="922" actId="1076"/>
+          <ac:spMkLst>
+            <pc:docMk/>
+            <pc:sldMk cId="1748006529" sldId="286"/>
+            <ac:spMk id="6" creationId="{39B88395-FC3E-6AB9-8BAF-C89469E40847}"/>
+          </ac:spMkLst>
+        </pc:spChg>
+        <pc:picChg chg="add mod">
+          <ac:chgData name="Emma Francis" userId="1a28f87ee4f117f1" providerId="LiveId" clId="{41D06EC1-1E87-41B1-83A3-CDDFA7DD00B1}" dt="2025-12-03T05:43:03.174" v="886" actId="14100"/>
+          <ac:picMkLst>
+            <pc:docMk/>
+            <pc:sldMk cId="1748006529" sldId="286"/>
+            <ac:picMk id="5" creationId="{B6DE2A1D-A53E-06D7-EDD9-1E2AC1ED4FEF}"/>
+          </ac:picMkLst>
+        </pc:picChg>
       </pc:sldChg>
     </pc:docChg>
   </pc:docChgLst>
@@ -1014,6 +1046,142 @@
 </p:notes>
 </file>
 
+<file path=ppt/notesSlides/notesSlide10.xml><?xml version="1.0" encoding="utf-8"?>
+<p:notes xmlns:a="http://schemas.openxmlformats.org/drawingml/2006/main" xmlns:r="http://schemas.openxmlformats.org/officeDocument/2006/relationships" xmlns:p="http://schemas.openxmlformats.org/presentationml/2006/main">
+  <p:cSld>
+    <p:spTree>
+      <p:nvGrpSpPr>
+        <p:cNvPr id="1" name=""/>
+        <p:cNvGrpSpPr/>
+        <p:nvPr/>
+      </p:nvGrpSpPr>
+      <p:grpSpPr>
+        <a:xfrm>
+          <a:off x="0" y="0"/>
+          <a:ext cx="0" cy="0"/>
+          <a:chOff x="0" y="0"/>
+          <a:chExt cx="0" cy="0"/>
+        </a:xfrm>
+      </p:grpSpPr>
+      <p:sp>
+        <p:nvSpPr>
+          <p:cNvPr id="2" name="Slide Image Placeholder 1"/>
+          <p:cNvSpPr>
+            <a:spLocks noGrp="1" noRot="1" noChangeAspect="1"/>
+          </p:cNvSpPr>
+          <p:nvPr>
+            <p:ph type="sldImg"/>
+          </p:nvPr>
+        </p:nvSpPr>
+        <p:spPr/>
+      </p:sp>
+      <p:sp>
+        <p:nvSpPr>
+          <p:cNvPr id="3" name="Notes Placeholder 2"/>
+          <p:cNvSpPr>
+            <a:spLocks noGrp="1"/>
+          </p:cNvSpPr>
+          <p:nvPr>
+            <p:ph type="body" idx="1"/>
+          </p:nvPr>
+        </p:nvSpPr>
+        <p:spPr/>
+        <p:txBody>
+          <a:bodyPr/>
+          <a:lstStyle/>
+          <a:p>
+            <a:pPr marL="0" marR="0" lvl="0" indent="0" algn="l" defTabSz="914400" rtl="0" eaLnBrk="1" fontAlgn="auto" latinLnBrk="0" hangingPunct="1">
+              <a:lnSpc>
+                <a:spcPct val="100000"/>
+              </a:lnSpc>
+              <a:spcBef>
+                <a:spcPts val="0"/>
+              </a:spcBef>
+              <a:spcAft>
+                <a:spcPts val="0"/>
+              </a:spcAft>
+              <a:buClrTx/>
+              <a:buSzTx/>
+              <a:buFontTx/>
+              <a:buNone/>
+              <a:tabLst/>
+              <a:defRPr/>
+            </a:pPr>
+            <a:r>
+              <a:rPr lang="en-US" dirty="0">
+                <a:latin typeface="Microsoft JhengHei" panose="020B0604030504040204" pitchFamily="34" charset="-120"/>
+                <a:ea typeface="Microsoft JhengHei" panose="020B0604030504040204" pitchFamily="34" charset="-120"/>
+              </a:rPr>
+              <a:t>The model accuracy is 76%</a:t>
+            </a:r>
+          </a:p>
+          <a:p>
+            <a:pPr marL="0" marR="0" lvl="0" indent="0" algn="l" defTabSz="914400" rtl="0" eaLnBrk="1" fontAlgn="auto" latinLnBrk="0" hangingPunct="1">
+              <a:lnSpc>
+                <a:spcPct val="100000"/>
+              </a:lnSpc>
+              <a:spcBef>
+                <a:spcPts val="0"/>
+              </a:spcBef>
+              <a:spcAft>
+                <a:spcPts val="0"/>
+              </a:spcAft>
+              <a:buClrTx/>
+              <a:buSzTx/>
+              <a:buFontTx/>
+              <a:buNone/>
+              <a:tabLst/>
+              <a:defRPr/>
+            </a:pPr>
+            <a:r>
+              <a:rPr lang="en-US" dirty="0">
+                <a:latin typeface="Microsoft JhengHei" panose="020B0604030504040204" pitchFamily="34" charset="-120"/>
+                <a:ea typeface="Microsoft JhengHei" panose="020B0604030504040204" pitchFamily="34" charset="-120"/>
+              </a:rPr>
+              <a:t>The demographic variables have modest predictive power</a:t>
+            </a:r>
+          </a:p>
+          <a:p>
+            <a:endParaRPr lang="en-US" dirty="0"/>
+          </a:p>
+        </p:txBody>
+      </p:sp>
+      <p:sp>
+        <p:nvSpPr>
+          <p:cNvPr id="4" name="Slide Number Placeholder 3"/>
+          <p:cNvSpPr>
+            <a:spLocks noGrp="1"/>
+          </p:cNvSpPr>
+          <p:nvPr>
+            <p:ph type="sldNum" sz="quarter" idx="5"/>
+          </p:nvPr>
+        </p:nvSpPr>
+        <p:spPr/>
+        <p:txBody>
+          <a:bodyPr/>
+          <a:lstStyle/>
+          <a:p>
+            <a:fld id="{225E0D09-A73B-45C7-9595-EA62676DC56E}" type="slidenum">
+              <a:rPr lang="en-US" smtClean="0"/>
+              <a:t>16</a:t>
+            </a:fld>
+            <a:endParaRPr lang="en-US"/>
+          </a:p>
+        </p:txBody>
+      </p:sp>
+    </p:spTree>
+    <p:extLst>
+      <p:ext uri="{BB962C8B-B14F-4D97-AF65-F5344CB8AC3E}">
+        <p14:creationId xmlns:p14="http://schemas.microsoft.com/office/powerpoint/2010/main" val="3918664323"/>
+      </p:ext>
+    </p:extLst>
+  </p:cSld>
+  <p:clrMapOvr>
+    <a:masterClrMapping/>
+  </p:clrMapOvr>
+</p:notes>
+</file>
+
 <file path=ppt/notesSlides/notesSlide2.xml><?xml version="1.0" encoding="utf-8"?>
 <p:notes xmlns:a="http://schemas.openxmlformats.org/drawingml/2006/main" xmlns:r="http://schemas.openxmlformats.org/officeDocument/2006/relationships" xmlns:p="http://schemas.openxmlformats.org/presentationml/2006/main">
   <p:cSld>
@@ -2010,37 +2178,16 @@
               <a:defRPr/>
             </a:pPr>
             <a:r>
-              <a:rPr lang="en-US" dirty="0">
-                <a:latin typeface="Microsoft JhengHei" panose="020B0604030504040204" pitchFamily="34" charset="-120"/>
-                <a:ea typeface="Microsoft JhengHei" panose="020B0604030504040204" pitchFamily="34" charset="-120"/>
+              <a:rPr lang="en-US" sz="1200" b="0" kern="1200" dirty="0">
+                <a:solidFill>
+                  <a:schemeClr val="tx1"/>
+                </a:solidFill>
+                <a:effectLst/>
+                <a:latin typeface="+mn-lt"/>
+                <a:ea typeface="+mn-ea"/>
+                <a:cs typeface="+mn-cs"/>
               </a:rPr>
-              <a:t>The model accuracy is 76%</a:t>
-            </a:r>
-          </a:p>
-          <a:p>
-            <a:pPr marL="0" marR="0" lvl="0" indent="0" algn="l" defTabSz="914400" rtl="0" eaLnBrk="1" fontAlgn="auto" latinLnBrk="0" hangingPunct="1">
-              <a:lnSpc>
-                <a:spcPct val="100000"/>
-              </a:lnSpc>
-              <a:spcBef>
-                <a:spcPts val="0"/>
-              </a:spcBef>
-              <a:spcAft>
-                <a:spcPts val="0"/>
-              </a:spcAft>
-              <a:buClrTx/>
-              <a:buSzTx/>
-              <a:buFontTx/>
-              <a:buNone/>
-              <a:tabLst/>
-              <a:defRPr/>
-            </a:pPr>
-            <a:r>
-              <a:rPr lang="en-US" dirty="0">
-                <a:latin typeface="Microsoft JhengHei" panose="020B0604030504040204" pitchFamily="34" charset="-120"/>
-                <a:ea typeface="Microsoft JhengHei" panose="020B0604030504040204" pitchFamily="34" charset="-120"/>
-              </a:rPr>
-              <a:t>The demographic variables have modest predictive power</a:t>
+              <a:t> No correlation is above 0.51, so I do not think multicollinearity needs to be addressed.</a:t>
             </a:r>
           </a:p>
           <a:p>
@@ -2065,7 +2212,7 @@
           <a:p>
             <a:fld id="{225E0D09-A73B-45C7-9595-EA62676DC56E}" type="slidenum">
               <a:rPr lang="en-US" smtClean="0"/>
-              <a:t>16</a:t>
+              <a:t>15</a:t>
             </a:fld>
             <a:endParaRPr lang="en-US"/>
           </a:p>
@@ -2074,7 +2221,7 @@
     </p:spTree>
     <p:extLst>
       <p:ext uri="{BB962C8B-B14F-4D97-AF65-F5344CB8AC3E}">
-        <p14:creationId xmlns:p14="http://schemas.microsoft.com/office/powerpoint/2010/main" val="3918664323"/>
+        <p14:creationId xmlns:p14="http://schemas.microsoft.com/office/powerpoint/2010/main" val="4020541783"/>
       </p:ext>
     </p:extLst>
   </p:cSld>
@@ -8553,32 +8700,75 @@
           <a:bodyPr/>
           <a:lstStyle/>
           <a:p>
-            <a:endParaRPr lang="en-US"/>
-          </a:p>
-        </p:txBody>
-      </p:sp>
-      <p:sp>
-        <p:nvSpPr>
-          <p:cNvPr id="3" name="Content Placeholder 2">
+            <a:r>
+              <a:rPr lang="en-US" dirty="0"/>
+              <a:t>Correlation Matrix</a:t>
+            </a:r>
+          </a:p>
+        </p:txBody>
+      </p:sp>
+      <p:pic>
+        <p:nvPicPr>
+          <p:cNvPr id="5" name="Picture 4">
             <a:extLst>
               <a:ext uri="{FF2B5EF4-FFF2-40B4-BE49-F238E27FC236}">
-                <a16:creationId xmlns:a16="http://schemas.microsoft.com/office/drawing/2014/main" id="{18526FC0-8F39-CEF5-C50E-E1D74549ADA2}"/>
+                <a16:creationId xmlns:a16="http://schemas.microsoft.com/office/drawing/2014/main" id="{B6DE2A1D-A53E-06D7-EDD9-1E2AC1ED4FEF}"/>
               </a:ext>
             </a:extLst>
           </p:cNvPr>
-          <p:cNvSpPr>
-            <a:spLocks noGrp="1"/>
-          </p:cNvSpPr>
-          <p:nvPr>
-            <p:ph idx="1"/>
-          </p:nvPr>
-        </p:nvSpPr>
-        <p:spPr/>
-        <p:txBody>
-          <a:bodyPr/>
+          <p:cNvPicPr>
+            <a:picLocks noChangeAspect="1"/>
+          </p:cNvPicPr>
+          <p:nvPr/>
+        </p:nvPicPr>
+        <p:blipFill>
+          <a:blip r:embed="rId3"/>
+          <a:stretch>
+            <a:fillRect/>
+          </a:stretch>
+        </p:blipFill>
+        <p:spPr>
+          <a:xfrm>
+            <a:off x="677334" y="1643247"/>
+            <a:ext cx="5982962" cy="4706753"/>
+          </a:xfrm>
+          <a:prstGeom prst="rect">
+            <a:avLst/>
+          </a:prstGeom>
+        </p:spPr>
+      </p:pic>
+      <p:sp>
+        <p:nvSpPr>
+          <p:cNvPr id="6" name="TextBox 5">
+            <a:extLst>
+              <a:ext uri="{FF2B5EF4-FFF2-40B4-BE49-F238E27FC236}">
+                <a16:creationId xmlns:a16="http://schemas.microsoft.com/office/drawing/2014/main" id="{39B88395-FC3E-6AB9-8BAF-C89469E40847}"/>
+              </a:ext>
+            </a:extLst>
+          </p:cNvPr>
+          <p:cNvSpPr txBox="1"/>
+          <p:nvPr/>
+        </p:nvSpPr>
+        <p:spPr>
+          <a:xfrm>
+            <a:off x="6660296" y="3630585"/>
+            <a:ext cx="3373120" cy="369332"/>
+          </a:xfrm>
+          <a:prstGeom prst="rect">
+            <a:avLst/>
+          </a:prstGeom>
+          <a:noFill/>
+        </p:spPr>
+        <p:txBody>
+          <a:bodyPr wrap="square" rtlCol="0">
+            <a:spAutoFit/>
+          </a:bodyPr>
           <a:lstStyle/>
           <a:p>
-            <a:endParaRPr lang="en-US"/>
+            <a:r>
+              <a:rPr lang="en-US" dirty="0"/>
+              <a:t>*No correlation is above 0.51</a:t>
+            </a:r>
           </a:p>
         </p:txBody>
       </p:sp>

--- a/Presentation/Final_Presentation.pptx
+++ b/Presentation/Final_Presentation.pptx
@@ -5,7 +5,7 @@
     <p:sldMasterId id="2147483875" r:id="rId1"/>
   </p:sldMasterIdLst>
   <p:notesMasterIdLst>
-    <p:notesMasterId r:id="rId28"/>
+    <p:notesMasterId r:id="rId33"/>
   </p:notesMasterIdLst>
   <p:sldIdLst>
     <p:sldId id="256" r:id="rId2"/>
@@ -25,15 +25,20 @@
     <p:sldId id="286" r:id="rId16"/>
     <p:sldId id="268" r:id="rId17"/>
     <p:sldId id="264" r:id="rId18"/>
-    <p:sldId id="263" r:id="rId19"/>
-    <p:sldId id="265" r:id="rId20"/>
-    <p:sldId id="260" r:id="rId21"/>
-    <p:sldId id="261" r:id="rId22"/>
-    <p:sldId id="266" r:id="rId23"/>
-    <p:sldId id="267" r:id="rId24"/>
-    <p:sldId id="273" r:id="rId25"/>
-    <p:sldId id="269" r:id="rId26"/>
-    <p:sldId id="275" r:id="rId27"/>
+    <p:sldId id="287" r:id="rId19"/>
+    <p:sldId id="288" r:id="rId20"/>
+    <p:sldId id="289" r:id="rId21"/>
+    <p:sldId id="290" r:id="rId22"/>
+    <p:sldId id="291" r:id="rId23"/>
+    <p:sldId id="263" r:id="rId24"/>
+    <p:sldId id="265" r:id="rId25"/>
+    <p:sldId id="260" r:id="rId26"/>
+    <p:sldId id="261" r:id="rId27"/>
+    <p:sldId id="266" r:id="rId28"/>
+    <p:sldId id="267" r:id="rId29"/>
+    <p:sldId id="273" r:id="rId30"/>
+    <p:sldId id="269" r:id="rId31"/>
+    <p:sldId id="275" r:id="rId32"/>
   </p:sldIdLst>
   <p:sldSz cx="12192000" cy="6858000"/>
   <p:notesSz cx="6858000" cy="9144000"/>
@@ -143,418 +148,10 @@
 <file path=ppt/revisionInfo.xml><?xml version="1.0" encoding="utf-8"?>
 <p1510:revInfo xmlns:a="http://schemas.openxmlformats.org/drawingml/2006/main" xmlns:r="http://schemas.openxmlformats.org/officeDocument/2006/relationships" xmlns:p1510="http://schemas.microsoft.com/office/powerpoint/2015/10/main">
   <p1510:revLst>
+    <p1510:client id="{69717D19-0AEE-0EFE-62AC-6A715FBD96BB}" v="1059" dt="2025-12-03T19:26:52.822"/>
     <p1510:client id="{B7D17B82-5527-4661-8B13-DC96109D97FA}" v="17" dt="2025-12-03T05:43:29.744"/>
   </p1510:revLst>
 </p1510:revInfo>
-</file>
-
-<file path=ppt/changesInfos/changesInfo1.xml><?xml version="1.0" encoding="utf-8"?>
-<pc:chgInfo xmlns:a="http://schemas.openxmlformats.org/drawingml/2006/main" xmlns:r="http://schemas.openxmlformats.org/officeDocument/2006/relationships" xmlns:ac="http://schemas.microsoft.com/office/drawing/2013/main/command" xmlns:pc="http://schemas.microsoft.com/office/powerpoint/2013/main/command">
-  <pc:docChgLst>
-    <pc:chgData name="Emma Francis" userId="1a28f87ee4f117f1" providerId="LiveId" clId="{41D06EC1-1E87-41B1-83A3-CDDFA7DD00B1}"/>
-    <pc:docChg chg="custSel addSld modSld sldOrd">
-      <pc:chgData name="Emma Francis" userId="1a28f87ee4f117f1" providerId="LiveId" clId="{41D06EC1-1E87-41B1-83A3-CDDFA7DD00B1}" dt="2025-12-03T05:44:05.062" v="922" actId="1076"/>
-      <pc:docMkLst>
-        <pc:docMk/>
-      </pc:docMkLst>
-      <pc:sldChg chg="modSp mod">
-        <pc:chgData name="Emma Francis" userId="1a28f87ee4f117f1" providerId="LiveId" clId="{41D06EC1-1E87-41B1-83A3-CDDFA7DD00B1}" dt="2025-12-02T16:12:47.435" v="186" actId="255"/>
-        <pc:sldMkLst>
-          <pc:docMk/>
-          <pc:sldMk cId="2402511089" sldId="258"/>
-        </pc:sldMkLst>
-        <pc:spChg chg="mod">
-          <ac:chgData name="Emma Francis" userId="1a28f87ee4f117f1" providerId="LiveId" clId="{41D06EC1-1E87-41B1-83A3-CDDFA7DD00B1}" dt="2025-12-02T16:12:47.435" v="186" actId="255"/>
-          <ac:spMkLst>
-            <pc:docMk/>
-            <pc:sldMk cId="2402511089" sldId="258"/>
-            <ac:spMk id="3" creationId="{C089B9FB-E92A-1D10-614D-C2AA1F1879FD}"/>
-          </ac:spMkLst>
-        </pc:spChg>
-      </pc:sldChg>
-      <pc:sldChg chg="addSp modSp mod ord">
-        <pc:chgData name="Emma Francis" userId="1a28f87ee4f117f1" providerId="LiveId" clId="{41D06EC1-1E87-41B1-83A3-CDDFA7DD00B1}" dt="2025-12-03T05:41:50.580" v="860"/>
-        <pc:sldMkLst>
-          <pc:docMk/>
-          <pc:sldMk cId="57324149" sldId="268"/>
-        </pc:sldMkLst>
-        <pc:spChg chg="mod">
-          <ac:chgData name="Emma Francis" userId="1a28f87ee4f117f1" providerId="LiveId" clId="{41D06EC1-1E87-41B1-83A3-CDDFA7DD00B1}" dt="2025-12-02T16:16:15.063" v="208" actId="20577"/>
-          <ac:spMkLst>
-            <pc:docMk/>
-            <pc:sldMk cId="57324149" sldId="268"/>
-            <ac:spMk id="2" creationId="{0D61185C-DEE3-C661-0CB7-2BDF7166C9CA}"/>
-          </ac:spMkLst>
-        </pc:spChg>
-        <pc:spChg chg="add mod">
-          <ac:chgData name="Emma Francis" userId="1a28f87ee4f117f1" providerId="LiveId" clId="{41D06EC1-1E87-41B1-83A3-CDDFA7DD00B1}" dt="2025-12-02T16:25:04.298" v="407" actId="5793"/>
-          <ac:spMkLst>
-            <pc:docMk/>
-            <pc:sldMk cId="57324149" sldId="268"/>
-            <ac:spMk id="3" creationId="{A097D33B-F738-EFE3-8C42-11B0BEF144FC}"/>
-          </ac:spMkLst>
-        </pc:spChg>
-      </pc:sldChg>
-      <pc:sldChg chg="addSp delSp modSp new mod ord">
-        <pc:chgData name="Emma Francis" userId="1a28f87ee4f117f1" providerId="LiveId" clId="{41D06EC1-1E87-41B1-83A3-CDDFA7DD00B1}" dt="2025-12-03T05:24:34.296" v="657"/>
-        <pc:sldMkLst>
-          <pc:docMk/>
-          <pc:sldMk cId="4124866369" sldId="276"/>
-        </pc:sldMkLst>
-        <pc:spChg chg="mod">
-          <ac:chgData name="Emma Francis" userId="1a28f87ee4f117f1" providerId="LiveId" clId="{41D06EC1-1E87-41B1-83A3-CDDFA7DD00B1}" dt="2025-12-03T05:17:01.266" v="498" actId="20577"/>
-          <ac:spMkLst>
-            <pc:docMk/>
-            <pc:sldMk cId="4124866369" sldId="276"/>
-            <ac:spMk id="2" creationId="{91927BB7-7700-3D3C-64FD-707B00D57277}"/>
-          </ac:spMkLst>
-        </pc:spChg>
-        <pc:spChg chg="del">
-          <ac:chgData name="Emma Francis" userId="1a28f87ee4f117f1" providerId="LiveId" clId="{41D06EC1-1E87-41B1-83A3-CDDFA7DD00B1}" dt="2025-12-03T05:15:34.672" v="424" actId="22"/>
-          <ac:spMkLst>
-            <pc:docMk/>
-            <pc:sldMk cId="4124866369" sldId="276"/>
-            <ac:spMk id="3" creationId="{50CFE24C-6E0E-0838-FAFA-9161F5FA82C5}"/>
-          </ac:spMkLst>
-        </pc:spChg>
-        <pc:picChg chg="add mod ord">
-          <ac:chgData name="Emma Francis" userId="1a28f87ee4f117f1" providerId="LiveId" clId="{41D06EC1-1E87-41B1-83A3-CDDFA7DD00B1}" dt="2025-12-03T05:15:47.801" v="428" actId="1076"/>
-          <ac:picMkLst>
-            <pc:docMk/>
-            <pc:sldMk cId="4124866369" sldId="276"/>
-            <ac:picMk id="5" creationId="{B462CCF8-A433-07DB-ED3B-BD2CB394B8DE}"/>
-          </ac:picMkLst>
-        </pc:picChg>
-      </pc:sldChg>
-      <pc:sldChg chg="addSp delSp modSp new mod ord">
-        <pc:chgData name="Emma Francis" userId="1a28f87ee4f117f1" providerId="LiveId" clId="{41D06EC1-1E87-41B1-83A3-CDDFA7DD00B1}" dt="2025-12-03T05:24:23.557" v="655"/>
-        <pc:sldMkLst>
-          <pc:docMk/>
-          <pc:sldMk cId="3127138522" sldId="277"/>
-        </pc:sldMkLst>
-        <pc:spChg chg="mod">
-          <ac:chgData name="Emma Francis" userId="1a28f87ee4f117f1" providerId="LiveId" clId="{41D06EC1-1E87-41B1-83A3-CDDFA7DD00B1}" dt="2025-12-03T05:20:17.337" v="613" actId="255"/>
-          <ac:spMkLst>
-            <pc:docMk/>
-            <pc:sldMk cId="3127138522" sldId="277"/>
-            <ac:spMk id="2" creationId="{251A0C91-67B7-9BF3-A388-D2A6F4CBE3AD}"/>
-          </ac:spMkLst>
-        </pc:spChg>
-        <pc:spChg chg="del">
-          <ac:chgData name="Emma Francis" userId="1a28f87ee4f117f1" providerId="LiveId" clId="{41D06EC1-1E87-41B1-83A3-CDDFA7DD00B1}" dt="2025-12-03T05:20:21.876" v="614" actId="478"/>
-          <ac:spMkLst>
-            <pc:docMk/>
-            <pc:sldMk cId="3127138522" sldId="277"/>
-            <ac:spMk id="3" creationId="{BD84CFEB-7162-71DA-4494-653FE768A372}"/>
-          </ac:spMkLst>
-        </pc:spChg>
-        <pc:picChg chg="add mod">
-          <ac:chgData name="Emma Francis" userId="1a28f87ee4f117f1" providerId="LiveId" clId="{41D06EC1-1E87-41B1-83A3-CDDFA7DD00B1}" dt="2025-12-03T05:21:13.432" v="623" actId="1076"/>
-          <ac:picMkLst>
-            <pc:docMk/>
-            <pc:sldMk cId="3127138522" sldId="277"/>
-            <ac:picMk id="5" creationId="{E960255A-83AF-CB26-4852-8EDB51759804}"/>
-          </ac:picMkLst>
-        </pc:picChg>
-        <pc:picChg chg="add mod modCrop">
-          <ac:chgData name="Emma Francis" userId="1a28f87ee4f117f1" providerId="LiveId" clId="{41D06EC1-1E87-41B1-83A3-CDDFA7DD00B1}" dt="2025-12-03T05:21:43.784" v="627" actId="732"/>
-          <ac:picMkLst>
-            <pc:docMk/>
-            <pc:sldMk cId="3127138522" sldId="277"/>
-            <ac:picMk id="7" creationId="{14B1002A-E251-CE79-4D06-07F0DA0A915D}"/>
-          </ac:picMkLst>
-        </pc:picChg>
-      </pc:sldChg>
-      <pc:sldChg chg="addSp delSp modSp new mod">
-        <pc:chgData name="Emma Francis" userId="1a28f87ee4f117f1" providerId="LiveId" clId="{41D06EC1-1E87-41B1-83A3-CDDFA7DD00B1}" dt="2025-12-03T05:23:58.252" v="652" actId="20577"/>
-        <pc:sldMkLst>
-          <pc:docMk/>
-          <pc:sldMk cId="1919978328" sldId="278"/>
-        </pc:sldMkLst>
-        <pc:spChg chg="mod">
-          <ac:chgData name="Emma Francis" userId="1a28f87ee4f117f1" providerId="LiveId" clId="{41D06EC1-1E87-41B1-83A3-CDDFA7DD00B1}" dt="2025-12-03T05:23:58.252" v="652" actId="20577"/>
-          <ac:spMkLst>
-            <pc:docMk/>
-            <pc:sldMk cId="1919978328" sldId="278"/>
-            <ac:spMk id="2" creationId="{5C3DCDDC-DB85-6D2E-64B2-5B81F71B92A8}"/>
-          </ac:spMkLst>
-        </pc:spChg>
-        <pc:spChg chg="del">
-          <ac:chgData name="Emma Francis" userId="1a28f87ee4f117f1" providerId="LiveId" clId="{41D06EC1-1E87-41B1-83A3-CDDFA7DD00B1}" dt="2025-12-03T05:23:28.612" v="629" actId="22"/>
-          <ac:spMkLst>
-            <pc:docMk/>
-            <pc:sldMk cId="1919978328" sldId="278"/>
-            <ac:spMk id="3" creationId="{5E68A057-FEFE-457E-DD14-61F5A87300D0}"/>
-          </ac:spMkLst>
-        </pc:spChg>
-        <pc:picChg chg="add mod ord">
-          <ac:chgData name="Emma Francis" userId="1a28f87ee4f117f1" providerId="LiveId" clId="{41D06EC1-1E87-41B1-83A3-CDDFA7DD00B1}" dt="2025-12-03T05:23:38.636" v="633" actId="1076"/>
-          <ac:picMkLst>
-            <pc:docMk/>
-            <pc:sldMk cId="1919978328" sldId="278"/>
-            <ac:picMk id="5" creationId="{1CFEF64C-D530-53AF-577C-C65696F6E1DA}"/>
-          </ac:picMkLst>
-        </pc:picChg>
-      </pc:sldChg>
-      <pc:sldChg chg="addSp delSp modSp new mod">
-        <pc:chgData name="Emma Francis" userId="1a28f87ee4f117f1" providerId="LiveId" clId="{41D06EC1-1E87-41B1-83A3-CDDFA7DD00B1}" dt="2025-12-03T05:25:48.523" v="675" actId="1076"/>
-        <pc:sldMkLst>
-          <pc:docMk/>
-          <pc:sldMk cId="4284419568" sldId="279"/>
-        </pc:sldMkLst>
-        <pc:spChg chg="mod">
-          <ac:chgData name="Emma Francis" userId="1a28f87ee4f117f1" providerId="LiveId" clId="{41D06EC1-1E87-41B1-83A3-CDDFA7DD00B1}" dt="2025-12-03T05:25:41.269" v="672" actId="20577"/>
-          <ac:spMkLst>
-            <pc:docMk/>
-            <pc:sldMk cId="4284419568" sldId="279"/>
-            <ac:spMk id="2" creationId="{18A1BAB6-0B04-D715-99C2-1AFB743CE449}"/>
-          </ac:spMkLst>
-        </pc:spChg>
-        <pc:spChg chg="del">
-          <ac:chgData name="Emma Francis" userId="1a28f87ee4f117f1" providerId="LiveId" clId="{41D06EC1-1E87-41B1-83A3-CDDFA7DD00B1}" dt="2025-12-03T05:25:25.282" v="658" actId="22"/>
-          <ac:spMkLst>
-            <pc:docMk/>
-            <pc:sldMk cId="4284419568" sldId="279"/>
-            <ac:spMk id="3" creationId="{9291F021-817C-1124-23B9-4ED96127C984}"/>
-          </ac:spMkLst>
-        </pc:spChg>
-        <pc:picChg chg="add mod ord">
-          <ac:chgData name="Emma Francis" userId="1a28f87ee4f117f1" providerId="LiveId" clId="{41D06EC1-1E87-41B1-83A3-CDDFA7DD00B1}" dt="2025-12-03T05:25:48.523" v="675" actId="1076"/>
-          <ac:picMkLst>
-            <pc:docMk/>
-            <pc:sldMk cId="4284419568" sldId="279"/>
-            <ac:picMk id="5" creationId="{588C5190-1805-5094-9D9D-9C8E03AE3D4B}"/>
-          </ac:picMkLst>
-        </pc:picChg>
-      </pc:sldChg>
-      <pc:sldChg chg="addSp delSp modSp new mod">
-        <pc:chgData name="Emma Francis" userId="1a28f87ee4f117f1" providerId="LiveId" clId="{41D06EC1-1E87-41B1-83A3-CDDFA7DD00B1}" dt="2025-12-03T05:28:37.860" v="705" actId="14100"/>
-        <pc:sldMkLst>
-          <pc:docMk/>
-          <pc:sldMk cId="628236639" sldId="280"/>
-        </pc:sldMkLst>
-        <pc:spChg chg="mod">
-          <ac:chgData name="Emma Francis" userId="1a28f87ee4f117f1" providerId="LiveId" clId="{41D06EC1-1E87-41B1-83A3-CDDFA7DD00B1}" dt="2025-12-03T05:28:12.151" v="700" actId="20577"/>
-          <ac:spMkLst>
-            <pc:docMk/>
-            <pc:sldMk cId="628236639" sldId="280"/>
-            <ac:spMk id="2" creationId="{F884975E-D18A-6B2A-1347-5BACF48DEA7D}"/>
-          </ac:spMkLst>
-        </pc:spChg>
-        <pc:spChg chg="del">
-          <ac:chgData name="Emma Francis" userId="1a28f87ee4f117f1" providerId="LiveId" clId="{41D06EC1-1E87-41B1-83A3-CDDFA7DD00B1}" dt="2025-12-03T05:28:26.633" v="701" actId="478"/>
-          <ac:spMkLst>
-            <pc:docMk/>
-            <pc:sldMk cId="628236639" sldId="280"/>
-            <ac:spMk id="3" creationId="{28DA7139-85C3-EF58-28D1-652BB9AD5923}"/>
-          </ac:spMkLst>
-        </pc:spChg>
-        <pc:picChg chg="add mod">
-          <ac:chgData name="Emma Francis" userId="1a28f87ee4f117f1" providerId="LiveId" clId="{41D06EC1-1E87-41B1-83A3-CDDFA7DD00B1}" dt="2025-12-03T05:28:37.860" v="705" actId="14100"/>
-          <ac:picMkLst>
-            <pc:docMk/>
-            <pc:sldMk cId="628236639" sldId="280"/>
-            <ac:picMk id="5" creationId="{3BC982DC-7FC2-867A-9BAB-B4010AC66475}"/>
-          </ac:picMkLst>
-        </pc:picChg>
-      </pc:sldChg>
-      <pc:sldChg chg="addSp delSp modSp new mod">
-        <pc:chgData name="Emma Francis" userId="1a28f87ee4f117f1" providerId="LiveId" clId="{41D06EC1-1E87-41B1-83A3-CDDFA7DD00B1}" dt="2025-12-03T05:29:58.656" v="735" actId="1076"/>
-        <pc:sldMkLst>
-          <pc:docMk/>
-          <pc:sldMk cId="4002411622" sldId="281"/>
-        </pc:sldMkLst>
-        <pc:spChg chg="mod">
-          <ac:chgData name="Emma Francis" userId="1a28f87ee4f117f1" providerId="LiveId" clId="{41D06EC1-1E87-41B1-83A3-CDDFA7DD00B1}" dt="2025-12-03T05:29:43.019" v="728" actId="20577"/>
-          <ac:spMkLst>
-            <pc:docMk/>
-            <pc:sldMk cId="4002411622" sldId="281"/>
-            <ac:spMk id="2" creationId="{C0C8A902-CF16-A61A-0690-1B7ACCF4C5F3}"/>
-          </ac:spMkLst>
-        </pc:spChg>
-        <pc:spChg chg="del">
-          <ac:chgData name="Emma Francis" userId="1a28f87ee4f117f1" providerId="LiveId" clId="{41D06EC1-1E87-41B1-83A3-CDDFA7DD00B1}" dt="2025-12-03T05:29:47.063" v="729" actId="478"/>
-          <ac:spMkLst>
-            <pc:docMk/>
-            <pc:sldMk cId="4002411622" sldId="281"/>
-            <ac:spMk id="3" creationId="{5ACA0535-B294-D1F8-660A-0E0A760E0345}"/>
-          </ac:spMkLst>
-        </pc:spChg>
-        <pc:picChg chg="add mod">
-          <ac:chgData name="Emma Francis" userId="1a28f87ee4f117f1" providerId="LiveId" clId="{41D06EC1-1E87-41B1-83A3-CDDFA7DD00B1}" dt="2025-12-03T05:29:58.656" v="735" actId="1076"/>
-          <ac:picMkLst>
-            <pc:docMk/>
-            <pc:sldMk cId="4002411622" sldId="281"/>
-            <ac:picMk id="5" creationId="{54A09A78-C6B1-5533-116D-FE6F07F916E2}"/>
-          </ac:picMkLst>
-        </pc:picChg>
-      </pc:sldChg>
-      <pc:sldChg chg="addSp delSp modSp new mod">
-        <pc:chgData name="Emma Francis" userId="1a28f87ee4f117f1" providerId="LiveId" clId="{41D06EC1-1E87-41B1-83A3-CDDFA7DD00B1}" dt="2025-12-03T05:35:14.491" v="760" actId="1076"/>
-        <pc:sldMkLst>
-          <pc:docMk/>
-          <pc:sldMk cId="4272821383" sldId="282"/>
-        </pc:sldMkLst>
-        <pc:spChg chg="mod">
-          <ac:chgData name="Emma Francis" userId="1a28f87ee4f117f1" providerId="LiveId" clId="{41D06EC1-1E87-41B1-83A3-CDDFA7DD00B1}" dt="2025-12-03T05:35:01.750" v="755" actId="20577"/>
-          <ac:spMkLst>
-            <pc:docMk/>
-            <pc:sldMk cId="4272821383" sldId="282"/>
-            <ac:spMk id="2" creationId="{F6741F03-27C7-7A86-6708-56650C6FD952}"/>
-          </ac:spMkLst>
-        </pc:spChg>
-        <pc:spChg chg="del">
-          <ac:chgData name="Emma Francis" userId="1a28f87ee4f117f1" providerId="LiveId" clId="{41D06EC1-1E87-41B1-83A3-CDDFA7DD00B1}" dt="2025-12-03T05:35:05.574" v="756" actId="478"/>
-          <ac:spMkLst>
-            <pc:docMk/>
-            <pc:sldMk cId="4272821383" sldId="282"/>
-            <ac:spMk id="3" creationId="{25B7D8B8-A8C3-D8E0-191C-8F8652594DFF}"/>
-          </ac:spMkLst>
-        </pc:spChg>
-        <pc:picChg chg="add mod">
-          <ac:chgData name="Emma Francis" userId="1a28f87ee4f117f1" providerId="LiveId" clId="{41D06EC1-1E87-41B1-83A3-CDDFA7DD00B1}" dt="2025-12-03T05:35:14.491" v="760" actId="1076"/>
-          <ac:picMkLst>
-            <pc:docMk/>
-            <pc:sldMk cId="4272821383" sldId="282"/>
-            <ac:picMk id="5" creationId="{97338CA9-7D50-672F-032C-FFF4B2120FFD}"/>
-          </ac:picMkLst>
-        </pc:picChg>
-      </pc:sldChg>
-      <pc:sldChg chg="addSp delSp modSp new mod">
-        <pc:chgData name="Emma Francis" userId="1a28f87ee4f117f1" providerId="LiveId" clId="{41D06EC1-1E87-41B1-83A3-CDDFA7DD00B1}" dt="2025-12-03T05:36:55.614" v="797" actId="20577"/>
-        <pc:sldMkLst>
-          <pc:docMk/>
-          <pc:sldMk cId="3215791977" sldId="283"/>
-        </pc:sldMkLst>
-        <pc:spChg chg="mod">
-          <ac:chgData name="Emma Francis" userId="1a28f87ee4f117f1" providerId="LiveId" clId="{41D06EC1-1E87-41B1-83A3-CDDFA7DD00B1}" dt="2025-12-03T05:36:55.614" v="797" actId="20577"/>
-          <ac:spMkLst>
-            <pc:docMk/>
-            <pc:sldMk cId="3215791977" sldId="283"/>
-            <ac:spMk id="2" creationId="{986D1739-4829-45AD-3772-5319F6DBEB55}"/>
-          </ac:spMkLst>
-        </pc:spChg>
-        <pc:spChg chg="del">
-          <ac:chgData name="Emma Francis" userId="1a28f87ee4f117f1" providerId="LiveId" clId="{41D06EC1-1E87-41B1-83A3-CDDFA7DD00B1}" dt="2025-12-03T05:36:29.849" v="762" actId="478"/>
-          <ac:spMkLst>
-            <pc:docMk/>
-            <pc:sldMk cId="3215791977" sldId="283"/>
-            <ac:spMk id="3" creationId="{5AB59D44-94A6-C41C-F890-AEEEC109B2C7}"/>
-          </ac:spMkLst>
-        </pc:spChg>
-        <pc:picChg chg="add mod">
-          <ac:chgData name="Emma Francis" userId="1a28f87ee4f117f1" providerId="LiveId" clId="{41D06EC1-1E87-41B1-83A3-CDDFA7DD00B1}" dt="2025-12-03T05:36:35.760" v="765" actId="14100"/>
-          <ac:picMkLst>
-            <pc:docMk/>
-            <pc:sldMk cId="3215791977" sldId="283"/>
-            <ac:picMk id="5" creationId="{19FF9ADA-1530-8537-FCD6-F1B5C01ABA72}"/>
-          </ac:picMkLst>
-        </pc:picChg>
-      </pc:sldChg>
-      <pc:sldChg chg="addSp delSp modSp new mod">
-        <pc:chgData name="Emma Francis" userId="1a28f87ee4f117f1" providerId="LiveId" clId="{41D06EC1-1E87-41B1-83A3-CDDFA7DD00B1}" dt="2025-12-03T05:39:30.442" v="825" actId="1076"/>
-        <pc:sldMkLst>
-          <pc:docMk/>
-          <pc:sldMk cId="2298523515" sldId="284"/>
-        </pc:sldMkLst>
-        <pc:spChg chg="mod">
-          <ac:chgData name="Emma Francis" userId="1a28f87ee4f117f1" providerId="LiveId" clId="{41D06EC1-1E87-41B1-83A3-CDDFA7DD00B1}" dt="2025-12-03T05:38:03.508" v="820" actId="20577"/>
-          <ac:spMkLst>
-            <pc:docMk/>
-            <pc:sldMk cId="2298523515" sldId="284"/>
-            <ac:spMk id="2" creationId="{23413804-F293-6675-AB48-9152B9EDB39E}"/>
-          </ac:spMkLst>
-        </pc:spChg>
-        <pc:spChg chg="del">
-          <ac:chgData name="Emma Francis" userId="1a28f87ee4f117f1" providerId="LiveId" clId="{41D06EC1-1E87-41B1-83A3-CDDFA7DD00B1}" dt="2025-12-03T05:39:21.749" v="821" actId="478"/>
-          <ac:spMkLst>
-            <pc:docMk/>
-            <pc:sldMk cId="2298523515" sldId="284"/>
-            <ac:spMk id="3" creationId="{7047CB78-32B7-3D70-6CF0-3B045BCCE7AB}"/>
-          </ac:spMkLst>
-        </pc:spChg>
-        <pc:picChg chg="add mod">
-          <ac:chgData name="Emma Francis" userId="1a28f87ee4f117f1" providerId="LiveId" clId="{41D06EC1-1E87-41B1-83A3-CDDFA7DD00B1}" dt="2025-12-03T05:39:30.442" v="825" actId="1076"/>
-          <ac:picMkLst>
-            <pc:docMk/>
-            <pc:sldMk cId="2298523515" sldId="284"/>
-            <ac:picMk id="5" creationId="{DC165BCD-CD3F-5FEE-3149-3A909EDBF1BA}"/>
-          </ac:picMkLst>
-        </pc:picChg>
-      </pc:sldChg>
-      <pc:sldChg chg="addSp delSp modSp new mod">
-        <pc:chgData name="Emma Francis" userId="1a28f87ee4f117f1" providerId="LiveId" clId="{41D06EC1-1E87-41B1-83A3-CDDFA7DD00B1}" dt="2025-12-03T05:42:03.671" v="861" actId="1076"/>
-        <pc:sldMkLst>
-          <pc:docMk/>
-          <pc:sldMk cId="3742934645" sldId="285"/>
-        </pc:sldMkLst>
-        <pc:spChg chg="mod">
-          <ac:chgData name="Emma Francis" userId="1a28f87ee4f117f1" providerId="LiveId" clId="{41D06EC1-1E87-41B1-83A3-CDDFA7DD00B1}" dt="2025-12-03T05:39:41.842" v="848" actId="20577"/>
-          <ac:spMkLst>
-            <pc:docMk/>
-            <pc:sldMk cId="3742934645" sldId="285"/>
-            <ac:spMk id="2" creationId="{16229C68-6E2D-3D66-5693-B6937605D8F6}"/>
-          </ac:spMkLst>
-        </pc:spChg>
-        <pc:spChg chg="del">
-          <ac:chgData name="Emma Francis" userId="1a28f87ee4f117f1" providerId="LiveId" clId="{41D06EC1-1E87-41B1-83A3-CDDFA7DD00B1}" dt="2025-12-03T05:40:53.795" v="849" actId="478"/>
-          <ac:spMkLst>
-            <pc:docMk/>
-            <pc:sldMk cId="3742934645" sldId="285"/>
-            <ac:spMk id="3" creationId="{7907D0E0-3165-10ED-59CC-4C3DB9708F8E}"/>
-          </ac:spMkLst>
-        </pc:spChg>
-        <pc:picChg chg="add mod">
-          <ac:chgData name="Emma Francis" userId="1a28f87ee4f117f1" providerId="LiveId" clId="{41D06EC1-1E87-41B1-83A3-CDDFA7DD00B1}" dt="2025-12-03T05:42:03.671" v="861" actId="1076"/>
-          <ac:picMkLst>
-            <pc:docMk/>
-            <pc:sldMk cId="3742934645" sldId="285"/>
-            <ac:picMk id="5" creationId="{0956EF4C-B635-0B93-75A9-06CA26DE9441}"/>
-          </ac:picMkLst>
-        </pc:picChg>
-      </pc:sldChg>
-      <pc:sldChg chg="addSp delSp modSp new mod">
-        <pc:chgData name="Emma Francis" userId="1a28f87ee4f117f1" providerId="LiveId" clId="{41D06EC1-1E87-41B1-83A3-CDDFA7DD00B1}" dt="2025-12-03T05:44:05.062" v="922" actId="1076"/>
-        <pc:sldMkLst>
-          <pc:docMk/>
-          <pc:sldMk cId="1748006529" sldId="286"/>
-        </pc:sldMkLst>
-        <pc:spChg chg="mod">
-          <ac:chgData name="Emma Francis" userId="1a28f87ee4f117f1" providerId="LiveId" clId="{41D06EC1-1E87-41B1-83A3-CDDFA7DD00B1}" dt="2025-12-03T05:42:47.139" v="879" actId="20577"/>
-          <ac:spMkLst>
-            <pc:docMk/>
-            <pc:sldMk cId="1748006529" sldId="286"/>
-            <ac:spMk id="2" creationId="{86A013A9-5EAC-67F8-2AEA-9F6F1D190EEC}"/>
-          </ac:spMkLst>
-        </pc:spChg>
-        <pc:spChg chg="del">
-          <ac:chgData name="Emma Francis" userId="1a28f87ee4f117f1" providerId="LiveId" clId="{41D06EC1-1E87-41B1-83A3-CDDFA7DD00B1}" dt="2025-12-03T05:42:49.827" v="880" actId="478"/>
-          <ac:spMkLst>
-            <pc:docMk/>
-            <pc:sldMk cId="1748006529" sldId="286"/>
-            <ac:spMk id="3" creationId="{18526FC0-8F39-CEF5-C50E-E1D74549ADA2}"/>
-          </ac:spMkLst>
-        </pc:spChg>
-        <pc:spChg chg="add mod">
-          <ac:chgData name="Emma Francis" userId="1a28f87ee4f117f1" providerId="LiveId" clId="{41D06EC1-1E87-41B1-83A3-CDDFA7DD00B1}" dt="2025-12-03T05:44:05.062" v="922" actId="1076"/>
-          <ac:spMkLst>
-            <pc:docMk/>
-            <pc:sldMk cId="1748006529" sldId="286"/>
-            <ac:spMk id="6" creationId="{39B88395-FC3E-6AB9-8BAF-C89469E40847}"/>
-          </ac:spMkLst>
-        </pc:spChg>
-        <pc:picChg chg="add mod">
-          <ac:chgData name="Emma Francis" userId="1a28f87ee4f117f1" providerId="LiveId" clId="{41D06EC1-1E87-41B1-83A3-CDDFA7DD00B1}" dt="2025-12-03T05:43:03.174" v="886" actId="14100"/>
-          <ac:picMkLst>
-            <pc:docMk/>
-            <pc:sldMk cId="1748006529" sldId="286"/>
-            <ac:picMk id="5" creationId="{B6DE2A1D-A53E-06D7-EDD9-1E2AC1ED4FEF}"/>
-          </ac:picMkLst>
-        </pc:picChg>
-      </pc:sldChg>
-    </pc:docChg>
-  </pc:docChgLst>
-</pc:chgInfo>
 </file>
 
 <file path=ppt/notesMasters/notesMaster1.xml><?xml version="1.0" encoding="utf-8"?>
@@ -639,7 +236,7 @@
           <a:p>
             <a:fld id="{C4F179CE-8438-496C-8BC1-59B621BFFEBB}" type="datetimeFigureOut">
               <a:rPr lang="en-US" smtClean="0"/>
-              <a:t>12/2/2025</a:t>
+              <a:t>12/3/2025</a:t>
             </a:fld>
             <a:endParaRPr lang="en-US"/>
           </a:p>
@@ -3032,7 +2629,7 @@
           <a:p>
             <a:fld id="{C7CB63CC-3986-A348-B522-7E03CA4B0442}" type="datetimeFigureOut">
               <a:rPr kumimoji="1" lang="zh-TW" altLang="en-US" smtClean="0"/>
-              <a:t>2025/12/2</a:t>
+              <a:t>2025/12/3</a:t>
             </a:fld>
             <a:endParaRPr kumimoji="1" lang="zh-TW" altLang="en-US"/>
           </a:p>
@@ -3283,7 +2880,7 @@
           <a:p>
             <a:fld id="{C7CB63CC-3986-A348-B522-7E03CA4B0442}" type="datetimeFigureOut">
               <a:rPr kumimoji="1" lang="zh-TW" altLang="en-US" smtClean="0"/>
-              <a:t>2025/12/2</a:t>
+              <a:t>2025/12/3</a:t>
             </a:fld>
             <a:endParaRPr kumimoji="1" lang="zh-TW" altLang="en-US"/>
           </a:p>
@@ -3597,7 +3194,7 @@
           <a:p>
             <a:fld id="{C7CB63CC-3986-A348-B522-7E03CA4B0442}" type="datetimeFigureOut">
               <a:rPr kumimoji="1" lang="zh-TW" altLang="en-US" smtClean="0"/>
-              <a:t>2025/12/2</a:t>
+              <a:t>2025/12/3</a:t>
             </a:fld>
             <a:endParaRPr kumimoji="1" lang="zh-TW" altLang="en-US"/>
           </a:p>
@@ -3930,7 +3527,7 @@
           <a:p>
             <a:fld id="{C7CB63CC-3986-A348-B522-7E03CA4B0442}" type="datetimeFigureOut">
               <a:rPr kumimoji="1" lang="zh-TW" altLang="en-US" smtClean="0"/>
-              <a:t>2025/12/2</a:t>
+              <a:t>2025/12/3</a:t>
             </a:fld>
             <a:endParaRPr kumimoji="1" lang="zh-TW" altLang="en-US"/>
           </a:p>
@@ -4244,7 +3841,7 @@
           <a:p>
             <a:fld id="{C7CB63CC-3986-A348-B522-7E03CA4B0442}" type="datetimeFigureOut">
               <a:rPr kumimoji="1" lang="zh-TW" altLang="en-US" smtClean="0"/>
-              <a:t>2025/12/2</a:t>
+              <a:t>2025/12/3</a:t>
             </a:fld>
             <a:endParaRPr kumimoji="1" lang="zh-TW" altLang="en-US"/>
           </a:p>
@@ -4637,7 +4234,7 @@
           <a:p>
             <a:fld id="{C7CB63CC-3986-A348-B522-7E03CA4B0442}" type="datetimeFigureOut">
               <a:rPr kumimoji="1" lang="zh-TW" altLang="en-US" smtClean="0"/>
-              <a:t>2025/12/2</a:t>
+              <a:t>2025/12/3</a:t>
             </a:fld>
             <a:endParaRPr kumimoji="1" lang="zh-TW" altLang="en-US"/>
           </a:p>
@@ -4807,7 +4404,7 @@
           <a:p>
             <a:fld id="{C7CB63CC-3986-A348-B522-7E03CA4B0442}" type="datetimeFigureOut">
               <a:rPr kumimoji="1" lang="zh-TW" altLang="en-US" smtClean="0"/>
-              <a:t>2025/12/2</a:t>
+              <a:t>2025/12/3</a:t>
             </a:fld>
             <a:endParaRPr kumimoji="1" lang="zh-TW" altLang="en-US"/>
           </a:p>
@@ -4987,7 +4584,7 @@
           <a:p>
             <a:fld id="{C7CB63CC-3986-A348-B522-7E03CA4B0442}" type="datetimeFigureOut">
               <a:rPr kumimoji="1" lang="zh-TW" altLang="en-US" smtClean="0"/>
-              <a:t>2025/12/2</a:t>
+              <a:t>2025/12/3</a:t>
             </a:fld>
             <a:endParaRPr kumimoji="1" lang="zh-TW" altLang="en-US"/>
           </a:p>
@@ -5157,7 +4754,7 @@
           <a:p>
             <a:fld id="{C7CB63CC-3986-A348-B522-7E03CA4B0442}" type="datetimeFigureOut">
               <a:rPr kumimoji="1" lang="zh-TW" altLang="en-US" smtClean="0"/>
-              <a:t>2025/12/2</a:t>
+              <a:t>2025/12/3</a:t>
             </a:fld>
             <a:endParaRPr kumimoji="1" lang="zh-TW" altLang="en-US"/>
           </a:p>
@@ -5404,7 +5001,7 @@
           <a:p>
             <a:fld id="{C7CB63CC-3986-A348-B522-7E03CA4B0442}" type="datetimeFigureOut">
               <a:rPr kumimoji="1" lang="zh-TW" altLang="en-US" smtClean="0"/>
-              <a:t>2025/12/2</a:t>
+              <a:t>2025/12/3</a:t>
             </a:fld>
             <a:endParaRPr kumimoji="1" lang="zh-TW" altLang="en-US"/>
           </a:p>
@@ -5636,7 +5233,7 @@
           <a:p>
             <a:fld id="{C7CB63CC-3986-A348-B522-7E03CA4B0442}" type="datetimeFigureOut">
               <a:rPr kumimoji="1" lang="zh-TW" altLang="en-US" smtClean="0"/>
-              <a:t>2025/12/2</a:t>
+              <a:t>2025/12/3</a:t>
             </a:fld>
             <a:endParaRPr kumimoji="1" lang="zh-TW" altLang="en-US"/>
           </a:p>
@@ -6015,7 +5612,7 @@
           <a:p>
             <a:fld id="{C7CB63CC-3986-A348-B522-7E03CA4B0442}" type="datetimeFigureOut">
               <a:rPr kumimoji="1" lang="zh-TW" altLang="en-US" smtClean="0"/>
-              <a:t>2025/12/2</a:t>
+              <a:t>2025/12/3</a:t>
             </a:fld>
             <a:endParaRPr kumimoji="1" lang="zh-TW" altLang="en-US"/>
           </a:p>
@@ -6143,7 +5740,7 @@
           <a:p>
             <a:fld id="{C7CB63CC-3986-A348-B522-7E03CA4B0442}" type="datetimeFigureOut">
               <a:rPr kumimoji="1" lang="zh-TW" altLang="en-US" smtClean="0"/>
-              <a:t>2025/12/2</a:t>
+              <a:t>2025/12/3</a:t>
             </a:fld>
             <a:endParaRPr kumimoji="1" lang="zh-TW" altLang="en-US"/>
           </a:p>
@@ -6238,7 +5835,7 @@
           <a:p>
             <a:fld id="{C7CB63CC-3986-A348-B522-7E03CA4B0442}" type="datetimeFigureOut">
               <a:rPr kumimoji="1" lang="zh-TW" altLang="en-US" smtClean="0"/>
-              <a:t>2025/12/2</a:t>
+              <a:t>2025/12/3</a:t>
             </a:fld>
             <a:endParaRPr kumimoji="1" lang="zh-TW" altLang="en-US"/>
           </a:p>
@@ -6493,7 +6090,7 @@
           <a:p>
             <a:fld id="{C7CB63CC-3986-A348-B522-7E03CA4B0442}" type="datetimeFigureOut">
               <a:rPr kumimoji="1" lang="zh-TW" altLang="en-US" smtClean="0"/>
-              <a:t>2025/12/2</a:t>
+              <a:t>2025/12/3</a:t>
             </a:fld>
             <a:endParaRPr kumimoji="1" lang="zh-TW" altLang="en-US"/>
           </a:p>
@@ -6803,7 +6400,7 @@
           <a:p>
             <a:fld id="{C7CB63CC-3986-A348-B522-7E03CA4B0442}" type="datetimeFigureOut">
               <a:rPr kumimoji="1" lang="zh-TW" altLang="en-US" smtClean="0"/>
-              <a:t>2025/12/2</a:t>
+              <a:t>2025/12/3</a:t>
             </a:fld>
             <a:endParaRPr kumimoji="1" lang="zh-TW" altLang="en-US"/>
           </a:p>
@@ -7561,7 +7158,7 @@
           <a:p>
             <a:fld id="{C7CB63CC-3986-A348-B522-7E03CA4B0442}" type="datetimeFigureOut">
               <a:rPr kumimoji="1" lang="zh-TW" altLang="en-US" smtClean="0"/>
-              <a:t>2025/12/2</a:t>
+              <a:t>2025/12/3</a:t>
             </a:fld>
             <a:endParaRPr kumimoji="1" lang="zh-TW" altLang="en-US"/>
           </a:p>
@@ -9071,36 +8668,54 @@
       </p:sp>
       <p:sp>
         <p:nvSpPr>
-          <p:cNvPr id="3" name="內容版面配置區 2">
+          <p:cNvPr id="5" name="TextBox 4">
             <a:extLst>
               <a:ext uri="{FF2B5EF4-FFF2-40B4-BE49-F238E27FC236}">
-                <a16:creationId xmlns:a16="http://schemas.microsoft.com/office/drawing/2014/main" id="{7FADB854-6B60-B180-740D-C54E8522B8E6}"/>
+                <a16:creationId xmlns:a16="http://schemas.microsoft.com/office/drawing/2014/main" id="{00C174D1-B207-D13F-C0A6-49F3B7E25FF7}"/>
               </a:ext>
             </a:extLst>
           </p:cNvPr>
-          <p:cNvSpPr>
-            <a:spLocks noGrp="1"/>
-          </p:cNvSpPr>
-          <p:nvPr>
-            <p:ph idx="1"/>
-          </p:nvPr>
+          <p:cNvSpPr txBox="1"/>
+          <p:nvPr/>
         </p:nvSpPr>
         <p:spPr>
           <a:xfrm>
-            <a:off x="677334" y="1930400"/>
-            <a:ext cx="7968826" cy="3880773"/>
+            <a:off x="678756" y="1482378"/>
+            <a:ext cx="8183495" cy="1815882"/>
           </a:xfrm>
+          <a:prstGeom prst="rect">
+            <a:avLst/>
+          </a:prstGeom>
+          <a:noFill/>
         </p:spPr>
         <p:txBody>
-          <a:bodyPr>
-            <a:normAutofit/>
+          <a:bodyPr rot="0" spcFirstLastPara="0" vertOverflow="overflow" horzOverflow="overflow" vert="horz" wrap="square" lIns="91440" tIns="45720" rIns="91440" bIns="45720" numCol="1" spcCol="0" rtlCol="0" fromWordArt="0" anchor="t" anchorCtr="0" forceAA="0" compatLnSpc="1">
+            <a:prstTxWarp prst="textNoShape">
+              <a:avLst/>
+            </a:prstTxWarp>
+            <a:spAutoFit/>
           </a:bodyPr>
           <a:lstStyle/>
           <a:p>
-            <a:pPr marL="0" indent="0">
-              <a:buNone/>
-            </a:pPr>
-            <a:endParaRPr lang="en" altLang="zh-TW" sz="2800" dirty="0"/>
+            <a:r>
+              <a:rPr lang="en-US" sz="2800" dirty="0">
+                <a:solidFill>
+                  <a:srgbClr val="404040"/>
+                </a:solidFill>
+                <a:latin typeface="Times New Roman"/>
+                <a:ea typeface="Segoe UI"/>
+                <a:cs typeface="Segoe UI"/>
+              </a:rPr>
+              <a:t>To what extent can socio-economic factors, particularly educational attainment, predict mental health diagnosis among adults in New York State using PCS 2019, and which variables are the strongest predictors</a:t>
+            </a:r>
+            <a:endParaRPr lang="en-US" sz="2800" dirty="0">
+              <a:solidFill>
+                <a:srgbClr val="000000"/>
+              </a:solidFill>
+              <a:latin typeface="Times New Roman"/>
+              <a:ea typeface="Segoe UI"/>
+              <a:cs typeface="Segoe UI"/>
+            </a:endParaRPr>
           </a:p>
         </p:txBody>
       </p:sp>
@@ -9118,6 +8733,3677 @@
 </file>
 
 <file path=ppt/slides/slide18.xml><?xml version="1.0" encoding="utf-8"?>
+<p:sld xmlns:a="http://schemas.openxmlformats.org/drawingml/2006/main" xmlns:r="http://schemas.openxmlformats.org/officeDocument/2006/relationships" xmlns:p="http://schemas.openxmlformats.org/presentationml/2006/main">
+  <p:cSld>
+    <p:spTree>
+      <p:nvGrpSpPr>
+        <p:cNvPr id="1" name="">
+          <a:extLst>
+            <a:ext uri="{FF2B5EF4-FFF2-40B4-BE49-F238E27FC236}">
+              <a16:creationId xmlns:a16="http://schemas.microsoft.com/office/drawing/2014/main" id="{A3EA56F5-E9DA-22D3-7160-C8BBE58D3E61}"/>
+            </a:ext>
+          </a:extLst>
+        </p:cNvPr>
+        <p:cNvGrpSpPr/>
+        <p:nvPr/>
+      </p:nvGrpSpPr>
+      <p:grpSpPr>
+        <a:xfrm>
+          <a:off x="0" y="0"/>
+          <a:ext cx="0" cy="0"/>
+          <a:chOff x="0" y="0"/>
+          <a:chExt cx="0" cy="0"/>
+        </a:xfrm>
+      </p:grpSpPr>
+      <p:sp>
+        <p:nvSpPr>
+          <p:cNvPr id="2" name="標題 1">
+            <a:extLst>
+              <a:ext uri="{FF2B5EF4-FFF2-40B4-BE49-F238E27FC236}">
+                <a16:creationId xmlns:a16="http://schemas.microsoft.com/office/drawing/2014/main" id="{7FD4444B-6C92-0A0D-7B5F-BF47F3CE9E20}"/>
+              </a:ext>
+            </a:extLst>
+          </p:cNvPr>
+          <p:cNvSpPr>
+            <a:spLocks noGrp="1"/>
+          </p:cNvSpPr>
+          <p:nvPr>
+            <p:ph type="title"/>
+          </p:nvPr>
+        </p:nvSpPr>
+        <p:spPr/>
+        <p:txBody>
+          <a:bodyPr/>
+          <a:lstStyle/>
+          <a:p>
+            <a:r>
+              <a:rPr kumimoji="1" lang="en-US" altLang="zh-TW" b="1" dirty="0">
+                <a:latin typeface="Times New Roman" panose="02020603050405020304" pitchFamily="18" charset="0"/>
+                <a:cs typeface="Times New Roman" panose="02020603050405020304" pitchFamily="18" charset="0"/>
+              </a:rPr>
+              <a:t>Smart Question 2</a:t>
+            </a:r>
+            <a:br>
+              <a:rPr kumimoji="1" lang="en-US" altLang="zh-TW" b="1" dirty="0">
+                <a:latin typeface="Times New Roman" panose="02020603050405020304" pitchFamily="18" charset="0"/>
+                <a:cs typeface="Times New Roman" panose="02020603050405020304" pitchFamily="18" charset="0"/>
+              </a:rPr>
+            </a:br>
+            <a:endParaRPr kumimoji="1" lang="zh-TW" altLang="en-US" b="1" dirty="0">
+              <a:latin typeface="Times New Roman" panose="02020603050405020304" pitchFamily="18" charset="0"/>
+              <a:cs typeface="Times New Roman" panose="02020603050405020304" pitchFamily="18" charset="0"/>
+            </a:endParaRPr>
+          </a:p>
+        </p:txBody>
+      </p:sp>
+      <p:sp>
+        <p:nvSpPr>
+          <p:cNvPr id="5" name="TextBox 4">
+            <a:extLst>
+              <a:ext uri="{FF2B5EF4-FFF2-40B4-BE49-F238E27FC236}">
+                <a16:creationId xmlns:a16="http://schemas.microsoft.com/office/drawing/2014/main" id="{AB94D341-047D-D9A2-4411-F1B983A5FAB7}"/>
+              </a:ext>
+            </a:extLst>
+          </p:cNvPr>
+          <p:cNvSpPr txBox="1"/>
+          <p:nvPr/>
+        </p:nvSpPr>
+        <p:spPr>
+          <a:xfrm>
+            <a:off x="678756" y="1482378"/>
+            <a:ext cx="8183495" cy="523220"/>
+          </a:xfrm>
+          <a:prstGeom prst="rect">
+            <a:avLst/>
+          </a:prstGeom>
+          <a:noFill/>
+        </p:spPr>
+        <p:txBody>
+          <a:bodyPr rot="0" spcFirstLastPara="0" vertOverflow="overflow" horzOverflow="overflow" vert="horz" wrap="square" lIns="91440" tIns="45720" rIns="91440" bIns="45720" numCol="1" spcCol="0" rtlCol="0" fromWordArt="0" anchor="t" anchorCtr="0" forceAA="0" compatLnSpc="1">
+            <a:prstTxWarp prst="textNoShape">
+              <a:avLst/>
+            </a:prstTxWarp>
+            <a:spAutoFit/>
+          </a:bodyPr>
+          <a:lstStyle/>
+          <a:p>
+            <a:endParaRPr lang="en-US" sz="2800" dirty="0">
+              <a:solidFill>
+                <a:srgbClr val="404040"/>
+              </a:solidFill>
+              <a:latin typeface="Times New Roman"/>
+              <a:ea typeface="Segoe UI"/>
+              <a:cs typeface="Segoe UI"/>
+            </a:endParaRPr>
+          </a:p>
+        </p:txBody>
+      </p:sp>
+      <p:sp>
+        <p:nvSpPr>
+          <p:cNvPr id="4" name="TextBox 3">
+            <a:extLst>
+              <a:ext uri="{FF2B5EF4-FFF2-40B4-BE49-F238E27FC236}">
+                <a16:creationId xmlns:a16="http://schemas.microsoft.com/office/drawing/2014/main" id="{6AAAAFF9-3629-F1D8-D86A-FA61CE257D13}"/>
+              </a:ext>
+            </a:extLst>
+          </p:cNvPr>
+          <p:cNvSpPr txBox="1"/>
+          <p:nvPr/>
+        </p:nvSpPr>
+        <p:spPr>
+          <a:xfrm>
+            <a:off x="678756" y="1411941"/>
+            <a:ext cx="6096000" cy="523220"/>
+          </a:xfrm>
+          <a:prstGeom prst="rect">
+            <a:avLst/>
+          </a:prstGeom>
+          <a:noFill/>
+        </p:spPr>
+        <p:txBody>
+          <a:bodyPr rot="0" spcFirstLastPara="0" vertOverflow="overflow" horzOverflow="overflow" vert="horz" wrap="square" lIns="91440" tIns="45720" rIns="91440" bIns="45720" numCol="1" spcCol="0" rtlCol="0" fromWordArt="0" anchor="t" anchorCtr="0" forceAA="0" compatLnSpc="1">
+            <a:prstTxWarp prst="textNoShape">
+              <a:avLst/>
+            </a:prstTxWarp>
+            <a:spAutoFit/>
+          </a:bodyPr>
+          <a:lstStyle/>
+          <a:p>
+            <a:r>
+              <a:rPr lang="en-US" sz="2800" b="1" dirty="0">
+                <a:solidFill>
+                  <a:schemeClr val="accent2"/>
+                </a:solidFill>
+                <a:latin typeface="Times New Roman"/>
+              </a:rPr>
+              <a:t>Target Variable:</a:t>
+            </a:r>
+            <a:r>
+              <a:rPr lang="en-US" sz="2800" dirty="0">
+                <a:solidFill>
+                  <a:srgbClr val="404040"/>
+                </a:solidFill>
+                <a:latin typeface="Times New Roman"/>
+              </a:rPr>
+              <a:t> Mental Illness</a:t>
+            </a:r>
+          </a:p>
+        </p:txBody>
+      </p:sp>
+      <p:sp>
+        <p:nvSpPr>
+          <p:cNvPr id="6" name="TextBox 5">
+            <a:extLst>
+              <a:ext uri="{FF2B5EF4-FFF2-40B4-BE49-F238E27FC236}">
+                <a16:creationId xmlns:a16="http://schemas.microsoft.com/office/drawing/2014/main" id="{A71FA099-114E-3978-A21B-191D2A994995}"/>
+              </a:ext>
+            </a:extLst>
+          </p:cNvPr>
+          <p:cNvSpPr txBox="1"/>
+          <p:nvPr/>
+        </p:nvSpPr>
+        <p:spPr>
+          <a:xfrm>
+            <a:off x="678756" y="2302009"/>
+            <a:ext cx="6096000" cy="523220"/>
+          </a:xfrm>
+          <a:prstGeom prst="rect">
+            <a:avLst/>
+          </a:prstGeom>
+          <a:noFill/>
+        </p:spPr>
+        <p:txBody>
+          <a:bodyPr rot="0" spcFirstLastPara="0" vertOverflow="overflow" horzOverflow="overflow" vert="horz" wrap="square" lIns="91440" tIns="45720" rIns="91440" bIns="45720" numCol="1" spcCol="0" rtlCol="0" fromWordArt="0" anchor="t" anchorCtr="0" forceAA="0" compatLnSpc="1">
+            <a:prstTxWarp prst="textNoShape">
+              <a:avLst/>
+            </a:prstTxWarp>
+            <a:spAutoFit/>
+          </a:bodyPr>
+          <a:lstStyle/>
+          <a:p>
+            <a:r>
+              <a:rPr lang="en-US" sz="2800" b="1" dirty="0">
+                <a:solidFill>
+                  <a:srgbClr val="2E83C3"/>
+                </a:solidFill>
+                <a:latin typeface="Times New Roman"/>
+              </a:rPr>
+              <a:t>Distribution:</a:t>
+            </a:r>
+            <a:r>
+              <a:rPr lang="en-US" sz="2800" baseline="0" dirty="0">
+                <a:solidFill>
+                  <a:srgbClr val="404040"/>
+                </a:solidFill>
+                <a:latin typeface="Times New Roman"/>
+              </a:rPr>
+              <a:t> </a:t>
+            </a:r>
+            <a:r>
+              <a:rPr lang="en-US" sz="2800" dirty="0">
+                <a:solidFill>
+                  <a:srgbClr val="404040"/>
+                </a:solidFill>
+                <a:latin typeface="Times New Roman"/>
+              </a:rPr>
+              <a:t>Yes (148046), No (2936)</a:t>
+            </a:r>
+            <a:endParaRPr lang="en-US" sz="2800">
+              <a:latin typeface="Times New Roman"/>
+              <a:cs typeface="Times New Roman"/>
+            </a:endParaRPr>
+          </a:p>
+        </p:txBody>
+      </p:sp>
+      <p:sp>
+        <p:nvSpPr>
+          <p:cNvPr id="7" name="TextBox 6">
+            <a:extLst>
+              <a:ext uri="{FF2B5EF4-FFF2-40B4-BE49-F238E27FC236}">
+                <a16:creationId xmlns:a16="http://schemas.microsoft.com/office/drawing/2014/main" id="{E4864F7F-0475-992C-E5D7-BA305867D0C5}"/>
+              </a:ext>
+            </a:extLst>
+          </p:cNvPr>
+          <p:cNvSpPr txBox="1"/>
+          <p:nvPr/>
+        </p:nvSpPr>
+        <p:spPr>
+          <a:xfrm>
+            <a:off x="678756" y="3160059"/>
+            <a:ext cx="10219763" cy="954107"/>
+          </a:xfrm>
+          <a:prstGeom prst="rect">
+            <a:avLst/>
+          </a:prstGeom>
+          <a:noFill/>
+        </p:spPr>
+        <p:txBody>
+          <a:bodyPr rot="0" spcFirstLastPara="0" vertOverflow="overflow" horzOverflow="overflow" vert="horz" wrap="square" lIns="91440" tIns="45720" rIns="91440" bIns="45720" numCol="1" spcCol="0" rtlCol="0" fromWordArt="0" anchor="t" anchorCtr="0" forceAA="0" compatLnSpc="1">
+            <a:prstTxWarp prst="textNoShape">
+              <a:avLst/>
+            </a:prstTxWarp>
+            <a:spAutoFit/>
+          </a:bodyPr>
+          <a:lstStyle/>
+          <a:p>
+            <a:r>
+              <a:rPr lang="en-US" sz="2800" b="1" dirty="0">
+                <a:solidFill>
+                  <a:srgbClr val="2E83C3"/>
+                </a:solidFill>
+                <a:latin typeface="Times New Roman"/>
+              </a:rPr>
+              <a:t>Reformat using distribution for predicting columns</a:t>
+            </a:r>
+            <a:r>
+              <a:rPr lang="en-US" sz="2800" b="1" baseline="0" dirty="0">
+                <a:solidFill>
+                  <a:srgbClr val="2E83C3"/>
+                </a:solidFill>
+                <a:latin typeface="Times New Roman"/>
+              </a:rPr>
+              <a:t>:</a:t>
+            </a:r>
+            <a:r>
+              <a:rPr lang="en-US" sz="2800" baseline="0" dirty="0">
+                <a:solidFill>
+                  <a:srgbClr val="404040"/>
+                </a:solidFill>
+                <a:latin typeface="Times New Roman"/>
+              </a:rPr>
+              <a:t> </a:t>
+            </a:r>
+            <a:r>
+              <a:rPr lang="en-US" sz="2800" dirty="0">
+                <a:solidFill>
+                  <a:srgbClr val="404040"/>
+                </a:solidFill>
+                <a:latin typeface="Times New Roman"/>
+              </a:rPr>
+              <a:t>Dropping columns with no predictive power and merging rare categories</a:t>
+            </a:r>
+            <a:endParaRPr lang="en-US" sz="2800" baseline="0" dirty="0">
+              <a:solidFill>
+                <a:srgbClr val="404040"/>
+              </a:solidFill>
+              <a:latin typeface="Times New Roman"/>
+            </a:endParaRPr>
+          </a:p>
+        </p:txBody>
+      </p:sp>
+      <p:sp>
+        <p:nvSpPr>
+          <p:cNvPr id="8" name="TextBox 7">
+            <a:extLst>
+              <a:ext uri="{FF2B5EF4-FFF2-40B4-BE49-F238E27FC236}">
+                <a16:creationId xmlns:a16="http://schemas.microsoft.com/office/drawing/2014/main" id="{C28410F5-5E30-255C-C416-F4E125BBD0A5}"/>
+              </a:ext>
+            </a:extLst>
+          </p:cNvPr>
+          <p:cNvSpPr txBox="1"/>
+          <p:nvPr/>
+        </p:nvSpPr>
+        <p:spPr>
+          <a:xfrm>
+            <a:off x="678756" y="4363891"/>
+            <a:ext cx="9297680" cy="1231106"/>
+          </a:xfrm>
+          <a:prstGeom prst="rect">
+            <a:avLst/>
+          </a:prstGeom>
+          <a:noFill/>
+        </p:spPr>
+        <p:txBody>
+          <a:bodyPr rot="0" spcFirstLastPara="0" vertOverflow="overflow" horzOverflow="overflow" vert="horz" wrap="square" lIns="91440" tIns="45720" rIns="91440" bIns="45720" numCol="1" spcCol="0" rtlCol="0" fromWordArt="0" anchor="t" anchorCtr="0" forceAA="0" compatLnSpc="1">
+            <a:prstTxWarp prst="textNoShape">
+              <a:avLst/>
+            </a:prstTxWarp>
+            <a:spAutoFit/>
+          </a:bodyPr>
+          <a:lstStyle/>
+          <a:p>
+            <a:r>
+              <a:rPr lang="en-US" sz="2800" b="1" dirty="0">
+                <a:solidFill>
+                  <a:srgbClr val="2E83C3"/>
+                </a:solidFill>
+                <a:latin typeface="Times New Roman"/>
+                <a:ea typeface="Segoe UI"/>
+                <a:cs typeface="Segoe UI"/>
+              </a:rPr>
+              <a:t>Running chi-square tests to check independence </a:t>
+            </a:r>
+            <a:r>
+              <a:rPr lang="en-US" sz="2800" b="1" baseline="0" dirty="0">
+                <a:solidFill>
+                  <a:srgbClr val="2E83C3"/>
+                </a:solidFill>
+                <a:latin typeface="Times New Roman"/>
+                <a:ea typeface="Segoe UI"/>
+                <a:cs typeface="Segoe UI"/>
+              </a:rPr>
+              <a:t>:</a:t>
+            </a:r>
+            <a:r>
+              <a:rPr lang="en-US" sz="2800" baseline="0" dirty="0">
+                <a:solidFill>
+                  <a:srgbClr val="404040"/>
+                </a:solidFill>
+                <a:latin typeface="Times New Roman"/>
+                <a:ea typeface="Segoe UI"/>
+                <a:cs typeface="Segoe UI"/>
+              </a:rPr>
+              <a:t> </a:t>
+            </a:r>
+            <a:r>
+              <a:rPr lang="en-US" sz="2800" dirty="0">
+                <a:solidFill>
+                  <a:srgbClr val="404040"/>
+                </a:solidFill>
+                <a:latin typeface="Times New Roman"/>
+                <a:ea typeface="Segoe UI"/>
+                <a:cs typeface="Segoe UI"/>
+              </a:rPr>
+              <a:t>Dropping columns where p-values are not significant</a:t>
+            </a:r>
+            <a:endParaRPr lang="en-US" dirty="0"/>
+          </a:p>
+          <a:p>
+            <a:pPr algn="ctr"/>
+            <a:endParaRPr lang="en-US"/>
+          </a:p>
+        </p:txBody>
+      </p:sp>
+    </p:spTree>
+    <p:extLst>
+      <p:ext uri="{BB962C8B-B14F-4D97-AF65-F5344CB8AC3E}">
+        <p14:creationId xmlns:p14="http://schemas.microsoft.com/office/powerpoint/2010/main" val="2767011085"/>
+      </p:ext>
+    </p:extLst>
+  </p:cSld>
+  <p:clrMapOvr>
+    <a:masterClrMapping/>
+  </p:clrMapOvr>
+</p:sld>
+</file>
+
+<file path=ppt/slides/slide19.xml><?xml version="1.0" encoding="utf-8"?>
+<p:sld xmlns:a="http://schemas.openxmlformats.org/drawingml/2006/main" xmlns:r="http://schemas.openxmlformats.org/officeDocument/2006/relationships" xmlns:p="http://schemas.openxmlformats.org/presentationml/2006/main">
+  <p:cSld>
+    <p:spTree>
+      <p:nvGrpSpPr>
+        <p:cNvPr id="1" name="">
+          <a:extLst>
+            <a:ext uri="{FF2B5EF4-FFF2-40B4-BE49-F238E27FC236}">
+              <a16:creationId xmlns:a16="http://schemas.microsoft.com/office/drawing/2014/main" id="{E3AEB61C-3762-DE99-B012-54D65915A07E}"/>
+            </a:ext>
+          </a:extLst>
+        </p:cNvPr>
+        <p:cNvGrpSpPr/>
+        <p:nvPr/>
+      </p:nvGrpSpPr>
+      <p:grpSpPr>
+        <a:xfrm>
+          <a:off x="0" y="0"/>
+          <a:ext cx="0" cy="0"/>
+          <a:chOff x="0" y="0"/>
+          <a:chExt cx="0" cy="0"/>
+        </a:xfrm>
+      </p:grpSpPr>
+      <p:sp>
+        <p:nvSpPr>
+          <p:cNvPr id="2" name="標題 1">
+            <a:extLst>
+              <a:ext uri="{FF2B5EF4-FFF2-40B4-BE49-F238E27FC236}">
+                <a16:creationId xmlns:a16="http://schemas.microsoft.com/office/drawing/2014/main" id="{801B5AB5-5812-A881-A60E-23045A468975}"/>
+              </a:ext>
+            </a:extLst>
+          </p:cNvPr>
+          <p:cNvSpPr>
+            <a:spLocks noGrp="1"/>
+          </p:cNvSpPr>
+          <p:nvPr>
+            <p:ph type="title"/>
+          </p:nvPr>
+        </p:nvSpPr>
+        <p:spPr/>
+        <p:txBody>
+          <a:bodyPr/>
+          <a:lstStyle/>
+          <a:p>
+            <a:br>
+              <a:rPr lang="en-US" altLang="zh-TW" b="1" dirty="0">
+                <a:latin typeface="Times New Roman" panose="02020603050405020304" pitchFamily="18" charset="0"/>
+                <a:cs typeface="Times New Roman" panose="02020603050405020304" pitchFamily="18" charset="0"/>
+              </a:rPr>
+            </a:br>
+            <a:endParaRPr kumimoji="1" lang="zh-TW" altLang="en-US" b="1" dirty="0">
+              <a:latin typeface="Times New Roman" panose="02020603050405020304" pitchFamily="18" charset="0"/>
+              <a:cs typeface="Times New Roman" panose="02020603050405020304" pitchFamily="18" charset="0"/>
+            </a:endParaRPr>
+          </a:p>
+        </p:txBody>
+      </p:sp>
+      <p:sp>
+        <p:nvSpPr>
+          <p:cNvPr id="5" name="TextBox 4">
+            <a:extLst>
+              <a:ext uri="{FF2B5EF4-FFF2-40B4-BE49-F238E27FC236}">
+                <a16:creationId xmlns:a16="http://schemas.microsoft.com/office/drawing/2014/main" id="{F39E1A99-34D6-21C6-CFA2-04E7B3C750D7}"/>
+              </a:ext>
+            </a:extLst>
+          </p:cNvPr>
+          <p:cNvSpPr txBox="1"/>
+          <p:nvPr/>
+        </p:nvSpPr>
+        <p:spPr>
+          <a:xfrm>
+            <a:off x="678756" y="1482378"/>
+            <a:ext cx="8183495" cy="523220"/>
+          </a:xfrm>
+          <a:prstGeom prst="rect">
+            <a:avLst/>
+          </a:prstGeom>
+          <a:noFill/>
+        </p:spPr>
+        <p:txBody>
+          <a:bodyPr rot="0" spcFirstLastPara="0" vertOverflow="overflow" horzOverflow="overflow" vert="horz" wrap="square" lIns="91440" tIns="45720" rIns="91440" bIns="45720" numCol="1" spcCol="0" rtlCol="0" fromWordArt="0" anchor="t" anchorCtr="0" forceAA="0" compatLnSpc="1">
+            <a:prstTxWarp prst="textNoShape">
+              <a:avLst/>
+            </a:prstTxWarp>
+            <a:spAutoFit/>
+          </a:bodyPr>
+          <a:lstStyle/>
+          <a:p>
+            <a:endParaRPr lang="en-US" sz="2800" dirty="0">
+              <a:solidFill>
+                <a:srgbClr val="404040"/>
+              </a:solidFill>
+              <a:latin typeface="Times New Roman"/>
+              <a:ea typeface="Segoe UI"/>
+              <a:cs typeface="Segoe UI"/>
+            </a:endParaRPr>
+          </a:p>
+        </p:txBody>
+      </p:sp>
+      <p:sp>
+        <p:nvSpPr>
+          <p:cNvPr id="4" name="TextBox 3">
+            <a:extLst>
+              <a:ext uri="{FF2B5EF4-FFF2-40B4-BE49-F238E27FC236}">
+                <a16:creationId xmlns:a16="http://schemas.microsoft.com/office/drawing/2014/main" id="{18966EFA-22F0-B25D-4A7B-5593F33630F2}"/>
+              </a:ext>
+            </a:extLst>
+          </p:cNvPr>
+          <p:cNvSpPr txBox="1"/>
+          <p:nvPr/>
+        </p:nvSpPr>
+        <p:spPr>
+          <a:xfrm>
+            <a:off x="678756" y="429472"/>
+            <a:ext cx="3984555" cy="954107"/>
+          </a:xfrm>
+          <a:prstGeom prst="rect">
+            <a:avLst/>
+          </a:prstGeom>
+          <a:noFill/>
+        </p:spPr>
+        <p:txBody>
+          <a:bodyPr rot="0" spcFirstLastPara="0" vertOverflow="overflow" horzOverflow="overflow" vert="horz" wrap="square" lIns="91440" tIns="45720" rIns="91440" bIns="45720" numCol="1" spcCol="0" rtlCol="0" fromWordArt="0" anchor="t" anchorCtr="0" forceAA="0" compatLnSpc="1">
+            <a:prstTxWarp prst="textNoShape">
+              <a:avLst/>
+            </a:prstTxWarp>
+            <a:spAutoFit/>
+          </a:bodyPr>
+          <a:lstStyle/>
+          <a:p>
+            <a:r>
+              <a:rPr lang="en-US" sz="2800" b="1" dirty="0">
+                <a:solidFill>
+                  <a:schemeClr val="accent2"/>
+                </a:solidFill>
+                <a:latin typeface="Times New Roman"/>
+              </a:rPr>
+              <a:t>Check for correlation between predictors:</a:t>
+            </a:r>
+            <a:endParaRPr lang="en-US" sz="2800" dirty="0">
+              <a:solidFill>
+                <a:schemeClr val="accent2"/>
+              </a:solidFill>
+              <a:latin typeface="Times New Roman"/>
+              <a:cs typeface="Times New Roman"/>
+            </a:endParaRPr>
+          </a:p>
+        </p:txBody>
+      </p:sp>
+      <p:pic>
+        <p:nvPicPr>
+          <p:cNvPr id="3" name="Picture 2" descr="A screenshot of a graph">
+            <a:extLst>
+              <a:ext uri="{FF2B5EF4-FFF2-40B4-BE49-F238E27FC236}">
+                <a16:creationId xmlns:a16="http://schemas.microsoft.com/office/drawing/2014/main" id="{48A4800A-E7F3-1CFC-07F7-EF12F70A5E50}"/>
+              </a:ext>
+            </a:extLst>
+          </p:cNvPr>
+          <p:cNvPicPr>
+            <a:picLocks noChangeAspect="1"/>
+          </p:cNvPicPr>
+          <p:nvPr/>
+        </p:nvPicPr>
+        <p:blipFill>
+          <a:blip r:embed="rId2"/>
+          <a:stretch>
+            <a:fillRect/>
+          </a:stretch>
+        </p:blipFill>
+        <p:spPr>
+          <a:xfrm>
+            <a:off x="5140962" y="105271"/>
+            <a:ext cx="6498083" cy="6653093"/>
+          </a:xfrm>
+          <a:prstGeom prst="rect">
+            <a:avLst/>
+          </a:prstGeom>
+        </p:spPr>
+      </p:pic>
+      <p:sp>
+        <p:nvSpPr>
+          <p:cNvPr id="9" name="TextBox 8">
+            <a:extLst>
+              <a:ext uri="{FF2B5EF4-FFF2-40B4-BE49-F238E27FC236}">
+                <a16:creationId xmlns:a16="http://schemas.microsoft.com/office/drawing/2014/main" id="{D44B2176-FBF1-3E5F-3477-77567DD83FA6}"/>
+              </a:ext>
+            </a:extLst>
+          </p:cNvPr>
+          <p:cNvSpPr txBox="1"/>
+          <p:nvPr/>
+        </p:nvSpPr>
+        <p:spPr>
+          <a:xfrm>
+            <a:off x="678757" y="1572025"/>
+            <a:ext cx="4610419" cy="3970318"/>
+          </a:xfrm>
+          <a:prstGeom prst="rect">
+            <a:avLst/>
+          </a:prstGeom>
+          <a:noFill/>
+        </p:spPr>
+        <p:txBody>
+          <a:bodyPr rot="0" spcFirstLastPara="0" vertOverflow="overflow" horzOverflow="overflow" vert="horz" wrap="square" lIns="91440" tIns="45720" rIns="91440" bIns="45720" numCol="1" spcCol="0" rtlCol="0" fromWordArt="0" anchor="t" anchorCtr="0" forceAA="0" compatLnSpc="1">
+            <a:prstTxWarp prst="textNoShape">
+              <a:avLst/>
+            </a:prstTxWarp>
+            <a:spAutoFit/>
+          </a:bodyPr>
+          <a:lstStyle/>
+          <a:p>
+            <a:r>
+              <a:rPr lang="en-US" sz="1200" dirty="0">
+                <a:solidFill>
+                  <a:srgbClr val="CE9178"/>
+                </a:solidFill>
+                <a:latin typeface="Menlo"/>
+                <a:ea typeface="Menlo"/>
+                <a:cs typeface="Menlo"/>
+              </a:rPr>
+              <a:t>The highly correlated variables are:</a:t>
+            </a:r>
+          </a:p>
+          <a:p>
+            <a:r>
+              <a:rPr lang="en-US" sz="1200" dirty="0">
+                <a:solidFill>
+                  <a:srgbClr val="CE9178"/>
+                </a:solidFill>
+                <a:latin typeface="Menlo"/>
+                <a:ea typeface="Menlo"/>
+                <a:cs typeface="Menlo"/>
+              </a:rPr>
+              <a:t>- Household Composition and Living Situation</a:t>
+            </a:r>
+          </a:p>
+          <a:p>
+            <a:r>
+              <a:rPr lang="en-US" sz="1200" dirty="0">
+                <a:solidFill>
+                  <a:srgbClr val="CE9178"/>
+                </a:solidFill>
+                <a:latin typeface="Menlo"/>
+                <a:ea typeface="Menlo"/>
+                <a:cs typeface="Menlo"/>
+              </a:rPr>
+              <a:t>- Employment Status and Working Status</a:t>
+            </a:r>
+          </a:p>
+          <a:p>
+            <a:r>
+              <a:rPr lang="en-US" sz="1200" dirty="0">
+                <a:solidFill>
+                  <a:srgbClr val="CE9178"/>
+                </a:solidFill>
+                <a:latin typeface="Menlo"/>
+                <a:ea typeface="Menlo"/>
+                <a:cs typeface="Menlo"/>
+              </a:rPr>
+              <a:t>- Medicaid And Medicare Insurance and Other Insurance</a:t>
+            </a:r>
+          </a:p>
+          <a:p>
+            <a:r>
+              <a:rPr lang="en-US" sz="1200" dirty="0">
+                <a:solidFill>
+                  <a:srgbClr val="CE9178"/>
+                </a:solidFill>
+                <a:latin typeface="Menlo"/>
+                <a:ea typeface="Menlo"/>
+                <a:cs typeface="Menlo"/>
+              </a:rPr>
+              <a:t>- Medicaid And Medicare Insurance and Private Insurance</a:t>
+            </a:r>
+          </a:p>
+          <a:p>
+            <a:r>
+              <a:rPr lang="en-US" sz="1200" dirty="0">
+                <a:solidFill>
+                  <a:srgbClr val="CE9178"/>
+                </a:solidFill>
+                <a:latin typeface="Menlo"/>
+                <a:ea typeface="Menlo"/>
+                <a:cs typeface="Menlo"/>
+              </a:rPr>
+              <a:t>- Medicaid And Medicare Insurance and Medicaid Insurance</a:t>
+            </a:r>
+          </a:p>
+          <a:p>
+            <a:r>
+              <a:rPr lang="en-US" sz="1200" dirty="0">
+                <a:solidFill>
+                  <a:srgbClr val="CE9178"/>
+                </a:solidFill>
+                <a:latin typeface="Menlo"/>
+                <a:ea typeface="Menlo"/>
+                <a:cs typeface="Menlo"/>
+              </a:rPr>
+              <a:t>- Medicaid And Medicare Insurance and Unknown Insurance Coverage</a:t>
+            </a:r>
+          </a:p>
+          <a:p>
+            <a:r>
+              <a:rPr lang="en-US" sz="1200" dirty="0">
+                <a:solidFill>
+                  <a:srgbClr val="CE9178"/>
+                </a:solidFill>
+                <a:latin typeface="Menlo"/>
+                <a:ea typeface="Menlo"/>
+                <a:cs typeface="Menlo"/>
+              </a:rPr>
+              <a:t>- Unknown Insurance Coverage and Medicaid Insurance</a:t>
+            </a:r>
+          </a:p>
+          <a:p>
+            <a:r>
+              <a:rPr lang="en-US" sz="1200" dirty="0">
+                <a:solidFill>
+                  <a:srgbClr val="CE9178"/>
+                </a:solidFill>
+                <a:latin typeface="Menlo"/>
+                <a:ea typeface="Menlo"/>
+                <a:cs typeface="Menlo"/>
+              </a:rPr>
+              <a:t>- Medicaid Insurance and No Insurance</a:t>
+            </a:r>
+          </a:p>
+          <a:p>
+            <a:r>
+              <a:rPr lang="en-US" sz="1200" dirty="0">
+                <a:solidFill>
+                  <a:srgbClr val="CE9178"/>
+                </a:solidFill>
+                <a:latin typeface="Menlo"/>
+                <a:ea typeface="Menlo"/>
+                <a:cs typeface="Menlo"/>
+              </a:rPr>
+              <a:t>- Medicaid Managed Insurance and Medicaid Insurance</a:t>
+            </a:r>
+          </a:p>
+          <a:p>
+            <a:r>
+              <a:rPr lang="en-US" sz="1200" dirty="0">
+                <a:solidFill>
+                  <a:srgbClr val="CE9178"/>
+                </a:solidFill>
+                <a:latin typeface="Menlo"/>
+                <a:ea typeface="Menlo"/>
+                <a:cs typeface="Menlo"/>
+              </a:rPr>
+              <a:t>- Private Insurance and Other Insurance"""</a:t>
+            </a:r>
+          </a:p>
+          <a:p>
+            <a:endParaRPr lang="en-US" sz="1200" dirty="0">
+              <a:solidFill>
+                <a:srgbClr val="CE9178"/>
+              </a:solidFill>
+              <a:latin typeface="Menlo"/>
+              <a:ea typeface="Menlo"/>
+              <a:cs typeface="Menlo"/>
+            </a:endParaRPr>
+          </a:p>
+          <a:p>
+            <a:r>
+              <a:rPr lang="en-US" sz="1200" dirty="0" err="1">
+                <a:solidFill>
+                  <a:srgbClr val="9CDCFE"/>
+                </a:solidFill>
+                <a:latin typeface="Menlo"/>
+                <a:ea typeface="Menlo"/>
+                <a:cs typeface="Menlo"/>
+              </a:rPr>
+              <a:t>drop_cols</a:t>
+            </a:r>
+            <a:r>
+              <a:rPr lang="en-US" sz="1200" dirty="0">
+                <a:solidFill>
+                  <a:srgbClr val="CCCCCC"/>
+                </a:solidFill>
+                <a:latin typeface="Menlo"/>
+                <a:ea typeface="Menlo"/>
+                <a:cs typeface="Menlo"/>
+              </a:rPr>
+              <a:t> </a:t>
+            </a:r>
+            <a:r>
+              <a:rPr lang="en-US" sz="1200" dirty="0">
+                <a:solidFill>
+                  <a:srgbClr val="D4D4D4"/>
+                </a:solidFill>
+                <a:latin typeface="Menlo"/>
+                <a:ea typeface="Menlo"/>
+                <a:cs typeface="Menlo"/>
+              </a:rPr>
+              <a:t>=</a:t>
+            </a:r>
+            <a:r>
+              <a:rPr lang="en-US" sz="1200" dirty="0">
+                <a:solidFill>
+                  <a:srgbClr val="CCCCCC"/>
+                </a:solidFill>
+                <a:latin typeface="Menlo"/>
+                <a:ea typeface="Menlo"/>
+                <a:cs typeface="Menlo"/>
+              </a:rPr>
+              <a:t> [</a:t>
+            </a:r>
+            <a:r>
+              <a:rPr lang="en-US" sz="1200" dirty="0">
+                <a:solidFill>
+                  <a:srgbClr val="CE9178"/>
+                </a:solidFill>
+                <a:latin typeface="Menlo"/>
+                <a:ea typeface="Menlo"/>
+                <a:cs typeface="Menlo"/>
+              </a:rPr>
+              <a:t>"Household Composition"</a:t>
+            </a:r>
+            <a:r>
+              <a:rPr lang="en-US" sz="1200" dirty="0">
+                <a:solidFill>
+                  <a:srgbClr val="CCCCCC"/>
+                </a:solidFill>
+                <a:latin typeface="Menlo"/>
+                <a:ea typeface="Menlo"/>
+                <a:cs typeface="Menlo"/>
+              </a:rPr>
+              <a:t>, </a:t>
+            </a:r>
+            <a:r>
+              <a:rPr lang="en-US" sz="1200" dirty="0">
+                <a:solidFill>
+                  <a:srgbClr val="CE9178"/>
+                </a:solidFill>
+                <a:latin typeface="Menlo"/>
+                <a:ea typeface="Menlo"/>
+                <a:cs typeface="Menlo"/>
+              </a:rPr>
+              <a:t>"Employment Status"</a:t>
+            </a:r>
+            <a:r>
+              <a:rPr lang="en-US" sz="1200" dirty="0">
+                <a:solidFill>
+                  <a:srgbClr val="CCCCCC"/>
+                </a:solidFill>
+                <a:latin typeface="Menlo"/>
+                <a:ea typeface="Menlo"/>
+                <a:cs typeface="Menlo"/>
+              </a:rPr>
+              <a:t>, </a:t>
+            </a:r>
+            <a:r>
+              <a:rPr lang="en-US" sz="1200" dirty="0">
+                <a:solidFill>
+                  <a:srgbClr val="CE9178"/>
+                </a:solidFill>
+                <a:latin typeface="Menlo"/>
+                <a:ea typeface="Menlo"/>
+                <a:cs typeface="Menlo"/>
+              </a:rPr>
+              <a:t>"Other Insurance"</a:t>
+            </a:r>
+            <a:r>
+              <a:rPr lang="en-US" sz="1200" dirty="0">
+                <a:solidFill>
+                  <a:srgbClr val="CCCCCC"/>
+                </a:solidFill>
+                <a:latin typeface="Menlo"/>
+                <a:ea typeface="Menlo"/>
+                <a:cs typeface="Menlo"/>
+              </a:rPr>
+              <a:t>, </a:t>
+            </a:r>
+            <a:r>
+              <a:rPr lang="en-US" sz="1200" dirty="0">
+                <a:solidFill>
+                  <a:srgbClr val="CE9178"/>
+                </a:solidFill>
+                <a:latin typeface="Menlo"/>
+                <a:ea typeface="Menlo"/>
+                <a:cs typeface="Menlo"/>
+              </a:rPr>
+              <a:t>"Private Insurance"</a:t>
+            </a:r>
+            <a:r>
+              <a:rPr lang="en-US" sz="1200" dirty="0">
+                <a:solidFill>
+                  <a:srgbClr val="CCCCCC"/>
+                </a:solidFill>
+                <a:latin typeface="Menlo"/>
+                <a:ea typeface="Menlo"/>
+                <a:cs typeface="Menlo"/>
+              </a:rPr>
+              <a:t>, </a:t>
+            </a:r>
+            <a:r>
+              <a:rPr lang="en-US" sz="1200" dirty="0">
+                <a:solidFill>
+                  <a:srgbClr val="CE9178"/>
+                </a:solidFill>
+                <a:latin typeface="Menlo"/>
+                <a:ea typeface="Menlo"/>
+                <a:cs typeface="Menlo"/>
+              </a:rPr>
+              <a:t>"Medicaid Insurance"</a:t>
+            </a:r>
+            <a:r>
+              <a:rPr lang="en-US" sz="1200" dirty="0">
+                <a:solidFill>
+                  <a:srgbClr val="CCCCCC"/>
+                </a:solidFill>
+                <a:latin typeface="Menlo"/>
+                <a:ea typeface="Menlo"/>
+                <a:cs typeface="Menlo"/>
+              </a:rPr>
+              <a:t>, </a:t>
+            </a:r>
+            <a:r>
+              <a:rPr lang="en-US" sz="1200" dirty="0">
+                <a:solidFill>
+                  <a:srgbClr val="CE9178"/>
+                </a:solidFill>
+                <a:latin typeface="Menlo"/>
+                <a:ea typeface="Menlo"/>
+                <a:cs typeface="Menlo"/>
+              </a:rPr>
+              <a:t>"Unknown Insurance </a:t>
+            </a:r>
+            <a:r>
+              <a:rPr lang="en-US" sz="1200" dirty="0" err="1">
+                <a:solidFill>
+                  <a:srgbClr val="CE9178"/>
+                </a:solidFill>
+                <a:latin typeface="Menlo"/>
+                <a:ea typeface="Menlo"/>
+                <a:cs typeface="Menlo"/>
+              </a:rPr>
+              <a:t>Coverage"</a:t>
+            </a:r>
+            <a:r>
+              <a:rPr lang="en-US" sz="1200" dirty="0" err="1">
+                <a:solidFill>
+                  <a:srgbClr val="CCCCCC"/>
+                </a:solidFill>
+                <a:latin typeface="Menlo"/>
+                <a:ea typeface="Menlo"/>
+                <a:cs typeface="Menlo"/>
+              </a:rPr>
+              <a:t>,</a:t>
+            </a:r>
+            <a:r>
+              <a:rPr lang="en-US" sz="1200" dirty="0" err="1">
+                <a:solidFill>
+                  <a:srgbClr val="CE9178"/>
+                </a:solidFill>
+                <a:latin typeface="Menlo"/>
+                <a:ea typeface="Menlo"/>
+                <a:cs typeface="Menlo"/>
+              </a:rPr>
+              <a:t>"No</a:t>
+            </a:r>
+            <a:r>
+              <a:rPr lang="en-US" sz="1200" dirty="0">
+                <a:solidFill>
+                  <a:srgbClr val="CE9178"/>
+                </a:solidFill>
+                <a:latin typeface="Menlo"/>
+                <a:ea typeface="Menlo"/>
+                <a:cs typeface="Menlo"/>
+              </a:rPr>
+              <a:t> Insurance"</a:t>
+            </a:r>
+            <a:r>
+              <a:rPr lang="en-US" sz="1200" dirty="0">
+                <a:solidFill>
+                  <a:srgbClr val="CCCCCC"/>
+                </a:solidFill>
+                <a:latin typeface="Menlo"/>
+                <a:ea typeface="Menlo"/>
+                <a:cs typeface="Menlo"/>
+              </a:rPr>
+              <a:t>]</a:t>
+            </a:r>
+            <a:endParaRPr lang="en-US" sz="1200" dirty="0">
+              <a:solidFill>
+                <a:srgbClr val="000000"/>
+              </a:solidFill>
+              <a:latin typeface="Menlo"/>
+              <a:ea typeface="Menlo"/>
+              <a:cs typeface="Menlo"/>
+            </a:endParaRPr>
+          </a:p>
+          <a:p>
+            <a:endParaRPr lang="en-US" sz="1200" dirty="0">
+              <a:solidFill>
+                <a:srgbClr val="CE9178"/>
+              </a:solidFill>
+              <a:latin typeface="Menlo"/>
+              <a:ea typeface="Menlo"/>
+              <a:cs typeface="Menlo"/>
+            </a:endParaRPr>
+          </a:p>
+          <a:p>
+            <a:endParaRPr lang="en-US" sz="1200" dirty="0">
+              <a:solidFill>
+                <a:srgbClr val="CE9178"/>
+              </a:solidFill>
+              <a:latin typeface="Menlo"/>
+              <a:ea typeface="Menlo"/>
+              <a:cs typeface="Menlo"/>
+            </a:endParaRPr>
+          </a:p>
+          <a:p>
+            <a:endParaRPr lang="en-US" sz="1200" dirty="0">
+              <a:solidFill>
+                <a:srgbClr val="CE9178"/>
+              </a:solidFill>
+              <a:latin typeface="Menlo"/>
+              <a:ea typeface="Menlo"/>
+              <a:cs typeface="Menlo"/>
+            </a:endParaRPr>
+          </a:p>
+          <a:p>
+            <a:br>
+              <a:rPr lang="en-US" sz="1200" dirty="0">
+                <a:latin typeface="Menlo"/>
+                <a:ea typeface="Menlo"/>
+                <a:cs typeface="Menlo"/>
+              </a:rPr>
+            </a:br>
+            <a:endParaRPr lang="en-US" sz="1200">
+              <a:solidFill>
+                <a:srgbClr val="CCCCCC"/>
+              </a:solidFill>
+              <a:latin typeface="Menlo"/>
+              <a:ea typeface="Menlo"/>
+              <a:cs typeface="Menlo"/>
+            </a:endParaRPr>
+          </a:p>
+          <a:p>
+            <a:pPr algn="ctr"/>
+            <a:endParaRPr lang="en-US" sz="1200" dirty="0"/>
+          </a:p>
+        </p:txBody>
+      </p:sp>
+    </p:spTree>
+    <p:extLst>
+      <p:ext uri="{BB962C8B-B14F-4D97-AF65-F5344CB8AC3E}">
+        <p14:creationId xmlns:p14="http://schemas.microsoft.com/office/powerpoint/2010/main" val="1081999754"/>
+      </p:ext>
+    </p:extLst>
+  </p:cSld>
+  <p:clrMapOvr>
+    <a:masterClrMapping/>
+  </p:clrMapOvr>
+</p:sld>
+</file>
+
+<file path=ppt/slides/slide2.xml><?xml version="1.0" encoding="utf-8"?>
+<p:sld xmlns:a="http://schemas.openxmlformats.org/drawingml/2006/main" xmlns:r="http://schemas.openxmlformats.org/officeDocument/2006/relationships" xmlns:p="http://schemas.openxmlformats.org/presentationml/2006/main">
+  <p:cSld>
+    <p:spTree>
+      <p:nvGrpSpPr>
+        <p:cNvPr id="1" name=""/>
+        <p:cNvGrpSpPr/>
+        <p:nvPr/>
+      </p:nvGrpSpPr>
+      <p:grpSpPr>
+        <a:xfrm>
+          <a:off x="0" y="0"/>
+          <a:ext cx="0" cy="0"/>
+          <a:chOff x="0" y="0"/>
+          <a:chExt cx="0" cy="0"/>
+        </a:xfrm>
+      </p:grpSpPr>
+      <p:sp>
+        <p:nvSpPr>
+          <p:cNvPr id="2" name="標題 1">
+            <a:extLst>
+              <a:ext uri="{FF2B5EF4-FFF2-40B4-BE49-F238E27FC236}">
+                <a16:creationId xmlns:a16="http://schemas.microsoft.com/office/drawing/2014/main" id="{F2891BC3-7AFE-2384-DEB3-129363961C22}"/>
+              </a:ext>
+            </a:extLst>
+          </p:cNvPr>
+          <p:cNvSpPr>
+            <a:spLocks noGrp="1"/>
+          </p:cNvSpPr>
+          <p:nvPr>
+            <p:ph type="title"/>
+          </p:nvPr>
+        </p:nvSpPr>
+        <p:spPr/>
+        <p:txBody>
+          <a:bodyPr/>
+          <a:lstStyle/>
+          <a:p>
+            <a:r>
+              <a:rPr kumimoji="1" lang="en-US" altLang="zh-TW" b="1" dirty="0">
+                <a:latin typeface="Times New Roman" panose="02020603050405020304" pitchFamily="18" charset="0"/>
+                <a:cs typeface="Times New Roman" panose="02020603050405020304" pitchFamily="18" charset="0"/>
+              </a:rPr>
+              <a:t>Source Links</a:t>
+            </a:r>
+            <a:endParaRPr kumimoji="1" lang="zh-TW" altLang="en-US" b="1" dirty="0">
+              <a:latin typeface="Times New Roman" panose="02020603050405020304" pitchFamily="18" charset="0"/>
+              <a:cs typeface="Times New Roman" panose="02020603050405020304" pitchFamily="18" charset="0"/>
+            </a:endParaRPr>
+          </a:p>
+        </p:txBody>
+      </p:sp>
+      <p:sp>
+        <p:nvSpPr>
+          <p:cNvPr id="3" name="內容版面配置區 2">
+            <a:extLst>
+              <a:ext uri="{FF2B5EF4-FFF2-40B4-BE49-F238E27FC236}">
+                <a16:creationId xmlns:a16="http://schemas.microsoft.com/office/drawing/2014/main" id="{7B474D46-9BC6-2BDD-7BA8-C30AE216FBCE}"/>
+              </a:ext>
+            </a:extLst>
+          </p:cNvPr>
+          <p:cNvSpPr>
+            <a:spLocks noGrp="1"/>
+          </p:cNvSpPr>
+          <p:nvPr>
+            <p:ph idx="1"/>
+          </p:nvPr>
+        </p:nvSpPr>
+        <p:spPr>
+          <a:xfrm>
+            <a:off x="677334" y="1930400"/>
+            <a:ext cx="7968826" cy="3880773"/>
+          </a:xfrm>
+        </p:spPr>
+        <p:txBody>
+          <a:bodyPr>
+            <a:normAutofit fontScale="92500" lnSpcReduction="10000"/>
+          </a:bodyPr>
+          <a:lstStyle/>
+          <a:p>
+            <a:pPr marL="0" indent="0">
+              <a:buNone/>
+            </a:pPr>
+            <a:r>
+              <a:rPr kumimoji="1" lang="en-US" altLang="zh-TW" b="1" dirty="0">
+                <a:latin typeface="Times New Roman" panose="02020603050405020304" pitchFamily="18" charset="0"/>
+                <a:cs typeface="Times New Roman" panose="02020603050405020304" pitchFamily="18" charset="0"/>
+              </a:rPr>
+              <a:t>Git Hub:</a:t>
+            </a:r>
+          </a:p>
+          <a:p>
+            <a:pPr marL="0" indent="0">
+              <a:buNone/>
+            </a:pPr>
+            <a:r>
+              <a:rPr kumimoji="1" lang="en-US" altLang="zh-TW" dirty="0">
+                <a:latin typeface="Times New Roman" panose="02020603050405020304" pitchFamily="18" charset="0"/>
+                <a:cs typeface="Times New Roman" panose="02020603050405020304" pitchFamily="18" charset="0"/>
+                <a:hlinkClick r:id="rId2"/>
+              </a:rPr>
+              <a:t>https://github.com/daniasalman6/Project-Data-Mining</a:t>
+            </a:r>
+            <a:endParaRPr kumimoji="1" lang="en-US" altLang="zh-TW" dirty="0">
+              <a:latin typeface="Times New Roman" panose="02020603050405020304" pitchFamily="18" charset="0"/>
+              <a:cs typeface="Times New Roman" panose="02020603050405020304" pitchFamily="18" charset="0"/>
+            </a:endParaRPr>
+          </a:p>
+          <a:p>
+            <a:pPr marL="0" indent="0">
+              <a:buNone/>
+            </a:pPr>
+            <a:endParaRPr kumimoji="1" lang="en-US" altLang="zh-TW" dirty="0">
+              <a:latin typeface="Times New Roman" panose="02020603050405020304" pitchFamily="18" charset="0"/>
+              <a:cs typeface="Times New Roman" panose="02020603050405020304" pitchFamily="18" charset="0"/>
+            </a:endParaRPr>
+          </a:p>
+          <a:p>
+            <a:pPr marL="0" indent="0">
+              <a:buNone/>
+            </a:pPr>
+            <a:r>
+              <a:rPr lang="en-US" altLang="zh-TW" b="1" dirty="0">
+                <a:latin typeface="Times New Roman" panose="02020603050405020304" pitchFamily="18" charset="0"/>
+                <a:cs typeface="Times New Roman" panose="02020603050405020304" pitchFamily="18" charset="0"/>
+              </a:rPr>
+              <a:t>Dataset Link:</a:t>
+            </a:r>
+          </a:p>
+          <a:p>
+            <a:pPr marL="0" indent="0">
+              <a:buNone/>
+            </a:pPr>
+            <a:r>
+              <a:rPr kumimoji="1" lang="en-US" altLang="zh-TW" dirty="0">
+                <a:latin typeface="Times New Roman" panose="02020603050405020304" pitchFamily="18" charset="0"/>
+                <a:cs typeface="Times New Roman" panose="02020603050405020304" pitchFamily="18" charset="0"/>
+                <a:hlinkClick r:id="rId3"/>
+              </a:rPr>
+              <a:t>https://data.ny.gov/Human-Services/Patient-Characteristics-Survey-PCS-2019/urn3-ezfe/about_data</a:t>
+            </a:r>
+            <a:endParaRPr kumimoji="1" lang="en-US" altLang="zh-TW" dirty="0">
+              <a:latin typeface="Times New Roman" panose="02020603050405020304" pitchFamily="18" charset="0"/>
+              <a:cs typeface="Times New Roman" panose="02020603050405020304" pitchFamily="18" charset="0"/>
+            </a:endParaRPr>
+          </a:p>
+          <a:p>
+            <a:pPr marL="0" indent="0">
+              <a:buNone/>
+            </a:pPr>
+            <a:endParaRPr lang="en-US" altLang="zh-TW" dirty="0">
+              <a:latin typeface="Times New Roman" panose="02020603050405020304" pitchFamily="18" charset="0"/>
+              <a:cs typeface="Times New Roman" panose="02020603050405020304" pitchFamily="18" charset="0"/>
+            </a:endParaRPr>
+          </a:p>
+          <a:p>
+            <a:pPr marL="0" indent="0">
+              <a:buNone/>
+            </a:pPr>
+            <a:r>
+              <a:rPr lang="en" altLang="zh-TW" dirty="0">
+                <a:latin typeface="Times New Roman" panose="02020603050405020304" pitchFamily="18" charset="0"/>
+                <a:cs typeface="Times New Roman" panose="02020603050405020304" pitchFamily="18" charset="0"/>
+              </a:rPr>
+              <a:t>The PCS 2019 dataset provides comprehensive information on mental health services and client characteristics across New York State.</a:t>
+            </a:r>
+          </a:p>
+          <a:p>
+            <a:pPr marL="0" indent="0">
+              <a:buNone/>
+            </a:pPr>
+            <a:endParaRPr lang="en-US" altLang="zh-TW" dirty="0">
+              <a:latin typeface="Times New Roman" panose="02020603050405020304" pitchFamily="18" charset="0"/>
+              <a:cs typeface="Times New Roman" panose="02020603050405020304" pitchFamily="18" charset="0"/>
+            </a:endParaRPr>
+          </a:p>
+          <a:p>
+            <a:pPr marL="0" indent="0">
+              <a:buNone/>
+            </a:pPr>
+            <a:r>
+              <a:rPr kumimoji="1" lang="en-US" altLang="zh-TW" dirty="0">
+                <a:latin typeface="Times New Roman" panose="02020603050405020304" pitchFamily="18" charset="0"/>
+                <a:cs typeface="Times New Roman" panose="02020603050405020304" pitchFamily="18" charset="0"/>
+              </a:rPr>
+              <a:t> </a:t>
+            </a:r>
+          </a:p>
+        </p:txBody>
+      </p:sp>
+    </p:spTree>
+    <p:extLst>
+      <p:ext uri="{BB962C8B-B14F-4D97-AF65-F5344CB8AC3E}">
+        <p14:creationId xmlns:p14="http://schemas.microsoft.com/office/powerpoint/2010/main" val="3453650057"/>
+      </p:ext>
+    </p:extLst>
+  </p:cSld>
+  <p:clrMapOvr>
+    <a:masterClrMapping/>
+  </p:clrMapOvr>
+</p:sld>
+</file>
+
+<file path=ppt/slides/slide20.xml><?xml version="1.0" encoding="utf-8"?>
+<p:sld xmlns:a="http://schemas.openxmlformats.org/drawingml/2006/main" xmlns:r="http://schemas.openxmlformats.org/officeDocument/2006/relationships" xmlns:p="http://schemas.openxmlformats.org/presentationml/2006/main">
+  <p:cSld>
+    <p:spTree>
+      <p:nvGrpSpPr>
+        <p:cNvPr id="1" name="">
+          <a:extLst>
+            <a:ext uri="{FF2B5EF4-FFF2-40B4-BE49-F238E27FC236}">
+              <a16:creationId xmlns:a16="http://schemas.microsoft.com/office/drawing/2014/main" id="{8B3F825F-044E-7EF6-13A8-3E49CCC00574}"/>
+            </a:ext>
+          </a:extLst>
+        </p:cNvPr>
+        <p:cNvGrpSpPr/>
+        <p:nvPr/>
+      </p:nvGrpSpPr>
+      <p:grpSpPr>
+        <a:xfrm>
+          <a:off x="0" y="0"/>
+          <a:ext cx="0" cy="0"/>
+          <a:chOff x="0" y="0"/>
+          <a:chExt cx="0" cy="0"/>
+        </a:xfrm>
+      </p:grpSpPr>
+      <p:sp>
+        <p:nvSpPr>
+          <p:cNvPr id="2" name="標題 1">
+            <a:extLst>
+              <a:ext uri="{FF2B5EF4-FFF2-40B4-BE49-F238E27FC236}">
+                <a16:creationId xmlns:a16="http://schemas.microsoft.com/office/drawing/2014/main" id="{934BD626-2C41-00EA-70DC-C517C73CC084}"/>
+              </a:ext>
+            </a:extLst>
+          </p:cNvPr>
+          <p:cNvSpPr>
+            <a:spLocks noGrp="1"/>
+          </p:cNvSpPr>
+          <p:nvPr>
+            <p:ph type="title"/>
+          </p:nvPr>
+        </p:nvSpPr>
+        <p:spPr/>
+        <p:txBody>
+          <a:bodyPr/>
+          <a:lstStyle/>
+          <a:p>
+            <a:br>
+              <a:rPr lang="en-US" altLang="zh-TW" b="1" dirty="0">
+                <a:latin typeface="Times New Roman" panose="02020603050405020304" pitchFamily="18" charset="0"/>
+                <a:cs typeface="Times New Roman" panose="02020603050405020304" pitchFamily="18" charset="0"/>
+              </a:rPr>
+            </a:br>
+            <a:endParaRPr kumimoji="1" lang="zh-TW" altLang="en-US" b="1" dirty="0">
+              <a:latin typeface="Times New Roman" panose="02020603050405020304" pitchFamily="18" charset="0"/>
+              <a:cs typeface="Times New Roman" panose="02020603050405020304" pitchFamily="18" charset="0"/>
+            </a:endParaRPr>
+          </a:p>
+        </p:txBody>
+      </p:sp>
+      <p:sp>
+        <p:nvSpPr>
+          <p:cNvPr id="5" name="TextBox 4">
+            <a:extLst>
+              <a:ext uri="{FF2B5EF4-FFF2-40B4-BE49-F238E27FC236}">
+                <a16:creationId xmlns:a16="http://schemas.microsoft.com/office/drawing/2014/main" id="{F2767748-BEDC-C78F-1A3D-0D751282D2AF}"/>
+              </a:ext>
+            </a:extLst>
+          </p:cNvPr>
+          <p:cNvSpPr txBox="1"/>
+          <p:nvPr/>
+        </p:nvSpPr>
+        <p:spPr>
+          <a:xfrm>
+            <a:off x="678756" y="1482378"/>
+            <a:ext cx="8183495" cy="523220"/>
+          </a:xfrm>
+          <a:prstGeom prst="rect">
+            <a:avLst/>
+          </a:prstGeom>
+          <a:noFill/>
+        </p:spPr>
+        <p:txBody>
+          <a:bodyPr rot="0" spcFirstLastPara="0" vertOverflow="overflow" horzOverflow="overflow" vert="horz" wrap="square" lIns="91440" tIns="45720" rIns="91440" bIns="45720" numCol="1" spcCol="0" rtlCol="0" fromWordArt="0" anchor="t" anchorCtr="0" forceAA="0" compatLnSpc="1">
+            <a:prstTxWarp prst="textNoShape">
+              <a:avLst/>
+            </a:prstTxWarp>
+            <a:spAutoFit/>
+          </a:bodyPr>
+          <a:lstStyle/>
+          <a:p>
+            <a:endParaRPr lang="en-US" sz="2800" dirty="0">
+              <a:solidFill>
+                <a:srgbClr val="404040"/>
+              </a:solidFill>
+              <a:latin typeface="Times New Roman"/>
+              <a:ea typeface="Segoe UI"/>
+              <a:cs typeface="Segoe UI"/>
+            </a:endParaRPr>
+          </a:p>
+        </p:txBody>
+      </p:sp>
+      <p:sp>
+        <p:nvSpPr>
+          <p:cNvPr id="4" name="TextBox 3">
+            <a:extLst>
+              <a:ext uri="{FF2B5EF4-FFF2-40B4-BE49-F238E27FC236}">
+                <a16:creationId xmlns:a16="http://schemas.microsoft.com/office/drawing/2014/main" id="{5D2546C2-34AE-C111-0340-AF0621B3DB0C}"/>
+              </a:ext>
+            </a:extLst>
+          </p:cNvPr>
+          <p:cNvSpPr txBox="1"/>
+          <p:nvPr/>
+        </p:nvSpPr>
+        <p:spPr>
+          <a:xfrm>
+            <a:off x="678756" y="429472"/>
+            <a:ext cx="6264151" cy="523220"/>
+          </a:xfrm>
+          <a:prstGeom prst="rect">
+            <a:avLst/>
+          </a:prstGeom>
+          <a:noFill/>
+        </p:spPr>
+        <p:txBody>
+          <a:bodyPr rot="0" spcFirstLastPara="0" vertOverflow="overflow" horzOverflow="overflow" vert="horz" wrap="square" lIns="91440" tIns="45720" rIns="91440" bIns="45720" numCol="1" spcCol="0" rtlCol="0" fromWordArt="0" anchor="t" anchorCtr="0" forceAA="0" compatLnSpc="1">
+            <a:prstTxWarp prst="textNoShape">
+              <a:avLst/>
+            </a:prstTxWarp>
+            <a:spAutoFit/>
+          </a:bodyPr>
+          <a:lstStyle/>
+          <a:p>
+            <a:r>
+              <a:rPr lang="en-US" sz="2800" b="1" dirty="0">
+                <a:solidFill>
+                  <a:schemeClr val="accent2"/>
+                </a:solidFill>
+                <a:latin typeface="Times New Roman"/>
+              </a:rPr>
+              <a:t>Running Logistic Regression Model</a:t>
+            </a:r>
+            <a:endParaRPr lang="en-US" sz="2800" b="1" dirty="0">
+              <a:solidFill>
+                <a:schemeClr val="accent2"/>
+              </a:solidFill>
+              <a:latin typeface="Times New Roman"/>
+              <a:cs typeface="Times New Roman"/>
+            </a:endParaRPr>
+          </a:p>
+        </p:txBody>
+      </p:sp>
+      <p:graphicFrame>
+        <p:nvGraphicFramePr>
+          <p:cNvPr id="15" name="Table 14">
+            <a:extLst>
+              <a:ext uri="{FF2B5EF4-FFF2-40B4-BE49-F238E27FC236}">
+                <a16:creationId xmlns:a16="http://schemas.microsoft.com/office/drawing/2014/main" id="{D19ABB35-F99B-41FD-328C-5BE91C9E82AB}"/>
+              </a:ext>
+            </a:extLst>
+          </p:cNvPr>
+          <p:cNvGraphicFramePr>
+            <a:graphicFrameLocks noGrp="1"/>
+          </p:cNvGraphicFramePr>
+          <p:nvPr>
+            <p:extLst>
+              <p:ext uri="{D42A27DB-BD31-4B8C-83A1-F6EECF244321}">
+                <p14:modId xmlns:p14="http://schemas.microsoft.com/office/powerpoint/2010/main" val="2332540369"/>
+              </p:ext>
+            </p:extLst>
+          </p:nvPr>
+        </p:nvGraphicFramePr>
+        <p:xfrm>
+          <a:off x="770805" y="1200390"/>
+          <a:ext cx="8191500" cy="2228850"/>
+        </p:xfrm>
+        <a:graphic>
+          <a:graphicData uri="http://schemas.openxmlformats.org/drawingml/2006/table">
+            <a:tbl>
+              <a:tblPr bandRow="1">
+                <a:tableStyleId>{3C2FFA5D-87B4-456A-9821-1D502468CF0F}</a:tableStyleId>
+              </a:tblPr>
+              <a:tblGrid>
+                <a:gridCol w="1638300">
+                  <a:extLst>
+                    <a:ext uri="{9D8B030D-6E8A-4147-A177-3AD203B41FA5}">
+                      <a16:colId xmlns:a16="http://schemas.microsoft.com/office/drawing/2014/main" val="1790942301"/>
+                    </a:ext>
+                  </a:extLst>
+                </a:gridCol>
+                <a:gridCol w="1638300">
+                  <a:extLst>
+                    <a:ext uri="{9D8B030D-6E8A-4147-A177-3AD203B41FA5}">
+                      <a16:colId xmlns:a16="http://schemas.microsoft.com/office/drawing/2014/main" val="418275724"/>
+                    </a:ext>
+                  </a:extLst>
+                </a:gridCol>
+                <a:gridCol w="1638300">
+                  <a:extLst>
+                    <a:ext uri="{9D8B030D-6E8A-4147-A177-3AD203B41FA5}">
+                      <a16:colId xmlns:a16="http://schemas.microsoft.com/office/drawing/2014/main" val="3578412498"/>
+                    </a:ext>
+                  </a:extLst>
+                </a:gridCol>
+                <a:gridCol w="1638300">
+                  <a:extLst>
+                    <a:ext uri="{9D8B030D-6E8A-4147-A177-3AD203B41FA5}">
+                      <a16:colId xmlns:a16="http://schemas.microsoft.com/office/drawing/2014/main" val="2336470674"/>
+                    </a:ext>
+                  </a:extLst>
+                </a:gridCol>
+                <a:gridCol w="1638300">
+                  <a:extLst>
+                    <a:ext uri="{9D8B030D-6E8A-4147-A177-3AD203B41FA5}">
+                      <a16:colId xmlns:a16="http://schemas.microsoft.com/office/drawing/2014/main" val="792266020"/>
+                    </a:ext>
+                  </a:extLst>
+                </a:gridCol>
+              </a:tblGrid>
+              <a:tr h="371475">
+                <a:tc>
+                  <a:txBody>
+                    <a:bodyPr/>
+                    <a:lstStyle/>
+                    <a:p>
+                      <a:pPr fontAlgn="t">
+                        <a:buNone/>
+                      </a:pPr>
+                      <a:endParaRPr lang="en-US">
+                        <a:effectLst/>
+                      </a:endParaRPr>
+                    </a:p>
+                  </a:txBody>
+                  <a:tcPr/>
+                </a:tc>
+                <a:tc>
+                  <a:txBody>
+                    <a:bodyPr/>
+                    <a:lstStyle/>
+                    <a:p>
+                      <a:pPr fontAlgn="base">
+                        <a:lnSpc>
+                          <a:spcPts val="2175"/>
+                        </a:lnSpc>
+                        <a:buNone/>
+                      </a:pPr>
+                      <a:r>
+                        <a:rPr lang="en-US" sz="1800" dirty="0">
+                          <a:solidFill>
+                            <a:srgbClr val="FFFFFF"/>
+                          </a:solidFill>
+                          <a:effectLst/>
+                        </a:rPr>
+                        <a:t>Precision</a:t>
+                      </a:r>
+                      <a:endParaRPr lang="en-US">
+                        <a:solidFill>
+                          <a:srgbClr val="FFFFFF"/>
+                        </a:solidFill>
+                        <a:effectLst/>
+                      </a:endParaRPr>
+                    </a:p>
+                  </a:txBody>
+                  <a:tcPr/>
+                </a:tc>
+                <a:tc>
+                  <a:txBody>
+                    <a:bodyPr/>
+                    <a:lstStyle/>
+                    <a:p>
+                      <a:pPr fontAlgn="base">
+                        <a:lnSpc>
+                          <a:spcPts val="2175"/>
+                        </a:lnSpc>
+                        <a:buNone/>
+                      </a:pPr>
+                      <a:r>
+                        <a:rPr lang="en-US" sz="1800" dirty="0">
+                          <a:solidFill>
+                            <a:srgbClr val="FFFFFF"/>
+                          </a:solidFill>
+                          <a:effectLst/>
+                        </a:rPr>
+                        <a:t>Recall</a:t>
+                      </a:r>
+                      <a:endParaRPr lang="en-US">
+                        <a:solidFill>
+                          <a:srgbClr val="FFFFFF"/>
+                        </a:solidFill>
+                        <a:effectLst/>
+                      </a:endParaRPr>
+                    </a:p>
+                  </a:txBody>
+                  <a:tcPr/>
+                </a:tc>
+                <a:tc>
+                  <a:txBody>
+                    <a:bodyPr/>
+                    <a:lstStyle/>
+                    <a:p>
+                      <a:pPr fontAlgn="base">
+                        <a:lnSpc>
+                          <a:spcPts val="2175"/>
+                        </a:lnSpc>
+                        <a:buNone/>
+                      </a:pPr>
+                      <a:r>
+                        <a:rPr lang="en-US" sz="1800" dirty="0">
+                          <a:solidFill>
+                            <a:srgbClr val="FFFFFF"/>
+                          </a:solidFill>
+                          <a:effectLst/>
+                        </a:rPr>
+                        <a:t>F1-Score</a:t>
+                      </a:r>
+                      <a:endParaRPr lang="en-US">
+                        <a:solidFill>
+                          <a:srgbClr val="FFFFFF"/>
+                        </a:solidFill>
+                        <a:effectLst/>
+                      </a:endParaRPr>
+                    </a:p>
+                  </a:txBody>
+                  <a:tcPr/>
+                </a:tc>
+                <a:tc>
+                  <a:txBody>
+                    <a:bodyPr/>
+                    <a:lstStyle/>
+                    <a:p>
+                      <a:pPr fontAlgn="base">
+                        <a:lnSpc>
+                          <a:spcPts val="2175"/>
+                        </a:lnSpc>
+                        <a:buNone/>
+                      </a:pPr>
+                      <a:r>
+                        <a:rPr lang="en-US" sz="1800" dirty="0">
+                          <a:solidFill>
+                            <a:srgbClr val="FFFFFF"/>
+                          </a:solidFill>
+                          <a:effectLst/>
+                        </a:rPr>
+                        <a:t>Support</a:t>
+                      </a:r>
+                      <a:endParaRPr lang="en-US">
+                        <a:solidFill>
+                          <a:srgbClr val="FFFFFF"/>
+                        </a:solidFill>
+                        <a:effectLst/>
+                      </a:endParaRPr>
+                    </a:p>
+                  </a:txBody>
+                  <a:tcPr/>
+                </a:tc>
+                <a:extLst>
+                  <a:ext uri="{0D108BD9-81ED-4DB2-BD59-A6C34878D82A}">
+                    <a16:rowId xmlns:a16="http://schemas.microsoft.com/office/drawing/2014/main" val="97177062"/>
+                  </a:ext>
+                </a:extLst>
+              </a:tr>
+              <a:tr h="371475">
+                <a:tc>
+                  <a:txBody>
+                    <a:bodyPr/>
+                    <a:lstStyle/>
+                    <a:p>
+                      <a:pPr fontAlgn="base">
+                        <a:lnSpc>
+                          <a:spcPts val="2175"/>
+                        </a:lnSpc>
+                        <a:buNone/>
+                      </a:pPr>
+                      <a:r>
+                        <a:rPr lang="en-US" sz="1800" dirty="0">
+                          <a:effectLst/>
+                        </a:rPr>
+                        <a:t>0.0</a:t>
+                      </a:r>
+                      <a:endParaRPr lang="en-US" dirty="0">
+                        <a:effectLst/>
+                      </a:endParaRPr>
+                    </a:p>
+                  </a:txBody>
+                  <a:tcPr/>
+                </a:tc>
+                <a:tc>
+                  <a:txBody>
+                    <a:bodyPr/>
+                    <a:lstStyle/>
+                    <a:p>
+                      <a:pPr fontAlgn="base">
+                        <a:lnSpc>
+                          <a:spcPts val="2175"/>
+                        </a:lnSpc>
+                        <a:buNone/>
+                      </a:pPr>
+                      <a:r>
+                        <a:rPr lang="en-US" sz="1800" dirty="0">
+                          <a:effectLst/>
+                        </a:rPr>
+                        <a:t>0.04</a:t>
+                      </a:r>
+                      <a:endParaRPr lang="en-US" dirty="0">
+                        <a:effectLst/>
+                      </a:endParaRPr>
+                    </a:p>
+                  </a:txBody>
+                  <a:tcPr/>
+                </a:tc>
+                <a:tc>
+                  <a:txBody>
+                    <a:bodyPr/>
+                    <a:lstStyle/>
+                    <a:p>
+                      <a:pPr fontAlgn="base">
+                        <a:lnSpc>
+                          <a:spcPts val="2175"/>
+                        </a:lnSpc>
+                        <a:buNone/>
+                      </a:pPr>
+                      <a:r>
+                        <a:rPr lang="en-US" sz="1800" dirty="0">
+                          <a:effectLst/>
+                        </a:rPr>
+                        <a:t>0.72</a:t>
+                      </a:r>
+                      <a:endParaRPr lang="en-US" dirty="0">
+                        <a:effectLst/>
+                      </a:endParaRPr>
+                    </a:p>
+                  </a:txBody>
+                  <a:tcPr/>
+                </a:tc>
+                <a:tc>
+                  <a:txBody>
+                    <a:bodyPr/>
+                    <a:lstStyle/>
+                    <a:p>
+                      <a:pPr fontAlgn="base">
+                        <a:lnSpc>
+                          <a:spcPts val="2175"/>
+                        </a:lnSpc>
+                        <a:buNone/>
+                      </a:pPr>
+                      <a:r>
+                        <a:rPr lang="en-US" sz="1800" dirty="0">
+                          <a:effectLst/>
+                        </a:rPr>
+                        <a:t>0.07</a:t>
+                      </a:r>
+                      <a:endParaRPr lang="en-US" dirty="0">
+                        <a:effectLst/>
+                      </a:endParaRPr>
+                    </a:p>
+                  </a:txBody>
+                  <a:tcPr/>
+                </a:tc>
+                <a:tc>
+                  <a:txBody>
+                    <a:bodyPr/>
+                    <a:lstStyle/>
+                    <a:p>
+                      <a:pPr fontAlgn="base">
+                        <a:lnSpc>
+                          <a:spcPts val="2175"/>
+                        </a:lnSpc>
+                        <a:buNone/>
+                      </a:pPr>
+                      <a:r>
+                        <a:rPr lang="en-US" sz="1800" dirty="0">
+                          <a:effectLst/>
+                        </a:rPr>
+                        <a:t>881</a:t>
+                      </a:r>
+                      <a:endParaRPr lang="en-US" dirty="0">
+                        <a:effectLst/>
+                      </a:endParaRPr>
+                    </a:p>
+                  </a:txBody>
+                  <a:tcPr/>
+                </a:tc>
+                <a:extLst>
+                  <a:ext uri="{0D108BD9-81ED-4DB2-BD59-A6C34878D82A}">
+                    <a16:rowId xmlns:a16="http://schemas.microsoft.com/office/drawing/2014/main" val="3557282596"/>
+                  </a:ext>
+                </a:extLst>
+              </a:tr>
+              <a:tr h="371475">
+                <a:tc>
+                  <a:txBody>
+                    <a:bodyPr/>
+                    <a:lstStyle/>
+                    <a:p>
+                      <a:pPr fontAlgn="base">
+                        <a:lnSpc>
+                          <a:spcPts val="2175"/>
+                        </a:lnSpc>
+                        <a:buNone/>
+                      </a:pPr>
+                      <a:r>
+                        <a:rPr lang="en-US" sz="1800" dirty="0">
+                          <a:effectLst/>
+                        </a:rPr>
+                        <a:t>1.0</a:t>
+                      </a:r>
+                      <a:endParaRPr lang="en-US" dirty="0">
+                        <a:effectLst/>
+                      </a:endParaRPr>
+                    </a:p>
+                  </a:txBody>
+                  <a:tcPr/>
+                </a:tc>
+                <a:tc>
+                  <a:txBody>
+                    <a:bodyPr/>
+                    <a:lstStyle/>
+                    <a:p>
+                      <a:pPr fontAlgn="base">
+                        <a:lnSpc>
+                          <a:spcPts val="2175"/>
+                        </a:lnSpc>
+                        <a:buNone/>
+                      </a:pPr>
+                      <a:r>
+                        <a:rPr lang="en-US" sz="1800" dirty="0">
+                          <a:effectLst/>
+                        </a:rPr>
+                        <a:t>0.99</a:t>
+                      </a:r>
+                      <a:endParaRPr lang="en-US" dirty="0">
+                        <a:effectLst/>
+                      </a:endParaRPr>
+                    </a:p>
+                  </a:txBody>
+                  <a:tcPr/>
+                </a:tc>
+                <a:tc>
+                  <a:txBody>
+                    <a:bodyPr/>
+                    <a:lstStyle/>
+                    <a:p>
+                      <a:pPr fontAlgn="base">
+                        <a:lnSpc>
+                          <a:spcPts val="2175"/>
+                        </a:lnSpc>
+                        <a:buNone/>
+                      </a:pPr>
+                      <a:r>
+                        <a:rPr lang="en-US" sz="1800" dirty="0">
+                          <a:effectLst/>
+                        </a:rPr>
+                        <a:t>0.63</a:t>
+                      </a:r>
+                      <a:endParaRPr lang="en-US" dirty="0">
+                        <a:effectLst/>
+                      </a:endParaRPr>
+                    </a:p>
+                  </a:txBody>
+                  <a:tcPr/>
+                </a:tc>
+                <a:tc>
+                  <a:txBody>
+                    <a:bodyPr/>
+                    <a:lstStyle/>
+                    <a:p>
+                      <a:pPr fontAlgn="base">
+                        <a:lnSpc>
+                          <a:spcPts val="2175"/>
+                        </a:lnSpc>
+                        <a:buNone/>
+                      </a:pPr>
+                      <a:r>
+                        <a:rPr lang="en-US" sz="1800" dirty="0">
+                          <a:effectLst/>
+                        </a:rPr>
+                        <a:t>0.77</a:t>
+                      </a:r>
+                      <a:endParaRPr lang="en-US" dirty="0">
+                        <a:effectLst/>
+                      </a:endParaRPr>
+                    </a:p>
+                  </a:txBody>
+                  <a:tcPr/>
+                </a:tc>
+                <a:tc>
+                  <a:txBody>
+                    <a:bodyPr/>
+                    <a:lstStyle/>
+                    <a:p>
+                      <a:pPr fontAlgn="base">
+                        <a:lnSpc>
+                          <a:spcPts val="2175"/>
+                        </a:lnSpc>
+                        <a:buNone/>
+                      </a:pPr>
+                      <a:r>
+                        <a:rPr lang="en-US" sz="1800" dirty="0">
+                          <a:effectLst/>
+                        </a:rPr>
+                        <a:t>44414</a:t>
+                      </a:r>
+                      <a:endParaRPr lang="en-US" dirty="0">
+                        <a:effectLst/>
+                      </a:endParaRPr>
+                    </a:p>
+                  </a:txBody>
+                  <a:tcPr/>
+                </a:tc>
+                <a:extLst>
+                  <a:ext uri="{0D108BD9-81ED-4DB2-BD59-A6C34878D82A}">
+                    <a16:rowId xmlns:a16="http://schemas.microsoft.com/office/drawing/2014/main" val="1938453748"/>
+                  </a:ext>
+                </a:extLst>
+              </a:tr>
+              <a:tr h="371475">
+                <a:tc>
+                  <a:txBody>
+                    <a:bodyPr/>
+                    <a:lstStyle/>
+                    <a:p>
+                      <a:pPr fontAlgn="base">
+                        <a:lnSpc>
+                          <a:spcPts val="2175"/>
+                        </a:lnSpc>
+                        <a:buNone/>
+                      </a:pPr>
+                      <a:r>
+                        <a:rPr lang="en-US" sz="1800" dirty="0">
+                          <a:effectLst/>
+                        </a:rPr>
+                        <a:t>Accuracy</a:t>
+                      </a:r>
+                      <a:endParaRPr lang="en-US" dirty="0">
+                        <a:effectLst/>
+                      </a:endParaRPr>
+                    </a:p>
+                  </a:txBody>
+                  <a:tcPr/>
+                </a:tc>
+                <a:tc>
+                  <a:txBody>
+                    <a:bodyPr/>
+                    <a:lstStyle/>
+                    <a:p>
+                      <a:pPr fontAlgn="t">
+                        <a:buNone/>
+                      </a:pPr>
+                      <a:endParaRPr lang="en-US">
+                        <a:effectLst/>
+                      </a:endParaRPr>
+                    </a:p>
+                  </a:txBody>
+                  <a:tcPr/>
+                </a:tc>
+                <a:tc>
+                  <a:txBody>
+                    <a:bodyPr/>
+                    <a:lstStyle/>
+                    <a:p>
+                      <a:pPr fontAlgn="t">
+                        <a:buNone/>
+                      </a:pPr>
+                      <a:endParaRPr lang="en-US">
+                        <a:effectLst/>
+                      </a:endParaRPr>
+                    </a:p>
+                  </a:txBody>
+                  <a:tcPr/>
+                </a:tc>
+                <a:tc>
+                  <a:txBody>
+                    <a:bodyPr/>
+                    <a:lstStyle/>
+                    <a:p>
+                      <a:pPr fontAlgn="base">
+                        <a:lnSpc>
+                          <a:spcPts val="2175"/>
+                        </a:lnSpc>
+                        <a:buNone/>
+                      </a:pPr>
+                      <a:r>
+                        <a:rPr lang="en-US" sz="1800" dirty="0">
+                          <a:effectLst/>
+                        </a:rPr>
+                        <a:t>0.63</a:t>
+                      </a:r>
+                      <a:endParaRPr lang="en-US" dirty="0">
+                        <a:effectLst/>
+                      </a:endParaRPr>
+                    </a:p>
+                  </a:txBody>
+                  <a:tcPr/>
+                </a:tc>
+                <a:tc>
+                  <a:txBody>
+                    <a:bodyPr/>
+                    <a:lstStyle/>
+                    <a:p>
+                      <a:pPr fontAlgn="base">
+                        <a:lnSpc>
+                          <a:spcPts val="2175"/>
+                        </a:lnSpc>
+                        <a:buNone/>
+                      </a:pPr>
+                      <a:r>
+                        <a:rPr lang="en-US" sz="1800" dirty="0">
+                          <a:effectLst/>
+                        </a:rPr>
+                        <a:t>45295</a:t>
+                      </a:r>
+                      <a:endParaRPr lang="en-US" dirty="0">
+                        <a:effectLst/>
+                      </a:endParaRPr>
+                    </a:p>
+                  </a:txBody>
+                  <a:tcPr/>
+                </a:tc>
+                <a:extLst>
+                  <a:ext uri="{0D108BD9-81ED-4DB2-BD59-A6C34878D82A}">
+                    <a16:rowId xmlns:a16="http://schemas.microsoft.com/office/drawing/2014/main" val="577896445"/>
+                  </a:ext>
+                </a:extLst>
+              </a:tr>
+              <a:tr h="371475">
+                <a:tc>
+                  <a:txBody>
+                    <a:bodyPr/>
+                    <a:lstStyle/>
+                    <a:p>
+                      <a:pPr fontAlgn="base">
+                        <a:lnSpc>
+                          <a:spcPts val="2175"/>
+                        </a:lnSpc>
+                        <a:buNone/>
+                      </a:pPr>
+                      <a:r>
+                        <a:rPr lang="en-US" sz="1800" dirty="0">
+                          <a:effectLst/>
+                        </a:rPr>
+                        <a:t>Macro Avg</a:t>
+                      </a:r>
+                      <a:endParaRPr lang="en-US" dirty="0">
+                        <a:effectLst/>
+                      </a:endParaRPr>
+                    </a:p>
+                  </a:txBody>
+                  <a:tcPr/>
+                </a:tc>
+                <a:tc>
+                  <a:txBody>
+                    <a:bodyPr/>
+                    <a:lstStyle/>
+                    <a:p>
+                      <a:pPr fontAlgn="base">
+                        <a:lnSpc>
+                          <a:spcPts val="2175"/>
+                        </a:lnSpc>
+                        <a:buNone/>
+                      </a:pPr>
+                      <a:r>
+                        <a:rPr lang="en-US" sz="1800" dirty="0">
+                          <a:effectLst/>
+                        </a:rPr>
+                        <a:t>0.51</a:t>
+                      </a:r>
+                      <a:endParaRPr lang="en-US" dirty="0">
+                        <a:effectLst/>
+                      </a:endParaRPr>
+                    </a:p>
+                  </a:txBody>
+                  <a:tcPr/>
+                </a:tc>
+                <a:tc>
+                  <a:txBody>
+                    <a:bodyPr/>
+                    <a:lstStyle/>
+                    <a:p>
+                      <a:pPr fontAlgn="base">
+                        <a:lnSpc>
+                          <a:spcPts val="2175"/>
+                        </a:lnSpc>
+                        <a:buNone/>
+                      </a:pPr>
+                      <a:r>
+                        <a:rPr lang="en-US" sz="1800" dirty="0">
+                          <a:effectLst/>
+                        </a:rPr>
+                        <a:t>0.67</a:t>
+                      </a:r>
+                      <a:endParaRPr lang="en-US" dirty="0">
+                        <a:effectLst/>
+                      </a:endParaRPr>
+                    </a:p>
+                  </a:txBody>
+                  <a:tcPr/>
+                </a:tc>
+                <a:tc>
+                  <a:txBody>
+                    <a:bodyPr/>
+                    <a:lstStyle/>
+                    <a:p>
+                      <a:pPr fontAlgn="base">
+                        <a:lnSpc>
+                          <a:spcPts val="2175"/>
+                        </a:lnSpc>
+                        <a:buNone/>
+                      </a:pPr>
+                      <a:r>
+                        <a:rPr lang="en-US" sz="1800" dirty="0">
+                          <a:effectLst/>
+                        </a:rPr>
+                        <a:t>0.42</a:t>
+                      </a:r>
+                      <a:endParaRPr lang="en-US">
+                        <a:solidFill>
+                          <a:srgbClr val="2E83C3"/>
+                        </a:solidFill>
+                        <a:effectLst/>
+                      </a:endParaRPr>
+                    </a:p>
+                  </a:txBody>
+                  <a:tcPr/>
+                </a:tc>
+                <a:tc>
+                  <a:txBody>
+                    <a:bodyPr/>
+                    <a:lstStyle/>
+                    <a:p>
+                      <a:pPr fontAlgn="base">
+                        <a:lnSpc>
+                          <a:spcPts val="2175"/>
+                        </a:lnSpc>
+                        <a:buNone/>
+                      </a:pPr>
+                      <a:r>
+                        <a:rPr lang="en-US" sz="1800" dirty="0">
+                          <a:effectLst/>
+                        </a:rPr>
+                        <a:t>45295</a:t>
+                      </a:r>
+                      <a:endParaRPr lang="en-US" dirty="0">
+                        <a:effectLst/>
+                      </a:endParaRPr>
+                    </a:p>
+                  </a:txBody>
+                  <a:tcPr/>
+                </a:tc>
+                <a:extLst>
+                  <a:ext uri="{0D108BD9-81ED-4DB2-BD59-A6C34878D82A}">
+                    <a16:rowId xmlns:a16="http://schemas.microsoft.com/office/drawing/2014/main" val="4185120223"/>
+                  </a:ext>
+                </a:extLst>
+              </a:tr>
+              <a:tr h="371475">
+                <a:tc>
+                  <a:txBody>
+                    <a:bodyPr/>
+                    <a:lstStyle/>
+                    <a:p>
+                      <a:pPr fontAlgn="base">
+                        <a:lnSpc>
+                          <a:spcPts val="2175"/>
+                        </a:lnSpc>
+                        <a:buNone/>
+                      </a:pPr>
+                      <a:r>
+                        <a:rPr lang="en-US" sz="1800" dirty="0">
+                          <a:effectLst/>
+                        </a:rPr>
+                        <a:t>Weighted Avg</a:t>
+                      </a:r>
+                      <a:endParaRPr lang="en-US" dirty="0">
+                        <a:effectLst/>
+                      </a:endParaRPr>
+                    </a:p>
+                  </a:txBody>
+                  <a:tcPr/>
+                </a:tc>
+                <a:tc>
+                  <a:txBody>
+                    <a:bodyPr/>
+                    <a:lstStyle/>
+                    <a:p>
+                      <a:pPr fontAlgn="base">
+                        <a:lnSpc>
+                          <a:spcPts val="2175"/>
+                        </a:lnSpc>
+                        <a:buNone/>
+                      </a:pPr>
+                      <a:r>
+                        <a:rPr lang="en-US" sz="1800" dirty="0">
+                          <a:effectLst/>
+                        </a:rPr>
+                        <a:t>0.97</a:t>
+                      </a:r>
+                      <a:endParaRPr lang="en-US" dirty="0">
+                        <a:effectLst/>
+                      </a:endParaRPr>
+                    </a:p>
+                  </a:txBody>
+                  <a:tcPr/>
+                </a:tc>
+                <a:tc>
+                  <a:txBody>
+                    <a:bodyPr/>
+                    <a:lstStyle/>
+                    <a:p>
+                      <a:pPr fontAlgn="base">
+                        <a:lnSpc>
+                          <a:spcPts val="2175"/>
+                        </a:lnSpc>
+                        <a:buNone/>
+                      </a:pPr>
+                      <a:r>
+                        <a:rPr lang="en-US" sz="1800" dirty="0">
+                          <a:effectLst/>
+                        </a:rPr>
+                        <a:t>0.63</a:t>
+                      </a:r>
+                      <a:endParaRPr lang="en-US" dirty="0">
+                        <a:effectLst/>
+                      </a:endParaRPr>
+                    </a:p>
+                  </a:txBody>
+                  <a:tcPr/>
+                </a:tc>
+                <a:tc>
+                  <a:txBody>
+                    <a:bodyPr/>
+                    <a:lstStyle/>
+                    <a:p>
+                      <a:pPr fontAlgn="base">
+                        <a:lnSpc>
+                          <a:spcPts val="2175"/>
+                        </a:lnSpc>
+                        <a:buNone/>
+                      </a:pPr>
+                      <a:r>
+                        <a:rPr lang="en-US" sz="1800" dirty="0">
+                          <a:effectLst/>
+                        </a:rPr>
+                        <a:t>0.76</a:t>
+                      </a:r>
+                      <a:endParaRPr lang="en-US" dirty="0">
+                        <a:effectLst/>
+                      </a:endParaRPr>
+                    </a:p>
+                  </a:txBody>
+                  <a:tcPr/>
+                </a:tc>
+                <a:tc>
+                  <a:txBody>
+                    <a:bodyPr/>
+                    <a:lstStyle/>
+                    <a:p>
+                      <a:pPr fontAlgn="base">
+                        <a:lnSpc>
+                          <a:spcPts val="2175"/>
+                        </a:lnSpc>
+                        <a:buNone/>
+                      </a:pPr>
+                      <a:r>
+                        <a:rPr lang="en-US" sz="1800" dirty="0">
+                          <a:effectLst/>
+                        </a:rPr>
+                        <a:t>45295</a:t>
+                      </a:r>
+                      <a:endParaRPr lang="en-US" dirty="0">
+                        <a:effectLst/>
+                      </a:endParaRPr>
+                    </a:p>
+                  </a:txBody>
+                  <a:tcPr/>
+                </a:tc>
+                <a:extLst>
+                  <a:ext uri="{0D108BD9-81ED-4DB2-BD59-A6C34878D82A}">
+                    <a16:rowId xmlns:a16="http://schemas.microsoft.com/office/drawing/2014/main" val="1070325317"/>
+                  </a:ext>
+                </a:extLst>
+              </a:tr>
+            </a:tbl>
+          </a:graphicData>
+        </a:graphic>
+      </p:graphicFrame>
+      <p:sp>
+        <p:nvSpPr>
+          <p:cNvPr id="16" name="TextBox 15">
+            <a:extLst>
+              <a:ext uri="{FF2B5EF4-FFF2-40B4-BE49-F238E27FC236}">
+                <a16:creationId xmlns:a16="http://schemas.microsoft.com/office/drawing/2014/main" id="{3F29EE18-DBA9-264F-1A56-E3FC5E2B44B0}"/>
+              </a:ext>
+            </a:extLst>
+          </p:cNvPr>
+          <p:cNvSpPr txBox="1"/>
+          <p:nvPr/>
+        </p:nvSpPr>
+        <p:spPr>
+          <a:xfrm>
+            <a:off x="768403" y="3813202"/>
+            <a:ext cx="7030890" cy="2031325"/>
+          </a:xfrm>
+          <a:prstGeom prst="rect">
+            <a:avLst/>
+          </a:prstGeom>
+          <a:noFill/>
+        </p:spPr>
+        <p:txBody>
+          <a:bodyPr rot="0" spcFirstLastPara="0" vertOverflow="overflow" horzOverflow="overflow" vert="horz" wrap="square" lIns="91440" tIns="45720" rIns="91440" bIns="45720" numCol="1" spcCol="0" rtlCol="0" fromWordArt="0" anchor="t" anchorCtr="0" forceAA="0" compatLnSpc="1">
+            <a:prstTxWarp prst="textNoShape">
+              <a:avLst/>
+            </a:prstTxWarp>
+            <a:spAutoFit/>
+          </a:bodyPr>
+          <a:lstStyle/>
+          <a:p>
+            <a:pPr marL="228600" indent="-228600">
+              <a:buFont typeface=""/>
+              <a:buChar char="•"/>
+            </a:pPr>
+            <a:r>
+              <a:rPr lang="en-US"/>
+              <a:t>Severe class imbalance causes Logistic Regression to fail on the minority class.</a:t>
+            </a:r>
+          </a:p>
+          <a:p>
+            <a:pPr marL="228600" indent="-228600">
+              <a:buFont typeface=""/>
+              <a:buChar char="•"/>
+            </a:pPr>
+            <a:r>
+              <a:rPr lang="en-US"/>
+              <a:t>High accuracy (0.63) is misleading; minority-class precision is extremely low (0.04).</a:t>
+            </a:r>
+          </a:p>
+          <a:p>
+            <a:pPr marL="228600" indent="-228600">
+              <a:buFont typeface=""/>
+              <a:buChar char="•"/>
+            </a:pPr>
+            <a:r>
+              <a:rPr lang="en-US"/>
+              <a:t>Logistic Regression isn’t sufficient even with class weights → moving to Random Forest.</a:t>
+            </a:r>
+          </a:p>
+          <a:p>
+            <a:pPr algn="ctr"/>
+            <a:endParaRPr lang="en-US"/>
+          </a:p>
+        </p:txBody>
+      </p:sp>
+    </p:spTree>
+    <p:extLst>
+      <p:ext uri="{BB962C8B-B14F-4D97-AF65-F5344CB8AC3E}">
+        <p14:creationId xmlns:p14="http://schemas.microsoft.com/office/powerpoint/2010/main" val="1765775282"/>
+      </p:ext>
+    </p:extLst>
+  </p:cSld>
+  <p:clrMapOvr>
+    <a:masterClrMapping/>
+  </p:clrMapOvr>
+</p:sld>
+</file>
+
+<file path=ppt/slides/slide21.xml><?xml version="1.0" encoding="utf-8"?>
+<p:sld xmlns:a="http://schemas.openxmlformats.org/drawingml/2006/main" xmlns:r="http://schemas.openxmlformats.org/officeDocument/2006/relationships" xmlns:p="http://schemas.openxmlformats.org/presentationml/2006/main">
+  <p:cSld>
+    <p:spTree>
+      <p:nvGrpSpPr>
+        <p:cNvPr id="1" name="">
+          <a:extLst>
+            <a:ext uri="{FF2B5EF4-FFF2-40B4-BE49-F238E27FC236}">
+              <a16:creationId xmlns:a16="http://schemas.microsoft.com/office/drawing/2014/main" id="{D77549DB-B7BD-05EF-A6E0-46D434FBF0CD}"/>
+            </a:ext>
+          </a:extLst>
+        </p:cNvPr>
+        <p:cNvGrpSpPr/>
+        <p:nvPr/>
+      </p:nvGrpSpPr>
+      <p:grpSpPr>
+        <a:xfrm>
+          <a:off x="0" y="0"/>
+          <a:ext cx="0" cy="0"/>
+          <a:chOff x="0" y="0"/>
+          <a:chExt cx="0" cy="0"/>
+        </a:xfrm>
+      </p:grpSpPr>
+      <p:sp>
+        <p:nvSpPr>
+          <p:cNvPr id="2" name="標題 1">
+            <a:extLst>
+              <a:ext uri="{FF2B5EF4-FFF2-40B4-BE49-F238E27FC236}">
+                <a16:creationId xmlns:a16="http://schemas.microsoft.com/office/drawing/2014/main" id="{6906E549-EB85-1B37-4D77-4E87BFEA8C0E}"/>
+              </a:ext>
+            </a:extLst>
+          </p:cNvPr>
+          <p:cNvSpPr>
+            <a:spLocks noGrp="1"/>
+          </p:cNvSpPr>
+          <p:nvPr>
+            <p:ph type="title"/>
+          </p:nvPr>
+        </p:nvSpPr>
+        <p:spPr/>
+        <p:txBody>
+          <a:bodyPr/>
+          <a:lstStyle/>
+          <a:p>
+            <a:br>
+              <a:rPr lang="en-US" altLang="zh-TW" b="1" dirty="0">
+                <a:latin typeface="Times New Roman" panose="02020603050405020304" pitchFamily="18" charset="0"/>
+                <a:cs typeface="Times New Roman" panose="02020603050405020304" pitchFamily="18" charset="0"/>
+              </a:rPr>
+            </a:br>
+            <a:endParaRPr kumimoji="1" lang="zh-TW" altLang="en-US" b="1" dirty="0">
+              <a:latin typeface="Times New Roman" panose="02020603050405020304" pitchFamily="18" charset="0"/>
+              <a:cs typeface="Times New Roman" panose="02020603050405020304" pitchFamily="18" charset="0"/>
+            </a:endParaRPr>
+          </a:p>
+        </p:txBody>
+      </p:sp>
+      <p:sp>
+        <p:nvSpPr>
+          <p:cNvPr id="5" name="TextBox 4">
+            <a:extLst>
+              <a:ext uri="{FF2B5EF4-FFF2-40B4-BE49-F238E27FC236}">
+                <a16:creationId xmlns:a16="http://schemas.microsoft.com/office/drawing/2014/main" id="{8EF377D0-3F3B-9405-AB4B-1046218901A3}"/>
+              </a:ext>
+            </a:extLst>
+          </p:cNvPr>
+          <p:cNvSpPr txBox="1"/>
+          <p:nvPr/>
+        </p:nvSpPr>
+        <p:spPr>
+          <a:xfrm>
+            <a:off x="678756" y="1482378"/>
+            <a:ext cx="8183495" cy="523220"/>
+          </a:xfrm>
+          <a:prstGeom prst="rect">
+            <a:avLst/>
+          </a:prstGeom>
+          <a:noFill/>
+        </p:spPr>
+        <p:txBody>
+          <a:bodyPr rot="0" spcFirstLastPara="0" vertOverflow="overflow" horzOverflow="overflow" vert="horz" wrap="square" lIns="91440" tIns="45720" rIns="91440" bIns="45720" numCol="1" spcCol="0" rtlCol="0" fromWordArt="0" anchor="t" anchorCtr="0" forceAA="0" compatLnSpc="1">
+            <a:prstTxWarp prst="textNoShape">
+              <a:avLst/>
+            </a:prstTxWarp>
+            <a:spAutoFit/>
+          </a:bodyPr>
+          <a:lstStyle/>
+          <a:p>
+            <a:endParaRPr lang="en-US" sz="2800" dirty="0">
+              <a:solidFill>
+                <a:srgbClr val="404040"/>
+              </a:solidFill>
+              <a:latin typeface="Times New Roman"/>
+              <a:ea typeface="Segoe UI"/>
+              <a:cs typeface="Segoe UI"/>
+            </a:endParaRPr>
+          </a:p>
+        </p:txBody>
+      </p:sp>
+      <p:sp>
+        <p:nvSpPr>
+          <p:cNvPr id="4" name="TextBox 3">
+            <a:extLst>
+              <a:ext uri="{FF2B5EF4-FFF2-40B4-BE49-F238E27FC236}">
+                <a16:creationId xmlns:a16="http://schemas.microsoft.com/office/drawing/2014/main" id="{48BBFE24-7ED7-FB7C-1158-6C123572C39E}"/>
+              </a:ext>
+            </a:extLst>
+          </p:cNvPr>
+          <p:cNvSpPr txBox="1"/>
+          <p:nvPr/>
+        </p:nvSpPr>
+        <p:spPr>
+          <a:xfrm>
+            <a:off x="678756" y="429472"/>
+            <a:ext cx="6264151" cy="523220"/>
+          </a:xfrm>
+          <a:prstGeom prst="rect">
+            <a:avLst/>
+          </a:prstGeom>
+          <a:noFill/>
+        </p:spPr>
+        <p:txBody>
+          <a:bodyPr rot="0" spcFirstLastPara="0" vertOverflow="overflow" horzOverflow="overflow" vert="horz" wrap="square" lIns="91440" tIns="45720" rIns="91440" bIns="45720" numCol="1" spcCol="0" rtlCol="0" fromWordArt="0" anchor="t" anchorCtr="0" forceAA="0" compatLnSpc="1">
+            <a:prstTxWarp prst="textNoShape">
+              <a:avLst/>
+            </a:prstTxWarp>
+            <a:spAutoFit/>
+          </a:bodyPr>
+          <a:lstStyle/>
+          <a:p>
+            <a:r>
+              <a:rPr lang="en-US" sz="2800" b="1" dirty="0">
+                <a:solidFill>
+                  <a:schemeClr val="accent2"/>
+                </a:solidFill>
+                <a:latin typeface="Times New Roman"/>
+              </a:rPr>
+              <a:t>Running Random Forest Model</a:t>
+            </a:r>
+            <a:endParaRPr lang="en-US" sz="2800" b="1" dirty="0">
+              <a:solidFill>
+                <a:schemeClr val="accent2"/>
+              </a:solidFill>
+              <a:latin typeface="Times New Roman"/>
+              <a:cs typeface="Times New Roman"/>
+            </a:endParaRPr>
+          </a:p>
+        </p:txBody>
+      </p:sp>
+      <p:sp>
+        <p:nvSpPr>
+          <p:cNvPr id="16" name="TextBox 15">
+            <a:extLst>
+              <a:ext uri="{FF2B5EF4-FFF2-40B4-BE49-F238E27FC236}">
+                <a16:creationId xmlns:a16="http://schemas.microsoft.com/office/drawing/2014/main" id="{14F8D609-4C15-DD6D-C5EE-17FDABCDA04E}"/>
+              </a:ext>
+            </a:extLst>
+          </p:cNvPr>
+          <p:cNvSpPr txBox="1"/>
+          <p:nvPr/>
+        </p:nvSpPr>
+        <p:spPr>
+          <a:xfrm>
+            <a:off x="768403" y="3813202"/>
+            <a:ext cx="7030890" cy="1477328"/>
+          </a:xfrm>
+          <a:prstGeom prst="rect">
+            <a:avLst/>
+          </a:prstGeom>
+          <a:noFill/>
+        </p:spPr>
+        <p:txBody>
+          <a:bodyPr rot="0" spcFirstLastPara="0" vertOverflow="overflow" horzOverflow="overflow" vert="horz" wrap="square" lIns="91440" tIns="45720" rIns="91440" bIns="45720" numCol="1" spcCol="0" rtlCol="0" fromWordArt="0" anchor="t" anchorCtr="0" forceAA="0" compatLnSpc="1">
+            <a:prstTxWarp prst="textNoShape">
+              <a:avLst/>
+            </a:prstTxWarp>
+            <a:spAutoFit/>
+          </a:bodyPr>
+          <a:lstStyle/>
+          <a:p>
+            <a:pPr>
+              <a:buFont typeface="Arial"/>
+              <a:buChar char="•"/>
+            </a:pPr>
+            <a:r>
+              <a:rPr lang="en-US" dirty="0">
+                <a:ea typeface="+mn-lt"/>
+                <a:cs typeface="+mn-lt"/>
+              </a:rPr>
+              <a:t>Random Forest improves majority-class recall (63% → 72%) and achieves a strong F1 of 0.83.</a:t>
+            </a:r>
+            <a:endParaRPr lang="en-US" dirty="0"/>
+          </a:p>
+          <a:p>
+            <a:pPr>
+              <a:buFont typeface="Arial"/>
+              <a:buChar char="•"/>
+            </a:pPr>
+            <a:r>
+              <a:rPr lang="en-US" dirty="0">
+                <a:ea typeface="+mn-lt"/>
+                <a:cs typeface="+mn-lt"/>
+              </a:rPr>
+              <a:t>Still struggles with the minority “No” class because of the severe imbalance.</a:t>
+            </a:r>
+          </a:p>
+          <a:p>
+            <a:pPr marL="228600" indent="-228600">
+              <a:buFont typeface=""/>
+              <a:buChar char="•"/>
+            </a:pPr>
+            <a:endParaRPr lang="en-US" dirty="0">
+              <a:ea typeface="+mn-lt"/>
+              <a:cs typeface="+mn-lt"/>
+            </a:endParaRPr>
+          </a:p>
+        </p:txBody>
+      </p:sp>
+      <p:graphicFrame>
+        <p:nvGraphicFramePr>
+          <p:cNvPr id="6" name="Table 5">
+            <a:extLst>
+              <a:ext uri="{FF2B5EF4-FFF2-40B4-BE49-F238E27FC236}">
+                <a16:creationId xmlns:a16="http://schemas.microsoft.com/office/drawing/2014/main" id="{72EF35F2-2060-7363-C3B7-823A85667E35}"/>
+              </a:ext>
+            </a:extLst>
+          </p:cNvPr>
+          <p:cNvGraphicFramePr>
+            <a:graphicFrameLocks noGrp="1"/>
+          </p:cNvGraphicFramePr>
+          <p:nvPr>
+            <p:extLst>
+              <p:ext uri="{D42A27DB-BD31-4B8C-83A1-F6EECF244321}">
+                <p14:modId xmlns:p14="http://schemas.microsoft.com/office/powerpoint/2010/main" val="3180746861"/>
+              </p:ext>
+            </p:extLst>
+          </p:nvPr>
+        </p:nvGraphicFramePr>
+        <p:xfrm>
+          <a:off x="770805" y="1200390"/>
+          <a:ext cx="8191500" cy="2228850"/>
+        </p:xfrm>
+        <a:graphic>
+          <a:graphicData uri="http://schemas.openxmlformats.org/drawingml/2006/table">
+            <a:tbl>
+              <a:tblPr bandRow="1">
+                <a:tableStyleId>{3C2FFA5D-87B4-456A-9821-1D502468CF0F}</a:tableStyleId>
+              </a:tblPr>
+              <a:tblGrid>
+                <a:gridCol w="1638300">
+                  <a:extLst>
+                    <a:ext uri="{9D8B030D-6E8A-4147-A177-3AD203B41FA5}">
+                      <a16:colId xmlns:a16="http://schemas.microsoft.com/office/drawing/2014/main" val="929918575"/>
+                    </a:ext>
+                  </a:extLst>
+                </a:gridCol>
+                <a:gridCol w="1638300">
+                  <a:extLst>
+                    <a:ext uri="{9D8B030D-6E8A-4147-A177-3AD203B41FA5}">
+                      <a16:colId xmlns:a16="http://schemas.microsoft.com/office/drawing/2014/main" val="819119858"/>
+                    </a:ext>
+                  </a:extLst>
+                </a:gridCol>
+                <a:gridCol w="1638300">
+                  <a:extLst>
+                    <a:ext uri="{9D8B030D-6E8A-4147-A177-3AD203B41FA5}">
+                      <a16:colId xmlns:a16="http://schemas.microsoft.com/office/drawing/2014/main" val="3579301004"/>
+                    </a:ext>
+                  </a:extLst>
+                </a:gridCol>
+                <a:gridCol w="1638300">
+                  <a:extLst>
+                    <a:ext uri="{9D8B030D-6E8A-4147-A177-3AD203B41FA5}">
+                      <a16:colId xmlns:a16="http://schemas.microsoft.com/office/drawing/2014/main" val="3053465693"/>
+                    </a:ext>
+                  </a:extLst>
+                </a:gridCol>
+                <a:gridCol w="1638300">
+                  <a:extLst>
+                    <a:ext uri="{9D8B030D-6E8A-4147-A177-3AD203B41FA5}">
+                      <a16:colId xmlns:a16="http://schemas.microsoft.com/office/drawing/2014/main" val="4047924729"/>
+                    </a:ext>
+                  </a:extLst>
+                </a:gridCol>
+              </a:tblGrid>
+              <a:tr h="371475">
+                <a:tc>
+                  <a:txBody>
+                    <a:bodyPr/>
+                    <a:lstStyle/>
+                    <a:p>
+                      <a:pPr fontAlgn="t">
+                        <a:buNone/>
+                      </a:pPr>
+                      <a:endParaRPr lang="en-US">
+                        <a:effectLst/>
+                      </a:endParaRPr>
+                    </a:p>
+                  </a:txBody>
+                  <a:tcPr/>
+                </a:tc>
+                <a:tc>
+                  <a:txBody>
+                    <a:bodyPr/>
+                    <a:lstStyle/>
+                    <a:p>
+                      <a:pPr fontAlgn="base">
+                        <a:lnSpc>
+                          <a:spcPts val="2175"/>
+                        </a:lnSpc>
+                        <a:buNone/>
+                      </a:pPr>
+                      <a:r>
+                        <a:rPr lang="en-US" sz="1800">
+                          <a:solidFill>
+                            <a:srgbClr val="FFFFFF"/>
+                          </a:solidFill>
+                          <a:effectLst/>
+                        </a:rPr>
+                        <a:t>Precision</a:t>
+                      </a:r>
+                      <a:endParaRPr lang="en-US">
+                        <a:solidFill>
+                          <a:srgbClr val="FFFFFF"/>
+                        </a:solidFill>
+                        <a:effectLst/>
+                      </a:endParaRPr>
+                    </a:p>
+                  </a:txBody>
+                  <a:tcPr/>
+                </a:tc>
+                <a:tc>
+                  <a:txBody>
+                    <a:bodyPr/>
+                    <a:lstStyle/>
+                    <a:p>
+                      <a:pPr fontAlgn="base">
+                        <a:lnSpc>
+                          <a:spcPts val="2175"/>
+                        </a:lnSpc>
+                        <a:buNone/>
+                      </a:pPr>
+                      <a:r>
+                        <a:rPr lang="en-US" sz="1800">
+                          <a:solidFill>
+                            <a:srgbClr val="FFFFFF"/>
+                          </a:solidFill>
+                          <a:effectLst/>
+                        </a:rPr>
+                        <a:t>Recall</a:t>
+                      </a:r>
+                      <a:endParaRPr lang="en-US">
+                        <a:solidFill>
+                          <a:srgbClr val="FFFFFF"/>
+                        </a:solidFill>
+                        <a:effectLst/>
+                      </a:endParaRPr>
+                    </a:p>
+                  </a:txBody>
+                  <a:tcPr/>
+                </a:tc>
+                <a:tc>
+                  <a:txBody>
+                    <a:bodyPr/>
+                    <a:lstStyle/>
+                    <a:p>
+                      <a:pPr fontAlgn="base">
+                        <a:lnSpc>
+                          <a:spcPts val="2175"/>
+                        </a:lnSpc>
+                        <a:buNone/>
+                      </a:pPr>
+                      <a:r>
+                        <a:rPr lang="en-US" sz="1800">
+                          <a:solidFill>
+                            <a:srgbClr val="FFFFFF"/>
+                          </a:solidFill>
+                          <a:effectLst/>
+                        </a:rPr>
+                        <a:t>F1-Score</a:t>
+                      </a:r>
+                      <a:endParaRPr lang="en-US">
+                        <a:solidFill>
+                          <a:srgbClr val="FFFFFF"/>
+                        </a:solidFill>
+                        <a:effectLst/>
+                      </a:endParaRPr>
+                    </a:p>
+                  </a:txBody>
+                  <a:tcPr/>
+                </a:tc>
+                <a:tc>
+                  <a:txBody>
+                    <a:bodyPr/>
+                    <a:lstStyle/>
+                    <a:p>
+                      <a:pPr fontAlgn="base">
+                        <a:lnSpc>
+                          <a:spcPts val="2175"/>
+                        </a:lnSpc>
+                        <a:buNone/>
+                      </a:pPr>
+                      <a:r>
+                        <a:rPr lang="en-US" sz="1800" dirty="0">
+                          <a:solidFill>
+                            <a:srgbClr val="FFFFFF"/>
+                          </a:solidFill>
+                          <a:effectLst/>
+                        </a:rPr>
+                        <a:t>Support</a:t>
+                      </a:r>
+                      <a:endParaRPr lang="en-US">
+                        <a:solidFill>
+                          <a:srgbClr val="FFFFFF"/>
+                        </a:solidFill>
+                        <a:effectLst/>
+                      </a:endParaRPr>
+                    </a:p>
+                  </a:txBody>
+                  <a:tcPr/>
+                </a:tc>
+                <a:extLst>
+                  <a:ext uri="{0D108BD9-81ED-4DB2-BD59-A6C34878D82A}">
+                    <a16:rowId xmlns:a16="http://schemas.microsoft.com/office/drawing/2014/main" val="1499898622"/>
+                  </a:ext>
+                </a:extLst>
+              </a:tr>
+              <a:tr h="371475">
+                <a:tc>
+                  <a:txBody>
+                    <a:bodyPr/>
+                    <a:lstStyle/>
+                    <a:p>
+                      <a:pPr fontAlgn="base">
+                        <a:lnSpc>
+                          <a:spcPts val="2175"/>
+                        </a:lnSpc>
+                        <a:buNone/>
+                      </a:pPr>
+                      <a:r>
+                        <a:rPr lang="en-US" sz="1800">
+                          <a:effectLst/>
+                        </a:rPr>
+                        <a:t>0.0</a:t>
+                      </a:r>
+                      <a:endParaRPr lang="en-US">
+                        <a:effectLst/>
+                      </a:endParaRPr>
+                    </a:p>
+                  </a:txBody>
+                  <a:tcPr/>
+                </a:tc>
+                <a:tc>
+                  <a:txBody>
+                    <a:bodyPr/>
+                    <a:lstStyle/>
+                    <a:p>
+                      <a:pPr fontAlgn="base">
+                        <a:lnSpc>
+                          <a:spcPts val="2175"/>
+                        </a:lnSpc>
+                        <a:buNone/>
+                      </a:pPr>
+                      <a:r>
+                        <a:rPr lang="en-US" sz="1800">
+                          <a:effectLst/>
+                        </a:rPr>
+                        <a:t>0.04</a:t>
+                      </a:r>
+                      <a:endParaRPr lang="en-US">
+                        <a:effectLst/>
+                      </a:endParaRPr>
+                    </a:p>
+                  </a:txBody>
+                  <a:tcPr/>
+                </a:tc>
+                <a:tc>
+                  <a:txBody>
+                    <a:bodyPr/>
+                    <a:lstStyle/>
+                    <a:p>
+                      <a:pPr fontAlgn="base">
+                        <a:lnSpc>
+                          <a:spcPts val="2175"/>
+                        </a:lnSpc>
+                        <a:buNone/>
+                      </a:pPr>
+                      <a:r>
+                        <a:rPr lang="en-US" sz="1800">
+                          <a:effectLst/>
+                        </a:rPr>
+                        <a:t>0.57</a:t>
+                      </a:r>
+                      <a:endParaRPr lang="en-US">
+                        <a:effectLst/>
+                      </a:endParaRPr>
+                    </a:p>
+                  </a:txBody>
+                  <a:tcPr/>
+                </a:tc>
+                <a:tc>
+                  <a:txBody>
+                    <a:bodyPr/>
+                    <a:lstStyle/>
+                    <a:p>
+                      <a:pPr fontAlgn="base">
+                        <a:lnSpc>
+                          <a:spcPts val="2175"/>
+                        </a:lnSpc>
+                        <a:buNone/>
+                      </a:pPr>
+                      <a:r>
+                        <a:rPr lang="en-US" sz="1800">
+                          <a:effectLst/>
+                        </a:rPr>
+                        <a:t>0.07</a:t>
+                      </a:r>
+                      <a:endParaRPr lang="en-US">
+                        <a:effectLst/>
+                      </a:endParaRPr>
+                    </a:p>
+                  </a:txBody>
+                  <a:tcPr/>
+                </a:tc>
+                <a:tc>
+                  <a:txBody>
+                    <a:bodyPr/>
+                    <a:lstStyle/>
+                    <a:p>
+                      <a:pPr fontAlgn="base">
+                        <a:lnSpc>
+                          <a:spcPts val="2175"/>
+                        </a:lnSpc>
+                        <a:buNone/>
+                      </a:pPr>
+                      <a:r>
+                        <a:rPr lang="en-US" sz="1800">
+                          <a:effectLst/>
+                        </a:rPr>
+                        <a:t>881</a:t>
+                      </a:r>
+                      <a:endParaRPr lang="en-US">
+                        <a:effectLst/>
+                      </a:endParaRPr>
+                    </a:p>
+                  </a:txBody>
+                  <a:tcPr/>
+                </a:tc>
+                <a:extLst>
+                  <a:ext uri="{0D108BD9-81ED-4DB2-BD59-A6C34878D82A}">
+                    <a16:rowId xmlns:a16="http://schemas.microsoft.com/office/drawing/2014/main" val="2278366957"/>
+                  </a:ext>
+                </a:extLst>
+              </a:tr>
+              <a:tr h="371475">
+                <a:tc>
+                  <a:txBody>
+                    <a:bodyPr/>
+                    <a:lstStyle/>
+                    <a:p>
+                      <a:pPr fontAlgn="base">
+                        <a:lnSpc>
+                          <a:spcPts val="2175"/>
+                        </a:lnSpc>
+                        <a:buNone/>
+                      </a:pPr>
+                      <a:r>
+                        <a:rPr lang="en-US" sz="1800">
+                          <a:effectLst/>
+                        </a:rPr>
+                        <a:t>1.0</a:t>
+                      </a:r>
+                      <a:endParaRPr lang="en-US">
+                        <a:effectLst/>
+                      </a:endParaRPr>
+                    </a:p>
+                  </a:txBody>
+                  <a:tcPr/>
+                </a:tc>
+                <a:tc>
+                  <a:txBody>
+                    <a:bodyPr/>
+                    <a:lstStyle/>
+                    <a:p>
+                      <a:pPr fontAlgn="base">
+                        <a:lnSpc>
+                          <a:spcPts val="2175"/>
+                        </a:lnSpc>
+                        <a:buNone/>
+                      </a:pPr>
+                      <a:r>
+                        <a:rPr lang="en-US" sz="1800">
+                          <a:effectLst/>
+                        </a:rPr>
+                        <a:t>0.99</a:t>
+                      </a:r>
+                      <a:endParaRPr lang="en-US">
+                        <a:effectLst/>
+                      </a:endParaRPr>
+                    </a:p>
+                  </a:txBody>
+                  <a:tcPr/>
+                </a:tc>
+                <a:tc>
+                  <a:txBody>
+                    <a:bodyPr/>
+                    <a:lstStyle/>
+                    <a:p>
+                      <a:pPr fontAlgn="base">
+                        <a:lnSpc>
+                          <a:spcPts val="2175"/>
+                        </a:lnSpc>
+                        <a:buNone/>
+                      </a:pPr>
+                      <a:r>
+                        <a:rPr lang="en-US" sz="1800">
+                          <a:effectLst/>
+                        </a:rPr>
+                        <a:t>0.72</a:t>
+                      </a:r>
+                      <a:endParaRPr lang="en-US">
+                        <a:effectLst/>
+                      </a:endParaRPr>
+                    </a:p>
+                  </a:txBody>
+                  <a:tcPr/>
+                </a:tc>
+                <a:tc>
+                  <a:txBody>
+                    <a:bodyPr/>
+                    <a:lstStyle/>
+                    <a:p>
+                      <a:pPr fontAlgn="base">
+                        <a:lnSpc>
+                          <a:spcPts val="2175"/>
+                        </a:lnSpc>
+                        <a:buNone/>
+                      </a:pPr>
+                      <a:r>
+                        <a:rPr lang="en-US" sz="1800">
+                          <a:effectLst/>
+                        </a:rPr>
+                        <a:t>0.83</a:t>
+                      </a:r>
+                      <a:endParaRPr lang="en-US">
+                        <a:effectLst/>
+                      </a:endParaRPr>
+                    </a:p>
+                  </a:txBody>
+                  <a:tcPr/>
+                </a:tc>
+                <a:tc>
+                  <a:txBody>
+                    <a:bodyPr/>
+                    <a:lstStyle/>
+                    <a:p>
+                      <a:pPr fontAlgn="base">
+                        <a:lnSpc>
+                          <a:spcPts val="2175"/>
+                        </a:lnSpc>
+                        <a:buNone/>
+                      </a:pPr>
+                      <a:r>
+                        <a:rPr lang="en-US" sz="1800">
+                          <a:effectLst/>
+                        </a:rPr>
+                        <a:t>44414</a:t>
+                      </a:r>
+                      <a:endParaRPr lang="en-US">
+                        <a:effectLst/>
+                      </a:endParaRPr>
+                    </a:p>
+                  </a:txBody>
+                  <a:tcPr/>
+                </a:tc>
+                <a:extLst>
+                  <a:ext uri="{0D108BD9-81ED-4DB2-BD59-A6C34878D82A}">
+                    <a16:rowId xmlns:a16="http://schemas.microsoft.com/office/drawing/2014/main" val="2113180401"/>
+                  </a:ext>
+                </a:extLst>
+              </a:tr>
+              <a:tr h="371475">
+                <a:tc>
+                  <a:txBody>
+                    <a:bodyPr/>
+                    <a:lstStyle/>
+                    <a:p>
+                      <a:pPr fontAlgn="base">
+                        <a:lnSpc>
+                          <a:spcPts val="2175"/>
+                        </a:lnSpc>
+                        <a:buNone/>
+                      </a:pPr>
+                      <a:r>
+                        <a:rPr lang="en-US" sz="1800">
+                          <a:effectLst/>
+                        </a:rPr>
+                        <a:t>Accuracy</a:t>
+                      </a:r>
+                      <a:endParaRPr lang="en-US">
+                        <a:effectLst/>
+                      </a:endParaRPr>
+                    </a:p>
+                  </a:txBody>
+                  <a:tcPr/>
+                </a:tc>
+                <a:tc>
+                  <a:txBody>
+                    <a:bodyPr/>
+                    <a:lstStyle/>
+                    <a:p>
+                      <a:pPr fontAlgn="t">
+                        <a:buNone/>
+                      </a:pPr>
+                      <a:endParaRPr lang="en-US">
+                        <a:effectLst/>
+                      </a:endParaRPr>
+                    </a:p>
+                  </a:txBody>
+                  <a:tcPr/>
+                </a:tc>
+                <a:tc>
+                  <a:txBody>
+                    <a:bodyPr/>
+                    <a:lstStyle/>
+                    <a:p>
+                      <a:pPr fontAlgn="t">
+                        <a:buNone/>
+                      </a:pPr>
+                      <a:endParaRPr lang="en-US">
+                        <a:effectLst/>
+                      </a:endParaRPr>
+                    </a:p>
+                  </a:txBody>
+                  <a:tcPr/>
+                </a:tc>
+                <a:tc>
+                  <a:txBody>
+                    <a:bodyPr/>
+                    <a:lstStyle/>
+                    <a:p>
+                      <a:pPr fontAlgn="base">
+                        <a:lnSpc>
+                          <a:spcPts val="2175"/>
+                        </a:lnSpc>
+                        <a:buNone/>
+                      </a:pPr>
+                      <a:r>
+                        <a:rPr lang="en-US" sz="1800">
+                          <a:effectLst/>
+                        </a:rPr>
+                        <a:t>0.72</a:t>
+                      </a:r>
+                      <a:endParaRPr lang="en-US">
+                        <a:effectLst/>
+                      </a:endParaRPr>
+                    </a:p>
+                  </a:txBody>
+                  <a:tcPr/>
+                </a:tc>
+                <a:tc>
+                  <a:txBody>
+                    <a:bodyPr/>
+                    <a:lstStyle/>
+                    <a:p>
+                      <a:pPr fontAlgn="base">
+                        <a:lnSpc>
+                          <a:spcPts val="2175"/>
+                        </a:lnSpc>
+                        <a:buNone/>
+                      </a:pPr>
+                      <a:r>
+                        <a:rPr lang="en-US" sz="1800">
+                          <a:effectLst/>
+                        </a:rPr>
+                        <a:t>45295</a:t>
+                      </a:r>
+                      <a:endParaRPr lang="en-US">
+                        <a:effectLst/>
+                      </a:endParaRPr>
+                    </a:p>
+                  </a:txBody>
+                  <a:tcPr/>
+                </a:tc>
+                <a:extLst>
+                  <a:ext uri="{0D108BD9-81ED-4DB2-BD59-A6C34878D82A}">
+                    <a16:rowId xmlns:a16="http://schemas.microsoft.com/office/drawing/2014/main" val="3238274812"/>
+                  </a:ext>
+                </a:extLst>
+              </a:tr>
+              <a:tr h="371475">
+                <a:tc>
+                  <a:txBody>
+                    <a:bodyPr/>
+                    <a:lstStyle/>
+                    <a:p>
+                      <a:pPr fontAlgn="base">
+                        <a:lnSpc>
+                          <a:spcPts val="2175"/>
+                        </a:lnSpc>
+                        <a:buNone/>
+                      </a:pPr>
+                      <a:r>
+                        <a:rPr lang="en-US" sz="1800">
+                          <a:effectLst/>
+                        </a:rPr>
+                        <a:t>Macro Avg</a:t>
+                      </a:r>
+                      <a:endParaRPr lang="en-US">
+                        <a:effectLst/>
+                      </a:endParaRPr>
+                    </a:p>
+                  </a:txBody>
+                  <a:tcPr/>
+                </a:tc>
+                <a:tc>
+                  <a:txBody>
+                    <a:bodyPr/>
+                    <a:lstStyle/>
+                    <a:p>
+                      <a:pPr fontAlgn="base">
+                        <a:lnSpc>
+                          <a:spcPts val="2175"/>
+                        </a:lnSpc>
+                        <a:buNone/>
+                      </a:pPr>
+                      <a:r>
+                        <a:rPr lang="en-US" sz="1800">
+                          <a:effectLst/>
+                        </a:rPr>
+                        <a:t>0.51</a:t>
+                      </a:r>
+                      <a:endParaRPr lang="en-US">
+                        <a:effectLst/>
+                      </a:endParaRPr>
+                    </a:p>
+                  </a:txBody>
+                  <a:tcPr/>
+                </a:tc>
+                <a:tc>
+                  <a:txBody>
+                    <a:bodyPr/>
+                    <a:lstStyle/>
+                    <a:p>
+                      <a:pPr fontAlgn="base">
+                        <a:lnSpc>
+                          <a:spcPts val="2175"/>
+                        </a:lnSpc>
+                        <a:buNone/>
+                      </a:pPr>
+                      <a:r>
+                        <a:rPr lang="en-US" sz="1800">
+                          <a:effectLst/>
+                        </a:rPr>
+                        <a:t>0.65</a:t>
+                      </a:r>
+                      <a:endParaRPr lang="en-US">
+                        <a:effectLst/>
+                      </a:endParaRPr>
+                    </a:p>
+                  </a:txBody>
+                  <a:tcPr/>
+                </a:tc>
+                <a:tc>
+                  <a:txBody>
+                    <a:bodyPr/>
+                    <a:lstStyle/>
+                    <a:p>
+                      <a:pPr fontAlgn="base">
+                        <a:lnSpc>
+                          <a:spcPts val="2175"/>
+                        </a:lnSpc>
+                        <a:buNone/>
+                      </a:pPr>
+                      <a:r>
+                        <a:rPr lang="en-US" sz="1800">
+                          <a:effectLst/>
+                        </a:rPr>
+                        <a:t>0.45</a:t>
+                      </a:r>
+                      <a:endParaRPr lang="en-US">
+                        <a:effectLst/>
+                      </a:endParaRPr>
+                    </a:p>
+                  </a:txBody>
+                  <a:tcPr/>
+                </a:tc>
+                <a:tc>
+                  <a:txBody>
+                    <a:bodyPr/>
+                    <a:lstStyle/>
+                    <a:p>
+                      <a:pPr fontAlgn="base">
+                        <a:lnSpc>
+                          <a:spcPts val="2175"/>
+                        </a:lnSpc>
+                        <a:buNone/>
+                      </a:pPr>
+                      <a:r>
+                        <a:rPr lang="en-US" sz="1800">
+                          <a:effectLst/>
+                        </a:rPr>
+                        <a:t>45295</a:t>
+                      </a:r>
+                      <a:endParaRPr lang="en-US">
+                        <a:effectLst/>
+                      </a:endParaRPr>
+                    </a:p>
+                  </a:txBody>
+                  <a:tcPr/>
+                </a:tc>
+                <a:extLst>
+                  <a:ext uri="{0D108BD9-81ED-4DB2-BD59-A6C34878D82A}">
+                    <a16:rowId xmlns:a16="http://schemas.microsoft.com/office/drawing/2014/main" val="1655277067"/>
+                  </a:ext>
+                </a:extLst>
+              </a:tr>
+              <a:tr h="371475">
+                <a:tc>
+                  <a:txBody>
+                    <a:bodyPr/>
+                    <a:lstStyle/>
+                    <a:p>
+                      <a:pPr fontAlgn="base">
+                        <a:lnSpc>
+                          <a:spcPts val="2175"/>
+                        </a:lnSpc>
+                        <a:buNone/>
+                      </a:pPr>
+                      <a:r>
+                        <a:rPr lang="en-US" sz="1800">
+                          <a:effectLst/>
+                        </a:rPr>
+                        <a:t>Weighted Avg</a:t>
+                      </a:r>
+                      <a:endParaRPr lang="en-US">
+                        <a:effectLst/>
+                      </a:endParaRPr>
+                    </a:p>
+                  </a:txBody>
+                  <a:tcPr/>
+                </a:tc>
+                <a:tc>
+                  <a:txBody>
+                    <a:bodyPr/>
+                    <a:lstStyle/>
+                    <a:p>
+                      <a:pPr fontAlgn="base">
+                        <a:lnSpc>
+                          <a:spcPts val="2175"/>
+                        </a:lnSpc>
+                        <a:buNone/>
+                      </a:pPr>
+                      <a:r>
+                        <a:rPr lang="en-US" sz="1800">
+                          <a:effectLst/>
+                        </a:rPr>
+                        <a:t>0.97</a:t>
+                      </a:r>
+                      <a:endParaRPr lang="en-US">
+                        <a:effectLst/>
+                      </a:endParaRPr>
+                    </a:p>
+                  </a:txBody>
+                  <a:tcPr/>
+                </a:tc>
+                <a:tc>
+                  <a:txBody>
+                    <a:bodyPr/>
+                    <a:lstStyle/>
+                    <a:p>
+                      <a:pPr fontAlgn="base">
+                        <a:lnSpc>
+                          <a:spcPts val="2175"/>
+                        </a:lnSpc>
+                        <a:buNone/>
+                      </a:pPr>
+                      <a:r>
+                        <a:rPr lang="en-US" sz="1800">
+                          <a:effectLst/>
+                        </a:rPr>
+                        <a:t>0.72</a:t>
+                      </a:r>
+                      <a:endParaRPr lang="en-US">
+                        <a:effectLst/>
+                      </a:endParaRPr>
+                    </a:p>
+                  </a:txBody>
+                  <a:tcPr/>
+                </a:tc>
+                <a:tc>
+                  <a:txBody>
+                    <a:bodyPr/>
+                    <a:lstStyle/>
+                    <a:p>
+                      <a:pPr fontAlgn="base">
+                        <a:lnSpc>
+                          <a:spcPts val="2175"/>
+                        </a:lnSpc>
+                        <a:buNone/>
+                      </a:pPr>
+                      <a:r>
+                        <a:rPr lang="en-US" sz="1800">
+                          <a:effectLst/>
+                        </a:rPr>
+                        <a:t>0.82</a:t>
+                      </a:r>
+                      <a:endParaRPr lang="en-US">
+                        <a:effectLst/>
+                      </a:endParaRPr>
+                    </a:p>
+                  </a:txBody>
+                  <a:tcPr/>
+                </a:tc>
+                <a:tc>
+                  <a:txBody>
+                    <a:bodyPr/>
+                    <a:lstStyle/>
+                    <a:p>
+                      <a:pPr fontAlgn="base">
+                        <a:lnSpc>
+                          <a:spcPts val="2175"/>
+                        </a:lnSpc>
+                        <a:buNone/>
+                      </a:pPr>
+                      <a:r>
+                        <a:rPr lang="en-US" sz="1800">
+                          <a:effectLst/>
+                        </a:rPr>
+                        <a:t>45295</a:t>
+                      </a:r>
+                      <a:endParaRPr lang="en-US">
+                        <a:effectLst/>
+                      </a:endParaRPr>
+                    </a:p>
+                  </a:txBody>
+                  <a:tcPr/>
+                </a:tc>
+                <a:extLst>
+                  <a:ext uri="{0D108BD9-81ED-4DB2-BD59-A6C34878D82A}">
+                    <a16:rowId xmlns:a16="http://schemas.microsoft.com/office/drawing/2014/main" val="3631959503"/>
+                  </a:ext>
+                </a:extLst>
+              </a:tr>
+            </a:tbl>
+          </a:graphicData>
+        </a:graphic>
+      </p:graphicFrame>
+    </p:spTree>
+    <p:extLst>
+      <p:ext uri="{BB962C8B-B14F-4D97-AF65-F5344CB8AC3E}">
+        <p14:creationId xmlns:p14="http://schemas.microsoft.com/office/powerpoint/2010/main" val="400655199"/>
+      </p:ext>
+    </p:extLst>
+  </p:cSld>
+  <p:clrMapOvr>
+    <a:masterClrMapping/>
+  </p:clrMapOvr>
+</p:sld>
+</file>
+
+<file path=ppt/slides/slide22.xml><?xml version="1.0" encoding="utf-8"?>
+<p:sld xmlns:a="http://schemas.openxmlformats.org/drawingml/2006/main" xmlns:r="http://schemas.openxmlformats.org/officeDocument/2006/relationships" xmlns:p="http://schemas.openxmlformats.org/presentationml/2006/main">
+  <p:cSld>
+    <p:spTree>
+      <p:nvGrpSpPr>
+        <p:cNvPr id="1" name="">
+          <a:extLst>
+            <a:ext uri="{FF2B5EF4-FFF2-40B4-BE49-F238E27FC236}">
+              <a16:creationId xmlns:a16="http://schemas.microsoft.com/office/drawing/2014/main" id="{66BC606E-C98A-C321-6C7B-7543BA79540E}"/>
+            </a:ext>
+          </a:extLst>
+        </p:cNvPr>
+        <p:cNvGrpSpPr/>
+        <p:nvPr/>
+      </p:nvGrpSpPr>
+      <p:grpSpPr>
+        <a:xfrm>
+          <a:off x="0" y="0"/>
+          <a:ext cx="0" cy="0"/>
+          <a:chOff x="0" y="0"/>
+          <a:chExt cx="0" cy="0"/>
+        </a:xfrm>
+      </p:grpSpPr>
+      <p:sp>
+        <p:nvSpPr>
+          <p:cNvPr id="2" name="標題 1">
+            <a:extLst>
+              <a:ext uri="{FF2B5EF4-FFF2-40B4-BE49-F238E27FC236}">
+                <a16:creationId xmlns:a16="http://schemas.microsoft.com/office/drawing/2014/main" id="{E8E8BD04-0923-E7E0-99E1-208BF04A2988}"/>
+              </a:ext>
+            </a:extLst>
+          </p:cNvPr>
+          <p:cNvSpPr>
+            <a:spLocks noGrp="1"/>
+          </p:cNvSpPr>
+          <p:nvPr>
+            <p:ph type="title"/>
+          </p:nvPr>
+        </p:nvSpPr>
+        <p:spPr/>
+        <p:txBody>
+          <a:bodyPr/>
+          <a:lstStyle/>
+          <a:p>
+            <a:br>
+              <a:rPr lang="en-US" altLang="zh-TW" b="1" dirty="0">
+                <a:latin typeface="Times New Roman" panose="02020603050405020304" pitchFamily="18" charset="0"/>
+                <a:cs typeface="Times New Roman" panose="02020603050405020304" pitchFamily="18" charset="0"/>
+              </a:rPr>
+            </a:br>
+            <a:endParaRPr kumimoji="1" lang="zh-TW" altLang="en-US" b="1" dirty="0">
+              <a:latin typeface="Times New Roman" panose="02020603050405020304" pitchFamily="18" charset="0"/>
+              <a:cs typeface="Times New Roman" panose="02020603050405020304" pitchFamily="18" charset="0"/>
+            </a:endParaRPr>
+          </a:p>
+        </p:txBody>
+      </p:sp>
+      <p:sp>
+        <p:nvSpPr>
+          <p:cNvPr id="5" name="TextBox 4">
+            <a:extLst>
+              <a:ext uri="{FF2B5EF4-FFF2-40B4-BE49-F238E27FC236}">
+                <a16:creationId xmlns:a16="http://schemas.microsoft.com/office/drawing/2014/main" id="{20DD0D26-F8EA-7202-1FD1-DD50654737B4}"/>
+              </a:ext>
+            </a:extLst>
+          </p:cNvPr>
+          <p:cNvSpPr txBox="1"/>
+          <p:nvPr/>
+        </p:nvSpPr>
+        <p:spPr>
+          <a:xfrm>
+            <a:off x="678756" y="1482378"/>
+            <a:ext cx="8183495" cy="523220"/>
+          </a:xfrm>
+          <a:prstGeom prst="rect">
+            <a:avLst/>
+          </a:prstGeom>
+          <a:noFill/>
+        </p:spPr>
+        <p:txBody>
+          <a:bodyPr rot="0" spcFirstLastPara="0" vertOverflow="overflow" horzOverflow="overflow" vert="horz" wrap="square" lIns="91440" tIns="45720" rIns="91440" bIns="45720" numCol="1" spcCol="0" rtlCol="0" fromWordArt="0" anchor="t" anchorCtr="0" forceAA="0" compatLnSpc="1">
+            <a:prstTxWarp prst="textNoShape">
+              <a:avLst/>
+            </a:prstTxWarp>
+            <a:spAutoFit/>
+          </a:bodyPr>
+          <a:lstStyle/>
+          <a:p>
+            <a:endParaRPr lang="en-US" sz="2800" dirty="0">
+              <a:solidFill>
+                <a:srgbClr val="404040"/>
+              </a:solidFill>
+              <a:latin typeface="Times New Roman"/>
+              <a:ea typeface="Segoe UI"/>
+              <a:cs typeface="Segoe UI"/>
+            </a:endParaRPr>
+          </a:p>
+        </p:txBody>
+      </p:sp>
+      <p:sp>
+        <p:nvSpPr>
+          <p:cNvPr id="4" name="TextBox 3">
+            <a:extLst>
+              <a:ext uri="{FF2B5EF4-FFF2-40B4-BE49-F238E27FC236}">
+                <a16:creationId xmlns:a16="http://schemas.microsoft.com/office/drawing/2014/main" id="{54B3224B-35BD-0CE4-3945-661436AC5A2F}"/>
+              </a:ext>
+            </a:extLst>
+          </p:cNvPr>
+          <p:cNvSpPr txBox="1"/>
+          <p:nvPr/>
+        </p:nvSpPr>
+        <p:spPr>
+          <a:xfrm>
+            <a:off x="678756" y="429472"/>
+            <a:ext cx="6264151" cy="523220"/>
+          </a:xfrm>
+          <a:prstGeom prst="rect">
+            <a:avLst/>
+          </a:prstGeom>
+          <a:noFill/>
+        </p:spPr>
+        <p:txBody>
+          <a:bodyPr rot="0" spcFirstLastPara="0" vertOverflow="overflow" horzOverflow="overflow" vert="horz" wrap="square" lIns="91440" tIns="45720" rIns="91440" bIns="45720" numCol="1" spcCol="0" rtlCol="0" fromWordArt="0" anchor="t" anchorCtr="0" forceAA="0" compatLnSpc="1">
+            <a:prstTxWarp prst="textNoShape">
+              <a:avLst/>
+            </a:prstTxWarp>
+            <a:spAutoFit/>
+          </a:bodyPr>
+          <a:lstStyle/>
+          <a:p>
+            <a:r>
+              <a:rPr lang="en-US" sz="2800" b="1" dirty="0">
+                <a:solidFill>
+                  <a:schemeClr val="accent2"/>
+                </a:solidFill>
+                <a:latin typeface="Times New Roman"/>
+              </a:rPr>
+              <a:t>Conclusion for Q2</a:t>
+            </a:r>
+            <a:endParaRPr lang="en-US" sz="2800" b="1" dirty="0">
+              <a:solidFill>
+                <a:schemeClr val="accent2"/>
+              </a:solidFill>
+              <a:latin typeface="Times New Roman"/>
+              <a:cs typeface="Times New Roman"/>
+            </a:endParaRPr>
+          </a:p>
+        </p:txBody>
+      </p:sp>
+      <p:sp>
+        <p:nvSpPr>
+          <p:cNvPr id="16" name="TextBox 15">
+            <a:extLst>
+              <a:ext uri="{FF2B5EF4-FFF2-40B4-BE49-F238E27FC236}">
+                <a16:creationId xmlns:a16="http://schemas.microsoft.com/office/drawing/2014/main" id="{D885254D-8581-C82B-F5AA-EBEFBBC93372}"/>
+              </a:ext>
+            </a:extLst>
+          </p:cNvPr>
+          <p:cNvSpPr txBox="1"/>
+          <p:nvPr/>
+        </p:nvSpPr>
+        <p:spPr>
+          <a:xfrm>
+            <a:off x="798169" y="1128342"/>
+            <a:ext cx="8876359" cy="4247317"/>
+          </a:xfrm>
+          <a:prstGeom prst="rect">
+            <a:avLst/>
+          </a:prstGeom>
+          <a:noFill/>
+        </p:spPr>
+        <p:txBody>
+          <a:bodyPr rot="0" spcFirstLastPara="0" vertOverflow="overflow" horzOverflow="overflow" vert="horz" wrap="square" lIns="91440" tIns="45720" rIns="91440" bIns="45720" numCol="1" spcCol="0" rtlCol="0" fromWordArt="0" anchor="t" anchorCtr="0" forceAA="0" compatLnSpc="1">
+            <a:prstTxWarp prst="textNoShape">
+              <a:avLst/>
+            </a:prstTxWarp>
+            <a:spAutoFit/>
+          </a:bodyPr>
+          <a:lstStyle/>
+          <a:p>
+            <a:pPr>
+              <a:buFont typeface="Arial"/>
+              <a:buChar char="•"/>
+            </a:pPr>
+            <a:r>
+              <a:rPr lang="en-US" dirty="0">
+                <a:ea typeface="+mn-lt"/>
+                <a:cs typeface="+mn-lt"/>
+              </a:rPr>
+              <a:t>  Across both Logistic Regression and Random Forest, the predictive performance for mental health diagnosis was limited due to the </a:t>
+            </a:r>
+            <a:r>
+              <a:rPr lang="en-US" b="1" dirty="0">
+                <a:ea typeface="+mn-lt"/>
+                <a:cs typeface="+mn-lt"/>
+              </a:rPr>
+              <a:t>extreme class imbalance</a:t>
+            </a:r>
+            <a:r>
+              <a:rPr lang="en-US" dirty="0">
+                <a:ea typeface="+mn-lt"/>
+                <a:cs typeface="+mn-lt"/>
+              </a:rPr>
+              <a:t> in the dataset (≈98% “Yes” vs. 2% “No”). Logistic Regression struggled to identify the minority class even with class weighting, producing very low precision and unstable recall. Random Forest improved performance for the majority class and captured more nonlinear relationships, but it </a:t>
+            </a:r>
+            <a:r>
+              <a:rPr lang="en-US" b="1" dirty="0">
+                <a:ea typeface="+mn-lt"/>
+                <a:cs typeface="+mn-lt"/>
+              </a:rPr>
+              <a:t>still failed to reliably detect the few “No” cases</a:t>
+            </a:r>
+            <a:r>
+              <a:rPr lang="en-US" dirty="0">
+                <a:ea typeface="+mn-lt"/>
+                <a:cs typeface="+mn-lt"/>
+              </a:rPr>
+              <a:t>.</a:t>
+            </a:r>
+          </a:p>
+          <a:p>
+            <a:pPr>
+              <a:buFont typeface="Arial"/>
+              <a:buChar char="•"/>
+            </a:pPr>
+            <a:endParaRPr lang="en-US" dirty="0">
+              <a:ea typeface="+mn-lt"/>
+              <a:cs typeface="+mn-lt"/>
+            </a:endParaRPr>
+          </a:p>
+          <a:p>
+            <a:pPr>
+              <a:buFont typeface="Arial"/>
+              <a:buChar char="•"/>
+            </a:pPr>
+            <a:r>
+              <a:rPr lang="en-US" dirty="0">
+                <a:ea typeface="+mn-lt"/>
+                <a:cs typeface="+mn-lt"/>
+              </a:rPr>
+              <a:t>  Overall, the modeling results indicate that the current set of socioeconomic predictors has </a:t>
+            </a:r>
+            <a:r>
+              <a:rPr lang="en-US" b="1" dirty="0">
+                <a:ea typeface="+mn-lt"/>
+                <a:cs typeface="+mn-lt"/>
+              </a:rPr>
+              <a:t>weak standalone predictive power</a:t>
+            </a:r>
+            <a:r>
+              <a:rPr lang="en-US" dirty="0">
+                <a:ea typeface="+mn-lt"/>
+                <a:cs typeface="+mn-lt"/>
+              </a:rPr>
+              <a:t> for distinguishing mental health diagnosis outcomes. More balanced data or the inclusion of additional behavioral, clinical, or contextual features would likely be necessary to build a model capable of meaningful minority-class prediction.</a:t>
+            </a:r>
+            <a:endParaRPr lang="en-US" dirty="0"/>
+          </a:p>
+          <a:p>
+            <a:pPr>
+              <a:buFont typeface="Arial"/>
+              <a:buChar char="•"/>
+            </a:pPr>
+            <a:endParaRPr lang="en-US" dirty="0">
+              <a:ea typeface="+mn-lt"/>
+              <a:cs typeface="+mn-lt"/>
+            </a:endParaRPr>
+          </a:p>
+          <a:p>
+            <a:pPr marL="228600" indent="-228600">
+              <a:buFont typeface=""/>
+              <a:buChar char="•"/>
+            </a:pPr>
+            <a:endParaRPr lang="en-US" dirty="0">
+              <a:ea typeface="+mn-lt"/>
+              <a:cs typeface="+mn-lt"/>
+            </a:endParaRPr>
+          </a:p>
+        </p:txBody>
+      </p:sp>
+    </p:spTree>
+    <p:extLst>
+      <p:ext uri="{BB962C8B-B14F-4D97-AF65-F5344CB8AC3E}">
+        <p14:creationId xmlns:p14="http://schemas.microsoft.com/office/powerpoint/2010/main" val="2314987672"/>
+      </p:ext>
+    </p:extLst>
+  </p:cSld>
+  <p:clrMapOvr>
+    <a:masterClrMapping/>
+  </p:clrMapOvr>
+</p:sld>
+</file>
+
+<file path=ppt/slides/slide23.xml><?xml version="1.0" encoding="utf-8"?>
 <p:sld xmlns:a="http://schemas.openxmlformats.org/drawingml/2006/main" xmlns:r="http://schemas.openxmlformats.org/officeDocument/2006/relationships" xmlns:p="http://schemas.openxmlformats.org/presentationml/2006/main">
   <p:cSld>
     <p:spTree>
@@ -9244,7 +12530,7 @@
 </p:sld>
 </file>
 
-<file path=ppt/slides/slide19.xml><?xml version="1.0" encoding="utf-8"?>
+<file path=ppt/slides/slide24.xml><?xml version="1.0" encoding="utf-8"?>
 <p:sld xmlns:a="http://schemas.openxmlformats.org/drawingml/2006/main" xmlns:r="http://schemas.openxmlformats.org/officeDocument/2006/relationships" xmlns:p="http://schemas.openxmlformats.org/presentationml/2006/main">
   <p:cSld>
     <p:spTree>
@@ -9715,210 +13001,7 @@
 </p:sld>
 </file>
 
-<file path=ppt/slides/slide2.xml><?xml version="1.0" encoding="utf-8"?>
-<p:sld xmlns:a="http://schemas.openxmlformats.org/drawingml/2006/main" xmlns:r="http://schemas.openxmlformats.org/officeDocument/2006/relationships" xmlns:p="http://schemas.openxmlformats.org/presentationml/2006/main">
-  <p:cSld>
-    <p:spTree>
-      <p:nvGrpSpPr>
-        <p:cNvPr id="1" name=""/>
-        <p:cNvGrpSpPr/>
-        <p:nvPr/>
-      </p:nvGrpSpPr>
-      <p:grpSpPr>
-        <a:xfrm>
-          <a:off x="0" y="0"/>
-          <a:ext cx="0" cy="0"/>
-          <a:chOff x="0" y="0"/>
-          <a:chExt cx="0" cy="0"/>
-        </a:xfrm>
-      </p:grpSpPr>
-      <p:sp>
-        <p:nvSpPr>
-          <p:cNvPr id="2" name="標題 1">
-            <a:extLst>
-              <a:ext uri="{FF2B5EF4-FFF2-40B4-BE49-F238E27FC236}">
-                <a16:creationId xmlns:a16="http://schemas.microsoft.com/office/drawing/2014/main" id="{F2891BC3-7AFE-2384-DEB3-129363961C22}"/>
-              </a:ext>
-            </a:extLst>
-          </p:cNvPr>
-          <p:cNvSpPr>
-            <a:spLocks noGrp="1"/>
-          </p:cNvSpPr>
-          <p:nvPr>
-            <p:ph type="title"/>
-          </p:nvPr>
-        </p:nvSpPr>
-        <p:spPr/>
-        <p:txBody>
-          <a:bodyPr/>
-          <a:lstStyle/>
-          <a:p>
-            <a:r>
-              <a:rPr kumimoji="1" lang="en-US" altLang="zh-TW" b="1" dirty="0">
-                <a:latin typeface="Times New Roman" panose="02020603050405020304" pitchFamily="18" charset="0"/>
-                <a:cs typeface="Times New Roman" panose="02020603050405020304" pitchFamily="18" charset="0"/>
-              </a:rPr>
-              <a:t>Source Links</a:t>
-            </a:r>
-            <a:endParaRPr kumimoji="1" lang="zh-TW" altLang="en-US" b="1" dirty="0">
-              <a:latin typeface="Times New Roman" panose="02020603050405020304" pitchFamily="18" charset="0"/>
-              <a:cs typeface="Times New Roman" panose="02020603050405020304" pitchFamily="18" charset="0"/>
-            </a:endParaRPr>
-          </a:p>
-        </p:txBody>
-      </p:sp>
-      <p:sp>
-        <p:nvSpPr>
-          <p:cNvPr id="3" name="內容版面配置區 2">
-            <a:extLst>
-              <a:ext uri="{FF2B5EF4-FFF2-40B4-BE49-F238E27FC236}">
-                <a16:creationId xmlns:a16="http://schemas.microsoft.com/office/drawing/2014/main" id="{7B474D46-9BC6-2BDD-7BA8-C30AE216FBCE}"/>
-              </a:ext>
-            </a:extLst>
-          </p:cNvPr>
-          <p:cNvSpPr>
-            <a:spLocks noGrp="1"/>
-          </p:cNvSpPr>
-          <p:nvPr>
-            <p:ph idx="1"/>
-          </p:nvPr>
-        </p:nvSpPr>
-        <p:spPr>
-          <a:xfrm>
-            <a:off x="677334" y="1930400"/>
-            <a:ext cx="7968826" cy="3880773"/>
-          </a:xfrm>
-        </p:spPr>
-        <p:txBody>
-          <a:bodyPr>
-            <a:normAutofit fontScale="92500" lnSpcReduction="10000"/>
-          </a:bodyPr>
-          <a:lstStyle/>
-          <a:p>
-            <a:pPr marL="0" indent="0">
-              <a:buNone/>
-            </a:pPr>
-            <a:r>
-              <a:rPr kumimoji="1" lang="en-US" altLang="zh-TW" b="1" dirty="0">
-                <a:latin typeface="Times New Roman" panose="02020603050405020304" pitchFamily="18" charset="0"/>
-                <a:cs typeface="Times New Roman" panose="02020603050405020304" pitchFamily="18" charset="0"/>
-              </a:rPr>
-              <a:t>Git Hub:</a:t>
-            </a:r>
-          </a:p>
-          <a:p>
-            <a:pPr marL="0" indent="0">
-              <a:buNone/>
-            </a:pPr>
-            <a:r>
-              <a:rPr kumimoji="1" lang="en-US" altLang="zh-TW" dirty="0">
-                <a:latin typeface="Times New Roman" panose="02020603050405020304" pitchFamily="18" charset="0"/>
-                <a:cs typeface="Times New Roman" panose="02020603050405020304" pitchFamily="18" charset="0"/>
-                <a:hlinkClick r:id="rId2"/>
-              </a:rPr>
-              <a:t>https://github.com/daniasalman6/Project-Data-Mining</a:t>
-            </a:r>
-            <a:endParaRPr kumimoji="1" lang="en-US" altLang="zh-TW" dirty="0">
-              <a:latin typeface="Times New Roman" panose="02020603050405020304" pitchFamily="18" charset="0"/>
-              <a:cs typeface="Times New Roman" panose="02020603050405020304" pitchFamily="18" charset="0"/>
-            </a:endParaRPr>
-          </a:p>
-          <a:p>
-            <a:pPr marL="0" indent="0">
-              <a:buNone/>
-            </a:pPr>
-            <a:endParaRPr kumimoji="1" lang="en-US" altLang="zh-TW" dirty="0">
-              <a:latin typeface="Times New Roman" panose="02020603050405020304" pitchFamily="18" charset="0"/>
-              <a:cs typeface="Times New Roman" panose="02020603050405020304" pitchFamily="18" charset="0"/>
-            </a:endParaRPr>
-          </a:p>
-          <a:p>
-            <a:pPr marL="0" indent="0">
-              <a:buNone/>
-            </a:pPr>
-            <a:r>
-              <a:rPr lang="en-US" altLang="zh-TW" b="1" dirty="0">
-                <a:latin typeface="Times New Roman" panose="02020603050405020304" pitchFamily="18" charset="0"/>
-                <a:cs typeface="Times New Roman" panose="02020603050405020304" pitchFamily="18" charset="0"/>
-              </a:rPr>
-              <a:t>Dataset Link:</a:t>
-            </a:r>
-          </a:p>
-          <a:p>
-            <a:pPr marL="0" indent="0">
-              <a:buNone/>
-            </a:pPr>
-            <a:r>
-              <a:rPr kumimoji="1" lang="en-US" altLang="zh-TW" dirty="0">
-                <a:latin typeface="Times New Roman" panose="02020603050405020304" pitchFamily="18" charset="0"/>
-                <a:cs typeface="Times New Roman" panose="02020603050405020304" pitchFamily="18" charset="0"/>
-                <a:hlinkClick r:id="rId3"/>
-              </a:rPr>
-              <a:t>https://data.ny.gov/Human-Services/Patient-Characteristics-Survey-PCS-2019/urn3-ezfe/about_data</a:t>
-            </a:r>
-            <a:endParaRPr kumimoji="1" lang="en-US" altLang="zh-TW" dirty="0">
-              <a:latin typeface="Times New Roman" panose="02020603050405020304" pitchFamily="18" charset="0"/>
-              <a:cs typeface="Times New Roman" panose="02020603050405020304" pitchFamily="18" charset="0"/>
-            </a:endParaRPr>
-          </a:p>
-          <a:p>
-            <a:pPr marL="0" indent="0">
-              <a:buNone/>
-            </a:pPr>
-            <a:endParaRPr lang="en-US" altLang="zh-TW" dirty="0">
-              <a:latin typeface="Times New Roman" panose="02020603050405020304" pitchFamily="18" charset="0"/>
-              <a:cs typeface="Times New Roman" panose="02020603050405020304" pitchFamily="18" charset="0"/>
-            </a:endParaRPr>
-          </a:p>
-          <a:p>
-            <a:pPr marL="0" indent="0">
-              <a:buNone/>
-            </a:pPr>
-            <a:r>
-              <a:rPr lang="en" altLang="zh-TW" dirty="0">
-                <a:latin typeface="Times New Roman" panose="02020603050405020304" pitchFamily="18" charset="0"/>
-                <a:cs typeface="Times New Roman" panose="02020603050405020304" pitchFamily="18" charset="0"/>
-              </a:rPr>
-              <a:t>The PCS 2019 dataset provides comprehensive information on mental health services and client characteristics across New York State.</a:t>
-            </a:r>
-          </a:p>
-          <a:p>
-            <a:pPr marL="0" indent="0">
-              <a:buNone/>
-            </a:pPr>
-            <a:endParaRPr lang="en-US" altLang="zh-TW" dirty="0">
-              <a:latin typeface="Times New Roman" panose="02020603050405020304" pitchFamily="18" charset="0"/>
-              <a:cs typeface="Times New Roman" panose="02020603050405020304" pitchFamily="18" charset="0"/>
-            </a:endParaRPr>
-          </a:p>
-          <a:p>
-            <a:pPr marL="0" indent="0">
-              <a:buNone/>
-            </a:pPr>
-            <a:r>
-              <a:rPr kumimoji="1" lang="en-US" altLang="zh-TW" dirty="0">
-                <a:latin typeface="Times New Roman" panose="02020603050405020304" pitchFamily="18" charset="0"/>
-                <a:cs typeface="Times New Roman" panose="02020603050405020304" pitchFamily="18" charset="0"/>
-              </a:rPr>
-              <a:t> </a:t>
-            </a:r>
-          </a:p>
-        </p:txBody>
-      </p:sp>
-    </p:spTree>
-    <p:extLst>
-      <p:ext uri="{BB962C8B-B14F-4D97-AF65-F5344CB8AC3E}">
-        <p14:creationId xmlns:p14="http://schemas.microsoft.com/office/powerpoint/2010/main" val="3453650057"/>
-      </p:ext>
-    </p:extLst>
-  </p:cSld>
-  <p:clrMapOvr>
-    <a:masterClrMapping/>
-  </p:clrMapOvr>
-</p:sld>
-</file>
-
-<file path=ppt/slides/slide20.xml><?xml version="1.0" encoding="utf-8"?>
+<file path=ppt/slides/slide25.xml><?xml version="1.0" encoding="utf-8"?>
 <p:sld xmlns:a="http://schemas.openxmlformats.org/drawingml/2006/main" xmlns:r="http://schemas.openxmlformats.org/officeDocument/2006/relationships" xmlns:p="http://schemas.openxmlformats.org/presentationml/2006/main">
   <p:cSld>
     <p:spTree>
@@ -10093,7 +13176,7 @@
 </p:sld>
 </file>
 
-<file path=ppt/slides/slide21.xml><?xml version="1.0" encoding="utf-8"?>
+<file path=ppt/slides/slide26.xml><?xml version="1.0" encoding="utf-8"?>
 <p:sld xmlns:a="http://schemas.openxmlformats.org/drawingml/2006/main" xmlns:r="http://schemas.openxmlformats.org/officeDocument/2006/relationships" xmlns:p="http://schemas.openxmlformats.org/presentationml/2006/main">
   <p:cSld>
     <p:spTree>
@@ -10404,7 +13487,7 @@
 </p:sld>
 </file>
 
-<file path=ppt/slides/slide22.xml><?xml version="1.0" encoding="utf-8"?>
+<file path=ppt/slides/slide27.xml><?xml version="1.0" encoding="utf-8"?>
 <p:sld xmlns:a="http://schemas.openxmlformats.org/drawingml/2006/main" xmlns:r="http://schemas.openxmlformats.org/officeDocument/2006/relationships" xmlns:p="http://schemas.openxmlformats.org/presentationml/2006/main">
   <p:cSld>
     <p:spTree>
@@ -10696,7 +13779,7 @@
 </p:sld>
 </file>
 
-<file path=ppt/slides/slide23.xml><?xml version="1.0" encoding="utf-8"?>
+<file path=ppt/slides/slide28.xml><?xml version="1.0" encoding="utf-8"?>
 <p:sld xmlns:a="http://schemas.openxmlformats.org/drawingml/2006/main" xmlns:r="http://schemas.openxmlformats.org/officeDocument/2006/relationships" xmlns:p="http://schemas.openxmlformats.org/presentationml/2006/main">
   <p:cSld>
     <p:spTree>
@@ -10956,7 +14039,7 @@
 </p:sld>
 </file>
 
-<file path=ppt/slides/slide24.xml><?xml version="1.0" encoding="utf-8"?>
+<file path=ppt/slides/slide29.xml><?xml version="1.0" encoding="utf-8"?>
 <p:sld xmlns:a="http://schemas.openxmlformats.org/drawingml/2006/main" xmlns:r="http://schemas.openxmlformats.org/officeDocument/2006/relationships" xmlns:p="http://schemas.openxmlformats.org/presentationml/2006/main">
   <p:cSld>
     <p:spTree>
@@ -11297,555 +14380,6 @@
     <p:extLst>
       <p:ext uri="{BB962C8B-B14F-4D97-AF65-F5344CB8AC3E}">
         <p14:creationId xmlns:p14="http://schemas.microsoft.com/office/powerpoint/2010/main" val="3639562677"/>
-      </p:ext>
-    </p:extLst>
-  </p:cSld>
-  <p:clrMapOvr>
-    <a:masterClrMapping/>
-  </p:clrMapOvr>
-</p:sld>
-</file>
-
-<file path=ppt/slides/slide25.xml><?xml version="1.0" encoding="utf-8"?>
-<p:sld xmlns:a="http://schemas.openxmlformats.org/drawingml/2006/main" xmlns:r="http://schemas.openxmlformats.org/officeDocument/2006/relationships" xmlns:p="http://schemas.openxmlformats.org/presentationml/2006/main">
-  <p:cSld>
-    <p:spTree>
-      <p:nvGrpSpPr>
-        <p:cNvPr id="1" name="">
-          <a:extLst>
-            <a:ext uri="{FF2B5EF4-FFF2-40B4-BE49-F238E27FC236}">
-              <a16:creationId xmlns:a16="http://schemas.microsoft.com/office/drawing/2014/main" id="{A46F745E-B205-9F11-6706-58E4491B254F}"/>
-            </a:ext>
-          </a:extLst>
-        </p:cNvPr>
-        <p:cNvGrpSpPr/>
-        <p:nvPr/>
-      </p:nvGrpSpPr>
-      <p:grpSpPr>
-        <a:xfrm>
-          <a:off x="0" y="0"/>
-          <a:ext cx="0" cy="0"/>
-          <a:chOff x="0" y="0"/>
-          <a:chExt cx="0" cy="0"/>
-        </a:xfrm>
-      </p:grpSpPr>
-      <p:sp>
-        <p:nvSpPr>
-          <p:cNvPr id="2" name="標題 1">
-            <a:extLst>
-              <a:ext uri="{FF2B5EF4-FFF2-40B4-BE49-F238E27FC236}">
-                <a16:creationId xmlns:a16="http://schemas.microsoft.com/office/drawing/2014/main" id="{00B93F13-6275-0C9C-4211-C9C1A60D93D3}"/>
-              </a:ext>
-            </a:extLst>
-          </p:cNvPr>
-          <p:cNvSpPr>
-            <a:spLocks noGrp="1"/>
-          </p:cNvSpPr>
-          <p:nvPr>
-            <p:ph type="title"/>
-          </p:nvPr>
-        </p:nvSpPr>
-        <p:spPr/>
-        <p:txBody>
-          <a:bodyPr/>
-          <a:lstStyle/>
-          <a:p>
-            <a:r>
-              <a:rPr kumimoji="1" lang="en-US" altLang="zh-TW" b="1" dirty="0">
-                <a:latin typeface="Times New Roman" panose="02020603050405020304" pitchFamily="18" charset="0"/>
-                <a:cs typeface="Times New Roman" panose="02020603050405020304" pitchFamily="18" charset="0"/>
-              </a:rPr>
-              <a:t>Limitations and Next Step</a:t>
-            </a:r>
-            <a:endParaRPr kumimoji="1" lang="zh-TW" altLang="en-US" b="1" dirty="0">
-              <a:latin typeface="Times New Roman" panose="02020603050405020304" pitchFamily="18" charset="0"/>
-              <a:cs typeface="Times New Roman" panose="02020603050405020304" pitchFamily="18" charset="0"/>
-            </a:endParaRPr>
-          </a:p>
-        </p:txBody>
-      </p:sp>
-      <p:sp>
-        <p:nvSpPr>
-          <p:cNvPr id="3" name="內容版面配置區 2">
-            <a:extLst>
-              <a:ext uri="{FF2B5EF4-FFF2-40B4-BE49-F238E27FC236}">
-                <a16:creationId xmlns:a16="http://schemas.microsoft.com/office/drawing/2014/main" id="{4B0C8911-6D1C-98C7-13E7-CEEB063867D4}"/>
-              </a:ext>
-            </a:extLst>
-          </p:cNvPr>
-          <p:cNvSpPr>
-            <a:spLocks noGrp="1"/>
-          </p:cNvSpPr>
-          <p:nvPr>
-            <p:ph idx="1"/>
-          </p:nvPr>
-        </p:nvSpPr>
-        <p:spPr>
-          <a:xfrm>
-            <a:off x="677334" y="1930400"/>
-            <a:ext cx="7968826" cy="3880773"/>
-          </a:xfrm>
-        </p:spPr>
-        <p:txBody>
-          <a:bodyPr>
-            <a:normAutofit lnSpcReduction="10000"/>
-          </a:bodyPr>
-          <a:lstStyle/>
-          <a:p>
-            <a:pPr defTabSz="914400" eaLnBrk="0" fontAlgn="base" hangingPunct="0">
-              <a:spcBef>
-                <a:spcPct val="0"/>
-              </a:spcBef>
-              <a:spcAft>
-                <a:spcPct val="0"/>
-              </a:spcAft>
-              <a:buClrTx/>
-              <a:buSzTx/>
-              <a:buFont typeface="Wingdings" pitchFamily="2" charset="2"/>
-              <a:buChar char="p"/>
-            </a:pPr>
-            <a:r>
-              <a:rPr lang="zh-TW" altLang="zh-TW" sz="2400" dirty="0">
-                <a:solidFill>
-                  <a:schemeClr val="tx1"/>
-                </a:solidFill>
-                <a:latin typeface="Arial" panose="020B0604020202020204" pitchFamily="34" charset="0"/>
-              </a:rPr>
-              <a:t>Severe class imbalance makes minority groups hard to model.</a:t>
-            </a:r>
-          </a:p>
-          <a:p>
-            <a:pPr defTabSz="914400" eaLnBrk="0" fontAlgn="base" hangingPunct="0">
-              <a:spcBef>
-                <a:spcPct val="0"/>
-              </a:spcBef>
-              <a:spcAft>
-                <a:spcPct val="0"/>
-              </a:spcAft>
-              <a:buClrTx/>
-              <a:buSzTx/>
-              <a:buFont typeface="Wingdings" pitchFamily="2" charset="2"/>
-              <a:buChar char="p"/>
-            </a:pPr>
-            <a:r>
-              <a:rPr lang="zh-TW" altLang="zh-TW" sz="2400" dirty="0">
-                <a:solidFill>
-                  <a:schemeClr val="tx1"/>
-                </a:solidFill>
-                <a:latin typeface="Arial" panose="020B0604020202020204" pitchFamily="34" charset="0"/>
-              </a:rPr>
-              <a:t>Only categorical variables with many small levels increase overfitting risk.</a:t>
-            </a:r>
-          </a:p>
-          <a:p>
-            <a:pPr>
-              <a:buFont typeface="Wingdings" pitchFamily="2" charset="2"/>
-              <a:buChar char="p"/>
-            </a:pPr>
-            <a:endParaRPr kumimoji="1" lang="en" altLang="zh-TW" sz="2400" dirty="0">
-              <a:latin typeface="Times New Roman" panose="02020603050405020304" pitchFamily="18" charset="0"/>
-              <a:cs typeface="Times New Roman" panose="02020603050405020304" pitchFamily="18" charset="0"/>
-            </a:endParaRPr>
-          </a:p>
-          <a:p>
-            <a:pPr defTabSz="914400" eaLnBrk="0" fontAlgn="base" hangingPunct="0">
-              <a:spcBef>
-                <a:spcPct val="0"/>
-              </a:spcBef>
-              <a:spcAft>
-                <a:spcPct val="0"/>
-              </a:spcAft>
-              <a:buClrTx/>
-              <a:buSzTx/>
-              <a:buFont typeface="Wingdings" pitchFamily="2" charset="2"/>
-              <a:buChar char="p"/>
-            </a:pPr>
-            <a:r>
-              <a:rPr lang="en-US" altLang="zh-TW" sz="2400" dirty="0">
-                <a:solidFill>
-                  <a:schemeClr val="tx1"/>
-                </a:solidFill>
-                <a:latin typeface="Arial" panose="020B0604020202020204" pitchFamily="34" charset="0"/>
-              </a:rPr>
-              <a:t>Remove imbalance data or </a:t>
-            </a:r>
-            <a:r>
-              <a:rPr lang="en" altLang="zh-TW" sz="2400" dirty="0">
-                <a:solidFill>
-                  <a:schemeClr val="tx1"/>
-                </a:solidFill>
-                <a:latin typeface="Arial" panose="020B0604020202020204" pitchFamily="34" charset="0"/>
-              </a:rPr>
-              <a:t>try</a:t>
-            </a:r>
-            <a:r>
-              <a:rPr lang="zh-TW" altLang="zh-TW" sz="2400" dirty="0">
-                <a:solidFill>
-                  <a:schemeClr val="tx1"/>
-                </a:solidFill>
-                <a:latin typeface="Arial" panose="020B0604020202020204" pitchFamily="34" charset="0"/>
-              </a:rPr>
-              <a:t> advanced imbalance methods like Balanced RF or XGBoost with weights.</a:t>
-            </a:r>
-          </a:p>
-          <a:p>
-            <a:pPr defTabSz="914400" eaLnBrk="0" fontAlgn="base" hangingPunct="0">
-              <a:spcBef>
-                <a:spcPct val="0"/>
-              </a:spcBef>
-              <a:spcAft>
-                <a:spcPct val="0"/>
-              </a:spcAft>
-              <a:buClrTx/>
-              <a:buSzTx/>
-              <a:buFont typeface="Wingdings" pitchFamily="2" charset="2"/>
-              <a:buChar char="p"/>
-            </a:pPr>
-            <a:r>
-              <a:rPr lang="zh-TW" altLang="zh-TW" sz="2400" dirty="0">
-                <a:solidFill>
-                  <a:schemeClr val="tx1"/>
-                </a:solidFill>
-                <a:latin typeface="Arial" panose="020B0604020202020204" pitchFamily="34" charset="0"/>
-              </a:rPr>
-              <a:t>Add continuous variables to strengthen </a:t>
-            </a:r>
-            <a:r>
-              <a:rPr lang="en" altLang="zh-TW" sz="2400" dirty="0">
-                <a:solidFill>
-                  <a:schemeClr val="tx1"/>
-                </a:solidFill>
-                <a:latin typeface="Arial" panose="020B0604020202020204" pitchFamily="34" charset="0"/>
-              </a:rPr>
-              <a:t>the predictive</a:t>
-            </a:r>
-            <a:r>
-              <a:rPr lang="zh-TW" altLang="zh-TW" sz="2400" dirty="0">
-                <a:solidFill>
-                  <a:schemeClr val="tx1"/>
-                </a:solidFill>
-                <a:latin typeface="Arial" panose="020B0604020202020204" pitchFamily="34" charset="0"/>
-              </a:rPr>
-              <a:t> signal.</a:t>
-            </a:r>
-          </a:p>
-          <a:p>
-            <a:pPr defTabSz="914400" eaLnBrk="0" fontAlgn="base" hangingPunct="0">
-              <a:spcBef>
-                <a:spcPct val="0"/>
-              </a:spcBef>
-              <a:spcAft>
-                <a:spcPct val="0"/>
-              </a:spcAft>
-              <a:buClrTx/>
-              <a:buSzTx/>
-              <a:buFont typeface="Wingdings" pitchFamily="2" charset="2"/>
-              <a:buChar char="p"/>
-            </a:pPr>
-            <a:r>
-              <a:rPr lang="zh-TW" altLang="zh-TW" sz="2400" dirty="0">
-                <a:solidFill>
-                  <a:schemeClr val="tx1"/>
-                </a:solidFill>
-                <a:latin typeface="Arial" panose="020B0604020202020204" pitchFamily="34" charset="0"/>
-              </a:rPr>
-              <a:t>Analyze minority groups separately to avoid majority-class dominance.</a:t>
-            </a:r>
-          </a:p>
-          <a:p>
-            <a:pPr>
-              <a:buFont typeface="Wingdings" pitchFamily="2" charset="2"/>
-              <a:buChar char="p"/>
-            </a:pPr>
-            <a:endParaRPr kumimoji="1" lang="en" altLang="zh-TW" sz="2400" dirty="0">
-              <a:latin typeface="Times New Roman" panose="02020603050405020304" pitchFamily="18" charset="0"/>
-              <a:cs typeface="Times New Roman" panose="02020603050405020304" pitchFamily="18" charset="0"/>
-            </a:endParaRPr>
-          </a:p>
-        </p:txBody>
-      </p:sp>
-      <p:sp>
-        <p:nvSpPr>
-          <p:cNvPr id="7" name="Rectangle 3">
-            <a:extLst>
-              <a:ext uri="{FF2B5EF4-FFF2-40B4-BE49-F238E27FC236}">
-                <a16:creationId xmlns:a16="http://schemas.microsoft.com/office/drawing/2014/main" id="{97F64AAF-60DB-C701-C50F-3CBCB4E9F69B}"/>
-              </a:ext>
-            </a:extLst>
-          </p:cNvPr>
-          <p:cNvSpPr>
-            <a:spLocks noChangeArrowheads="1"/>
-          </p:cNvSpPr>
-          <p:nvPr/>
-        </p:nvSpPr>
-        <p:spPr bwMode="auto">
-          <a:xfrm>
-            <a:off x="0" y="-184666"/>
-            <a:ext cx="264816" cy="369332"/>
-          </a:xfrm>
-          <a:prstGeom prst="rect">
-            <a:avLst/>
-          </a:prstGeom>
-          <a:noFill/>
-          <a:ln>
-            <a:noFill/>
-          </a:ln>
-          <a:effectLst/>
-          <a:extLst>
-            <a:ext uri="{909E8E84-426E-40DD-AFC4-6F175D3DCCD1}">
-              <a14:hiddenFill xmlns:a14="http://schemas.microsoft.com/office/drawing/2010/main">
-                <a:solidFill>
-                  <a:schemeClr val="accent1"/>
-                </a:solidFill>
-              </a14:hiddenFill>
-            </a:ext>
-            <a:ext uri="{91240B29-F687-4F45-9708-019B960494DF}">
-              <a14:hiddenLine xmlns:a14="http://schemas.microsoft.com/office/drawing/2010/main" w="9525">
-                <a:solidFill>
-                  <a:schemeClr val="tx1"/>
-                </a:solidFill>
-                <a:miter lim="800000"/>
-                <a:headEnd/>
-                <a:tailEnd/>
-              </a14:hiddenLine>
-            </a:ext>
-            <a:ext uri="{AF507438-7753-43E0-B8FC-AC1667EBCBE1}">
-              <a14:hiddenEffects xmlns:a14="http://schemas.microsoft.com/office/drawing/2010/main">
-                <a:effectLst>
-                  <a:outerShdw dist="35921" dir="2700000" algn="ctr" rotWithShape="0">
-                    <a:schemeClr val="bg2"/>
-                  </a:outerShdw>
-                </a:effectLst>
-              </a14:hiddenEffects>
-            </a:ext>
-          </a:extLst>
-        </p:spPr>
-        <p:txBody>
-          <a:bodyPr vert="horz" wrap="none" lIns="91440" tIns="45720" rIns="91440" bIns="45720" numCol="1" anchor="ctr" anchorCtr="0" compatLnSpc="1">
-            <a:prstTxWarp prst="textNoShape">
-              <a:avLst/>
-            </a:prstTxWarp>
-            <a:spAutoFit/>
-          </a:bodyPr>
-          <a:lstStyle/>
-          <a:p>
-            <a:pPr marL="0" marR="0" lvl="0" indent="0" algn="l" defTabSz="914400" rtl="0" eaLnBrk="0" fontAlgn="base" latinLnBrk="0" hangingPunct="0">
-              <a:lnSpc>
-                <a:spcPct val="100000"/>
-              </a:lnSpc>
-              <a:spcBef>
-                <a:spcPct val="0"/>
-              </a:spcBef>
-              <a:spcAft>
-                <a:spcPct val="0"/>
-              </a:spcAft>
-              <a:buClrTx/>
-              <a:buSzTx/>
-              <a:buFontTx/>
-              <a:buChar char="•"/>
-              <a:tabLst/>
-            </a:pPr>
-            <a:endParaRPr kumimoji="0" lang="zh-TW" altLang="zh-TW" sz="1800" b="0" i="0" u="none" strike="noStrike" cap="none" normalizeH="0" baseline="0" dirty="0">
-              <a:ln>
-                <a:noFill/>
-              </a:ln>
-              <a:solidFill>
-                <a:schemeClr val="tx1"/>
-              </a:solidFill>
-              <a:effectLst/>
-              <a:latin typeface="Arial" panose="020B0604020202020204" pitchFamily="34" charset="0"/>
-            </a:endParaRPr>
-          </a:p>
-        </p:txBody>
-      </p:sp>
-      <p:sp>
-        <p:nvSpPr>
-          <p:cNvPr id="8" name="Rectangle 4">
-            <a:extLst>
-              <a:ext uri="{FF2B5EF4-FFF2-40B4-BE49-F238E27FC236}">
-                <a16:creationId xmlns:a16="http://schemas.microsoft.com/office/drawing/2014/main" id="{60400EEE-D63B-3003-13CA-1BB8118BC5B4}"/>
-              </a:ext>
-            </a:extLst>
-          </p:cNvPr>
-          <p:cNvSpPr>
-            <a:spLocks noChangeArrowheads="1"/>
-          </p:cNvSpPr>
-          <p:nvPr/>
-        </p:nvSpPr>
-        <p:spPr bwMode="auto">
-          <a:xfrm>
-            <a:off x="0" y="-184666"/>
-            <a:ext cx="264816" cy="369332"/>
-          </a:xfrm>
-          <a:prstGeom prst="rect">
-            <a:avLst/>
-          </a:prstGeom>
-          <a:noFill/>
-          <a:ln>
-            <a:noFill/>
-          </a:ln>
-          <a:effectLst/>
-          <a:extLst>
-            <a:ext uri="{909E8E84-426E-40DD-AFC4-6F175D3DCCD1}">
-              <a14:hiddenFill xmlns:a14="http://schemas.microsoft.com/office/drawing/2010/main">
-                <a:solidFill>
-                  <a:schemeClr val="accent1"/>
-                </a:solidFill>
-              </a14:hiddenFill>
-            </a:ext>
-            <a:ext uri="{91240B29-F687-4F45-9708-019B960494DF}">
-              <a14:hiddenLine xmlns:a14="http://schemas.microsoft.com/office/drawing/2010/main" w="9525">
-                <a:solidFill>
-                  <a:schemeClr val="tx1"/>
-                </a:solidFill>
-                <a:miter lim="800000"/>
-                <a:headEnd/>
-                <a:tailEnd/>
-              </a14:hiddenLine>
-            </a:ext>
-            <a:ext uri="{AF507438-7753-43E0-B8FC-AC1667EBCBE1}">
-              <a14:hiddenEffects xmlns:a14="http://schemas.microsoft.com/office/drawing/2010/main">
-                <a:effectLst>
-                  <a:outerShdw dist="35921" dir="2700000" algn="ctr" rotWithShape="0">
-                    <a:schemeClr val="bg2"/>
-                  </a:outerShdw>
-                </a:effectLst>
-              </a14:hiddenEffects>
-            </a:ext>
-          </a:extLst>
-        </p:spPr>
-        <p:txBody>
-          <a:bodyPr vert="horz" wrap="none" lIns="91440" tIns="45720" rIns="91440" bIns="45720" numCol="1" anchor="ctr" anchorCtr="0" compatLnSpc="1">
-            <a:prstTxWarp prst="textNoShape">
-              <a:avLst/>
-            </a:prstTxWarp>
-            <a:spAutoFit/>
-          </a:bodyPr>
-          <a:lstStyle/>
-          <a:p>
-            <a:pPr marL="0" marR="0" lvl="0" indent="0" algn="l" defTabSz="914400" rtl="0" eaLnBrk="0" fontAlgn="base" latinLnBrk="0" hangingPunct="0">
-              <a:lnSpc>
-                <a:spcPct val="100000"/>
-              </a:lnSpc>
-              <a:spcBef>
-                <a:spcPct val="0"/>
-              </a:spcBef>
-              <a:spcAft>
-                <a:spcPct val="0"/>
-              </a:spcAft>
-              <a:buClrTx/>
-              <a:buSzTx/>
-              <a:buFontTx/>
-              <a:buChar char="•"/>
-              <a:tabLst/>
-            </a:pPr>
-            <a:endParaRPr kumimoji="0" lang="zh-TW" altLang="zh-TW" sz="1800" b="0" i="0" u="none" strike="noStrike" cap="none" normalizeH="0" baseline="0" dirty="0">
-              <a:ln>
-                <a:noFill/>
-              </a:ln>
-              <a:solidFill>
-                <a:schemeClr val="tx1"/>
-              </a:solidFill>
-              <a:effectLst/>
-              <a:latin typeface="Arial" panose="020B0604020202020204" pitchFamily="34" charset="0"/>
-            </a:endParaRPr>
-          </a:p>
-        </p:txBody>
-      </p:sp>
-    </p:spTree>
-    <p:extLst>
-      <p:ext uri="{BB962C8B-B14F-4D97-AF65-F5344CB8AC3E}">
-        <p14:creationId xmlns:p14="http://schemas.microsoft.com/office/powerpoint/2010/main" val="1440796993"/>
-      </p:ext>
-    </p:extLst>
-  </p:cSld>
-  <p:clrMapOvr>
-    <a:masterClrMapping/>
-  </p:clrMapOvr>
-</p:sld>
-</file>
-
-<file path=ppt/slides/slide26.xml><?xml version="1.0" encoding="utf-8"?>
-<p:sld xmlns:a="http://schemas.openxmlformats.org/drawingml/2006/main" xmlns:r="http://schemas.openxmlformats.org/officeDocument/2006/relationships" xmlns:p="http://schemas.openxmlformats.org/presentationml/2006/main">
-  <p:cSld>
-    <p:spTree>
-      <p:nvGrpSpPr>
-        <p:cNvPr id="1" name=""/>
-        <p:cNvGrpSpPr/>
-        <p:nvPr/>
-      </p:nvGrpSpPr>
-      <p:grpSpPr>
-        <a:xfrm>
-          <a:off x="0" y="0"/>
-          <a:ext cx="0" cy="0"/>
-          <a:chOff x="0" y="0"/>
-          <a:chExt cx="0" cy="0"/>
-        </a:xfrm>
-      </p:grpSpPr>
-      <p:sp>
-        <p:nvSpPr>
-          <p:cNvPr id="3" name="文字方塊 2">
-            <a:extLst>
-              <a:ext uri="{FF2B5EF4-FFF2-40B4-BE49-F238E27FC236}">
-                <a16:creationId xmlns:a16="http://schemas.microsoft.com/office/drawing/2014/main" id="{0CC05016-0DCB-5FFB-772D-EFC3DD0D1957}"/>
-              </a:ext>
-            </a:extLst>
-          </p:cNvPr>
-          <p:cNvSpPr txBox="1"/>
-          <p:nvPr/>
-        </p:nvSpPr>
-        <p:spPr>
-          <a:xfrm>
-            <a:off x="2246587" y="2321004"/>
-            <a:ext cx="6101254" cy="2215991"/>
-          </a:xfrm>
-          <a:prstGeom prst="rect">
-            <a:avLst/>
-          </a:prstGeom>
-          <a:noFill/>
-        </p:spPr>
-        <p:txBody>
-          <a:bodyPr wrap="square">
-            <a:spAutoFit/>
-          </a:bodyPr>
-          <a:lstStyle/>
-          <a:p>
-            <a:pPr algn="ctr" fontAlgn="base">
-              <a:spcBef>
-                <a:spcPct val="0"/>
-              </a:spcBef>
-              <a:spcAft>
-                <a:spcPct val="0"/>
-              </a:spcAft>
-              <a:buClrTx/>
-              <a:buSzTx/>
-            </a:pPr>
-            <a:r>
-              <a:rPr kumimoji="1" lang="en-US" altLang="zh-TW" sz="13800" b="1" dirty="0">
-                <a:solidFill>
-                  <a:schemeClr val="accent1"/>
-                </a:solidFill>
-                <a:latin typeface="Times New Roman" panose="02020603050405020304" pitchFamily="18" charset="0"/>
-                <a:ea typeface="+mj-ea"/>
-                <a:cs typeface="Times New Roman" panose="02020603050405020304" pitchFamily="18" charset="0"/>
-              </a:rPr>
-              <a:t>END</a:t>
-            </a:r>
-            <a:endParaRPr kumimoji="1" lang="en" altLang="zh-TW" sz="13800" b="1" dirty="0">
-              <a:solidFill>
-                <a:schemeClr val="accent1"/>
-              </a:solidFill>
-              <a:latin typeface="Times New Roman" panose="02020603050405020304" pitchFamily="18" charset="0"/>
-              <a:ea typeface="+mj-ea"/>
-              <a:cs typeface="Times New Roman" panose="02020603050405020304" pitchFamily="18" charset="0"/>
-            </a:endParaRPr>
-          </a:p>
-        </p:txBody>
-      </p:sp>
-    </p:spTree>
-    <p:extLst>
-      <p:ext uri="{BB962C8B-B14F-4D97-AF65-F5344CB8AC3E}">
-        <p14:creationId xmlns:p14="http://schemas.microsoft.com/office/powerpoint/2010/main" val="769538148"/>
       </p:ext>
     </p:extLst>
   </p:cSld>
@@ -11932,22 +14466,38 @@
         <p:spPr>
           <a:xfrm>
             <a:off x="677334" y="1930400"/>
-            <a:ext cx="7968826" cy="3880773"/>
+            <a:ext cx="8993363" cy="3880773"/>
           </a:xfrm>
         </p:spPr>
         <p:txBody>
-          <a:bodyPr>
+          <a:bodyPr vert="horz" lIns="91440" tIns="45720" rIns="91440" bIns="45720" rtlCol="0" anchor="t">
             <a:normAutofit/>
           </a:bodyPr>
           <a:lstStyle/>
           <a:p>
             <a:r>
               <a:rPr lang="en" altLang="zh-TW" sz="2400" dirty="0">
-                <a:latin typeface="Times New Roman" panose="02020603050405020304" pitchFamily="18" charset="0"/>
-                <a:cs typeface="Times New Roman" panose="02020603050405020304" pitchFamily="18" charset="0"/>
-              </a:rPr>
-              <a:t>Convert “Unknown” to missing values</a:t>
-            </a:r>
+                <a:latin typeface="Times New Roman"/>
+                <a:ea typeface="微軟正黑體"/>
+                <a:cs typeface="Times New Roman"/>
+              </a:rPr>
+              <a:t>Subset and filter data using column names and specific conditions</a:t>
+            </a:r>
+          </a:p>
+          <a:p>
+            <a:r>
+              <a:rPr lang="en" altLang="zh-TW" sz="2400" dirty="0">
+                <a:latin typeface="Times New Roman"/>
+                <a:ea typeface="微軟正黑體"/>
+                <a:cs typeface="Times New Roman"/>
+              </a:rPr>
+              <a:t>Convert “Unknown” to missing values in some cases</a:t>
+            </a:r>
+            <a:endParaRPr lang="en" dirty="0">
+              <a:latin typeface="Times New Roman"/>
+              <a:ea typeface="微軟正黑體"/>
+              <a:cs typeface="Times New Roman"/>
+            </a:endParaRPr>
           </a:p>
           <a:p>
             <a:r>
@@ -11964,6 +14514,21 @@
           </a:p>
           <a:p>
             <a:r>
+              <a:rPr lang="en" altLang="zh-TW" sz="2400" dirty="0">
+                <a:latin typeface="Times New Roman"/>
+                <a:ea typeface="微軟正黑體"/>
+                <a:cs typeface="Times New Roman"/>
+              </a:rPr>
+              <a:t>Encode Categorical variables </a:t>
+            </a:r>
+            <a:endParaRPr kumimoji="1" lang="en" altLang="zh-TW" sz="2400" dirty="0">
+              <a:latin typeface="Times New Roman"/>
+              <a:ea typeface="微軟正黑體"/>
+              <a:cs typeface="Times New Roman"/>
+            </a:endParaRPr>
+          </a:p>
+          <a:p>
+            <a:r>
               <a:rPr kumimoji="1" lang="en-US" altLang="zh-TW" sz="2400" dirty="0">
                 <a:latin typeface="Times New Roman" panose="02020603050405020304" pitchFamily="18" charset="0"/>
                 <a:cs typeface="Times New Roman" panose="02020603050405020304" pitchFamily="18" charset="0"/>
@@ -11981,6 +14546,555 @@
     <p:extLst>
       <p:ext uri="{BB962C8B-B14F-4D97-AF65-F5344CB8AC3E}">
         <p14:creationId xmlns:p14="http://schemas.microsoft.com/office/powerpoint/2010/main" val="1706725217"/>
+      </p:ext>
+    </p:extLst>
+  </p:cSld>
+  <p:clrMapOvr>
+    <a:masterClrMapping/>
+  </p:clrMapOvr>
+</p:sld>
+</file>
+
+<file path=ppt/slides/slide30.xml><?xml version="1.0" encoding="utf-8"?>
+<p:sld xmlns:a="http://schemas.openxmlformats.org/drawingml/2006/main" xmlns:r="http://schemas.openxmlformats.org/officeDocument/2006/relationships" xmlns:p="http://schemas.openxmlformats.org/presentationml/2006/main">
+  <p:cSld>
+    <p:spTree>
+      <p:nvGrpSpPr>
+        <p:cNvPr id="1" name="">
+          <a:extLst>
+            <a:ext uri="{FF2B5EF4-FFF2-40B4-BE49-F238E27FC236}">
+              <a16:creationId xmlns:a16="http://schemas.microsoft.com/office/drawing/2014/main" id="{A46F745E-B205-9F11-6706-58E4491B254F}"/>
+            </a:ext>
+          </a:extLst>
+        </p:cNvPr>
+        <p:cNvGrpSpPr/>
+        <p:nvPr/>
+      </p:nvGrpSpPr>
+      <p:grpSpPr>
+        <a:xfrm>
+          <a:off x="0" y="0"/>
+          <a:ext cx="0" cy="0"/>
+          <a:chOff x="0" y="0"/>
+          <a:chExt cx="0" cy="0"/>
+        </a:xfrm>
+      </p:grpSpPr>
+      <p:sp>
+        <p:nvSpPr>
+          <p:cNvPr id="2" name="標題 1">
+            <a:extLst>
+              <a:ext uri="{FF2B5EF4-FFF2-40B4-BE49-F238E27FC236}">
+                <a16:creationId xmlns:a16="http://schemas.microsoft.com/office/drawing/2014/main" id="{00B93F13-6275-0C9C-4211-C9C1A60D93D3}"/>
+              </a:ext>
+            </a:extLst>
+          </p:cNvPr>
+          <p:cNvSpPr>
+            <a:spLocks noGrp="1"/>
+          </p:cNvSpPr>
+          <p:nvPr>
+            <p:ph type="title"/>
+          </p:nvPr>
+        </p:nvSpPr>
+        <p:spPr/>
+        <p:txBody>
+          <a:bodyPr/>
+          <a:lstStyle/>
+          <a:p>
+            <a:r>
+              <a:rPr kumimoji="1" lang="en-US" altLang="zh-TW" b="1" dirty="0">
+                <a:latin typeface="Times New Roman" panose="02020603050405020304" pitchFamily="18" charset="0"/>
+                <a:cs typeface="Times New Roman" panose="02020603050405020304" pitchFamily="18" charset="0"/>
+              </a:rPr>
+              <a:t>Limitations and Next Step</a:t>
+            </a:r>
+            <a:endParaRPr kumimoji="1" lang="zh-TW" altLang="en-US" b="1" dirty="0">
+              <a:latin typeface="Times New Roman" panose="02020603050405020304" pitchFamily="18" charset="0"/>
+              <a:cs typeface="Times New Roman" panose="02020603050405020304" pitchFamily="18" charset="0"/>
+            </a:endParaRPr>
+          </a:p>
+        </p:txBody>
+      </p:sp>
+      <p:sp>
+        <p:nvSpPr>
+          <p:cNvPr id="3" name="內容版面配置區 2">
+            <a:extLst>
+              <a:ext uri="{FF2B5EF4-FFF2-40B4-BE49-F238E27FC236}">
+                <a16:creationId xmlns:a16="http://schemas.microsoft.com/office/drawing/2014/main" id="{4B0C8911-6D1C-98C7-13E7-CEEB063867D4}"/>
+              </a:ext>
+            </a:extLst>
+          </p:cNvPr>
+          <p:cNvSpPr>
+            <a:spLocks noGrp="1"/>
+          </p:cNvSpPr>
+          <p:nvPr>
+            <p:ph idx="1"/>
+          </p:nvPr>
+        </p:nvSpPr>
+        <p:spPr>
+          <a:xfrm>
+            <a:off x="677334" y="1930400"/>
+            <a:ext cx="7968826" cy="3880773"/>
+          </a:xfrm>
+        </p:spPr>
+        <p:txBody>
+          <a:bodyPr>
+            <a:normAutofit lnSpcReduction="10000"/>
+          </a:bodyPr>
+          <a:lstStyle/>
+          <a:p>
+            <a:pPr defTabSz="914400" eaLnBrk="0" fontAlgn="base" hangingPunct="0">
+              <a:spcBef>
+                <a:spcPct val="0"/>
+              </a:spcBef>
+              <a:spcAft>
+                <a:spcPct val="0"/>
+              </a:spcAft>
+              <a:buClrTx/>
+              <a:buSzTx/>
+              <a:buFont typeface="Wingdings" pitchFamily="2" charset="2"/>
+              <a:buChar char="p"/>
+            </a:pPr>
+            <a:r>
+              <a:rPr lang="zh-TW" altLang="zh-TW" sz="2400" dirty="0">
+                <a:solidFill>
+                  <a:schemeClr val="tx1"/>
+                </a:solidFill>
+                <a:latin typeface="Arial" panose="020B0604020202020204" pitchFamily="34" charset="0"/>
+              </a:rPr>
+              <a:t>Severe class imbalance makes minority groups hard to model.</a:t>
+            </a:r>
+          </a:p>
+          <a:p>
+            <a:pPr defTabSz="914400" eaLnBrk="0" fontAlgn="base" hangingPunct="0">
+              <a:spcBef>
+                <a:spcPct val="0"/>
+              </a:spcBef>
+              <a:spcAft>
+                <a:spcPct val="0"/>
+              </a:spcAft>
+              <a:buClrTx/>
+              <a:buSzTx/>
+              <a:buFont typeface="Wingdings" pitchFamily="2" charset="2"/>
+              <a:buChar char="p"/>
+            </a:pPr>
+            <a:r>
+              <a:rPr lang="zh-TW" altLang="zh-TW" sz="2400" dirty="0">
+                <a:solidFill>
+                  <a:schemeClr val="tx1"/>
+                </a:solidFill>
+                <a:latin typeface="Arial" panose="020B0604020202020204" pitchFamily="34" charset="0"/>
+              </a:rPr>
+              <a:t>Only categorical variables with many small levels increase overfitting risk.</a:t>
+            </a:r>
+          </a:p>
+          <a:p>
+            <a:pPr>
+              <a:buFont typeface="Wingdings" pitchFamily="2" charset="2"/>
+              <a:buChar char="p"/>
+            </a:pPr>
+            <a:endParaRPr kumimoji="1" lang="en" altLang="zh-TW" sz="2400" dirty="0">
+              <a:latin typeface="Times New Roman" panose="02020603050405020304" pitchFamily="18" charset="0"/>
+              <a:cs typeface="Times New Roman" panose="02020603050405020304" pitchFamily="18" charset="0"/>
+            </a:endParaRPr>
+          </a:p>
+          <a:p>
+            <a:pPr defTabSz="914400" eaLnBrk="0" fontAlgn="base" hangingPunct="0">
+              <a:spcBef>
+                <a:spcPct val="0"/>
+              </a:spcBef>
+              <a:spcAft>
+                <a:spcPct val="0"/>
+              </a:spcAft>
+              <a:buClrTx/>
+              <a:buSzTx/>
+              <a:buFont typeface="Wingdings" pitchFamily="2" charset="2"/>
+              <a:buChar char="p"/>
+            </a:pPr>
+            <a:r>
+              <a:rPr lang="en-US" altLang="zh-TW" sz="2400" dirty="0">
+                <a:solidFill>
+                  <a:schemeClr val="tx1"/>
+                </a:solidFill>
+                <a:latin typeface="Arial" panose="020B0604020202020204" pitchFamily="34" charset="0"/>
+              </a:rPr>
+              <a:t>Remove imbalance data or </a:t>
+            </a:r>
+            <a:r>
+              <a:rPr lang="en" altLang="zh-TW" sz="2400" dirty="0">
+                <a:solidFill>
+                  <a:schemeClr val="tx1"/>
+                </a:solidFill>
+                <a:latin typeface="Arial" panose="020B0604020202020204" pitchFamily="34" charset="0"/>
+              </a:rPr>
+              <a:t>try</a:t>
+            </a:r>
+            <a:r>
+              <a:rPr lang="zh-TW" altLang="zh-TW" sz="2400" dirty="0">
+                <a:solidFill>
+                  <a:schemeClr val="tx1"/>
+                </a:solidFill>
+                <a:latin typeface="Arial" panose="020B0604020202020204" pitchFamily="34" charset="0"/>
+              </a:rPr>
+              <a:t> advanced imbalance methods like Balanced RF or XGBoost with weights.</a:t>
+            </a:r>
+          </a:p>
+          <a:p>
+            <a:pPr defTabSz="914400" eaLnBrk="0" fontAlgn="base" hangingPunct="0">
+              <a:spcBef>
+                <a:spcPct val="0"/>
+              </a:spcBef>
+              <a:spcAft>
+                <a:spcPct val="0"/>
+              </a:spcAft>
+              <a:buClrTx/>
+              <a:buSzTx/>
+              <a:buFont typeface="Wingdings" pitchFamily="2" charset="2"/>
+              <a:buChar char="p"/>
+            </a:pPr>
+            <a:r>
+              <a:rPr lang="zh-TW" altLang="zh-TW" sz="2400" dirty="0">
+                <a:solidFill>
+                  <a:schemeClr val="tx1"/>
+                </a:solidFill>
+                <a:latin typeface="Arial" panose="020B0604020202020204" pitchFamily="34" charset="0"/>
+              </a:rPr>
+              <a:t>Add continuous variables to strengthen </a:t>
+            </a:r>
+            <a:r>
+              <a:rPr lang="en" altLang="zh-TW" sz="2400" dirty="0">
+                <a:solidFill>
+                  <a:schemeClr val="tx1"/>
+                </a:solidFill>
+                <a:latin typeface="Arial" panose="020B0604020202020204" pitchFamily="34" charset="0"/>
+              </a:rPr>
+              <a:t>the predictive</a:t>
+            </a:r>
+            <a:r>
+              <a:rPr lang="zh-TW" altLang="zh-TW" sz="2400" dirty="0">
+                <a:solidFill>
+                  <a:schemeClr val="tx1"/>
+                </a:solidFill>
+                <a:latin typeface="Arial" panose="020B0604020202020204" pitchFamily="34" charset="0"/>
+              </a:rPr>
+              <a:t> signal.</a:t>
+            </a:r>
+          </a:p>
+          <a:p>
+            <a:pPr defTabSz="914400" eaLnBrk="0" fontAlgn="base" hangingPunct="0">
+              <a:spcBef>
+                <a:spcPct val="0"/>
+              </a:spcBef>
+              <a:spcAft>
+                <a:spcPct val="0"/>
+              </a:spcAft>
+              <a:buClrTx/>
+              <a:buSzTx/>
+              <a:buFont typeface="Wingdings" pitchFamily="2" charset="2"/>
+              <a:buChar char="p"/>
+            </a:pPr>
+            <a:r>
+              <a:rPr lang="zh-TW" altLang="zh-TW" sz="2400" dirty="0">
+                <a:solidFill>
+                  <a:schemeClr val="tx1"/>
+                </a:solidFill>
+                <a:latin typeface="Arial" panose="020B0604020202020204" pitchFamily="34" charset="0"/>
+              </a:rPr>
+              <a:t>Analyze minority groups separately to avoid majority-class dominance.</a:t>
+            </a:r>
+          </a:p>
+          <a:p>
+            <a:pPr>
+              <a:buFont typeface="Wingdings" pitchFamily="2" charset="2"/>
+              <a:buChar char="p"/>
+            </a:pPr>
+            <a:endParaRPr kumimoji="1" lang="en" altLang="zh-TW" sz="2400" dirty="0">
+              <a:latin typeface="Times New Roman" panose="02020603050405020304" pitchFamily="18" charset="0"/>
+              <a:cs typeface="Times New Roman" panose="02020603050405020304" pitchFamily="18" charset="0"/>
+            </a:endParaRPr>
+          </a:p>
+        </p:txBody>
+      </p:sp>
+      <p:sp>
+        <p:nvSpPr>
+          <p:cNvPr id="7" name="Rectangle 3">
+            <a:extLst>
+              <a:ext uri="{FF2B5EF4-FFF2-40B4-BE49-F238E27FC236}">
+                <a16:creationId xmlns:a16="http://schemas.microsoft.com/office/drawing/2014/main" id="{97F64AAF-60DB-C701-C50F-3CBCB4E9F69B}"/>
+              </a:ext>
+            </a:extLst>
+          </p:cNvPr>
+          <p:cNvSpPr>
+            <a:spLocks noChangeArrowheads="1"/>
+          </p:cNvSpPr>
+          <p:nvPr/>
+        </p:nvSpPr>
+        <p:spPr bwMode="auto">
+          <a:xfrm>
+            <a:off x="0" y="-184666"/>
+            <a:ext cx="264816" cy="369332"/>
+          </a:xfrm>
+          <a:prstGeom prst="rect">
+            <a:avLst/>
+          </a:prstGeom>
+          <a:noFill/>
+          <a:ln>
+            <a:noFill/>
+          </a:ln>
+          <a:effectLst/>
+          <a:extLst>
+            <a:ext uri="{909E8E84-426E-40DD-AFC4-6F175D3DCCD1}">
+              <a14:hiddenFill xmlns:a14="http://schemas.microsoft.com/office/drawing/2010/main">
+                <a:solidFill>
+                  <a:schemeClr val="accent1"/>
+                </a:solidFill>
+              </a14:hiddenFill>
+            </a:ext>
+            <a:ext uri="{91240B29-F687-4F45-9708-019B960494DF}">
+              <a14:hiddenLine xmlns:a14="http://schemas.microsoft.com/office/drawing/2010/main" w="9525">
+                <a:solidFill>
+                  <a:schemeClr val="tx1"/>
+                </a:solidFill>
+                <a:miter lim="800000"/>
+                <a:headEnd/>
+                <a:tailEnd/>
+              </a14:hiddenLine>
+            </a:ext>
+            <a:ext uri="{AF507438-7753-43E0-B8FC-AC1667EBCBE1}">
+              <a14:hiddenEffects xmlns:a14="http://schemas.microsoft.com/office/drawing/2010/main">
+                <a:effectLst>
+                  <a:outerShdw dist="35921" dir="2700000" algn="ctr" rotWithShape="0">
+                    <a:schemeClr val="bg2"/>
+                  </a:outerShdw>
+                </a:effectLst>
+              </a14:hiddenEffects>
+            </a:ext>
+          </a:extLst>
+        </p:spPr>
+        <p:txBody>
+          <a:bodyPr vert="horz" wrap="none" lIns="91440" tIns="45720" rIns="91440" bIns="45720" numCol="1" anchor="ctr" anchorCtr="0" compatLnSpc="1">
+            <a:prstTxWarp prst="textNoShape">
+              <a:avLst/>
+            </a:prstTxWarp>
+            <a:spAutoFit/>
+          </a:bodyPr>
+          <a:lstStyle/>
+          <a:p>
+            <a:pPr marL="0" marR="0" lvl="0" indent="0" algn="l" defTabSz="914400" rtl="0" eaLnBrk="0" fontAlgn="base" latinLnBrk="0" hangingPunct="0">
+              <a:lnSpc>
+                <a:spcPct val="100000"/>
+              </a:lnSpc>
+              <a:spcBef>
+                <a:spcPct val="0"/>
+              </a:spcBef>
+              <a:spcAft>
+                <a:spcPct val="0"/>
+              </a:spcAft>
+              <a:buClrTx/>
+              <a:buSzTx/>
+              <a:buFontTx/>
+              <a:buChar char="•"/>
+              <a:tabLst/>
+            </a:pPr>
+            <a:endParaRPr kumimoji="0" lang="zh-TW" altLang="zh-TW" sz="1800" b="0" i="0" u="none" strike="noStrike" cap="none" normalizeH="0" baseline="0" dirty="0">
+              <a:ln>
+                <a:noFill/>
+              </a:ln>
+              <a:solidFill>
+                <a:schemeClr val="tx1"/>
+              </a:solidFill>
+              <a:effectLst/>
+              <a:latin typeface="Arial" panose="020B0604020202020204" pitchFamily="34" charset="0"/>
+            </a:endParaRPr>
+          </a:p>
+        </p:txBody>
+      </p:sp>
+      <p:sp>
+        <p:nvSpPr>
+          <p:cNvPr id="8" name="Rectangle 4">
+            <a:extLst>
+              <a:ext uri="{FF2B5EF4-FFF2-40B4-BE49-F238E27FC236}">
+                <a16:creationId xmlns:a16="http://schemas.microsoft.com/office/drawing/2014/main" id="{60400EEE-D63B-3003-13CA-1BB8118BC5B4}"/>
+              </a:ext>
+            </a:extLst>
+          </p:cNvPr>
+          <p:cNvSpPr>
+            <a:spLocks noChangeArrowheads="1"/>
+          </p:cNvSpPr>
+          <p:nvPr/>
+        </p:nvSpPr>
+        <p:spPr bwMode="auto">
+          <a:xfrm>
+            <a:off x="0" y="-184666"/>
+            <a:ext cx="264816" cy="369332"/>
+          </a:xfrm>
+          <a:prstGeom prst="rect">
+            <a:avLst/>
+          </a:prstGeom>
+          <a:noFill/>
+          <a:ln>
+            <a:noFill/>
+          </a:ln>
+          <a:effectLst/>
+          <a:extLst>
+            <a:ext uri="{909E8E84-426E-40DD-AFC4-6F175D3DCCD1}">
+              <a14:hiddenFill xmlns:a14="http://schemas.microsoft.com/office/drawing/2010/main">
+                <a:solidFill>
+                  <a:schemeClr val="accent1"/>
+                </a:solidFill>
+              </a14:hiddenFill>
+            </a:ext>
+            <a:ext uri="{91240B29-F687-4F45-9708-019B960494DF}">
+              <a14:hiddenLine xmlns:a14="http://schemas.microsoft.com/office/drawing/2010/main" w="9525">
+                <a:solidFill>
+                  <a:schemeClr val="tx1"/>
+                </a:solidFill>
+                <a:miter lim="800000"/>
+                <a:headEnd/>
+                <a:tailEnd/>
+              </a14:hiddenLine>
+            </a:ext>
+            <a:ext uri="{AF507438-7753-43E0-B8FC-AC1667EBCBE1}">
+              <a14:hiddenEffects xmlns:a14="http://schemas.microsoft.com/office/drawing/2010/main">
+                <a:effectLst>
+                  <a:outerShdw dist="35921" dir="2700000" algn="ctr" rotWithShape="0">
+                    <a:schemeClr val="bg2"/>
+                  </a:outerShdw>
+                </a:effectLst>
+              </a14:hiddenEffects>
+            </a:ext>
+          </a:extLst>
+        </p:spPr>
+        <p:txBody>
+          <a:bodyPr vert="horz" wrap="none" lIns="91440" tIns="45720" rIns="91440" bIns="45720" numCol="1" anchor="ctr" anchorCtr="0" compatLnSpc="1">
+            <a:prstTxWarp prst="textNoShape">
+              <a:avLst/>
+            </a:prstTxWarp>
+            <a:spAutoFit/>
+          </a:bodyPr>
+          <a:lstStyle/>
+          <a:p>
+            <a:pPr marL="0" marR="0" lvl="0" indent="0" algn="l" defTabSz="914400" rtl="0" eaLnBrk="0" fontAlgn="base" latinLnBrk="0" hangingPunct="0">
+              <a:lnSpc>
+                <a:spcPct val="100000"/>
+              </a:lnSpc>
+              <a:spcBef>
+                <a:spcPct val="0"/>
+              </a:spcBef>
+              <a:spcAft>
+                <a:spcPct val="0"/>
+              </a:spcAft>
+              <a:buClrTx/>
+              <a:buSzTx/>
+              <a:buFontTx/>
+              <a:buChar char="•"/>
+              <a:tabLst/>
+            </a:pPr>
+            <a:endParaRPr kumimoji="0" lang="zh-TW" altLang="zh-TW" sz="1800" b="0" i="0" u="none" strike="noStrike" cap="none" normalizeH="0" baseline="0" dirty="0">
+              <a:ln>
+                <a:noFill/>
+              </a:ln>
+              <a:solidFill>
+                <a:schemeClr val="tx1"/>
+              </a:solidFill>
+              <a:effectLst/>
+              <a:latin typeface="Arial" panose="020B0604020202020204" pitchFamily="34" charset="0"/>
+            </a:endParaRPr>
+          </a:p>
+        </p:txBody>
+      </p:sp>
+    </p:spTree>
+    <p:extLst>
+      <p:ext uri="{BB962C8B-B14F-4D97-AF65-F5344CB8AC3E}">
+        <p14:creationId xmlns:p14="http://schemas.microsoft.com/office/powerpoint/2010/main" val="1440796993"/>
+      </p:ext>
+    </p:extLst>
+  </p:cSld>
+  <p:clrMapOvr>
+    <a:masterClrMapping/>
+  </p:clrMapOvr>
+</p:sld>
+</file>
+
+<file path=ppt/slides/slide31.xml><?xml version="1.0" encoding="utf-8"?>
+<p:sld xmlns:a="http://schemas.openxmlformats.org/drawingml/2006/main" xmlns:r="http://schemas.openxmlformats.org/officeDocument/2006/relationships" xmlns:p="http://schemas.openxmlformats.org/presentationml/2006/main">
+  <p:cSld>
+    <p:spTree>
+      <p:nvGrpSpPr>
+        <p:cNvPr id="1" name=""/>
+        <p:cNvGrpSpPr/>
+        <p:nvPr/>
+      </p:nvGrpSpPr>
+      <p:grpSpPr>
+        <a:xfrm>
+          <a:off x="0" y="0"/>
+          <a:ext cx="0" cy="0"/>
+          <a:chOff x="0" y="0"/>
+          <a:chExt cx="0" cy="0"/>
+        </a:xfrm>
+      </p:grpSpPr>
+      <p:sp>
+        <p:nvSpPr>
+          <p:cNvPr id="3" name="文字方塊 2">
+            <a:extLst>
+              <a:ext uri="{FF2B5EF4-FFF2-40B4-BE49-F238E27FC236}">
+                <a16:creationId xmlns:a16="http://schemas.microsoft.com/office/drawing/2014/main" id="{0CC05016-0DCB-5FFB-772D-EFC3DD0D1957}"/>
+              </a:ext>
+            </a:extLst>
+          </p:cNvPr>
+          <p:cNvSpPr txBox="1"/>
+          <p:nvPr/>
+        </p:nvSpPr>
+        <p:spPr>
+          <a:xfrm>
+            <a:off x="2246587" y="2321004"/>
+            <a:ext cx="6101254" cy="2215991"/>
+          </a:xfrm>
+          <a:prstGeom prst="rect">
+            <a:avLst/>
+          </a:prstGeom>
+          <a:noFill/>
+        </p:spPr>
+        <p:txBody>
+          <a:bodyPr wrap="square">
+            <a:spAutoFit/>
+          </a:bodyPr>
+          <a:lstStyle/>
+          <a:p>
+            <a:pPr algn="ctr" fontAlgn="base">
+              <a:spcBef>
+                <a:spcPct val="0"/>
+              </a:spcBef>
+              <a:spcAft>
+                <a:spcPct val="0"/>
+              </a:spcAft>
+              <a:buClrTx/>
+              <a:buSzTx/>
+            </a:pPr>
+            <a:r>
+              <a:rPr kumimoji="1" lang="en-US" altLang="zh-TW" sz="13800" b="1" dirty="0">
+                <a:solidFill>
+                  <a:schemeClr val="accent1"/>
+                </a:solidFill>
+                <a:latin typeface="Times New Roman" panose="02020603050405020304" pitchFamily="18" charset="0"/>
+                <a:ea typeface="+mj-ea"/>
+                <a:cs typeface="Times New Roman" panose="02020603050405020304" pitchFamily="18" charset="0"/>
+              </a:rPr>
+              <a:t>END</a:t>
+            </a:r>
+            <a:endParaRPr kumimoji="1" lang="en" altLang="zh-TW" sz="13800" b="1" dirty="0">
+              <a:solidFill>
+                <a:schemeClr val="accent1"/>
+              </a:solidFill>
+              <a:latin typeface="Times New Roman" panose="02020603050405020304" pitchFamily="18" charset="0"/>
+              <a:ea typeface="+mj-ea"/>
+              <a:cs typeface="Times New Roman" panose="02020603050405020304" pitchFamily="18" charset="0"/>
+            </a:endParaRPr>
+          </a:p>
+        </p:txBody>
+      </p:sp>
+    </p:spTree>
+    <p:extLst>
+      <p:ext uri="{BB962C8B-B14F-4D97-AF65-F5344CB8AC3E}">
+        <p14:creationId xmlns:p14="http://schemas.microsoft.com/office/powerpoint/2010/main" val="769538148"/>
       </p:ext>
     </p:extLst>
   </p:cSld>

--- a/Presentation/Final_Presentation.pptx
+++ b/Presentation/Final_Presentation.pptx
@@ -148,6 +148,7 @@
 <file path=ppt/revisionInfo.xml><?xml version="1.0" encoding="utf-8"?>
 <p1510:revInfo xmlns:a="http://schemas.openxmlformats.org/drawingml/2006/main" xmlns:r="http://schemas.openxmlformats.org/officeDocument/2006/relationships" xmlns:p1510="http://schemas.microsoft.com/office/powerpoint/2015/10/main">
   <p1510:revLst>
+    <p1510:client id="{401A290C-676C-8658-1848-ABDED01A3298}" v="161" dt="2025-12-04T04:30:01.922"/>
     <p1510:client id="{69717D19-0AEE-0EFE-62AC-6A715FBD96BB}" v="1059" dt="2025-12-03T19:26:52.822"/>
     <p1510:client id="{B7D17B82-5527-4661-8B13-DC96109D97FA}" v="17" dt="2025-12-03T05:43:29.744"/>
   </p1510:revLst>
@@ -548,7 +549,7 @@
           <a:lstStyle/>
           <a:p>
             <a:r>
-              <a:rPr lang="en-US" sz="1200" b="0" kern="1200" dirty="0">
+              <a:rPr lang="en-US" sz="1200" b="0" kern="1200">
                 <a:solidFill>
                   <a:schemeClr val="tx1"/>
                 </a:solidFill>
@@ -562,7 +563,7 @@
           </a:p>
           <a:p>
             <a:r>
-              <a:rPr lang="en-US" sz="1200" b="0" kern="1200" dirty="0">
+              <a:rPr lang="en-US" sz="1200" b="0" kern="1200">
                 <a:solidFill>
                   <a:schemeClr val="tx1"/>
                 </a:solidFill>
@@ -576,7 +577,7 @@
           </a:p>
           <a:p>
             <a:r>
-              <a:rPr lang="en-US" sz="1200" b="0" kern="1200" dirty="0">
+              <a:rPr lang="en-US" sz="1200" b="0" kern="1200">
                 <a:solidFill>
                   <a:schemeClr val="tx1"/>
                 </a:solidFill>
@@ -590,7 +591,7 @@
           </a:p>
           <a:p>
             <a:r>
-              <a:rPr lang="en-US" sz="1200" b="0" kern="1200" dirty="0">
+              <a:rPr lang="en-US" sz="1200" b="0" kern="1200">
                 <a:solidFill>
                   <a:schemeClr val="tx1"/>
                 </a:solidFill>
@@ -603,7 +604,7 @@
             </a:r>
           </a:p>
           <a:p>
-            <a:endParaRPr lang="en-US" dirty="0"/>
+            <a:endParaRPr lang="en-US"/>
           </a:p>
         </p:txBody>
       </p:sp>
@@ -705,7 +706,7 @@
               <a:defRPr/>
             </a:pPr>
             <a:r>
-              <a:rPr lang="en-US" dirty="0">
+              <a:rPr lang="en-US">
                 <a:latin typeface="Microsoft JhengHei" panose="020B0604030504040204" pitchFamily="34" charset="-120"/>
                 <a:ea typeface="Microsoft JhengHei" panose="020B0604030504040204" pitchFamily="34" charset="-120"/>
               </a:rPr>
@@ -731,7 +732,7 @@
               <a:defRPr/>
             </a:pPr>
             <a:r>
-              <a:rPr lang="en-US" dirty="0">
+              <a:rPr lang="en-US">
                 <a:latin typeface="Microsoft JhengHei" panose="020B0604030504040204" pitchFamily="34" charset="-120"/>
                 <a:ea typeface="Microsoft JhengHei" panose="020B0604030504040204" pitchFamily="34" charset="-120"/>
               </a:rPr>
@@ -739,7 +740,7 @@
             </a:r>
           </a:p>
           <a:p>
-            <a:endParaRPr lang="en-US" dirty="0"/>
+            <a:endParaRPr lang="en-US"/>
           </a:p>
         </p:txBody>
       </p:sp>
@@ -824,7 +825,7 @@
           <a:lstStyle/>
           <a:p>
             <a:r>
-              <a:rPr lang="en-US" sz="1200" b="0" kern="1200" dirty="0">
+              <a:rPr lang="en-US" sz="1200" b="0" kern="1200">
                 <a:solidFill>
                   <a:schemeClr val="tx1"/>
                 </a:solidFill>
@@ -838,7 +839,7 @@
           </a:p>
           <a:p>
             <a:r>
-              <a:rPr lang="en-US" sz="1200" b="0" kern="1200" dirty="0">
+              <a:rPr lang="en-US" sz="1200" b="0" kern="1200">
                 <a:solidFill>
                   <a:schemeClr val="tx1"/>
                 </a:solidFill>
@@ -852,7 +853,7 @@
           </a:p>
           <a:p>
             <a:r>
-              <a:rPr lang="en-US" sz="1200" b="0" kern="1200" dirty="0">
+              <a:rPr lang="en-US" sz="1200" b="0" kern="1200">
                 <a:solidFill>
                   <a:schemeClr val="tx1"/>
                 </a:solidFill>
@@ -865,7 +866,7 @@
             </a:r>
           </a:p>
           <a:p>
-            <a:endParaRPr lang="en-US" dirty="0"/>
+            <a:endParaRPr lang="en-US"/>
           </a:p>
         </p:txBody>
       </p:sp>
@@ -950,7 +951,7 @@
           <a:lstStyle/>
           <a:p>
             <a:r>
-              <a:rPr lang="en-US" sz="1200" b="0" kern="1200" dirty="0">
+              <a:rPr lang="en-US" sz="1200" b="0" kern="1200">
                 <a:solidFill>
                   <a:schemeClr val="tx1"/>
                 </a:solidFill>
@@ -964,7 +965,7 @@
           </a:p>
           <a:p>
             <a:r>
-              <a:rPr lang="en-US" sz="1200" b="0" kern="1200" dirty="0">
+              <a:rPr lang="en-US" sz="1200" b="0" kern="1200">
                 <a:solidFill>
                   <a:schemeClr val="tx1"/>
                 </a:solidFill>
@@ -978,7 +979,7 @@
           </a:p>
           <a:p>
             <a:r>
-              <a:rPr lang="en-US" sz="1200" b="0" kern="1200" dirty="0">
+              <a:rPr lang="en-US" sz="1200" b="0" kern="1200">
                 <a:solidFill>
                   <a:schemeClr val="tx1"/>
                 </a:solidFill>
@@ -991,7 +992,7 @@
             </a:r>
           </a:p>
           <a:p>
-            <a:endParaRPr lang="en-US" dirty="0"/>
+            <a:endParaRPr lang="en-US"/>
           </a:p>
         </p:txBody>
       </p:sp>
@@ -1076,7 +1077,7 @@
           <a:lstStyle/>
           <a:p>
             <a:r>
-              <a:rPr lang="en-US" sz="1200" b="0" kern="1200" dirty="0">
+              <a:rPr lang="en-US" sz="1200" b="0" kern="1200">
                 <a:solidFill>
                   <a:schemeClr val="tx1"/>
                 </a:solidFill>
@@ -1090,7 +1091,7 @@
           </a:p>
           <a:p>
             <a:r>
-              <a:rPr lang="en-US" sz="1200" b="0" kern="1200" dirty="0">
+              <a:rPr lang="en-US" sz="1200" b="0" kern="1200">
                 <a:solidFill>
                   <a:schemeClr val="tx1"/>
                 </a:solidFill>
@@ -1104,7 +1105,7 @@
           </a:p>
           <a:p>
             <a:r>
-              <a:rPr lang="en-US" sz="1200" b="0" kern="1200" dirty="0">
+              <a:rPr lang="en-US" sz="1200" b="0" kern="1200">
                 <a:solidFill>
                   <a:schemeClr val="tx1"/>
                 </a:solidFill>
@@ -1117,7 +1118,7 @@
             </a:r>
           </a:p>
           <a:p>
-            <a:endParaRPr lang="en-US" dirty="0"/>
+            <a:endParaRPr lang="en-US"/>
           </a:p>
         </p:txBody>
       </p:sp>
@@ -1202,7 +1203,7 @@
           <a:lstStyle/>
           <a:p>
             <a:r>
-              <a:rPr lang="en-US" sz="1200" b="0" kern="1200" dirty="0">
+              <a:rPr lang="en-US" sz="1200" b="0" kern="1200">
                 <a:solidFill>
                   <a:schemeClr val="tx1"/>
                 </a:solidFill>
@@ -1216,7 +1217,7 @@
           </a:p>
           <a:p>
             <a:r>
-              <a:rPr lang="en-US" sz="1200" b="0" kern="1200" dirty="0">
+              <a:rPr lang="en-US" sz="1200" b="0" kern="1200">
                 <a:solidFill>
                   <a:schemeClr val="tx1"/>
                 </a:solidFill>
@@ -1230,7 +1231,7 @@
           </a:p>
           <a:p>
             <a:r>
-              <a:rPr lang="en-US" sz="1200" b="0" kern="1200" dirty="0">
+              <a:rPr lang="en-US" sz="1200" b="0" kern="1200">
                 <a:solidFill>
                   <a:schemeClr val="tx1"/>
                 </a:solidFill>
@@ -1244,7 +1245,7 @@
           </a:p>
           <a:p>
             <a:r>
-              <a:rPr lang="en-US" sz="1200" b="0" kern="1200" dirty="0">
+              <a:rPr lang="en-US" sz="1200" b="0" kern="1200">
                 <a:solidFill>
                   <a:schemeClr val="tx1"/>
                 </a:solidFill>
@@ -1257,7 +1258,7 @@
             </a:r>
           </a:p>
           <a:p>
-            <a:endParaRPr lang="en-US" dirty="0"/>
+            <a:endParaRPr lang="en-US"/>
           </a:p>
         </p:txBody>
       </p:sp>
@@ -1342,7 +1343,7 @@
           <a:lstStyle/>
           <a:p>
             <a:r>
-              <a:rPr lang="en-US" sz="1200" b="0" kern="1200" dirty="0">
+              <a:rPr lang="en-US" sz="1200" b="0" kern="1200">
                 <a:solidFill>
                   <a:schemeClr val="tx1"/>
                 </a:solidFill>
@@ -1356,7 +1357,7 @@
           </a:p>
           <a:p>
             <a:r>
-              <a:rPr lang="en-US" sz="1200" b="0" kern="1200" dirty="0">
+              <a:rPr lang="en-US" sz="1200" b="0" kern="1200">
                 <a:solidFill>
                   <a:schemeClr val="tx1"/>
                 </a:solidFill>
@@ -1370,7 +1371,7 @@
           </a:p>
           <a:p>
             <a:r>
-              <a:rPr lang="en-US" sz="1200" b="0" kern="1200" dirty="0">
+              <a:rPr lang="en-US" sz="1200" b="0" kern="1200">
                 <a:solidFill>
                   <a:schemeClr val="tx1"/>
                 </a:solidFill>
@@ -1384,7 +1385,7 @@
           </a:p>
           <a:p>
             <a:r>
-              <a:rPr lang="en-US" sz="1200" b="0" kern="1200" dirty="0">
+              <a:rPr lang="en-US" sz="1200" b="0" kern="1200">
                 <a:solidFill>
                   <a:schemeClr val="tx1"/>
                 </a:solidFill>
@@ -1397,7 +1398,7 @@
             </a:r>
           </a:p>
           <a:p>
-            <a:endParaRPr lang="en-US" dirty="0"/>
+            <a:endParaRPr lang="en-US"/>
           </a:p>
         </p:txBody>
       </p:sp>
@@ -1482,7 +1483,7 @@
           <a:lstStyle/>
           <a:p>
             <a:r>
-              <a:rPr lang="en-US" sz="1200" b="0" kern="1200" dirty="0">
+              <a:rPr lang="en-US" sz="1200" b="0" kern="1200">
                 <a:solidFill>
                   <a:schemeClr val="tx1"/>
                 </a:solidFill>
@@ -1496,7 +1497,7 @@
           </a:p>
           <a:p>
             <a:r>
-              <a:rPr lang="en-US" sz="1200" b="0" kern="1200" dirty="0">
+              <a:rPr lang="en-US" sz="1200" b="0" kern="1200">
                 <a:solidFill>
                   <a:schemeClr val="tx1"/>
                 </a:solidFill>
@@ -1509,7 +1510,7 @@
             </a:r>
           </a:p>
           <a:p>
-            <a:endParaRPr lang="en-US" dirty="0"/>
+            <a:endParaRPr lang="en-US"/>
           </a:p>
         </p:txBody>
       </p:sp>
@@ -1594,7 +1595,7 @@
           <a:lstStyle/>
           <a:p>
             <a:r>
-              <a:rPr lang="en-US" sz="1200" b="0" kern="1200" dirty="0">
+              <a:rPr lang="en-US" sz="1200" b="0" kern="1200">
                 <a:solidFill>
                   <a:schemeClr val="tx1"/>
                 </a:solidFill>
@@ -1608,7 +1609,7 @@
           </a:p>
           <a:p>
             <a:r>
-              <a:rPr lang="en-US" sz="1200" b="0" kern="1200" dirty="0">
+              <a:rPr lang="en-US" sz="1200" b="0" kern="1200">
                 <a:solidFill>
                   <a:schemeClr val="tx1"/>
                 </a:solidFill>
@@ -1622,7 +1623,7 @@
           </a:p>
           <a:p>
             <a:r>
-              <a:rPr lang="en-US" sz="1200" b="0" kern="1200" dirty="0">
+              <a:rPr lang="en-US" sz="1200" b="0" kern="1200">
                 <a:solidFill>
                   <a:schemeClr val="tx1"/>
                 </a:solidFill>
@@ -1634,7 +1635,7 @@
               <a:t># on predicting mental illness. Sex, </a:t>
             </a:r>
             <a:r>
-              <a:rPr lang="en-US" sz="1200" b="0" kern="1200" dirty="0" err="1">
+              <a:rPr lang="en-US" sz="1200" b="0" kern="1200" err="1">
                 <a:solidFill>
                   <a:schemeClr val="tx1"/>
                 </a:solidFill>
@@ -1646,7 +1647,7 @@
               <a:t>alchohol</a:t>
             </a:r>
             <a:r>
-              <a:rPr lang="en-US" sz="1200" b="0" kern="1200" dirty="0">
+              <a:rPr lang="en-US" sz="1200" b="0" kern="1200">
                 <a:solidFill>
                   <a:schemeClr val="tx1"/>
                 </a:solidFill>
@@ -1660,7 +1661,7 @@
           </a:p>
           <a:p>
             <a:r>
-              <a:rPr lang="en-US" sz="1200" b="0" kern="1200" dirty="0">
+              <a:rPr lang="en-US" sz="1200" b="0" kern="1200">
                 <a:solidFill>
                   <a:schemeClr val="tx1"/>
                 </a:solidFill>
@@ -1673,7 +1674,7 @@
             </a:r>
           </a:p>
           <a:p>
-            <a:endParaRPr lang="en-US" dirty="0"/>
+            <a:endParaRPr lang="en-US"/>
           </a:p>
         </p:txBody>
       </p:sp>
@@ -1775,7 +1776,7 @@
               <a:defRPr/>
             </a:pPr>
             <a:r>
-              <a:rPr lang="en-US" sz="1200" b="0" kern="1200" dirty="0">
+              <a:rPr lang="en-US" sz="1200" b="0" kern="1200">
                 <a:solidFill>
                   <a:schemeClr val="tx1"/>
                 </a:solidFill>
@@ -1788,7 +1789,7 @@
             </a:r>
           </a:p>
           <a:p>
-            <a:endParaRPr lang="en-US" dirty="0"/>
+            <a:endParaRPr lang="en-US"/>
           </a:p>
         </p:txBody>
       </p:sp>
@@ -2488,7 +2489,7 @@
               <a:rPr lang="zh-TW" altLang="en-US"/>
               <a:t>按一下以編輯母片標題樣式</a:t>
             </a:r>
-            <a:endParaRPr lang="en-US" dirty="0"/>
+            <a:endParaRPr lang="en-US"/>
           </a:p>
         </p:txBody>
       </p:sp>
@@ -2608,7 +2609,7 @@
               <a:rPr lang="zh-TW" altLang="en-US"/>
               <a:t>按一下以編輯母片子標題樣式</a:t>
             </a:r>
-            <a:endParaRPr lang="en-US" dirty="0"/>
+            <a:endParaRPr lang="en-US"/>
           </a:p>
         </p:txBody>
       </p:sp>
@@ -2737,7 +2738,7 @@
               <a:rPr lang="zh-TW" altLang="en-US"/>
               <a:t>按一下以編輯母片標題樣式</a:t>
             </a:r>
-            <a:endParaRPr lang="en-US" dirty="0"/>
+            <a:endParaRPr lang="en-US"/>
           </a:p>
         </p:txBody>
       </p:sp>
@@ -2988,7 +2989,7 @@
               <a:rPr lang="zh-TW" altLang="en-US"/>
               <a:t>按一下以編輯母片標題樣式</a:t>
             </a:r>
-            <a:endParaRPr lang="en-US" dirty="0"/>
+            <a:endParaRPr lang="en-US"/>
           </a:p>
         </p:txBody>
       </p:sp>
@@ -3265,7 +3266,7 @@
           <a:p>
             <a:pPr lvl="0"/>
             <a:r>
-              <a:rPr lang="en-US" sz="8000" baseline="0" dirty="0">
+              <a:rPr lang="en-US" sz="8000" baseline="0">
                 <a:ln w="3175" cmpd="sng">
                   <a:noFill/>
                 </a:ln>
@@ -3306,7 +3307,7 @@
           <a:p>
             <a:pPr lvl="0"/>
             <a:r>
-              <a:rPr lang="en-US" sz="8000" baseline="0" dirty="0">
+              <a:rPr lang="en-US" sz="8000" baseline="0">
                 <a:ln w="3175" cmpd="sng">
                   <a:noFill/>
                 </a:ln>
@@ -3384,7 +3385,7 @@
               <a:rPr lang="zh-TW" altLang="en-US"/>
               <a:t>按一下以編輯母片標題樣式</a:t>
             </a:r>
-            <a:endParaRPr lang="en-US" dirty="0"/>
+            <a:endParaRPr lang="en-US"/>
           </a:p>
         </p:txBody>
       </p:sp>
@@ -3635,7 +3636,7 @@
               <a:rPr lang="zh-TW" altLang="en-US"/>
               <a:t>按一下以編輯母片標題樣式</a:t>
             </a:r>
-            <a:endParaRPr lang="en-US" dirty="0"/>
+            <a:endParaRPr lang="en-US"/>
           </a:p>
         </p:txBody>
       </p:sp>
@@ -3912,7 +3913,7 @@
           <a:p>
             <a:pPr lvl="0"/>
             <a:r>
-              <a:rPr lang="en-US" sz="8000" baseline="0" dirty="0">
+              <a:rPr lang="en-US" sz="8000" baseline="0">
                 <a:ln w="3175" cmpd="sng">
                   <a:noFill/>
                 </a:ln>
@@ -3953,7 +3954,7 @@
           <a:p>
             <a:pPr lvl="0"/>
             <a:r>
-              <a:rPr lang="en-US" sz="8000" baseline="0" dirty="0">
+              <a:rPr lang="en-US" sz="8000" baseline="0">
                 <a:ln w="3175" cmpd="sng">
                   <a:noFill/>
                 </a:ln>
@@ -4031,7 +4032,7 @@
               <a:rPr lang="zh-TW" altLang="en-US"/>
               <a:t>按一下以編輯母片標題樣式</a:t>
             </a:r>
-            <a:endParaRPr lang="en-US" dirty="0"/>
+            <a:endParaRPr lang="en-US"/>
           </a:p>
         </p:txBody>
       </p:sp>
@@ -4331,7 +4332,7 @@
               <a:rPr lang="zh-TW" altLang="en-US"/>
               <a:t>按一下以編輯母片標題樣式</a:t>
             </a:r>
-            <a:endParaRPr lang="en-US" dirty="0"/>
+            <a:endParaRPr lang="en-US"/>
           </a:p>
         </p:txBody>
       </p:sp>
@@ -4383,7 +4384,7 @@
               <a:rPr lang="zh-TW" altLang="en-US"/>
               <a:t>第五層</a:t>
             </a:r>
-            <a:endParaRPr lang="en-US" dirty="0"/>
+            <a:endParaRPr lang="en-US"/>
           </a:p>
         </p:txBody>
       </p:sp>
@@ -4506,7 +4507,7 @@
               <a:rPr lang="zh-TW" altLang="en-US"/>
               <a:t>按一下以編輯母片標題樣式</a:t>
             </a:r>
-            <a:endParaRPr lang="en-US" dirty="0"/>
+            <a:endParaRPr lang="en-US"/>
           </a:p>
         </p:txBody>
       </p:sp>
@@ -4563,7 +4564,7 @@
               <a:rPr lang="zh-TW" altLang="en-US"/>
               <a:t>第五層</a:t>
             </a:r>
-            <a:endParaRPr lang="en-US" dirty="0"/>
+            <a:endParaRPr lang="en-US"/>
           </a:p>
         </p:txBody>
       </p:sp>
@@ -4681,7 +4682,7 @@
               <a:rPr lang="zh-TW" altLang="en-US"/>
               <a:t>按一下以編輯母片標題樣式</a:t>
             </a:r>
-            <a:endParaRPr lang="en-US" dirty="0"/>
+            <a:endParaRPr lang="en-US"/>
           </a:p>
         </p:txBody>
       </p:sp>
@@ -4733,7 +4734,7 @@
               <a:rPr lang="zh-TW" altLang="en-US"/>
               <a:t>第五層</a:t>
             </a:r>
-            <a:endParaRPr lang="en-US" dirty="0"/>
+            <a:endParaRPr lang="en-US"/>
           </a:p>
         </p:txBody>
       </p:sp>
@@ -4860,7 +4861,7 @@
               <a:rPr lang="zh-TW" altLang="en-US"/>
               <a:t>按一下以編輯母片標題樣式</a:t>
             </a:r>
-            <a:endParaRPr lang="en-US" dirty="0"/>
+            <a:endParaRPr lang="en-US"/>
           </a:p>
         </p:txBody>
       </p:sp>
@@ -5098,7 +5099,7 @@
               <a:rPr lang="zh-TW" altLang="en-US"/>
               <a:t>按一下以編輯母片標題樣式</a:t>
             </a:r>
-            <a:endParaRPr lang="en-US" dirty="0"/>
+            <a:endParaRPr lang="en-US"/>
           </a:p>
         </p:txBody>
       </p:sp>
@@ -5155,7 +5156,7 @@
               <a:rPr lang="zh-TW" altLang="en-US"/>
               <a:t>第五層</a:t>
             </a:r>
-            <a:endParaRPr lang="en-US" dirty="0"/>
+            <a:endParaRPr lang="en-US"/>
           </a:p>
         </p:txBody>
       </p:sp>
@@ -5212,7 +5213,7 @@
               <a:rPr lang="zh-TW" altLang="en-US"/>
               <a:t>第五層</a:t>
             </a:r>
-            <a:endParaRPr lang="en-US" dirty="0"/>
+            <a:endParaRPr lang="en-US"/>
           </a:p>
         </p:txBody>
       </p:sp>
@@ -5339,7 +5340,7 @@
               <a:rPr lang="zh-TW" altLang="en-US"/>
               <a:t>按一下以編輯母片標題樣式</a:t>
             </a:r>
-            <a:endParaRPr lang="en-US" dirty="0"/>
+            <a:endParaRPr lang="en-US"/>
           </a:p>
         </p:txBody>
       </p:sp>
@@ -5465,7 +5466,7 @@
               <a:rPr lang="zh-TW" altLang="en-US"/>
               <a:t>第五層</a:t>
             </a:r>
-            <a:endParaRPr lang="en-US" dirty="0"/>
+            <a:endParaRPr lang="en-US"/>
           </a:p>
         </p:txBody>
       </p:sp>
@@ -5591,7 +5592,7 @@
               <a:rPr lang="zh-TW" altLang="en-US"/>
               <a:t>第五層</a:t>
             </a:r>
-            <a:endParaRPr lang="en-US" dirty="0"/>
+            <a:endParaRPr lang="en-US"/>
           </a:p>
         </p:txBody>
       </p:sp>
@@ -5719,7 +5720,7 @@
               <a:rPr lang="zh-TW" altLang="en-US"/>
               <a:t>按一下以編輯母片標題樣式</a:t>
             </a:r>
-            <a:endParaRPr lang="en-US" dirty="0"/>
+            <a:endParaRPr lang="en-US"/>
           </a:p>
         </p:txBody>
       </p:sp>
@@ -5943,7 +5944,7 @@
               <a:rPr lang="zh-TW" altLang="en-US"/>
               <a:t>按一下以編輯母片標題樣式</a:t>
             </a:r>
-            <a:endParaRPr lang="en-US" dirty="0"/>
+            <a:endParaRPr lang="en-US"/>
           </a:p>
         </p:txBody>
       </p:sp>
@@ -6002,7 +6003,7 @@
               <a:rPr lang="zh-TW" altLang="en-US"/>
               <a:t>第五層</a:t>
             </a:r>
-            <a:endParaRPr lang="en-US" dirty="0"/>
+            <a:endParaRPr lang="en-US"/>
           </a:p>
         </p:txBody>
       </p:sp>
@@ -6203,7 +6204,7 @@
               <a:rPr lang="zh-TW" altLang="en-US"/>
               <a:t>按一下以編輯母片標題樣式</a:t>
             </a:r>
-            <a:endParaRPr lang="en-US" dirty="0"/>
+            <a:endParaRPr lang="en-US"/>
           </a:p>
         </p:txBody>
       </p:sp>
@@ -6270,7 +6271,7 @@
               <a:rPr lang="zh-TW" altLang="en-US"/>
               <a:t>按一下圖示以新增圖片</a:t>
             </a:r>
-            <a:endParaRPr lang="en-US" dirty="0"/>
+            <a:endParaRPr lang="en-US"/>
           </a:p>
         </p:txBody>
       </p:sp>
@@ -7057,7 +7058,7 @@
               <a:rPr lang="zh-TW" altLang="en-US"/>
               <a:t>按一下以編輯母片標題樣式</a:t>
             </a:r>
-            <a:endParaRPr lang="en-US" dirty="0"/>
+            <a:endParaRPr lang="en-US"/>
           </a:p>
         </p:txBody>
       </p:sp>
@@ -7119,7 +7120,7 @@
               <a:rPr lang="zh-TW" altLang="en-US"/>
               <a:t>第五層</a:t>
             </a:r>
-            <a:endParaRPr lang="en-US" dirty="0"/>
+            <a:endParaRPr lang="en-US"/>
           </a:p>
         </p:txBody>
       </p:sp>
@@ -7715,13 +7716,13 @@
           <a:p>
             <a:pPr algn="l"/>
             <a:r>
-              <a:rPr lang="en" altLang="zh-TW" b="1" dirty="0">
+              <a:rPr lang="en" altLang="zh-TW" b="1">
                 <a:latin typeface="Times New Roman" panose="02020603050405020304" pitchFamily="18" charset="0"/>
                 <a:cs typeface="Times New Roman" panose="02020603050405020304" pitchFamily="18" charset="0"/>
               </a:rPr>
               <a:t>Mental Health Patterns and Living Situations in New York State</a:t>
             </a:r>
-            <a:endParaRPr kumimoji="1" lang="zh-TW" altLang="en-US" b="1" dirty="0">
+            <a:endParaRPr kumimoji="1" lang="zh-TW" altLang="en-US" b="1">
               <a:latin typeface="Times New Roman" panose="02020603050405020304" pitchFamily="18" charset="0"/>
               <a:cs typeface="Times New Roman" panose="02020603050405020304" pitchFamily="18" charset="0"/>
             </a:endParaRPr>
@@ -7758,7 +7759,7 @@
           <a:p>
             <a:pPr algn="ctr"/>
             <a:r>
-              <a:rPr lang="en-IN" altLang="zh-TW" sz="2000" dirty="0">
+              <a:rPr lang="en-IN" altLang="zh-TW" sz="2000">
                 <a:solidFill>
                   <a:schemeClr val="tx1"/>
                 </a:solidFill>
@@ -7771,7 +7772,7 @@
           <a:p>
             <a:pPr algn="ctr"/>
             <a:r>
-              <a:rPr lang="en-IN" altLang="zh-TW" sz="2000" dirty="0">
+              <a:rPr lang="en-IN" altLang="zh-TW" sz="2000">
                 <a:solidFill>
                   <a:schemeClr val="tx1"/>
                 </a:solidFill>
@@ -7784,7 +7785,7 @@
           <a:p>
             <a:pPr algn="ctr"/>
             <a:r>
-              <a:rPr lang="en-IN" altLang="zh-TW" sz="2000" dirty="0">
+              <a:rPr lang="en-IN" altLang="zh-TW" sz="2000">
                 <a:solidFill>
                   <a:schemeClr val="tx1"/>
                 </a:solidFill>
@@ -7796,7 +7797,7 @@
           </a:p>
           <a:p>
             <a:pPr algn="ctr"/>
-            <a:endParaRPr kumimoji="1" lang="zh-TW" altLang="en-US" sz="2000" dirty="0">
+            <a:endParaRPr kumimoji="1" lang="zh-TW" altLang="en-US" sz="2000">
               <a:solidFill>
                 <a:schemeClr val="tx1"/>
               </a:solidFill>
@@ -7858,7 +7859,7 @@
           <a:lstStyle/>
           <a:p>
             <a:r>
-              <a:rPr lang="en-US" dirty="0"/>
+              <a:rPr lang="en-US"/>
               <a:t>Balancing Class Weight</a:t>
             </a:r>
           </a:p>
@@ -7946,7 +7947,7 @@
           <a:lstStyle/>
           <a:p>
             <a:r>
-              <a:rPr lang="en-US" dirty="0"/>
+              <a:rPr lang="en-US"/>
               <a:t>Random Forest Model</a:t>
             </a:r>
           </a:p>
@@ -8034,7 +8035,7 @@
           <a:lstStyle/>
           <a:p>
             <a:r>
-              <a:rPr lang="en-US" dirty="0"/>
+              <a:rPr lang="en-US"/>
               <a:t>Random Forest Feature Importance</a:t>
             </a:r>
           </a:p>
@@ -8122,7 +8123,7 @@
           <a:lstStyle/>
           <a:p>
             <a:r>
-              <a:rPr lang="en-US" dirty="0"/>
+              <a:rPr lang="en-US"/>
               <a:t>Balancing Class Weight</a:t>
             </a:r>
           </a:p>
@@ -8210,7 +8211,7 @@
           <a:lstStyle/>
           <a:p>
             <a:r>
-              <a:rPr lang="en-US" dirty="0"/>
+              <a:rPr lang="en-US"/>
               <a:t>Balancing Class Weight</a:t>
             </a:r>
           </a:p>
@@ -8298,7 +8299,7 @@
           <a:lstStyle/>
           <a:p>
             <a:r>
-              <a:rPr lang="en-US" dirty="0"/>
+              <a:rPr lang="en-US"/>
               <a:t>Correlation Matrix</a:t>
             </a:r>
           </a:p>
@@ -8363,7 +8364,7 @@
           <a:lstStyle/>
           <a:p>
             <a:r>
-              <a:rPr lang="en-US" dirty="0"/>
+              <a:rPr lang="en-US"/>
               <a:t>*No correlation is above 0.51</a:t>
             </a:r>
           </a:p>
@@ -8427,13 +8428,13 @@
           <a:lstStyle/>
           <a:p>
             <a:r>
-              <a:rPr kumimoji="1" lang="en-US" altLang="zh-TW" b="1" dirty="0">
+              <a:rPr kumimoji="1" lang="en-US" altLang="zh-TW" b="1">
                 <a:latin typeface="Times New Roman" panose="02020603050405020304" pitchFamily="18" charset="0"/>
                 <a:cs typeface="Times New Roman" panose="02020603050405020304" pitchFamily="18" charset="0"/>
               </a:rPr>
               <a:t>Conclusions – SMART Question 1</a:t>
             </a:r>
-            <a:endParaRPr kumimoji="1" lang="zh-TW" altLang="en-US" b="1" dirty="0">
+            <a:endParaRPr kumimoji="1" lang="zh-TW" altLang="en-US" b="1">
               <a:latin typeface="Times New Roman" panose="02020603050405020304" pitchFamily="18" charset="0"/>
               <a:cs typeface="Times New Roman" panose="02020603050405020304" pitchFamily="18" charset="0"/>
             </a:endParaRPr>
@@ -8473,7 +8474,7 @@
               <a:buChar char="•"/>
             </a:pPr>
             <a:r>
-              <a:rPr lang="en-US" dirty="0">
+              <a:rPr lang="en-US">
                 <a:latin typeface="Microsoft JhengHei" panose="020B0604030504040204" pitchFamily="34" charset="-120"/>
                 <a:ea typeface="Microsoft JhengHei" panose="020B0604030504040204" pitchFamily="34" charset="-120"/>
               </a:rPr>
@@ -8486,7 +8487,7 @@
               <a:buChar char="•"/>
             </a:pPr>
             <a:r>
-              <a:rPr lang="en-US" dirty="0">
+              <a:rPr lang="en-US">
                 <a:latin typeface="Microsoft JhengHei" panose="020B0604030504040204" pitchFamily="34" charset="-120"/>
                 <a:ea typeface="Microsoft JhengHei" panose="020B0604030504040204" pitchFamily="34" charset="-120"/>
               </a:rPr>
@@ -8499,7 +8500,7 @@
               <a:buChar char="•"/>
             </a:pPr>
             <a:r>
-              <a:rPr lang="en-US" dirty="0">
+              <a:rPr lang="en-US">
                 <a:latin typeface="Microsoft JhengHei" panose="020B0604030504040204" pitchFamily="34" charset="-120"/>
                 <a:ea typeface="Microsoft JhengHei" panose="020B0604030504040204" pitchFamily="34" charset="-120"/>
               </a:rPr>
@@ -8512,7 +8513,7 @@
               <a:buChar char="•"/>
             </a:pPr>
             <a:r>
-              <a:rPr lang="en-US" dirty="0">
+              <a:rPr lang="en-US">
                 <a:latin typeface="Microsoft JhengHei" panose="020B0604030504040204" pitchFamily="34" charset="-120"/>
                 <a:ea typeface="Microsoft JhengHei" panose="020B0604030504040204" pitchFamily="34" charset="-120"/>
               </a:rPr>
@@ -8525,7 +8526,7 @@
               <a:buChar char="•"/>
             </a:pPr>
             <a:r>
-              <a:rPr lang="en-US" dirty="0">
+              <a:rPr lang="en-US">
                 <a:latin typeface="Microsoft JhengHei" panose="020B0604030504040204" pitchFamily="34" charset="-120"/>
                 <a:ea typeface="Microsoft JhengHei" panose="020B0604030504040204" pitchFamily="34" charset="-120"/>
               </a:rPr>
@@ -8538,7 +8539,7 @@
               <a:buChar char="•"/>
             </a:pPr>
             <a:r>
-              <a:rPr lang="en-US" dirty="0">
+              <a:rPr lang="en-US">
                 <a:latin typeface="Microsoft JhengHei" panose="020B0604030504040204" pitchFamily="34" charset="-120"/>
                 <a:ea typeface="Microsoft JhengHei" panose="020B0604030504040204" pitchFamily="34" charset="-120"/>
               </a:rPr>
@@ -8551,7 +8552,7 @@
               <a:buChar char="•"/>
             </a:pPr>
             <a:r>
-              <a:rPr lang="en-US" dirty="0">
+              <a:rPr lang="en-US">
                 <a:latin typeface="Microsoft JhengHei" panose="020B0604030504040204" pitchFamily="34" charset="-120"/>
                 <a:ea typeface="Microsoft JhengHei" panose="020B0604030504040204" pitchFamily="34" charset="-120"/>
               </a:rPr>
@@ -8563,7 +8564,7 @@
               <a:buFont typeface="Arial" panose="020B0604020202020204" pitchFamily="34" charset="0"/>
               <a:buChar char="•"/>
             </a:pPr>
-            <a:endParaRPr lang="en-US" dirty="0">
+            <a:endParaRPr lang="en-US">
               <a:latin typeface="Microsoft JhengHei" panose="020B0604030504040204" pitchFamily="34" charset="-120"/>
               <a:ea typeface="Microsoft JhengHei" panose="020B0604030504040204" pitchFamily="34" charset="-120"/>
             </a:endParaRPr>
@@ -8573,19 +8574,19 @@
               <a:buFont typeface="Arial" panose="020B0604020202020204" pitchFamily="34" charset="0"/>
               <a:buChar char="•"/>
             </a:pPr>
-            <a:endParaRPr lang="en-US" dirty="0">
+            <a:endParaRPr lang="en-US">
               <a:latin typeface="Microsoft JhengHei" panose="020B0604030504040204" pitchFamily="34" charset="-120"/>
               <a:ea typeface="Microsoft JhengHei" panose="020B0604030504040204" pitchFamily="34" charset="-120"/>
             </a:endParaRPr>
           </a:p>
           <a:p>
-            <a:endParaRPr lang="en-US" dirty="0">
+            <a:endParaRPr lang="en-US">
               <a:latin typeface="Microsoft JhengHei" panose="020B0604030504040204" pitchFamily="34" charset="-120"/>
               <a:ea typeface="Microsoft JhengHei" panose="020B0604030504040204" pitchFamily="34" charset="-120"/>
             </a:endParaRPr>
           </a:p>
           <a:p>
-            <a:endParaRPr lang="en-US" dirty="0"/>
+            <a:endParaRPr lang="en-US"/>
           </a:p>
         </p:txBody>
       </p:sp>
@@ -8647,19 +8648,19 @@
           <a:lstStyle/>
           <a:p>
             <a:r>
-              <a:rPr kumimoji="1" lang="en-US" altLang="zh-TW" b="1" dirty="0">
+              <a:rPr kumimoji="1" lang="en-US" altLang="zh-TW" b="1">
                 <a:latin typeface="Times New Roman" panose="02020603050405020304" pitchFamily="18" charset="0"/>
                 <a:cs typeface="Times New Roman" panose="02020603050405020304" pitchFamily="18" charset="0"/>
               </a:rPr>
               <a:t>Smart Question 2</a:t>
             </a:r>
             <a:br>
-              <a:rPr kumimoji="1" lang="en-US" altLang="zh-TW" b="1" dirty="0">
+              <a:rPr kumimoji="1" lang="en-US" altLang="zh-TW" b="1">
                 <a:latin typeface="Times New Roman" panose="02020603050405020304" pitchFamily="18" charset="0"/>
                 <a:cs typeface="Times New Roman" panose="02020603050405020304" pitchFamily="18" charset="0"/>
               </a:rPr>
             </a:br>
-            <a:endParaRPr kumimoji="1" lang="zh-TW" altLang="en-US" b="1" dirty="0">
+            <a:endParaRPr kumimoji="1" lang="zh-TW" altLang="en-US" b="1">
               <a:latin typeface="Times New Roman" panose="02020603050405020304" pitchFamily="18" charset="0"/>
               <a:cs typeface="Times New Roman" panose="02020603050405020304" pitchFamily="18" charset="0"/>
             </a:endParaRPr>
@@ -8698,7 +8699,7 @@
           <a:lstStyle/>
           <a:p>
             <a:r>
-              <a:rPr lang="en-US" sz="2800" dirty="0">
+              <a:rPr lang="en-US" sz="2800">
                 <a:solidFill>
                   <a:srgbClr val="404040"/>
                 </a:solidFill>
@@ -8708,7 +8709,7 @@
               </a:rPr>
               <a:t>To what extent can socio-economic factors, particularly educational attainment, predict mental health diagnosis among adults in New York State using PCS 2019, and which variables are the strongest predictors</a:t>
             </a:r>
-            <a:endParaRPr lang="en-US" sz="2800" dirty="0">
+            <a:endParaRPr lang="en-US" sz="2800">
               <a:solidFill>
                 <a:srgbClr val="000000"/>
               </a:solidFill>
@@ -8777,19 +8778,19 @@
           <a:lstStyle/>
           <a:p>
             <a:r>
-              <a:rPr kumimoji="1" lang="en-US" altLang="zh-TW" b="1" dirty="0">
+              <a:rPr kumimoji="1" lang="en-US" altLang="zh-TW" b="1">
                 <a:latin typeface="Times New Roman" panose="02020603050405020304" pitchFamily="18" charset="0"/>
                 <a:cs typeface="Times New Roman" panose="02020603050405020304" pitchFamily="18" charset="0"/>
               </a:rPr>
               <a:t>Smart Question 2</a:t>
             </a:r>
             <a:br>
-              <a:rPr kumimoji="1" lang="en-US" altLang="zh-TW" b="1" dirty="0">
+              <a:rPr kumimoji="1" lang="en-US" altLang="zh-TW" b="1">
                 <a:latin typeface="Times New Roman" panose="02020603050405020304" pitchFamily="18" charset="0"/>
                 <a:cs typeface="Times New Roman" panose="02020603050405020304" pitchFamily="18" charset="0"/>
               </a:rPr>
             </a:br>
-            <a:endParaRPr kumimoji="1" lang="zh-TW" altLang="en-US" b="1" dirty="0">
+            <a:endParaRPr kumimoji="1" lang="zh-TW" altLang="en-US" b="1">
               <a:latin typeface="Times New Roman" panose="02020603050405020304" pitchFamily="18" charset="0"/>
               <a:cs typeface="Times New Roman" panose="02020603050405020304" pitchFamily="18" charset="0"/>
             </a:endParaRPr>
@@ -8827,7 +8828,7 @@
           </a:bodyPr>
           <a:lstStyle/>
           <a:p>
-            <a:endParaRPr lang="en-US" sz="2800" dirty="0">
+            <a:endParaRPr lang="en-US" sz="2800">
               <a:solidFill>
                 <a:srgbClr val="404040"/>
               </a:solidFill>
@@ -8870,7 +8871,7 @@
           <a:lstStyle/>
           <a:p>
             <a:r>
-              <a:rPr lang="en-US" sz="2800" b="1" dirty="0">
+              <a:rPr lang="en-US" sz="2800" b="1">
                 <a:solidFill>
                   <a:schemeClr val="accent2"/>
                 </a:solidFill>
@@ -8879,7 +8880,7 @@
               <a:t>Target Variable:</a:t>
             </a:r>
             <a:r>
-              <a:rPr lang="en-US" sz="2800" dirty="0">
+              <a:rPr lang="en-US" sz="2800">
                 <a:solidFill>
                   <a:srgbClr val="404040"/>
                 </a:solidFill>
@@ -8922,7 +8923,7 @@
           <a:lstStyle/>
           <a:p>
             <a:r>
-              <a:rPr lang="en-US" sz="2800" b="1" dirty="0">
+              <a:rPr lang="en-US" sz="2800" b="1">
                 <a:solidFill>
                   <a:srgbClr val="2E83C3"/>
                 </a:solidFill>
@@ -8931,7 +8932,7 @@
               <a:t>Distribution:</a:t>
             </a:r>
             <a:r>
-              <a:rPr lang="en-US" sz="2800" baseline="0" dirty="0">
+              <a:rPr lang="en-US" sz="2800" baseline="0">
                 <a:solidFill>
                   <a:srgbClr val="404040"/>
                 </a:solidFill>
@@ -8940,7 +8941,7 @@
               <a:t> </a:t>
             </a:r>
             <a:r>
-              <a:rPr lang="en-US" sz="2800" dirty="0">
+              <a:rPr lang="en-US" sz="2800">
                 <a:solidFill>
                   <a:srgbClr val="404040"/>
                 </a:solidFill>
@@ -8987,7 +8988,7 @@
           <a:lstStyle/>
           <a:p>
             <a:r>
-              <a:rPr lang="en-US" sz="2800" b="1" dirty="0">
+              <a:rPr lang="en-US" sz="2800" b="1">
                 <a:solidFill>
                   <a:srgbClr val="2E83C3"/>
                 </a:solidFill>
@@ -8996,7 +8997,7 @@
               <a:t>Reformat using distribution for predicting columns</a:t>
             </a:r>
             <a:r>
-              <a:rPr lang="en-US" sz="2800" b="1" baseline="0" dirty="0">
+              <a:rPr lang="en-US" sz="2800" b="1" baseline="0">
                 <a:solidFill>
                   <a:srgbClr val="2E83C3"/>
                 </a:solidFill>
@@ -9005,7 +9006,7 @@
               <a:t>:</a:t>
             </a:r>
             <a:r>
-              <a:rPr lang="en-US" sz="2800" baseline="0" dirty="0">
+              <a:rPr lang="en-US" sz="2800" baseline="0">
                 <a:solidFill>
                   <a:srgbClr val="404040"/>
                 </a:solidFill>
@@ -9014,7 +9015,7 @@
               <a:t> </a:t>
             </a:r>
             <a:r>
-              <a:rPr lang="en-US" sz="2800" dirty="0">
+              <a:rPr lang="en-US" sz="2800">
                 <a:solidFill>
                   <a:srgbClr val="404040"/>
                 </a:solidFill>
@@ -9022,7 +9023,7 @@
               </a:rPr>
               <a:t>Dropping columns with no predictive power and merging rare categories</a:t>
             </a:r>
-            <a:endParaRPr lang="en-US" sz="2800" baseline="0" dirty="0">
+            <a:endParaRPr lang="en-US" sz="2800" baseline="0">
               <a:solidFill>
                 <a:srgbClr val="404040"/>
               </a:solidFill>
@@ -9063,7 +9064,7 @@
           <a:lstStyle/>
           <a:p>
             <a:r>
-              <a:rPr lang="en-US" sz="2800" b="1" dirty="0">
+              <a:rPr lang="en-US" sz="2800" b="1">
                 <a:solidFill>
                   <a:srgbClr val="2E83C3"/>
                 </a:solidFill>
@@ -9074,7 +9075,7 @@
               <a:t>Running chi-square tests to check independence </a:t>
             </a:r>
             <a:r>
-              <a:rPr lang="en-US" sz="2800" b="1" baseline="0" dirty="0">
+              <a:rPr lang="en-US" sz="2800" b="1" baseline="0">
                 <a:solidFill>
                   <a:srgbClr val="2E83C3"/>
                 </a:solidFill>
@@ -9085,7 +9086,7 @@
               <a:t>:</a:t>
             </a:r>
             <a:r>
-              <a:rPr lang="en-US" sz="2800" baseline="0" dirty="0">
+              <a:rPr lang="en-US" sz="2800" baseline="0">
                 <a:solidFill>
                   <a:srgbClr val="404040"/>
                 </a:solidFill>
@@ -9096,7 +9097,7 @@
               <a:t> </a:t>
             </a:r>
             <a:r>
-              <a:rPr lang="en-US" sz="2800" dirty="0">
+              <a:rPr lang="en-US" sz="2800">
                 <a:solidFill>
                   <a:srgbClr val="404040"/>
                 </a:solidFill>
@@ -9106,7 +9107,7 @@
               </a:rPr>
               <a:t>Dropping columns where p-values are not significant</a:t>
             </a:r>
-            <a:endParaRPr lang="en-US" dirty="0"/>
+            <a:endParaRPr lang="en-US"/>
           </a:p>
           <a:p>
             <a:pPr algn="ctr"/>
@@ -9172,12 +9173,12 @@
           <a:lstStyle/>
           <a:p>
             <a:br>
-              <a:rPr lang="en-US" altLang="zh-TW" b="1" dirty="0">
+              <a:rPr lang="en-US" altLang="zh-TW" b="1">
                 <a:latin typeface="Times New Roman" panose="02020603050405020304" pitchFamily="18" charset="0"/>
                 <a:cs typeface="Times New Roman" panose="02020603050405020304" pitchFamily="18" charset="0"/>
               </a:rPr>
             </a:br>
-            <a:endParaRPr kumimoji="1" lang="zh-TW" altLang="en-US" b="1" dirty="0">
+            <a:endParaRPr kumimoji="1" lang="zh-TW" altLang="en-US" b="1">
               <a:latin typeface="Times New Roman" panose="02020603050405020304" pitchFamily="18" charset="0"/>
               <a:cs typeface="Times New Roman" panose="02020603050405020304" pitchFamily="18" charset="0"/>
             </a:endParaRPr>
@@ -9215,7 +9216,7 @@
           </a:bodyPr>
           <a:lstStyle/>
           <a:p>
-            <a:endParaRPr lang="en-US" sz="2800" dirty="0">
+            <a:endParaRPr lang="en-US" sz="2800">
               <a:solidFill>
                 <a:srgbClr val="404040"/>
               </a:solidFill>
@@ -9258,7 +9259,7 @@
           <a:lstStyle/>
           <a:p>
             <a:r>
-              <a:rPr lang="en-US" sz="2800" b="1" dirty="0">
+              <a:rPr lang="en-US" sz="2800" b="1">
                 <a:solidFill>
                   <a:schemeClr val="accent2"/>
                 </a:solidFill>
@@ -9266,7 +9267,7 @@
               </a:rPr>
               <a:t>Check for correlation between predictors:</a:t>
             </a:r>
-            <a:endParaRPr lang="en-US" sz="2800" dirty="0">
+            <a:endParaRPr lang="en-US" sz="2800">
               <a:solidFill>
                 <a:schemeClr val="accent2"/>
               </a:solidFill>
@@ -9338,7 +9339,7 @@
           <a:lstStyle/>
           <a:p>
             <a:r>
-              <a:rPr lang="en-US" sz="1200" dirty="0">
+              <a:rPr lang="en-US" sz="1200">
                 <a:solidFill>
                   <a:srgbClr val="CE9178"/>
                 </a:solidFill>
@@ -9351,7 +9352,7 @@
           </a:p>
           <a:p>
             <a:r>
-              <a:rPr lang="en-US" sz="1200" dirty="0">
+              <a:rPr lang="en-US" sz="1200">
                 <a:solidFill>
                   <a:srgbClr val="CE9178"/>
                 </a:solidFill>
@@ -9364,7 +9365,7 @@
           </a:p>
           <a:p>
             <a:r>
-              <a:rPr lang="en-US" sz="1200" dirty="0">
+              <a:rPr lang="en-US" sz="1200">
                 <a:solidFill>
                   <a:srgbClr val="CE9178"/>
                 </a:solidFill>
@@ -9377,7 +9378,7 @@
           </a:p>
           <a:p>
             <a:r>
-              <a:rPr lang="en-US" sz="1200" dirty="0">
+              <a:rPr lang="en-US" sz="1200">
                 <a:solidFill>
                   <a:srgbClr val="CE9178"/>
                 </a:solidFill>
@@ -9390,7 +9391,7 @@
           </a:p>
           <a:p>
             <a:r>
-              <a:rPr lang="en-US" sz="1200" dirty="0">
+              <a:rPr lang="en-US" sz="1200">
                 <a:solidFill>
                   <a:srgbClr val="CE9178"/>
                 </a:solidFill>
@@ -9403,7 +9404,7 @@
           </a:p>
           <a:p>
             <a:r>
-              <a:rPr lang="en-US" sz="1200" dirty="0">
+              <a:rPr lang="en-US" sz="1200">
                 <a:solidFill>
                   <a:srgbClr val="CE9178"/>
                 </a:solidFill>
@@ -9416,7 +9417,7 @@
           </a:p>
           <a:p>
             <a:r>
-              <a:rPr lang="en-US" sz="1200" dirty="0">
+              <a:rPr lang="en-US" sz="1200">
                 <a:solidFill>
                   <a:srgbClr val="CE9178"/>
                 </a:solidFill>
@@ -9429,7 +9430,7 @@
           </a:p>
           <a:p>
             <a:r>
-              <a:rPr lang="en-US" sz="1200" dirty="0">
+              <a:rPr lang="en-US" sz="1200">
                 <a:solidFill>
                   <a:srgbClr val="CE9178"/>
                 </a:solidFill>
@@ -9442,7 +9443,7 @@
           </a:p>
           <a:p>
             <a:r>
-              <a:rPr lang="en-US" sz="1200" dirty="0">
+              <a:rPr lang="en-US" sz="1200">
                 <a:solidFill>
                   <a:srgbClr val="CE9178"/>
                 </a:solidFill>
@@ -9455,7 +9456,7 @@
           </a:p>
           <a:p>
             <a:r>
-              <a:rPr lang="en-US" sz="1200" dirty="0">
+              <a:rPr lang="en-US" sz="1200">
                 <a:solidFill>
                   <a:srgbClr val="CE9178"/>
                 </a:solidFill>
@@ -9468,7 +9469,7 @@
           </a:p>
           <a:p>
             <a:r>
-              <a:rPr lang="en-US" sz="1200" dirty="0">
+              <a:rPr lang="en-US" sz="1200">
                 <a:solidFill>
                   <a:srgbClr val="CE9178"/>
                 </a:solidFill>
@@ -9480,7 +9481,7 @@
             </a:r>
           </a:p>
           <a:p>
-            <a:endParaRPr lang="en-US" sz="1200" dirty="0">
+            <a:endParaRPr lang="en-US" sz="1200">
               <a:solidFill>
                 <a:srgbClr val="CE9178"/>
               </a:solidFill>
@@ -9491,7 +9492,7 @@
           </a:p>
           <a:p>
             <a:r>
-              <a:rPr lang="en-US" sz="1200" dirty="0" err="1">
+              <a:rPr lang="en-US" sz="1200" err="1">
                 <a:solidFill>
                   <a:srgbClr val="9CDCFE"/>
                 </a:solidFill>
@@ -9502,7 +9503,7 @@
               <a:t>drop_cols</a:t>
             </a:r>
             <a:r>
-              <a:rPr lang="en-US" sz="1200" dirty="0">
+              <a:rPr lang="en-US" sz="1200">
                 <a:solidFill>
                   <a:srgbClr val="CCCCCC"/>
                 </a:solidFill>
@@ -9513,7 +9514,7 @@
               <a:t> </a:t>
             </a:r>
             <a:r>
-              <a:rPr lang="en-US" sz="1200" dirty="0">
+              <a:rPr lang="en-US" sz="1200">
                 <a:solidFill>
                   <a:srgbClr val="D4D4D4"/>
                 </a:solidFill>
@@ -9524,7 +9525,7 @@
               <a:t>=</a:t>
             </a:r>
             <a:r>
-              <a:rPr lang="en-US" sz="1200" dirty="0">
+              <a:rPr lang="en-US" sz="1200">
                 <a:solidFill>
                   <a:srgbClr val="CCCCCC"/>
                 </a:solidFill>
@@ -9535,7 +9536,7 @@
               <a:t> [</a:t>
             </a:r>
             <a:r>
-              <a:rPr lang="en-US" sz="1200" dirty="0">
+              <a:rPr lang="en-US" sz="1200">
                 <a:solidFill>
                   <a:srgbClr val="CE9178"/>
                 </a:solidFill>
@@ -9546,7 +9547,7 @@
               <a:t>"Household Composition"</a:t>
             </a:r>
             <a:r>
-              <a:rPr lang="en-US" sz="1200" dirty="0">
+              <a:rPr lang="en-US" sz="1200">
                 <a:solidFill>
                   <a:srgbClr val="CCCCCC"/>
                 </a:solidFill>
@@ -9557,7 +9558,7 @@
               <a:t>, </a:t>
             </a:r>
             <a:r>
-              <a:rPr lang="en-US" sz="1200" dirty="0">
+              <a:rPr lang="en-US" sz="1200">
                 <a:solidFill>
                   <a:srgbClr val="CE9178"/>
                 </a:solidFill>
@@ -9568,7 +9569,7 @@
               <a:t>"Employment Status"</a:t>
             </a:r>
             <a:r>
-              <a:rPr lang="en-US" sz="1200" dirty="0">
+              <a:rPr lang="en-US" sz="1200">
                 <a:solidFill>
                   <a:srgbClr val="CCCCCC"/>
                 </a:solidFill>
@@ -9579,7 +9580,7 @@
               <a:t>, </a:t>
             </a:r>
             <a:r>
-              <a:rPr lang="en-US" sz="1200" dirty="0">
+              <a:rPr lang="en-US" sz="1200">
                 <a:solidFill>
                   <a:srgbClr val="CE9178"/>
                 </a:solidFill>
@@ -9590,7 +9591,7 @@
               <a:t>"Other Insurance"</a:t>
             </a:r>
             <a:r>
-              <a:rPr lang="en-US" sz="1200" dirty="0">
+              <a:rPr lang="en-US" sz="1200">
                 <a:solidFill>
                   <a:srgbClr val="CCCCCC"/>
                 </a:solidFill>
@@ -9601,7 +9602,7 @@
               <a:t>, </a:t>
             </a:r>
             <a:r>
-              <a:rPr lang="en-US" sz="1200" dirty="0">
+              <a:rPr lang="en-US" sz="1200">
                 <a:solidFill>
                   <a:srgbClr val="CE9178"/>
                 </a:solidFill>
@@ -9612,7 +9613,7 @@
               <a:t>"Private Insurance"</a:t>
             </a:r>
             <a:r>
-              <a:rPr lang="en-US" sz="1200" dirty="0">
+              <a:rPr lang="en-US" sz="1200">
                 <a:solidFill>
                   <a:srgbClr val="CCCCCC"/>
                 </a:solidFill>
@@ -9623,7 +9624,7 @@
               <a:t>, </a:t>
             </a:r>
             <a:r>
-              <a:rPr lang="en-US" sz="1200" dirty="0">
+              <a:rPr lang="en-US" sz="1200">
                 <a:solidFill>
                   <a:srgbClr val="CE9178"/>
                 </a:solidFill>
@@ -9634,7 +9635,7 @@
               <a:t>"Medicaid Insurance"</a:t>
             </a:r>
             <a:r>
-              <a:rPr lang="en-US" sz="1200" dirty="0">
+              <a:rPr lang="en-US" sz="1200">
                 <a:solidFill>
                   <a:srgbClr val="CCCCCC"/>
                 </a:solidFill>
@@ -9645,7 +9646,7 @@
               <a:t>, </a:t>
             </a:r>
             <a:r>
-              <a:rPr lang="en-US" sz="1200" dirty="0">
+              <a:rPr lang="en-US" sz="1200">
                 <a:solidFill>
                   <a:srgbClr val="CE9178"/>
                 </a:solidFill>
@@ -9656,7 +9657,7 @@
               <a:t>"Unknown Insurance </a:t>
             </a:r>
             <a:r>
-              <a:rPr lang="en-US" sz="1200" dirty="0" err="1">
+              <a:rPr lang="en-US" sz="1200" err="1">
                 <a:solidFill>
                   <a:srgbClr val="CE9178"/>
                 </a:solidFill>
@@ -9667,7 +9668,7 @@
               <a:t>Coverage"</a:t>
             </a:r>
             <a:r>
-              <a:rPr lang="en-US" sz="1200" dirty="0" err="1">
+              <a:rPr lang="en-US" sz="1200" err="1">
                 <a:solidFill>
                   <a:srgbClr val="CCCCCC"/>
                 </a:solidFill>
@@ -9678,7 +9679,7 @@
               <a:t>,</a:t>
             </a:r>
             <a:r>
-              <a:rPr lang="en-US" sz="1200" dirty="0" err="1">
+              <a:rPr lang="en-US" sz="1200" err="1">
                 <a:solidFill>
                   <a:srgbClr val="CE9178"/>
                 </a:solidFill>
@@ -9689,7 +9690,7 @@
               <a:t>"No</a:t>
             </a:r>
             <a:r>
-              <a:rPr lang="en-US" sz="1200" dirty="0">
+              <a:rPr lang="en-US" sz="1200">
                 <a:solidFill>
                   <a:srgbClr val="CE9178"/>
                 </a:solidFill>
@@ -9700,7 +9701,7 @@
               <a:t> Insurance"</a:t>
             </a:r>
             <a:r>
-              <a:rPr lang="en-US" sz="1200" dirty="0">
+              <a:rPr lang="en-US" sz="1200">
                 <a:solidFill>
                   <a:srgbClr val="CCCCCC"/>
                 </a:solidFill>
@@ -9710,7 +9711,7 @@
               </a:rPr>
               <a:t>]</a:t>
             </a:r>
-            <a:endParaRPr lang="en-US" sz="1200" dirty="0">
+            <a:endParaRPr lang="en-US" sz="1200">
               <a:solidFill>
                 <a:srgbClr val="000000"/>
               </a:solidFill>
@@ -9720,7 +9721,7 @@
             </a:endParaRPr>
           </a:p>
           <a:p>
-            <a:endParaRPr lang="en-US" sz="1200" dirty="0">
+            <a:endParaRPr lang="en-US" sz="1200">
               <a:solidFill>
                 <a:srgbClr val="CE9178"/>
               </a:solidFill>
@@ -9730,7 +9731,7 @@
             </a:endParaRPr>
           </a:p>
           <a:p>
-            <a:endParaRPr lang="en-US" sz="1200" dirty="0">
+            <a:endParaRPr lang="en-US" sz="1200">
               <a:solidFill>
                 <a:srgbClr val="CE9178"/>
               </a:solidFill>
@@ -9740,7 +9741,7 @@
             </a:endParaRPr>
           </a:p>
           <a:p>
-            <a:endParaRPr lang="en-US" sz="1200" dirty="0">
+            <a:endParaRPr lang="en-US" sz="1200">
               <a:solidFill>
                 <a:srgbClr val="CE9178"/>
               </a:solidFill>
@@ -9751,7 +9752,7 @@
           </a:p>
           <a:p>
             <a:br>
-              <a:rPr lang="en-US" sz="1200" dirty="0">
+              <a:rPr lang="en-US" sz="1200">
                 <a:latin typeface="Menlo"/>
                 <a:ea typeface="Menlo"/>
                 <a:cs typeface="Menlo"/>
@@ -9768,7 +9769,7 @@
           </a:p>
           <a:p>
             <a:pPr algn="ctr"/>
-            <a:endParaRPr lang="en-US" sz="1200" dirty="0"/>
+            <a:endParaRPr lang="en-US" sz="1200"/>
           </a:p>
         </p:txBody>
       </p:sp>
@@ -9824,13 +9825,13 @@
           <a:lstStyle/>
           <a:p>
             <a:r>
-              <a:rPr kumimoji="1" lang="en-US" altLang="zh-TW" b="1" dirty="0">
+              <a:rPr kumimoji="1" lang="en-US" altLang="zh-TW" b="1">
                 <a:latin typeface="Times New Roman" panose="02020603050405020304" pitchFamily="18" charset="0"/>
                 <a:cs typeface="Times New Roman" panose="02020603050405020304" pitchFamily="18" charset="0"/>
               </a:rPr>
               <a:t>Source Links</a:t>
             </a:r>
-            <a:endParaRPr kumimoji="1" lang="zh-TW" altLang="en-US" b="1" dirty="0">
+            <a:endParaRPr kumimoji="1" lang="zh-TW" altLang="en-US" b="1">
               <a:latin typeface="Times New Roman" panose="02020603050405020304" pitchFamily="18" charset="0"/>
               <a:cs typeface="Times New Roman" panose="02020603050405020304" pitchFamily="18" charset="0"/>
             </a:endParaRPr>
@@ -9869,7 +9870,7 @@
               <a:buNone/>
             </a:pPr>
             <a:r>
-              <a:rPr kumimoji="1" lang="en-US" altLang="zh-TW" b="1" dirty="0">
+              <a:rPr kumimoji="1" lang="en-US" altLang="zh-TW" b="1">
                 <a:latin typeface="Times New Roman" panose="02020603050405020304" pitchFamily="18" charset="0"/>
                 <a:cs typeface="Times New Roman" panose="02020603050405020304" pitchFamily="18" charset="0"/>
               </a:rPr>
@@ -9881,14 +9882,14 @@
               <a:buNone/>
             </a:pPr>
             <a:r>
-              <a:rPr kumimoji="1" lang="en-US" altLang="zh-TW" dirty="0">
+              <a:rPr kumimoji="1" lang="en-US" altLang="zh-TW">
                 <a:latin typeface="Times New Roman" panose="02020603050405020304" pitchFamily="18" charset="0"/>
                 <a:cs typeface="Times New Roman" panose="02020603050405020304" pitchFamily="18" charset="0"/>
                 <a:hlinkClick r:id="rId2"/>
               </a:rPr>
               <a:t>https://github.com/daniasalman6/Project-Data-Mining</a:t>
             </a:r>
-            <a:endParaRPr kumimoji="1" lang="en-US" altLang="zh-TW" dirty="0">
+            <a:endParaRPr kumimoji="1" lang="en-US" altLang="zh-TW">
               <a:latin typeface="Times New Roman" panose="02020603050405020304" pitchFamily="18" charset="0"/>
               <a:cs typeface="Times New Roman" panose="02020603050405020304" pitchFamily="18" charset="0"/>
             </a:endParaRPr>
@@ -9897,7 +9898,7 @@
             <a:pPr marL="0" indent="0">
               <a:buNone/>
             </a:pPr>
-            <a:endParaRPr kumimoji="1" lang="en-US" altLang="zh-TW" dirty="0">
+            <a:endParaRPr kumimoji="1" lang="en-US" altLang="zh-TW">
               <a:latin typeface="Times New Roman" panose="02020603050405020304" pitchFamily="18" charset="0"/>
               <a:cs typeface="Times New Roman" panose="02020603050405020304" pitchFamily="18" charset="0"/>
             </a:endParaRPr>
@@ -9907,7 +9908,7 @@
               <a:buNone/>
             </a:pPr>
             <a:r>
-              <a:rPr lang="en-US" altLang="zh-TW" b="1" dirty="0">
+              <a:rPr lang="en-US" altLang="zh-TW" b="1">
                 <a:latin typeface="Times New Roman" panose="02020603050405020304" pitchFamily="18" charset="0"/>
                 <a:cs typeface="Times New Roman" panose="02020603050405020304" pitchFamily="18" charset="0"/>
               </a:rPr>
@@ -9919,14 +9920,14 @@
               <a:buNone/>
             </a:pPr>
             <a:r>
-              <a:rPr kumimoji="1" lang="en-US" altLang="zh-TW" dirty="0">
+              <a:rPr kumimoji="1" lang="en-US" altLang="zh-TW">
                 <a:latin typeface="Times New Roman" panose="02020603050405020304" pitchFamily="18" charset="0"/>
                 <a:cs typeface="Times New Roman" panose="02020603050405020304" pitchFamily="18" charset="0"/>
                 <a:hlinkClick r:id="rId3"/>
               </a:rPr>
               <a:t>https://data.ny.gov/Human-Services/Patient-Characteristics-Survey-PCS-2019/urn3-ezfe/about_data</a:t>
             </a:r>
-            <a:endParaRPr kumimoji="1" lang="en-US" altLang="zh-TW" dirty="0">
+            <a:endParaRPr kumimoji="1" lang="en-US" altLang="zh-TW">
               <a:latin typeface="Times New Roman" panose="02020603050405020304" pitchFamily="18" charset="0"/>
               <a:cs typeface="Times New Roman" panose="02020603050405020304" pitchFamily="18" charset="0"/>
             </a:endParaRPr>
@@ -9935,7 +9936,7 @@
             <a:pPr marL="0" indent="0">
               <a:buNone/>
             </a:pPr>
-            <a:endParaRPr lang="en-US" altLang="zh-TW" dirty="0">
+            <a:endParaRPr lang="en-US" altLang="zh-TW">
               <a:latin typeface="Times New Roman" panose="02020603050405020304" pitchFamily="18" charset="0"/>
               <a:cs typeface="Times New Roman" panose="02020603050405020304" pitchFamily="18" charset="0"/>
             </a:endParaRPr>
@@ -9945,7 +9946,7 @@
               <a:buNone/>
             </a:pPr>
             <a:r>
-              <a:rPr lang="en" altLang="zh-TW" dirty="0">
+              <a:rPr lang="en" altLang="zh-TW">
                 <a:latin typeface="Times New Roman" panose="02020603050405020304" pitchFamily="18" charset="0"/>
                 <a:cs typeface="Times New Roman" panose="02020603050405020304" pitchFamily="18" charset="0"/>
               </a:rPr>
@@ -9956,7 +9957,7 @@
             <a:pPr marL="0" indent="0">
               <a:buNone/>
             </a:pPr>
-            <a:endParaRPr lang="en-US" altLang="zh-TW" dirty="0">
+            <a:endParaRPr lang="en-US" altLang="zh-TW">
               <a:latin typeface="Times New Roman" panose="02020603050405020304" pitchFamily="18" charset="0"/>
               <a:cs typeface="Times New Roman" panose="02020603050405020304" pitchFamily="18" charset="0"/>
             </a:endParaRPr>
@@ -9966,7 +9967,7 @@
               <a:buNone/>
             </a:pPr>
             <a:r>
-              <a:rPr kumimoji="1" lang="en-US" altLang="zh-TW" dirty="0">
+              <a:rPr kumimoji="1" lang="en-US" altLang="zh-TW">
                 <a:latin typeface="Times New Roman" panose="02020603050405020304" pitchFamily="18" charset="0"/>
                 <a:cs typeface="Times New Roman" panose="02020603050405020304" pitchFamily="18" charset="0"/>
               </a:rPr>
@@ -10033,12 +10034,12 @@
           <a:lstStyle/>
           <a:p>
             <a:br>
-              <a:rPr lang="en-US" altLang="zh-TW" b="1" dirty="0">
+              <a:rPr lang="en-US" altLang="zh-TW" b="1">
                 <a:latin typeface="Times New Roman" panose="02020603050405020304" pitchFamily="18" charset="0"/>
                 <a:cs typeface="Times New Roman" panose="02020603050405020304" pitchFamily="18" charset="0"/>
               </a:rPr>
             </a:br>
-            <a:endParaRPr kumimoji="1" lang="zh-TW" altLang="en-US" b="1" dirty="0">
+            <a:endParaRPr kumimoji="1" lang="zh-TW" altLang="en-US" b="1">
               <a:latin typeface="Times New Roman" panose="02020603050405020304" pitchFamily="18" charset="0"/>
               <a:cs typeface="Times New Roman" panose="02020603050405020304" pitchFamily="18" charset="0"/>
             </a:endParaRPr>
@@ -10076,7 +10077,7 @@
           </a:bodyPr>
           <a:lstStyle/>
           <a:p>
-            <a:endParaRPr lang="en-US" sz="2800" dirty="0">
+            <a:endParaRPr lang="en-US" sz="2800">
               <a:solidFill>
                 <a:srgbClr val="404040"/>
               </a:solidFill>
@@ -10119,7 +10120,7 @@
           <a:lstStyle/>
           <a:p>
             <a:r>
-              <a:rPr lang="en-US" sz="2800" b="1" dirty="0">
+              <a:rPr lang="en-US" sz="2800" b="1">
                 <a:solidFill>
                   <a:schemeClr val="accent2"/>
                 </a:solidFill>
@@ -10127,7 +10128,7 @@
               </a:rPr>
               <a:t>Running Logistic Regression Model</a:t>
             </a:r>
-            <a:endParaRPr lang="en-US" sz="2800" b="1" dirty="0">
+            <a:endParaRPr lang="en-US" sz="2800" b="1">
               <a:solidFill>
                 <a:schemeClr val="accent2"/>
               </a:solidFill>
@@ -10232,7 +10233,7 @@
                         <a:buNone/>
                       </a:pPr>
                       <a:r>
-                        <a:rPr lang="en-US" sz="1800" dirty="0">
+                        <a:rPr lang="en-US" sz="1800">
                           <a:solidFill>
                             <a:srgbClr val="FFFFFF"/>
                           </a:solidFill>
@@ -10262,7 +10263,7 @@
                         <a:buNone/>
                       </a:pPr>
                       <a:r>
-                        <a:rPr lang="en-US" sz="1800" dirty="0">
+                        <a:rPr lang="en-US" sz="1800">
                           <a:solidFill>
                             <a:srgbClr val="FFFFFF"/>
                           </a:solidFill>
@@ -10292,7 +10293,7 @@
                         <a:buNone/>
                       </a:pPr>
                       <a:r>
-                        <a:rPr lang="en-US" sz="1800" dirty="0">
+                        <a:rPr lang="en-US" sz="1800">
                           <a:solidFill>
                             <a:srgbClr val="FFFFFF"/>
                           </a:solidFill>
@@ -10322,7 +10323,7 @@
                         <a:buNone/>
                       </a:pPr>
                       <a:r>
-                        <a:rPr lang="en-US" sz="1800" dirty="0">
+                        <a:rPr lang="en-US" sz="1800">
                           <a:solidFill>
                             <a:srgbClr val="FFFFFF"/>
                           </a:solidFill>
@@ -10359,12 +10360,12 @@
                         <a:buNone/>
                       </a:pPr>
                       <a:r>
-                        <a:rPr lang="en-US" sz="1800" dirty="0">
+                        <a:rPr lang="en-US" sz="1800">
                           <a:effectLst/>
                         </a:rPr>
                         <a:t>0.0</a:t>
                       </a:r>
-                      <a:endParaRPr lang="en-US" dirty="0">
+                      <a:endParaRPr lang="en-US">
                         <a:effectLst/>
                       </a:endParaRPr>
                     </a:p>
@@ -10383,12 +10384,12 @@
                         <a:buNone/>
                       </a:pPr>
                       <a:r>
-                        <a:rPr lang="en-US" sz="1800" dirty="0">
+                        <a:rPr lang="en-US" sz="1800">
                           <a:effectLst/>
                         </a:rPr>
                         <a:t>0.04</a:t>
                       </a:r>
-                      <a:endParaRPr lang="en-US" dirty="0">
+                      <a:endParaRPr lang="en-US">
                         <a:effectLst/>
                       </a:endParaRPr>
                     </a:p>
@@ -10407,12 +10408,12 @@
                         <a:buNone/>
                       </a:pPr>
                       <a:r>
-                        <a:rPr lang="en-US" sz="1800" dirty="0">
+                        <a:rPr lang="en-US" sz="1800">
                           <a:effectLst/>
                         </a:rPr>
                         <a:t>0.72</a:t>
                       </a:r>
-                      <a:endParaRPr lang="en-US" dirty="0">
+                      <a:endParaRPr lang="en-US">
                         <a:effectLst/>
                       </a:endParaRPr>
                     </a:p>
@@ -10431,12 +10432,12 @@
                         <a:buNone/>
                       </a:pPr>
                       <a:r>
-                        <a:rPr lang="en-US" sz="1800" dirty="0">
+                        <a:rPr lang="en-US" sz="1800">
                           <a:effectLst/>
                         </a:rPr>
                         <a:t>0.07</a:t>
                       </a:r>
-                      <a:endParaRPr lang="en-US" dirty="0">
+                      <a:endParaRPr lang="en-US">
                         <a:effectLst/>
                       </a:endParaRPr>
                     </a:p>
@@ -10455,12 +10456,12 @@
                         <a:buNone/>
                       </a:pPr>
                       <a:r>
-                        <a:rPr lang="en-US" sz="1800" dirty="0">
+                        <a:rPr lang="en-US" sz="1800">
                           <a:effectLst/>
                         </a:rPr>
                         <a:t>881</a:t>
                       </a:r>
-                      <a:endParaRPr lang="en-US" dirty="0">
+                      <a:endParaRPr lang="en-US">
                         <a:effectLst/>
                       </a:endParaRPr>
                     </a:p>
@@ -10486,12 +10487,12 @@
                         <a:buNone/>
                       </a:pPr>
                       <a:r>
-                        <a:rPr lang="en-US" sz="1800" dirty="0">
+                        <a:rPr lang="en-US" sz="1800">
                           <a:effectLst/>
                         </a:rPr>
                         <a:t>1.0</a:t>
                       </a:r>
-                      <a:endParaRPr lang="en-US" dirty="0">
+                      <a:endParaRPr lang="en-US">
                         <a:effectLst/>
                       </a:endParaRPr>
                     </a:p>
@@ -10510,12 +10511,12 @@
                         <a:buNone/>
                       </a:pPr>
                       <a:r>
-                        <a:rPr lang="en-US" sz="1800" dirty="0">
+                        <a:rPr lang="en-US" sz="1800">
                           <a:effectLst/>
                         </a:rPr>
                         <a:t>0.99</a:t>
                       </a:r>
-                      <a:endParaRPr lang="en-US" dirty="0">
+                      <a:endParaRPr lang="en-US">
                         <a:effectLst/>
                       </a:endParaRPr>
                     </a:p>
@@ -10534,12 +10535,12 @@
                         <a:buNone/>
                       </a:pPr>
                       <a:r>
-                        <a:rPr lang="en-US" sz="1800" dirty="0">
+                        <a:rPr lang="en-US" sz="1800">
                           <a:effectLst/>
                         </a:rPr>
                         <a:t>0.63</a:t>
                       </a:r>
-                      <a:endParaRPr lang="en-US" dirty="0">
+                      <a:endParaRPr lang="en-US">
                         <a:effectLst/>
                       </a:endParaRPr>
                     </a:p>
@@ -10558,12 +10559,12 @@
                         <a:buNone/>
                       </a:pPr>
                       <a:r>
-                        <a:rPr lang="en-US" sz="1800" dirty="0">
+                        <a:rPr lang="en-US" sz="1800">
                           <a:effectLst/>
                         </a:rPr>
                         <a:t>0.77</a:t>
                       </a:r>
-                      <a:endParaRPr lang="en-US" dirty="0">
+                      <a:endParaRPr lang="en-US">
                         <a:effectLst/>
                       </a:endParaRPr>
                     </a:p>
@@ -10582,12 +10583,12 @@
                         <a:buNone/>
                       </a:pPr>
                       <a:r>
-                        <a:rPr lang="en-US" sz="1800" dirty="0">
+                        <a:rPr lang="en-US" sz="1800">
                           <a:effectLst/>
                         </a:rPr>
                         <a:t>44414</a:t>
                       </a:r>
-                      <a:endParaRPr lang="en-US" dirty="0">
+                      <a:endParaRPr lang="en-US">
                         <a:effectLst/>
                       </a:endParaRPr>
                     </a:p>
@@ -10613,12 +10614,12 @@
                         <a:buNone/>
                       </a:pPr>
                       <a:r>
-                        <a:rPr lang="en-US" sz="1800" dirty="0">
+                        <a:rPr lang="en-US" sz="1800">
                           <a:effectLst/>
                         </a:rPr>
                         <a:t>Accuracy</a:t>
                       </a:r>
-                      <a:endParaRPr lang="en-US" dirty="0">
+                      <a:endParaRPr lang="en-US">
                         <a:effectLst/>
                       </a:endParaRPr>
                     </a:p>
@@ -10667,12 +10668,12 @@
                         <a:buNone/>
                       </a:pPr>
                       <a:r>
-                        <a:rPr lang="en-US" sz="1800" dirty="0">
+                        <a:rPr lang="en-US" sz="1800">
                           <a:effectLst/>
                         </a:rPr>
                         <a:t>0.63</a:t>
                       </a:r>
-                      <a:endParaRPr lang="en-US" dirty="0">
+                      <a:endParaRPr lang="en-US">
                         <a:effectLst/>
                       </a:endParaRPr>
                     </a:p>
@@ -10691,12 +10692,12 @@
                         <a:buNone/>
                       </a:pPr>
                       <a:r>
-                        <a:rPr lang="en-US" sz="1800" dirty="0">
+                        <a:rPr lang="en-US" sz="1800">
                           <a:effectLst/>
                         </a:rPr>
                         <a:t>45295</a:t>
                       </a:r>
-                      <a:endParaRPr lang="en-US" dirty="0">
+                      <a:endParaRPr lang="en-US">
                         <a:effectLst/>
                       </a:endParaRPr>
                     </a:p>
@@ -10722,12 +10723,12 @@
                         <a:buNone/>
                       </a:pPr>
                       <a:r>
-                        <a:rPr lang="en-US" sz="1800" dirty="0">
+                        <a:rPr lang="en-US" sz="1800">
                           <a:effectLst/>
                         </a:rPr>
                         <a:t>Macro Avg</a:t>
                       </a:r>
-                      <a:endParaRPr lang="en-US" dirty="0">
+                      <a:endParaRPr lang="en-US">
                         <a:effectLst/>
                       </a:endParaRPr>
                     </a:p>
@@ -10746,12 +10747,12 @@
                         <a:buNone/>
                       </a:pPr>
                       <a:r>
-                        <a:rPr lang="en-US" sz="1800" dirty="0">
+                        <a:rPr lang="en-US" sz="1800">
                           <a:effectLst/>
                         </a:rPr>
                         <a:t>0.51</a:t>
                       </a:r>
-                      <a:endParaRPr lang="en-US" dirty="0">
+                      <a:endParaRPr lang="en-US">
                         <a:effectLst/>
                       </a:endParaRPr>
                     </a:p>
@@ -10770,12 +10771,12 @@
                         <a:buNone/>
                       </a:pPr>
                       <a:r>
-                        <a:rPr lang="en-US" sz="1800" dirty="0">
+                        <a:rPr lang="en-US" sz="1800">
                           <a:effectLst/>
                         </a:rPr>
                         <a:t>0.67</a:t>
                       </a:r>
-                      <a:endParaRPr lang="en-US" dirty="0">
+                      <a:endParaRPr lang="en-US">
                         <a:effectLst/>
                       </a:endParaRPr>
                     </a:p>
@@ -10794,7 +10795,7 @@
                         <a:buNone/>
                       </a:pPr>
                       <a:r>
-                        <a:rPr lang="en-US" sz="1800" dirty="0">
+                        <a:rPr lang="en-US" sz="1800">
                           <a:effectLst/>
                         </a:rPr>
                         <a:t>0.42</a:t>
@@ -10821,12 +10822,12 @@
                         <a:buNone/>
                       </a:pPr>
                       <a:r>
-                        <a:rPr lang="en-US" sz="1800" dirty="0">
+                        <a:rPr lang="en-US" sz="1800">
                           <a:effectLst/>
                         </a:rPr>
                         <a:t>45295</a:t>
                       </a:r>
-                      <a:endParaRPr lang="en-US" dirty="0">
+                      <a:endParaRPr lang="en-US">
                         <a:effectLst/>
                       </a:endParaRPr>
                     </a:p>
@@ -10852,12 +10853,12 @@
                         <a:buNone/>
                       </a:pPr>
                       <a:r>
-                        <a:rPr lang="en-US" sz="1800" dirty="0">
+                        <a:rPr lang="en-US" sz="1800">
                           <a:effectLst/>
                         </a:rPr>
                         <a:t>Weighted Avg</a:t>
                       </a:r>
-                      <a:endParaRPr lang="en-US" dirty="0">
+                      <a:endParaRPr lang="en-US">
                         <a:effectLst/>
                       </a:endParaRPr>
                     </a:p>
@@ -10876,12 +10877,12 @@
                         <a:buNone/>
                       </a:pPr>
                       <a:r>
-                        <a:rPr lang="en-US" sz="1800" dirty="0">
+                        <a:rPr lang="en-US" sz="1800">
                           <a:effectLst/>
                         </a:rPr>
                         <a:t>0.97</a:t>
                       </a:r>
-                      <a:endParaRPr lang="en-US" dirty="0">
+                      <a:endParaRPr lang="en-US">
                         <a:effectLst/>
                       </a:endParaRPr>
                     </a:p>
@@ -10900,12 +10901,12 @@
                         <a:buNone/>
                       </a:pPr>
                       <a:r>
-                        <a:rPr lang="en-US" sz="1800" dirty="0">
+                        <a:rPr lang="en-US" sz="1800">
                           <a:effectLst/>
                         </a:rPr>
                         <a:t>0.63</a:t>
                       </a:r>
-                      <a:endParaRPr lang="en-US" dirty="0">
+                      <a:endParaRPr lang="en-US">
                         <a:effectLst/>
                       </a:endParaRPr>
                     </a:p>
@@ -10924,12 +10925,12 @@
                         <a:buNone/>
                       </a:pPr>
                       <a:r>
-                        <a:rPr lang="en-US" sz="1800" dirty="0">
+                        <a:rPr lang="en-US" sz="1800">
                           <a:effectLst/>
                         </a:rPr>
                         <a:t>0.76</a:t>
                       </a:r>
-                      <a:endParaRPr lang="en-US" dirty="0">
+                      <a:endParaRPr lang="en-US">
                         <a:effectLst/>
                       </a:endParaRPr>
                     </a:p>
@@ -10948,12 +10949,12 @@
                         <a:buNone/>
                       </a:pPr>
                       <a:r>
-                        <a:rPr lang="en-US" sz="1800" dirty="0">
+                        <a:rPr lang="en-US" sz="1800">
                           <a:effectLst/>
                         </a:rPr>
                         <a:t>45295</a:t>
                       </a:r>
-                      <a:endParaRPr lang="en-US" dirty="0">
+                      <a:endParaRPr lang="en-US">
                         <a:effectLst/>
                       </a:endParaRPr>
                     </a:p>
@@ -10984,8 +10985,8 @@
         </p:nvSpPr>
         <p:spPr>
           <a:xfrm>
-            <a:off x="768403" y="3813202"/>
-            <a:ext cx="7030890" cy="2031325"/>
+            <a:off x="536231" y="3670327"/>
+            <a:ext cx="9876483" cy="2585323"/>
           </a:xfrm>
           <a:prstGeom prst="rect">
             <a:avLst/>
@@ -11001,38 +11002,63 @@
           </a:bodyPr>
           <a:lstStyle/>
           <a:p>
+            <a:pPr>
+              <a:buFont typeface="Arial"/>
+              <a:buChar char="•"/>
+            </a:pPr>
+            <a:r>
+              <a:rPr lang="en-US" dirty="0">
+                <a:ea typeface="+mn-lt"/>
+                <a:cs typeface="+mn-lt"/>
+              </a:rPr>
+              <a:t>Strong performance on majority class (1.0): Precision 0.99, Recall 0.63 → model is almost always correct when predicting “1.”</a:t>
+            </a:r>
+          </a:p>
+          <a:p>
+            <a:pPr>
+              <a:buFont typeface="Arial"/>
+              <a:buChar char="•"/>
+            </a:pPr>
+            <a:r>
+              <a:rPr lang="en-US" dirty="0">
+                <a:ea typeface="+mn-lt"/>
+                <a:cs typeface="+mn-lt"/>
+              </a:rPr>
+              <a:t>Weak performance on minority class (0.0): Precision 0.04 and F1-score 0.07 → most predicted “0” values are wrong.</a:t>
+            </a:r>
+          </a:p>
+          <a:p>
+            <a:pPr>
+              <a:buFont typeface="Arial"/>
+              <a:buChar char="•"/>
+            </a:pPr>
+            <a:r>
+              <a:rPr lang="en-US" dirty="0">
+                <a:ea typeface="+mn-lt"/>
+                <a:cs typeface="+mn-lt"/>
+              </a:rPr>
+              <a:t>Overall accuracy (0.63) is misleading because it is driven almost entirely by the majority class.</a:t>
+            </a:r>
+          </a:p>
+          <a:p>
+            <a:pPr>
+              <a:buFont typeface="Arial"/>
+              <a:buChar char="•"/>
+            </a:pPr>
+            <a:r>
+              <a:rPr lang="en-US" dirty="0">
+                <a:ea typeface="+mn-lt"/>
+                <a:cs typeface="+mn-lt"/>
+              </a:rPr>
+              <a:t>Logistic regression struggles to learn the minority class due to the extreme imbalance in the data.</a:t>
+            </a:r>
+          </a:p>
+          <a:p>
             <a:pPr marL="228600" indent="-228600">
               <a:buFont typeface=""/>
               <a:buChar char="•"/>
             </a:pPr>
-            <a:r>
-              <a:rPr lang="en-US"/>
-              <a:t>Severe class imbalance causes Logistic Regression to fail on the minority class.</a:t>
-            </a:r>
-          </a:p>
-          <a:p>
-            <a:pPr marL="228600" indent="-228600">
-              <a:buFont typeface=""/>
-              <a:buChar char="•"/>
-            </a:pPr>
-            <a:r>
-              <a:rPr lang="en-US"/>
-              <a:t>High accuracy (0.63) is misleading; minority-class precision is extremely low (0.04).</a:t>
-            </a:r>
-          </a:p>
-          <a:p>
-            <a:pPr marL="228600" indent="-228600">
-              <a:buFont typeface=""/>
-              <a:buChar char="•"/>
-            </a:pPr>
-            <a:r>
-              <a:rPr lang="en-US"/>
-              <a:t>Logistic Regression isn’t sufficient even with class weights → moving to Random Forest.</a:t>
-            </a:r>
-          </a:p>
-          <a:p>
-            <a:pPr algn="ctr"/>
-            <a:endParaRPr lang="en-US"/>
+            <a:endParaRPr lang="en-US" dirty="0"/>
           </a:p>
         </p:txBody>
       </p:sp>
@@ -11094,12 +11120,12 @@
           <a:lstStyle/>
           <a:p>
             <a:br>
-              <a:rPr lang="en-US" altLang="zh-TW" b="1" dirty="0">
+              <a:rPr lang="en-US" altLang="zh-TW" b="1">
                 <a:latin typeface="Times New Roman" panose="02020603050405020304" pitchFamily="18" charset="0"/>
                 <a:cs typeface="Times New Roman" panose="02020603050405020304" pitchFamily="18" charset="0"/>
               </a:rPr>
             </a:br>
-            <a:endParaRPr kumimoji="1" lang="zh-TW" altLang="en-US" b="1" dirty="0">
+            <a:endParaRPr kumimoji="1" lang="zh-TW" altLang="en-US" b="1">
               <a:latin typeface="Times New Roman" panose="02020603050405020304" pitchFamily="18" charset="0"/>
               <a:cs typeface="Times New Roman" panose="02020603050405020304" pitchFamily="18" charset="0"/>
             </a:endParaRPr>
@@ -11137,7 +11163,7 @@
           </a:bodyPr>
           <a:lstStyle/>
           <a:p>
-            <a:endParaRPr lang="en-US" sz="2800" dirty="0">
+            <a:endParaRPr lang="en-US" sz="2800">
               <a:solidFill>
                 <a:srgbClr val="404040"/>
               </a:solidFill>
@@ -11180,7 +11206,7 @@
           <a:lstStyle/>
           <a:p>
             <a:r>
-              <a:rPr lang="en-US" sz="2800" b="1" dirty="0">
+              <a:rPr lang="en-US" sz="2800" b="1">
                 <a:solidFill>
                   <a:schemeClr val="accent2"/>
                 </a:solidFill>
@@ -11188,7 +11214,7 @@
               </a:rPr>
               <a:t>Running Random Forest Model</a:t>
             </a:r>
-            <a:endParaRPr lang="en-US" sz="2800" b="1" dirty="0">
+            <a:endParaRPr lang="en-US" sz="2800" b="1">
               <a:solidFill>
                 <a:schemeClr val="accent2"/>
               </a:solidFill>
@@ -11213,7 +11239,7 @@
         <p:spPr>
           <a:xfrm>
             <a:off x="768403" y="3813202"/>
-            <a:ext cx="7030890" cy="1477328"/>
+            <a:ext cx="9287124" cy="1754326"/>
           </a:xfrm>
           <a:prstGeom prst="rect">
             <a:avLst/>
@@ -11238,9 +11264,8 @@
                 <a:ea typeface="+mn-lt"/>
                 <a:cs typeface="+mn-lt"/>
               </a:rPr>
-              <a:t>Random Forest improves majority-class recall (63% → 72%) and achieves a strong F1 of 0.83.</a:t>
-            </a:r>
-            <a:endParaRPr lang="en-US" dirty="0"/>
+              <a:t>Random Forest improves over logistic regression, especially for the majority class, with precision at 0.99 and higher recall (0.72).</a:t>
+            </a:r>
           </a:p>
           <a:p>
             <a:pPr>
@@ -11252,12 +11277,25 @@
                 <a:ea typeface="+mn-lt"/>
                 <a:cs typeface="+mn-lt"/>
               </a:rPr>
-              <a:t>Still struggles with the minority “No” class because of the severe imbalance.</a:t>
-            </a:r>
-          </a:p>
-          <a:p>
-            <a:pPr marL="228600" indent="-228600">
-              <a:buFont typeface=""/>
+              <a:t>Minority class (0.0) performance remains weak: recall drops to 0.58 and precision stays low (0.04) due to very small support.</a:t>
+            </a:r>
+          </a:p>
+          <a:p>
+            <a:pPr>
+              <a:buFont typeface="Arial"/>
+              <a:buChar char="•"/>
+            </a:pPr>
+            <a:r>
+              <a:rPr lang="en-US" dirty="0">
+                <a:ea typeface="+mn-lt"/>
+                <a:cs typeface="+mn-lt"/>
+              </a:rPr>
+              <a:t>Overall accuracy increases to 0.72, showing better learning of nonlinear patterns.</a:t>
+            </a:r>
+          </a:p>
+          <a:p>
+            <a:pPr>
+              <a:buFont typeface="Arial"/>
               <a:buChar char="•"/>
             </a:pPr>
             <a:endParaRPr lang="en-US" dirty="0">
@@ -11452,7 +11490,7 @@
                         <a:buNone/>
                       </a:pPr>
                       <a:r>
-                        <a:rPr lang="en-US" sz="1800" dirty="0">
+                        <a:rPr lang="en-US" sz="1800">
                           <a:solidFill>
                             <a:srgbClr val="FFFFFF"/>
                           </a:solidFill>
@@ -12155,12 +12193,12 @@
           <a:lstStyle/>
           <a:p>
             <a:br>
-              <a:rPr lang="en-US" altLang="zh-TW" b="1" dirty="0">
+              <a:rPr lang="en-US" altLang="zh-TW" b="1">
                 <a:latin typeface="Times New Roman" panose="02020603050405020304" pitchFamily="18" charset="0"/>
                 <a:cs typeface="Times New Roman" panose="02020603050405020304" pitchFamily="18" charset="0"/>
               </a:rPr>
             </a:br>
-            <a:endParaRPr kumimoji="1" lang="zh-TW" altLang="en-US" b="1" dirty="0">
+            <a:endParaRPr kumimoji="1" lang="zh-TW" altLang="en-US" b="1">
               <a:latin typeface="Times New Roman" panose="02020603050405020304" pitchFamily="18" charset="0"/>
               <a:cs typeface="Times New Roman" panose="02020603050405020304" pitchFamily="18" charset="0"/>
             </a:endParaRPr>
@@ -12198,7 +12236,7 @@
           </a:bodyPr>
           <a:lstStyle/>
           <a:p>
-            <a:endParaRPr lang="en-US" sz="2800" dirty="0">
+            <a:endParaRPr lang="en-US" sz="2800">
               <a:solidFill>
                 <a:srgbClr val="404040"/>
               </a:solidFill>
@@ -12223,8 +12261,8 @@
         </p:nvSpPr>
         <p:spPr>
           <a:xfrm>
-            <a:off x="678756" y="429472"/>
-            <a:ext cx="6264151" cy="523220"/>
+            <a:off x="678756" y="834285"/>
+            <a:ext cx="6264151" cy="646331"/>
           </a:xfrm>
           <a:prstGeom prst="rect">
             <a:avLst/>
@@ -12241,7 +12279,7 @@
           <a:lstStyle/>
           <a:p>
             <a:r>
-              <a:rPr lang="en-US" sz="2800" b="1" dirty="0">
+              <a:rPr lang="en-US" sz="3600" b="1" dirty="0">
                 <a:solidFill>
                   <a:schemeClr val="accent2"/>
                 </a:solidFill>
@@ -12249,7 +12287,7 @@
               </a:rPr>
               <a:t>Conclusion for Q2</a:t>
             </a:r>
-            <a:endParaRPr lang="en-US" sz="2800" b="1" dirty="0">
+            <a:endParaRPr lang="en-US" sz="3600" b="1">
               <a:solidFill>
                 <a:schemeClr val="accent2"/>
               </a:solidFill>
@@ -12273,8 +12311,8 @@
         </p:nvSpPr>
         <p:spPr>
           <a:xfrm>
-            <a:off x="798169" y="1128342"/>
-            <a:ext cx="8876359" cy="4247317"/>
+            <a:off x="673153" y="1741514"/>
+            <a:ext cx="9299030" cy="3780971"/>
           </a:xfrm>
           <a:prstGeom prst="rect">
             <a:avLst/>
@@ -12291,96 +12329,59 @@
           <a:lstStyle/>
           <a:p>
             <a:pPr>
+              <a:lnSpc>
+                <a:spcPct val="150000"/>
+              </a:lnSpc>
               <a:buFont typeface="Arial"/>
               <a:buChar char="•"/>
             </a:pPr>
             <a:r>
-              <a:rPr lang="en-US" dirty="0">
+              <a:rPr lang="en-US" sz="2400" dirty="0">
                 <a:ea typeface="+mn-lt"/>
                 <a:cs typeface="+mn-lt"/>
               </a:rPr>
-              <a:t>  Across both Logistic Regression and Random Forest, the predictive performance for mental health diagnosis was limited due to the </a:t>
-            </a:r>
-            <a:r>
-              <a:rPr lang="en-US" b="1" dirty="0">
-                <a:ea typeface="+mn-lt"/>
-                <a:cs typeface="+mn-lt"/>
-              </a:rPr>
-              <a:t>extreme class imbalance</a:t>
-            </a:r>
-            <a:r>
-              <a:rPr lang="en-US" dirty="0">
-                <a:ea typeface="+mn-lt"/>
-                <a:cs typeface="+mn-lt"/>
-              </a:rPr>
-              <a:t> in the dataset (≈98% “Yes” vs. 2% “No”). Logistic Regression struggled to identify the minority class even with class weighting, producing very low precision and unstable recall. Random Forest improved performance for the majority class and captured more nonlinear relationships, but it </a:t>
-            </a:r>
-            <a:r>
-              <a:rPr lang="en-US" b="1" dirty="0">
-                <a:ea typeface="+mn-lt"/>
-                <a:cs typeface="+mn-lt"/>
-              </a:rPr>
-              <a:t>still failed to reliably detect the few “No” cases</a:t>
-            </a:r>
-            <a:r>
-              <a:rPr lang="en-US" dirty="0">
-                <a:ea typeface="+mn-lt"/>
-                <a:cs typeface="+mn-lt"/>
-              </a:rPr>
-              <a:t>.</a:t>
-            </a:r>
+              <a:t>Socioeconomic factors do provide meaningful predictive signal for mental health diagnosis.</a:t>
+            </a:r>
+            <a:endParaRPr lang="en-US"/>
           </a:p>
           <a:p>
             <a:pPr>
+              <a:lnSpc>
+                <a:spcPct val="150000"/>
+              </a:lnSpc>
               <a:buFont typeface="Arial"/>
               <a:buChar char="•"/>
             </a:pPr>
-            <a:endParaRPr lang="en-US" dirty="0">
-              <a:ea typeface="+mn-lt"/>
-              <a:cs typeface="+mn-lt"/>
-            </a:endParaRPr>
+            <a:r>
+              <a:rPr lang="en-US" sz="2400" dirty="0">
+                <a:ea typeface="+mn-lt"/>
+                <a:cs typeface="+mn-lt"/>
+              </a:rPr>
+              <a:t>Severe class imbalance limited both models’ ability to identify the minority group accurately.</a:t>
+            </a:r>
           </a:p>
           <a:p>
             <a:pPr>
+              <a:lnSpc>
+                <a:spcPct val="150000"/>
+              </a:lnSpc>
               <a:buFont typeface="Arial"/>
               <a:buChar char="•"/>
             </a:pPr>
             <a:r>
-              <a:rPr lang="en-US" dirty="0">
+              <a:rPr lang="en-US" sz="2400" dirty="0">
                 <a:ea typeface="+mn-lt"/>
                 <a:cs typeface="+mn-lt"/>
               </a:rPr>
-              <a:t>  Overall, the modeling results indicate that the current set of socioeconomic predictors has </a:t>
-            </a:r>
-            <a:r>
-              <a:rPr lang="en-US" b="1" dirty="0">
-                <a:ea typeface="+mn-lt"/>
-                <a:cs typeface="+mn-lt"/>
-              </a:rPr>
-              <a:t>weak standalone predictive power</a:t>
-            </a:r>
-            <a:r>
-              <a:rPr lang="en-US" dirty="0">
-                <a:ea typeface="+mn-lt"/>
-                <a:cs typeface="+mn-lt"/>
-              </a:rPr>
-              <a:t> for distinguishing mental health diagnosis outcomes. More balanced data or the inclusion of additional behavioral, clinical, or contextual features would likely be necessary to build a model capable of meaningful minority-class prediction.</a:t>
-            </a:r>
-            <a:endParaRPr lang="en-US" dirty="0"/>
+              <a:t>The factors help predict outcomes but are not strong enough alone to fully separate or explain mental health differences.</a:t>
+            </a:r>
           </a:p>
           <a:p>
             <a:pPr>
+              <a:lnSpc>
+                <a:spcPct val="150000"/>
+              </a:lnSpc>
               <a:buFont typeface="Arial"/>
-              <a:buChar char="•"/>
-            </a:pPr>
-            <a:endParaRPr lang="en-US" dirty="0">
-              <a:ea typeface="+mn-lt"/>
-              <a:cs typeface="+mn-lt"/>
-            </a:endParaRPr>
-          </a:p>
-          <a:p>
-            <a:pPr marL="228600" indent="-228600">
-              <a:buFont typeface=""/>
               <a:buChar char="•"/>
             </a:pPr>
             <a:endParaRPr lang="en-US" dirty="0">
@@ -12448,19 +12449,19 @@
           <a:lstStyle/>
           <a:p>
             <a:r>
-              <a:rPr kumimoji="1" lang="en-US" altLang="zh-TW" b="1" dirty="0">
+              <a:rPr kumimoji="1" lang="en-US" altLang="zh-TW" b="1">
                 <a:latin typeface="Times New Roman" panose="02020603050405020304" pitchFamily="18" charset="0"/>
                 <a:cs typeface="Times New Roman" panose="02020603050405020304" pitchFamily="18" charset="0"/>
               </a:rPr>
               <a:t>Smart Question 3</a:t>
             </a:r>
             <a:br>
-              <a:rPr kumimoji="1" lang="en-US" altLang="zh-TW" b="1" dirty="0">
+              <a:rPr kumimoji="1" lang="en-US" altLang="zh-TW" b="1">
                 <a:latin typeface="Times New Roman" panose="02020603050405020304" pitchFamily="18" charset="0"/>
                 <a:cs typeface="Times New Roman" panose="02020603050405020304" pitchFamily="18" charset="0"/>
               </a:rPr>
             </a:br>
-            <a:endParaRPr kumimoji="1" lang="zh-TW" altLang="en-US" b="1" dirty="0">
+            <a:endParaRPr kumimoji="1" lang="zh-TW" altLang="en-US" b="1">
               <a:latin typeface="Times New Roman" panose="02020603050405020304" pitchFamily="18" charset="0"/>
               <a:cs typeface="Times New Roman" panose="02020603050405020304" pitchFamily="18" charset="0"/>
             </a:endParaRPr>
@@ -12499,7 +12500,7 @@
               <a:buNone/>
             </a:pPr>
             <a:r>
-              <a:rPr lang="en" altLang="zh-TW" sz="2800" dirty="0">
+              <a:rPr lang="en" altLang="zh-TW" sz="2800">
                 <a:latin typeface="Times New Roman" panose="02020603050405020304" pitchFamily="18" charset="0"/>
                 <a:cs typeface="Times New Roman" panose="02020603050405020304" pitchFamily="18" charset="0"/>
               </a:rPr>
@@ -12510,7 +12511,7 @@
             <a:pPr marL="0" indent="0">
               <a:buNone/>
             </a:pPr>
-            <a:endParaRPr kumimoji="1" lang="en-US" altLang="zh-TW" sz="2800" dirty="0">
+            <a:endParaRPr kumimoji="1" lang="en-US" altLang="zh-TW" sz="2800">
               <a:latin typeface="Times New Roman" panose="02020603050405020304" pitchFamily="18" charset="0"/>
               <a:cs typeface="Times New Roman" panose="02020603050405020304" pitchFamily="18" charset="0"/>
             </a:endParaRPr>
@@ -12575,13 +12576,13 @@
           <a:lstStyle/>
           <a:p>
             <a:r>
-              <a:rPr kumimoji="1" lang="en-US" altLang="zh-TW" b="1" dirty="0">
+              <a:rPr kumimoji="1" lang="en-US" altLang="zh-TW" b="1">
                 <a:latin typeface="Times New Roman" panose="02020603050405020304" pitchFamily="18" charset="0"/>
                 <a:cs typeface="Times New Roman" panose="02020603050405020304" pitchFamily="18" charset="0"/>
               </a:rPr>
               <a:t>Variables Description</a:t>
             </a:r>
-            <a:endParaRPr kumimoji="1" lang="zh-TW" altLang="en-US" b="1" dirty="0">
+            <a:endParaRPr kumimoji="1" lang="zh-TW" altLang="en-US" b="1">
               <a:latin typeface="Times New Roman" panose="02020603050405020304" pitchFamily="18" charset="0"/>
               <a:cs typeface="Times New Roman" panose="02020603050405020304" pitchFamily="18" charset="0"/>
             </a:endParaRPr>
@@ -12620,7 +12621,7 @@
               <a:buNone/>
             </a:pPr>
             <a:r>
-              <a:rPr kumimoji="1" lang="en-US" altLang="zh-TW" dirty="0">
+              <a:rPr kumimoji="1" lang="en-US" altLang="zh-TW">
                 <a:latin typeface="Times New Roman" panose="02020603050405020304" pitchFamily="18" charset="0"/>
                 <a:cs typeface="Times New Roman" panose="02020603050405020304" pitchFamily="18" charset="0"/>
               </a:rPr>
@@ -12919,7 +12920,7 @@
               <a:buNone/>
             </a:pPr>
             <a:r>
-              <a:rPr kumimoji="1" lang="en-US" altLang="zh-TW" dirty="0">
+              <a:rPr kumimoji="1" lang="en-US" altLang="zh-TW">
                 <a:latin typeface="Times New Roman" panose="02020603050405020304" pitchFamily="18" charset="0"/>
                 <a:cs typeface="Times New Roman" panose="02020603050405020304" pitchFamily="18" charset="0"/>
               </a:rPr>
@@ -13046,13 +13047,13 @@
           <a:lstStyle/>
           <a:p>
             <a:r>
-              <a:rPr kumimoji="1" lang="en-US" altLang="zh-TW" b="1" dirty="0">
+              <a:rPr kumimoji="1" lang="en-US" altLang="zh-TW" b="1">
                 <a:latin typeface="Times New Roman" panose="02020603050405020304" pitchFamily="18" charset="0"/>
                 <a:cs typeface="Times New Roman" panose="02020603050405020304" pitchFamily="18" charset="0"/>
               </a:rPr>
               <a:t>Correlation Test</a:t>
             </a:r>
-            <a:endParaRPr kumimoji="1" lang="zh-TW" altLang="en-US" b="1" dirty="0">
+            <a:endParaRPr kumimoji="1" lang="zh-TW" altLang="en-US" b="1">
               <a:latin typeface="Times New Roman" panose="02020603050405020304" pitchFamily="18" charset="0"/>
               <a:cs typeface="Times New Roman" panose="02020603050405020304" pitchFamily="18" charset="0"/>
             </a:endParaRPr>
@@ -13120,7 +13121,7 @@
           <a:lstStyle/>
           <a:p>
             <a:r>
-              <a:rPr kumimoji="1" lang="en-US" altLang="zh-TW" sz="1400" dirty="0">
+              <a:rPr kumimoji="1" lang="en-US" altLang="zh-TW" sz="1400">
                 <a:latin typeface="Times New Roman" panose="02020603050405020304" pitchFamily="18" charset="0"/>
                 <a:cs typeface="Times New Roman" panose="02020603050405020304" pitchFamily="18" charset="0"/>
               </a:rPr>
@@ -13128,14 +13129,14 @@
             </a:r>
           </a:p>
           <a:p>
-            <a:endParaRPr kumimoji="1" lang="en-US" altLang="zh-TW" sz="1400" dirty="0">
+            <a:endParaRPr kumimoji="1" lang="en-US" altLang="zh-TW" sz="1400">
               <a:latin typeface="Times New Roman" panose="02020603050405020304" pitchFamily="18" charset="0"/>
               <a:cs typeface="Times New Roman" panose="02020603050405020304" pitchFamily="18" charset="0"/>
             </a:endParaRPr>
           </a:p>
           <a:p>
             <a:r>
-              <a:rPr kumimoji="1" lang="en-US" altLang="zh-TW" sz="1400" dirty="0">
+              <a:rPr kumimoji="1" lang="en-US" altLang="zh-TW" sz="1400">
                 <a:latin typeface="Times New Roman" panose="02020603050405020304" pitchFamily="18" charset="0"/>
                 <a:cs typeface="Times New Roman" panose="02020603050405020304" pitchFamily="18" charset="0"/>
               </a:rPr>
@@ -13143,20 +13144,20 @@
             </a:r>
           </a:p>
           <a:p>
-            <a:endParaRPr kumimoji="1" lang="en-US" altLang="zh-TW" sz="1400" dirty="0">
+            <a:endParaRPr kumimoji="1" lang="en-US" altLang="zh-TW" sz="1400">
               <a:latin typeface="Times New Roman" panose="02020603050405020304" pitchFamily="18" charset="0"/>
               <a:cs typeface="Times New Roman" panose="02020603050405020304" pitchFamily="18" charset="0"/>
             </a:endParaRPr>
           </a:p>
           <a:p>
             <a:r>
-              <a:rPr kumimoji="1" lang="en-US" altLang="zh-TW" sz="1400" dirty="0">
+              <a:rPr kumimoji="1" lang="en-US" altLang="zh-TW" sz="1400">
                 <a:latin typeface="Times New Roman" panose="02020603050405020304" pitchFamily="18" charset="0"/>
                 <a:cs typeface="Times New Roman" panose="02020603050405020304" pitchFamily="18" charset="0"/>
               </a:rPr>
               <a:t>Medicare Insurance with SSDI Cash Assistance: 0.52</a:t>
             </a:r>
-            <a:endParaRPr kumimoji="1" lang="zh-TW" altLang="en-US" sz="1400" dirty="0">
+            <a:endParaRPr kumimoji="1" lang="zh-TW" altLang="en-US" sz="1400">
               <a:latin typeface="Times New Roman" panose="02020603050405020304" pitchFamily="18" charset="0"/>
               <a:cs typeface="Times New Roman" panose="02020603050405020304" pitchFamily="18" charset="0"/>
             </a:endParaRPr>
@@ -13221,13 +13222,13 @@
           <a:lstStyle/>
           <a:p>
             <a:r>
-              <a:rPr kumimoji="1" lang="en-US" altLang="zh-TW" b="1" dirty="0">
+              <a:rPr kumimoji="1" lang="en-US" altLang="zh-TW" b="1">
                 <a:latin typeface="Times New Roman" panose="02020603050405020304" pitchFamily="18" charset="0"/>
                 <a:cs typeface="Times New Roman" panose="02020603050405020304" pitchFamily="18" charset="0"/>
               </a:rPr>
               <a:t>Logistic Regression</a:t>
             </a:r>
-            <a:endParaRPr kumimoji="1" lang="zh-TW" altLang="en-US" b="1" dirty="0">
+            <a:endParaRPr kumimoji="1" lang="zh-TW" altLang="en-US" b="1">
               <a:latin typeface="Times New Roman" panose="02020603050405020304" pitchFamily="18" charset="0"/>
               <a:cs typeface="Times New Roman" panose="02020603050405020304" pitchFamily="18" charset="0"/>
             </a:endParaRPr>
@@ -13368,27 +13369,27 @@
               </a:spcAft>
             </a:pPr>
             <a:r>
-              <a:rPr lang="en" altLang="zh-TW" b="1" dirty="0">
+              <a:rPr lang="en" altLang="zh-TW" b="1">
                 <a:latin typeface="Times New Roman" panose="02020603050405020304" pitchFamily="18" charset="0"/>
                 <a:cs typeface="Times New Roman" panose="02020603050405020304" pitchFamily="18" charset="0"/>
               </a:rPr>
               <a:t>Weighted F1-score (0.58</a:t>
             </a:r>
             <a:r>
-              <a:rPr lang="en-US" altLang="zh-TW" dirty="0">
+              <a:rPr lang="en-US" altLang="zh-TW">
                 <a:latin typeface="Times New Roman" panose="02020603050405020304" pitchFamily="18" charset="0"/>
                 <a:cs typeface="Times New Roman" panose="02020603050405020304" pitchFamily="18" charset="0"/>
               </a:rPr>
               <a:t>)</a:t>
             </a:r>
             <a:r>
-              <a:rPr lang="en" altLang="zh-TW" dirty="0">
+              <a:rPr lang="en" altLang="zh-TW">
                 <a:latin typeface="Times New Roman" panose="02020603050405020304" pitchFamily="18" charset="0"/>
                 <a:cs typeface="Times New Roman" panose="02020603050405020304" pitchFamily="18" charset="0"/>
               </a:rPr>
               <a:t> Overall performance remains limited under imbalance.</a:t>
             </a:r>
-            <a:endParaRPr lang="en-US" altLang="zh-TW" dirty="0">
+            <a:endParaRPr lang="en-US" altLang="zh-TW">
               <a:latin typeface="Times New Roman" panose="02020603050405020304" pitchFamily="18" charset="0"/>
               <a:cs typeface="Times New Roman" panose="02020603050405020304" pitchFamily="18" charset="0"/>
             </a:endParaRPr>
@@ -13403,21 +13404,21 @@
               </a:spcAft>
             </a:pPr>
             <a:r>
-              <a:rPr lang="en-US" altLang="zh-TW" b="1" dirty="0">
+              <a:rPr lang="en-US" altLang="zh-TW" b="1">
                 <a:latin typeface="Times New Roman" panose="02020603050405020304" pitchFamily="18" charset="0"/>
                 <a:cs typeface="Times New Roman" panose="02020603050405020304" pitchFamily="18" charset="0"/>
               </a:rPr>
               <a:t>I</a:t>
             </a:r>
             <a:r>
-              <a:rPr lang="zh-TW" altLang="zh-TW" b="1" dirty="0">
+              <a:rPr lang="zh-TW" altLang="zh-TW" b="1">
                 <a:latin typeface="Times New Roman" panose="02020603050405020304" pitchFamily="18" charset="0"/>
                 <a:cs typeface="Times New Roman" panose="02020603050405020304" pitchFamily="18" charset="0"/>
               </a:rPr>
               <a:t>nstitutional Setting:</a:t>
             </a:r>
             <a:r>
-              <a:rPr lang="zh-TW" altLang="zh-TW" dirty="0">
+              <a:rPr lang="zh-TW" altLang="zh-TW">
                 <a:latin typeface="Times New Roman" panose="02020603050405020304" pitchFamily="18" charset="0"/>
                 <a:cs typeface="Times New Roman" panose="02020603050405020304" pitchFamily="18" charset="0"/>
               </a:rPr>
@@ -13434,14 +13435,14 @@
               </a:spcAft>
             </a:pPr>
             <a:r>
-              <a:rPr lang="zh-TW" altLang="zh-TW" b="1" dirty="0">
+              <a:rPr lang="zh-TW" altLang="zh-TW" b="1">
                 <a:latin typeface="Times New Roman" panose="02020603050405020304" pitchFamily="18" charset="0"/>
                 <a:cs typeface="Times New Roman" panose="02020603050405020304" pitchFamily="18" charset="0"/>
               </a:rPr>
               <a:t>Other Living Situation:</a:t>
             </a:r>
             <a:r>
-              <a:rPr lang="zh-TW" altLang="zh-TW" dirty="0">
+              <a:rPr lang="zh-TW" altLang="zh-TW">
                 <a:latin typeface="Times New Roman" panose="02020603050405020304" pitchFamily="18" charset="0"/>
                 <a:cs typeface="Times New Roman" panose="02020603050405020304" pitchFamily="18" charset="0"/>
               </a:rPr>
@@ -13458,14 +13459,14 @@
               </a:spcAft>
             </a:pPr>
             <a:r>
-              <a:rPr lang="zh-TW" altLang="zh-TW" b="1" dirty="0">
+              <a:rPr lang="zh-TW" altLang="zh-TW" b="1">
                 <a:latin typeface="Times New Roman" panose="02020603050405020304" pitchFamily="18" charset="0"/>
                 <a:cs typeface="Times New Roman" panose="02020603050405020304" pitchFamily="18" charset="0"/>
               </a:rPr>
               <a:t>Private Residence:</a:t>
             </a:r>
             <a:r>
-              <a:rPr lang="zh-TW" altLang="zh-TW" dirty="0">
+              <a:rPr lang="zh-TW" altLang="zh-TW">
                 <a:latin typeface="Times New Roman" panose="02020603050405020304" pitchFamily="18" charset="0"/>
                 <a:cs typeface="Times New Roman" panose="02020603050405020304" pitchFamily="18" charset="0"/>
               </a:rPr>
@@ -13532,13 +13533,13 @@
           <a:lstStyle/>
           <a:p>
             <a:r>
-              <a:rPr kumimoji="1" lang="en-US" altLang="zh-TW" b="1" dirty="0">
+              <a:rPr kumimoji="1" lang="en-US" altLang="zh-TW" b="1">
                 <a:latin typeface="Times New Roman" panose="02020603050405020304" pitchFamily="18" charset="0"/>
                 <a:cs typeface="Times New Roman" panose="02020603050405020304" pitchFamily="18" charset="0"/>
               </a:rPr>
               <a:t>Random Forest</a:t>
             </a:r>
-            <a:endParaRPr kumimoji="1" lang="zh-TW" altLang="en-US" b="1" dirty="0">
+            <a:endParaRPr kumimoji="1" lang="zh-TW" altLang="en-US" b="1">
               <a:latin typeface="Times New Roman" panose="02020603050405020304" pitchFamily="18" charset="0"/>
               <a:cs typeface="Times New Roman" panose="02020603050405020304" pitchFamily="18" charset="0"/>
             </a:endParaRPr>
@@ -13671,14 +13672,14 @@
           <a:lstStyle/>
           <a:p>
             <a:r>
-              <a:rPr lang="en" altLang="zh-TW" b="1" dirty="0">
+              <a:rPr lang="en" altLang="zh-TW" b="1">
                 <a:latin typeface="Times New Roman" panose="02020603050405020304" pitchFamily="18" charset="0"/>
                 <a:cs typeface="Times New Roman" panose="02020603050405020304" pitchFamily="18" charset="0"/>
               </a:rPr>
               <a:t>Weighted F1-score (0.62) </a:t>
             </a:r>
             <a:r>
-              <a:rPr lang="en" altLang="zh-TW" dirty="0">
+              <a:rPr lang="en" altLang="zh-TW">
                 <a:latin typeface="Times New Roman" panose="02020603050405020304" pitchFamily="18" charset="0"/>
                 <a:cs typeface="Times New Roman" panose="02020603050405020304" pitchFamily="18" charset="0"/>
               </a:rPr>
@@ -13695,21 +13696,21 @@
               </a:spcAft>
             </a:pPr>
             <a:r>
-              <a:rPr lang="en-US" altLang="zh-TW" b="1" dirty="0">
+              <a:rPr lang="en-US" altLang="zh-TW" b="1">
                 <a:latin typeface="Times New Roman" panose="02020603050405020304" pitchFamily="18" charset="0"/>
                 <a:cs typeface="Times New Roman" panose="02020603050405020304" pitchFamily="18" charset="0"/>
               </a:rPr>
               <a:t>I</a:t>
             </a:r>
             <a:r>
-              <a:rPr lang="zh-TW" altLang="zh-TW" b="1" dirty="0">
+              <a:rPr lang="zh-TW" altLang="zh-TW" b="1">
                 <a:latin typeface="Times New Roman" panose="02020603050405020304" pitchFamily="18" charset="0"/>
                 <a:cs typeface="Times New Roman" panose="02020603050405020304" pitchFamily="18" charset="0"/>
               </a:rPr>
               <a:t>nstitutional Setting:</a:t>
             </a:r>
             <a:r>
-              <a:rPr lang="zh-TW" altLang="zh-TW" dirty="0">
+              <a:rPr lang="zh-TW" altLang="zh-TW">
                 <a:latin typeface="Times New Roman" panose="02020603050405020304" pitchFamily="18" charset="0"/>
                 <a:cs typeface="Times New Roman" panose="02020603050405020304" pitchFamily="18" charset="0"/>
               </a:rPr>
@@ -13726,14 +13727,14 @@
               </a:spcAft>
             </a:pPr>
             <a:r>
-              <a:rPr lang="zh-TW" altLang="zh-TW" b="1" dirty="0">
+              <a:rPr lang="zh-TW" altLang="zh-TW" b="1">
                 <a:latin typeface="Times New Roman" panose="02020603050405020304" pitchFamily="18" charset="0"/>
                 <a:cs typeface="Times New Roman" panose="02020603050405020304" pitchFamily="18" charset="0"/>
               </a:rPr>
               <a:t>Other Living Situation:</a:t>
             </a:r>
             <a:r>
-              <a:rPr lang="zh-TW" altLang="zh-TW" dirty="0">
+              <a:rPr lang="zh-TW" altLang="zh-TW">
                 <a:latin typeface="Times New Roman" panose="02020603050405020304" pitchFamily="18" charset="0"/>
                 <a:cs typeface="Times New Roman" panose="02020603050405020304" pitchFamily="18" charset="0"/>
               </a:rPr>
@@ -13750,14 +13751,14 @@
               </a:spcAft>
             </a:pPr>
             <a:r>
-              <a:rPr lang="zh-TW" altLang="zh-TW" b="1" dirty="0">
+              <a:rPr lang="zh-TW" altLang="zh-TW" b="1">
                 <a:latin typeface="Times New Roman" panose="02020603050405020304" pitchFamily="18" charset="0"/>
                 <a:cs typeface="Times New Roman" panose="02020603050405020304" pitchFamily="18" charset="0"/>
               </a:rPr>
               <a:t>Private Residence:</a:t>
             </a:r>
             <a:r>
-              <a:rPr lang="zh-TW" altLang="zh-TW" dirty="0">
+              <a:rPr lang="zh-TW" altLang="zh-TW">
                 <a:latin typeface="Times New Roman" panose="02020603050405020304" pitchFamily="18" charset="0"/>
                 <a:cs typeface="Times New Roman" panose="02020603050405020304" pitchFamily="18" charset="0"/>
               </a:rPr>
@@ -13824,13 +13825,13 @@
           <a:lstStyle/>
           <a:p>
             <a:r>
-              <a:rPr kumimoji="1" lang="en-US" altLang="zh-TW" b="1" dirty="0">
+              <a:rPr kumimoji="1" lang="en-US" altLang="zh-TW" b="1">
                 <a:latin typeface="Times New Roman" panose="02020603050405020304" pitchFamily="18" charset="0"/>
                 <a:cs typeface="Times New Roman" panose="02020603050405020304" pitchFamily="18" charset="0"/>
               </a:rPr>
               <a:t>SMOTE + Random Forest</a:t>
             </a:r>
-            <a:endParaRPr kumimoji="1" lang="zh-TW" altLang="en-US" b="1" dirty="0">
+            <a:endParaRPr kumimoji="1" lang="zh-TW" altLang="en-US" b="1">
               <a:latin typeface="Times New Roman" panose="02020603050405020304" pitchFamily="18" charset="0"/>
               <a:cs typeface="Times New Roman" panose="02020603050405020304" pitchFamily="18" charset="0"/>
             </a:endParaRPr>
@@ -13926,14 +13927,14 @@
           <a:lstStyle/>
           <a:p>
             <a:r>
-              <a:rPr lang="en" altLang="zh-TW" b="1" dirty="0">
+              <a:rPr lang="en" altLang="zh-TW" b="1">
                 <a:latin typeface="Times New Roman" panose="02020603050405020304" pitchFamily="18" charset="0"/>
                 <a:cs typeface="Times New Roman" panose="02020603050405020304" pitchFamily="18" charset="0"/>
               </a:rPr>
               <a:t>Weighted F1-score(0.63) </a:t>
             </a:r>
             <a:r>
-              <a:rPr lang="en" altLang="zh-TW" dirty="0">
+              <a:rPr lang="en" altLang="zh-TW">
                 <a:latin typeface="Times New Roman" panose="02020603050405020304" pitchFamily="18" charset="0"/>
                 <a:cs typeface="Times New Roman" panose="02020603050405020304" pitchFamily="18" charset="0"/>
               </a:rPr>
@@ -13950,14 +13951,14 @@
               </a:spcAft>
             </a:pPr>
             <a:r>
-              <a:rPr lang="zh-TW" altLang="zh-TW" b="1" dirty="0">
+              <a:rPr lang="zh-TW" altLang="zh-TW" b="1">
                 <a:latin typeface="Times New Roman" panose="02020603050405020304" pitchFamily="18" charset="0"/>
                 <a:cs typeface="Times New Roman" panose="02020603050405020304" pitchFamily="18" charset="0"/>
               </a:rPr>
               <a:t>Institutional Setting:</a:t>
             </a:r>
             <a:r>
-              <a:rPr lang="zh-TW" altLang="zh-TW" dirty="0">
+              <a:rPr lang="zh-TW" altLang="zh-TW">
                 <a:latin typeface="Times New Roman" panose="02020603050405020304" pitchFamily="18" charset="0"/>
                 <a:cs typeface="Times New Roman" panose="02020603050405020304" pitchFamily="18" charset="0"/>
               </a:rPr>
@@ -13974,14 +13975,14 @@
               </a:spcAft>
             </a:pPr>
             <a:r>
-              <a:rPr lang="zh-TW" altLang="zh-TW" b="1" dirty="0">
+              <a:rPr lang="zh-TW" altLang="zh-TW" b="1">
                 <a:latin typeface="Times New Roman" panose="02020603050405020304" pitchFamily="18" charset="0"/>
                 <a:cs typeface="Times New Roman" panose="02020603050405020304" pitchFamily="18" charset="0"/>
               </a:rPr>
               <a:t>Other Living Situation:</a:t>
             </a:r>
             <a:r>
-              <a:rPr lang="zh-TW" altLang="zh-TW" dirty="0">
+              <a:rPr lang="zh-TW" altLang="zh-TW">
                 <a:latin typeface="Times New Roman" panose="02020603050405020304" pitchFamily="18" charset="0"/>
                 <a:cs typeface="Times New Roman" panose="02020603050405020304" pitchFamily="18" charset="0"/>
               </a:rPr>
@@ -13998,14 +13999,14 @@
               </a:spcAft>
             </a:pPr>
             <a:r>
-              <a:rPr lang="zh-TW" altLang="zh-TW" b="1" dirty="0">
+              <a:rPr lang="zh-TW" altLang="zh-TW" b="1">
                 <a:latin typeface="Times New Roman" panose="02020603050405020304" pitchFamily="18" charset="0"/>
                 <a:cs typeface="Times New Roman" panose="02020603050405020304" pitchFamily="18" charset="0"/>
               </a:rPr>
               <a:t>Private Residence:</a:t>
             </a:r>
             <a:r>
-              <a:rPr lang="zh-TW" altLang="zh-TW" dirty="0">
+              <a:rPr lang="zh-TW" altLang="zh-TW">
                 <a:latin typeface="Times New Roman" panose="02020603050405020304" pitchFamily="18" charset="0"/>
                 <a:cs typeface="Times New Roman" panose="02020603050405020304" pitchFamily="18" charset="0"/>
               </a:rPr>
@@ -14014,12 +14015,12 @@
           </a:p>
           <a:p>
             <a:br>
-              <a:rPr lang="en" altLang="zh-TW" dirty="0">
+              <a:rPr lang="en" altLang="zh-TW">
                 <a:latin typeface="Times New Roman" panose="02020603050405020304" pitchFamily="18" charset="0"/>
                 <a:cs typeface="Times New Roman" panose="02020603050405020304" pitchFamily="18" charset="0"/>
               </a:rPr>
             </a:br>
-            <a:endParaRPr lang="zh-TW" altLang="en-US" dirty="0">
+            <a:endParaRPr lang="zh-TW" altLang="en-US">
               <a:latin typeface="Times New Roman" panose="02020603050405020304" pitchFamily="18" charset="0"/>
               <a:cs typeface="Times New Roman" panose="02020603050405020304" pitchFamily="18" charset="0"/>
             </a:endParaRPr>
@@ -14086,23 +14087,23 @@
           <a:lstStyle/>
           <a:p>
             <a:r>
-              <a:rPr kumimoji="1" lang="en-US" altLang="zh-TW" b="1" dirty="0">
+              <a:rPr kumimoji="1" lang="en-US" altLang="zh-TW" b="1">
                 <a:latin typeface="Times New Roman" panose="02020603050405020304" pitchFamily="18" charset="0"/>
                 <a:cs typeface="Times New Roman" panose="02020603050405020304" pitchFamily="18" charset="0"/>
               </a:rPr>
               <a:t>SMOTE + Random Forest - </a:t>
             </a:r>
             <a:r>
-              <a:rPr kumimoji="1" lang="en" altLang="zh-TW" b="1" dirty="0">
+              <a:rPr kumimoji="1" lang="en" altLang="zh-TW" b="1">
                 <a:latin typeface="Times New Roman" panose="02020603050405020304" pitchFamily="18" charset="0"/>
                 <a:cs typeface="Times New Roman" panose="02020603050405020304" pitchFamily="18" charset="0"/>
               </a:rPr>
               <a:t>Feature Importance</a:t>
             </a:r>
             <a:br>
-              <a:rPr lang="en" altLang="zh-TW" dirty="0"/>
+              <a:rPr lang="en" altLang="zh-TW"/>
             </a:br>
-            <a:endParaRPr kumimoji="1" lang="zh-TW" altLang="en-US" b="1" dirty="0">
+            <a:endParaRPr kumimoji="1" lang="zh-TW" altLang="en-US" b="1">
               <a:latin typeface="Times New Roman" panose="02020603050405020304" pitchFamily="18" charset="0"/>
               <a:cs typeface="Times New Roman" panose="02020603050405020304" pitchFamily="18" charset="0"/>
             </a:endParaRPr>
@@ -14184,7 +14185,7 @@
               <a:tabLst/>
             </a:pPr>
             <a:r>
-              <a:rPr kumimoji="0" lang="zh-TW" altLang="zh-TW" sz="1800" b="1" i="0" u="none" strike="noStrike" cap="none" normalizeH="0" baseline="0" dirty="0">
+              <a:rPr kumimoji="0" lang="zh-TW" altLang="zh-TW" sz="1800" b="1" i="0" u="none" strike="noStrike" cap="none" normalizeH="0" baseline="0">
                 <a:ln>
                   <a:noFill/>
                 </a:ln>
@@ -14198,7 +14199,7 @@
               <a:t>Employment status</a:t>
             </a:r>
             <a:r>
-              <a:rPr kumimoji="0" lang="zh-TW" altLang="zh-TW" sz="1800" b="0" i="0" u="none" strike="noStrike" cap="none" normalizeH="0" baseline="0" dirty="0">
+              <a:rPr kumimoji="0" lang="zh-TW" altLang="zh-TW" sz="1800" b="0" i="0" u="none" strike="noStrike" cap="none" normalizeH="0" baseline="0">
                 <a:ln>
                   <a:noFill/>
                 </a:ln>
@@ -14230,7 +14231,7 @@
               <a:tabLst/>
             </a:pPr>
             <a:r>
-              <a:rPr kumimoji="0" lang="zh-TW" altLang="zh-TW" sz="1800" b="1" i="0" u="none" strike="noStrike" cap="none" normalizeH="0" baseline="0" dirty="0">
+              <a:rPr kumimoji="0" lang="zh-TW" altLang="zh-TW" sz="1800" b="1" i="0" u="none" strike="noStrike" cap="none" normalizeH="0" baseline="0">
                 <a:ln>
                   <a:noFill/>
                 </a:ln>
@@ -14244,7 +14245,7 @@
               <a:t>Insurance coverage</a:t>
             </a:r>
             <a:r>
-              <a:rPr kumimoji="0" lang="zh-TW" altLang="zh-TW" sz="1800" b="0" i="0" u="none" strike="noStrike" cap="none" normalizeH="0" baseline="0" dirty="0">
+              <a:rPr kumimoji="0" lang="zh-TW" altLang="zh-TW" sz="1800" b="0" i="0" u="none" strike="noStrike" cap="none" normalizeH="0" baseline="0">
                 <a:ln>
                   <a:noFill/>
                 </a:ln>
@@ -14258,7 +14259,7 @@
               <a:t> and </a:t>
             </a:r>
             <a:r>
-              <a:rPr kumimoji="0" lang="zh-TW" altLang="zh-TW" sz="1800" b="1" i="0" u="none" strike="noStrike" cap="none" normalizeH="0" baseline="0" dirty="0">
+              <a:rPr kumimoji="0" lang="zh-TW" altLang="zh-TW" sz="1800" b="1" i="0" u="none" strike="noStrike" cap="none" normalizeH="0" baseline="0">
                 <a:ln>
                   <a:noFill/>
                 </a:ln>
@@ -14272,7 +14273,7 @@
               <a:t>cash assistance</a:t>
             </a:r>
             <a:r>
-              <a:rPr kumimoji="0" lang="zh-TW" altLang="zh-TW" sz="1800" b="0" i="0" u="none" strike="noStrike" cap="none" normalizeH="0" baseline="0" dirty="0">
+              <a:rPr kumimoji="0" lang="zh-TW" altLang="zh-TW" sz="1800" b="0" i="0" u="none" strike="noStrike" cap="none" normalizeH="0" baseline="0">
                 <a:ln>
                   <a:noFill/>
                 </a:ln>
@@ -14304,7 +14305,7 @@
               <a:tabLst/>
             </a:pPr>
             <a:r>
-              <a:rPr kumimoji="0" lang="zh-TW" altLang="zh-TW" sz="1800" b="1" i="0" u="none" strike="noStrike" cap="none" normalizeH="0" baseline="0" dirty="0">
+              <a:rPr kumimoji="0" lang="zh-TW" altLang="zh-TW" sz="1800" b="1" i="0" u="none" strike="noStrike" cap="none" normalizeH="0" baseline="0">
                 <a:ln>
                   <a:noFill/>
                 </a:ln>
@@ -14318,7 +14319,7 @@
               <a:t>Age</a:t>
             </a:r>
             <a:r>
-              <a:rPr kumimoji="0" lang="zh-TW" altLang="en-US" sz="1800" b="1" i="0" u="none" strike="noStrike" cap="none" normalizeH="0" baseline="0" dirty="0">
+              <a:rPr kumimoji="0" lang="zh-TW" altLang="en-US" sz="1800" b="1" i="0" u="none" strike="noStrike" cap="none" normalizeH="0" baseline="0">
                 <a:ln>
                   <a:noFill/>
                 </a:ln>
@@ -14332,7 +14333,7 @@
               <a:t> </a:t>
             </a:r>
             <a:r>
-              <a:rPr kumimoji="0" lang="en-US" altLang="zh-TW" sz="1800" b="1" i="0" u="none" strike="noStrike" cap="none" normalizeH="0" baseline="0" dirty="0">
+              <a:rPr kumimoji="0" lang="en-US" altLang="zh-TW" sz="1800" b="1" i="0" u="none" strike="noStrike" cap="none" normalizeH="0" baseline="0">
                 <a:ln>
                   <a:noFill/>
                 </a:ln>
@@ -14346,7 +14347,7 @@
               <a:t>(Child)</a:t>
             </a:r>
             <a:r>
-              <a:rPr kumimoji="0" lang="zh-TW" altLang="zh-TW" sz="1800" b="1" i="0" u="none" strike="noStrike" cap="none" normalizeH="0" baseline="0" dirty="0">
+              <a:rPr kumimoji="0" lang="zh-TW" altLang="zh-TW" sz="1800" b="1" i="0" u="none" strike="noStrike" cap="none" normalizeH="0" baseline="0">
                 <a:ln>
                   <a:noFill/>
                 </a:ln>
@@ -14360,7 +14361,7 @@
               <a:t> and education</a:t>
             </a:r>
             <a:r>
-              <a:rPr kumimoji="0" lang="zh-TW" altLang="zh-TW" sz="1800" b="0" i="0" u="none" strike="noStrike" cap="none" normalizeH="0" baseline="0" dirty="0">
+              <a:rPr kumimoji="0" lang="zh-TW" altLang="zh-TW" sz="1800" b="0" i="0" u="none" strike="noStrike" cap="none" normalizeH="0" baseline="0">
                 <a:ln>
                   <a:noFill/>
                 </a:ln>
@@ -14434,13 +14435,13 @@
           <a:lstStyle/>
           <a:p>
             <a:r>
-              <a:rPr kumimoji="1" lang="en-US" altLang="zh-TW" b="1" dirty="0">
+              <a:rPr kumimoji="1" lang="en-US" altLang="zh-TW" b="1">
                 <a:latin typeface="Times New Roman" panose="02020603050405020304" pitchFamily="18" charset="0"/>
                 <a:cs typeface="Times New Roman" panose="02020603050405020304" pitchFamily="18" charset="0"/>
               </a:rPr>
               <a:t>Data cleaning</a:t>
             </a:r>
-            <a:endParaRPr kumimoji="1" lang="zh-TW" altLang="en-US" b="1" dirty="0">
+            <a:endParaRPr kumimoji="1" lang="zh-TW" altLang="en-US" b="1">
               <a:latin typeface="Times New Roman" panose="02020603050405020304" pitchFamily="18" charset="0"/>
               <a:cs typeface="Times New Roman" panose="02020603050405020304" pitchFamily="18" charset="0"/>
             </a:endParaRPr>
@@ -14476,7 +14477,7 @@
           <a:lstStyle/>
           <a:p>
             <a:r>
-              <a:rPr lang="en" altLang="zh-TW" sz="2400" dirty="0">
+              <a:rPr lang="en" altLang="zh-TW" sz="2400">
                 <a:latin typeface="Times New Roman"/>
                 <a:ea typeface="微軟正黑體"/>
                 <a:cs typeface="Times New Roman"/>
@@ -14486,14 +14487,14 @@
           </a:p>
           <a:p>
             <a:r>
-              <a:rPr lang="en" altLang="zh-TW" sz="2400" dirty="0">
+              <a:rPr lang="en" altLang="zh-TW" sz="2400">
                 <a:latin typeface="Times New Roman"/>
                 <a:ea typeface="微軟正黑體"/>
                 <a:cs typeface="Times New Roman"/>
               </a:rPr>
               <a:t>Convert “Unknown” to missing values in some cases</a:t>
             </a:r>
-            <a:endParaRPr lang="en" dirty="0">
+            <a:endParaRPr lang="en">
               <a:latin typeface="Times New Roman"/>
               <a:ea typeface="微軟正黑體"/>
               <a:cs typeface="Times New Roman"/>
@@ -14501,27 +14502,27 @@
           </a:p>
           <a:p>
             <a:r>
-              <a:rPr kumimoji="1" lang="en" altLang="zh-TW" sz="2400" dirty="0">
+              <a:rPr kumimoji="1" lang="en" altLang="zh-TW" sz="2400">
                 <a:latin typeface="Times New Roman" panose="02020603050405020304" pitchFamily="18" charset="0"/>
                 <a:cs typeface="Times New Roman" panose="02020603050405020304" pitchFamily="18" charset="0"/>
               </a:rPr>
               <a:t>Remove missing values</a:t>
             </a:r>
-            <a:endParaRPr kumimoji="1" lang="en-US" altLang="zh-TW" sz="2400" dirty="0">
+            <a:endParaRPr kumimoji="1" lang="en-US" altLang="zh-TW" sz="2400">
               <a:latin typeface="Times New Roman" panose="02020603050405020304" pitchFamily="18" charset="0"/>
               <a:cs typeface="Times New Roman" panose="02020603050405020304" pitchFamily="18" charset="0"/>
             </a:endParaRPr>
           </a:p>
           <a:p>
             <a:r>
-              <a:rPr lang="en" altLang="zh-TW" sz="2400" dirty="0">
+              <a:rPr lang="en" altLang="zh-TW" sz="2400">
                 <a:latin typeface="Times New Roman"/>
                 <a:ea typeface="微軟正黑體"/>
                 <a:cs typeface="Times New Roman"/>
               </a:rPr>
               <a:t>Encode Categorical variables </a:t>
             </a:r>
-            <a:endParaRPr kumimoji="1" lang="en" altLang="zh-TW" sz="2400" dirty="0">
+            <a:endParaRPr kumimoji="1" lang="en" altLang="zh-TW" sz="2400">
               <a:latin typeface="Times New Roman"/>
               <a:ea typeface="微軟正黑體"/>
               <a:cs typeface="Times New Roman"/>
@@ -14529,13 +14530,13 @@
           </a:p>
           <a:p>
             <a:r>
-              <a:rPr kumimoji="1" lang="en-US" altLang="zh-TW" sz="2400" dirty="0">
+              <a:rPr kumimoji="1" lang="en-US" altLang="zh-TW" sz="2400">
                 <a:latin typeface="Times New Roman" panose="02020603050405020304" pitchFamily="18" charset="0"/>
                 <a:cs typeface="Times New Roman" panose="02020603050405020304" pitchFamily="18" charset="0"/>
               </a:rPr>
               <a:t>146737 observations after data cleaning</a:t>
             </a:r>
-            <a:endParaRPr kumimoji="1" lang="en" altLang="zh-TW" sz="2400" dirty="0">
+            <a:endParaRPr kumimoji="1" lang="en" altLang="zh-TW" sz="2400">
               <a:latin typeface="Times New Roman" panose="02020603050405020304" pitchFamily="18" charset="0"/>
               <a:cs typeface="Times New Roman" panose="02020603050405020304" pitchFamily="18" charset="0"/>
             </a:endParaRPr>
@@ -14600,13 +14601,13 @@
           <a:lstStyle/>
           <a:p>
             <a:r>
-              <a:rPr kumimoji="1" lang="en-US" altLang="zh-TW" b="1" dirty="0">
+              <a:rPr kumimoji="1" lang="en-US" altLang="zh-TW" b="1">
                 <a:latin typeface="Times New Roman" panose="02020603050405020304" pitchFamily="18" charset="0"/>
                 <a:cs typeface="Times New Roman" panose="02020603050405020304" pitchFamily="18" charset="0"/>
               </a:rPr>
               <a:t>Limitations and Next Step</a:t>
             </a:r>
-            <a:endParaRPr kumimoji="1" lang="zh-TW" altLang="en-US" b="1" dirty="0">
+            <a:endParaRPr kumimoji="1" lang="zh-TW" altLang="en-US" b="1">
               <a:latin typeface="Times New Roman" panose="02020603050405020304" pitchFamily="18" charset="0"/>
               <a:cs typeface="Times New Roman" panose="02020603050405020304" pitchFamily="18" charset="0"/>
             </a:endParaRPr>
@@ -14654,7 +14655,7 @@
               <a:buChar char="p"/>
             </a:pPr>
             <a:r>
-              <a:rPr lang="zh-TW" altLang="zh-TW" sz="2400" dirty="0">
+              <a:rPr lang="zh-TW" altLang="zh-TW" sz="2400">
                 <a:solidFill>
                   <a:schemeClr val="tx1"/>
                 </a:solidFill>
@@ -14677,7 +14678,7 @@
               <a:buChar char="p"/>
             </a:pPr>
             <a:r>
-              <a:rPr lang="zh-TW" altLang="zh-TW" sz="2400" dirty="0">
+              <a:rPr lang="zh-TW" altLang="zh-TW" sz="2400">
                 <a:solidFill>
                   <a:schemeClr val="tx1"/>
                 </a:solidFill>
@@ -14691,7 +14692,7 @@
               <a:buFont typeface="Wingdings" pitchFamily="2" charset="2"/>
               <a:buChar char="p"/>
             </a:pPr>
-            <a:endParaRPr kumimoji="1" lang="en" altLang="zh-TW" sz="2400" dirty="0">
+            <a:endParaRPr kumimoji="1" lang="en" altLang="zh-TW" sz="2400">
               <a:latin typeface="Times New Roman" panose="02020603050405020304" pitchFamily="18" charset="0"/>
               <a:cs typeface="Times New Roman" panose="02020603050405020304" pitchFamily="18" charset="0"/>
             </a:endParaRPr>
@@ -14710,7 +14711,7 @@
               <a:buChar char="p"/>
             </a:pPr>
             <a:r>
-              <a:rPr lang="en-US" altLang="zh-TW" sz="2400" dirty="0">
+              <a:rPr lang="en-US" altLang="zh-TW" sz="2400">
                 <a:solidFill>
                   <a:schemeClr val="tx1"/>
                 </a:solidFill>
@@ -14719,7 +14720,7 @@
               <a:t>Remove imbalance data or </a:t>
             </a:r>
             <a:r>
-              <a:rPr lang="en" altLang="zh-TW" sz="2400" dirty="0">
+              <a:rPr lang="en" altLang="zh-TW" sz="2400">
                 <a:solidFill>
                   <a:schemeClr val="tx1"/>
                 </a:solidFill>
@@ -14728,7 +14729,7 @@
               <a:t>try</a:t>
             </a:r>
             <a:r>
-              <a:rPr lang="zh-TW" altLang="zh-TW" sz="2400" dirty="0">
+              <a:rPr lang="zh-TW" altLang="zh-TW" sz="2400">
                 <a:solidFill>
                   <a:schemeClr val="tx1"/>
                 </a:solidFill>
@@ -14751,7 +14752,7 @@
               <a:buChar char="p"/>
             </a:pPr>
             <a:r>
-              <a:rPr lang="zh-TW" altLang="zh-TW" sz="2400" dirty="0">
+              <a:rPr lang="zh-TW" altLang="zh-TW" sz="2400">
                 <a:solidFill>
                   <a:schemeClr val="tx1"/>
                 </a:solidFill>
@@ -14760,7 +14761,7 @@
               <a:t>Add continuous variables to strengthen </a:t>
             </a:r>
             <a:r>
-              <a:rPr lang="en" altLang="zh-TW" sz="2400" dirty="0">
+              <a:rPr lang="en" altLang="zh-TW" sz="2400">
                 <a:solidFill>
                   <a:schemeClr val="tx1"/>
                 </a:solidFill>
@@ -14769,7 +14770,7 @@
               <a:t>the predictive</a:t>
             </a:r>
             <a:r>
-              <a:rPr lang="zh-TW" altLang="zh-TW" sz="2400" dirty="0">
+              <a:rPr lang="zh-TW" altLang="zh-TW" sz="2400">
                 <a:solidFill>
                   <a:schemeClr val="tx1"/>
                 </a:solidFill>
@@ -14792,7 +14793,7 @@
               <a:buChar char="p"/>
             </a:pPr>
             <a:r>
-              <a:rPr lang="zh-TW" altLang="zh-TW" sz="2400" dirty="0">
+              <a:rPr lang="zh-TW" altLang="zh-TW" sz="2400">
                 <a:solidFill>
                   <a:schemeClr val="tx1"/>
                 </a:solidFill>
@@ -14806,7 +14807,7 @@
               <a:buFont typeface="Wingdings" pitchFamily="2" charset="2"/>
               <a:buChar char="p"/>
             </a:pPr>
-            <a:endParaRPr kumimoji="1" lang="en" altLang="zh-TW" sz="2400" dirty="0">
+            <a:endParaRPr kumimoji="1" lang="en" altLang="zh-TW" sz="2400">
               <a:latin typeface="Times New Roman" panose="02020603050405020304" pitchFamily="18" charset="0"/>
               <a:cs typeface="Times New Roman" panose="02020603050405020304" pitchFamily="18" charset="0"/>
             </a:endParaRPr>
@@ -14894,7 +14895,7 @@
               <a:buChar char="•"/>
               <a:tabLst/>
             </a:pPr>
-            <a:endParaRPr kumimoji="0" lang="zh-TW" altLang="zh-TW" sz="1800" b="0" i="0" u="none" strike="noStrike" cap="none" normalizeH="0" baseline="0" dirty="0">
+            <a:endParaRPr kumimoji="0" lang="zh-TW" altLang="zh-TW" sz="1800" b="0" i="0" u="none" strike="noStrike" cap="none" normalizeH="0" baseline="0">
               <a:ln>
                 <a:noFill/>
               </a:ln>
@@ -14988,7 +14989,7 @@
               <a:buChar char="•"/>
               <a:tabLst/>
             </a:pPr>
-            <a:endParaRPr kumimoji="0" lang="zh-TW" altLang="zh-TW" sz="1800" b="0" i="0" u="none" strike="noStrike" cap="none" normalizeH="0" baseline="0" dirty="0">
+            <a:endParaRPr kumimoji="0" lang="zh-TW" altLang="zh-TW" sz="1800" b="0" i="0" u="none" strike="noStrike" cap="none" normalizeH="0" baseline="0">
               <a:ln>
                 <a:noFill/>
               </a:ln>
@@ -15070,7 +15071,7 @@
               <a:buSzTx/>
             </a:pPr>
             <a:r>
-              <a:rPr kumimoji="1" lang="en-US" altLang="zh-TW" sz="13800" b="1" dirty="0">
+              <a:rPr kumimoji="1" lang="en-US" altLang="zh-TW" sz="13800" b="1">
                 <a:solidFill>
                   <a:schemeClr val="accent1"/>
                 </a:solidFill>
@@ -15080,7 +15081,7 @@
               </a:rPr>
               <a:t>END</a:t>
             </a:r>
-            <a:endParaRPr kumimoji="1" lang="en" altLang="zh-TW" sz="13800" b="1" dirty="0">
+            <a:endParaRPr kumimoji="1" lang="en" altLang="zh-TW" sz="13800" b="1">
               <a:solidFill>
                 <a:schemeClr val="accent1"/>
               </a:solidFill>
@@ -15149,13 +15150,13 @@
           <a:lstStyle/>
           <a:p>
             <a:r>
-              <a:rPr kumimoji="1" lang="en-US" altLang="zh-TW" b="1" dirty="0">
+              <a:rPr kumimoji="1" lang="en-US" altLang="zh-TW" b="1">
                 <a:latin typeface="Times New Roman" panose="02020603050405020304" pitchFamily="18" charset="0"/>
                 <a:cs typeface="Times New Roman" panose="02020603050405020304" pitchFamily="18" charset="0"/>
               </a:rPr>
               <a:t>Smart Question 1</a:t>
             </a:r>
-            <a:endParaRPr kumimoji="1" lang="zh-TW" altLang="en-US" b="1" dirty="0">
+            <a:endParaRPr kumimoji="1" lang="zh-TW" altLang="en-US" b="1">
               <a:latin typeface="Times New Roman" panose="02020603050405020304" pitchFamily="18" charset="0"/>
               <a:cs typeface="Times New Roman" panose="02020603050405020304" pitchFamily="18" charset="0"/>
             </a:endParaRPr>
@@ -15194,7 +15195,7 @@
               <a:buNone/>
             </a:pPr>
             <a:r>
-              <a:rPr kumimoji="1" lang="en-US" altLang="zh-TW" sz="3200" dirty="0">
+              <a:rPr kumimoji="1" lang="en-US" altLang="zh-TW" sz="3200">
                 <a:latin typeface="Times New Roman" panose="02020603050405020304" pitchFamily="18" charset="0"/>
                 <a:cs typeface="Times New Roman" panose="02020603050405020304" pitchFamily="18" charset="0"/>
               </a:rPr>
@@ -15257,13 +15258,13 @@
           <a:lstStyle/>
           <a:p>
             <a:r>
-              <a:rPr lang="en-US" sz="2200" dirty="0"/>
+              <a:rPr lang="en-US" sz="2200"/>
               <a:t>Class Imbalance: Over 90% of individuals in New York reported having a mental illness</a:t>
             </a:r>
             <a:br>
-              <a:rPr lang="en-US" dirty="0"/>
+              <a:rPr lang="en-US"/>
             </a:br>
-            <a:endParaRPr lang="en-US" dirty="0"/>
+            <a:endParaRPr lang="en-US"/>
           </a:p>
         </p:txBody>
       </p:sp>
@@ -15353,7 +15354,7 @@
           <a:lstStyle/>
           <a:p>
             <a:r>
-              <a:rPr lang="en-US" sz="2000" dirty="0"/>
+              <a:rPr lang="en-US" sz="2000"/>
               <a:t>Mental health prevalence is roughly the same among all races and genders…</a:t>
             </a:r>
           </a:p>
@@ -15472,7 +15473,7 @@
           <a:lstStyle/>
           <a:p>
             <a:r>
-              <a:rPr lang="en-US" dirty="0"/>
+              <a:rPr lang="en-US"/>
               <a:t>Logistic Regression</a:t>
             </a:r>
           </a:p>
@@ -15562,7 +15563,7 @@
           <a:lstStyle/>
           <a:p>
             <a:r>
-              <a:rPr lang="en-US" dirty="0"/>
+              <a:rPr lang="en-US"/>
               <a:t>Odds Ratios</a:t>
             </a:r>
           </a:p>
@@ -15652,7 +15653,7 @@
           <a:lstStyle/>
           <a:p>
             <a:r>
-              <a:rPr lang="en-US" dirty="0"/>
+              <a:rPr lang="en-US"/>
               <a:t>Balancing Class Weight</a:t>
             </a:r>
           </a:p>

--- a/Presentation/Final_Presentation.pptx
+++ b/Presentation/Final_Presentation.pptx
@@ -11,18 +11,18 @@
     <p:sldId id="256" r:id="rId2"/>
     <p:sldId id="257" r:id="rId3"/>
     <p:sldId id="270" r:id="rId4"/>
-    <p:sldId id="258" r:id="rId5"/>
-    <p:sldId id="276" r:id="rId6"/>
+    <p:sldId id="276" r:id="rId5"/>
+    <p:sldId id="258" r:id="rId6"/>
     <p:sldId id="277" r:id="rId7"/>
-    <p:sldId id="278" r:id="rId8"/>
-    <p:sldId id="279" r:id="rId9"/>
-    <p:sldId id="280" r:id="rId10"/>
-    <p:sldId id="281" r:id="rId11"/>
-    <p:sldId id="282" r:id="rId12"/>
-    <p:sldId id="283" r:id="rId13"/>
-    <p:sldId id="284" r:id="rId14"/>
-    <p:sldId id="285" r:id="rId15"/>
-    <p:sldId id="286" r:id="rId16"/>
+    <p:sldId id="286" r:id="rId8"/>
+    <p:sldId id="278" r:id="rId9"/>
+    <p:sldId id="279" r:id="rId10"/>
+    <p:sldId id="280" r:id="rId11"/>
+    <p:sldId id="281" r:id="rId12"/>
+    <p:sldId id="282" r:id="rId13"/>
+    <p:sldId id="283" r:id="rId14"/>
+    <p:sldId id="284" r:id="rId15"/>
+    <p:sldId id="285" r:id="rId16"/>
     <p:sldId id="268" r:id="rId17"/>
     <p:sldId id="264" r:id="rId18"/>
     <p:sldId id="287" r:id="rId19"/>
@@ -150,9 +150,104 @@
   <p1510:revLst>
     <p1510:client id="{401A290C-676C-8658-1848-ABDED01A3298}" v="161" dt="2025-12-04T04:30:01.922"/>
     <p1510:client id="{69717D19-0AEE-0EFE-62AC-6A715FBD96BB}" v="1059" dt="2025-12-03T19:26:52.822"/>
-    <p1510:client id="{B7D17B82-5527-4661-8B13-DC96109D97FA}" v="17" dt="2025-12-03T05:43:29.744"/>
+    <p1510:client id="{B7D17B82-5527-4661-8B13-DC96109D97FA}" v="23" dt="2025-12-04T04:37:01.449"/>
   </p1510:revLst>
 </p1510:revInfo>
+</file>
+
+<file path=ppt/changesInfos/changesInfo1.xml><?xml version="1.0" encoding="utf-8"?>
+<pc:chgInfo xmlns:a="http://schemas.openxmlformats.org/drawingml/2006/main" xmlns:r="http://schemas.openxmlformats.org/officeDocument/2006/relationships" xmlns:ac="http://schemas.microsoft.com/office/drawing/2013/main/command" xmlns:pc="http://schemas.microsoft.com/office/powerpoint/2013/main/command">
+  <pc:docChgLst>
+    <pc:chgData name="Emma Francis" userId="1a28f87ee4f117f1" providerId="LiveId" clId="{41D06EC1-1E87-41B1-83A3-CDDFA7DD00B1}"/>
+    <pc:docChg chg="addSld delSld modSld sldOrd">
+      <pc:chgData name="Emma Francis" userId="1a28f87ee4f117f1" providerId="LiveId" clId="{41D06EC1-1E87-41B1-83A3-CDDFA7DD00B1}" dt="2025-12-04T04:37:09.196" v="34" actId="1076"/>
+      <pc:docMkLst>
+        <pc:docMk/>
+      </pc:docMkLst>
+      <pc:sldChg chg="ord">
+        <pc:chgData name="Emma Francis" userId="1a28f87ee4f117f1" providerId="LiveId" clId="{41D06EC1-1E87-41B1-83A3-CDDFA7DD00B1}" dt="2025-12-04T04:35:10.749" v="1"/>
+        <pc:sldMkLst>
+          <pc:docMk/>
+          <pc:sldMk cId="4124866369" sldId="276"/>
+        </pc:sldMkLst>
+      </pc:sldChg>
+      <pc:sldChg chg="addSp modSp mod">
+        <pc:chgData name="Emma Francis" userId="1a28f87ee4f117f1" providerId="LiveId" clId="{41D06EC1-1E87-41B1-83A3-CDDFA7DD00B1}" dt="2025-12-04T04:36:24.454" v="18" actId="1076"/>
+        <pc:sldMkLst>
+          <pc:docMk/>
+          <pc:sldMk cId="1919978328" sldId="278"/>
+        </pc:sldMkLst>
+        <pc:spChg chg="add mod">
+          <ac:chgData name="Emma Francis" userId="1a28f87ee4f117f1" providerId="LiveId" clId="{41D06EC1-1E87-41B1-83A3-CDDFA7DD00B1}" dt="2025-12-04T04:36:24.454" v="18" actId="1076"/>
+          <ac:spMkLst>
+            <pc:docMk/>
+            <pc:sldMk cId="1919978328" sldId="278"/>
+            <ac:spMk id="3" creationId="{227C44DD-CFC5-3227-55FE-A98F29178CAE}"/>
+          </ac:spMkLst>
+        </pc:spChg>
+      </pc:sldChg>
+      <pc:sldChg chg="addSp modSp mod">
+        <pc:chgData name="Emma Francis" userId="1a28f87ee4f117f1" providerId="LiveId" clId="{41D06EC1-1E87-41B1-83A3-CDDFA7DD00B1}" dt="2025-12-04T04:36:37.893" v="24" actId="1076"/>
+        <pc:sldMkLst>
+          <pc:docMk/>
+          <pc:sldMk cId="628236639" sldId="280"/>
+        </pc:sldMkLst>
+        <pc:spChg chg="add mod">
+          <ac:chgData name="Emma Francis" userId="1a28f87ee4f117f1" providerId="LiveId" clId="{41D06EC1-1E87-41B1-83A3-CDDFA7DD00B1}" dt="2025-12-04T04:36:37.893" v="24" actId="1076"/>
+          <ac:spMkLst>
+            <pc:docMk/>
+            <pc:sldMk cId="628236639" sldId="280"/>
+            <ac:spMk id="3" creationId="{706C2A66-8250-DEC4-A22C-9E38B5FD9BD2}"/>
+          </ac:spMkLst>
+        </pc:spChg>
+      </pc:sldChg>
+      <pc:sldChg chg="addSp modSp mod">
+        <pc:chgData name="Emma Francis" userId="1a28f87ee4f117f1" providerId="LiveId" clId="{41D06EC1-1E87-41B1-83A3-CDDFA7DD00B1}" dt="2025-12-04T04:36:45.262" v="26" actId="1076"/>
+        <pc:sldMkLst>
+          <pc:docMk/>
+          <pc:sldMk cId="4272821383" sldId="282"/>
+        </pc:sldMkLst>
+        <pc:spChg chg="add mod">
+          <ac:chgData name="Emma Francis" userId="1a28f87ee4f117f1" providerId="LiveId" clId="{41D06EC1-1E87-41B1-83A3-CDDFA7DD00B1}" dt="2025-12-04T04:36:45.262" v="26" actId="1076"/>
+          <ac:spMkLst>
+            <pc:docMk/>
+            <pc:sldMk cId="4272821383" sldId="282"/>
+            <ac:spMk id="3" creationId="{9B45FEDF-8BD1-1FB8-D2F4-4294987249EC}"/>
+          </ac:spMkLst>
+        </pc:spChg>
+      </pc:sldChg>
+      <pc:sldChg chg="addSp modSp mod">
+        <pc:chgData name="Emma Francis" userId="1a28f87ee4f117f1" providerId="LiveId" clId="{41D06EC1-1E87-41B1-83A3-CDDFA7DD00B1}" dt="2025-12-04T04:37:09.196" v="34" actId="1076"/>
+        <pc:sldMkLst>
+          <pc:docMk/>
+          <pc:sldMk cId="2298523515" sldId="284"/>
+        </pc:sldMkLst>
+        <pc:spChg chg="add mod">
+          <ac:chgData name="Emma Francis" userId="1a28f87ee4f117f1" providerId="LiveId" clId="{41D06EC1-1E87-41B1-83A3-CDDFA7DD00B1}" dt="2025-12-04T04:37:09.196" v="34" actId="1076"/>
+          <ac:spMkLst>
+            <pc:docMk/>
+            <pc:sldMk cId="2298523515" sldId="284"/>
+            <ac:spMk id="3" creationId="{4C7EEB31-7267-0573-02A1-149D77746ECC}"/>
+          </ac:spMkLst>
+        </pc:spChg>
+      </pc:sldChg>
+      <pc:sldChg chg="ord">
+        <pc:chgData name="Emma Francis" userId="1a28f87ee4f117f1" providerId="LiveId" clId="{41D06EC1-1E87-41B1-83A3-CDDFA7DD00B1}" dt="2025-12-04T04:35:21.461" v="3"/>
+        <pc:sldMkLst>
+          <pc:docMk/>
+          <pc:sldMk cId="1748006529" sldId="286"/>
+        </pc:sldMkLst>
+      </pc:sldChg>
+      <pc:sldChg chg="add del">
+        <pc:chgData name="Emma Francis" userId="1a28f87ee4f117f1" providerId="LiveId" clId="{41D06EC1-1E87-41B1-83A3-CDDFA7DD00B1}" dt="2025-12-04T04:36:52.636" v="28"/>
+        <pc:sldMkLst>
+          <pc:docMk/>
+          <pc:sldMk cId="2949452965" sldId="292"/>
+        </pc:sldMkLst>
+      </pc:sldChg>
+    </pc:docChg>
+  </pc:docChgLst>
+</pc:chgInfo>
 </file>
 
 <file path=ppt/notesMasters/notesMaster1.xml><?xml version="1.0" encoding="utf-8"?>
@@ -548,6 +643,23 @@
           <a:bodyPr/>
           <a:lstStyle/>
           <a:p>
+            <a:pPr marL="0" marR="0" lvl="0" indent="0" algn="l" defTabSz="914400" rtl="0" eaLnBrk="1" fontAlgn="auto" latinLnBrk="0" hangingPunct="1">
+              <a:lnSpc>
+                <a:spcPct val="100000"/>
+              </a:lnSpc>
+              <a:spcBef>
+                <a:spcPts val="0"/>
+              </a:spcBef>
+              <a:spcAft>
+                <a:spcPts val="0"/>
+              </a:spcAft>
+              <a:buClrTx/>
+              <a:buSzTx/>
+              <a:buFontTx/>
+              <a:buNone/>
+              <a:tabLst/>
+              <a:defRPr/>
+            </a:pPr>
             <a:r>
               <a:rPr lang="en-US" sz="1200" b="0" kern="1200">
                 <a:solidFill>
@@ -558,49 +670,7 @@
                 <a:ea typeface="+mn-ea"/>
                 <a:cs typeface="+mn-cs"/>
               </a:rPr>
-              <a:t># The logistic regression highlights the class imbalance of the data. The accuracy of the model</a:t>
-            </a:r>
-          </a:p>
-          <a:p>
-            <a:r>
-              <a:rPr lang="en-US" sz="1200" b="0" kern="1200">
-                <a:solidFill>
-                  <a:schemeClr val="tx1"/>
-                </a:solidFill>
-                <a:effectLst/>
-                <a:latin typeface="+mn-lt"/>
-                <a:ea typeface="+mn-ea"/>
-                <a:cs typeface="+mn-cs"/>
-              </a:rPr>
-              <a:t># appears to be 97%. However, the model does not identify those who do not have a mental illness.</a:t>
-            </a:r>
-          </a:p>
-          <a:p>
-            <a:r>
-              <a:rPr lang="en-US" sz="1200" b="0" kern="1200">
-                <a:solidFill>
-                  <a:schemeClr val="tx1"/>
-                </a:solidFill>
-                <a:effectLst/>
-                <a:latin typeface="+mn-lt"/>
-                <a:ea typeface="+mn-ea"/>
-                <a:cs typeface="+mn-cs"/>
-              </a:rPr>
-              <a:t># The AUC of 0.67 demonstrates that the logistic regression had modest discriminative ability. </a:t>
-            </a:r>
-          </a:p>
-          <a:p>
-            <a:r>
-              <a:rPr lang="en-US" sz="1200" b="0" kern="1200">
-                <a:solidFill>
-                  <a:schemeClr val="tx1"/>
-                </a:solidFill>
-                <a:effectLst/>
-                <a:latin typeface="+mn-lt"/>
-                <a:ea typeface="+mn-ea"/>
-                <a:cs typeface="+mn-cs"/>
-              </a:rPr>
-              <a:t># The current model is not suitable for the data due to the class imbalance.</a:t>
+              <a:t> No correlation is above 0.51, so I do not think multicollinearity needs to be addressed.</a:t>
             </a:r>
           </a:p>
           <a:p>
@@ -634,7 +704,7 @@
     </p:spTree>
     <p:extLst>
       <p:ext uri="{BB962C8B-B14F-4D97-AF65-F5344CB8AC3E}">
-        <p14:creationId xmlns:p14="http://schemas.microsoft.com/office/powerpoint/2010/main" val="2066996646"/>
+        <p14:creationId xmlns:p14="http://schemas.microsoft.com/office/powerpoint/2010/main" val="4020541783"/>
       </p:ext>
     </p:extLst>
   </p:cSld>
@@ -834,7 +904,7 @@
                 <a:ea typeface="+mn-ea"/>
                 <a:cs typeface="+mn-cs"/>
               </a:rPr>
-              <a:t># The independent/demographic variables do not explain sufficient variation in mental illness </a:t>
+              <a:t># The logistic regression highlights the class imbalance of the data. The accuracy of the model</a:t>
             </a:r>
           </a:p>
           <a:p>
@@ -848,7 +918,7 @@
                 <a:ea typeface="+mn-ea"/>
                 <a:cs typeface="+mn-cs"/>
               </a:rPr>
-              <a:t># prevalence. This model does not predict those without mental illness since there is significant </a:t>
+              <a:t># appears to be 97%. However, the model does not identify those who do not have a mental illness.</a:t>
             </a:r>
           </a:p>
           <a:p>
@@ -862,7 +932,21 @@
                 <a:ea typeface="+mn-ea"/>
                 <a:cs typeface="+mn-cs"/>
               </a:rPr>
-              <a:t># class imbalance. </a:t>
+              <a:t># The AUC of 0.67 demonstrates that the logistic regression had modest discriminative ability. </a:t>
+            </a:r>
+          </a:p>
+          <a:p>
+            <a:r>
+              <a:rPr lang="en-US" sz="1200" b="0" kern="1200">
+                <a:solidFill>
+                  <a:schemeClr val="tx1"/>
+                </a:solidFill>
+                <a:effectLst/>
+                <a:latin typeface="+mn-lt"/>
+                <a:ea typeface="+mn-ea"/>
+                <a:cs typeface="+mn-cs"/>
+              </a:rPr>
+              <a:t># The current model is not suitable for the data due to the class imbalance.</a:t>
             </a:r>
           </a:p>
           <a:p>
@@ -896,7 +980,7 @@
     </p:spTree>
     <p:extLst>
       <p:ext uri="{BB962C8B-B14F-4D97-AF65-F5344CB8AC3E}">
-        <p14:creationId xmlns:p14="http://schemas.microsoft.com/office/powerpoint/2010/main" val="3254387259"/>
+        <p14:creationId xmlns:p14="http://schemas.microsoft.com/office/powerpoint/2010/main" val="2066996646"/>
       </p:ext>
     </p:extLst>
   </p:cSld>
@@ -960,7 +1044,7 @@
                 <a:ea typeface="+mn-ea"/>
                 <a:cs typeface="+mn-cs"/>
               </a:rPr>
-              <a:t># When class imbalance is accounted for, a decent amount of individuals who do not have a mental </a:t>
+              <a:t># The independent/demographic variables do not explain sufficient variation in mental illness </a:t>
             </a:r>
           </a:p>
           <a:p>
@@ -974,7 +1058,7 @@
                 <a:ea typeface="+mn-ea"/>
                 <a:cs typeface="+mn-cs"/>
               </a:rPr>
-              <a:t># illness are identified. The model accuracy is now 76%, but identifies those without a mental illness. </a:t>
+              <a:t># prevalence. This model does not predict those without mental illness since there is significant </a:t>
             </a:r>
           </a:p>
           <a:p>
@@ -988,7 +1072,7 @@
                 <a:ea typeface="+mn-ea"/>
                 <a:cs typeface="+mn-cs"/>
               </a:rPr>
-              <a:t># The demographic/independent variables have modest predictive power now. </a:t>
+              <a:t># class imbalance. </a:t>
             </a:r>
           </a:p>
           <a:p>
@@ -1022,7 +1106,7 @@
     </p:spTree>
     <p:extLst>
       <p:ext uri="{BB962C8B-B14F-4D97-AF65-F5344CB8AC3E}">
-        <p14:creationId xmlns:p14="http://schemas.microsoft.com/office/powerpoint/2010/main" val="918523277"/>
+        <p14:creationId xmlns:p14="http://schemas.microsoft.com/office/powerpoint/2010/main" val="3254387259"/>
       </p:ext>
     </p:extLst>
   </p:cSld>
@@ -1086,7 +1170,7 @@
                 <a:ea typeface="+mn-ea"/>
                 <a:cs typeface="+mn-cs"/>
               </a:rPr>
-              <a:t># The improved logistic regression suggests that being older decreases the chance of having a mental illness, cohabitating</a:t>
+              <a:t># When class imbalance is accounted for, a decent amount of individuals who do not have a mental </a:t>
             </a:r>
           </a:p>
           <a:p>
@@ -1100,7 +1184,7 @@
                 <a:ea typeface="+mn-ea"/>
                 <a:cs typeface="+mn-cs"/>
               </a:rPr>
-              <a:t># with others and substance use minimally increases the risk of having a mental illness. All demographic variables have </a:t>
+              <a:t># illness are identified. The model accuracy is now 76%, but identifies those without a mental illness. </a:t>
             </a:r>
           </a:p>
           <a:p>
@@ -1114,7 +1198,7 @@
                 <a:ea typeface="+mn-ea"/>
                 <a:cs typeface="+mn-cs"/>
               </a:rPr>
-              <a:t># small impacts on mental illnesses.</a:t>
+              <a:t># The demographic/independent variables have modest predictive power now. </a:t>
             </a:r>
           </a:p>
           <a:p>
@@ -1148,7 +1232,7 @@
     </p:spTree>
     <p:extLst>
       <p:ext uri="{BB962C8B-B14F-4D97-AF65-F5344CB8AC3E}">
-        <p14:creationId xmlns:p14="http://schemas.microsoft.com/office/powerpoint/2010/main" val="1246733403"/>
+        <p14:creationId xmlns:p14="http://schemas.microsoft.com/office/powerpoint/2010/main" val="918523277"/>
       </p:ext>
     </p:extLst>
   </p:cSld>
@@ -1212,7 +1296,7 @@
                 <a:ea typeface="+mn-ea"/>
                 <a:cs typeface="+mn-cs"/>
               </a:rPr>
-              <a:t># The Random Forest model also had an accuracy of 97% and an AUC of 0.69, again having some </a:t>
+              <a:t># The improved logistic regression suggests that being older decreases the chance of having a mental illness, cohabitating</a:t>
             </a:r>
           </a:p>
           <a:p>
@@ -1226,7 +1310,7 @@
                 <a:ea typeface="+mn-ea"/>
                 <a:cs typeface="+mn-cs"/>
               </a:rPr>
-              <a:t># discriminative ability. This model also suffers from the class imbalance, having a recall of 0.04</a:t>
+              <a:t># with others and substance use minimally increases the risk of having a mental illness. All demographic variables have </a:t>
             </a:r>
           </a:p>
           <a:p>
@@ -1240,21 +1324,7 @@
                 <a:ea typeface="+mn-ea"/>
                 <a:cs typeface="+mn-cs"/>
               </a:rPr>
-              <a:t># for individuals without a mental illness. This model is extremely biased toward those who do have</a:t>
-            </a:r>
-          </a:p>
-          <a:p>
-            <a:r>
-              <a:rPr lang="en-US" sz="1200" b="0" kern="1200">
-                <a:solidFill>
-                  <a:schemeClr val="tx1"/>
-                </a:solidFill>
-                <a:effectLst/>
-                <a:latin typeface="+mn-lt"/>
-                <a:ea typeface="+mn-ea"/>
-                <a:cs typeface="+mn-cs"/>
-              </a:rPr>
-              <a:t># a mental illness.</a:t>
+              <a:t># small impacts on mental illnesses.</a:t>
             </a:r>
           </a:p>
           <a:p>
@@ -1288,7 +1358,7 @@
     </p:spTree>
     <p:extLst>
       <p:ext uri="{BB962C8B-B14F-4D97-AF65-F5344CB8AC3E}">
-        <p14:creationId xmlns:p14="http://schemas.microsoft.com/office/powerpoint/2010/main" val="2454462227"/>
+        <p14:creationId xmlns:p14="http://schemas.microsoft.com/office/powerpoint/2010/main" val="1246733403"/>
       </p:ext>
     </p:extLst>
   </p:cSld>
@@ -1352,7 +1422,7 @@
                 <a:ea typeface="+mn-ea"/>
                 <a:cs typeface="+mn-cs"/>
               </a:rPr>
-              <a:t># The random forest model demonstrates that region served, education status, and race are the most </a:t>
+              <a:t># The Random Forest model also had an accuracy of 97% and an AUC of 0.69, again having some </a:t>
             </a:r>
           </a:p>
           <a:p>
@@ -1366,7 +1436,7 @@
                 <a:ea typeface="+mn-ea"/>
                 <a:cs typeface="+mn-cs"/>
               </a:rPr>
-              <a:t># significant predictors of mental illness. Sexual orientation, household composition, and age group </a:t>
+              <a:t># discriminative ability. This model also suffers from the class imbalance, having a recall of 0.04</a:t>
             </a:r>
           </a:p>
           <a:p>
@@ -1380,7 +1450,7 @@
                 <a:ea typeface="+mn-ea"/>
                 <a:cs typeface="+mn-cs"/>
               </a:rPr>
-              <a:t># have some importance on the model. Sex, alcohol related disorder, drug substance disorder, and </a:t>
+              <a:t># for individuals without a mental illness. This model is extremely biased toward those who do have</a:t>
             </a:r>
           </a:p>
           <a:p>
@@ -1394,7 +1464,7 @@
                 <a:ea typeface="+mn-ea"/>
                 <a:cs typeface="+mn-cs"/>
               </a:rPr>
-              <a:t># veteran status do not contribute much to the model's predictions. </a:t>
+              <a:t># a mental illness.</a:t>
             </a:r>
           </a:p>
           <a:p>
@@ -1428,7 +1498,7 @@
     </p:spTree>
     <p:extLst>
       <p:ext uri="{BB962C8B-B14F-4D97-AF65-F5344CB8AC3E}">
-        <p14:creationId xmlns:p14="http://schemas.microsoft.com/office/powerpoint/2010/main" val="305172363"/>
+        <p14:creationId xmlns:p14="http://schemas.microsoft.com/office/powerpoint/2010/main" val="2454462227"/>
       </p:ext>
     </p:extLst>
   </p:cSld>
@@ -1492,7 +1562,7 @@
                 <a:ea typeface="+mn-ea"/>
                 <a:cs typeface="+mn-cs"/>
               </a:rPr>
-              <a:t># When the class is balanced, the random forest model had a 75% accuracy and an AUC of 0.68.</a:t>
+              <a:t># The random forest model demonstrates that region served, education status, and race are the most </a:t>
             </a:r>
           </a:p>
           <a:p>
@@ -1506,7 +1576,35 @@
                 <a:ea typeface="+mn-ea"/>
                 <a:cs typeface="+mn-cs"/>
               </a:rPr>
-              <a:t># The recall for those without a mental illness is 0.55 which improved from 0.04.</a:t>
+              <a:t># significant predictors of mental illness. Sexual orientation, household composition, and age group </a:t>
+            </a:r>
+          </a:p>
+          <a:p>
+            <a:r>
+              <a:rPr lang="en-US" sz="1200" b="0" kern="1200">
+                <a:solidFill>
+                  <a:schemeClr val="tx1"/>
+                </a:solidFill>
+                <a:effectLst/>
+                <a:latin typeface="+mn-lt"/>
+                <a:ea typeface="+mn-ea"/>
+                <a:cs typeface="+mn-cs"/>
+              </a:rPr>
+              <a:t># have some importance on the model. Sex, alcohol related disorder, drug substance disorder, and </a:t>
+            </a:r>
+          </a:p>
+          <a:p>
+            <a:r>
+              <a:rPr lang="en-US" sz="1200" b="0" kern="1200">
+                <a:solidFill>
+                  <a:schemeClr val="tx1"/>
+                </a:solidFill>
+                <a:effectLst/>
+                <a:latin typeface="+mn-lt"/>
+                <a:ea typeface="+mn-ea"/>
+                <a:cs typeface="+mn-cs"/>
+              </a:rPr>
+              <a:t># veteran status do not contribute much to the model's predictions. </a:t>
             </a:r>
           </a:p>
           <a:p>
@@ -1540,7 +1638,7 @@
     </p:spTree>
     <p:extLst>
       <p:ext uri="{BB962C8B-B14F-4D97-AF65-F5344CB8AC3E}">
-        <p14:creationId xmlns:p14="http://schemas.microsoft.com/office/powerpoint/2010/main" val="3983130932"/>
+        <p14:creationId xmlns:p14="http://schemas.microsoft.com/office/powerpoint/2010/main" val="305172363"/>
       </p:ext>
     </p:extLst>
   </p:cSld>
@@ -1604,7 +1702,7 @@
                 <a:ea typeface="+mn-ea"/>
                 <a:cs typeface="+mn-cs"/>
               </a:rPr>
-              <a:t># Region served, education status, and age group are the most influential predictors</a:t>
+              <a:t># When the class is balanced, the random forest model had a 75% accuracy and an AUC of 0.68.</a:t>
             </a:r>
           </a:p>
           <a:p>
@@ -1618,59 +1716,7 @@
                 <a:ea typeface="+mn-ea"/>
                 <a:cs typeface="+mn-cs"/>
               </a:rPr>
-              <a:t># of mental illness. Race, sexual orientation, and household consumption have some importance</a:t>
-            </a:r>
-          </a:p>
-          <a:p>
-            <a:r>
-              <a:rPr lang="en-US" sz="1200" b="0" kern="1200">
-                <a:solidFill>
-                  <a:schemeClr val="tx1"/>
-                </a:solidFill>
-                <a:effectLst/>
-                <a:latin typeface="+mn-lt"/>
-                <a:ea typeface="+mn-ea"/>
-                <a:cs typeface="+mn-cs"/>
-              </a:rPr>
-              <a:t># on predicting mental illness. Sex, </a:t>
-            </a:r>
-            <a:r>
-              <a:rPr lang="en-US" sz="1200" b="0" kern="1200" err="1">
-                <a:solidFill>
-                  <a:schemeClr val="tx1"/>
-                </a:solidFill>
-                <a:effectLst/>
-                <a:latin typeface="+mn-lt"/>
-                <a:ea typeface="+mn-ea"/>
-                <a:cs typeface="+mn-cs"/>
-              </a:rPr>
-              <a:t>alchohol</a:t>
-            </a:r>
-            <a:r>
-              <a:rPr lang="en-US" sz="1200" b="0" kern="1200">
-                <a:solidFill>
-                  <a:schemeClr val="tx1"/>
-                </a:solidFill>
-                <a:effectLst/>
-                <a:latin typeface="+mn-lt"/>
-                <a:ea typeface="+mn-ea"/>
-                <a:cs typeface="+mn-cs"/>
-              </a:rPr>
-              <a:t> related disorder, drug substance disorder, and</a:t>
-            </a:r>
-          </a:p>
-          <a:p>
-            <a:r>
-              <a:rPr lang="en-US" sz="1200" b="0" kern="1200">
-                <a:solidFill>
-                  <a:schemeClr val="tx1"/>
-                </a:solidFill>
-                <a:effectLst/>
-                <a:latin typeface="+mn-lt"/>
-                <a:ea typeface="+mn-ea"/>
-                <a:cs typeface="+mn-cs"/>
-              </a:rPr>
-              <a:t># veteran status did not contribute much to the model.</a:t>
+              <a:t># The recall for those without a mental illness is 0.55 which improved from 0.04.</a:t>
             </a:r>
           </a:p>
           <a:p>
@@ -1704,7 +1750,7 @@
     </p:spTree>
     <p:extLst>
       <p:ext uri="{BB962C8B-B14F-4D97-AF65-F5344CB8AC3E}">
-        <p14:creationId xmlns:p14="http://schemas.microsoft.com/office/powerpoint/2010/main" val="3318254789"/>
+        <p14:creationId xmlns:p14="http://schemas.microsoft.com/office/powerpoint/2010/main" val="3983130932"/>
       </p:ext>
     </p:extLst>
   </p:cSld>
@@ -1758,23 +1804,6 @@
           <a:bodyPr/>
           <a:lstStyle/>
           <a:p>
-            <a:pPr marL="0" marR="0" lvl="0" indent="0" algn="l" defTabSz="914400" rtl="0" eaLnBrk="1" fontAlgn="auto" latinLnBrk="0" hangingPunct="1">
-              <a:lnSpc>
-                <a:spcPct val="100000"/>
-              </a:lnSpc>
-              <a:spcBef>
-                <a:spcPts val="0"/>
-              </a:spcBef>
-              <a:spcAft>
-                <a:spcPts val="0"/>
-              </a:spcAft>
-              <a:buClrTx/>
-              <a:buSzTx/>
-              <a:buFontTx/>
-              <a:buNone/>
-              <a:tabLst/>
-              <a:defRPr/>
-            </a:pPr>
             <a:r>
               <a:rPr lang="en-US" sz="1200" b="0" kern="1200">
                 <a:solidFill>
@@ -1785,7 +1814,73 @@
                 <a:ea typeface="+mn-ea"/>
                 <a:cs typeface="+mn-cs"/>
               </a:rPr>
-              <a:t> No correlation is above 0.51, so I do not think multicollinearity needs to be addressed.</a:t>
+              <a:t># Region served, education status, and age group are the most influential predictors</a:t>
+            </a:r>
+          </a:p>
+          <a:p>
+            <a:r>
+              <a:rPr lang="en-US" sz="1200" b="0" kern="1200">
+                <a:solidFill>
+                  <a:schemeClr val="tx1"/>
+                </a:solidFill>
+                <a:effectLst/>
+                <a:latin typeface="+mn-lt"/>
+                <a:ea typeface="+mn-ea"/>
+                <a:cs typeface="+mn-cs"/>
+              </a:rPr>
+              <a:t># of mental illness. Race, sexual orientation, and household consumption have some importance</a:t>
+            </a:r>
+          </a:p>
+          <a:p>
+            <a:r>
+              <a:rPr lang="en-US" sz="1200" b="0" kern="1200">
+                <a:solidFill>
+                  <a:schemeClr val="tx1"/>
+                </a:solidFill>
+                <a:effectLst/>
+                <a:latin typeface="+mn-lt"/>
+                <a:ea typeface="+mn-ea"/>
+                <a:cs typeface="+mn-cs"/>
+              </a:rPr>
+              <a:t># on predicting mental illness. Sex, </a:t>
+            </a:r>
+            <a:r>
+              <a:rPr lang="en-US" sz="1200" b="0" kern="1200" err="1">
+                <a:solidFill>
+                  <a:schemeClr val="tx1"/>
+                </a:solidFill>
+                <a:effectLst/>
+                <a:latin typeface="+mn-lt"/>
+                <a:ea typeface="+mn-ea"/>
+                <a:cs typeface="+mn-cs"/>
+              </a:rPr>
+              <a:t>alchohol</a:t>
+            </a:r>
+            <a:r>
+              <a:rPr lang="en-US" sz="1200" b="0" kern="1200">
+                <a:solidFill>
+                  <a:schemeClr val="tx1"/>
+                </a:solidFill>
+                <a:effectLst/>
+                <a:latin typeface="+mn-lt"/>
+                <a:ea typeface="+mn-ea"/>
+                <a:cs typeface="+mn-cs"/>
+              </a:rPr>
+              <a:t> related disorder, drug substance disorder, and</a:t>
+            </a:r>
+          </a:p>
+          <a:p>
+            <a:r>
+              <a:rPr lang="en-US" sz="1200" b="0" kern="1200">
+                <a:solidFill>
+                  <a:schemeClr val="tx1"/>
+                </a:solidFill>
+                <a:effectLst/>
+                <a:latin typeface="+mn-lt"/>
+                <a:ea typeface="+mn-ea"/>
+                <a:cs typeface="+mn-cs"/>
+              </a:rPr>
+              <a:t># veteran status did not contribute much to the model.</a:t>
             </a:r>
           </a:p>
           <a:p>
@@ -1819,7 +1914,7 @@
     </p:spTree>
     <p:extLst>
       <p:ext uri="{BB962C8B-B14F-4D97-AF65-F5344CB8AC3E}">
-        <p14:creationId xmlns:p14="http://schemas.microsoft.com/office/powerpoint/2010/main" val="4020541783"/>
+        <p14:creationId xmlns:p14="http://schemas.microsoft.com/office/powerpoint/2010/main" val="3318254789"/>
       </p:ext>
     </p:extLst>
   </p:cSld>
@@ -7842,6 +7937,129 @@
           <p:cNvPr id="2" name="Title 1">
             <a:extLst>
               <a:ext uri="{FF2B5EF4-FFF2-40B4-BE49-F238E27FC236}">
+                <a16:creationId xmlns:a16="http://schemas.microsoft.com/office/drawing/2014/main" id="{F884975E-D18A-6B2A-1347-5BACF48DEA7D}"/>
+              </a:ext>
+            </a:extLst>
+          </p:cNvPr>
+          <p:cNvSpPr>
+            <a:spLocks noGrp="1"/>
+          </p:cNvSpPr>
+          <p:nvPr>
+            <p:ph type="title"/>
+          </p:nvPr>
+        </p:nvSpPr>
+        <p:spPr/>
+        <p:txBody>
+          <a:bodyPr/>
+          <a:lstStyle/>
+          <a:p>
+            <a:r>
+              <a:rPr lang="en-US"/>
+              <a:t>Balancing Class Weight</a:t>
+            </a:r>
+          </a:p>
+        </p:txBody>
+      </p:sp>
+      <p:pic>
+        <p:nvPicPr>
+          <p:cNvPr id="5" name="Picture 4">
+            <a:extLst>
+              <a:ext uri="{FF2B5EF4-FFF2-40B4-BE49-F238E27FC236}">
+                <a16:creationId xmlns:a16="http://schemas.microsoft.com/office/drawing/2014/main" id="{3BC982DC-7FC2-867A-9BAB-B4010AC66475}"/>
+              </a:ext>
+            </a:extLst>
+          </p:cNvPr>
+          <p:cNvPicPr>
+            <a:picLocks noChangeAspect="1"/>
+          </p:cNvPicPr>
+          <p:nvPr/>
+        </p:nvPicPr>
+        <p:blipFill>
+          <a:blip r:embed="rId3"/>
+          <a:stretch>
+            <a:fillRect/>
+          </a:stretch>
+        </p:blipFill>
+        <p:spPr>
+          <a:xfrm>
+            <a:off x="1320800" y="1439494"/>
+            <a:ext cx="6380479" cy="5066850"/>
+          </a:xfrm>
+          <a:prstGeom prst="rect">
+            <a:avLst/>
+          </a:prstGeom>
+        </p:spPr>
+      </p:pic>
+      <p:sp>
+        <p:nvSpPr>
+          <p:cNvPr id="3" name="TextBox 2">
+            <a:extLst>
+              <a:ext uri="{FF2B5EF4-FFF2-40B4-BE49-F238E27FC236}">
+                <a16:creationId xmlns:a16="http://schemas.microsoft.com/office/drawing/2014/main" id="{706C2A66-8250-DEC4-A22C-9E38B5FD9BD2}"/>
+              </a:ext>
+            </a:extLst>
+          </p:cNvPr>
+          <p:cNvSpPr txBox="1"/>
+          <p:nvPr/>
+        </p:nvSpPr>
+        <p:spPr>
+          <a:xfrm>
+            <a:off x="7945120" y="3244334"/>
+            <a:ext cx="1645920" cy="369332"/>
+          </a:xfrm>
+          <a:prstGeom prst="rect">
+            <a:avLst/>
+          </a:prstGeom>
+          <a:noFill/>
+        </p:spPr>
+        <p:txBody>
+          <a:bodyPr wrap="square" rtlCol="0">
+            <a:spAutoFit/>
+          </a:bodyPr>
+          <a:lstStyle/>
+          <a:p>
+            <a:r>
+              <a:rPr lang="en-US" dirty="0"/>
+              <a:t>Accuracy: 76%</a:t>
+            </a:r>
+          </a:p>
+        </p:txBody>
+      </p:sp>
+    </p:spTree>
+    <p:extLst>
+      <p:ext uri="{BB962C8B-B14F-4D97-AF65-F5344CB8AC3E}">
+        <p14:creationId xmlns:p14="http://schemas.microsoft.com/office/powerpoint/2010/main" val="628236639"/>
+      </p:ext>
+    </p:extLst>
+  </p:cSld>
+  <p:clrMapOvr>
+    <a:masterClrMapping/>
+  </p:clrMapOvr>
+</p:sld>
+</file>
+
+<file path=ppt/slides/slide11.xml><?xml version="1.0" encoding="utf-8"?>
+<p:sld xmlns:a="http://schemas.openxmlformats.org/drawingml/2006/main" xmlns:r="http://schemas.openxmlformats.org/officeDocument/2006/relationships" xmlns:p="http://schemas.openxmlformats.org/presentationml/2006/main">
+  <p:cSld>
+    <p:spTree>
+      <p:nvGrpSpPr>
+        <p:cNvPr id="1" name=""/>
+        <p:cNvGrpSpPr/>
+        <p:nvPr/>
+      </p:nvGrpSpPr>
+      <p:grpSpPr>
+        <a:xfrm>
+          <a:off x="0" y="0"/>
+          <a:ext cx="0" cy="0"/>
+          <a:chOff x="0" y="0"/>
+          <a:chExt cx="0" cy="0"/>
+        </a:xfrm>
+      </p:grpSpPr>
+      <p:sp>
+        <p:nvSpPr>
+          <p:cNvPr id="2" name="Title 1">
+            <a:extLst>
+              <a:ext uri="{FF2B5EF4-FFF2-40B4-BE49-F238E27FC236}">
                 <a16:creationId xmlns:a16="http://schemas.microsoft.com/office/drawing/2014/main" id="{C0C8A902-CF16-A61A-0690-1B7ACCF4C5F3}"/>
               </a:ext>
             </a:extLst>
@@ -7908,7 +8126,7 @@
 </p:sld>
 </file>
 
-<file path=ppt/slides/slide11.xml><?xml version="1.0" encoding="utf-8"?>
+<file path=ppt/slides/slide12.xml><?xml version="1.0" encoding="utf-8"?>
 <p:sld xmlns:a="http://schemas.openxmlformats.org/drawingml/2006/main" xmlns:r="http://schemas.openxmlformats.org/officeDocument/2006/relationships" xmlns:p="http://schemas.openxmlformats.org/presentationml/2006/main">
   <p:cSld>
     <p:spTree>
@@ -7983,6 +8201,41 @@
           </a:prstGeom>
         </p:spPr>
       </p:pic>
+      <p:sp>
+        <p:nvSpPr>
+          <p:cNvPr id="3" name="TextBox 2">
+            <a:extLst>
+              <a:ext uri="{FF2B5EF4-FFF2-40B4-BE49-F238E27FC236}">
+                <a16:creationId xmlns:a16="http://schemas.microsoft.com/office/drawing/2014/main" id="{9B45FEDF-8BD1-1FB8-D2F4-4294987249EC}"/>
+              </a:ext>
+            </a:extLst>
+          </p:cNvPr>
+          <p:cNvSpPr txBox="1"/>
+          <p:nvPr/>
+        </p:nvSpPr>
+        <p:spPr>
+          <a:xfrm>
+            <a:off x="7843520" y="3244334"/>
+            <a:ext cx="1645920" cy="369332"/>
+          </a:xfrm>
+          <a:prstGeom prst="rect">
+            <a:avLst/>
+          </a:prstGeom>
+          <a:noFill/>
+        </p:spPr>
+        <p:txBody>
+          <a:bodyPr wrap="square" rtlCol="0">
+            <a:spAutoFit/>
+          </a:bodyPr>
+          <a:lstStyle/>
+          <a:p>
+            <a:r>
+              <a:rPr lang="en-US" dirty="0"/>
+              <a:t>Accuracy: 97%</a:t>
+            </a:r>
+          </a:p>
+        </p:txBody>
+      </p:sp>
     </p:spTree>
     <p:extLst>
       <p:ext uri="{BB962C8B-B14F-4D97-AF65-F5344CB8AC3E}">
@@ -7996,7 +8249,7 @@
 </p:sld>
 </file>
 
-<file path=ppt/slides/slide12.xml><?xml version="1.0" encoding="utf-8"?>
+<file path=ppt/slides/slide13.xml><?xml version="1.0" encoding="utf-8"?>
 <p:sld xmlns:a="http://schemas.openxmlformats.org/drawingml/2006/main" xmlns:r="http://schemas.openxmlformats.org/officeDocument/2006/relationships" xmlns:p="http://schemas.openxmlformats.org/presentationml/2006/main">
   <p:cSld>
     <p:spTree>
@@ -8084,7 +8337,7 @@
 </p:sld>
 </file>
 
-<file path=ppt/slides/slide13.xml><?xml version="1.0" encoding="utf-8"?>
+<file path=ppt/slides/slide14.xml><?xml version="1.0" encoding="utf-8"?>
 <p:sld xmlns:a="http://schemas.openxmlformats.org/drawingml/2006/main" xmlns:r="http://schemas.openxmlformats.org/officeDocument/2006/relationships" xmlns:p="http://schemas.openxmlformats.org/presentationml/2006/main">
   <p:cSld>
     <p:spTree>
@@ -8159,6 +8412,41 @@
           </a:prstGeom>
         </p:spPr>
       </p:pic>
+      <p:sp>
+        <p:nvSpPr>
+          <p:cNvPr id="3" name="TextBox 2">
+            <a:extLst>
+              <a:ext uri="{FF2B5EF4-FFF2-40B4-BE49-F238E27FC236}">
+                <a16:creationId xmlns:a16="http://schemas.microsoft.com/office/drawing/2014/main" id="{4C7EEB31-7267-0573-02A1-149D77746ECC}"/>
+              </a:ext>
+            </a:extLst>
+          </p:cNvPr>
+          <p:cNvSpPr txBox="1"/>
+          <p:nvPr/>
+        </p:nvSpPr>
+        <p:spPr>
+          <a:xfrm>
+            <a:off x="7701280" y="3429000"/>
+            <a:ext cx="1645920" cy="369332"/>
+          </a:xfrm>
+          <a:prstGeom prst="rect">
+            <a:avLst/>
+          </a:prstGeom>
+          <a:noFill/>
+        </p:spPr>
+        <p:txBody>
+          <a:bodyPr wrap="square" rtlCol="0">
+            <a:spAutoFit/>
+          </a:bodyPr>
+          <a:lstStyle/>
+          <a:p>
+            <a:r>
+              <a:rPr lang="en-US" dirty="0"/>
+              <a:t>Accuracy: 75%</a:t>
+            </a:r>
+          </a:p>
+        </p:txBody>
+      </p:sp>
     </p:spTree>
     <p:extLst>
       <p:ext uri="{BB962C8B-B14F-4D97-AF65-F5344CB8AC3E}">
@@ -8172,7 +8460,7 @@
 </p:sld>
 </file>
 
-<file path=ppt/slides/slide14.xml><?xml version="1.0" encoding="utf-8"?>
+<file path=ppt/slides/slide15.xml><?xml version="1.0" encoding="utf-8"?>
 <p:sld xmlns:a="http://schemas.openxmlformats.org/drawingml/2006/main" xmlns:r="http://schemas.openxmlformats.org/officeDocument/2006/relationships" xmlns:p="http://schemas.openxmlformats.org/presentationml/2006/main">
   <p:cSld>
     <p:spTree>
@@ -8251,129 +8539,6 @@
     <p:extLst>
       <p:ext uri="{BB962C8B-B14F-4D97-AF65-F5344CB8AC3E}">
         <p14:creationId xmlns:p14="http://schemas.microsoft.com/office/powerpoint/2010/main" val="3742934645"/>
-      </p:ext>
-    </p:extLst>
-  </p:cSld>
-  <p:clrMapOvr>
-    <a:masterClrMapping/>
-  </p:clrMapOvr>
-</p:sld>
-</file>
-
-<file path=ppt/slides/slide15.xml><?xml version="1.0" encoding="utf-8"?>
-<p:sld xmlns:a="http://schemas.openxmlformats.org/drawingml/2006/main" xmlns:r="http://schemas.openxmlformats.org/officeDocument/2006/relationships" xmlns:p="http://schemas.openxmlformats.org/presentationml/2006/main">
-  <p:cSld>
-    <p:spTree>
-      <p:nvGrpSpPr>
-        <p:cNvPr id="1" name=""/>
-        <p:cNvGrpSpPr/>
-        <p:nvPr/>
-      </p:nvGrpSpPr>
-      <p:grpSpPr>
-        <a:xfrm>
-          <a:off x="0" y="0"/>
-          <a:ext cx="0" cy="0"/>
-          <a:chOff x="0" y="0"/>
-          <a:chExt cx="0" cy="0"/>
-        </a:xfrm>
-      </p:grpSpPr>
-      <p:sp>
-        <p:nvSpPr>
-          <p:cNvPr id="2" name="Title 1">
-            <a:extLst>
-              <a:ext uri="{FF2B5EF4-FFF2-40B4-BE49-F238E27FC236}">
-                <a16:creationId xmlns:a16="http://schemas.microsoft.com/office/drawing/2014/main" id="{86A013A9-5EAC-67F8-2AEA-9F6F1D190EEC}"/>
-              </a:ext>
-            </a:extLst>
-          </p:cNvPr>
-          <p:cNvSpPr>
-            <a:spLocks noGrp="1"/>
-          </p:cNvSpPr>
-          <p:nvPr>
-            <p:ph type="title"/>
-          </p:nvPr>
-        </p:nvSpPr>
-        <p:spPr/>
-        <p:txBody>
-          <a:bodyPr/>
-          <a:lstStyle/>
-          <a:p>
-            <a:r>
-              <a:rPr lang="en-US"/>
-              <a:t>Correlation Matrix</a:t>
-            </a:r>
-          </a:p>
-        </p:txBody>
-      </p:sp>
-      <p:pic>
-        <p:nvPicPr>
-          <p:cNvPr id="5" name="Picture 4">
-            <a:extLst>
-              <a:ext uri="{FF2B5EF4-FFF2-40B4-BE49-F238E27FC236}">
-                <a16:creationId xmlns:a16="http://schemas.microsoft.com/office/drawing/2014/main" id="{B6DE2A1D-A53E-06D7-EDD9-1E2AC1ED4FEF}"/>
-              </a:ext>
-            </a:extLst>
-          </p:cNvPr>
-          <p:cNvPicPr>
-            <a:picLocks noChangeAspect="1"/>
-          </p:cNvPicPr>
-          <p:nvPr/>
-        </p:nvPicPr>
-        <p:blipFill>
-          <a:blip r:embed="rId3"/>
-          <a:stretch>
-            <a:fillRect/>
-          </a:stretch>
-        </p:blipFill>
-        <p:spPr>
-          <a:xfrm>
-            <a:off x="677334" y="1643247"/>
-            <a:ext cx="5982962" cy="4706753"/>
-          </a:xfrm>
-          <a:prstGeom prst="rect">
-            <a:avLst/>
-          </a:prstGeom>
-        </p:spPr>
-      </p:pic>
-      <p:sp>
-        <p:nvSpPr>
-          <p:cNvPr id="6" name="TextBox 5">
-            <a:extLst>
-              <a:ext uri="{FF2B5EF4-FFF2-40B4-BE49-F238E27FC236}">
-                <a16:creationId xmlns:a16="http://schemas.microsoft.com/office/drawing/2014/main" id="{39B88395-FC3E-6AB9-8BAF-C89469E40847}"/>
-              </a:ext>
-            </a:extLst>
-          </p:cNvPr>
-          <p:cNvSpPr txBox="1"/>
-          <p:nvPr/>
-        </p:nvSpPr>
-        <p:spPr>
-          <a:xfrm>
-            <a:off x="6660296" y="3630585"/>
-            <a:ext cx="3373120" cy="369332"/>
-          </a:xfrm>
-          <a:prstGeom prst="rect">
-            <a:avLst/>
-          </a:prstGeom>
-          <a:noFill/>
-        </p:spPr>
-        <p:txBody>
-          <a:bodyPr wrap="square" rtlCol="0">
-            <a:spAutoFit/>
-          </a:bodyPr>
-          <a:lstStyle/>
-          <a:p>
-            <a:r>
-              <a:rPr lang="en-US"/>
-              <a:t>*No correlation is above 0.51</a:t>
-            </a:r>
-          </a:p>
-        </p:txBody>
-      </p:sp>
-    </p:spTree>
-    <p:extLst>
-      <p:ext uri="{BB962C8B-B14F-4D97-AF65-F5344CB8AC3E}">
-        <p14:creationId xmlns:p14="http://schemas.microsoft.com/office/powerpoint/2010/main" val="1748006529"/>
       </p:ext>
     </p:extLst>
   </p:cSld>
@@ -15110,118 +15275,6 @@
   <p:cSld>
     <p:spTree>
       <p:nvGrpSpPr>
-        <p:cNvPr id="1" name="">
-          <a:extLst>
-            <a:ext uri="{FF2B5EF4-FFF2-40B4-BE49-F238E27FC236}">
-              <a16:creationId xmlns:a16="http://schemas.microsoft.com/office/drawing/2014/main" id="{60014A05-4AD5-A7DA-D25B-F3B6AAC296F6}"/>
-            </a:ext>
-          </a:extLst>
-        </p:cNvPr>
-        <p:cNvGrpSpPr/>
-        <p:nvPr/>
-      </p:nvGrpSpPr>
-      <p:grpSpPr>
-        <a:xfrm>
-          <a:off x="0" y="0"/>
-          <a:ext cx="0" cy="0"/>
-          <a:chOff x="0" y="0"/>
-          <a:chExt cx="0" cy="0"/>
-        </a:xfrm>
-      </p:grpSpPr>
-      <p:sp>
-        <p:nvSpPr>
-          <p:cNvPr id="2" name="標題 1">
-            <a:extLst>
-              <a:ext uri="{FF2B5EF4-FFF2-40B4-BE49-F238E27FC236}">
-                <a16:creationId xmlns:a16="http://schemas.microsoft.com/office/drawing/2014/main" id="{560FFB76-1144-302C-02EB-F44BA8505B42}"/>
-              </a:ext>
-            </a:extLst>
-          </p:cNvPr>
-          <p:cNvSpPr>
-            <a:spLocks noGrp="1"/>
-          </p:cNvSpPr>
-          <p:nvPr>
-            <p:ph type="title"/>
-          </p:nvPr>
-        </p:nvSpPr>
-        <p:spPr/>
-        <p:txBody>
-          <a:bodyPr/>
-          <a:lstStyle/>
-          <a:p>
-            <a:r>
-              <a:rPr kumimoji="1" lang="en-US" altLang="zh-TW" b="1">
-                <a:latin typeface="Times New Roman" panose="02020603050405020304" pitchFamily="18" charset="0"/>
-                <a:cs typeface="Times New Roman" panose="02020603050405020304" pitchFamily="18" charset="0"/>
-              </a:rPr>
-              <a:t>Smart Question 1</a:t>
-            </a:r>
-            <a:endParaRPr kumimoji="1" lang="zh-TW" altLang="en-US" b="1">
-              <a:latin typeface="Times New Roman" panose="02020603050405020304" pitchFamily="18" charset="0"/>
-              <a:cs typeface="Times New Roman" panose="02020603050405020304" pitchFamily="18" charset="0"/>
-            </a:endParaRPr>
-          </a:p>
-        </p:txBody>
-      </p:sp>
-      <p:sp>
-        <p:nvSpPr>
-          <p:cNvPr id="3" name="內容版面配置區 2">
-            <a:extLst>
-              <a:ext uri="{FF2B5EF4-FFF2-40B4-BE49-F238E27FC236}">
-                <a16:creationId xmlns:a16="http://schemas.microsoft.com/office/drawing/2014/main" id="{C089B9FB-E92A-1D10-614D-C2AA1F1879FD}"/>
-              </a:ext>
-            </a:extLst>
-          </p:cNvPr>
-          <p:cNvSpPr>
-            <a:spLocks noGrp="1"/>
-          </p:cNvSpPr>
-          <p:nvPr>
-            <p:ph idx="1"/>
-          </p:nvPr>
-        </p:nvSpPr>
-        <p:spPr>
-          <a:xfrm>
-            <a:off x="677334" y="1930400"/>
-            <a:ext cx="7968826" cy="3880773"/>
-          </a:xfrm>
-        </p:spPr>
-        <p:txBody>
-          <a:bodyPr>
-            <a:normAutofit/>
-          </a:bodyPr>
-          <a:lstStyle/>
-          <a:p>
-            <a:pPr marL="0" indent="0">
-              <a:buNone/>
-            </a:pPr>
-            <a:r>
-              <a:rPr kumimoji="1" lang="en-US" altLang="zh-TW" sz="3200">
-                <a:latin typeface="Times New Roman" panose="02020603050405020304" pitchFamily="18" charset="0"/>
-                <a:cs typeface="Times New Roman" panose="02020603050405020304" pitchFamily="18" charset="0"/>
-              </a:rPr>
-              <a:t>How well can demographic characteristics predict whether an adult has a diagnosed mental illness in New York State using PCS 2019 data?</a:t>
-            </a:r>
-          </a:p>
-        </p:txBody>
-      </p:sp>
-    </p:spTree>
-    <p:extLst>
-      <p:ext uri="{BB962C8B-B14F-4D97-AF65-F5344CB8AC3E}">
-        <p14:creationId xmlns:p14="http://schemas.microsoft.com/office/powerpoint/2010/main" val="2402511089"/>
-      </p:ext>
-    </p:extLst>
-  </p:cSld>
-  <p:clrMapOvr>
-    <a:masterClrMapping/>
-  </p:clrMapOvr>
-</p:sld>
-</file>
-
-<file path=ppt/slides/slide5.xml><?xml version="1.0" encoding="utf-8"?>
-<p:sld xmlns:a="http://schemas.openxmlformats.org/drawingml/2006/main" xmlns:r="http://schemas.openxmlformats.org/officeDocument/2006/relationships" xmlns:p="http://schemas.openxmlformats.org/presentationml/2006/main">
-  <p:cSld>
-    <p:spTree>
-      <p:nvGrpSpPr>
         <p:cNvPr id="1" name=""/>
         <p:cNvGrpSpPr/>
         <p:nvPr/>
@@ -15304,6 +15357,118 @@
     <p:extLst>
       <p:ext uri="{BB962C8B-B14F-4D97-AF65-F5344CB8AC3E}">
         <p14:creationId xmlns:p14="http://schemas.microsoft.com/office/powerpoint/2010/main" val="4124866369"/>
+      </p:ext>
+    </p:extLst>
+  </p:cSld>
+  <p:clrMapOvr>
+    <a:masterClrMapping/>
+  </p:clrMapOvr>
+</p:sld>
+</file>
+
+<file path=ppt/slides/slide5.xml><?xml version="1.0" encoding="utf-8"?>
+<p:sld xmlns:a="http://schemas.openxmlformats.org/drawingml/2006/main" xmlns:r="http://schemas.openxmlformats.org/officeDocument/2006/relationships" xmlns:p="http://schemas.openxmlformats.org/presentationml/2006/main">
+  <p:cSld>
+    <p:spTree>
+      <p:nvGrpSpPr>
+        <p:cNvPr id="1" name="">
+          <a:extLst>
+            <a:ext uri="{FF2B5EF4-FFF2-40B4-BE49-F238E27FC236}">
+              <a16:creationId xmlns:a16="http://schemas.microsoft.com/office/drawing/2014/main" id="{60014A05-4AD5-A7DA-D25B-F3B6AAC296F6}"/>
+            </a:ext>
+          </a:extLst>
+        </p:cNvPr>
+        <p:cNvGrpSpPr/>
+        <p:nvPr/>
+      </p:nvGrpSpPr>
+      <p:grpSpPr>
+        <a:xfrm>
+          <a:off x="0" y="0"/>
+          <a:ext cx="0" cy="0"/>
+          <a:chOff x="0" y="0"/>
+          <a:chExt cx="0" cy="0"/>
+        </a:xfrm>
+      </p:grpSpPr>
+      <p:sp>
+        <p:nvSpPr>
+          <p:cNvPr id="2" name="標題 1">
+            <a:extLst>
+              <a:ext uri="{FF2B5EF4-FFF2-40B4-BE49-F238E27FC236}">
+                <a16:creationId xmlns:a16="http://schemas.microsoft.com/office/drawing/2014/main" id="{560FFB76-1144-302C-02EB-F44BA8505B42}"/>
+              </a:ext>
+            </a:extLst>
+          </p:cNvPr>
+          <p:cNvSpPr>
+            <a:spLocks noGrp="1"/>
+          </p:cNvSpPr>
+          <p:nvPr>
+            <p:ph type="title"/>
+          </p:nvPr>
+        </p:nvSpPr>
+        <p:spPr/>
+        <p:txBody>
+          <a:bodyPr/>
+          <a:lstStyle/>
+          <a:p>
+            <a:r>
+              <a:rPr kumimoji="1" lang="en-US" altLang="zh-TW" b="1">
+                <a:latin typeface="Times New Roman" panose="02020603050405020304" pitchFamily="18" charset="0"/>
+                <a:cs typeface="Times New Roman" panose="02020603050405020304" pitchFamily="18" charset="0"/>
+              </a:rPr>
+              <a:t>Smart Question 1</a:t>
+            </a:r>
+            <a:endParaRPr kumimoji="1" lang="zh-TW" altLang="en-US" b="1">
+              <a:latin typeface="Times New Roman" panose="02020603050405020304" pitchFamily="18" charset="0"/>
+              <a:cs typeface="Times New Roman" panose="02020603050405020304" pitchFamily="18" charset="0"/>
+            </a:endParaRPr>
+          </a:p>
+        </p:txBody>
+      </p:sp>
+      <p:sp>
+        <p:nvSpPr>
+          <p:cNvPr id="3" name="內容版面配置區 2">
+            <a:extLst>
+              <a:ext uri="{FF2B5EF4-FFF2-40B4-BE49-F238E27FC236}">
+                <a16:creationId xmlns:a16="http://schemas.microsoft.com/office/drawing/2014/main" id="{C089B9FB-E92A-1D10-614D-C2AA1F1879FD}"/>
+              </a:ext>
+            </a:extLst>
+          </p:cNvPr>
+          <p:cNvSpPr>
+            <a:spLocks noGrp="1"/>
+          </p:cNvSpPr>
+          <p:nvPr>
+            <p:ph idx="1"/>
+          </p:nvPr>
+        </p:nvSpPr>
+        <p:spPr>
+          <a:xfrm>
+            <a:off x="677334" y="1930400"/>
+            <a:ext cx="7968826" cy="3880773"/>
+          </a:xfrm>
+        </p:spPr>
+        <p:txBody>
+          <a:bodyPr>
+            <a:normAutofit/>
+          </a:bodyPr>
+          <a:lstStyle/>
+          <a:p>
+            <a:pPr marL="0" indent="0">
+              <a:buNone/>
+            </a:pPr>
+            <a:r>
+              <a:rPr kumimoji="1" lang="en-US" altLang="zh-TW" sz="3200">
+                <a:latin typeface="Times New Roman" panose="02020603050405020304" pitchFamily="18" charset="0"/>
+                <a:cs typeface="Times New Roman" panose="02020603050405020304" pitchFamily="18" charset="0"/>
+              </a:rPr>
+              <a:t>How well can demographic characteristics predict whether an adult has a diagnosed mental illness in New York State using PCS 2019 data?</a:t>
+            </a:r>
+          </a:p>
+        </p:txBody>
+      </p:sp>
+    </p:spTree>
+    <p:extLst>
+      <p:ext uri="{BB962C8B-B14F-4D97-AF65-F5344CB8AC3E}">
+        <p14:creationId xmlns:p14="http://schemas.microsoft.com/office/powerpoint/2010/main" val="2402511089"/>
       </p:ext>
     </p:extLst>
   </p:cSld>
@@ -15456,7 +15621,7 @@
           <p:cNvPr id="2" name="Title 1">
             <a:extLst>
               <a:ext uri="{FF2B5EF4-FFF2-40B4-BE49-F238E27FC236}">
-                <a16:creationId xmlns:a16="http://schemas.microsoft.com/office/drawing/2014/main" id="{5C3DCDDC-DB85-6D2E-64B2-5B81F71B92A8}"/>
+                <a16:creationId xmlns:a16="http://schemas.microsoft.com/office/drawing/2014/main" id="{86A013A9-5EAC-67F8-2AEA-9F6F1D190EEC}"/>
               </a:ext>
             </a:extLst>
           </p:cNvPr>
@@ -15474,26 +15639,24 @@
           <a:p>
             <a:r>
               <a:rPr lang="en-US"/>
-              <a:t>Logistic Regression</a:t>
+              <a:t>Correlation Matrix</a:t>
             </a:r>
           </a:p>
         </p:txBody>
       </p:sp>
       <p:pic>
         <p:nvPicPr>
-          <p:cNvPr id="5" name="Content Placeholder 4">
+          <p:cNvPr id="5" name="Picture 4">
             <a:extLst>
               <a:ext uri="{FF2B5EF4-FFF2-40B4-BE49-F238E27FC236}">
-                <a16:creationId xmlns:a16="http://schemas.microsoft.com/office/drawing/2014/main" id="{1CFEF64C-D530-53AF-577C-C65696F6E1DA}"/>
+                <a16:creationId xmlns:a16="http://schemas.microsoft.com/office/drawing/2014/main" id="{B6DE2A1D-A53E-06D7-EDD9-1E2AC1ED4FEF}"/>
               </a:ext>
             </a:extLst>
           </p:cNvPr>
           <p:cNvPicPr>
-            <a:picLocks noGrp="1" noChangeAspect="1"/>
+            <a:picLocks noChangeAspect="1"/>
           </p:cNvPicPr>
-          <p:nvPr>
-            <p:ph idx="1"/>
-          </p:nvPr>
+          <p:nvPr/>
         </p:nvPicPr>
         <p:blipFill>
           <a:blip r:embed="rId3"/>
@@ -15503,18 +15666,53 @@
         </p:blipFill>
         <p:spPr>
           <a:xfrm>
-            <a:off x="1812279" y="2011415"/>
-            <a:ext cx="5726441" cy="4576688"/>
+            <a:off x="677334" y="1643247"/>
+            <a:ext cx="5982962" cy="4706753"/>
           </a:xfrm>
           <a:prstGeom prst="rect">
             <a:avLst/>
           </a:prstGeom>
         </p:spPr>
       </p:pic>
+      <p:sp>
+        <p:nvSpPr>
+          <p:cNvPr id="6" name="TextBox 5">
+            <a:extLst>
+              <a:ext uri="{FF2B5EF4-FFF2-40B4-BE49-F238E27FC236}">
+                <a16:creationId xmlns:a16="http://schemas.microsoft.com/office/drawing/2014/main" id="{39B88395-FC3E-6AB9-8BAF-C89469E40847}"/>
+              </a:ext>
+            </a:extLst>
+          </p:cNvPr>
+          <p:cNvSpPr txBox="1"/>
+          <p:nvPr/>
+        </p:nvSpPr>
+        <p:spPr>
+          <a:xfrm>
+            <a:off x="6660296" y="3630585"/>
+            <a:ext cx="3373120" cy="369332"/>
+          </a:xfrm>
+          <a:prstGeom prst="rect">
+            <a:avLst/>
+          </a:prstGeom>
+          <a:noFill/>
+        </p:spPr>
+        <p:txBody>
+          <a:bodyPr wrap="square" rtlCol="0">
+            <a:spAutoFit/>
+          </a:bodyPr>
+          <a:lstStyle/>
+          <a:p>
+            <a:r>
+              <a:rPr lang="en-US"/>
+              <a:t>*No correlation is above 0.51</a:t>
+            </a:r>
+          </a:p>
+        </p:txBody>
+      </p:sp>
     </p:spTree>
     <p:extLst>
       <p:ext uri="{BB962C8B-B14F-4D97-AF65-F5344CB8AC3E}">
-        <p14:creationId xmlns:p14="http://schemas.microsoft.com/office/powerpoint/2010/main" val="1919978328"/>
+        <p14:creationId xmlns:p14="http://schemas.microsoft.com/office/powerpoint/2010/main" val="1748006529"/>
       </p:ext>
     </p:extLst>
   </p:cSld>
@@ -15546,7 +15744,7 @@
           <p:cNvPr id="2" name="Title 1">
             <a:extLst>
               <a:ext uri="{FF2B5EF4-FFF2-40B4-BE49-F238E27FC236}">
-                <a16:creationId xmlns:a16="http://schemas.microsoft.com/office/drawing/2014/main" id="{18A1BAB6-0B04-D715-99C2-1AFB743CE449}"/>
+                <a16:creationId xmlns:a16="http://schemas.microsoft.com/office/drawing/2014/main" id="{5C3DCDDC-DB85-6D2E-64B2-5B81F71B92A8}"/>
               </a:ext>
             </a:extLst>
           </p:cNvPr>
@@ -15564,7 +15762,7 @@
           <a:p>
             <a:r>
               <a:rPr lang="en-US"/>
-              <a:t>Odds Ratios</a:t>
+              <a:t>Logistic Regression</a:t>
             </a:r>
           </a:p>
         </p:txBody>
@@ -15574,7 +15772,7 @@
           <p:cNvPr id="5" name="Content Placeholder 4">
             <a:extLst>
               <a:ext uri="{FF2B5EF4-FFF2-40B4-BE49-F238E27FC236}">
-                <a16:creationId xmlns:a16="http://schemas.microsoft.com/office/drawing/2014/main" id="{588C5190-1805-5094-9D9D-9C8E03AE3D4B}"/>
+                <a16:creationId xmlns:a16="http://schemas.microsoft.com/office/drawing/2014/main" id="{1CFEF64C-D530-53AF-577C-C65696F6E1DA}"/>
               </a:ext>
             </a:extLst>
           </p:cNvPr>
@@ -15593,18 +15791,53 @@
         </p:blipFill>
         <p:spPr>
           <a:xfrm>
-            <a:off x="1060439" y="1353525"/>
-            <a:ext cx="6813561" cy="5007237"/>
+            <a:off x="1812279" y="2011415"/>
+            <a:ext cx="5726441" cy="4576688"/>
           </a:xfrm>
           <a:prstGeom prst="rect">
             <a:avLst/>
           </a:prstGeom>
         </p:spPr>
       </p:pic>
+      <p:sp>
+        <p:nvSpPr>
+          <p:cNvPr id="3" name="TextBox 2">
+            <a:extLst>
+              <a:ext uri="{FF2B5EF4-FFF2-40B4-BE49-F238E27FC236}">
+                <a16:creationId xmlns:a16="http://schemas.microsoft.com/office/drawing/2014/main" id="{227C44DD-CFC5-3227-55FE-A98F29178CAE}"/>
+              </a:ext>
+            </a:extLst>
+          </p:cNvPr>
+          <p:cNvSpPr txBox="1"/>
+          <p:nvPr/>
+        </p:nvSpPr>
+        <p:spPr>
+          <a:xfrm>
+            <a:off x="7894320" y="3630137"/>
+            <a:ext cx="1645920" cy="369332"/>
+          </a:xfrm>
+          <a:prstGeom prst="rect">
+            <a:avLst/>
+          </a:prstGeom>
+          <a:noFill/>
+        </p:spPr>
+        <p:txBody>
+          <a:bodyPr wrap="square" rtlCol="0">
+            <a:spAutoFit/>
+          </a:bodyPr>
+          <a:lstStyle/>
+          <a:p>
+            <a:r>
+              <a:rPr lang="en-US" dirty="0"/>
+              <a:t>Accuracy: 97%</a:t>
+            </a:r>
+          </a:p>
+        </p:txBody>
+      </p:sp>
     </p:spTree>
     <p:extLst>
       <p:ext uri="{BB962C8B-B14F-4D97-AF65-F5344CB8AC3E}">
-        <p14:creationId xmlns:p14="http://schemas.microsoft.com/office/powerpoint/2010/main" val="4284419568"/>
+        <p14:creationId xmlns:p14="http://schemas.microsoft.com/office/powerpoint/2010/main" val="1919978328"/>
       </p:ext>
     </p:extLst>
   </p:cSld>
@@ -15636,7 +15869,7 @@
           <p:cNvPr id="2" name="Title 1">
             <a:extLst>
               <a:ext uri="{FF2B5EF4-FFF2-40B4-BE49-F238E27FC236}">
-                <a16:creationId xmlns:a16="http://schemas.microsoft.com/office/drawing/2014/main" id="{F884975E-D18A-6B2A-1347-5BACF48DEA7D}"/>
+                <a16:creationId xmlns:a16="http://schemas.microsoft.com/office/drawing/2014/main" id="{18A1BAB6-0B04-D715-99C2-1AFB743CE449}"/>
               </a:ext>
             </a:extLst>
           </p:cNvPr>
@@ -15654,24 +15887,26 @@
           <a:p>
             <a:r>
               <a:rPr lang="en-US"/>
-              <a:t>Balancing Class Weight</a:t>
+              <a:t>Odds Ratios</a:t>
             </a:r>
           </a:p>
         </p:txBody>
       </p:sp>
       <p:pic>
         <p:nvPicPr>
-          <p:cNvPr id="5" name="Picture 4">
+          <p:cNvPr id="5" name="Content Placeholder 4">
             <a:extLst>
               <a:ext uri="{FF2B5EF4-FFF2-40B4-BE49-F238E27FC236}">
-                <a16:creationId xmlns:a16="http://schemas.microsoft.com/office/drawing/2014/main" id="{3BC982DC-7FC2-867A-9BAB-B4010AC66475}"/>
+                <a16:creationId xmlns:a16="http://schemas.microsoft.com/office/drawing/2014/main" id="{588C5190-1805-5094-9D9D-9C8E03AE3D4B}"/>
               </a:ext>
             </a:extLst>
           </p:cNvPr>
           <p:cNvPicPr>
-            <a:picLocks noChangeAspect="1"/>
+            <a:picLocks noGrp="1" noChangeAspect="1"/>
           </p:cNvPicPr>
-          <p:nvPr/>
+          <p:nvPr>
+            <p:ph idx="1"/>
+          </p:nvPr>
         </p:nvPicPr>
         <p:blipFill>
           <a:blip r:embed="rId3"/>
@@ -15681,8 +15916,8 @@
         </p:blipFill>
         <p:spPr>
           <a:xfrm>
-            <a:off x="1320800" y="1439494"/>
-            <a:ext cx="6380479" cy="5066850"/>
+            <a:off x="1060439" y="1353525"/>
+            <a:ext cx="6813561" cy="5007237"/>
           </a:xfrm>
           <a:prstGeom prst="rect">
             <a:avLst/>
@@ -15692,7 +15927,7 @@
     </p:spTree>
     <p:extLst>
       <p:ext uri="{BB962C8B-B14F-4D97-AF65-F5344CB8AC3E}">
-        <p14:creationId xmlns:p14="http://schemas.microsoft.com/office/powerpoint/2010/main" val="628236639"/>
+        <p14:creationId xmlns:p14="http://schemas.microsoft.com/office/powerpoint/2010/main" val="4284419568"/>
       </p:ext>
     </p:extLst>
   </p:cSld>

--- a/Presentation/Final_Presentation.pptx
+++ b/Presentation/Final_Presentation.pptx
@@ -5,40 +5,41 @@
     <p:sldMasterId id="2147483875" r:id="rId1"/>
   </p:sldMasterIdLst>
   <p:notesMasterIdLst>
-    <p:notesMasterId r:id="rId33"/>
+    <p:notesMasterId r:id="rId34"/>
   </p:notesMasterIdLst>
   <p:sldIdLst>
     <p:sldId id="256" r:id="rId2"/>
     <p:sldId id="257" r:id="rId3"/>
     <p:sldId id="270" r:id="rId4"/>
-    <p:sldId id="258" r:id="rId5"/>
-    <p:sldId id="276" r:id="rId6"/>
+    <p:sldId id="276" r:id="rId5"/>
+    <p:sldId id="258" r:id="rId6"/>
     <p:sldId id="277" r:id="rId7"/>
-    <p:sldId id="278" r:id="rId8"/>
-    <p:sldId id="279" r:id="rId9"/>
-    <p:sldId id="280" r:id="rId10"/>
-    <p:sldId id="281" r:id="rId11"/>
-    <p:sldId id="282" r:id="rId12"/>
-    <p:sldId id="283" r:id="rId13"/>
-    <p:sldId id="284" r:id="rId14"/>
-    <p:sldId id="285" r:id="rId15"/>
-    <p:sldId id="286" r:id="rId16"/>
+    <p:sldId id="286" r:id="rId8"/>
+    <p:sldId id="278" r:id="rId9"/>
+    <p:sldId id="279" r:id="rId10"/>
+    <p:sldId id="280" r:id="rId11"/>
+    <p:sldId id="281" r:id="rId12"/>
+    <p:sldId id="282" r:id="rId13"/>
+    <p:sldId id="283" r:id="rId14"/>
+    <p:sldId id="284" r:id="rId15"/>
+    <p:sldId id="285" r:id="rId16"/>
     <p:sldId id="268" r:id="rId17"/>
     <p:sldId id="264" r:id="rId18"/>
     <p:sldId id="287" r:id="rId19"/>
     <p:sldId id="288" r:id="rId20"/>
     <p:sldId id="289" r:id="rId21"/>
     <p:sldId id="290" r:id="rId22"/>
-    <p:sldId id="291" r:id="rId23"/>
-    <p:sldId id="263" r:id="rId24"/>
-    <p:sldId id="265" r:id="rId25"/>
-    <p:sldId id="260" r:id="rId26"/>
-    <p:sldId id="261" r:id="rId27"/>
-    <p:sldId id="266" r:id="rId28"/>
-    <p:sldId id="267" r:id="rId29"/>
-    <p:sldId id="273" r:id="rId30"/>
-    <p:sldId id="269" r:id="rId31"/>
-    <p:sldId id="275" r:id="rId32"/>
+    <p:sldId id="292" r:id="rId23"/>
+    <p:sldId id="291" r:id="rId24"/>
+    <p:sldId id="263" r:id="rId25"/>
+    <p:sldId id="265" r:id="rId26"/>
+    <p:sldId id="260" r:id="rId27"/>
+    <p:sldId id="261" r:id="rId28"/>
+    <p:sldId id="266" r:id="rId29"/>
+    <p:sldId id="267" r:id="rId30"/>
+    <p:sldId id="273" r:id="rId31"/>
+    <p:sldId id="269" r:id="rId32"/>
+    <p:sldId id="275" r:id="rId33"/>
   </p:sldIdLst>
   <p:sldSz cx="12192000" cy="6858000"/>
   <p:notesSz cx="6858000" cy="9144000"/>
@@ -150,7 +151,8 @@
   <p1510:revLst>
     <p1510:client id="{401A290C-676C-8658-1848-ABDED01A3298}" v="161" dt="2025-12-04T04:30:01.922"/>
     <p1510:client id="{69717D19-0AEE-0EFE-62AC-6A715FBD96BB}" v="1059" dt="2025-12-03T19:26:52.822"/>
-    <p1510:client id="{B7D17B82-5527-4661-8B13-DC96109D97FA}" v="17" dt="2025-12-03T05:43:29.744"/>
+    <p1510:client id="{B7D17B82-5527-4661-8B13-DC96109D97FA}" v="23" dt="2025-12-04T04:37:01.449"/>
+    <p1510:client id="{FE11F098-1341-5231-6FE4-654342703829}" v="24" dt="2025-12-04T04:51:03.878"/>
   </p1510:revLst>
 </p1510:revInfo>
 </file>
@@ -548,6 +550,23 @@
           <a:bodyPr/>
           <a:lstStyle/>
           <a:p>
+            <a:pPr marL="0" marR="0" lvl="0" indent="0" algn="l" defTabSz="914400" rtl="0" eaLnBrk="1" fontAlgn="auto" latinLnBrk="0" hangingPunct="1">
+              <a:lnSpc>
+                <a:spcPct val="100000"/>
+              </a:lnSpc>
+              <a:spcBef>
+                <a:spcPts val="0"/>
+              </a:spcBef>
+              <a:spcAft>
+                <a:spcPts val="0"/>
+              </a:spcAft>
+              <a:buClrTx/>
+              <a:buSzTx/>
+              <a:buFontTx/>
+              <a:buNone/>
+              <a:tabLst/>
+              <a:defRPr/>
+            </a:pPr>
             <a:r>
               <a:rPr lang="en-US" sz="1200" b="0" kern="1200">
                 <a:solidFill>
@@ -558,49 +577,7 @@
                 <a:ea typeface="+mn-ea"/>
                 <a:cs typeface="+mn-cs"/>
               </a:rPr>
-              <a:t># The logistic regression highlights the class imbalance of the data. The accuracy of the model</a:t>
-            </a:r>
-          </a:p>
-          <a:p>
-            <a:r>
-              <a:rPr lang="en-US" sz="1200" b="0" kern="1200">
-                <a:solidFill>
-                  <a:schemeClr val="tx1"/>
-                </a:solidFill>
-                <a:effectLst/>
-                <a:latin typeface="+mn-lt"/>
-                <a:ea typeface="+mn-ea"/>
-                <a:cs typeface="+mn-cs"/>
-              </a:rPr>
-              <a:t># appears to be 97%. However, the model does not identify those who do not have a mental illness.</a:t>
-            </a:r>
-          </a:p>
-          <a:p>
-            <a:r>
-              <a:rPr lang="en-US" sz="1200" b="0" kern="1200">
-                <a:solidFill>
-                  <a:schemeClr val="tx1"/>
-                </a:solidFill>
-                <a:effectLst/>
-                <a:latin typeface="+mn-lt"/>
-                <a:ea typeface="+mn-ea"/>
-                <a:cs typeface="+mn-cs"/>
-              </a:rPr>
-              <a:t># The AUC of 0.67 demonstrates that the logistic regression had modest discriminative ability. </a:t>
-            </a:r>
-          </a:p>
-          <a:p>
-            <a:r>
-              <a:rPr lang="en-US" sz="1200" b="0" kern="1200">
-                <a:solidFill>
-                  <a:schemeClr val="tx1"/>
-                </a:solidFill>
-                <a:effectLst/>
-                <a:latin typeface="+mn-lt"/>
-                <a:ea typeface="+mn-ea"/>
-                <a:cs typeface="+mn-cs"/>
-              </a:rPr>
-              <a:t># The current model is not suitable for the data due to the class imbalance.</a:t>
+              <a:t> No correlation is above 0.51, so I do not think multicollinearity needs to be addressed.</a:t>
             </a:r>
           </a:p>
           <a:p>
@@ -634,7 +611,7 @@
     </p:spTree>
     <p:extLst>
       <p:ext uri="{BB962C8B-B14F-4D97-AF65-F5344CB8AC3E}">
-        <p14:creationId xmlns:p14="http://schemas.microsoft.com/office/powerpoint/2010/main" val="2066996646"/>
+        <p14:creationId xmlns:p14="http://schemas.microsoft.com/office/powerpoint/2010/main" val="4020541783"/>
       </p:ext>
     </p:extLst>
   </p:cSld>
@@ -834,7 +811,7 @@
                 <a:ea typeface="+mn-ea"/>
                 <a:cs typeface="+mn-cs"/>
               </a:rPr>
-              <a:t># The independent/demographic variables do not explain sufficient variation in mental illness </a:t>
+              <a:t># The logistic regression highlights the class imbalance of the data. The accuracy of the model</a:t>
             </a:r>
           </a:p>
           <a:p>
@@ -848,7 +825,7 @@
                 <a:ea typeface="+mn-ea"/>
                 <a:cs typeface="+mn-cs"/>
               </a:rPr>
-              <a:t># prevalence. This model does not predict those without mental illness since there is significant </a:t>
+              <a:t># appears to be 97%. However, the model does not identify those who do not have a mental illness.</a:t>
             </a:r>
           </a:p>
           <a:p>
@@ -862,7 +839,21 @@
                 <a:ea typeface="+mn-ea"/>
                 <a:cs typeface="+mn-cs"/>
               </a:rPr>
-              <a:t># class imbalance. </a:t>
+              <a:t># The AUC of 0.67 demonstrates that the logistic regression had modest discriminative ability. </a:t>
+            </a:r>
+          </a:p>
+          <a:p>
+            <a:r>
+              <a:rPr lang="en-US" sz="1200" b="0" kern="1200">
+                <a:solidFill>
+                  <a:schemeClr val="tx1"/>
+                </a:solidFill>
+                <a:effectLst/>
+                <a:latin typeface="+mn-lt"/>
+                <a:ea typeface="+mn-ea"/>
+                <a:cs typeface="+mn-cs"/>
+              </a:rPr>
+              <a:t># The current model is not suitable for the data due to the class imbalance.</a:t>
             </a:r>
           </a:p>
           <a:p>
@@ -896,7 +887,7 @@
     </p:spTree>
     <p:extLst>
       <p:ext uri="{BB962C8B-B14F-4D97-AF65-F5344CB8AC3E}">
-        <p14:creationId xmlns:p14="http://schemas.microsoft.com/office/powerpoint/2010/main" val="3254387259"/>
+        <p14:creationId xmlns:p14="http://schemas.microsoft.com/office/powerpoint/2010/main" val="2066996646"/>
       </p:ext>
     </p:extLst>
   </p:cSld>
@@ -960,7 +951,7 @@
                 <a:ea typeface="+mn-ea"/>
                 <a:cs typeface="+mn-cs"/>
               </a:rPr>
-              <a:t># When class imbalance is accounted for, a decent amount of individuals who do not have a mental </a:t>
+              <a:t># The independent/demographic variables do not explain sufficient variation in mental illness </a:t>
             </a:r>
           </a:p>
           <a:p>
@@ -974,7 +965,7 @@
                 <a:ea typeface="+mn-ea"/>
                 <a:cs typeface="+mn-cs"/>
               </a:rPr>
-              <a:t># illness are identified. The model accuracy is now 76%, but identifies those without a mental illness. </a:t>
+              <a:t># prevalence. This model does not predict those without mental illness since there is significant </a:t>
             </a:r>
           </a:p>
           <a:p>
@@ -988,7 +979,7 @@
                 <a:ea typeface="+mn-ea"/>
                 <a:cs typeface="+mn-cs"/>
               </a:rPr>
-              <a:t># The demographic/independent variables have modest predictive power now. </a:t>
+              <a:t># class imbalance. </a:t>
             </a:r>
           </a:p>
           <a:p>
@@ -1022,7 +1013,7 @@
     </p:spTree>
     <p:extLst>
       <p:ext uri="{BB962C8B-B14F-4D97-AF65-F5344CB8AC3E}">
-        <p14:creationId xmlns:p14="http://schemas.microsoft.com/office/powerpoint/2010/main" val="918523277"/>
+        <p14:creationId xmlns:p14="http://schemas.microsoft.com/office/powerpoint/2010/main" val="3254387259"/>
       </p:ext>
     </p:extLst>
   </p:cSld>
@@ -1086,7 +1077,7 @@
                 <a:ea typeface="+mn-ea"/>
                 <a:cs typeface="+mn-cs"/>
               </a:rPr>
-              <a:t># The improved logistic regression suggests that being older decreases the chance of having a mental illness, cohabitating</a:t>
+              <a:t># When class imbalance is accounted for, a decent amount of individuals who do not have a mental </a:t>
             </a:r>
           </a:p>
           <a:p>
@@ -1100,7 +1091,7 @@
                 <a:ea typeface="+mn-ea"/>
                 <a:cs typeface="+mn-cs"/>
               </a:rPr>
-              <a:t># with others and substance use minimally increases the risk of having a mental illness. All demographic variables have </a:t>
+              <a:t># illness are identified. The model accuracy is now 76%, but identifies those without a mental illness. </a:t>
             </a:r>
           </a:p>
           <a:p>
@@ -1114,7 +1105,7 @@
                 <a:ea typeface="+mn-ea"/>
                 <a:cs typeface="+mn-cs"/>
               </a:rPr>
-              <a:t># small impacts on mental illnesses.</a:t>
+              <a:t># The demographic/independent variables have modest predictive power now. </a:t>
             </a:r>
           </a:p>
           <a:p>
@@ -1148,7 +1139,7 @@
     </p:spTree>
     <p:extLst>
       <p:ext uri="{BB962C8B-B14F-4D97-AF65-F5344CB8AC3E}">
-        <p14:creationId xmlns:p14="http://schemas.microsoft.com/office/powerpoint/2010/main" val="1246733403"/>
+        <p14:creationId xmlns:p14="http://schemas.microsoft.com/office/powerpoint/2010/main" val="918523277"/>
       </p:ext>
     </p:extLst>
   </p:cSld>
@@ -1212,7 +1203,7 @@
                 <a:ea typeface="+mn-ea"/>
                 <a:cs typeface="+mn-cs"/>
               </a:rPr>
-              <a:t># The Random Forest model also had an accuracy of 97% and an AUC of 0.69, again having some </a:t>
+              <a:t># The improved logistic regression suggests that being older decreases the chance of having a mental illness, cohabitating</a:t>
             </a:r>
           </a:p>
           <a:p>
@@ -1226,7 +1217,7 @@
                 <a:ea typeface="+mn-ea"/>
                 <a:cs typeface="+mn-cs"/>
               </a:rPr>
-              <a:t># discriminative ability. This model also suffers from the class imbalance, having a recall of 0.04</a:t>
+              <a:t># with others and substance use minimally increases the risk of having a mental illness. All demographic variables have </a:t>
             </a:r>
           </a:p>
           <a:p>
@@ -1240,21 +1231,7 @@
                 <a:ea typeface="+mn-ea"/>
                 <a:cs typeface="+mn-cs"/>
               </a:rPr>
-              <a:t># for individuals without a mental illness. This model is extremely biased toward those who do have</a:t>
-            </a:r>
-          </a:p>
-          <a:p>
-            <a:r>
-              <a:rPr lang="en-US" sz="1200" b="0" kern="1200">
-                <a:solidFill>
-                  <a:schemeClr val="tx1"/>
-                </a:solidFill>
-                <a:effectLst/>
-                <a:latin typeface="+mn-lt"/>
-                <a:ea typeface="+mn-ea"/>
-                <a:cs typeface="+mn-cs"/>
-              </a:rPr>
-              <a:t># a mental illness.</a:t>
+              <a:t># small impacts on mental illnesses.</a:t>
             </a:r>
           </a:p>
           <a:p>
@@ -1288,7 +1265,7 @@
     </p:spTree>
     <p:extLst>
       <p:ext uri="{BB962C8B-B14F-4D97-AF65-F5344CB8AC3E}">
-        <p14:creationId xmlns:p14="http://schemas.microsoft.com/office/powerpoint/2010/main" val="2454462227"/>
+        <p14:creationId xmlns:p14="http://schemas.microsoft.com/office/powerpoint/2010/main" val="1246733403"/>
       </p:ext>
     </p:extLst>
   </p:cSld>
@@ -1352,7 +1329,7 @@
                 <a:ea typeface="+mn-ea"/>
                 <a:cs typeface="+mn-cs"/>
               </a:rPr>
-              <a:t># The random forest model demonstrates that region served, education status, and race are the most </a:t>
+              <a:t># The Random Forest model also had an accuracy of 97% and an AUC of 0.69, again having some </a:t>
             </a:r>
           </a:p>
           <a:p>
@@ -1366,7 +1343,7 @@
                 <a:ea typeface="+mn-ea"/>
                 <a:cs typeface="+mn-cs"/>
               </a:rPr>
-              <a:t># significant predictors of mental illness. Sexual orientation, household composition, and age group </a:t>
+              <a:t># discriminative ability. This model also suffers from the class imbalance, having a recall of 0.04</a:t>
             </a:r>
           </a:p>
           <a:p>
@@ -1380,7 +1357,7 @@
                 <a:ea typeface="+mn-ea"/>
                 <a:cs typeface="+mn-cs"/>
               </a:rPr>
-              <a:t># have some importance on the model. Sex, alcohol related disorder, drug substance disorder, and </a:t>
+              <a:t># for individuals without a mental illness. This model is extremely biased toward those who do have</a:t>
             </a:r>
           </a:p>
           <a:p>
@@ -1394,7 +1371,7 @@
                 <a:ea typeface="+mn-ea"/>
                 <a:cs typeface="+mn-cs"/>
               </a:rPr>
-              <a:t># veteran status do not contribute much to the model's predictions. </a:t>
+              <a:t># a mental illness.</a:t>
             </a:r>
           </a:p>
           <a:p>
@@ -1428,7 +1405,7 @@
     </p:spTree>
     <p:extLst>
       <p:ext uri="{BB962C8B-B14F-4D97-AF65-F5344CB8AC3E}">
-        <p14:creationId xmlns:p14="http://schemas.microsoft.com/office/powerpoint/2010/main" val="305172363"/>
+        <p14:creationId xmlns:p14="http://schemas.microsoft.com/office/powerpoint/2010/main" val="2454462227"/>
       </p:ext>
     </p:extLst>
   </p:cSld>
@@ -1492,7 +1469,7 @@
                 <a:ea typeface="+mn-ea"/>
                 <a:cs typeface="+mn-cs"/>
               </a:rPr>
-              <a:t># When the class is balanced, the random forest model had a 75% accuracy and an AUC of 0.68.</a:t>
+              <a:t># The random forest model demonstrates that region served, education status, and race are the most </a:t>
             </a:r>
           </a:p>
           <a:p>
@@ -1506,7 +1483,35 @@
                 <a:ea typeface="+mn-ea"/>
                 <a:cs typeface="+mn-cs"/>
               </a:rPr>
-              <a:t># The recall for those without a mental illness is 0.55 which improved from 0.04.</a:t>
+              <a:t># significant predictors of mental illness. Sexual orientation, household composition, and age group </a:t>
+            </a:r>
+          </a:p>
+          <a:p>
+            <a:r>
+              <a:rPr lang="en-US" sz="1200" b="0" kern="1200">
+                <a:solidFill>
+                  <a:schemeClr val="tx1"/>
+                </a:solidFill>
+                <a:effectLst/>
+                <a:latin typeface="+mn-lt"/>
+                <a:ea typeface="+mn-ea"/>
+                <a:cs typeface="+mn-cs"/>
+              </a:rPr>
+              <a:t># have some importance on the model. Sex, alcohol related disorder, drug substance disorder, and </a:t>
+            </a:r>
+          </a:p>
+          <a:p>
+            <a:r>
+              <a:rPr lang="en-US" sz="1200" b="0" kern="1200">
+                <a:solidFill>
+                  <a:schemeClr val="tx1"/>
+                </a:solidFill>
+                <a:effectLst/>
+                <a:latin typeface="+mn-lt"/>
+                <a:ea typeface="+mn-ea"/>
+                <a:cs typeface="+mn-cs"/>
+              </a:rPr>
+              <a:t># veteran status do not contribute much to the model's predictions. </a:t>
             </a:r>
           </a:p>
           <a:p>
@@ -1540,7 +1545,7 @@
     </p:spTree>
     <p:extLst>
       <p:ext uri="{BB962C8B-B14F-4D97-AF65-F5344CB8AC3E}">
-        <p14:creationId xmlns:p14="http://schemas.microsoft.com/office/powerpoint/2010/main" val="3983130932"/>
+        <p14:creationId xmlns:p14="http://schemas.microsoft.com/office/powerpoint/2010/main" val="305172363"/>
       </p:ext>
     </p:extLst>
   </p:cSld>
@@ -1604,7 +1609,7 @@
                 <a:ea typeface="+mn-ea"/>
                 <a:cs typeface="+mn-cs"/>
               </a:rPr>
-              <a:t># Region served, education status, and age group are the most influential predictors</a:t>
+              <a:t># When the class is balanced, the random forest model had a 75% accuracy and an AUC of 0.68.</a:t>
             </a:r>
           </a:p>
           <a:p>
@@ -1618,59 +1623,7 @@
                 <a:ea typeface="+mn-ea"/>
                 <a:cs typeface="+mn-cs"/>
               </a:rPr>
-              <a:t># of mental illness. Race, sexual orientation, and household consumption have some importance</a:t>
-            </a:r>
-          </a:p>
-          <a:p>
-            <a:r>
-              <a:rPr lang="en-US" sz="1200" b="0" kern="1200">
-                <a:solidFill>
-                  <a:schemeClr val="tx1"/>
-                </a:solidFill>
-                <a:effectLst/>
-                <a:latin typeface="+mn-lt"/>
-                <a:ea typeface="+mn-ea"/>
-                <a:cs typeface="+mn-cs"/>
-              </a:rPr>
-              <a:t># on predicting mental illness. Sex, </a:t>
-            </a:r>
-            <a:r>
-              <a:rPr lang="en-US" sz="1200" b="0" kern="1200" err="1">
-                <a:solidFill>
-                  <a:schemeClr val="tx1"/>
-                </a:solidFill>
-                <a:effectLst/>
-                <a:latin typeface="+mn-lt"/>
-                <a:ea typeface="+mn-ea"/>
-                <a:cs typeface="+mn-cs"/>
-              </a:rPr>
-              <a:t>alchohol</a:t>
-            </a:r>
-            <a:r>
-              <a:rPr lang="en-US" sz="1200" b="0" kern="1200">
-                <a:solidFill>
-                  <a:schemeClr val="tx1"/>
-                </a:solidFill>
-                <a:effectLst/>
-                <a:latin typeface="+mn-lt"/>
-                <a:ea typeface="+mn-ea"/>
-                <a:cs typeface="+mn-cs"/>
-              </a:rPr>
-              <a:t> related disorder, drug substance disorder, and</a:t>
-            </a:r>
-          </a:p>
-          <a:p>
-            <a:r>
-              <a:rPr lang="en-US" sz="1200" b="0" kern="1200">
-                <a:solidFill>
-                  <a:schemeClr val="tx1"/>
-                </a:solidFill>
-                <a:effectLst/>
-                <a:latin typeface="+mn-lt"/>
-                <a:ea typeface="+mn-ea"/>
-                <a:cs typeface="+mn-cs"/>
-              </a:rPr>
-              <a:t># veteran status did not contribute much to the model.</a:t>
+              <a:t># The recall for those without a mental illness is 0.55 which improved from 0.04.</a:t>
             </a:r>
           </a:p>
           <a:p>
@@ -1704,7 +1657,7 @@
     </p:spTree>
     <p:extLst>
       <p:ext uri="{BB962C8B-B14F-4D97-AF65-F5344CB8AC3E}">
-        <p14:creationId xmlns:p14="http://schemas.microsoft.com/office/powerpoint/2010/main" val="3318254789"/>
+        <p14:creationId xmlns:p14="http://schemas.microsoft.com/office/powerpoint/2010/main" val="3983130932"/>
       </p:ext>
     </p:extLst>
   </p:cSld>
@@ -1758,23 +1711,6 @@
           <a:bodyPr/>
           <a:lstStyle/>
           <a:p>
-            <a:pPr marL="0" marR="0" lvl="0" indent="0" algn="l" defTabSz="914400" rtl="0" eaLnBrk="1" fontAlgn="auto" latinLnBrk="0" hangingPunct="1">
-              <a:lnSpc>
-                <a:spcPct val="100000"/>
-              </a:lnSpc>
-              <a:spcBef>
-                <a:spcPts val="0"/>
-              </a:spcBef>
-              <a:spcAft>
-                <a:spcPts val="0"/>
-              </a:spcAft>
-              <a:buClrTx/>
-              <a:buSzTx/>
-              <a:buFontTx/>
-              <a:buNone/>
-              <a:tabLst/>
-              <a:defRPr/>
-            </a:pPr>
             <a:r>
               <a:rPr lang="en-US" sz="1200" b="0" kern="1200">
                 <a:solidFill>
@@ -1785,7 +1721,73 @@
                 <a:ea typeface="+mn-ea"/>
                 <a:cs typeface="+mn-cs"/>
               </a:rPr>
-              <a:t> No correlation is above 0.51, so I do not think multicollinearity needs to be addressed.</a:t>
+              <a:t># Region served, education status, and age group are the most influential predictors</a:t>
+            </a:r>
+          </a:p>
+          <a:p>
+            <a:r>
+              <a:rPr lang="en-US" sz="1200" b="0" kern="1200">
+                <a:solidFill>
+                  <a:schemeClr val="tx1"/>
+                </a:solidFill>
+                <a:effectLst/>
+                <a:latin typeface="+mn-lt"/>
+                <a:ea typeface="+mn-ea"/>
+                <a:cs typeface="+mn-cs"/>
+              </a:rPr>
+              <a:t># of mental illness. Race, sexual orientation, and household consumption have some importance</a:t>
+            </a:r>
+          </a:p>
+          <a:p>
+            <a:r>
+              <a:rPr lang="en-US" sz="1200" b="0" kern="1200">
+                <a:solidFill>
+                  <a:schemeClr val="tx1"/>
+                </a:solidFill>
+                <a:effectLst/>
+                <a:latin typeface="+mn-lt"/>
+                <a:ea typeface="+mn-ea"/>
+                <a:cs typeface="+mn-cs"/>
+              </a:rPr>
+              <a:t># on predicting mental illness. Sex, </a:t>
+            </a:r>
+            <a:r>
+              <a:rPr lang="en-US" sz="1200" b="0" kern="1200" err="1">
+                <a:solidFill>
+                  <a:schemeClr val="tx1"/>
+                </a:solidFill>
+                <a:effectLst/>
+                <a:latin typeface="+mn-lt"/>
+                <a:ea typeface="+mn-ea"/>
+                <a:cs typeface="+mn-cs"/>
+              </a:rPr>
+              <a:t>alchohol</a:t>
+            </a:r>
+            <a:r>
+              <a:rPr lang="en-US" sz="1200" b="0" kern="1200">
+                <a:solidFill>
+                  <a:schemeClr val="tx1"/>
+                </a:solidFill>
+                <a:effectLst/>
+                <a:latin typeface="+mn-lt"/>
+                <a:ea typeface="+mn-ea"/>
+                <a:cs typeface="+mn-cs"/>
+              </a:rPr>
+              <a:t> related disorder, drug substance disorder, and</a:t>
+            </a:r>
+          </a:p>
+          <a:p>
+            <a:r>
+              <a:rPr lang="en-US" sz="1200" b="0" kern="1200">
+                <a:solidFill>
+                  <a:schemeClr val="tx1"/>
+                </a:solidFill>
+                <a:effectLst/>
+                <a:latin typeface="+mn-lt"/>
+                <a:ea typeface="+mn-ea"/>
+                <a:cs typeface="+mn-cs"/>
+              </a:rPr>
+              <a:t># veteran status did not contribute much to the model.</a:t>
             </a:r>
           </a:p>
           <a:p>
@@ -1819,7 +1821,7 @@
     </p:spTree>
     <p:extLst>
       <p:ext uri="{BB962C8B-B14F-4D97-AF65-F5344CB8AC3E}">
-        <p14:creationId xmlns:p14="http://schemas.microsoft.com/office/powerpoint/2010/main" val="4020541783"/>
+        <p14:creationId xmlns:p14="http://schemas.microsoft.com/office/powerpoint/2010/main" val="3318254789"/>
       </p:ext>
     </p:extLst>
   </p:cSld>
@@ -7842,6 +7844,129 @@
           <p:cNvPr id="2" name="Title 1">
             <a:extLst>
               <a:ext uri="{FF2B5EF4-FFF2-40B4-BE49-F238E27FC236}">
+                <a16:creationId xmlns:a16="http://schemas.microsoft.com/office/drawing/2014/main" id="{F884975E-D18A-6B2A-1347-5BACF48DEA7D}"/>
+              </a:ext>
+            </a:extLst>
+          </p:cNvPr>
+          <p:cNvSpPr>
+            <a:spLocks noGrp="1"/>
+          </p:cNvSpPr>
+          <p:nvPr>
+            <p:ph type="title"/>
+          </p:nvPr>
+        </p:nvSpPr>
+        <p:spPr/>
+        <p:txBody>
+          <a:bodyPr/>
+          <a:lstStyle/>
+          <a:p>
+            <a:r>
+              <a:rPr lang="en-US"/>
+              <a:t>Balancing Class Weight</a:t>
+            </a:r>
+          </a:p>
+        </p:txBody>
+      </p:sp>
+      <p:pic>
+        <p:nvPicPr>
+          <p:cNvPr id="5" name="Picture 4">
+            <a:extLst>
+              <a:ext uri="{FF2B5EF4-FFF2-40B4-BE49-F238E27FC236}">
+                <a16:creationId xmlns:a16="http://schemas.microsoft.com/office/drawing/2014/main" id="{3BC982DC-7FC2-867A-9BAB-B4010AC66475}"/>
+              </a:ext>
+            </a:extLst>
+          </p:cNvPr>
+          <p:cNvPicPr>
+            <a:picLocks noChangeAspect="1"/>
+          </p:cNvPicPr>
+          <p:nvPr/>
+        </p:nvPicPr>
+        <p:blipFill>
+          <a:blip r:embed="rId3"/>
+          <a:stretch>
+            <a:fillRect/>
+          </a:stretch>
+        </p:blipFill>
+        <p:spPr>
+          <a:xfrm>
+            <a:off x="1320800" y="1439494"/>
+            <a:ext cx="6380479" cy="5066850"/>
+          </a:xfrm>
+          <a:prstGeom prst="rect">
+            <a:avLst/>
+          </a:prstGeom>
+        </p:spPr>
+      </p:pic>
+      <p:sp>
+        <p:nvSpPr>
+          <p:cNvPr id="3" name="TextBox 2">
+            <a:extLst>
+              <a:ext uri="{FF2B5EF4-FFF2-40B4-BE49-F238E27FC236}">
+                <a16:creationId xmlns:a16="http://schemas.microsoft.com/office/drawing/2014/main" id="{706C2A66-8250-DEC4-A22C-9E38B5FD9BD2}"/>
+              </a:ext>
+            </a:extLst>
+          </p:cNvPr>
+          <p:cNvSpPr txBox="1"/>
+          <p:nvPr/>
+        </p:nvSpPr>
+        <p:spPr>
+          <a:xfrm>
+            <a:off x="7945120" y="3244334"/>
+            <a:ext cx="1645920" cy="369332"/>
+          </a:xfrm>
+          <a:prstGeom prst="rect">
+            <a:avLst/>
+          </a:prstGeom>
+          <a:noFill/>
+        </p:spPr>
+        <p:txBody>
+          <a:bodyPr wrap="square" rtlCol="0">
+            <a:spAutoFit/>
+          </a:bodyPr>
+          <a:lstStyle/>
+          <a:p>
+            <a:r>
+              <a:rPr lang="en-US" dirty="0"/>
+              <a:t>Accuracy: 76%</a:t>
+            </a:r>
+          </a:p>
+        </p:txBody>
+      </p:sp>
+    </p:spTree>
+    <p:extLst>
+      <p:ext uri="{BB962C8B-B14F-4D97-AF65-F5344CB8AC3E}">
+        <p14:creationId xmlns:p14="http://schemas.microsoft.com/office/powerpoint/2010/main" val="628236639"/>
+      </p:ext>
+    </p:extLst>
+  </p:cSld>
+  <p:clrMapOvr>
+    <a:masterClrMapping/>
+  </p:clrMapOvr>
+</p:sld>
+</file>
+
+<file path=ppt/slides/slide11.xml><?xml version="1.0" encoding="utf-8"?>
+<p:sld xmlns:a="http://schemas.openxmlformats.org/drawingml/2006/main" xmlns:r="http://schemas.openxmlformats.org/officeDocument/2006/relationships" xmlns:p="http://schemas.openxmlformats.org/presentationml/2006/main">
+  <p:cSld>
+    <p:spTree>
+      <p:nvGrpSpPr>
+        <p:cNvPr id="1" name=""/>
+        <p:cNvGrpSpPr/>
+        <p:nvPr/>
+      </p:nvGrpSpPr>
+      <p:grpSpPr>
+        <a:xfrm>
+          <a:off x="0" y="0"/>
+          <a:ext cx="0" cy="0"/>
+          <a:chOff x="0" y="0"/>
+          <a:chExt cx="0" cy="0"/>
+        </a:xfrm>
+      </p:grpSpPr>
+      <p:sp>
+        <p:nvSpPr>
+          <p:cNvPr id="2" name="Title 1">
+            <a:extLst>
+              <a:ext uri="{FF2B5EF4-FFF2-40B4-BE49-F238E27FC236}">
                 <a16:creationId xmlns:a16="http://schemas.microsoft.com/office/drawing/2014/main" id="{C0C8A902-CF16-A61A-0690-1B7ACCF4C5F3}"/>
               </a:ext>
             </a:extLst>
@@ -7908,7 +8033,7 @@
 </p:sld>
 </file>
 
-<file path=ppt/slides/slide11.xml><?xml version="1.0" encoding="utf-8"?>
+<file path=ppt/slides/slide12.xml><?xml version="1.0" encoding="utf-8"?>
 <p:sld xmlns:a="http://schemas.openxmlformats.org/drawingml/2006/main" xmlns:r="http://schemas.openxmlformats.org/officeDocument/2006/relationships" xmlns:p="http://schemas.openxmlformats.org/presentationml/2006/main">
   <p:cSld>
     <p:spTree>
@@ -7983,6 +8108,41 @@
           </a:prstGeom>
         </p:spPr>
       </p:pic>
+      <p:sp>
+        <p:nvSpPr>
+          <p:cNvPr id="3" name="TextBox 2">
+            <a:extLst>
+              <a:ext uri="{FF2B5EF4-FFF2-40B4-BE49-F238E27FC236}">
+                <a16:creationId xmlns:a16="http://schemas.microsoft.com/office/drawing/2014/main" id="{9B45FEDF-8BD1-1FB8-D2F4-4294987249EC}"/>
+              </a:ext>
+            </a:extLst>
+          </p:cNvPr>
+          <p:cNvSpPr txBox="1"/>
+          <p:nvPr/>
+        </p:nvSpPr>
+        <p:spPr>
+          <a:xfrm>
+            <a:off x="7843520" y="3244334"/>
+            <a:ext cx="1645920" cy="369332"/>
+          </a:xfrm>
+          <a:prstGeom prst="rect">
+            <a:avLst/>
+          </a:prstGeom>
+          <a:noFill/>
+        </p:spPr>
+        <p:txBody>
+          <a:bodyPr wrap="square" rtlCol="0">
+            <a:spAutoFit/>
+          </a:bodyPr>
+          <a:lstStyle/>
+          <a:p>
+            <a:r>
+              <a:rPr lang="en-US" dirty="0"/>
+              <a:t>Accuracy: 97%</a:t>
+            </a:r>
+          </a:p>
+        </p:txBody>
+      </p:sp>
     </p:spTree>
     <p:extLst>
       <p:ext uri="{BB962C8B-B14F-4D97-AF65-F5344CB8AC3E}">
@@ -7996,7 +8156,7 @@
 </p:sld>
 </file>
 
-<file path=ppt/slides/slide12.xml><?xml version="1.0" encoding="utf-8"?>
+<file path=ppt/slides/slide13.xml><?xml version="1.0" encoding="utf-8"?>
 <p:sld xmlns:a="http://schemas.openxmlformats.org/drawingml/2006/main" xmlns:r="http://schemas.openxmlformats.org/officeDocument/2006/relationships" xmlns:p="http://schemas.openxmlformats.org/presentationml/2006/main">
   <p:cSld>
     <p:spTree>
@@ -8084,7 +8244,7 @@
 </p:sld>
 </file>
 
-<file path=ppt/slides/slide13.xml><?xml version="1.0" encoding="utf-8"?>
+<file path=ppt/slides/slide14.xml><?xml version="1.0" encoding="utf-8"?>
 <p:sld xmlns:a="http://schemas.openxmlformats.org/drawingml/2006/main" xmlns:r="http://schemas.openxmlformats.org/officeDocument/2006/relationships" xmlns:p="http://schemas.openxmlformats.org/presentationml/2006/main">
   <p:cSld>
     <p:spTree>
@@ -8159,6 +8319,41 @@
           </a:prstGeom>
         </p:spPr>
       </p:pic>
+      <p:sp>
+        <p:nvSpPr>
+          <p:cNvPr id="3" name="TextBox 2">
+            <a:extLst>
+              <a:ext uri="{FF2B5EF4-FFF2-40B4-BE49-F238E27FC236}">
+                <a16:creationId xmlns:a16="http://schemas.microsoft.com/office/drawing/2014/main" id="{4C7EEB31-7267-0573-02A1-149D77746ECC}"/>
+              </a:ext>
+            </a:extLst>
+          </p:cNvPr>
+          <p:cNvSpPr txBox="1"/>
+          <p:nvPr/>
+        </p:nvSpPr>
+        <p:spPr>
+          <a:xfrm>
+            <a:off x="7701280" y="3429000"/>
+            <a:ext cx="1645920" cy="369332"/>
+          </a:xfrm>
+          <a:prstGeom prst="rect">
+            <a:avLst/>
+          </a:prstGeom>
+          <a:noFill/>
+        </p:spPr>
+        <p:txBody>
+          <a:bodyPr wrap="square" rtlCol="0">
+            <a:spAutoFit/>
+          </a:bodyPr>
+          <a:lstStyle/>
+          <a:p>
+            <a:r>
+              <a:rPr lang="en-US" dirty="0"/>
+              <a:t>Accuracy: 75%</a:t>
+            </a:r>
+          </a:p>
+        </p:txBody>
+      </p:sp>
     </p:spTree>
     <p:extLst>
       <p:ext uri="{BB962C8B-B14F-4D97-AF65-F5344CB8AC3E}">
@@ -8172,7 +8367,7 @@
 </p:sld>
 </file>
 
-<file path=ppt/slides/slide14.xml><?xml version="1.0" encoding="utf-8"?>
+<file path=ppt/slides/slide15.xml><?xml version="1.0" encoding="utf-8"?>
 <p:sld xmlns:a="http://schemas.openxmlformats.org/drawingml/2006/main" xmlns:r="http://schemas.openxmlformats.org/officeDocument/2006/relationships" xmlns:p="http://schemas.openxmlformats.org/presentationml/2006/main">
   <p:cSld>
     <p:spTree>
@@ -8251,129 +8446,6 @@
     <p:extLst>
       <p:ext uri="{BB962C8B-B14F-4D97-AF65-F5344CB8AC3E}">
         <p14:creationId xmlns:p14="http://schemas.microsoft.com/office/powerpoint/2010/main" val="3742934645"/>
-      </p:ext>
-    </p:extLst>
-  </p:cSld>
-  <p:clrMapOvr>
-    <a:masterClrMapping/>
-  </p:clrMapOvr>
-</p:sld>
-</file>
-
-<file path=ppt/slides/slide15.xml><?xml version="1.0" encoding="utf-8"?>
-<p:sld xmlns:a="http://schemas.openxmlformats.org/drawingml/2006/main" xmlns:r="http://schemas.openxmlformats.org/officeDocument/2006/relationships" xmlns:p="http://schemas.openxmlformats.org/presentationml/2006/main">
-  <p:cSld>
-    <p:spTree>
-      <p:nvGrpSpPr>
-        <p:cNvPr id="1" name=""/>
-        <p:cNvGrpSpPr/>
-        <p:nvPr/>
-      </p:nvGrpSpPr>
-      <p:grpSpPr>
-        <a:xfrm>
-          <a:off x="0" y="0"/>
-          <a:ext cx="0" cy="0"/>
-          <a:chOff x="0" y="0"/>
-          <a:chExt cx="0" cy="0"/>
-        </a:xfrm>
-      </p:grpSpPr>
-      <p:sp>
-        <p:nvSpPr>
-          <p:cNvPr id="2" name="Title 1">
-            <a:extLst>
-              <a:ext uri="{FF2B5EF4-FFF2-40B4-BE49-F238E27FC236}">
-                <a16:creationId xmlns:a16="http://schemas.microsoft.com/office/drawing/2014/main" id="{86A013A9-5EAC-67F8-2AEA-9F6F1D190EEC}"/>
-              </a:ext>
-            </a:extLst>
-          </p:cNvPr>
-          <p:cNvSpPr>
-            <a:spLocks noGrp="1"/>
-          </p:cNvSpPr>
-          <p:nvPr>
-            <p:ph type="title"/>
-          </p:nvPr>
-        </p:nvSpPr>
-        <p:spPr/>
-        <p:txBody>
-          <a:bodyPr/>
-          <a:lstStyle/>
-          <a:p>
-            <a:r>
-              <a:rPr lang="en-US"/>
-              <a:t>Correlation Matrix</a:t>
-            </a:r>
-          </a:p>
-        </p:txBody>
-      </p:sp>
-      <p:pic>
-        <p:nvPicPr>
-          <p:cNvPr id="5" name="Picture 4">
-            <a:extLst>
-              <a:ext uri="{FF2B5EF4-FFF2-40B4-BE49-F238E27FC236}">
-                <a16:creationId xmlns:a16="http://schemas.microsoft.com/office/drawing/2014/main" id="{B6DE2A1D-A53E-06D7-EDD9-1E2AC1ED4FEF}"/>
-              </a:ext>
-            </a:extLst>
-          </p:cNvPr>
-          <p:cNvPicPr>
-            <a:picLocks noChangeAspect="1"/>
-          </p:cNvPicPr>
-          <p:nvPr/>
-        </p:nvPicPr>
-        <p:blipFill>
-          <a:blip r:embed="rId3"/>
-          <a:stretch>
-            <a:fillRect/>
-          </a:stretch>
-        </p:blipFill>
-        <p:spPr>
-          <a:xfrm>
-            <a:off x="677334" y="1643247"/>
-            <a:ext cx="5982962" cy="4706753"/>
-          </a:xfrm>
-          <a:prstGeom prst="rect">
-            <a:avLst/>
-          </a:prstGeom>
-        </p:spPr>
-      </p:pic>
-      <p:sp>
-        <p:nvSpPr>
-          <p:cNvPr id="6" name="TextBox 5">
-            <a:extLst>
-              <a:ext uri="{FF2B5EF4-FFF2-40B4-BE49-F238E27FC236}">
-                <a16:creationId xmlns:a16="http://schemas.microsoft.com/office/drawing/2014/main" id="{39B88395-FC3E-6AB9-8BAF-C89469E40847}"/>
-              </a:ext>
-            </a:extLst>
-          </p:cNvPr>
-          <p:cNvSpPr txBox="1"/>
-          <p:nvPr/>
-        </p:nvSpPr>
-        <p:spPr>
-          <a:xfrm>
-            <a:off x="6660296" y="3630585"/>
-            <a:ext cx="3373120" cy="369332"/>
-          </a:xfrm>
-          <a:prstGeom prst="rect">
-            <a:avLst/>
-          </a:prstGeom>
-          <a:noFill/>
-        </p:spPr>
-        <p:txBody>
-          <a:bodyPr wrap="square" rtlCol="0">
-            <a:spAutoFit/>
-          </a:bodyPr>
-          <a:lstStyle/>
-          <a:p>
-            <a:r>
-              <a:rPr lang="en-US"/>
-              <a:t>*No correlation is above 0.51</a:t>
-            </a:r>
-          </a:p>
-        </p:txBody>
-      </p:sp>
-    </p:spTree>
-    <p:extLst>
-      <p:ext uri="{BB962C8B-B14F-4D97-AF65-F5344CB8AC3E}">
-        <p14:creationId xmlns:p14="http://schemas.microsoft.com/office/powerpoint/2010/main" val="1748006529"/>
       </p:ext>
     </p:extLst>
   </p:cSld>
@@ -12156,6 +12228,192 @@
         <p:cNvPr id="1" name="">
           <a:extLst>
             <a:ext uri="{FF2B5EF4-FFF2-40B4-BE49-F238E27FC236}">
+              <a16:creationId xmlns:a16="http://schemas.microsoft.com/office/drawing/2014/main" id="{10F3F721-6711-00FC-32DF-7F3119366108}"/>
+            </a:ext>
+          </a:extLst>
+        </p:cNvPr>
+        <p:cNvGrpSpPr/>
+        <p:nvPr/>
+      </p:nvGrpSpPr>
+      <p:grpSpPr>
+        <a:xfrm>
+          <a:off x="0" y="0"/>
+          <a:ext cx="0" cy="0"/>
+          <a:chOff x="0" y="0"/>
+          <a:chExt cx="0" cy="0"/>
+        </a:xfrm>
+      </p:grpSpPr>
+      <p:sp>
+        <p:nvSpPr>
+          <p:cNvPr id="2" name="標題 1">
+            <a:extLst>
+              <a:ext uri="{FF2B5EF4-FFF2-40B4-BE49-F238E27FC236}">
+                <a16:creationId xmlns:a16="http://schemas.microsoft.com/office/drawing/2014/main" id="{17DB6F9D-D277-D7B0-7CCC-F3CAA0918437}"/>
+              </a:ext>
+            </a:extLst>
+          </p:cNvPr>
+          <p:cNvSpPr>
+            <a:spLocks noGrp="1"/>
+          </p:cNvSpPr>
+          <p:nvPr>
+            <p:ph type="title"/>
+          </p:nvPr>
+        </p:nvSpPr>
+        <p:spPr/>
+        <p:txBody>
+          <a:bodyPr/>
+          <a:lstStyle/>
+          <a:p>
+            <a:br>
+              <a:rPr lang="en-US" altLang="zh-TW" b="1">
+                <a:latin typeface="Times New Roman" panose="02020603050405020304" pitchFamily="18" charset="0"/>
+                <a:cs typeface="Times New Roman" panose="02020603050405020304" pitchFamily="18" charset="0"/>
+              </a:rPr>
+            </a:br>
+            <a:endParaRPr kumimoji="1" lang="zh-TW" altLang="en-US" b="1">
+              <a:latin typeface="Times New Roman" panose="02020603050405020304" pitchFamily="18" charset="0"/>
+              <a:cs typeface="Times New Roman" panose="02020603050405020304" pitchFamily="18" charset="0"/>
+            </a:endParaRPr>
+          </a:p>
+        </p:txBody>
+      </p:sp>
+      <p:sp>
+        <p:nvSpPr>
+          <p:cNvPr id="5" name="TextBox 4">
+            <a:extLst>
+              <a:ext uri="{FF2B5EF4-FFF2-40B4-BE49-F238E27FC236}">
+                <a16:creationId xmlns:a16="http://schemas.microsoft.com/office/drawing/2014/main" id="{4E768DB1-F204-D587-D82E-7F843A1272B7}"/>
+              </a:ext>
+            </a:extLst>
+          </p:cNvPr>
+          <p:cNvSpPr txBox="1"/>
+          <p:nvPr/>
+        </p:nvSpPr>
+        <p:spPr>
+          <a:xfrm>
+            <a:off x="678756" y="1482378"/>
+            <a:ext cx="8183495" cy="523220"/>
+          </a:xfrm>
+          <a:prstGeom prst="rect">
+            <a:avLst/>
+          </a:prstGeom>
+          <a:noFill/>
+        </p:spPr>
+        <p:txBody>
+          <a:bodyPr rot="0" spcFirstLastPara="0" vertOverflow="overflow" horzOverflow="overflow" vert="horz" wrap="square" lIns="91440" tIns="45720" rIns="91440" bIns="45720" numCol="1" spcCol="0" rtlCol="0" fromWordArt="0" anchor="t" anchorCtr="0" forceAA="0" compatLnSpc="1">
+            <a:prstTxWarp prst="textNoShape">
+              <a:avLst/>
+            </a:prstTxWarp>
+            <a:spAutoFit/>
+          </a:bodyPr>
+          <a:lstStyle/>
+          <a:p>
+            <a:endParaRPr lang="en-US" sz="2800">
+              <a:solidFill>
+                <a:srgbClr val="404040"/>
+              </a:solidFill>
+              <a:latin typeface="Times New Roman"/>
+              <a:ea typeface="Segoe UI"/>
+              <a:cs typeface="Segoe UI"/>
+            </a:endParaRPr>
+          </a:p>
+        </p:txBody>
+      </p:sp>
+      <p:sp>
+        <p:nvSpPr>
+          <p:cNvPr id="4" name="TextBox 3">
+            <a:extLst>
+              <a:ext uri="{FF2B5EF4-FFF2-40B4-BE49-F238E27FC236}">
+                <a16:creationId xmlns:a16="http://schemas.microsoft.com/office/drawing/2014/main" id="{9E7CE940-D036-F9FC-074B-992E8784B20C}"/>
+              </a:ext>
+            </a:extLst>
+          </p:cNvPr>
+          <p:cNvSpPr txBox="1"/>
+          <p:nvPr/>
+        </p:nvSpPr>
+        <p:spPr>
+          <a:xfrm>
+            <a:off x="678756" y="429472"/>
+            <a:ext cx="6264151" cy="523220"/>
+          </a:xfrm>
+          <a:prstGeom prst="rect">
+            <a:avLst/>
+          </a:prstGeom>
+          <a:noFill/>
+        </p:spPr>
+        <p:txBody>
+          <a:bodyPr rot="0" spcFirstLastPara="0" vertOverflow="overflow" horzOverflow="overflow" vert="horz" wrap="square" lIns="91440" tIns="45720" rIns="91440" bIns="45720" numCol="1" spcCol="0" rtlCol="0" fromWordArt="0" anchor="t" anchorCtr="0" forceAA="0" compatLnSpc="1">
+            <a:prstTxWarp prst="textNoShape">
+              <a:avLst/>
+            </a:prstTxWarp>
+            <a:spAutoFit/>
+          </a:bodyPr>
+          <a:lstStyle/>
+          <a:p>
+            <a:r>
+              <a:rPr lang="en-US" sz="2800" b="1" dirty="0">
+                <a:solidFill>
+                  <a:schemeClr val="accent2"/>
+                </a:solidFill>
+                <a:latin typeface="Times New Roman"/>
+              </a:rPr>
+              <a:t>Feature Importance</a:t>
+            </a:r>
+            <a:endParaRPr lang="en-US" dirty="0"/>
+          </a:p>
+        </p:txBody>
+      </p:sp>
+      <p:pic>
+        <p:nvPicPr>
+          <p:cNvPr id="3" name="Picture 2">
+            <a:extLst>
+              <a:ext uri="{FF2B5EF4-FFF2-40B4-BE49-F238E27FC236}">
+                <a16:creationId xmlns:a16="http://schemas.microsoft.com/office/drawing/2014/main" id="{87F90F91-D4EE-7479-74AB-47CD249198D1}"/>
+              </a:ext>
+            </a:extLst>
+          </p:cNvPr>
+          <p:cNvPicPr>
+            <a:picLocks noChangeAspect="1"/>
+          </p:cNvPicPr>
+          <p:nvPr/>
+        </p:nvPicPr>
+        <p:blipFill>
+          <a:blip r:embed="rId2"/>
+          <a:stretch>
+            <a:fillRect/>
+          </a:stretch>
+        </p:blipFill>
+        <p:spPr>
+          <a:xfrm>
+            <a:off x="676275" y="1195828"/>
+            <a:ext cx="7432863" cy="4466345"/>
+          </a:xfrm>
+          <a:prstGeom prst="rect">
+            <a:avLst/>
+          </a:prstGeom>
+        </p:spPr>
+      </p:pic>
+    </p:spTree>
+    <p:extLst>
+      <p:ext uri="{BB962C8B-B14F-4D97-AF65-F5344CB8AC3E}">
+        <p14:creationId xmlns:p14="http://schemas.microsoft.com/office/powerpoint/2010/main" val="3761108389"/>
+      </p:ext>
+    </p:extLst>
+  </p:cSld>
+  <p:clrMapOvr>
+    <a:masterClrMapping/>
+  </p:clrMapOvr>
+</p:sld>
+</file>
+
+<file path=ppt/slides/slide23.xml><?xml version="1.0" encoding="utf-8"?>
+<p:sld xmlns:a="http://schemas.openxmlformats.org/drawingml/2006/main" xmlns:r="http://schemas.openxmlformats.org/officeDocument/2006/relationships" xmlns:p="http://schemas.openxmlformats.org/presentationml/2006/main">
+  <p:cSld>
+    <p:spTree>
+      <p:nvGrpSpPr>
+        <p:cNvPr id="1" name="">
+          <a:extLst>
+            <a:ext uri="{FF2B5EF4-FFF2-40B4-BE49-F238E27FC236}">
               <a16:creationId xmlns:a16="http://schemas.microsoft.com/office/drawing/2014/main" id="{66BC606E-C98A-C321-6C7B-7543BA79540E}"/>
             </a:ext>
           </a:extLst>
@@ -12311,8 +12569,8 @@
         </p:nvSpPr>
         <p:spPr>
           <a:xfrm>
-            <a:off x="673153" y="1741514"/>
-            <a:ext cx="9299030" cy="3780971"/>
+            <a:off x="679556" y="1613447"/>
+            <a:ext cx="6468744" cy="4190827"/>
           </a:xfrm>
           <a:prstGeom prst="rect">
             <a:avLst/>
@@ -12329,20 +12587,84 @@
           <a:lstStyle/>
           <a:p>
             <a:pPr>
-              <a:lnSpc>
-                <a:spcPct val="150000"/>
-              </a:lnSpc>
               <a:buFont typeface="Arial"/>
               <a:buChar char="•"/>
             </a:pPr>
             <a:r>
-              <a:rPr lang="en-US" sz="2400" dirty="0">
+              <a:rPr lang="en-US" sz="2000">
                 <a:ea typeface="+mn-lt"/>
                 <a:cs typeface="+mn-lt"/>
               </a:rPr>
-              <a:t>Socioeconomic factors do provide meaningful predictive signal for mental health diagnosis.</a:t>
-            </a:r>
-            <a:endParaRPr lang="en-US"/>
+              <a:t>Predicting mental illness is challenging due to severe class imbalance.</a:t>
+            </a:r>
+          </a:p>
+          <a:p>
+            <a:pPr>
+              <a:buFont typeface="Arial"/>
+              <a:buChar char="•"/>
+            </a:pPr>
+            <a:r>
+              <a:rPr lang="en-US" sz="2000">
+                <a:ea typeface="+mn-lt"/>
+                <a:cs typeface="+mn-lt"/>
+              </a:rPr>
+              <a:t>Logistic Regression performs poorly on the minority class.</a:t>
+            </a:r>
+          </a:p>
+          <a:p>
+            <a:pPr>
+              <a:buFont typeface="Arial"/>
+              <a:buChar char="•"/>
+            </a:pPr>
+            <a:r>
+              <a:rPr lang="en-US" sz="2000" dirty="0">
+                <a:ea typeface="+mn-lt"/>
+                <a:cs typeface="+mn-lt"/>
+              </a:rPr>
+              <a:t>Random Forest improves performance but still cannot reliably identify class 0.</a:t>
+            </a:r>
+            <a:endParaRPr lang="en-US" sz="2000" dirty="0"/>
+          </a:p>
+          <a:p>
+            <a:pPr>
+              <a:buFont typeface="Arial"/>
+              <a:buChar char="•"/>
+            </a:pPr>
+            <a:r>
+              <a:rPr lang="en-US" sz="2000" dirty="0">
+                <a:ea typeface="+mn-lt"/>
+                <a:cs typeface="+mn-lt"/>
+              </a:rPr>
+              <a:t>Top predictors: education level, Medicaid insurance, and SSI assistance.</a:t>
+            </a:r>
+            <a:endParaRPr lang="en-US" sz="2000" dirty="0"/>
+          </a:p>
+          <a:p>
+            <a:pPr>
+              <a:buFont typeface="Arial"/>
+              <a:buChar char="•"/>
+            </a:pPr>
+            <a:r>
+              <a:rPr lang="en-US" sz="2000" dirty="0">
+                <a:ea typeface="+mn-lt"/>
+                <a:cs typeface="+mn-lt"/>
+              </a:rPr>
+              <a:t>Other socioeconomic factors contribute smaller effects.</a:t>
+            </a:r>
+            <a:endParaRPr lang="en-US" sz="2000" dirty="0"/>
+          </a:p>
+          <a:p>
+            <a:pPr>
+              <a:buFont typeface="Arial"/>
+              <a:buChar char="•"/>
+            </a:pPr>
+            <a:r>
+              <a:rPr lang="en-US" sz="2000" dirty="0">
+                <a:ea typeface="+mn-lt"/>
+                <a:cs typeface="+mn-lt"/>
+              </a:rPr>
+              <a:t>Overall, features offer limited power for accurate classification.</a:t>
+            </a:r>
           </a:p>
           <a:p>
             <a:pPr>
@@ -12352,39 +12674,7 @@
               <a:buFont typeface="Arial"/>
               <a:buChar char="•"/>
             </a:pPr>
-            <a:r>
-              <a:rPr lang="en-US" sz="2400" dirty="0">
-                <a:ea typeface="+mn-lt"/>
-                <a:cs typeface="+mn-lt"/>
-              </a:rPr>
-              <a:t>Severe class imbalance limited both models’ ability to identify the minority group accurately.</a:t>
-            </a:r>
-          </a:p>
-          <a:p>
-            <a:pPr>
-              <a:lnSpc>
-                <a:spcPct val="150000"/>
-              </a:lnSpc>
-              <a:buFont typeface="Arial"/>
-              <a:buChar char="•"/>
-            </a:pPr>
-            <a:r>
-              <a:rPr lang="en-US" sz="2400" dirty="0">
-                <a:ea typeface="+mn-lt"/>
-                <a:cs typeface="+mn-lt"/>
-              </a:rPr>
-              <a:t>The factors help predict outcomes but are not strong enough alone to fully separate or explain mental health differences.</a:t>
-            </a:r>
-          </a:p>
-          <a:p>
-            <a:pPr>
-              <a:lnSpc>
-                <a:spcPct val="150000"/>
-              </a:lnSpc>
-              <a:buFont typeface="Arial"/>
-              <a:buChar char="•"/>
-            </a:pPr>
-            <a:endParaRPr lang="en-US" dirty="0">
+            <a:endParaRPr lang="en-US" sz="2000" dirty="0">
               <a:ea typeface="+mn-lt"/>
               <a:cs typeface="+mn-lt"/>
             </a:endParaRPr>
@@ -12404,7 +12694,7 @@
 </p:sld>
 </file>
 
-<file path=ppt/slides/slide23.xml><?xml version="1.0" encoding="utf-8"?>
+<file path=ppt/slides/slide24.xml><?xml version="1.0" encoding="utf-8"?>
 <p:sld xmlns:a="http://schemas.openxmlformats.org/drawingml/2006/main" xmlns:r="http://schemas.openxmlformats.org/officeDocument/2006/relationships" xmlns:p="http://schemas.openxmlformats.org/presentationml/2006/main">
   <p:cSld>
     <p:spTree>
@@ -12531,7 +12821,7 @@
 </p:sld>
 </file>
 
-<file path=ppt/slides/slide24.xml><?xml version="1.0" encoding="utf-8"?>
+<file path=ppt/slides/slide25.xml><?xml version="1.0" encoding="utf-8"?>
 <p:sld xmlns:a="http://schemas.openxmlformats.org/drawingml/2006/main" xmlns:r="http://schemas.openxmlformats.org/officeDocument/2006/relationships" xmlns:p="http://schemas.openxmlformats.org/presentationml/2006/main">
   <p:cSld>
     <p:spTree>
@@ -13002,7 +13292,7 @@
 </p:sld>
 </file>
 
-<file path=ppt/slides/slide25.xml><?xml version="1.0" encoding="utf-8"?>
+<file path=ppt/slides/slide26.xml><?xml version="1.0" encoding="utf-8"?>
 <p:sld xmlns:a="http://schemas.openxmlformats.org/drawingml/2006/main" xmlns:r="http://schemas.openxmlformats.org/officeDocument/2006/relationships" xmlns:p="http://schemas.openxmlformats.org/presentationml/2006/main">
   <p:cSld>
     <p:spTree>
@@ -13177,7 +13467,7 @@
 </p:sld>
 </file>
 
-<file path=ppt/slides/slide26.xml><?xml version="1.0" encoding="utf-8"?>
+<file path=ppt/slides/slide27.xml><?xml version="1.0" encoding="utf-8"?>
 <p:sld xmlns:a="http://schemas.openxmlformats.org/drawingml/2006/main" xmlns:r="http://schemas.openxmlformats.org/officeDocument/2006/relationships" xmlns:p="http://schemas.openxmlformats.org/presentationml/2006/main">
   <p:cSld>
     <p:spTree>
@@ -13488,7 +13778,7 @@
 </p:sld>
 </file>
 
-<file path=ppt/slides/slide27.xml><?xml version="1.0" encoding="utf-8"?>
+<file path=ppt/slides/slide28.xml><?xml version="1.0" encoding="utf-8"?>
 <p:sld xmlns:a="http://schemas.openxmlformats.org/drawingml/2006/main" xmlns:r="http://schemas.openxmlformats.org/officeDocument/2006/relationships" xmlns:p="http://schemas.openxmlformats.org/presentationml/2006/main">
   <p:cSld>
     <p:spTree>
@@ -13780,7 +14070,7 @@
 </p:sld>
 </file>
 
-<file path=ppt/slides/slide28.xml><?xml version="1.0" encoding="utf-8"?>
+<file path=ppt/slides/slide29.xml><?xml version="1.0" encoding="utf-8"?>
 <p:sld xmlns:a="http://schemas.openxmlformats.org/drawingml/2006/main" xmlns:r="http://schemas.openxmlformats.org/officeDocument/2006/relationships" xmlns:p="http://schemas.openxmlformats.org/presentationml/2006/main">
   <p:cSld>
     <p:spTree>
@@ -14040,7 +14330,173 @@
 </p:sld>
 </file>
 
-<file path=ppt/slides/slide29.xml><?xml version="1.0" encoding="utf-8"?>
+<file path=ppt/slides/slide3.xml><?xml version="1.0" encoding="utf-8"?>
+<p:sld xmlns:a="http://schemas.openxmlformats.org/drawingml/2006/main" xmlns:r="http://schemas.openxmlformats.org/officeDocument/2006/relationships" xmlns:p="http://schemas.openxmlformats.org/presentationml/2006/main">
+  <p:cSld>
+    <p:spTree>
+      <p:nvGrpSpPr>
+        <p:cNvPr id="1" name="">
+          <a:extLst>
+            <a:ext uri="{FF2B5EF4-FFF2-40B4-BE49-F238E27FC236}">
+              <a16:creationId xmlns:a16="http://schemas.microsoft.com/office/drawing/2014/main" id="{707CD19F-E01E-3D48-753B-9D656EBDAEE4}"/>
+            </a:ext>
+          </a:extLst>
+        </p:cNvPr>
+        <p:cNvGrpSpPr/>
+        <p:nvPr/>
+      </p:nvGrpSpPr>
+      <p:grpSpPr>
+        <a:xfrm>
+          <a:off x="0" y="0"/>
+          <a:ext cx="0" cy="0"/>
+          <a:chOff x="0" y="0"/>
+          <a:chExt cx="0" cy="0"/>
+        </a:xfrm>
+      </p:grpSpPr>
+      <p:sp>
+        <p:nvSpPr>
+          <p:cNvPr id="2" name="標題 1">
+            <a:extLst>
+              <a:ext uri="{FF2B5EF4-FFF2-40B4-BE49-F238E27FC236}">
+                <a16:creationId xmlns:a16="http://schemas.microsoft.com/office/drawing/2014/main" id="{9FFB6820-A860-9329-7C80-A2FDFE3462CC}"/>
+              </a:ext>
+            </a:extLst>
+          </p:cNvPr>
+          <p:cNvSpPr>
+            <a:spLocks noGrp="1"/>
+          </p:cNvSpPr>
+          <p:nvPr>
+            <p:ph type="title"/>
+          </p:nvPr>
+        </p:nvSpPr>
+        <p:spPr/>
+        <p:txBody>
+          <a:bodyPr/>
+          <a:lstStyle/>
+          <a:p>
+            <a:r>
+              <a:rPr kumimoji="1" lang="en-US" altLang="zh-TW" b="1">
+                <a:latin typeface="Times New Roman" panose="02020603050405020304" pitchFamily="18" charset="0"/>
+                <a:cs typeface="Times New Roman" panose="02020603050405020304" pitchFamily="18" charset="0"/>
+              </a:rPr>
+              <a:t>Data cleaning</a:t>
+            </a:r>
+            <a:endParaRPr kumimoji="1" lang="zh-TW" altLang="en-US" b="1">
+              <a:latin typeface="Times New Roman" panose="02020603050405020304" pitchFamily="18" charset="0"/>
+              <a:cs typeface="Times New Roman" panose="02020603050405020304" pitchFamily="18" charset="0"/>
+            </a:endParaRPr>
+          </a:p>
+        </p:txBody>
+      </p:sp>
+      <p:sp>
+        <p:nvSpPr>
+          <p:cNvPr id="3" name="內容版面配置區 2">
+            <a:extLst>
+              <a:ext uri="{FF2B5EF4-FFF2-40B4-BE49-F238E27FC236}">
+                <a16:creationId xmlns:a16="http://schemas.microsoft.com/office/drawing/2014/main" id="{CA55CBFD-61CB-C6F0-4B9F-8C78BD30C22A}"/>
+              </a:ext>
+            </a:extLst>
+          </p:cNvPr>
+          <p:cNvSpPr>
+            <a:spLocks noGrp="1"/>
+          </p:cNvSpPr>
+          <p:nvPr>
+            <p:ph idx="1"/>
+          </p:nvPr>
+        </p:nvSpPr>
+        <p:spPr>
+          <a:xfrm>
+            <a:off x="677334" y="1930400"/>
+            <a:ext cx="8993363" cy="3880773"/>
+          </a:xfrm>
+        </p:spPr>
+        <p:txBody>
+          <a:bodyPr vert="horz" lIns="91440" tIns="45720" rIns="91440" bIns="45720" rtlCol="0" anchor="t">
+            <a:normAutofit/>
+          </a:bodyPr>
+          <a:lstStyle/>
+          <a:p>
+            <a:r>
+              <a:rPr lang="en" altLang="zh-TW" sz="2400">
+                <a:latin typeface="Times New Roman"/>
+                <a:ea typeface="微軟正黑體"/>
+                <a:cs typeface="Times New Roman"/>
+              </a:rPr>
+              <a:t>Subset and filter data using column names and specific conditions</a:t>
+            </a:r>
+          </a:p>
+          <a:p>
+            <a:r>
+              <a:rPr lang="en" altLang="zh-TW" sz="2400">
+                <a:latin typeface="Times New Roman"/>
+                <a:ea typeface="微軟正黑體"/>
+                <a:cs typeface="Times New Roman"/>
+              </a:rPr>
+              <a:t>Convert “Unknown” to missing values in some cases</a:t>
+            </a:r>
+            <a:endParaRPr lang="en">
+              <a:latin typeface="Times New Roman"/>
+              <a:ea typeface="微軟正黑體"/>
+              <a:cs typeface="Times New Roman"/>
+            </a:endParaRPr>
+          </a:p>
+          <a:p>
+            <a:r>
+              <a:rPr kumimoji="1" lang="en" altLang="zh-TW" sz="2400">
+                <a:latin typeface="Times New Roman" panose="02020603050405020304" pitchFamily="18" charset="0"/>
+                <a:cs typeface="Times New Roman" panose="02020603050405020304" pitchFamily="18" charset="0"/>
+              </a:rPr>
+              <a:t>Remove missing values</a:t>
+            </a:r>
+            <a:endParaRPr kumimoji="1" lang="en-US" altLang="zh-TW" sz="2400">
+              <a:latin typeface="Times New Roman" panose="02020603050405020304" pitchFamily="18" charset="0"/>
+              <a:cs typeface="Times New Roman" panose="02020603050405020304" pitchFamily="18" charset="0"/>
+            </a:endParaRPr>
+          </a:p>
+          <a:p>
+            <a:r>
+              <a:rPr lang="en" altLang="zh-TW" sz="2400">
+                <a:latin typeface="Times New Roman"/>
+                <a:ea typeface="微軟正黑體"/>
+                <a:cs typeface="Times New Roman"/>
+              </a:rPr>
+              <a:t>Encode Categorical variables </a:t>
+            </a:r>
+            <a:endParaRPr kumimoji="1" lang="en" altLang="zh-TW" sz="2400">
+              <a:latin typeface="Times New Roman"/>
+              <a:ea typeface="微軟正黑體"/>
+              <a:cs typeface="Times New Roman"/>
+            </a:endParaRPr>
+          </a:p>
+          <a:p>
+            <a:r>
+              <a:rPr kumimoji="1" lang="en-US" altLang="zh-TW" sz="2400">
+                <a:latin typeface="Times New Roman" panose="02020603050405020304" pitchFamily="18" charset="0"/>
+                <a:cs typeface="Times New Roman" panose="02020603050405020304" pitchFamily="18" charset="0"/>
+              </a:rPr>
+              <a:t>146737 observations after data cleaning</a:t>
+            </a:r>
+            <a:endParaRPr kumimoji="1" lang="en" altLang="zh-TW" sz="2400">
+              <a:latin typeface="Times New Roman" panose="02020603050405020304" pitchFamily="18" charset="0"/>
+              <a:cs typeface="Times New Roman" panose="02020603050405020304" pitchFamily="18" charset="0"/>
+            </a:endParaRPr>
+          </a:p>
+        </p:txBody>
+      </p:sp>
+    </p:spTree>
+    <p:extLst>
+      <p:ext uri="{BB962C8B-B14F-4D97-AF65-F5344CB8AC3E}">
+        <p14:creationId xmlns:p14="http://schemas.microsoft.com/office/powerpoint/2010/main" val="1706725217"/>
+      </p:ext>
+    </p:extLst>
+  </p:cSld>
+  <p:clrMapOvr>
+    <a:masterClrMapping/>
+  </p:clrMapOvr>
+</p:sld>
+</file>
+
+<file path=ppt/slides/slide30.xml><?xml version="1.0" encoding="utf-8"?>
 <p:sld xmlns:a="http://schemas.openxmlformats.org/drawingml/2006/main" xmlns:r="http://schemas.openxmlformats.org/officeDocument/2006/relationships" xmlns:p="http://schemas.openxmlformats.org/presentationml/2006/main">
   <p:cSld>
     <p:spTree>
@@ -14390,173 +14846,7 @@
 </p:sld>
 </file>
 
-<file path=ppt/slides/slide3.xml><?xml version="1.0" encoding="utf-8"?>
-<p:sld xmlns:a="http://schemas.openxmlformats.org/drawingml/2006/main" xmlns:r="http://schemas.openxmlformats.org/officeDocument/2006/relationships" xmlns:p="http://schemas.openxmlformats.org/presentationml/2006/main">
-  <p:cSld>
-    <p:spTree>
-      <p:nvGrpSpPr>
-        <p:cNvPr id="1" name="">
-          <a:extLst>
-            <a:ext uri="{FF2B5EF4-FFF2-40B4-BE49-F238E27FC236}">
-              <a16:creationId xmlns:a16="http://schemas.microsoft.com/office/drawing/2014/main" id="{707CD19F-E01E-3D48-753B-9D656EBDAEE4}"/>
-            </a:ext>
-          </a:extLst>
-        </p:cNvPr>
-        <p:cNvGrpSpPr/>
-        <p:nvPr/>
-      </p:nvGrpSpPr>
-      <p:grpSpPr>
-        <a:xfrm>
-          <a:off x="0" y="0"/>
-          <a:ext cx="0" cy="0"/>
-          <a:chOff x="0" y="0"/>
-          <a:chExt cx="0" cy="0"/>
-        </a:xfrm>
-      </p:grpSpPr>
-      <p:sp>
-        <p:nvSpPr>
-          <p:cNvPr id="2" name="標題 1">
-            <a:extLst>
-              <a:ext uri="{FF2B5EF4-FFF2-40B4-BE49-F238E27FC236}">
-                <a16:creationId xmlns:a16="http://schemas.microsoft.com/office/drawing/2014/main" id="{9FFB6820-A860-9329-7C80-A2FDFE3462CC}"/>
-              </a:ext>
-            </a:extLst>
-          </p:cNvPr>
-          <p:cNvSpPr>
-            <a:spLocks noGrp="1"/>
-          </p:cNvSpPr>
-          <p:nvPr>
-            <p:ph type="title"/>
-          </p:nvPr>
-        </p:nvSpPr>
-        <p:spPr/>
-        <p:txBody>
-          <a:bodyPr/>
-          <a:lstStyle/>
-          <a:p>
-            <a:r>
-              <a:rPr kumimoji="1" lang="en-US" altLang="zh-TW" b="1">
-                <a:latin typeface="Times New Roman" panose="02020603050405020304" pitchFamily="18" charset="0"/>
-                <a:cs typeface="Times New Roman" panose="02020603050405020304" pitchFamily="18" charset="0"/>
-              </a:rPr>
-              <a:t>Data cleaning</a:t>
-            </a:r>
-            <a:endParaRPr kumimoji="1" lang="zh-TW" altLang="en-US" b="1">
-              <a:latin typeface="Times New Roman" panose="02020603050405020304" pitchFamily="18" charset="0"/>
-              <a:cs typeface="Times New Roman" panose="02020603050405020304" pitchFamily="18" charset="0"/>
-            </a:endParaRPr>
-          </a:p>
-        </p:txBody>
-      </p:sp>
-      <p:sp>
-        <p:nvSpPr>
-          <p:cNvPr id="3" name="內容版面配置區 2">
-            <a:extLst>
-              <a:ext uri="{FF2B5EF4-FFF2-40B4-BE49-F238E27FC236}">
-                <a16:creationId xmlns:a16="http://schemas.microsoft.com/office/drawing/2014/main" id="{CA55CBFD-61CB-C6F0-4B9F-8C78BD30C22A}"/>
-              </a:ext>
-            </a:extLst>
-          </p:cNvPr>
-          <p:cNvSpPr>
-            <a:spLocks noGrp="1"/>
-          </p:cNvSpPr>
-          <p:nvPr>
-            <p:ph idx="1"/>
-          </p:nvPr>
-        </p:nvSpPr>
-        <p:spPr>
-          <a:xfrm>
-            <a:off x="677334" y="1930400"/>
-            <a:ext cx="8993363" cy="3880773"/>
-          </a:xfrm>
-        </p:spPr>
-        <p:txBody>
-          <a:bodyPr vert="horz" lIns="91440" tIns="45720" rIns="91440" bIns="45720" rtlCol="0" anchor="t">
-            <a:normAutofit/>
-          </a:bodyPr>
-          <a:lstStyle/>
-          <a:p>
-            <a:r>
-              <a:rPr lang="en" altLang="zh-TW" sz="2400">
-                <a:latin typeface="Times New Roman"/>
-                <a:ea typeface="微軟正黑體"/>
-                <a:cs typeface="Times New Roman"/>
-              </a:rPr>
-              <a:t>Subset and filter data using column names and specific conditions</a:t>
-            </a:r>
-          </a:p>
-          <a:p>
-            <a:r>
-              <a:rPr lang="en" altLang="zh-TW" sz="2400">
-                <a:latin typeface="Times New Roman"/>
-                <a:ea typeface="微軟正黑體"/>
-                <a:cs typeface="Times New Roman"/>
-              </a:rPr>
-              <a:t>Convert “Unknown” to missing values in some cases</a:t>
-            </a:r>
-            <a:endParaRPr lang="en">
-              <a:latin typeface="Times New Roman"/>
-              <a:ea typeface="微軟正黑體"/>
-              <a:cs typeface="Times New Roman"/>
-            </a:endParaRPr>
-          </a:p>
-          <a:p>
-            <a:r>
-              <a:rPr kumimoji="1" lang="en" altLang="zh-TW" sz="2400">
-                <a:latin typeface="Times New Roman" panose="02020603050405020304" pitchFamily="18" charset="0"/>
-                <a:cs typeface="Times New Roman" panose="02020603050405020304" pitchFamily="18" charset="0"/>
-              </a:rPr>
-              <a:t>Remove missing values</a:t>
-            </a:r>
-            <a:endParaRPr kumimoji="1" lang="en-US" altLang="zh-TW" sz="2400">
-              <a:latin typeface="Times New Roman" panose="02020603050405020304" pitchFamily="18" charset="0"/>
-              <a:cs typeface="Times New Roman" panose="02020603050405020304" pitchFamily="18" charset="0"/>
-            </a:endParaRPr>
-          </a:p>
-          <a:p>
-            <a:r>
-              <a:rPr lang="en" altLang="zh-TW" sz="2400">
-                <a:latin typeface="Times New Roman"/>
-                <a:ea typeface="微軟正黑體"/>
-                <a:cs typeface="Times New Roman"/>
-              </a:rPr>
-              <a:t>Encode Categorical variables </a:t>
-            </a:r>
-            <a:endParaRPr kumimoji="1" lang="en" altLang="zh-TW" sz="2400">
-              <a:latin typeface="Times New Roman"/>
-              <a:ea typeface="微軟正黑體"/>
-              <a:cs typeface="Times New Roman"/>
-            </a:endParaRPr>
-          </a:p>
-          <a:p>
-            <a:r>
-              <a:rPr kumimoji="1" lang="en-US" altLang="zh-TW" sz="2400">
-                <a:latin typeface="Times New Roman" panose="02020603050405020304" pitchFamily="18" charset="0"/>
-                <a:cs typeface="Times New Roman" panose="02020603050405020304" pitchFamily="18" charset="0"/>
-              </a:rPr>
-              <a:t>146737 observations after data cleaning</a:t>
-            </a:r>
-            <a:endParaRPr kumimoji="1" lang="en" altLang="zh-TW" sz="2400">
-              <a:latin typeface="Times New Roman" panose="02020603050405020304" pitchFamily="18" charset="0"/>
-              <a:cs typeface="Times New Roman" panose="02020603050405020304" pitchFamily="18" charset="0"/>
-            </a:endParaRPr>
-          </a:p>
-        </p:txBody>
-      </p:sp>
-    </p:spTree>
-    <p:extLst>
-      <p:ext uri="{BB962C8B-B14F-4D97-AF65-F5344CB8AC3E}">
-        <p14:creationId xmlns:p14="http://schemas.microsoft.com/office/powerpoint/2010/main" val="1706725217"/>
-      </p:ext>
-    </p:extLst>
-  </p:cSld>
-  <p:clrMapOvr>
-    <a:masterClrMapping/>
-  </p:clrMapOvr>
-</p:sld>
-</file>
-
-<file path=ppt/slides/slide30.xml><?xml version="1.0" encoding="utf-8"?>
+<file path=ppt/slides/slide31.xml><?xml version="1.0" encoding="utf-8"?>
 <p:sld xmlns:a="http://schemas.openxmlformats.org/drawingml/2006/main" xmlns:r="http://schemas.openxmlformats.org/officeDocument/2006/relationships" xmlns:p="http://schemas.openxmlformats.org/presentationml/2006/main">
   <p:cSld>
     <p:spTree>
@@ -15015,7 +15305,7 @@
 </p:sld>
 </file>
 
-<file path=ppt/slides/slide31.xml><?xml version="1.0" encoding="utf-8"?>
+<file path=ppt/slides/slide32.xml><?xml version="1.0" encoding="utf-8"?>
 <p:sld xmlns:a="http://schemas.openxmlformats.org/drawingml/2006/main" xmlns:r="http://schemas.openxmlformats.org/officeDocument/2006/relationships" xmlns:p="http://schemas.openxmlformats.org/presentationml/2006/main">
   <p:cSld>
     <p:spTree>
@@ -15106,6 +15396,102 @@
 </file>
 
 <file path=ppt/slides/slide4.xml><?xml version="1.0" encoding="utf-8"?>
+<p:sld xmlns:a="http://schemas.openxmlformats.org/drawingml/2006/main" xmlns:r="http://schemas.openxmlformats.org/officeDocument/2006/relationships" xmlns:p="http://schemas.openxmlformats.org/presentationml/2006/main">
+  <p:cSld>
+    <p:spTree>
+      <p:nvGrpSpPr>
+        <p:cNvPr id="1" name=""/>
+        <p:cNvGrpSpPr/>
+        <p:nvPr/>
+      </p:nvGrpSpPr>
+      <p:grpSpPr>
+        <a:xfrm>
+          <a:off x="0" y="0"/>
+          <a:ext cx="0" cy="0"/>
+          <a:chOff x="0" y="0"/>
+          <a:chExt cx="0" cy="0"/>
+        </a:xfrm>
+      </p:grpSpPr>
+      <p:sp>
+        <p:nvSpPr>
+          <p:cNvPr id="2" name="Title 1">
+            <a:extLst>
+              <a:ext uri="{FF2B5EF4-FFF2-40B4-BE49-F238E27FC236}">
+                <a16:creationId xmlns:a16="http://schemas.microsoft.com/office/drawing/2014/main" id="{91927BB7-7700-3D3C-64FD-707B00D57277}"/>
+              </a:ext>
+            </a:extLst>
+          </p:cNvPr>
+          <p:cNvSpPr>
+            <a:spLocks noGrp="1"/>
+          </p:cNvSpPr>
+          <p:nvPr>
+            <p:ph type="title"/>
+          </p:nvPr>
+        </p:nvSpPr>
+        <p:spPr/>
+        <p:txBody>
+          <a:bodyPr>
+            <a:normAutofit/>
+          </a:bodyPr>
+          <a:lstStyle/>
+          <a:p>
+            <a:r>
+              <a:rPr lang="en-US" sz="2200"/>
+              <a:t>Class Imbalance: Over 90% of individuals in New York reported having a mental illness</a:t>
+            </a:r>
+            <a:br>
+              <a:rPr lang="en-US"/>
+            </a:br>
+            <a:endParaRPr lang="en-US"/>
+          </a:p>
+        </p:txBody>
+      </p:sp>
+      <p:pic>
+        <p:nvPicPr>
+          <p:cNvPr id="5" name="Content Placeholder 4">
+            <a:extLst>
+              <a:ext uri="{FF2B5EF4-FFF2-40B4-BE49-F238E27FC236}">
+                <a16:creationId xmlns:a16="http://schemas.microsoft.com/office/drawing/2014/main" id="{B462CCF8-A433-07DB-ED3B-BD2CB394B8DE}"/>
+              </a:ext>
+            </a:extLst>
+          </p:cNvPr>
+          <p:cNvPicPr>
+            <a:picLocks noGrp="1" noChangeAspect="1"/>
+          </p:cNvPicPr>
+          <p:nvPr>
+            <p:ph idx="1"/>
+          </p:nvPr>
+        </p:nvPicPr>
+        <p:blipFill>
+          <a:blip r:embed="rId2"/>
+          <a:stretch>
+            <a:fillRect/>
+          </a:stretch>
+        </p:blipFill>
+        <p:spPr>
+          <a:xfrm>
+            <a:off x="944880" y="1373652"/>
+            <a:ext cx="6461760" cy="5187740"/>
+          </a:xfrm>
+          <a:prstGeom prst="rect">
+            <a:avLst/>
+          </a:prstGeom>
+        </p:spPr>
+      </p:pic>
+    </p:spTree>
+    <p:extLst>
+      <p:ext uri="{BB962C8B-B14F-4D97-AF65-F5344CB8AC3E}">
+        <p14:creationId xmlns:p14="http://schemas.microsoft.com/office/powerpoint/2010/main" val="4124866369"/>
+      </p:ext>
+    </p:extLst>
+  </p:cSld>
+  <p:clrMapOvr>
+    <a:masterClrMapping/>
+  </p:clrMapOvr>
+</p:sld>
+</file>
+
+<file path=ppt/slides/slide5.xml><?xml version="1.0" encoding="utf-8"?>
 <p:sld xmlns:a="http://schemas.openxmlformats.org/drawingml/2006/main" xmlns:r="http://schemas.openxmlformats.org/officeDocument/2006/relationships" xmlns:p="http://schemas.openxmlformats.org/presentationml/2006/main">
   <p:cSld>
     <p:spTree>
@@ -15208,102 +15594,6 @@
     <p:extLst>
       <p:ext uri="{BB962C8B-B14F-4D97-AF65-F5344CB8AC3E}">
         <p14:creationId xmlns:p14="http://schemas.microsoft.com/office/powerpoint/2010/main" val="2402511089"/>
-      </p:ext>
-    </p:extLst>
-  </p:cSld>
-  <p:clrMapOvr>
-    <a:masterClrMapping/>
-  </p:clrMapOvr>
-</p:sld>
-</file>
-
-<file path=ppt/slides/slide5.xml><?xml version="1.0" encoding="utf-8"?>
-<p:sld xmlns:a="http://schemas.openxmlformats.org/drawingml/2006/main" xmlns:r="http://schemas.openxmlformats.org/officeDocument/2006/relationships" xmlns:p="http://schemas.openxmlformats.org/presentationml/2006/main">
-  <p:cSld>
-    <p:spTree>
-      <p:nvGrpSpPr>
-        <p:cNvPr id="1" name=""/>
-        <p:cNvGrpSpPr/>
-        <p:nvPr/>
-      </p:nvGrpSpPr>
-      <p:grpSpPr>
-        <a:xfrm>
-          <a:off x="0" y="0"/>
-          <a:ext cx="0" cy="0"/>
-          <a:chOff x="0" y="0"/>
-          <a:chExt cx="0" cy="0"/>
-        </a:xfrm>
-      </p:grpSpPr>
-      <p:sp>
-        <p:nvSpPr>
-          <p:cNvPr id="2" name="Title 1">
-            <a:extLst>
-              <a:ext uri="{FF2B5EF4-FFF2-40B4-BE49-F238E27FC236}">
-                <a16:creationId xmlns:a16="http://schemas.microsoft.com/office/drawing/2014/main" id="{91927BB7-7700-3D3C-64FD-707B00D57277}"/>
-              </a:ext>
-            </a:extLst>
-          </p:cNvPr>
-          <p:cNvSpPr>
-            <a:spLocks noGrp="1"/>
-          </p:cNvSpPr>
-          <p:nvPr>
-            <p:ph type="title"/>
-          </p:nvPr>
-        </p:nvSpPr>
-        <p:spPr/>
-        <p:txBody>
-          <a:bodyPr>
-            <a:normAutofit/>
-          </a:bodyPr>
-          <a:lstStyle/>
-          <a:p>
-            <a:r>
-              <a:rPr lang="en-US" sz="2200"/>
-              <a:t>Class Imbalance: Over 90% of individuals in New York reported having a mental illness</a:t>
-            </a:r>
-            <a:br>
-              <a:rPr lang="en-US"/>
-            </a:br>
-            <a:endParaRPr lang="en-US"/>
-          </a:p>
-        </p:txBody>
-      </p:sp>
-      <p:pic>
-        <p:nvPicPr>
-          <p:cNvPr id="5" name="Content Placeholder 4">
-            <a:extLst>
-              <a:ext uri="{FF2B5EF4-FFF2-40B4-BE49-F238E27FC236}">
-                <a16:creationId xmlns:a16="http://schemas.microsoft.com/office/drawing/2014/main" id="{B462CCF8-A433-07DB-ED3B-BD2CB394B8DE}"/>
-              </a:ext>
-            </a:extLst>
-          </p:cNvPr>
-          <p:cNvPicPr>
-            <a:picLocks noGrp="1" noChangeAspect="1"/>
-          </p:cNvPicPr>
-          <p:nvPr>
-            <p:ph idx="1"/>
-          </p:nvPr>
-        </p:nvPicPr>
-        <p:blipFill>
-          <a:blip r:embed="rId2"/>
-          <a:stretch>
-            <a:fillRect/>
-          </a:stretch>
-        </p:blipFill>
-        <p:spPr>
-          <a:xfrm>
-            <a:off x="944880" y="1373652"/>
-            <a:ext cx="6461760" cy="5187740"/>
-          </a:xfrm>
-          <a:prstGeom prst="rect">
-            <a:avLst/>
-          </a:prstGeom>
-        </p:spPr>
-      </p:pic>
-    </p:spTree>
-    <p:extLst>
-      <p:ext uri="{BB962C8B-B14F-4D97-AF65-F5344CB8AC3E}">
-        <p14:creationId xmlns:p14="http://schemas.microsoft.com/office/powerpoint/2010/main" val="4124866369"/>
       </p:ext>
     </p:extLst>
   </p:cSld>
@@ -15456,7 +15746,7 @@
           <p:cNvPr id="2" name="Title 1">
             <a:extLst>
               <a:ext uri="{FF2B5EF4-FFF2-40B4-BE49-F238E27FC236}">
-                <a16:creationId xmlns:a16="http://schemas.microsoft.com/office/drawing/2014/main" id="{5C3DCDDC-DB85-6D2E-64B2-5B81F71B92A8}"/>
+                <a16:creationId xmlns:a16="http://schemas.microsoft.com/office/drawing/2014/main" id="{86A013A9-5EAC-67F8-2AEA-9F6F1D190EEC}"/>
               </a:ext>
             </a:extLst>
           </p:cNvPr>
@@ -15474,26 +15764,24 @@
           <a:p>
             <a:r>
               <a:rPr lang="en-US"/>
-              <a:t>Logistic Regression</a:t>
+              <a:t>Correlation Matrix</a:t>
             </a:r>
           </a:p>
         </p:txBody>
       </p:sp>
       <p:pic>
         <p:nvPicPr>
-          <p:cNvPr id="5" name="Content Placeholder 4">
+          <p:cNvPr id="5" name="Picture 4">
             <a:extLst>
               <a:ext uri="{FF2B5EF4-FFF2-40B4-BE49-F238E27FC236}">
-                <a16:creationId xmlns:a16="http://schemas.microsoft.com/office/drawing/2014/main" id="{1CFEF64C-D530-53AF-577C-C65696F6E1DA}"/>
+                <a16:creationId xmlns:a16="http://schemas.microsoft.com/office/drawing/2014/main" id="{B6DE2A1D-A53E-06D7-EDD9-1E2AC1ED4FEF}"/>
               </a:ext>
             </a:extLst>
           </p:cNvPr>
           <p:cNvPicPr>
-            <a:picLocks noGrp="1" noChangeAspect="1"/>
+            <a:picLocks noChangeAspect="1"/>
           </p:cNvPicPr>
-          <p:nvPr>
-            <p:ph idx="1"/>
-          </p:nvPr>
+          <p:nvPr/>
         </p:nvPicPr>
         <p:blipFill>
           <a:blip r:embed="rId3"/>
@@ -15503,18 +15791,53 @@
         </p:blipFill>
         <p:spPr>
           <a:xfrm>
-            <a:off x="1812279" y="2011415"/>
-            <a:ext cx="5726441" cy="4576688"/>
+            <a:off x="677334" y="1643247"/>
+            <a:ext cx="5982962" cy="4706753"/>
           </a:xfrm>
           <a:prstGeom prst="rect">
             <a:avLst/>
           </a:prstGeom>
         </p:spPr>
       </p:pic>
+      <p:sp>
+        <p:nvSpPr>
+          <p:cNvPr id="6" name="TextBox 5">
+            <a:extLst>
+              <a:ext uri="{FF2B5EF4-FFF2-40B4-BE49-F238E27FC236}">
+                <a16:creationId xmlns:a16="http://schemas.microsoft.com/office/drawing/2014/main" id="{39B88395-FC3E-6AB9-8BAF-C89469E40847}"/>
+              </a:ext>
+            </a:extLst>
+          </p:cNvPr>
+          <p:cNvSpPr txBox="1"/>
+          <p:nvPr/>
+        </p:nvSpPr>
+        <p:spPr>
+          <a:xfrm>
+            <a:off x="6660296" y="3630585"/>
+            <a:ext cx="3373120" cy="369332"/>
+          </a:xfrm>
+          <a:prstGeom prst="rect">
+            <a:avLst/>
+          </a:prstGeom>
+          <a:noFill/>
+        </p:spPr>
+        <p:txBody>
+          <a:bodyPr wrap="square" rtlCol="0">
+            <a:spAutoFit/>
+          </a:bodyPr>
+          <a:lstStyle/>
+          <a:p>
+            <a:r>
+              <a:rPr lang="en-US"/>
+              <a:t>*No correlation is above 0.51</a:t>
+            </a:r>
+          </a:p>
+        </p:txBody>
+      </p:sp>
     </p:spTree>
     <p:extLst>
       <p:ext uri="{BB962C8B-B14F-4D97-AF65-F5344CB8AC3E}">
-        <p14:creationId xmlns:p14="http://schemas.microsoft.com/office/powerpoint/2010/main" val="1919978328"/>
+        <p14:creationId xmlns:p14="http://schemas.microsoft.com/office/powerpoint/2010/main" val="1748006529"/>
       </p:ext>
     </p:extLst>
   </p:cSld>
@@ -15546,7 +15869,7 @@
           <p:cNvPr id="2" name="Title 1">
             <a:extLst>
               <a:ext uri="{FF2B5EF4-FFF2-40B4-BE49-F238E27FC236}">
-                <a16:creationId xmlns:a16="http://schemas.microsoft.com/office/drawing/2014/main" id="{18A1BAB6-0B04-D715-99C2-1AFB743CE449}"/>
+                <a16:creationId xmlns:a16="http://schemas.microsoft.com/office/drawing/2014/main" id="{5C3DCDDC-DB85-6D2E-64B2-5B81F71B92A8}"/>
               </a:ext>
             </a:extLst>
           </p:cNvPr>
@@ -15564,7 +15887,7 @@
           <a:p>
             <a:r>
               <a:rPr lang="en-US"/>
-              <a:t>Odds Ratios</a:t>
+              <a:t>Logistic Regression</a:t>
             </a:r>
           </a:p>
         </p:txBody>
@@ -15574,7 +15897,7 @@
           <p:cNvPr id="5" name="Content Placeholder 4">
             <a:extLst>
               <a:ext uri="{FF2B5EF4-FFF2-40B4-BE49-F238E27FC236}">
-                <a16:creationId xmlns:a16="http://schemas.microsoft.com/office/drawing/2014/main" id="{588C5190-1805-5094-9D9D-9C8E03AE3D4B}"/>
+                <a16:creationId xmlns:a16="http://schemas.microsoft.com/office/drawing/2014/main" id="{1CFEF64C-D530-53AF-577C-C65696F6E1DA}"/>
               </a:ext>
             </a:extLst>
           </p:cNvPr>
@@ -15593,18 +15916,53 @@
         </p:blipFill>
         <p:spPr>
           <a:xfrm>
-            <a:off x="1060439" y="1353525"/>
-            <a:ext cx="6813561" cy="5007237"/>
+            <a:off x="1812279" y="2011415"/>
+            <a:ext cx="5726441" cy="4576688"/>
           </a:xfrm>
           <a:prstGeom prst="rect">
             <a:avLst/>
           </a:prstGeom>
         </p:spPr>
       </p:pic>
+      <p:sp>
+        <p:nvSpPr>
+          <p:cNvPr id="3" name="TextBox 2">
+            <a:extLst>
+              <a:ext uri="{FF2B5EF4-FFF2-40B4-BE49-F238E27FC236}">
+                <a16:creationId xmlns:a16="http://schemas.microsoft.com/office/drawing/2014/main" id="{227C44DD-CFC5-3227-55FE-A98F29178CAE}"/>
+              </a:ext>
+            </a:extLst>
+          </p:cNvPr>
+          <p:cNvSpPr txBox="1"/>
+          <p:nvPr/>
+        </p:nvSpPr>
+        <p:spPr>
+          <a:xfrm>
+            <a:off x="7894320" y="3630137"/>
+            <a:ext cx="1645920" cy="369332"/>
+          </a:xfrm>
+          <a:prstGeom prst="rect">
+            <a:avLst/>
+          </a:prstGeom>
+          <a:noFill/>
+        </p:spPr>
+        <p:txBody>
+          <a:bodyPr wrap="square" rtlCol="0">
+            <a:spAutoFit/>
+          </a:bodyPr>
+          <a:lstStyle/>
+          <a:p>
+            <a:r>
+              <a:rPr lang="en-US" dirty="0"/>
+              <a:t>Accuracy: 97%</a:t>
+            </a:r>
+          </a:p>
+        </p:txBody>
+      </p:sp>
     </p:spTree>
     <p:extLst>
       <p:ext uri="{BB962C8B-B14F-4D97-AF65-F5344CB8AC3E}">
-        <p14:creationId xmlns:p14="http://schemas.microsoft.com/office/powerpoint/2010/main" val="4284419568"/>
+        <p14:creationId xmlns:p14="http://schemas.microsoft.com/office/powerpoint/2010/main" val="1919978328"/>
       </p:ext>
     </p:extLst>
   </p:cSld>
@@ -15636,7 +15994,7 @@
           <p:cNvPr id="2" name="Title 1">
             <a:extLst>
               <a:ext uri="{FF2B5EF4-FFF2-40B4-BE49-F238E27FC236}">
-                <a16:creationId xmlns:a16="http://schemas.microsoft.com/office/drawing/2014/main" id="{F884975E-D18A-6B2A-1347-5BACF48DEA7D}"/>
+                <a16:creationId xmlns:a16="http://schemas.microsoft.com/office/drawing/2014/main" id="{18A1BAB6-0B04-D715-99C2-1AFB743CE449}"/>
               </a:ext>
             </a:extLst>
           </p:cNvPr>
@@ -15654,24 +16012,26 @@
           <a:p>
             <a:r>
               <a:rPr lang="en-US"/>
-              <a:t>Balancing Class Weight</a:t>
+              <a:t>Odds Ratios</a:t>
             </a:r>
           </a:p>
         </p:txBody>
       </p:sp>
       <p:pic>
         <p:nvPicPr>
-          <p:cNvPr id="5" name="Picture 4">
+          <p:cNvPr id="5" name="Content Placeholder 4">
             <a:extLst>
               <a:ext uri="{FF2B5EF4-FFF2-40B4-BE49-F238E27FC236}">
-                <a16:creationId xmlns:a16="http://schemas.microsoft.com/office/drawing/2014/main" id="{3BC982DC-7FC2-867A-9BAB-B4010AC66475}"/>
+                <a16:creationId xmlns:a16="http://schemas.microsoft.com/office/drawing/2014/main" id="{588C5190-1805-5094-9D9D-9C8E03AE3D4B}"/>
               </a:ext>
             </a:extLst>
           </p:cNvPr>
           <p:cNvPicPr>
-            <a:picLocks noChangeAspect="1"/>
+            <a:picLocks noGrp="1" noChangeAspect="1"/>
           </p:cNvPicPr>
-          <p:nvPr/>
+          <p:nvPr>
+            <p:ph idx="1"/>
+          </p:nvPr>
         </p:nvPicPr>
         <p:blipFill>
           <a:blip r:embed="rId3"/>
@@ -15681,8 +16041,8 @@
         </p:blipFill>
         <p:spPr>
           <a:xfrm>
-            <a:off x="1320800" y="1439494"/>
-            <a:ext cx="6380479" cy="5066850"/>
+            <a:off x="1060439" y="1353525"/>
+            <a:ext cx="6813561" cy="5007237"/>
           </a:xfrm>
           <a:prstGeom prst="rect">
             <a:avLst/>
@@ -15692,7 +16052,7 @@
     </p:spTree>
     <p:extLst>
       <p:ext uri="{BB962C8B-B14F-4D97-AF65-F5344CB8AC3E}">
-        <p14:creationId xmlns:p14="http://schemas.microsoft.com/office/powerpoint/2010/main" val="628236639"/>
+        <p14:creationId xmlns:p14="http://schemas.microsoft.com/office/powerpoint/2010/main" val="4284419568"/>
       </p:ext>
     </p:extLst>
   </p:cSld>
